--- a/Multiple_Linear_Regression/Multiple_linear_Regression.pptx
+++ b/Multiple_Linear_Regression/Multiple_linear_Regression.pptx
@@ -108,6 +108,11 @@
       </a:defRPr>
     </a:lvl9pPr>
   </p:defaultTextStyle>
+  <p:extLst>
+    <p:ext uri="{EFAFB233-063F-42B5-8137-9DF3F51BA10A}">
+      <p15:sldGuideLst xmlns:p15="http://schemas.microsoft.com/office/powerpoint/2012/main"/>
+    </p:ext>
+  </p:extLst>
 </p:presentation>
 </file>
 
@@ -292,7 +297,7 @@
           <a:p>
             <a:fld id="{94DC2EC4-A682-4648-AE49-70173C237B3A}" type="datetimeFigureOut">
               <a:rPr lang="en-US" smtClean="0"/>
-              <a:t>1/4/2019</a:t>
+              <a:t>1/7/2019</a:t>
             </a:fld>
             <a:endParaRPr lang="en-US"/>
           </a:p>
@@ -462,7 +467,7 @@
           <a:p>
             <a:fld id="{94DC2EC4-A682-4648-AE49-70173C237B3A}" type="datetimeFigureOut">
               <a:rPr lang="en-US" smtClean="0"/>
-              <a:t>1/4/2019</a:t>
+              <a:t>1/7/2019</a:t>
             </a:fld>
             <a:endParaRPr lang="en-US"/>
           </a:p>
@@ -642,7 +647,7 @@
           <a:p>
             <a:fld id="{94DC2EC4-A682-4648-AE49-70173C237B3A}" type="datetimeFigureOut">
               <a:rPr lang="en-US" smtClean="0"/>
-              <a:t>1/4/2019</a:t>
+              <a:t>1/7/2019</a:t>
             </a:fld>
             <a:endParaRPr lang="en-US"/>
           </a:p>
@@ -812,7 +817,7 @@
           <a:p>
             <a:fld id="{94DC2EC4-A682-4648-AE49-70173C237B3A}" type="datetimeFigureOut">
               <a:rPr lang="en-US" smtClean="0"/>
-              <a:t>1/4/2019</a:t>
+              <a:t>1/7/2019</a:t>
             </a:fld>
             <a:endParaRPr lang="en-US"/>
           </a:p>
@@ -1058,7 +1063,7 @@
           <a:p>
             <a:fld id="{94DC2EC4-A682-4648-AE49-70173C237B3A}" type="datetimeFigureOut">
               <a:rPr lang="en-US" smtClean="0"/>
-              <a:t>1/4/2019</a:t>
+              <a:t>1/7/2019</a:t>
             </a:fld>
             <a:endParaRPr lang="en-US"/>
           </a:p>
@@ -1346,7 +1351,7 @@
           <a:p>
             <a:fld id="{94DC2EC4-A682-4648-AE49-70173C237B3A}" type="datetimeFigureOut">
               <a:rPr lang="en-US" smtClean="0"/>
-              <a:t>1/4/2019</a:t>
+              <a:t>1/7/2019</a:t>
             </a:fld>
             <a:endParaRPr lang="en-US"/>
           </a:p>
@@ -1768,7 +1773,7 @@
           <a:p>
             <a:fld id="{94DC2EC4-A682-4648-AE49-70173C237B3A}" type="datetimeFigureOut">
               <a:rPr lang="en-US" smtClean="0"/>
-              <a:t>1/4/2019</a:t>
+              <a:t>1/7/2019</a:t>
             </a:fld>
             <a:endParaRPr lang="en-US"/>
           </a:p>
@@ -1886,7 +1891,7 @@
           <a:p>
             <a:fld id="{94DC2EC4-A682-4648-AE49-70173C237B3A}" type="datetimeFigureOut">
               <a:rPr lang="en-US" smtClean="0"/>
-              <a:t>1/4/2019</a:t>
+              <a:t>1/7/2019</a:t>
             </a:fld>
             <a:endParaRPr lang="en-US"/>
           </a:p>
@@ -1981,7 +1986,7 @@
           <a:p>
             <a:fld id="{94DC2EC4-A682-4648-AE49-70173C237B3A}" type="datetimeFigureOut">
               <a:rPr lang="en-US" smtClean="0"/>
-              <a:t>1/4/2019</a:t>
+              <a:t>1/7/2019</a:t>
             </a:fld>
             <a:endParaRPr lang="en-US"/>
           </a:p>
@@ -2258,7 +2263,7 @@
           <a:p>
             <a:fld id="{94DC2EC4-A682-4648-AE49-70173C237B3A}" type="datetimeFigureOut">
               <a:rPr lang="en-US" smtClean="0"/>
-              <a:t>1/4/2019</a:t>
+              <a:t>1/7/2019</a:t>
             </a:fld>
             <a:endParaRPr lang="en-US"/>
           </a:p>
@@ -2515,7 +2520,7 @@
           <a:p>
             <a:fld id="{94DC2EC4-A682-4648-AE49-70173C237B3A}" type="datetimeFigureOut">
               <a:rPr lang="en-US" smtClean="0"/>
-              <a:t>1/4/2019</a:t>
+              <a:t>1/7/2019</a:t>
             </a:fld>
             <a:endParaRPr lang="en-US"/>
           </a:p>
@@ -2726,7 +2731,7 @@
           <a:p>
             <a:fld id="{94DC2EC4-A682-4648-AE49-70173C237B3A}" type="datetimeFigureOut">
               <a:rPr lang="en-US" smtClean="0"/>
-              <a:t>1/4/2019</a:t>
+              <a:t>1/7/2019</a:t>
             </a:fld>
             <a:endParaRPr lang="en-US"/>
           </a:p>
@@ -3265,34 +3270,29 @@
               <a:t> To develop a model which would help the investor to decide which investments </a:t>
             </a:r>
             <a:r>
-              <a:rPr lang="en-US" dirty="0" err="1" smtClean="0"/>
-              <a:t>whould</a:t>
-            </a:r>
-            <a:r>
               <a:rPr lang="en-US" dirty="0" smtClean="0"/>
-              <a:t> lead him to the best </a:t>
-            </a:r>
-            <a:r>
-              <a:rPr lang="en-US" dirty="0" err="1" smtClean="0"/>
-              <a:t>profists</a:t>
+              <a:t>would </a:t>
             </a:r>
             <a:r>
               <a:rPr lang="en-US" dirty="0" smtClean="0"/>
-              <a:t> and which </a:t>
-            </a:r>
-            <a:r>
-              <a:rPr lang="en-US" dirty="0" err="1" smtClean="0"/>
-              <a:t>whould</a:t>
+              <a:t>lead him to the best </a:t>
             </a:r>
             <a:r>
               <a:rPr lang="en-US" dirty="0" smtClean="0"/>
-              <a:t> also help him to determine what </a:t>
+              <a:t>profits </a:t>
             </a:r>
             <a:r>
               <a:rPr lang="en-US" dirty="0" smtClean="0"/>
-              <a:t>amount of profit he would gain with the type of investment he decides on.</a:t>
-            </a:r>
-            <a:endParaRPr lang="en-US" dirty="0" smtClean="0"/>
+              <a:t>and which </a:t>
+            </a:r>
+            <a:r>
+              <a:rPr lang="en-US" dirty="0" smtClean="0"/>
+              <a:t>would </a:t>
+            </a:r>
+            <a:r>
+              <a:rPr lang="en-US" dirty="0" smtClean="0"/>
+              <a:t>also help him to determine what amount of profit he would gain with the type of investment he decides on.</a:t>
+            </a:r>
           </a:p>
           <a:p>
             <a:endParaRPr lang="en-US" b="1" u="sng" dirty="0"/>
@@ -3316,7 +3316,7 @@
           <a:p>
             <a:fld id="{CE5545B6-6FDD-460F-A1D5-7DBF4363784A}" type="datetime3">
               <a:rPr lang="en-US" smtClean="0"/>
-              <a:t>4 January 2019</a:t>
+              <a:t>7 January 2019</a:t>
             </a:fld>
             <a:endParaRPr lang="en-US"/>
           </a:p>
@@ -3600,6 +3600,548 @@
           </a:p>
         </p:txBody>
       </p:sp>
+      <p:grpSp>
+        <p:nvGrpSpPr>
+          <p:cNvPr id="6" name="Group 5"/>
+          <p:cNvGrpSpPr/>
+          <p:nvPr/>
+        </p:nvGrpSpPr>
+        <p:grpSpPr>
+          <a:xfrm>
+            <a:off x="977402" y="2561376"/>
+            <a:ext cx="6738851" cy="1290807"/>
+            <a:chOff x="423949" y="1637606"/>
+            <a:chExt cx="3873731" cy="415637"/>
+          </a:xfrm>
+        </p:grpSpPr>
+        <p:sp>
+          <p:nvSpPr>
+            <p:cNvPr id="3" name="Rectangle 2"/>
+            <p:cNvSpPr/>
+            <p:nvPr/>
+          </p:nvSpPr>
+          <p:spPr>
+            <a:xfrm>
+              <a:off x="423949" y="1637606"/>
+              <a:ext cx="3873731" cy="415637"/>
+            </a:xfrm>
+            <a:prstGeom prst="rect">
+              <a:avLst/>
+            </a:prstGeom>
+          </p:spPr>
+          <p:style>
+            <a:lnRef idx="2">
+              <a:schemeClr val="accent1">
+                <a:shade val="50000"/>
+              </a:schemeClr>
+            </a:lnRef>
+            <a:fillRef idx="1">
+              <a:schemeClr val="accent1"/>
+            </a:fillRef>
+            <a:effectRef idx="0">
+              <a:schemeClr val="accent1"/>
+            </a:effectRef>
+            <a:fontRef idx="minor">
+              <a:schemeClr val="lt1"/>
+            </a:fontRef>
+          </p:style>
+          <p:txBody>
+            <a:bodyPr rtlCol="0" anchor="ctr"/>
+            <a:lstStyle/>
+            <a:p>
+              <a:pPr algn="ctr"/>
+              <a:endParaRPr lang="en-US" dirty="0"/>
+            </a:p>
+          </p:txBody>
+        </p:sp>
+        <p:sp>
+          <p:nvSpPr>
+            <p:cNvPr id="4" name="TextBox 3"/>
+            <p:cNvSpPr txBox="1"/>
+            <p:nvPr/>
+          </p:nvSpPr>
+          <p:spPr>
+            <a:xfrm>
+              <a:off x="423950" y="1639649"/>
+              <a:ext cx="3873730" cy="267579"/>
+            </a:xfrm>
+            <a:prstGeom prst="rect">
+              <a:avLst/>
+            </a:prstGeom>
+            <a:noFill/>
+          </p:spPr>
+          <p:txBody>
+            <a:bodyPr wrap="square" rtlCol="0">
+              <a:spAutoFit/>
+            </a:bodyPr>
+            <a:lstStyle/>
+            <a:p>
+              <a:r>
+                <a:rPr lang="en-US" b="1" i="1" u="sng" dirty="0" smtClean="0">
+                  <a:solidFill>
+                    <a:schemeClr val="bg1">
+                      <a:lumMod val="95000"/>
+                    </a:schemeClr>
+                  </a:solidFill>
+                </a:rPr>
+                <a:t>Multiple </a:t>
+              </a:r>
+              <a:r>
+                <a:rPr lang="en-US" b="1" i="1" u="sng" dirty="0">
+                  <a:solidFill>
+                    <a:schemeClr val="bg1">
+                      <a:lumMod val="95000"/>
+                    </a:schemeClr>
+                  </a:solidFill>
+                </a:rPr>
+                <a:t>linear Regression </a:t>
+              </a:r>
+              <a:r>
+                <a:rPr lang="en-US" dirty="0">
+                  <a:solidFill>
+                    <a:schemeClr val="bg1">
+                      <a:lumMod val="95000"/>
+                    </a:schemeClr>
+                  </a:solidFill>
+                </a:rPr>
+                <a:t>: y = </a:t>
+              </a:r>
+              <a:r>
+                <a:rPr lang="en-US" dirty="0" smtClean="0">
+                  <a:solidFill>
+                    <a:schemeClr val="bg1">
+                      <a:lumMod val="95000"/>
+                    </a:schemeClr>
+                  </a:solidFill>
+                </a:rPr>
+                <a:t>a+bx</a:t>
+              </a:r>
+              <a:r>
+                <a:rPr lang="en-US" baseline="-25000" dirty="0" smtClean="0">
+                  <a:solidFill>
+                    <a:schemeClr val="bg1">
+                      <a:lumMod val="95000"/>
+                    </a:schemeClr>
+                  </a:solidFill>
+                </a:rPr>
+                <a:t>1</a:t>
+              </a:r>
+              <a:r>
+                <a:rPr lang="en-US" dirty="0" smtClean="0">
+                  <a:solidFill>
+                    <a:schemeClr val="bg1">
+                      <a:lumMod val="95000"/>
+                    </a:schemeClr>
+                  </a:solidFill>
+                </a:rPr>
+                <a:t>+cx</a:t>
+              </a:r>
+              <a:r>
+                <a:rPr lang="en-US" baseline="-25000" dirty="0" smtClean="0">
+                  <a:solidFill>
+                    <a:schemeClr val="bg1">
+                      <a:lumMod val="95000"/>
+                    </a:schemeClr>
+                  </a:solidFill>
+                </a:rPr>
+                <a:t>2</a:t>
+              </a:r>
+              <a:r>
+                <a:rPr lang="en-US" dirty="0" smtClean="0">
+                  <a:solidFill>
+                    <a:schemeClr val="bg1">
+                      <a:lumMod val="95000"/>
+                    </a:schemeClr>
+                  </a:solidFill>
+                </a:rPr>
+                <a:t>+dx</a:t>
+              </a:r>
+              <a:r>
+                <a:rPr lang="en-US" baseline="-25000" dirty="0" smtClean="0">
+                  <a:solidFill>
+                    <a:schemeClr val="bg1">
+                      <a:lumMod val="95000"/>
+                    </a:schemeClr>
+                  </a:solidFill>
+                </a:rPr>
+                <a:t>3</a:t>
+              </a:r>
+            </a:p>
+            <a:p>
+              <a:endParaRPr lang="en-US" baseline="-25000" dirty="0">
+                <a:solidFill>
+                  <a:schemeClr val="bg1">
+                    <a:lumMod val="95000"/>
+                  </a:schemeClr>
+                </a:solidFill>
+              </a:endParaRPr>
+            </a:p>
+            <a:p>
+              <a:r>
+                <a:rPr lang="en-US" dirty="0" smtClean="0">
+                  <a:solidFill>
+                    <a:schemeClr val="bg1">
+                      <a:lumMod val="95000"/>
+                    </a:schemeClr>
+                  </a:solidFill>
+                </a:rPr>
+                <a:t>Where x1 ,x2 ,x3 are the independent variable and y is dependent variable </a:t>
+              </a:r>
+              <a:endParaRPr lang="en-US" dirty="0">
+                <a:solidFill>
+                  <a:schemeClr val="bg1">
+                    <a:lumMod val="95000"/>
+                  </a:schemeClr>
+                </a:solidFill>
+              </a:endParaRPr>
+            </a:p>
+          </p:txBody>
+        </p:sp>
+      </p:grpSp>
+      <p:grpSp>
+        <p:nvGrpSpPr>
+          <p:cNvPr id="7" name="Group 6"/>
+          <p:cNvGrpSpPr/>
+          <p:nvPr/>
+        </p:nvGrpSpPr>
+        <p:grpSpPr>
+          <a:xfrm>
+            <a:off x="576349" y="1790006"/>
+            <a:ext cx="3873731" cy="415637"/>
+            <a:chOff x="423949" y="1637606"/>
+            <a:chExt cx="3873731" cy="415637"/>
+          </a:xfrm>
+        </p:grpSpPr>
+        <p:sp>
+          <p:nvSpPr>
+            <p:cNvPr id="8" name="Rectangle 7"/>
+            <p:cNvSpPr/>
+            <p:nvPr/>
+          </p:nvSpPr>
+          <p:spPr>
+            <a:xfrm>
+              <a:off x="423949" y="1637606"/>
+              <a:ext cx="3873731" cy="415637"/>
+            </a:xfrm>
+            <a:prstGeom prst="rect">
+              <a:avLst/>
+            </a:prstGeom>
+          </p:spPr>
+          <p:style>
+            <a:lnRef idx="2">
+              <a:schemeClr val="accent1">
+                <a:shade val="50000"/>
+              </a:schemeClr>
+            </a:lnRef>
+            <a:fillRef idx="1">
+              <a:schemeClr val="accent1"/>
+            </a:fillRef>
+            <a:effectRef idx="0">
+              <a:schemeClr val="accent1"/>
+            </a:effectRef>
+            <a:fontRef idx="minor">
+              <a:schemeClr val="lt1"/>
+            </a:fontRef>
+          </p:style>
+          <p:txBody>
+            <a:bodyPr rtlCol="0" anchor="ctr"/>
+            <a:lstStyle/>
+            <a:p>
+              <a:pPr algn="ctr"/>
+              <a:endParaRPr lang="en-US" dirty="0"/>
+            </a:p>
+          </p:txBody>
+        </p:sp>
+        <p:sp>
+          <p:nvSpPr>
+            <p:cNvPr id="9" name="TextBox 8"/>
+            <p:cNvSpPr txBox="1"/>
+            <p:nvPr/>
+          </p:nvSpPr>
+          <p:spPr>
+            <a:xfrm>
+              <a:off x="423950" y="1637607"/>
+              <a:ext cx="3873730" cy="369332"/>
+            </a:xfrm>
+            <a:prstGeom prst="rect">
+              <a:avLst/>
+            </a:prstGeom>
+            <a:noFill/>
+          </p:spPr>
+          <p:txBody>
+            <a:bodyPr wrap="square" rtlCol="0">
+              <a:spAutoFit/>
+            </a:bodyPr>
+            <a:lstStyle/>
+            <a:p>
+              <a:r>
+                <a:rPr lang="en-US" b="1" i="1" u="sng" dirty="0">
+                  <a:solidFill>
+                    <a:schemeClr val="bg1">
+                      <a:lumMod val="95000"/>
+                    </a:schemeClr>
+                  </a:solidFill>
+                </a:rPr>
+                <a:t>Simple linear Regression </a:t>
+              </a:r>
+              <a:r>
+                <a:rPr lang="en-US" dirty="0">
+                  <a:solidFill>
+                    <a:schemeClr val="bg1">
+                      <a:lumMod val="95000"/>
+                    </a:schemeClr>
+                  </a:solidFill>
+                </a:rPr>
+                <a:t>: y = </a:t>
+              </a:r>
+              <a:r>
+                <a:rPr lang="en-US" dirty="0" err="1" smtClean="0">
+                  <a:solidFill>
+                    <a:schemeClr val="bg1">
+                      <a:lumMod val="95000"/>
+                    </a:schemeClr>
+                  </a:solidFill>
+                </a:rPr>
+                <a:t>a+bx</a:t>
+              </a:r>
+              <a:endParaRPr lang="en-US" dirty="0">
+                <a:solidFill>
+                  <a:schemeClr val="bg1">
+                    <a:lumMod val="95000"/>
+                  </a:schemeClr>
+                </a:solidFill>
+              </a:endParaRPr>
+            </a:p>
+          </p:txBody>
+        </p:sp>
+      </p:grpSp>
+      <p:grpSp>
+        <p:nvGrpSpPr>
+          <p:cNvPr id="10" name="Group 9"/>
+          <p:cNvGrpSpPr/>
+          <p:nvPr/>
+        </p:nvGrpSpPr>
+        <p:grpSpPr>
+          <a:xfrm>
+            <a:off x="2244730" y="4077458"/>
+            <a:ext cx="6514260" cy="1812175"/>
+            <a:chOff x="423949" y="1637606"/>
+            <a:chExt cx="3940798" cy="707488"/>
+          </a:xfrm>
+        </p:grpSpPr>
+        <p:sp>
+          <p:nvSpPr>
+            <p:cNvPr id="11" name="Rectangle 10"/>
+            <p:cNvSpPr/>
+            <p:nvPr/>
+          </p:nvSpPr>
+          <p:spPr>
+            <a:xfrm>
+              <a:off x="423949" y="1637606"/>
+              <a:ext cx="3940798" cy="707488"/>
+            </a:xfrm>
+            <a:prstGeom prst="rect">
+              <a:avLst/>
+            </a:prstGeom>
+          </p:spPr>
+          <p:style>
+            <a:lnRef idx="2">
+              <a:schemeClr val="accent1">
+                <a:shade val="50000"/>
+              </a:schemeClr>
+            </a:lnRef>
+            <a:fillRef idx="1">
+              <a:schemeClr val="accent1"/>
+            </a:fillRef>
+            <a:effectRef idx="0">
+              <a:schemeClr val="accent1"/>
+            </a:effectRef>
+            <a:fontRef idx="minor">
+              <a:schemeClr val="lt1"/>
+            </a:fontRef>
+          </p:style>
+          <p:txBody>
+            <a:bodyPr rtlCol="0" anchor="ctr"/>
+            <a:lstStyle/>
+            <a:p>
+              <a:pPr algn="ctr"/>
+              <a:endParaRPr lang="en-US" dirty="0"/>
+            </a:p>
+          </p:txBody>
+        </p:sp>
+        <p:sp>
+          <p:nvSpPr>
+            <p:cNvPr id="12" name="TextBox 11"/>
+            <p:cNvSpPr txBox="1"/>
+            <p:nvPr/>
+          </p:nvSpPr>
+          <p:spPr>
+            <a:xfrm>
+              <a:off x="423950" y="1639649"/>
+              <a:ext cx="3873730" cy="684903"/>
+            </a:xfrm>
+            <a:prstGeom prst="rect">
+              <a:avLst/>
+            </a:prstGeom>
+            <a:noFill/>
+          </p:spPr>
+          <p:txBody>
+            <a:bodyPr wrap="square" rtlCol="0">
+              <a:spAutoFit/>
+            </a:bodyPr>
+            <a:lstStyle/>
+            <a:p>
+              <a:r>
+                <a:rPr lang="en-US" b="1" i="1" u="sng" dirty="0" smtClean="0">
+                  <a:solidFill>
+                    <a:schemeClr val="bg1">
+                      <a:lumMod val="95000"/>
+                    </a:schemeClr>
+                  </a:solidFill>
+                </a:rPr>
+                <a:t>Assumptions Of a Linear Regression</a:t>
+              </a:r>
+              <a:r>
+                <a:rPr lang="en-US" dirty="0" smtClean="0">
+                  <a:solidFill>
+                    <a:schemeClr val="bg1">
+                      <a:lumMod val="95000"/>
+                    </a:schemeClr>
+                  </a:solidFill>
+                </a:rPr>
+                <a:t>:</a:t>
+              </a:r>
+            </a:p>
+            <a:p>
+              <a:pPr marL="342900" indent="-342900">
+                <a:buFont typeface="+mj-lt"/>
+                <a:buAutoNum type="arabicPeriod"/>
+              </a:pPr>
+              <a:r>
+                <a:rPr lang="en-US" dirty="0" smtClean="0">
+                  <a:solidFill>
+                    <a:schemeClr val="bg1">
+                      <a:lumMod val="95000"/>
+                    </a:schemeClr>
+                  </a:solidFill>
+                </a:rPr>
+                <a:t>Linearity </a:t>
+              </a:r>
+            </a:p>
+            <a:p>
+              <a:pPr marL="342900" indent="-342900">
+                <a:buFont typeface="+mj-lt"/>
+                <a:buAutoNum type="arabicPeriod"/>
+              </a:pPr>
+              <a:r>
+                <a:rPr lang="en-US" dirty="0" smtClean="0">
+                  <a:solidFill>
+                    <a:schemeClr val="bg1">
+                      <a:lumMod val="95000"/>
+                    </a:schemeClr>
+                  </a:solidFill>
+                </a:rPr>
+                <a:t>Homoscedasticity</a:t>
+              </a:r>
+            </a:p>
+            <a:p>
+              <a:pPr marL="342900" indent="-342900">
+                <a:buFont typeface="+mj-lt"/>
+                <a:buAutoNum type="arabicPeriod"/>
+              </a:pPr>
+              <a:r>
+                <a:rPr lang="en-US" dirty="0" smtClean="0">
+                  <a:solidFill>
+                    <a:schemeClr val="bg1">
+                      <a:lumMod val="95000"/>
+                    </a:schemeClr>
+                  </a:solidFill>
+                </a:rPr>
+                <a:t>Multivariate normality</a:t>
+              </a:r>
+            </a:p>
+            <a:p>
+              <a:pPr marL="342900" indent="-342900">
+                <a:buFont typeface="+mj-lt"/>
+                <a:buAutoNum type="arabicPeriod"/>
+              </a:pPr>
+              <a:r>
+                <a:rPr lang="en-US" dirty="0" smtClean="0">
+                  <a:solidFill>
+                    <a:schemeClr val="bg1">
+                      <a:lumMod val="95000"/>
+                    </a:schemeClr>
+                  </a:solidFill>
+                </a:rPr>
+                <a:t>Independence of errors</a:t>
+              </a:r>
+            </a:p>
+            <a:p>
+              <a:pPr marL="342900" indent="-342900">
+                <a:buFont typeface="+mj-lt"/>
+                <a:buAutoNum type="arabicPeriod"/>
+              </a:pPr>
+              <a:r>
+                <a:rPr lang="en-US" dirty="0" smtClean="0">
+                  <a:solidFill>
+                    <a:schemeClr val="bg1">
+                      <a:lumMod val="95000"/>
+                    </a:schemeClr>
+                  </a:solidFill>
+                </a:rPr>
+                <a:t>Lack of </a:t>
+              </a:r>
+              <a:r>
+                <a:rPr lang="en-US" dirty="0" err="1" smtClean="0">
+                  <a:solidFill>
+                    <a:schemeClr val="bg1">
+                      <a:lumMod val="95000"/>
+                    </a:schemeClr>
+                  </a:solidFill>
+                </a:rPr>
+                <a:t>Multicollinearity</a:t>
+              </a:r>
+              <a:endParaRPr lang="en-US" dirty="0">
+                <a:solidFill>
+                  <a:schemeClr val="bg1">
+                    <a:lumMod val="95000"/>
+                  </a:schemeClr>
+                </a:solidFill>
+              </a:endParaRPr>
+            </a:p>
+          </p:txBody>
+        </p:sp>
+      </p:grpSp>
+      <p:pic>
+        <p:nvPicPr>
+          <p:cNvPr id="13" name="Picture 12" descr="Screen Clipping"/>
+          <p:cNvPicPr>
+            <a:picLocks noChangeAspect="1"/>
+          </p:cNvPicPr>
+          <p:nvPr/>
+        </p:nvPicPr>
+        <p:blipFill>
+          <a:blip r:embed="rId2">
+            <a:extLst>
+              <a:ext uri="{28A0092B-C50C-407E-A947-70E740481C1C}">
+                <a14:useLocalDpi xmlns:a14="http://schemas.microsoft.com/office/drawing/2010/main" val="0"/>
+              </a:ext>
+            </a:extLst>
+          </a:blip>
+          <a:stretch>
+            <a:fillRect/>
+          </a:stretch>
+        </p:blipFill>
+        <p:spPr>
+          <a:xfrm>
+            <a:off x="4893146" y="1390560"/>
+            <a:ext cx="1495515" cy="1116122"/>
+          </a:xfrm>
+          <a:prstGeom prst="rect">
+            <a:avLst/>
+          </a:prstGeom>
+        </p:spPr>
+      </p:pic>
     </p:spTree>
     <p:extLst>
       <p:ext uri="{BB962C8B-B14F-4D97-AF65-F5344CB8AC3E}">
@@ -3672,6 +4214,70 @@
           </a:p>
         </p:txBody>
       </p:sp>
+      <p:sp>
+        <p:nvSpPr>
+          <p:cNvPr id="3" name="TextBox 2"/>
+          <p:cNvSpPr txBox="1"/>
+          <p:nvPr/>
+        </p:nvSpPr>
+        <p:spPr>
+          <a:xfrm>
+            <a:off x="1909011" y="2053389"/>
+            <a:ext cx="3593431" cy="2554545"/>
+          </a:xfrm>
+          <a:prstGeom prst="rect">
+            <a:avLst/>
+          </a:prstGeom>
+          <a:noFill/>
+        </p:spPr>
+        <p:txBody>
+          <a:bodyPr wrap="square" rtlCol="0">
+            <a:spAutoFit/>
+          </a:bodyPr>
+          <a:lstStyle/>
+          <a:p>
+            <a:r>
+              <a:rPr lang="en-US" sz="3200" dirty="0" smtClean="0"/>
+              <a:t>Slides about the explanations of </a:t>
+            </a:r>
+          </a:p>
+          <a:p>
+            <a:pPr marL="342900" indent="-342900">
+              <a:buFont typeface="+mj-lt"/>
+              <a:buAutoNum type="arabicPeriod"/>
+            </a:pPr>
+            <a:r>
+              <a:rPr lang="en-US" sz="3200" dirty="0" smtClean="0"/>
+              <a:t>assumptions and </a:t>
+            </a:r>
+          </a:p>
+          <a:p>
+            <a:pPr marL="342900" indent="-342900">
+              <a:buFont typeface="+mj-lt"/>
+              <a:buAutoNum type="arabicPeriod"/>
+            </a:pPr>
+            <a:r>
+              <a:rPr lang="en-US" sz="3200" dirty="0" smtClean="0"/>
+              <a:t>P values </a:t>
+            </a:r>
+          </a:p>
+          <a:p>
+            <a:pPr marL="342900" indent="-342900">
+              <a:buFont typeface="+mj-lt"/>
+              <a:buAutoNum type="arabicPeriod"/>
+            </a:pPr>
+            <a:r>
+              <a:rPr lang="en-US" sz="3200" dirty="0"/>
+              <a:t>N</a:t>
+            </a:r>
+            <a:r>
+              <a:rPr lang="en-US" sz="3200" dirty="0" smtClean="0"/>
+              <a:t>ull hypothesis</a:t>
+            </a:r>
+            <a:endParaRPr lang="en-US" sz="3200" dirty="0"/>
+          </a:p>
+        </p:txBody>
+      </p:sp>
     </p:spTree>
     <p:extLst>
       <p:ext uri="{BB962C8B-B14F-4D97-AF65-F5344CB8AC3E}">
@@ -3757,6 +4363,13 @@
   <p:clrMapOvr>
     <a:masterClrMapping/>
   </p:clrMapOvr>
+  <p:timing>
+    <p:tnLst>
+      <p:par>
+        <p:cTn id="1" dur="indefinite" restart="never" nodeType="tmRoot"/>
+      </p:par>
+    </p:tnLst>
+  </p:timing>
 </p:sld>
 </file>
 

--- a/Multiple_Linear_Regression/Multiple_linear_Regression.pptx
+++ b/Multiple_Linear_Regression/Multiple_linear_Regression.pptx
@@ -13,6 +13,13 @@
     <p:sldId id="263" r:id="rId7"/>
     <p:sldId id="264" r:id="rId8"/>
     <p:sldId id="262" r:id="rId9"/>
+    <p:sldId id="267" r:id="rId10"/>
+    <p:sldId id="266" r:id="rId11"/>
+    <p:sldId id="265" r:id="rId12"/>
+    <p:sldId id="268" r:id="rId13"/>
+    <p:sldId id="271" r:id="rId14"/>
+    <p:sldId id="270" r:id="rId15"/>
+    <p:sldId id="269" r:id="rId16"/>
   </p:sldIdLst>
   <p:sldSz cx="12192000" cy="6858000"/>
   <p:notesSz cx="6858000" cy="9144000"/>
@@ -300,7 +307,7 @@
           <a:p>
             <a:fld id="{94DC2EC4-A682-4648-AE49-70173C237B3A}" type="datetimeFigureOut">
               <a:rPr lang="en-US" smtClean="0"/>
-              <a:t>1/8/2019</a:t>
+              <a:t>1/10/2019</a:t>
             </a:fld>
             <a:endParaRPr lang="en-US"/>
           </a:p>
@@ -470,7 +477,7 @@
           <a:p>
             <a:fld id="{94DC2EC4-A682-4648-AE49-70173C237B3A}" type="datetimeFigureOut">
               <a:rPr lang="en-US" smtClean="0"/>
-              <a:t>1/8/2019</a:t>
+              <a:t>1/10/2019</a:t>
             </a:fld>
             <a:endParaRPr lang="en-US"/>
           </a:p>
@@ -650,7 +657,7 @@
           <a:p>
             <a:fld id="{94DC2EC4-A682-4648-AE49-70173C237B3A}" type="datetimeFigureOut">
               <a:rPr lang="en-US" smtClean="0"/>
-              <a:t>1/8/2019</a:t>
+              <a:t>1/10/2019</a:t>
             </a:fld>
             <a:endParaRPr lang="en-US"/>
           </a:p>
@@ -820,7 +827,7 @@
           <a:p>
             <a:fld id="{94DC2EC4-A682-4648-AE49-70173C237B3A}" type="datetimeFigureOut">
               <a:rPr lang="en-US" smtClean="0"/>
-              <a:t>1/8/2019</a:t>
+              <a:t>1/10/2019</a:t>
             </a:fld>
             <a:endParaRPr lang="en-US"/>
           </a:p>
@@ -1066,7 +1073,7 @@
           <a:p>
             <a:fld id="{94DC2EC4-A682-4648-AE49-70173C237B3A}" type="datetimeFigureOut">
               <a:rPr lang="en-US" smtClean="0"/>
-              <a:t>1/8/2019</a:t>
+              <a:t>1/10/2019</a:t>
             </a:fld>
             <a:endParaRPr lang="en-US"/>
           </a:p>
@@ -1354,7 +1361,7 @@
           <a:p>
             <a:fld id="{94DC2EC4-A682-4648-AE49-70173C237B3A}" type="datetimeFigureOut">
               <a:rPr lang="en-US" smtClean="0"/>
-              <a:t>1/8/2019</a:t>
+              <a:t>1/10/2019</a:t>
             </a:fld>
             <a:endParaRPr lang="en-US"/>
           </a:p>
@@ -1776,7 +1783,7 @@
           <a:p>
             <a:fld id="{94DC2EC4-A682-4648-AE49-70173C237B3A}" type="datetimeFigureOut">
               <a:rPr lang="en-US" smtClean="0"/>
-              <a:t>1/8/2019</a:t>
+              <a:t>1/10/2019</a:t>
             </a:fld>
             <a:endParaRPr lang="en-US"/>
           </a:p>
@@ -1894,7 +1901,7 @@
           <a:p>
             <a:fld id="{94DC2EC4-A682-4648-AE49-70173C237B3A}" type="datetimeFigureOut">
               <a:rPr lang="en-US" smtClean="0"/>
-              <a:t>1/8/2019</a:t>
+              <a:t>1/10/2019</a:t>
             </a:fld>
             <a:endParaRPr lang="en-US"/>
           </a:p>
@@ -1989,7 +1996,7 @@
           <a:p>
             <a:fld id="{94DC2EC4-A682-4648-AE49-70173C237B3A}" type="datetimeFigureOut">
               <a:rPr lang="en-US" smtClean="0"/>
-              <a:t>1/8/2019</a:t>
+              <a:t>1/10/2019</a:t>
             </a:fld>
             <a:endParaRPr lang="en-US"/>
           </a:p>
@@ -2266,7 +2273,7 @@
           <a:p>
             <a:fld id="{94DC2EC4-A682-4648-AE49-70173C237B3A}" type="datetimeFigureOut">
               <a:rPr lang="en-US" smtClean="0"/>
-              <a:t>1/8/2019</a:t>
+              <a:t>1/10/2019</a:t>
             </a:fld>
             <a:endParaRPr lang="en-US"/>
           </a:p>
@@ -2523,7 +2530,7 @@
           <a:p>
             <a:fld id="{94DC2EC4-A682-4648-AE49-70173C237B3A}" type="datetimeFigureOut">
               <a:rPr lang="en-US" smtClean="0"/>
-              <a:t>1/8/2019</a:t>
+              <a:t>1/10/2019</a:t>
             </a:fld>
             <a:endParaRPr lang="en-US"/>
           </a:p>
@@ -2734,7 +2741,7 @@
           <a:p>
             <a:fld id="{94DC2EC4-A682-4648-AE49-70173C237B3A}" type="datetimeFigureOut">
               <a:rPr lang="en-US" smtClean="0"/>
-              <a:t>1/8/2019</a:t>
+              <a:t>1/10/2019</a:t>
             </a:fld>
             <a:endParaRPr lang="en-US"/>
           </a:p>
@@ -3295,7 +3302,7 @@
           <a:p>
             <a:fld id="{CE5545B6-6FDD-460F-A1D5-7DBF4363784A}" type="datetime3">
               <a:rPr lang="en-US" smtClean="0"/>
-              <a:t>8 January 2019</a:t>
+              <a:t>10 January 2019</a:t>
             </a:fld>
             <a:endParaRPr lang="en-US"/>
           </a:p>
@@ -3408,6 +3415,1948 @@
       </p:par>
     </p:tnLst>
   </p:timing>
+</p:sld>
+</file>
+
+<file path=ppt/slides/slide10.xml><?xml version="1.0" encoding="utf-8"?>
+<p:sld xmlns:a="http://schemas.openxmlformats.org/drawingml/2006/main" xmlns:r="http://schemas.openxmlformats.org/officeDocument/2006/relationships" xmlns:p="http://schemas.openxmlformats.org/presentationml/2006/main">
+  <p:cSld>
+    <p:spTree>
+      <p:nvGrpSpPr>
+        <p:cNvPr id="1" name=""/>
+        <p:cNvGrpSpPr/>
+        <p:nvPr/>
+      </p:nvGrpSpPr>
+      <p:grpSpPr>
+        <a:xfrm>
+          <a:off x="0" y="0"/>
+          <a:ext cx="0" cy="0"/>
+          <a:chOff x="0" y="0"/>
+          <a:chExt cx="0" cy="0"/>
+        </a:xfrm>
+      </p:grpSpPr>
+      <p:sp>
+        <p:nvSpPr>
+          <p:cNvPr id="2" name="Title 1"/>
+          <p:cNvSpPr>
+            <a:spLocks noGrp="1"/>
+          </p:cNvSpPr>
+          <p:nvPr>
+            <p:ph type="title"/>
+          </p:nvPr>
+        </p:nvSpPr>
+        <p:spPr/>
+        <p:txBody>
+          <a:bodyPr/>
+          <a:lstStyle/>
+          <a:p>
+            <a:r>
+              <a:rPr lang="en-US" dirty="0" smtClean="0"/>
+              <a:t>Backward Elimination </a:t>
+            </a:r>
+            <a:endParaRPr lang="en-US" dirty="0"/>
+          </a:p>
+        </p:txBody>
+      </p:sp>
+      <p:grpSp>
+        <p:nvGrpSpPr>
+          <p:cNvPr id="6" name="Group 5"/>
+          <p:cNvGrpSpPr/>
+          <p:nvPr/>
+        </p:nvGrpSpPr>
+        <p:grpSpPr>
+          <a:xfrm>
+            <a:off x="256675" y="1038727"/>
+            <a:ext cx="2558716" cy="1159042"/>
+            <a:chOff x="3088105" y="990600"/>
+            <a:chExt cx="2558716" cy="1159042"/>
+          </a:xfrm>
+        </p:grpSpPr>
+        <p:sp>
+          <p:nvSpPr>
+            <p:cNvPr id="4" name="Rectangle 3"/>
+            <p:cNvSpPr/>
+            <p:nvPr/>
+          </p:nvSpPr>
+          <p:spPr>
+            <a:xfrm>
+              <a:off x="3545305" y="1283368"/>
+              <a:ext cx="2101516" cy="866274"/>
+            </a:xfrm>
+            <a:prstGeom prst="rect">
+              <a:avLst/>
+            </a:prstGeom>
+          </p:spPr>
+          <p:style>
+            <a:lnRef idx="2">
+              <a:schemeClr val="accent1">
+                <a:shade val="50000"/>
+              </a:schemeClr>
+            </a:lnRef>
+            <a:fillRef idx="1">
+              <a:schemeClr val="accent1"/>
+            </a:fillRef>
+            <a:effectRef idx="0">
+              <a:schemeClr val="accent1"/>
+            </a:effectRef>
+            <a:fontRef idx="minor">
+              <a:schemeClr val="lt1"/>
+            </a:fontRef>
+          </p:style>
+          <p:txBody>
+            <a:bodyPr rtlCol="0" anchor="ctr"/>
+            <a:lstStyle/>
+            <a:p>
+              <a:pPr algn="ctr"/>
+              <a:r>
+                <a:rPr lang="en-US" dirty="0" smtClean="0"/>
+                <a:t>Select a Significance level (E.g. SL = 0.05</a:t>
+              </a:r>
+              <a:endParaRPr lang="en-US" dirty="0"/>
+            </a:p>
+          </p:txBody>
+        </p:sp>
+        <p:sp>
+          <p:nvSpPr>
+            <p:cNvPr id="5" name="Oval 4"/>
+            <p:cNvSpPr/>
+            <p:nvPr/>
+          </p:nvSpPr>
+          <p:spPr>
+            <a:xfrm>
+              <a:off x="3088105" y="990600"/>
+              <a:ext cx="497305" cy="324853"/>
+            </a:xfrm>
+            <a:prstGeom prst="ellipse">
+              <a:avLst/>
+            </a:prstGeom>
+          </p:spPr>
+          <p:style>
+            <a:lnRef idx="2">
+              <a:schemeClr val="accent1">
+                <a:shade val="50000"/>
+              </a:schemeClr>
+            </a:lnRef>
+            <a:fillRef idx="1">
+              <a:schemeClr val="accent1"/>
+            </a:fillRef>
+            <a:effectRef idx="0">
+              <a:schemeClr val="accent1"/>
+            </a:effectRef>
+            <a:fontRef idx="minor">
+              <a:schemeClr val="lt1"/>
+            </a:fontRef>
+          </p:style>
+          <p:txBody>
+            <a:bodyPr rtlCol="0" anchor="ctr"/>
+            <a:lstStyle/>
+            <a:p>
+              <a:pPr algn="ctr"/>
+              <a:r>
+                <a:rPr lang="en-US" dirty="0" smtClean="0"/>
+                <a:t>1</a:t>
+              </a:r>
+              <a:endParaRPr lang="en-US" dirty="0"/>
+            </a:p>
+          </p:txBody>
+        </p:sp>
+      </p:grpSp>
+      <p:grpSp>
+        <p:nvGrpSpPr>
+          <p:cNvPr id="7" name="Group 6"/>
+          <p:cNvGrpSpPr/>
+          <p:nvPr/>
+        </p:nvGrpSpPr>
+        <p:grpSpPr>
+          <a:xfrm>
+            <a:off x="2951748" y="1933073"/>
+            <a:ext cx="2558716" cy="1159042"/>
+            <a:chOff x="3088105" y="990600"/>
+            <a:chExt cx="2558716" cy="1159042"/>
+          </a:xfrm>
+        </p:grpSpPr>
+        <p:sp>
+          <p:nvSpPr>
+            <p:cNvPr id="8" name="Rectangle 7"/>
+            <p:cNvSpPr/>
+            <p:nvPr/>
+          </p:nvSpPr>
+          <p:spPr>
+            <a:xfrm>
+              <a:off x="3545305" y="1283368"/>
+              <a:ext cx="2101516" cy="866274"/>
+            </a:xfrm>
+            <a:prstGeom prst="rect">
+              <a:avLst/>
+            </a:prstGeom>
+          </p:spPr>
+          <p:style>
+            <a:lnRef idx="2">
+              <a:schemeClr val="accent1">
+                <a:shade val="50000"/>
+              </a:schemeClr>
+            </a:lnRef>
+            <a:fillRef idx="1">
+              <a:schemeClr val="accent1"/>
+            </a:fillRef>
+            <a:effectRef idx="0">
+              <a:schemeClr val="accent1"/>
+            </a:effectRef>
+            <a:fontRef idx="minor">
+              <a:schemeClr val="lt1"/>
+            </a:fontRef>
+          </p:style>
+          <p:txBody>
+            <a:bodyPr rtlCol="0" anchor="ctr"/>
+            <a:lstStyle/>
+            <a:p>
+              <a:pPr algn="ctr"/>
+              <a:r>
+                <a:rPr lang="en-US" dirty="0" smtClean="0"/>
+                <a:t>Train the </a:t>
+              </a:r>
+              <a:r>
+                <a:rPr lang="en-US" dirty="0" err="1" smtClean="0"/>
+                <a:t>regresor</a:t>
+              </a:r>
+              <a:r>
+                <a:rPr lang="en-US" dirty="0" smtClean="0"/>
+                <a:t> with all the predictors</a:t>
+              </a:r>
+              <a:endParaRPr lang="en-US" dirty="0"/>
+            </a:p>
+          </p:txBody>
+        </p:sp>
+        <p:sp>
+          <p:nvSpPr>
+            <p:cNvPr id="9" name="Oval 8"/>
+            <p:cNvSpPr/>
+            <p:nvPr/>
+          </p:nvSpPr>
+          <p:spPr>
+            <a:xfrm>
+              <a:off x="3088105" y="990600"/>
+              <a:ext cx="497305" cy="324853"/>
+            </a:xfrm>
+            <a:prstGeom prst="ellipse">
+              <a:avLst/>
+            </a:prstGeom>
+          </p:spPr>
+          <p:style>
+            <a:lnRef idx="2">
+              <a:schemeClr val="accent1">
+                <a:shade val="50000"/>
+              </a:schemeClr>
+            </a:lnRef>
+            <a:fillRef idx="1">
+              <a:schemeClr val="accent1"/>
+            </a:fillRef>
+            <a:effectRef idx="0">
+              <a:schemeClr val="accent1"/>
+            </a:effectRef>
+            <a:fontRef idx="minor">
+              <a:schemeClr val="lt1"/>
+            </a:fontRef>
+          </p:style>
+          <p:txBody>
+            <a:bodyPr rtlCol="0" anchor="ctr"/>
+            <a:lstStyle/>
+            <a:p>
+              <a:pPr algn="ctr"/>
+              <a:r>
+                <a:rPr lang="en-US" dirty="0"/>
+                <a:t>2</a:t>
+              </a:r>
+              <a:endParaRPr lang="en-US" dirty="0"/>
+            </a:p>
+          </p:txBody>
+        </p:sp>
+      </p:grpSp>
+      <p:cxnSp>
+        <p:nvCxnSpPr>
+          <p:cNvPr id="15" name="Elbow Connector 14"/>
+          <p:cNvCxnSpPr>
+            <a:stCxn id="4" idx="3"/>
+            <a:endCxn id="8" idx="0"/>
+          </p:cNvCxnSpPr>
+          <p:nvPr/>
+        </p:nvCxnSpPr>
+        <p:spPr>
+          <a:xfrm>
+            <a:off x="2815391" y="1764632"/>
+            <a:ext cx="1644315" cy="461209"/>
+          </a:xfrm>
+          <a:prstGeom prst="bentConnector2">
+            <a:avLst/>
+          </a:prstGeom>
+          <a:ln w="38100">
+            <a:headEnd type="triangle"/>
+            <a:tailEnd type="triangle"/>
+          </a:ln>
+        </p:spPr>
+        <p:style>
+          <a:lnRef idx="1">
+            <a:schemeClr val="accent1"/>
+          </a:lnRef>
+          <a:fillRef idx="0">
+            <a:schemeClr val="accent1"/>
+          </a:fillRef>
+          <a:effectRef idx="0">
+            <a:schemeClr val="accent1"/>
+          </a:effectRef>
+          <a:fontRef idx="minor">
+            <a:schemeClr val="tx1"/>
+          </a:fontRef>
+        </p:style>
+      </p:cxnSp>
+      <p:grpSp>
+        <p:nvGrpSpPr>
+          <p:cNvPr id="17" name="Group 16"/>
+          <p:cNvGrpSpPr/>
+          <p:nvPr/>
+        </p:nvGrpSpPr>
+        <p:grpSpPr>
+          <a:xfrm>
+            <a:off x="5609393" y="2782304"/>
+            <a:ext cx="2558716" cy="1159042"/>
+            <a:chOff x="3088105" y="990600"/>
+            <a:chExt cx="2558716" cy="1159042"/>
+          </a:xfrm>
+        </p:grpSpPr>
+        <p:sp>
+          <p:nvSpPr>
+            <p:cNvPr id="18" name="Rectangle 17"/>
+            <p:cNvSpPr/>
+            <p:nvPr/>
+          </p:nvSpPr>
+          <p:spPr>
+            <a:xfrm>
+              <a:off x="3545305" y="1283368"/>
+              <a:ext cx="2101516" cy="866274"/>
+            </a:xfrm>
+            <a:prstGeom prst="rect">
+              <a:avLst/>
+            </a:prstGeom>
+          </p:spPr>
+          <p:style>
+            <a:lnRef idx="2">
+              <a:schemeClr val="accent1">
+                <a:shade val="50000"/>
+              </a:schemeClr>
+            </a:lnRef>
+            <a:fillRef idx="1">
+              <a:schemeClr val="accent1"/>
+            </a:fillRef>
+            <a:effectRef idx="0">
+              <a:schemeClr val="accent1"/>
+            </a:effectRef>
+            <a:fontRef idx="minor">
+              <a:schemeClr val="lt1"/>
+            </a:fontRef>
+          </p:style>
+          <p:txBody>
+            <a:bodyPr rtlCol="0" anchor="ctr"/>
+            <a:lstStyle/>
+            <a:p>
+              <a:pPr algn="ctr"/>
+              <a:r>
+                <a:rPr lang="en-US" dirty="0" err="1" smtClean="0"/>
+                <a:t>Calaculate</a:t>
+              </a:r>
+              <a:r>
+                <a:rPr lang="en-US" dirty="0" smtClean="0"/>
+                <a:t> P values</a:t>
+              </a:r>
+              <a:endParaRPr lang="en-US" dirty="0"/>
+            </a:p>
+          </p:txBody>
+        </p:sp>
+        <p:sp>
+          <p:nvSpPr>
+            <p:cNvPr id="19" name="Oval 18"/>
+            <p:cNvSpPr/>
+            <p:nvPr/>
+          </p:nvSpPr>
+          <p:spPr>
+            <a:xfrm>
+              <a:off x="3088105" y="990600"/>
+              <a:ext cx="497305" cy="324853"/>
+            </a:xfrm>
+            <a:prstGeom prst="ellipse">
+              <a:avLst/>
+            </a:prstGeom>
+          </p:spPr>
+          <p:style>
+            <a:lnRef idx="2">
+              <a:schemeClr val="accent1">
+                <a:shade val="50000"/>
+              </a:schemeClr>
+            </a:lnRef>
+            <a:fillRef idx="1">
+              <a:schemeClr val="accent1"/>
+            </a:fillRef>
+            <a:effectRef idx="0">
+              <a:schemeClr val="accent1"/>
+            </a:effectRef>
+            <a:fontRef idx="minor">
+              <a:schemeClr val="lt1"/>
+            </a:fontRef>
+          </p:style>
+          <p:txBody>
+            <a:bodyPr rtlCol="0" anchor="ctr"/>
+            <a:lstStyle/>
+            <a:p>
+              <a:pPr algn="ctr"/>
+              <a:r>
+                <a:rPr lang="en-US" dirty="0" smtClean="0"/>
+                <a:t>3</a:t>
+              </a:r>
+              <a:endParaRPr lang="en-US" dirty="0"/>
+            </a:p>
+          </p:txBody>
+        </p:sp>
+      </p:grpSp>
+      <p:sp>
+        <p:nvSpPr>
+          <p:cNvPr id="20" name="Diamond 19"/>
+          <p:cNvSpPr/>
+          <p:nvPr/>
+        </p:nvSpPr>
+        <p:spPr>
+          <a:xfrm>
+            <a:off x="8168109" y="4141871"/>
+            <a:ext cx="1601537" cy="894347"/>
+          </a:xfrm>
+          <a:prstGeom prst="diamond">
+            <a:avLst/>
+          </a:prstGeom>
+        </p:spPr>
+        <p:style>
+          <a:lnRef idx="2">
+            <a:schemeClr val="accent1">
+              <a:shade val="50000"/>
+            </a:schemeClr>
+          </a:lnRef>
+          <a:fillRef idx="1">
+            <a:schemeClr val="accent1"/>
+          </a:fillRef>
+          <a:effectRef idx="0">
+            <a:schemeClr val="accent1"/>
+          </a:effectRef>
+          <a:fontRef idx="minor">
+            <a:schemeClr val="lt1"/>
+          </a:fontRef>
+        </p:style>
+        <p:txBody>
+          <a:bodyPr rtlCol="0" anchor="ctr"/>
+          <a:lstStyle/>
+          <a:p>
+            <a:pPr algn="ctr"/>
+            <a:r>
+              <a:rPr lang="en-US" dirty="0" smtClean="0"/>
+              <a:t>If P&gt;SL</a:t>
+            </a:r>
+            <a:endParaRPr lang="en-US" dirty="0"/>
+          </a:p>
+        </p:txBody>
+      </p:sp>
+      <p:grpSp>
+        <p:nvGrpSpPr>
+          <p:cNvPr id="21" name="Group 20"/>
+          <p:cNvGrpSpPr/>
+          <p:nvPr/>
+        </p:nvGrpSpPr>
+        <p:grpSpPr>
+          <a:xfrm>
+            <a:off x="4231106" y="4310313"/>
+            <a:ext cx="2558716" cy="1159042"/>
+            <a:chOff x="3088105" y="990600"/>
+            <a:chExt cx="2558716" cy="1159042"/>
+          </a:xfrm>
+        </p:grpSpPr>
+        <p:sp>
+          <p:nvSpPr>
+            <p:cNvPr id="22" name="Rectangle 21"/>
+            <p:cNvSpPr/>
+            <p:nvPr/>
+          </p:nvSpPr>
+          <p:spPr>
+            <a:xfrm>
+              <a:off x="3545305" y="1283368"/>
+              <a:ext cx="2101516" cy="866274"/>
+            </a:xfrm>
+            <a:prstGeom prst="rect">
+              <a:avLst/>
+            </a:prstGeom>
+          </p:spPr>
+          <p:style>
+            <a:lnRef idx="2">
+              <a:schemeClr val="accent1">
+                <a:shade val="50000"/>
+              </a:schemeClr>
+            </a:lnRef>
+            <a:fillRef idx="1">
+              <a:schemeClr val="accent1"/>
+            </a:fillRef>
+            <a:effectRef idx="0">
+              <a:schemeClr val="accent1"/>
+            </a:effectRef>
+            <a:fontRef idx="minor">
+              <a:schemeClr val="lt1"/>
+            </a:fontRef>
+          </p:style>
+          <p:txBody>
+            <a:bodyPr rtlCol="0" anchor="ctr"/>
+            <a:lstStyle/>
+            <a:p>
+              <a:pPr algn="ctr"/>
+              <a:r>
+                <a:rPr lang="en-US" dirty="0" smtClean="0"/>
+                <a:t>Remove the predictor</a:t>
+              </a:r>
+              <a:endParaRPr lang="en-US" dirty="0"/>
+            </a:p>
+          </p:txBody>
+        </p:sp>
+        <p:sp>
+          <p:nvSpPr>
+            <p:cNvPr id="23" name="Oval 22"/>
+            <p:cNvSpPr/>
+            <p:nvPr/>
+          </p:nvSpPr>
+          <p:spPr>
+            <a:xfrm>
+              <a:off x="3088105" y="990600"/>
+              <a:ext cx="497305" cy="324853"/>
+            </a:xfrm>
+            <a:prstGeom prst="ellipse">
+              <a:avLst/>
+            </a:prstGeom>
+          </p:spPr>
+          <p:style>
+            <a:lnRef idx="2">
+              <a:schemeClr val="accent1">
+                <a:shade val="50000"/>
+              </a:schemeClr>
+            </a:lnRef>
+            <a:fillRef idx="1">
+              <a:schemeClr val="accent1"/>
+            </a:fillRef>
+            <a:effectRef idx="0">
+              <a:schemeClr val="accent1"/>
+            </a:effectRef>
+            <a:fontRef idx="minor">
+              <a:schemeClr val="lt1"/>
+            </a:fontRef>
+          </p:style>
+          <p:txBody>
+            <a:bodyPr rtlCol="0" anchor="ctr"/>
+            <a:lstStyle/>
+            <a:p>
+              <a:pPr algn="ctr"/>
+              <a:r>
+                <a:rPr lang="en-US" dirty="0"/>
+                <a:t>4</a:t>
+              </a:r>
+              <a:endParaRPr lang="en-US" dirty="0"/>
+            </a:p>
+          </p:txBody>
+        </p:sp>
+      </p:grpSp>
+      <p:cxnSp>
+        <p:nvCxnSpPr>
+          <p:cNvPr id="25" name="Elbow Connector 24"/>
+          <p:cNvCxnSpPr>
+            <a:stCxn id="8" idx="3"/>
+            <a:endCxn id="18" idx="0"/>
+          </p:cNvCxnSpPr>
+          <p:nvPr/>
+        </p:nvCxnSpPr>
+        <p:spPr>
+          <a:xfrm>
+            <a:off x="5510464" y="2658978"/>
+            <a:ext cx="1606887" cy="416094"/>
+          </a:xfrm>
+          <a:prstGeom prst="bentConnector2">
+            <a:avLst/>
+          </a:prstGeom>
+          <a:ln w="38100">
+            <a:headEnd type="triangle"/>
+            <a:tailEnd type="triangle"/>
+          </a:ln>
+        </p:spPr>
+        <p:style>
+          <a:lnRef idx="1">
+            <a:schemeClr val="accent1"/>
+          </a:lnRef>
+          <a:fillRef idx="0">
+            <a:schemeClr val="accent1"/>
+          </a:fillRef>
+          <a:effectRef idx="0">
+            <a:schemeClr val="accent1"/>
+          </a:effectRef>
+          <a:fontRef idx="minor">
+            <a:schemeClr val="tx1"/>
+          </a:fontRef>
+        </p:style>
+      </p:cxnSp>
+      <p:cxnSp>
+        <p:nvCxnSpPr>
+          <p:cNvPr id="27" name="Elbow Connector 26"/>
+          <p:cNvCxnSpPr>
+            <a:stCxn id="18" idx="3"/>
+            <a:endCxn id="20" idx="0"/>
+          </p:cNvCxnSpPr>
+          <p:nvPr/>
+        </p:nvCxnSpPr>
+        <p:spPr>
+          <a:xfrm>
+            <a:off x="8168109" y="3508209"/>
+            <a:ext cx="800769" cy="633662"/>
+          </a:xfrm>
+          <a:prstGeom prst="bentConnector2">
+            <a:avLst/>
+          </a:prstGeom>
+          <a:ln w="28575">
+            <a:headEnd type="triangle"/>
+            <a:tailEnd type="triangle"/>
+          </a:ln>
+        </p:spPr>
+        <p:style>
+          <a:lnRef idx="1">
+            <a:schemeClr val="accent1"/>
+          </a:lnRef>
+          <a:fillRef idx="0">
+            <a:schemeClr val="accent1"/>
+          </a:fillRef>
+          <a:effectRef idx="0">
+            <a:schemeClr val="accent1"/>
+          </a:effectRef>
+          <a:fontRef idx="minor">
+            <a:schemeClr val="tx1"/>
+          </a:fontRef>
+        </p:style>
+      </p:cxnSp>
+      <p:cxnSp>
+        <p:nvCxnSpPr>
+          <p:cNvPr id="29" name="Elbow Connector 28"/>
+          <p:cNvCxnSpPr>
+            <a:stCxn id="20" idx="1"/>
+            <a:endCxn id="22" idx="3"/>
+          </p:cNvCxnSpPr>
+          <p:nvPr/>
+        </p:nvCxnSpPr>
+        <p:spPr>
+          <a:xfrm rot="10800000" flipV="1">
+            <a:off x="6789823" y="4589044"/>
+            <a:ext cx="1378287" cy="447173"/>
+          </a:xfrm>
+          <a:prstGeom prst="bentConnector3">
+            <a:avLst/>
+          </a:prstGeom>
+          <a:ln w="38100">
+            <a:headEnd type="triangle"/>
+            <a:tailEnd type="triangle"/>
+          </a:ln>
+        </p:spPr>
+        <p:style>
+          <a:lnRef idx="1">
+            <a:schemeClr val="accent1"/>
+          </a:lnRef>
+          <a:fillRef idx="0">
+            <a:schemeClr val="accent1"/>
+          </a:fillRef>
+          <a:effectRef idx="0">
+            <a:schemeClr val="accent1"/>
+          </a:effectRef>
+          <a:fontRef idx="minor">
+            <a:schemeClr val="tx1"/>
+          </a:fontRef>
+        </p:style>
+      </p:cxnSp>
+      <p:grpSp>
+        <p:nvGrpSpPr>
+          <p:cNvPr id="30" name="Group 29"/>
+          <p:cNvGrpSpPr/>
+          <p:nvPr/>
+        </p:nvGrpSpPr>
+        <p:grpSpPr>
+          <a:xfrm>
+            <a:off x="1350212" y="4308947"/>
+            <a:ext cx="2558716" cy="1159042"/>
+            <a:chOff x="3088105" y="990600"/>
+            <a:chExt cx="2558716" cy="1159042"/>
+          </a:xfrm>
+        </p:grpSpPr>
+        <p:sp>
+          <p:nvSpPr>
+            <p:cNvPr id="31" name="Rectangle 30"/>
+            <p:cNvSpPr/>
+            <p:nvPr/>
+          </p:nvSpPr>
+          <p:spPr>
+            <a:xfrm>
+              <a:off x="3545305" y="1283368"/>
+              <a:ext cx="2101516" cy="866274"/>
+            </a:xfrm>
+            <a:prstGeom prst="rect">
+              <a:avLst/>
+            </a:prstGeom>
+          </p:spPr>
+          <p:style>
+            <a:lnRef idx="2">
+              <a:schemeClr val="accent1">
+                <a:shade val="50000"/>
+              </a:schemeClr>
+            </a:lnRef>
+            <a:fillRef idx="1">
+              <a:schemeClr val="accent1"/>
+            </a:fillRef>
+            <a:effectRef idx="0">
+              <a:schemeClr val="accent1"/>
+            </a:effectRef>
+            <a:fontRef idx="minor">
+              <a:schemeClr val="lt1"/>
+            </a:fontRef>
+          </p:style>
+          <p:txBody>
+            <a:bodyPr rtlCol="0" anchor="ctr"/>
+            <a:lstStyle/>
+            <a:p>
+              <a:pPr algn="ctr"/>
+              <a:r>
+                <a:rPr lang="en-US" dirty="0" smtClean="0"/>
+                <a:t>Train the repressor with all the Reaming Predictors</a:t>
+              </a:r>
+              <a:endParaRPr lang="en-US" dirty="0"/>
+            </a:p>
+          </p:txBody>
+        </p:sp>
+        <p:sp>
+          <p:nvSpPr>
+            <p:cNvPr id="32" name="Oval 31"/>
+            <p:cNvSpPr/>
+            <p:nvPr/>
+          </p:nvSpPr>
+          <p:spPr>
+            <a:xfrm>
+              <a:off x="3088105" y="990600"/>
+              <a:ext cx="497305" cy="324853"/>
+            </a:xfrm>
+            <a:prstGeom prst="ellipse">
+              <a:avLst/>
+            </a:prstGeom>
+          </p:spPr>
+          <p:style>
+            <a:lnRef idx="2">
+              <a:schemeClr val="accent1">
+                <a:shade val="50000"/>
+              </a:schemeClr>
+            </a:lnRef>
+            <a:fillRef idx="1">
+              <a:schemeClr val="accent1"/>
+            </a:fillRef>
+            <a:effectRef idx="0">
+              <a:schemeClr val="accent1"/>
+            </a:effectRef>
+            <a:fontRef idx="minor">
+              <a:schemeClr val="lt1"/>
+            </a:fontRef>
+          </p:style>
+          <p:txBody>
+            <a:bodyPr rtlCol="0" anchor="ctr"/>
+            <a:lstStyle/>
+            <a:p>
+              <a:pPr algn="ctr"/>
+              <a:r>
+                <a:rPr lang="en-US" dirty="0" smtClean="0"/>
+                <a:t>5</a:t>
+              </a:r>
+              <a:endParaRPr lang="en-US" dirty="0"/>
+            </a:p>
+          </p:txBody>
+        </p:sp>
+      </p:grpSp>
+      <p:sp>
+        <p:nvSpPr>
+          <p:cNvPr id="41" name="TextBox 40"/>
+          <p:cNvSpPr txBox="1"/>
+          <p:nvPr/>
+        </p:nvSpPr>
+        <p:spPr>
+          <a:xfrm>
+            <a:off x="7478966" y="4265834"/>
+            <a:ext cx="662742" cy="369332"/>
+          </a:xfrm>
+          <a:prstGeom prst="rect">
+            <a:avLst/>
+          </a:prstGeom>
+          <a:noFill/>
+        </p:spPr>
+        <p:txBody>
+          <a:bodyPr wrap="square" rtlCol="0">
+            <a:spAutoFit/>
+          </a:bodyPr>
+          <a:lstStyle/>
+          <a:p>
+            <a:r>
+              <a:rPr lang="en-US" b="1" u="sng" dirty="0" smtClean="0"/>
+              <a:t>True</a:t>
+            </a:r>
+            <a:endParaRPr lang="en-US" b="1" u="sng" dirty="0"/>
+          </a:p>
+        </p:txBody>
+      </p:sp>
+      <p:cxnSp>
+        <p:nvCxnSpPr>
+          <p:cNvPr id="45" name="Straight Arrow Connector 44"/>
+          <p:cNvCxnSpPr>
+            <a:stCxn id="22" idx="1"/>
+            <a:endCxn id="31" idx="3"/>
+          </p:cNvCxnSpPr>
+          <p:nvPr/>
+        </p:nvCxnSpPr>
+        <p:spPr>
+          <a:xfrm flipH="1" flipV="1">
+            <a:off x="3908928" y="5034852"/>
+            <a:ext cx="779378" cy="1366"/>
+          </a:xfrm>
+          <a:prstGeom prst="straightConnector1">
+            <a:avLst/>
+          </a:prstGeom>
+          <a:ln w="38100">
+            <a:tailEnd type="triangle"/>
+          </a:ln>
+        </p:spPr>
+        <p:style>
+          <a:lnRef idx="1">
+            <a:schemeClr val="accent1"/>
+          </a:lnRef>
+          <a:fillRef idx="0">
+            <a:schemeClr val="accent1"/>
+          </a:fillRef>
+          <a:effectRef idx="0">
+            <a:schemeClr val="accent1"/>
+          </a:effectRef>
+          <a:fontRef idx="minor">
+            <a:schemeClr val="tx1"/>
+          </a:fontRef>
+        </p:style>
+      </p:cxnSp>
+      <p:cxnSp>
+        <p:nvCxnSpPr>
+          <p:cNvPr id="47" name="Elbow Connector 46"/>
+          <p:cNvCxnSpPr>
+            <a:stCxn id="31" idx="0"/>
+            <a:endCxn id="18" idx="1"/>
+          </p:cNvCxnSpPr>
+          <p:nvPr/>
+        </p:nvCxnSpPr>
+        <p:spPr>
+          <a:xfrm rot="5400000" flipH="1" flipV="1">
+            <a:off x="3915628" y="2450751"/>
+            <a:ext cx="1093506" cy="3208423"/>
+          </a:xfrm>
+          <a:prstGeom prst="bentConnector2">
+            <a:avLst/>
+          </a:prstGeom>
+          <a:ln w="38100">
+            <a:headEnd type="triangle"/>
+            <a:tailEnd type="triangle"/>
+          </a:ln>
+        </p:spPr>
+        <p:style>
+          <a:lnRef idx="1">
+            <a:schemeClr val="accent1"/>
+          </a:lnRef>
+          <a:fillRef idx="0">
+            <a:schemeClr val="accent1"/>
+          </a:fillRef>
+          <a:effectRef idx="0">
+            <a:schemeClr val="accent1"/>
+          </a:effectRef>
+          <a:fontRef idx="minor">
+            <a:schemeClr val="tx1"/>
+          </a:fontRef>
+        </p:style>
+      </p:cxnSp>
+      <p:sp>
+        <p:nvSpPr>
+          <p:cNvPr id="48" name="Snip Single Corner Rectangle 47"/>
+          <p:cNvSpPr/>
+          <p:nvPr/>
+        </p:nvSpPr>
+        <p:spPr>
+          <a:xfrm>
+            <a:off x="9769646" y="5034853"/>
+            <a:ext cx="2310059" cy="1013022"/>
+          </a:xfrm>
+          <a:prstGeom prst="snip1Rect">
+            <a:avLst/>
+          </a:prstGeom>
+          <a:solidFill>
+            <a:srgbClr val="00B050"/>
+          </a:solidFill>
+        </p:spPr>
+        <p:style>
+          <a:lnRef idx="2">
+            <a:schemeClr val="accent1">
+              <a:shade val="50000"/>
+            </a:schemeClr>
+          </a:lnRef>
+          <a:fillRef idx="1">
+            <a:schemeClr val="accent1"/>
+          </a:fillRef>
+          <a:effectRef idx="0">
+            <a:schemeClr val="accent1"/>
+          </a:effectRef>
+          <a:fontRef idx="minor">
+            <a:schemeClr val="lt1"/>
+          </a:fontRef>
+        </p:style>
+        <p:txBody>
+          <a:bodyPr rtlCol="0" anchor="ctr"/>
+          <a:lstStyle/>
+          <a:p>
+            <a:pPr algn="ctr"/>
+            <a:r>
+              <a:rPr lang="en-US" dirty="0" smtClean="0"/>
+              <a:t>Final </a:t>
+            </a:r>
+            <a:r>
+              <a:rPr lang="en-US" dirty="0" err="1" smtClean="0"/>
+              <a:t>Regressor</a:t>
+            </a:r>
+            <a:r>
+              <a:rPr lang="en-US" dirty="0" smtClean="0"/>
+              <a:t> is Ready</a:t>
+            </a:r>
+            <a:endParaRPr lang="en-US" dirty="0"/>
+          </a:p>
+        </p:txBody>
+      </p:sp>
+      <p:cxnSp>
+        <p:nvCxnSpPr>
+          <p:cNvPr id="50" name="Elbow Connector 49"/>
+          <p:cNvCxnSpPr>
+            <a:stCxn id="20" idx="3"/>
+            <a:endCxn id="48" idx="3"/>
+          </p:cNvCxnSpPr>
+          <p:nvPr/>
+        </p:nvCxnSpPr>
+        <p:spPr>
+          <a:xfrm>
+            <a:off x="9769646" y="4589045"/>
+            <a:ext cx="1155030" cy="445808"/>
+          </a:xfrm>
+          <a:prstGeom prst="bentConnector2">
+            <a:avLst/>
+          </a:prstGeom>
+          <a:ln w="28575">
+            <a:tailEnd type="triangle"/>
+          </a:ln>
+        </p:spPr>
+        <p:style>
+          <a:lnRef idx="1">
+            <a:schemeClr val="accent1"/>
+          </a:lnRef>
+          <a:fillRef idx="0">
+            <a:schemeClr val="accent1"/>
+          </a:fillRef>
+          <a:effectRef idx="0">
+            <a:schemeClr val="accent1"/>
+          </a:effectRef>
+          <a:fontRef idx="minor">
+            <a:schemeClr val="tx1"/>
+          </a:fontRef>
+        </p:style>
+      </p:cxnSp>
+      <p:sp>
+        <p:nvSpPr>
+          <p:cNvPr id="51" name="TextBox 50"/>
+          <p:cNvSpPr txBox="1"/>
+          <p:nvPr/>
+        </p:nvSpPr>
+        <p:spPr>
+          <a:xfrm>
+            <a:off x="9828629" y="4257268"/>
+            <a:ext cx="662742" cy="369332"/>
+          </a:xfrm>
+          <a:prstGeom prst="rect">
+            <a:avLst/>
+          </a:prstGeom>
+          <a:noFill/>
+        </p:spPr>
+        <p:txBody>
+          <a:bodyPr wrap="square" rtlCol="0">
+            <a:spAutoFit/>
+          </a:bodyPr>
+          <a:lstStyle/>
+          <a:p>
+            <a:r>
+              <a:rPr lang="en-US" b="1" u="sng" dirty="0" smtClean="0"/>
+              <a:t>False</a:t>
+            </a:r>
+            <a:endParaRPr lang="en-US" b="1" u="sng" dirty="0"/>
+          </a:p>
+        </p:txBody>
+      </p:sp>
+    </p:spTree>
+    <p:extLst>
+      <p:ext uri="{BB962C8B-B14F-4D97-AF65-F5344CB8AC3E}">
+        <p14:creationId xmlns:p14="http://schemas.microsoft.com/office/powerpoint/2010/main" val="3395815209"/>
+      </p:ext>
+    </p:extLst>
+  </p:cSld>
+  <p:clrMapOvr>
+    <a:masterClrMapping/>
+  </p:clrMapOvr>
+  <p:timing>
+    <p:tnLst>
+      <p:par>
+        <p:cTn id="1" dur="indefinite" restart="never" nodeType="tmRoot"/>
+      </p:par>
+    </p:tnLst>
+  </p:timing>
+</p:sld>
+</file>
+
+<file path=ppt/slides/slide11.xml><?xml version="1.0" encoding="utf-8"?>
+<p:sld xmlns:a="http://schemas.openxmlformats.org/drawingml/2006/main" xmlns:r="http://schemas.openxmlformats.org/officeDocument/2006/relationships" xmlns:p="http://schemas.openxmlformats.org/presentationml/2006/main">
+  <p:cSld>
+    <p:spTree>
+      <p:nvGrpSpPr>
+        <p:cNvPr id="1" name=""/>
+        <p:cNvGrpSpPr/>
+        <p:nvPr/>
+      </p:nvGrpSpPr>
+      <p:grpSpPr>
+        <a:xfrm>
+          <a:off x="0" y="0"/>
+          <a:ext cx="0" cy="0"/>
+          <a:chOff x="0" y="0"/>
+          <a:chExt cx="0" cy="0"/>
+        </a:xfrm>
+      </p:grpSpPr>
+      <p:sp>
+        <p:nvSpPr>
+          <p:cNvPr id="2" name="Title 1"/>
+          <p:cNvSpPr>
+            <a:spLocks noGrp="1"/>
+          </p:cNvSpPr>
+          <p:nvPr>
+            <p:ph type="title"/>
+          </p:nvPr>
+        </p:nvSpPr>
+        <p:spPr/>
+        <p:txBody>
+          <a:bodyPr/>
+          <a:lstStyle/>
+          <a:p>
+            <a:r>
+              <a:rPr lang="en-US" dirty="0" smtClean="0"/>
+              <a:t>Forward Selection</a:t>
+            </a:r>
+            <a:endParaRPr lang="en-US" dirty="0"/>
+          </a:p>
+        </p:txBody>
+      </p:sp>
+      <p:grpSp>
+        <p:nvGrpSpPr>
+          <p:cNvPr id="4" name="Group 3"/>
+          <p:cNvGrpSpPr/>
+          <p:nvPr/>
+        </p:nvGrpSpPr>
+        <p:grpSpPr>
+          <a:xfrm>
+            <a:off x="203200" y="1034716"/>
+            <a:ext cx="2558716" cy="1159042"/>
+            <a:chOff x="3088105" y="990600"/>
+            <a:chExt cx="2558716" cy="1159042"/>
+          </a:xfrm>
+        </p:grpSpPr>
+        <p:sp>
+          <p:nvSpPr>
+            <p:cNvPr id="5" name="Rectangle 4"/>
+            <p:cNvSpPr/>
+            <p:nvPr/>
+          </p:nvSpPr>
+          <p:spPr>
+            <a:xfrm>
+              <a:off x="3545305" y="1283368"/>
+              <a:ext cx="2101516" cy="866274"/>
+            </a:xfrm>
+            <a:prstGeom prst="rect">
+              <a:avLst/>
+            </a:prstGeom>
+          </p:spPr>
+          <p:style>
+            <a:lnRef idx="2">
+              <a:schemeClr val="accent1">
+                <a:shade val="50000"/>
+              </a:schemeClr>
+            </a:lnRef>
+            <a:fillRef idx="1">
+              <a:schemeClr val="accent1"/>
+            </a:fillRef>
+            <a:effectRef idx="0">
+              <a:schemeClr val="accent1"/>
+            </a:effectRef>
+            <a:fontRef idx="minor">
+              <a:schemeClr val="lt1"/>
+            </a:fontRef>
+          </p:style>
+          <p:txBody>
+            <a:bodyPr rtlCol="0" anchor="ctr"/>
+            <a:lstStyle/>
+            <a:p>
+              <a:pPr algn="ctr"/>
+              <a:r>
+                <a:rPr lang="en-US" dirty="0" smtClean="0"/>
+                <a:t>Select a Significance level (E.g. SL = 0.05</a:t>
+              </a:r>
+              <a:endParaRPr lang="en-US" dirty="0"/>
+            </a:p>
+          </p:txBody>
+        </p:sp>
+        <p:sp>
+          <p:nvSpPr>
+            <p:cNvPr id="6" name="Oval 5"/>
+            <p:cNvSpPr/>
+            <p:nvPr/>
+          </p:nvSpPr>
+          <p:spPr>
+            <a:xfrm>
+              <a:off x="3088105" y="990600"/>
+              <a:ext cx="497305" cy="324853"/>
+            </a:xfrm>
+            <a:prstGeom prst="ellipse">
+              <a:avLst/>
+            </a:prstGeom>
+          </p:spPr>
+          <p:style>
+            <a:lnRef idx="2">
+              <a:schemeClr val="accent1">
+                <a:shade val="50000"/>
+              </a:schemeClr>
+            </a:lnRef>
+            <a:fillRef idx="1">
+              <a:schemeClr val="accent1"/>
+            </a:fillRef>
+            <a:effectRef idx="0">
+              <a:schemeClr val="accent1"/>
+            </a:effectRef>
+            <a:fontRef idx="minor">
+              <a:schemeClr val="lt1"/>
+            </a:fontRef>
+          </p:style>
+          <p:txBody>
+            <a:bodyPr rtlCol="0" anchor="ctr"/>
+            <a:lstStyle/>
+            <a:p>
+              <a:pPr algn="ctr"/>
+              <a:r>
+                <a:rPr lang="en-US" dirty="0" smtClean="0"/>
+                <a:t>1</a:t>
+              </a:r>
+              <a:endParaRPr lang="en-US" dirty="0"/>
+            </a:p>
+          </p:txBody>
+        </p:sp>
+      </p:grpSp>
+      <p:grpSp>
+        <p:nvGrpSpPr>
+          <p:cNvPr id="7" name="Group 6"/>
+          <p:cNvGrpSpPr/>
+          <p:nvPr/>
+        </p:nvGrpSpPr>
+        <p:grpSpPr>
+          <a:xfrm>
+            <a:off x="2761916" y="1844842"/>
+            <a:ext cx="3753853" cy="1748200"/>
+            <a:chOff x="3088105" y="990600"/>
+            <a:chExt cx="2558716" cy="1159042"/>
+          </a:xfrm>
+        </p:grpSpPr>
+        <p:sp>
+          <p:nvSpPr>
+            <p:cNvPr id="8" name="Rectangle 7"/>
+            <p:cNvSpPr/>
+            <p:nvPr/>
+          </p:nvSpPr>
+          <p:spPr>
+            <a:xfrm>
+              <a:off x="3545305" y="1283368"/>
+              <a:ext cx="2101516" cy="866274"/>
+            </a:xfrm>
+            <a:prstGeom prst="rect">
+              <a:avLst/>
+            </a:prstGeom>
+          </p:spPr>
+          <p:style>
+            <a:lnRef idx="2">
+              <a:schemeClr val="accent1">
+                <a:shade val="50000"/>
+              </a:schemeClr>
+            </a:lnRef>
+            <a:fillRef idx="1">
+              <a:schemeClr val="accent1"/>
+            </a:fillRef>
+            <a:effectRef idx="0">
+              <a:schemeClr val="accent1"/>
+            </a:effectRef>
+            <a:fontRef idx="minor">
+              <a:schemeClr val="lt1"/>
+            </a:fontRef>
+          </p:style>
+          <p:txBody>
+            <a:bodyPr rtlCol="0" anchor="ctr"/>
+            <a:lstStyle/>
+            <a:p>
+              <a:pPr algn="ctr"/>
+              <a:r>
+                <a:rPr lang="en-US" dirty="0" smtClean="0"/>
+                <a:t>Fit all the regression models with all every independent variable(y vs X1,X2,X3..)</a:t>
+              </a:r>
+            </a:p>
+            <a:p>
+              <a:pPr algn="ctr"/>
+              <a:r>
+                <a:rPr lang="en-US" dirty="0" smtClean="0"/>
+                <a:t>Select one with lowest p value</a:t>
+              </a:r>
+              <a:endParaRPr lang="en-US" dirty="0"/>
+            </a:p>
+          </p:txBody>
+        </p:sp>
+        <p:sp>
+          <p:nvSpPr>
+            <p:cNvPr id="9" name="Oval 8"/>
+            <p:cNvSpPr/>
+            <p:nvPr/>
+          </p:nvSpPr>
+          <p:spPr>
+            <a:xfrm>
+              <a:off x="3088105" y="990600"/>
+              <a:ext cx="497305" cy="324853"/>
+            </a:xfrm>
+            <a:prstGeom prst="ellipse">
+              <a:avLst/>
+            </a:prstGeom>
+          </p:spPr>
+          <p:style>
+            <a:lnRef idx="2">
+              <a:schemeClr val="accent1">
+                <a:shade val="50000"/>
+              </a:schemeClr>
+            </a:lnRef>
+            <a:fillRef idx="1">
+              <a:schemeClr val="accent1"/>
+            </a:fillRef>
+            <a:effectRef idx="0">
+              <a:schemeClr val="accent1"/>
+            </a:effectRef>
+            <a:fontRef idx="minor">
+              <a:schemeClr val="lt1"/>
+            </a:fontRef>
+          </p:style>
+          <p:txBody>
+            <a:bodyPr rtlCol="0" anchor="ctr"/>
+            <a:lstStyle/>
+            <a:p>
+              <a:pPr algn="ctr"/>
+              <a:r>
+                <a:rPr lang="en-US" dirty="0"/>
+                <a:t>2</a:t>
+              </a:r>
+              <a:endParaRPr lang="en-US" dirty="0"/>
+            </a:p>
+          </p:txBody>
+        </p:sp>
+      </p:grpSp>
+      <p:grpSp>
+        <p:nvGrpSpPr>
+          <p:cNvPr id="10" name="Group 9"/>
+          <p:cNvGrpSpPr/>
+          <p:nvPr/>
+        </p:nvGrpSpPr>
+        <p:grpSpPr>
+          <a:xfrm>
+            <a:off x="6515769" y="3300412"/>
+            <a:ext cx="2804694" cy="1395663"/>
+            <a:chOff x="3088105" y="990600"/>
+            <a:chExt cx="2558716" cy="1159042"/>
+          </a:xfrm>
+        </p:grpSpPr>
+        <p:sp>
+          <p:nvSpPr>
+            <p:cNvPr id="11" name="Rectangle 10"/>
+            <p:cNvSpPr/>
+            <p:nvPr/>
+          </p:nvSpPr>
+          <p:spPr>
+            <a:xfrm>
+              <a:off x="3545305" y="1283368"/>
+              <a:ext cx="2101516" cy="866274"/>
+            </a:xfrm>
+            <a:prstGeom prst="rect">
+              <a:avLst/>
+            </a:prstGeom>
+          </p:spPr>
+          <p:style>
+            <a:lnRef idx="2">
+              <a:schemeClr val="accent1">
+                <a:shade val="50000"/>
+              </a:schemeClr>
+            </a:lnRef>
+            <a:fillRef idx="1">
+              <a:schemeClr val="accent1"/>
+            </a:fillRef>
+            <a:effectRef idx="0">
+              <a:schemeClr val="accent1"/>
+            </a:effectRef>
+            <a:fontRef idx="minor">
+              <a:schemeClr val="lt1"/>
+            </a:fontRef>
+          </p:style>
+          <p:txBody>
+            <a:bodyPr rtlCol="0" anchor="ctr"/>
+            <a:lstStyle/>
+            <a:p>
+              <a:pPr algn="ctr"/>
+              <a:r>
+                <a:rPr lang="en-US" dirty="0" smtClean="0"/>
+                <a:t>Build </a:t>
+              </a:r>
+              <a:r>
+                <a:rPr lang="en-US" dirty="0" err="1" smtClean="0"/>
+                <a:t>regressor</a:t>
+              </a:r>
+              <a:r>
+                <a:rPr lang="en-US" dirty="0" smtClean="0"/>
+                <a:t> by adding one predictor and so on </a:t>
+              </a:r>
+              <a:endParaRPr lang="en-US" dirty="0"/>
+            </a:p>
+          </p:txBody>
+        </p:sp>
+        <p:sp>
+          <p:nvSpPr>
+            <p:cNvPr id="12" name="Oval 11"/>
+            <p:cNvSpPr/>
+            <p:nvPr/>
+          </p:nvSpPr>
+          <p:spPr>
+            <a:xfrm>
+              <a:off x="3088105" y="990600"/>
+              <a:ext cx="497305" cy="324853"/>
+            </a:xfrm>
+            <a:prstGeom prst="ellipse">
+              <a:avLst/>
+            </a:prstGeom>
+          </p:spPr>
+          <p:style>
+            <a:lnRef idx="2">
+              <a:schemeClr val="accent1">
+                <a:shade val="50000"/>
+              </a:schemeClr>
+            </a:lnRef>
+            <a:fillRef idx="1">
+              <a:schemeClr val="accent1"/>
+            </a:fillRef>
+            <a:effectRef idx="0">
+              <a:schemeClr val="accent1"/>
+            </a:effectRef>
+            <a:fontRef idx="minor">
+              <a:schemeClr val="lt1"/>
+            </a:fontRef>
+          </p:style>
+          <p:txBody>
+            <a:bodyPr rtlCol="0" anchor="ctr"/>
+            <a:lstStyle/>
+            <a:p>
+              <a:pPr algn="ctr"/>
+              <a:r>
+                <a:rPr lang="en-US" dirty="0"/>
+                <a:t>3</a:t>
+              </a:r>
+              <a:endParaRPr lang="en-US" dirty="0"/>
+            </a:p>
+          </p:txBody>
+        </p:sp>
+      </p:grpSp>
+      <p:sp>
+        <p:nvSpPr>
+          <p:cNvPr id="13" name="Diamond 12"/>
+          <p:cNvSpPr/>
+          <p:nvPr/>
+        </p:nvSpPr>
+        <p:spPr>
+          <a:xfrm>
+            <a:off x="7192422" y="5065407"/>
+            <a:ext cx="1952539" cy="894347"/>
+          </a:xfrm>
+          <a:prstGeom prst="diamond">
+            <a:avLst/>
+          </a:prstGeom>
+        </p:spPr>
+        <p:style>
+          <a:lnRef idx="2">
+            <a:schemeClr val="accent1">
+              <a:shade val="50000"/>
+            </a:schemeClr>
+          </a:lnRef>
+          <a:fillRef idx="1">
+            <a:schemeClr val="accent1"/>
+          </a:fillRef>
+          <a:effectRef idx="0">
+            <a:schemeClr val="accent1"/>
+          </a:effectRef>
+          <a:fontRef idx="minor">
+            <a:schemeClr val="lt1"/>
+          </a:fontRef>
+        </p:style>
+        <p:txBody>
+          <a:bodyPr rtlCol="0" anchor="ctr"/>
+          <a:lstStyle/>
+          <a:p>
+            <a:pPr algn="ctr"/>
+            <a:r>
+              <a:rPr lang="en-US" dirty="0" smtClean="0"/>
+              <a:t>If P </a:t>
+            </a:r>
+            <a:r>
+              <a:rPr lang="en-US" sz="2400" b="1" i="1" dirty="0" smtClean="0">
+                <a:solidFill>
+                  <a:schemeClr val="tx1"/>
+                </a:solidFill>
+              </a:rPr>
+              <a:t>&lt; </a:t>
+            </a:r>
+            <a:r>
+              <a:rPr lang="en-US" dirty="0" smtClean="0"/>
+              <a:t>SL</a:t>
+            </a:r>
+            <a:endParaRPr lang="en-US" dirty="0"/>
+          </a:p>
+        </p:txBody>
+      </p:sp>
+      <p:sp>
+        <p:nvSpPr>
+          <p:cNvPr id="14" name="TextBox 13"/>
+          <p:cNvSpPr txBox="1"/>
+          <p:nvPr/>
+        </p:nvSpPr>
+        <p:spPr>
+          <a:xfrm>
+            <a:off x="6281036" y="5143248"/>
+            <a:ext cx="662742" cy="369332"/>
+          </a:xfrm>
+          <a:prstGeom prst="rect">
+            <a:avLst/>
+          </a:prstGeom>
+          <a:noFill/>
+        </p:spPr>
+        <p:txBody>
+          <a:bodyPr wrap="square" rtlCol="0">
+            <a:spAutoFit/>
+          </a:bodyPr>
+          <a:lstStyle/>
+          <a:p>
+            <a:r>
+              <a:rPr lang="en-US" b="1" u="sng" dirty="0" smtClean="0"/>
+              <a:t>True</a:t>
+            </a:r>
+            <a:endParaRPr lang="en-US" b="1" u="sng" dirty="0"/>
+          </a:p>
+        </p:txBody>
+      </p:sp>
+      <p:cxnSp>
+        <p:nvCxnSpPr>
+          <p:cNvPr id="16" name="Elbow Connector 15"/>
+          <p:cNvCxnSpPr>
+            <a:stCxn id="5" idx="3"/>
+            <a:endCxn id="8" idx="0"/>
+          </p:cNvCxnSpPr>
+          <p:nvPr/>
+        </p:nvCxnSpPr>
+        <p:spPr>
+          <a:xfrm>
+            <a:off x="2761916" y="1760621"/>
+            <a:ext cx="2212302" cy="525807"/>
+          </a:xfrm>
+          <a:prstGeom prst="bentConnector2">
+            <a:avLst/>
+          </a:prstGeom>
+          <a:ln w="28575">
+            <a:headEnd type="triangle"/>
+            <a:tailEnd type="triangle"/>
+          </a:ln>
+        </p:spPr>
+        <p:style>
+          <a:lnRef idx="1">
+            <a:schemeClr val="accent1"/>
+          </a:lnRef>
+          <a:fillRef idx="0">
+            <a:schemeClr val="accent1"/>
+          </a:fillRef>
+          <a:effectRef idx="0">
+            <a:schemeClr val="accent1"/>
+          </a:effectRef>
+          <a:fontRef idx="minor">
+            <a:schemeClr val="tx1"/>
+          </a:fontRef>
+        </p:style>
+      </p:cxnSp>
+      <p:cxnSp>
+        <p:nvCxnSpPr>
+          <p:cNvPr id="17" name="Elbow Connector 16"/>
+          <p:cNvCxnSpPr>
+            <a:stCxn id="8" idx="3"/>
+            <a:endCxn id="11" idx="0"/>
+          </p:cNvCxnSpPr>
+          <p:nvPr/>
+        </p:nvCxnSpPr>
+        <p:spPr>
+          <a:xfrm>
+            <a:off x="6515769" y="2939735"/>
+            <a:ext cx="1652923" cy="713214"/>
+          </a:xfrm>
+          <a:prstGeom prst="bentConnector2">
+            <a:avLst/>
+          </a:prstGeom>
+          <a:ln w="28575">
+            <a:headEnd type="triangle"/>
+            <a:tailEnd type="triangle"/>
+          </a:ln>
+        </p:spPr>
+        <p:style>
+          <a:lnRef idx="1">
+            <a:schemeClr val="accent1"/>
+          </a:lnRef>
+          <a:fillRef idx="0">
+            <a:schemeClr val="accent1"/>
+          </a:fillRef>
+          <a:effectRef idx="0">
+            <a:schemeClr val="accent1"/>
+          </a:effectRef>
+          <a:fontRef idx="minor">
+            <a:schemeClr val="tx1"/>
+          </a:fontRef>
+        </p:style>
+      </p:cxnSp>
+      <p:cxnSp>
+        <p:nvCxnSpPr>
+          <p:cNvPr id="20" name="Elbow Connector 19"/>
+          <p:cNvCxnSpPr>
+            <a:stCxn id="11" idx="2"/>
+            <a:endCxn id="13" idx="0"/>
+          </p:cNvCxnSpPr>
+          <p:nvPr/>
+        </p:nvCxnSpPr>
+        <p:spPr>
+          <a:xfrm rot="5400000">
+            <a:off x="7984026" y="4880741"/>
+            <a:ext cx="369332" cy="12700"/>
+          </a:xfrm>
+          <a:prstGeom prst="bentConnector3">
+            <a:avLst>
+              <a:gd name="adj1" fmla="val 50000"/>
+            </a:avLst>
+          </a:prstGeom>
+          <a:ln w="28575">
+            <a:headEnd type="triangle"/>
+            <a:tailEnd type="triangle"/>
+          </a:ln>
+        </p:spPr>
+        <p:style>
+          <a:lnRef idx="1">
+            <a:schemeClr val="accent1"/>
+          </a:lnRef>
+          <a:fillRef idx="0">
+            <a:schemeClr val="accent1"/>
+          </a:fillRef>
+          <a:effectRef idx="0">
+            <a:schemeClr val="accent1"/>
+          </a:effectRef>
+          <a:fontRef idx="minor">
+            <a:schemeClr val="tx1"/>
+          </a:fontRef>
+        </p:style>
+      </p:cxnSp>
+      <p:cxnSp>
+        <p:nvCxnSpPr>
+          <p:cNvPr id="27" name="Elbow Connector 26"/>
+          <p:cNvCxnSpPr>
+            <a:stCxn id="13" idx="1"/>
+            <a:endCxn id="11" idx="1"/>
+          </p:cNvCxnSpPr>
+          <p:nvPr/>
+        </p:nvCxnSpPr>
+        <p:spPr>
+          <a:xfrm rot="10800000">
+            <a:off x="7016922" y="4174513"/>
+            <a:ext cx="175501" cy="1338069"/>
+          </a:xfrm>
+          <a:prstGeom prst="bentConnector3">
+            <a:avLst>
+              <a:gd name="adj1" fmla="val 568464"/>
+            </a:avLst>
+          </a:prstGeom>
+          <a:ln w="38100">
+            <a:headEnd type="triangle"/>
+            <a:tailEnd type="triangle"/>
+          </a:ln>
+        </p:spPr>
+        <p:style>
+          <a:lnRef idx="1">
+            <a:schemeClr val="accent1"/>
+          </a:lnRef>
+          <a:fillRef idx="0">
+            <a:schemeClr val="accent1"/>
+          </a:fillRef>
+          <a:effectRef idx="0">
+            <a:schemeClr val="accent1"/>
+          </a:effectRef>
+          <a:fontRef idx="minor">
+            <a:schemeClr val="tx1"/>
+          </a:fontRef>
+        </p:style>
+      </p:cxnSp>
+      <p:sp>
+        <p:nvSpPr>
+          <p:cNvPr id="29" name="Snip Single Corner Rectangle 28"/>
+          <p:cNvSpPr/>
+          <p:nvPr/>
+        </p:nvSpPr>
+        <p:spPr>
+          <a:xfrm>
+            <a:off x="9881941" y="5006069"/>
+            <a:ext cx="2310059" cy="1013022"/>
+          </a:xfrm>
+          <a:prstGeom prst="snip1Rect">
+            <a:avLst/>
+          </a:prstGeom>
+          <a:solidFill>
+            <a:srgbClr val="00B050"/>
+          </a:solidFill>
+        </p:spPr>
+        <p:style>
+          <a:lnRef idx="2">
+            <a:schemeClr val="accent1">
+              <a:shade val="50000"/>
+            </a:schemeClr>
+          </a:lnRef>
+          <a:fillRef idx="1">
+            <a:schemeClr val="accent1"/>
+          </a:fillRef>
+          <a:effectRef idx="0">
+            <a:schemeClr val="accent1"/>
+          </a:effectRef>
+          <a:fontRef idx="minor">
+            <a:schemeClr val="lt1"/>
+          </a:fontRef>
+        </p:style>
+        <p:txBody>
+          <a:bodyPr rtlCol="0" anchor="ctr"/>
+          <a:lstStyle/>
+          <a:p>
+            <a:pPr algn="ctr"/>
+            <a:r>
+              <a:rPr lang="en-US" dirty="0" smtClean="0"/>
+              <a:t>Final </a:t>
+            </a:r>
+            <a:r>
+              <a:rPr lang="en-US" dirty="0" err="1" smtClean="0"/>
+              <a:t>Regressor</a:t>
+            </a:r>
+            <a:r>
+              <a:rPr lang="en-US" dirty="0" smtClean="0"/>
+              <a:t> is Ready</a:t>
+            </a:r>
+            <a:endParaRPr lang="en-US" dirty="0"/>
+          </a:p>
+        </p:txBody>
+      </p:sp>
+      <p:cxnSp>
+        <p:nvCxnSpPr>
+          <p:cNvPr id="31" name="Straight Arrow Connector 30"/>
+          <p:cNvCxnSpPr>
+            <a:stCxn id="13" idx="3"/>
+            <a:endCxn id="29" idx="2"/>
+          </p:cNvCxnSpPr>
+          <p:nvPr/>
+        </p:nvCxnSpPr>
+        <p:spPr>
+          <a:xfrm flipV="1">
+            <a:off x="9144961" y="5512580"/>
+            <a:ext cx="736980" cy="1"/>
+          </a:xfrm>
+          <a:prstGeom prst="straightConnector1">
+            <a:avLst/>
+          </a:prstGeom>
+          <a:ln w="38100">
+            <a:tailEnd type="triangle"/>
+          </a:ln>
+        </p:spPr>
+        <p:style>
+          <a:lnRef idx="1">
+            <a:schemeClr val="accent1"/>
+          </a:lnRef>
+          <a:fillRef idx="0">
+            <a:schemeClr val="accent1"/>
+          </a:fillRef>
+          <a:effectRef idx="0">
+            <a:schemeClr val="accent1"/>
+          </a:effectRef>
+          <a:fontRef idx="minor">
+            <a:schemeClr val="tx1"/>
+          </a:fontRef>
+        </p:style>
+      </p:cxnSp>
+      <p:sp>
+        <p:nvSpPr>
+          <p:cNvPr id="33" name="TextBox 32"/>
+          <p:cNvSpPr txBox="1"/>
+          <p:nvPr/>
+        </p:nvSpPr>
+        <p:spPr>
+          <a:xfrm>
+            <a:off x="9144961" y="5143248"/>
+            <a:ext cx="662742" cy="369332"/>
+          </a:xfrm>
+          <a:prstGeom prst="rect">
+            <a:avLst/>
+          </a:prstGeom>
+          <a:noFill/>
+        </p:spPr>
+        <p:txBody>
+          <a:bodyPr wrap="square" rtlCol="0">
+            <a:spAutoFit/>
+          </a:bodyPr>
+          <a:lstStyle/>
+          <a:p>
+            <a:r>
+              <a:rPr lang="en-US" b="1" u="sng" dirty="0" smtClean="0"/>
+              <a:t>False</a:t>
+            </a:r>
+            <a:endParaRPr lang="en-US" b="1" u="sng" dirty="0"/>
+          </a:p>
+        </p:txBody>
+      </p:sp>
+    </p:spTree>
+    <p:extLst>
+      <p:ext uri="{BB962C8B-B14F-4D97-AF65-F5344CB8AC3E}">
+        <p14:creationId xmlns:p14="http://schemas.microsoft.com/office/powerpoint/2010/main" val="834668581"/>
+      </p:ext>
+    </p:extLst>
+  </p:cSld>
+  <p:clrMapOvr>
+    <a:masterClrMapping/>
+  </p:clrMapOvr>
+  <p:timing>
+    <p:tnLst>
+      <p:par>
+        <p:cTn id="1" dur="indefinite" restart="never" nodeType="tmRoot"/>
+      </p:par>
+    </p:tnLst>
+  </p:timing>
+</p:sld>
+</file>
+
+<file path=ppt/slides/slide12.xml><?xml version="1.0" encoding="utf-8"?>
+<p:sld xmlns:a="http://schemas.openxmlformats.org/drawingml/2006/main" xmlns:r="http://schemas.openxmlformats.org/officeDocument/2006/relationships" xmlns:p="http://schemas.openxmlformats.org/presentationml/2006/main">
+  <p:cSld>
+    <p:spTree>
+      <p:nvGrpSpPr>
+        <p:cNvPr id="1" name=""/>
+        <p:cNvGrpSpPr/>
+        <p:nvPr/>
+      </p:nvGrpSpPr>
+      <p:grpSpPr>
+        <a:xfrm>
+          <a:off x="0" y="0"/>
+          <a:ext cx="0" cy="0"/>
+          <a:chOff x="0" y="0"/>
+          <a:chExt cx="0" cy="0"/>
+        </a:xfrm>
+      </p:grpSpPr>
+      <p:sp>
+        <p:nvSpPr>
+          <p:cNvPr id="2" name="Title 1"/>
+          <p:cNvSpPr>
+            <a:spLocks noGrp="1"/>
+          </p:cNvSpPr>
+          <p:nvPr>
+            <p:ph type="title"/>
+          </p:nvPr>
+        </p:nvSpPr>
+        <p:spPr/>
+        <p:txBody>
+          <a:bodyPr/>
+          <a:lstStyle/>
+          <a:p>
+            <a:endParaRPr lang="en-US"/>
+          </a:p>
+        </p:txBody>
+      </p:sp>
+    </p:spTree>
+    <p:extLst>
+      <p:ext uri="{BB962C8B-B14F-4D97-AF65-F5344CB8AC3E}">
+        <p14:creationId xmlns:p14="http://schemas.microsoft.com/office/powerpoint/2010/main" val="1921882411"/>
+      </p:ext>
+    </p:extLst>
+  </p:cSld>
+  <p:clrMapOvr>
+    <a:masterClrMapping/>
+  </p:clrMapOvr>
+</p:sld>
+</file>
+
+<file path=ppt/slides/slide13.xml><?xml version="1.0" encoding="utf-8"?>
+<p:sld xmlns:a="http://schemas.openxmlformats.org/drawingml/2006/main" xmlns:r="http://schemas.openxmlformats.org/officeDocument/2006/relationships" xmlns:p="http://schemas.openxmlformats.org/presentationml/2006/main">
+  <p:cSld>
+    <p:spTree>
+      <p:nvGrpSpPr>
+        <p:cNvPr id="1" name=""/>
+        <p:cNvGrpSpPr/>
+        <p:nvPr/>
+      </p:nvGrpSpPr>
+      <p:grpSpPr>
+        <a:xfrm>
+          <a:off x="0" y="0"/>
+          <a:ext cx="0" cy="0"/>
+          <a:chOff x="0" y="0"/>
+          <a:chExt cx="0" cy="0"/>
+        </a:xfrm>
+      </p:grpSpPr>
+      <p:sp>
+        <p:nvSpPr>
+          <p:cNvPr id="2" name="Title 1"/>
+          <p:cNvSpPr>
+            <a:spLocks noGrp="1"/>
+          </p:cNvSpPr>
+          <p:nvPr>
+            <p:ph type="title"/>
+          </p:nvPr>
+        </p:nvSpPr>
+        <p:spPr/>
+        <p:txBody>
+          <a:bodyPr/>
+          <a:lstStyle/>
+          <a:p>
+            <a:endParaRPr lang="en-US"/>
+          </a:p>
+        </p:txBody>
+      </p:sp>
+    </p:spTree>
+    <p:extLst>
+      <p:ext uri="{BB962C8B-B14F-4D97-AF65-F5344CB8AC3E}">
+        <p14:creationId xmlns:p14="http://schemas.microsoft.com/office/powerpoint/2010/main" val="2482588264"/>
+      </p:ext>
+    </p:extLst>
+  </p:cSld>
+  <p:clrMapOvr>
+    <a:masterClrMapping/>
+  </p:clrMapOvr>
+</p:sld>
+</file>
+
+<file path=ppt/slides/slide14.xml><?xml version="1.0" encoding="utf-8"?>
+<p:sld xmlns:a="http://schemas.openxmlformats.org/drawingml/2006/main" xmlns:r="http://schemas.openxmlformats.org/officeDocument/2006/relationships" xmlns:p="http://schemas.openxmlformats.org/presentationml/2006/main">
+  <p:cSld>
+    <p:spTree>
+      <p:nvGrpSpPr>
+        <p:cNvPr id="1" name=""/>
+        <p:cNvGrpSpPr/>
+        <p:nvPr/>
+      </p:nvGrpSpPr>
+      <p:grpSpPr>
+        <a:xfrm>
+          <a:off x="0" y="0"/>
+          <a:ext cx="0" cy="0"/>
+          <a:chOff x="0" y="0"/>
+          <a:chExt cx="0" cy="0"/>
+        </a:xfrm>
+      </p:grpSpPr>
+      <p:sp>
+        <p:nvSpPr>
+          <p:cNvPr id="2" name="Title 1"/>
+          <p:cNvSpPr>
+            <a:spLocks noGrp="1"/>
+          </p:cNvSpPr>
+          <p:nvPr>
+            <p:ph type="title"/>
+          </p:nvPr>
+        </p:nvSpPr>
+        <p:spPr/>
+        <p:txBody>
+          <a:bodyPr/>
+          <a:lstStyle/>
+          <a:p>
+            <a:endParaRPr lang="en-US"/>
+          </a:p>
+        </p:txBody>
+      </p:sp>
+    </p:spTree>
+    <p:extLst>
+      <p:ext uri="{BB962C8B-B14F-4D97-AF65-F5344CB8AC3E}">
+        <p14:creationId xmlns:p14="http://schemas.microsoft.com/office/powerpoint/2010/main" val="1723615881"/>
+      </p:ext>
+    </p:extLst>
+  </p:cSld>
+  <p:clrMapOvr>
+    <a:masterClrMapping/>
+  </p:clrMapOvr>
+</p:sld>
+</file>
+
+<file path=ppt/slides/slide15.xml><?xml version="1.0" encoding="utf-8"?>
+<p:sld xmlns:a="http://schemas.openxmlformats.org/drawingml/2006/main" xmlns:r="http://schemas.openxmlformats.org/officeDocument/2006/relationships" xmlns:p="http://schemas.openxmlformats.org/presentationml/2006/main">
+  <p:cSld>
+    <p:spTree>
+      <p:nvGrpSpPr>
+        <p:cNvPr id="1" name=""/>
+        <p:cNvGrpSpPr/>
+        <p:nvPr/>
+      </p:nvGrpSpPr>
+      <p:grpSpPr>
+        <a:xfrm>
+          <a:off x="0" y="0"/>
+          <a:ext cx="0" cy="0"/>
+          <a:chOff x="0" y="0"/>
+          <a:chExt cx="0" cy="0"/>
+        </a:xfrm>
+      </p:grpSpPr>
+      <p:sp>
+        <p:nvSpPr>
+          <p:cNvPr id="2" name="Title 1"/>
+          <p:cNvSpPr>
+            <a:spLocks noGrp="1"/>
+          </p:cNvSpPr>
+          <p:nvPr>
+            <p:ph type="title"/>
+          </p:nvPr>
+        </p:nvSpPr>
+        <p:spPr/>
+        <p:txBody>
+          <a:bodyPr/>
+          <a:lstStyle/>
+          <a:p>
+            <a:endParaRPr lang="en-US"/>
+          </a:p>
+        </p:txBody>
+      </p:sp>
+    </p:spTree>
+    <p:extLst>
+      <p:ext uri="{BB962C8B-B14F-4D97-AF65-F5344CB8AC3E}">
+        <p14:creationId xmlns:p14="http://schemas.microsoft.com/office/powerpoint/2010/main" val="2536604557"/>
+      </p:ext>
+    </p:extLst>
+  </p:cSld>
+  <p:clrMapOvr>
+    <a:masterClrMapping/>
+  </p:clrMapOvr>
 </p:sld>
 </file>
 
@@ -3764,17 +5713,7 @@
                     </a:schemeClr>
                   </a:solidFill>
                 </a:rPr>
-                <a:t>Where x1 ,x2 ,x3 are the independent variable and y is dependent </a:t>
-              </a:r>
-              <a:r>
-                <a:rPr lang="en-US" dirty="0" smtClean="0">
-                  <a:solidFill>
-                    <a:schemeClr val="bg1">
-                      <a:lumMod val="95000"/>
-                    </a:schemeClr>
-                  </a:solidFill>
-                </a:rPr>
-                <a:t>variable. </a:t>
+                <a:t>Where x1 ,x2 ,x3 are the independent variable and y is dependent variable. </a:t>
               </a:r>
               <a:endParaRPr lang="en-US" dirty="0">
                 <a:solidFill>
@@ -19370,7 +21309,37 @@
                   </a:schemeClr>
                 </a:solidFill>
               </a:rPr>
-              <a:t>always remove one dummy variable</a:t>
+              <a:t>always </a:t>
+            </a:r>
+            <a:r>
+              <a:rPr lang="en-US" sz="4400" dirty="0" err="1" smtClean="0">
+                <a:solidFill>
+                  <a:schemeClr val="bg1">
+                    <a:lumMod val="95000"/>
+                  </a:schemeClr>
+                </a:solidFill>
+              </a:rPr>
+              <a:t>eleminate</a:t>
+            </a:r>
+            <a:r>
+              <a:rPr lang="en-US" sz="4400" dirty="0" smtClean="0">
+                <a:solidFill>
+                  <a:schemeClr val="bg1">
+                    <a:lumMod val="95000"/>
+                  </a:schemeClr>
+                </a:solidFill>
+              </a:rPr>
+              <a:t> </a:t>
+            </a:r>
+            <a:r>
+              <a:rPr lang="en-US" sz="4400" dirty="0" smtClean="0">
+                <a:solidFill>
+                  <a:schemeClr val="bg1">
+                    <a:lumMod val="95000"/>
+                  </a:schemeClr>
+                </a:solidFill>
+              </a:rPr>
+              <a:t>one dummy variable</a:t>
             </a:r>
             <a:endParaRPr lang="en-US" sz="4400" dirty="0">
               <a:solidFill>
@@ -19434,7 +21403,23 @@
           <a:bodyPr/>
           <a:lstStyle/>
           <a:p>
-            <a:endParaRPr lang="en-US"/>
+            <a:r>
+              <a:rPr lang="en-US" dirty="0" smtClean="0">
+                <a:solidFill>
+                  <a:schemeClr val="accent1">
+                    <a:lumMod val="75000"/>
+                  </a:schemeClr>
+                </a:solidFill>
+              </a:rPr>
+              <a:t>Building A Model</a:t>
+            </a:r>
+            <a:endParaRPr lang="en-US" dirty="0">
+              <a:solidFill>
+                <a:schemeClr val="accent1">
+                  <a:lumMod val="75000"/>
+                </a:schemeClr>
+              </a:solidFill>
+            </a:endParaRPr>
           </a:p>
         </p:txBody>
       </p:sp>
@@ -19453,10 +21438,80 @@
           <a:bodyPr/>
           <a:lstStyle/>
           <a:p>
-            <a:endParaRPr lang="en-US"/>
+            <a:r>
+              <a:rPr lang="en-US" dirty="0" smtClean="0"/>
+              <a:t>To predict a value or we may have many proctors.(</a:t>
+            </a:r>
+            <a:r>
+              <a:rPr lang="en-US" dirty="0" err="1" smtClean="0"/>
+              <a:t>i.e</a:t>
+            </a:r>
+            <a:r>
+              <a:rPr lang="en-US" dirty="0" smtClean="0"/>
+              <a:t> X1,x2,x3,x4)</a:t>
+            </a:r>
+          </a:p>
+          <a:p>
+            <a:r>
+              <a:rPr lang="en-US" dirty="0" smtClean="0"/>
+              <a:t>But how much the proctors influence the predictor Is of use.</a:t>
+            </a:r>
+          </a:p>
+          <a:p>
+            <a:r>
+              <a:rPr lang="en-US" dirty="0" smtClean="0"/>
+              <a:t> </a:t>
+            </a:r>
+            <a:r>
+              <a:rPr lang="en-US" dirty="0" smtClean="0"/>
+              <a:t> All the Factors many not have much impact of the required profits.</a:t>
+            </a:r>
+          </a:p>
+          <a:p>
+            <a:r>
+              <a:rPr lang="en-US" dirty="0" smtClean="0"/>
+              <a:t>So few may have to be eliminated.</a:t>
+            </a:r>
+          </a:p>
+          <a:p>
+            <a:r>
+              <a:rPr lang="en-US" dirty="0" smtClean="0"/>
+              <a:t>Few other reasons are from the assumptions.</a:t>
+            </a:r>
+            <a:endParaRPr lang="en-US" dirty="0"/>
           </a:p>
         </p:txBody>
       </p:sp>
+      <p:pic>
+        <p:nvPicPr>
+          <p:cNvPr id="4" name="Picture 3" descr="Screen Clipping"/>
+          <p:cNvPicPr>
+            <a:picLocks noChangeAspect="1"/>
+          </p:cNvPicPr>
+          <p:nvPr/>
+        </p:nvPicPr>
+        <p:blipFill>
+          <a:blip r:embed="rId2">
+            <a:extLst>
+              <a:ext uri="{28A0092B-C50C-407E-A947-70E740481C1C}">
+                <a14:useLocalDpi xmlns:a14="http://schemas.microsoft.com/office/drawing/2010/main" val="0"/>
+              </a:ext>
+            </a:extLst>
+          </a:blip>
+          <a:stretch>
+            <a:fillRect/>
+          </a:stretch>
+        </p:blipFill>
+        <p:spPr>
+          <a:xfrm>
+            <a:off x="4397341" y="3183645"/>
+            <a:ext cx="4711865" cy="597073"/>
+          </a:xfrm>
+          <a:prstGeom prst="rect">
+            <a:avLst/>
+          </a:prstGeom>
+        </p:spPr>
+      </p:pic>
     </p:spTree>
     <p:extLst>
       <p:ext uri="{BB962C8B-B14F-4D97-AF65-F5344CB8AC3E}">
@@ -19467,6 +21522,147 @@
   <p:clrMapOvr>
     <a:masterClrMapping/>
   </p:clrMapOvr>
+</p:sld>
+</file>
+
+<file path=ppt/slides/slide9.xml><?xml version="1.0" encoding="utf-8"?>
+<p:sld xmlns:a="http://schemas.openxmlformats.org/drawingml/2006/main" xmlns:r="http://schemas.openxmlformats.org/officeDocument/2006/relationships" xmlns:p="http://schemas.openxmlformats.org/presentationml/2006/main">
+  <p:cSld>
+    <p:spTree>
+      <p:nvGrpSpPr>
+        <p:cNvPr id="1" name=""/>
+        <p:cNvGrpSpPr/>
+        <p:nvPr/>
+      </p:nvGrpSpPr>
+      <p:grpSpPr>
+        <a:xfrm>
+          <a:off x="0" y="0"/>
+          <a:ext cx="0" cy="0"/>
+          <a:chOff x="0" y="0"/>
+          <a:chExt cx="0" cy="0"/>
+        </a:xfrm>
+      </p:grpSpPr>
+      <p:sp>
+        <p:nvSpPr>
+          <p:cNvPr id="2" name="Title 1"/>
+          <p:cNvSpPr>
+            <a:spLocks noGrp="1"/>
+          </p:cNvSpPr>
+          <p:nvPr>
+            <p:ph type="title"/>
+          </p:nvPr>
+        </p:nvSpPr>
+        <p:spPr/>
+        <p:txBody>
+          <a:bodyPr/>
+          <a:lstStyle/>
+          <a:p>
+            <a:r>
+              <a:rPr lang="en-US" dirty="0">
+                <a:solidFill>
+                  <a:schemeClr val="accent1">
+                    <a:lumMod val="75000"/>
+                  </a:schemeClr>
+                </a:solidFill>
+              </a:rPr>
+              <a:t>Building A Model</a:t>
+            </a:r>
+            <a:endParaRPr lang="en-US" dirty="0"/>
+          </a:p>
+        </p:txBody>
+      </p:sp>
+      <p:sp>
+        <p:nvSpPr>
+          <p:cNvPr id="3" name="Content Placeholder 2"/>
+          <p:cNvSpPr>
+            <a:spLocks noGrp="1"/>
+          </p:cNvSpPr>
+          <p:nvPr>
+            <p:ph idx="1"/>
+          </p:nvPr>
+        </p:nvSpPr>
+        <p:spPr/>
+        <p:txBody>
+          <a:bodyPr>
+            <a:normAutofit lnSpcReduction="10000"/>
+          </a:bodyPr>
+          <a:lstStyle/>
+          <a:p>
+            <a:pPr marL="0" indent="0">
+              <a:buNone/>
+            </a:pPr>
+            <a:r>
+              <a:rPr lang="en-US" sz="5400" dirty="0" smtClean="0"/>
+              <a:t>Methods to Build the models</a:t>
+            </a:r>
+          </a:p>
+          <a:p>
+            <a:pPr lvl="1"/>
+            <a:r>
+              <a:rPr lang="en-US" sz="3600" dirty="0" smtClean="0"/>
+              <a:t>All –in</a:t>
+            </a:r>
+          </a:p>
+          <a:p>
+            <a:pPr lvl="1"/>
+            <a:r>
+              <a:rPr lang="en-US" sz="3600" dirty="0" smtClean="0"/>
+              <a:t>Step wise Regression Models</a:t>
+            </a:r>
+          </a:p>
+          <a:p>
+            <a:pPr lvl="2"/>
+            <a:r>
+              <a:rPr lang="en-US" sz="3600" dirty="0" smtClean="0"/>
+              <a:t>Backward Elimination</a:t>
+            </a:r>
+          </a:p>
+          <a:p>
+            <a:pPr lvl="2"/>
+            <a:r>
+              <a:rPr lang="en-US" sz="3600" dirty="0" smtClean="0"/>
+              <a:t>Forward Selection</a:t>
+            </a:r>
+          </a:p>
+          <a:p>
+            <a:pPr lvl="2"/>
+            <a:r>
+              <a:rPr lang="en-US" sz="3600" dirty="0" smtClean="0"/>
+              <a:t>Bidirectional Elimination</a:t>
+            </a:r>
+          </a:p>
+          <a:p>
+            <a:pPr lvl="1"/>
+            <a:r>
+              <a:rPr lang="en-US" sz="3600" dirty="0" smtClean="0"/>
+              <a:t>Score Comparison</a:t>
+            </a:r>
+          </a:p>
+          <a:p>
+            <a:pPr marL="0" indent="0">
+              <a:buNone/>
+            </a:pPr>
+            <a:endParaRPr lang="en-US" sz="3600" dirty="0"/>
+          </a:p>
+        </p:txBody>
+      </p:sp>
+    </p:spTree>
+    <p:extLst>
+      <p:ext uri="{BB962C8B-B14F-4D97-AF65-F5344CB8AC3E}">
+        <p14:creationId xmlns:p14="http://schemas.microsoft.com/office/powerpoint/2010/main" val="2379763574"/>
+      </p:ext>
+    </p:extLst>
+  </p:cSld>
+  <p:clrMapOvr>
+    <a:masterClrMapping/>
+  </p:clrMapOvr>
+  <p:timing>
+    <p:tnLst>
+      <p:par>
+        <p:cTn id="1" dur="indefinite" restart="never" nodeType="tmRoot"/>
+      </p:par>
+    </p:tnLst>
+  </p:timing>
 </p:sld>
 </file>
 

--- a/Multiple_Linear_Regression/Multiple_linear_Regression.pptx
+++ b/Multiple_Linear_Regression/Multiple_linear_Regression.pptx
@@ -307,7 +307,7 @@
           <a:p>
             <a:fld id="{94DC2EC4-A682-4648-AE49-70173C237B3A}" type="datetimeFigureOut">
               <a:rPr lang="en-US" smtClean="0"/>
-              <a:t>1/10/2019</a:t>
+              <a:t>1/14/2019</a:t>
             </a:fld>
             <a:endParaRPr lang="en-US"/>
           </a:p>
@@ -477,7 +477,7 @@
           <a:p>
             <a:fld id="{94DC2EC4-A682-4648-AE49-70173C237B3A}" type="datetimeFigureOut">
               <a:rPr lang="en-US" smtClean="0"/>
-              <a:t>1/10/2019</a:t>
+              <a:t>1/14/2019</a:t>
             </a:fld>
             <a:endParaRPr lang="en-US"/>
           </a:p>
@@ -657,7 +657,7 @@
           <a:p>
             <a:fld id="{94DC2EC4-A682-4648-AE49-70173C237B3A}" type="datetimeFigureOut">
               <a:rPr lang="en-US" smtClean="0"/>
-              <a:t>1/10/2019</a:t>
+              <a:t>1/14/2019</a:t>
             </a:fld>
             <a:endParaRPr lang="en-US"/>
           </a:p>
@@ -827,7 +827,7 @@
           <a:p>
             <a:fld id="{94DC2EC4-A682-4648-AE49-70173C237B3A}" type="datetimeFigureOut">
               <a:rPr lang="en-US" smtClean="0"/>
-              <a:t>1/10/2019</a:t>
+              <a:t>1/14/2019</a:t>
             </a:fld>
             <a:endParaRPr lang="en-US"/>
           </a:p>
@@ -1073,7 +1073,7 @@
           <a:p>
             <a:fld id="{94DC2EC4-A682-4648-AE49-70173C237B3A}" type="datetimeFigureOut">
               <a:rPr lang="en-US" smtClean="0"/>
-              <a:t>1/10/2019</a:t>
+              <a:t>1/14/2019</a:t>
             </a:fld>
             <a:endParaRPr lang="en-US"/>
           </a:p>
@@ -1361,7 +1361,7 @@
           <a:p>
             <a:fld id="{94DC2EC4-A682-4648-AE49-70173C237B3A}" type="datetimeFigureOut">
               <a:rPr lang="en-US" smtClean="0"/>
-              <a:t>1/10/2019</a:t>
+              <a:t>1/14/2019</a:t>
             </a:fld>
             <a:endParaRPr lang="en-US"/>
           </a:p>
@@ -1783,7 +1783,7 @@
           <a:p>
             <a:fld id="{94DC2EC4-A682-4648-AE49-70173C237B3A}" type="datetimeFigureOut">
               <a:rPr lang="en-US" smtClean="0"/>
-              <a:t>1/10/2019</a:t>
+              <a:t>1/14/2019</a:t>
             </a:fld>
             <a:endParaRPr lang="en-US"/>
           </a:p>
@@ -1901,7 +1901,7 @@
           <a:p>
             <a:fld id="{94DC2EC4-A682-4648-AE49-70173C237B3A}" type="datetimeFigureOut">
               <a:rPr lang="en-US" smtClean="0"/>
-              <a:t>1/10/2019</a:t>
+              <a:t>1/14/2019</a:t>
             </a:fld>
             <a:endParaRPr lang="en-US"/>
           </a:p>
@@ -1996,7 +1996,7 @@
           <a:p>
             <a:fld id="{94DC2EC4-A682-4648-AE49-70173C237B3A}" type="datetimeFigureOut">
               <a:rPr lang="en-US" smtClean="0"/>
-              <a:t>1/10/2019</a:t>
+              <a:t>1/14/2019</a:t>
             </a:fld>
             <a:endParaRPr lang="en-US"/>
           </a:p>
@@ -2273,7 +2273,7 @@
           <a:p>
             <a:fld id="{94DC2EC4-A682-4648-AE49-70173C237B3A}" type="datetimeFigureOut">
               <a:rPr lang="en-US" smtClean="0"/>
-              <a:t>1/10/2019</a:t>
+              <a:t>1/14/2019</a:t>
             </a:fld>
             <a:endParaRPr lang="en-US"/>
           </a:p>
@@ -2530,7 +2530,7 @@
           <a:p>
             <a:fld id="{94DC2EC4-A682-4648-AE49-70173C237B3A}" type="datetimeFigureOut">
               <a:rPr lang="en-US" smtClean="0"/>
-              <a:t>1/10/2019</a:t>
+              <a:t>1/14/2019</a:t>
             </a:fld>
             <a:endParaRPr lang="en-US"/>
           </a:p>
@@ -2741,7 +2741,7 @@
           <a:p>
             <a:fld id="{94DC2EC4-A682-4648-AE49-70173C237B3A}" type="datetimeFigureOut">
               <a:rPr lang="en-US" smtClean="0"/>
-              <a:t>1/10/2019</a:t>
+              <a:t>1/14/2019</a:t>
             </a:fld>
             <a:endParaRPr lang="en-US"/>
           </a:p>
@@ -3302,7 +3302,7 @@
           <a:p>
             <a:fld id="{CE5545B6-6FDD-460F-A1D5-7DBF4363784A}" type="datetime3">
               <a:rPr lang="en-US" smtClean="0"/>
-              <a:t>10 January 2019</a:t>
+              <a:t>14 January 2019</a:t>
             </a:fld>
             <a:endParaRPr lang="en-US"/>
           </a:p>
@@ -3667,48 +3667,10 @@
                 <a:rPr lang="en-US" dirty="0"/>
                 <a:t>2</a:t>
               </a:r>
-              <a:endParaRPr lang="en-US" dirty="0"/>
             </a:p>
           </p:txBody>
         </p:sp>
       </p:grpSp>
-      <p:cxnSp>
-        <p:nvCxnSpPr>
-          <p:cNvPr id="15" name="Elbow Connector 14"/>
-          <p:cNvCxnSpPr>
-            <a:stCxn id="4" idx="3"/>
-            <a:endCxn id="8" idx="0"/>
-          </p:cNvCxnSpPr>
-          <p:nvPr/>
-        </p:nvCxnSpPr>
-        <p:spPr>
-          <a:xfrm>
-            <a:off x="2815391" y="1764632"/>
-            <a:ext cx="1644315" cy="461209"/>
-          </a:xfrm>
-          <a:prstGeom prst="bentConnector2">
-            <a:avLst/>
-          </a:prstGeom>
-          <a:ln w="38100">
-            <a:headEnd type="triangle"/>
-            <a:tailEnd type="triangle"/>
-          </a:ln>
-        </p:spPr>
-        <p:style>
-          <a:lnRef idx="1">
-            <a:schemeClr val="accent1"/>
-          </a:lnRef>
-          <a:fillRef idx="0">
-            <a:schemeClr val="accent1"/>
-          </a:fillRef>
-          <a:effectRef idx="0">
-            <a:schemeClr val="accent1"/>
-          </a:effectRef>
-          <a:fontRef idx="minor">
-            <a:schemeClr val="tx1"/>
-          </a:fontRef>
-        </p:style>
-      </p:cxnSp>
       <p:grpSp>
         <p:nvGrpSpPr>
           <p:cNvPr id="17" name="Group 16"/>
@@ -3958,122 +3920,10 @@
                 <a:rPr lang="en-US" dirty="0"/>
                 <a:t>4</a:t>
               </a:r>
-              <a:endParaRPr lang="en-US" dirty="0"/>
             </a:p>
           </p:txBody>
         </p:sp>
       </p:grpSp>
-      <p:cxnSp>
-        <p:nvCxnSpPr>
-          <p:cNvPr id="25" name="Elbow Connector 24"/>
-          <p:cNvCxnSpPr>
-            <a:stCxn id="8" idx="3"/>
-            <a:endCxn id="18" idx="0"/>
-          </p:cNvCxnSpPr>
-          <p:nvPr/>
-        </p:nvCxnSpPr>
-        <p:spPr>
-          <a:xfrm>
-            <a:off x="5510464" y="2658978"/>
-            <a:ext cx="1606887" cy="416094"/>
-          </a:xfrm>
-          <a:prstGeom prst="bentConnector2">
-            <a:avLst/>
-          </a:prstGeom>
-          <a:ln w="38100">
-            <a:headEnd type="triangle"/>
-            <a:tailEnd type="triangle"/>
-          </a:ln>
-        </p:spPr>
-        <p:style>
-          <a:lnRef idx="1">
-            <a:schemeClr val="accent1"/>
-          </a:lnRef>
-          <a:fillRef idx="0">
-            <a:schemeClr val="accent1"/>
-          </a:fillRef>
-          <a:effectRef idx="0">
-            <a:schemeClr val="accent1"/>
-          </a:effectRef>
-          <a:fontRef idx="minor">
-            <a:schemeClr val="tx1"/>
-          </a:fontRef>
-        </p:style>
-      </p:cxnSp>
-      <p:cxnSp>
-        <p:nvCxnSpPr>
-          <p:cNvPr id="27" name="Elbow Connector 26"/>
-          <p:cNvCxnSpPr>
-            <a:stCxn id="18" idx="3"/>
-            <a:endCxn id="20" idx="0"/>
-          </p:cNvCxnSpPr>
-          <p:nvPr/>
-        </p:nvCxnSpPr>
-        <p:spPr>
-          <a:xfrm>
-            <a:off x="8168109" y="3508209"/>
-            <a:ext cx="800769" cy="633662"/>
-          </a:xfrm>
-          <a:prstGeom prst="bentConnector2">
-            <a:avLst/>
-          </a:prstGeom>
-          <a:ln w="28575">
-            <a:headEnd type="triangle"/>
-            <a:tailEnd type="triangle"/>
-          </a:ln>
-        </p:spPr>
-        <p:style>
-          <a:lnRef idx="1">
-            <a:schemeClr val="accent1"/>
-          </a:lnRef>
-          <a:fillRef idx="0">
-            <a:schemeClr val="accent1"/>
-          </a:fillRef>
-          <a:effectRef idx="0">
-            <a:schemeClr val="accent1"/>
-          </a:effectRef>
-          <a:fontRef idx="minor">
-            <a:schemeClr val="tx1"/>
-          </a:fontRef>
-        </p:style>
-      </p:cxnSp>
-      <p:cxnSp>
-        <p:nvCxnSpPr>
-          <p:cNvPr id="29" name="Elbow Connector 28"/>
-          <p:cNvCxnSpPr>
-            <a:stCxn id="20" idx="1"/>
-            <a:endCxn id="22" idx="3"/>
-          </p:cNvCxnSpPr>
-          <p:nvPr/>
-        </p:nvCxnSpPr>
-        <p:spPr>
-          <a:xfrm rot="10800000" flipV="1">
-            <a:off x="6789823" y="4589044"/>
-            <a:ext cx="1378287" cy="447173"/>
-          </a:xfrm>
-          <a:prstGeom prst="bentConnector3">
-            <a:avLst/>
-          </a:prstGeom>
-          <a:ln w="38100">
-            <a:headEnd type="triangle"/>
-            <a:tailEnd type="triangle"/>
-          </a:ln>
-        </p:spPr>
-        <p:style>
-          <a:lnRef idx="1">
-            <a:schemeClr val="accent1"/>
-          </a:lnRef>
-          <a:fillRef idx="0">
-            <a:schemeClr val="accent1"/>
-          </a:fillRef>
-          <a:effectRef idx="0">
-            <a:schemeClr val="accent1"/>
-          </a:effectRef>
-          <a:fontRef idx="minor">
-            <a:schemeClr val="tx1"/>
-          </a:fontRef>
-        </p:style>
-      </p:cxnSp>
       <p:grpSp>
         <p:nvGrpSpPr>
           <p:cNvPr id="30" name="Group 29"/>
@@ -4243,43 +4093,6 @@
           </a:fontRef>
         </p:style>
       </p:cxnSp>
-      <p:cxnSp>
-        <p:nvCxnSpPr>
-          <p:cNvPr id="47" name="Elbow Connector 46"/>
-          <p:cNvCxnSpPr>
-            <a:stCxn id="31" idx="0"/>
-            <a:endCxn id="18" idx="1"/>
-          </p:cNvCxnSpPr>
-          <p:nvPr/>
-        </p:nvCxnSpPr>
-        <p:spPr>
-          <a:xfrm rot="5400000" flipH="1" flipV="1">
-            <a:off x="3915628" y="2450751"/>
-            <a:ext cx="1093506" cy="3208423"/>
-          </a:xfrm>
-          <a:prstGeom prst="bentConnector2">
-            <a:avLst/>
-          </a:prstGeom>
-          <a:ln w="38100">
-            <a:headEnd type="triangle"/>
-            <a:tailEnd type="triangle"/>
-          </a:ln>
-        </p:spPr>
-        <p:style>
-          <a:lnRef idx="1">
-            <a:schemeClr val="accent1"/>
-          </a:lnRef>
-          <a:fillRef idx="0">
-            <a:schemeClr val="accent1"/>
-          </a:fillRef>
-          <a:effectRef idx="0">
-            <a:schemeClr val="accent1"/>
-          </a:effectRef>
-          <a:fontRef idx="minor">
-            <a:schemeClr val="tx1"/>
-          </a:fontRef>
-        </p:style>
-      </p:cxnSp>
       <p:sp>
         <p:nvSpPr>
           <p:cNvPr id="48" name="Snip Single Corner Rectangle 47"/>
@@ -4335,42 +4148,6 @@
           </a:p>
         </p:txBody>
       </p:sp>
-      <p:cxnSp>
-        <p:nvCxnSpPr>
-          <p:cNvPr id="50" name="Elbow Connector 49"/>
-          <p:cNvCxnSpPr>
-            <a:stCxn id="20" idx="3"/>
-            <a:endCxn id="48" idx="3"/>
-          </p:cNvCxnSpPr>
-          <p:nvPr/>
-        </p:nvCxnSpPr>
-        <p:spPr>
-          <a:xfrm>
-            <a:off x="9769646" y="4589045"/>
-            <a:ext cx="1155030" cy="445808"/>
-          </a:xfrm>
-          <a:prstGeom prst="bentConnector2">
-            <a:avLst/>
-          </a:prstGeom>
-          <a:ln w="28575">
-            <a:tailEnd type="triangle"/>
-          </a:ln>
-        </p:spPr>
-        <p:style>
-          <a:lnRef idx="1">
-            <a:schemeClr val="accent1"/>
-          </a:lnRef>
-          <a:fillRef idx="0">
-            <a:schemeClr val="accent1"/>
-          </a:fillRef>
-          <a:effectRef idx="0">
-            <a:schemeClr val="accent1"/>
-          </a:effectRef>
-          <a:fontRef idx="minor">
-            <a:schemeClr val="tx1"/>
-          </a:fontRef>
-        </p:style>
-      </p:cxnSp>
       <p:sp>
         <p:nvSpPr>
           <p:cNvPr id="51" name="TextBox 50"/>
@@ -4401,6 +4178,224 @@
           </a:p>
         </p:txBody>
       </p:sp>
+      <p:cxnSp>
+        <p:nvCxnSpPr>
+          <p:cNvPr id="12" name="Elbow Connector 11"/>
+          <p:cNvCxnSpPr>
+            <a:stCxn id="4" idx="3"/>
+            <a:endCxn id="8" idx="0"/>
+          </p:cNvCxnSpPr>
+          <p:nvPr/>
+        </p:nvCxnSpPr>
+        <p:spPr>
+          <a:xfrm>
+            <a:off x="2815391" y="1764632"/>
+            <a:ext cx="1644315" cy="461209"/>
+          </a:xfrm>
+          <a:prstGeom prst="bentConnector2">
+            <a:avLst/>
+          </a:prstGeom>
+          <a:ln w="38100">
+            <a:tailEnd type="triangle"/>
+          </a:ln>
+        </p:spPr>
+        <p:style>
+          <a:lnRef idx="1">
+            <a:schemeClr val="accent1"/>
+          </a:lnRef>
+          <a:fillRef idx="0">
+            <a:schemeClr val="accent1"/>
+          </a:fillRef>
+          <a:effectRef idx="0">
+            <a:schemeClr val="accent1"/>
+          </a:effectRef>
+          <a:fontRef idx="minor">
+            <a:schemeClr val="tx1"/>
+          </a:fontRef>
+        </p:style>
+      </p:cxnSp>
+      <p:cxnSp>
+        <p:nvCxnSpPr>
+          <p:cNvPr id="33" name="Elbow Connector 32"/>
+          <p:cNvCxnSpPr>
+            <a:stCxn id="8" idx="3"/>
+            <a:endCxn id="18" idx="0"/>
+          </p:cNvCxnSpPr>
+          <p:nvPr/>
+        </p:nvCxnSpPr>
+        <p:spPr>
+          <a:xfrm>
+            <a:off x="5510464" y="2658978"/>
+            <a:ext cx="1606887" cy="416094"/>
+          </a:xfrm>
+          <a:prstGeom prst="bentConnector2">
+            <a:avLst/>
+          </a:prstGeom>
+          <a:ln w="38100">
+            <a:tailEnd type="triangle"/>
+          </a:ln>
+        </p:spPr>
+        <p:style>
+          <a:lnRef idx="1">
+            <a:schemeClr val="accent1"/>
+          </a:lnRef>
+          <a:fillRef idx="0">
+            <a:schemeClr val="accent1"/>
+          </a:fillRef>
+          <a:effectRef idx="0">
+            <a:schemeClr val="accent1"/>
+          </a:effectRef>
+          <a:fontRef idx="minor">
+            <a:schemeClr val="tx1"/>
+          </a:fontRef>
+        </p:style>
+      </p:cxnSp>
+      <p:cxnSp>
+        <p:nvCxnSpPr>
+          <p:cNvPr id="36" name="Elbow Connector 35"/>
+          <p:cNvCxnSpPr>
+            <a:stCxn id="18" idx="3"/>
+            <a:endCxn id="20" idx="0"/>
+          </p:cNvCxnSpPr>
+          <p:nvPr/>
+        </p:nvCxnSpPr>
+        <p:spPr>
+          <a:xfrm>
+            <a:off x="8168109" y="3508209"/>
+            <a:ext cx="800769" cy="633662"/>
+          </a:xfrm>
+          <a:prstGeom prst="bentConnector2">
+            <a:avLst/>
+          </a:prstGeom>
+          <a:ln w="38100">
+            <a:tailEnd type="triangle"/>
+          </a:ln>
+        </p:spPr>
+        <p:style>
+          <a:lnRef idx="1">
+            <a:schemeClr val="accent1"/>
+          </a:lnRef>
+          <a:fillRef idx="0">
+            <a:schemeClr val="accent1"/>
+          </a:fillRef>
+          <a:effectRef idx="0">
+            <a:schemeClr val="accent1"/>
+          </a:effectRef>
+          <a:fontRef idx="minor">
+            <a:schemeClr val="tx1"/>
+          </a:fontRef>
+        </p:style>
+      </p:cxnSp>
+      <p:cxnSp>
+        <p:nvCxnSpPr>
+          <p:cNvPr id="40" name="Elbow Connector 39"/>
+          <p:cNvCxnSpPr>
+            <a:stCxn id="20" idx="3"/>
+            <a:endCxn id="48" idx="3"/>
+          </p:cNvCxnSpPr>
+          <p:nvPr/>
+        </p:nvCxnSpPr>
+        <p:spPr>
+          <a:xfrm>
+            <a:off x="9769646" y="4589045"/>
+            <a:ext cx="1155030" cy="445808"/>
+          </a:xfrm>
+          <a:prstGeom prst="bentConnector2">
+            <a:avLst/>
+          </a:prstGeom>
+          <a:ln w="38100">
+            <a:tailEnd type="triangle"/>
+          </a:ln>
+        </p:spPr>
+        <p:style>
+          <a:lnRef idx="1">
+            <a:schemeClr val="accent1"/>
+          </a:lnRef>
+          <a:fillRef idx="0">
+            <a:schemeClr val="accent1"/>
+          </a:fillRef>
+          <a:effectRef idx="0">
+            <a:schemeClr val="accent1"/>
+          </a:effectRef>
+          <a:fontRef idx="minor">
+            <a:schemeClr val="tx1"/>
+          </a:fontRef>
+        </p:style>
+      </p:cxnSp>
+      <p:cxnSp>
+        <p:nvCxnSpPr>
+          <p:cNvPr id="43" name="Elbow Connector 42"/>
+          <p:cNvCxnSpPr>
+            <a:stCxn id="20" idx="1"/>
+            <a:endCxn id="22" idx="3"/>
+          </p:cNvCxnSpPr>
+          <p:nvPr/>
+        </p:nvCxnSpPr>
+        <p:spPr>
+          <a:xfrm rot="10800000" flipV="1">
+            <a:off x="6789823" y="4589044"/>
+            <a:ext cx="1378287" cy="447173"/>
+          </a:xfrm>
+          <a:prstGeom prst="bentConnector3">
+            <a:avLst>
+              <a:gd name="adj1" fmla="val 50000"/>
+            </a:avLst>
+          </a:prstGeom>
+          <a:ln w="38100">
+            <a:tailEnd type="triangle"/>
+          </a:ln>
+        </p:spPr>
+        <p:style>
+          <a:lnRef idx="1">
+            <a:schemeClr val="accent1"/>
+          </a:lnRef>
+          <a:fillRef idx="0">
+            <a:schemeClr val="accent1"/>
+          </a:fillRef>
+          <a:effectRef idx="0">
+            <a:schemeClr val="accent1"/>
+          </a:effectRef>
+          <a:fontRef idx="minor">
+            <a:schemeClr val="tx1"/>
+          </a:fontRef>
+        </p:style>
+      </p:cxnSp>
+      <p:cxnSp>
+        <p:nvCxnSpPr>
+          <p:cNvPr id="46" name="Elbow Connector 45"/>
+          <p:cNvCxnSpPr>
+            <a:stCxn id="31" idx="0"/>
+            <a:endCxn id="18" idx="1"/>
+          </p:cNvCxnSpPr>
+          <p:nvPr/>
+        </p:nvCxnSpPr>
+        <p:spPr>
+          <a:xfrm rot="5400000" flipH="1" flipV="1">
+            <a:off x="3915628" y="2450751"/>
+            <a:ext cx="1093506" cy="3208423"/>
+          </a:xfrm>
+          <a:prstGeom prst="bentConnector2">
+            <a:avLst/>
+          </a:prstGeom>
+          <a:ln w="38100">
+            <a:tailEnd type="triangle"/>
+          </a:ln>
+        </p:spPr>
+        <p:style>
+          <a:lnRef idx="1">
+            <a:schemeClr val="accent1"/>
+          </a:lnRef>
+          <a:fillRef idx="0">
+            <a:schemeClr val="accent1"/>
+          </a:fillRef>
+          <a:effectRef idx="0">
+            <a:schemeClr val="accent1"/>
+          </a:effectRef>
+          <a:fontRef idx="minor">
+            <a:schemeClr val="tx1"/>
+          </a:fontRef>
+        </p:style>
+      </p:cxnSp>
     </p:spTree>
     <p:extLst>
       <p:ext uri="{BB962C8B-B14F-4D97-AF65-F5344CB8AC3E}">
@@ -4669,7 +4664,6 @@
                 <a:rPr lang="en-US" dirty="0"/>
                 <a:t>2</a:t>
               </a:r>
-              <a:endParaRPr lang="en-US" dirty="0"/>
             </a:p>
           </p:txBody>
         </p:sp>
@@ -4780,7 +4774,6 @@
                 <a:rPr lang="en-US" dirty="0"/>
                 <a:t>3</a:t>
               </a:r>
-              <a:endParaRPr lang="en-US" dirty="0"/>
             </a:p>
           </p:txBody>
         </p:sp>
@@ -5183,6 +5176,52 @@
       </p:grpSpPr>
       <p:sp>
         <p:nvSpPr>
+          <p:cNvPr id="19" name="Rectangle 18"/>
+          <p:cNvSpPr/>
+          <p:nvPr/>
+        </p:nvSpPr>
+        <p:spPr>
+          <a:xfrm>
+            <a:off x="2470484" y="2312227"/>
+            <a:ext cx="7689516" cy="3535431"/>
+          </a:xfrm>
+          <a:prstGeom prst="rect">
+            <a:avLst/>
+          </a:prstGeom>
+          <a:solidFill>
+            <a:schemeClr val="accent5">
+              <a:lumMod val="60000"/>
+              <a:lumOff val="40000"/>
+            </a:schemeClr>
+          </a:solidFill>
+        </p:spPr>
+        <p:style>
+          <a:lnRef idx="2">
+            <a:schemeClr val="accent1">
+              <a:shade val="50000"/>
+            </a:schemeClr>
+          </a:lnRef>
+          <a:fillRef idx="1">
+            <a:schemeClr val="accent1"/>
+          </a:fillRef>
+          <a:effectRef idx="0">
+            <a:schemeClr val="accent1"/>
+          </a:effectRef>
+          <a:fontRef idx="minor">
+            <a:schemeClr val="lt1"/>
+          </a:fontRef>
+        </p:style>
+        <p:txBody>
+          <a:bodyPr rtlCol="0" anchor="ctr"/>
+          <a:lstStyle/>
+          <a:p>
+            <a:pPr algn="ctr"/>
+            <a:endParaRPr lang="en-US"/>
+          </a:p>
+        </p:txBody>
+      </p:sp>
+      <p:sp>
+        <p:nvSpPr>
           <p:cNvPr id="2" name="Title 1"/>
           <p:cNvSpPr>
             <a:spLocks noGrp="1"/>
@@ -5196,7 +5235,483 @@
           <a:bodyPr/>
           <a:lstStyle/>
           <a:p>
-            <a:endParaRPr lang="en-US"/>
+            <a:r>
+              <a:rPr lang="en-US" dirty="0" smtClean="0"/>
+              <a:t>Bi-Directional Elimination</a:t>
+            </a:r>
+            <a:endParaRPr lang="en-US" dirty="0"/>
+          </a:p>
+        </p:txBody>
+      </p:sp>
+      <p:grpSp>
+        <p:nvGrpSpPr>
+          <p:cNvPr id="3" name="Group 2"/>
+          <p:cNvGrpSpPr/>
+          <p:nvPr/>
+        </p:nvGrpSpPr>
+        <p:grpSpPr>
+          <a:xfrm>
+            <a:off x="203200" y="1034716"/>
+            <a:ext cx="2558716" cy="1159042"/>
+            <a:chOff x="3088105" y="990600"/>
+            <a:chExt cx="2558716" cy="1159042"/>
+          </a:xfrm>
+        </p:grpSpPr>
+        <p:sp>
+          <p:nvSpPr>
+            <p:cNvPr id="4" name="Rectangle 3"/>
+            <p:cNvSpPr/>
+            <p:nvPr/>
+          </p:nvSpPr>
+          <p:spPr>
+            <a:xfrm>
+              <a:off x="3545305" y="1283368"/>
+              <a:ext cx="2101516" cy="866274"/>
+            </a:xfrm>
+            <a:prstGeom prst="rect">
+              <a:avLst/>
+            </a:prstGeom>
+          </p:spPr>
+          <p:style>
+            <a:lnRef idx="2">
+              <a:schemeClr val="accent1">
+                <a:shade val="50000"/>
+              </a:schemeClr>
+            </a:lnRef>
+            <a:fillRef idx="1">
+              <a:schemeClr val="accent1"/>
+            </a:fillRef>
+            <a:effectRef idx="0">
+              <a:schemeClr val="accent1"/>
+            </a:effectRef>
+            <a:fontRef idx="minor">
+              <a:schemeClr val="lt1"/>
+            </a:fontRef>
+          </p:style>
+          <p:txBody>
+            <a:bodyPr rtlCol="0" anchor="ctr"/>
+            <a:lstStyle/>
+            <a:p>
+              <a:pPr algn="ctr"/>
+              <a:r>
+                <a:rPr lang="en-US" dirty="0" smtClean="0"/>
+                <a:t>Select a Significance level (E.g. SL = 0.05</a:t>
+              </a:r>
+              <a:endParaRPr lang="en-US" dirty="0"/>
+            </a:p>
+          </p:txBody>
+        </p:sp>
+        <p:sp>
+          <p:nvSpPr>
+            <p:cNvPr id="5" name="Oval 4"/>
+            <p:cNvSpPr/>
+            <p:nvPr/>
+          </p:nvSpPr>
+          <p:spPr>
+            <a:xfrm>
+              <a:off x="3088105" y="990600"/>
+              <a:ext cx="497305" cy="324853"/>
+            </a:xfrm>
+            <a:prstGeom prst="ellipse">
+              <a:avLst/>
+            </a:prstGeom>
+          </p:spPr>
+          <p:style>
+            <a:lnRef idx="2">
+              <a:schemeClr val="accent1">
+                <a:shade val="50000"/>
+              </a:schemeClr>
+            </a:lnRef>
+            <a:fillRef idx="1">
+              <a:schemeClr val="accent1"/>
+            </a:fillRef>
+            <a:effectRef idx="0">
+              <a:schemeClr val="accent1"/>
+            </a:effectRef>
+            <a:fontRef idx="minor">
+              <a:schemeClr val="lt1"/>
+            </a:fontRef>
+          </p:style>
+          <p:txBody>
+            <a:bodyPr rtlCol="0" anchor="ctr"/>
+            <a:lstStyle/>
+            <a:p>
+              <a:pPr algn="ctr"/>
+              <a:r>
+                <a:rPr lang="en-US" dirty="0" smtClean="0"/>
+                <a:t>1</a:t>
+              </a:r>
+              <a:endParaRPr lang="en-US" dirty="0"/>
+            </a:p>
+          </p:txBody>
+        </p:sp>
+      </p:grpSp>
+      <p:grpSp>
+        <p:nvGrpSpPr>
+          <p:cNvPr id="6" name="Group 5"/>
+          <p:cNvGrpSpPr/>
+          <p:nvPr/>
+        </p:nvGrpSpPr>
+        <p:grpSpPr>
+          <a:xfrm>
+            <a:off x="2761916" y="2361520"/>
+            <a:ext cx="2564063" cy="1171074"/>
+            <a:chOff x="3088105" y="990600"/>
+            <a:chExt cx="2558716" cy="1159042"/>
+          </a:xfrm>
+        </p:grpSpPr>
+        <p:sp>
+          <p:nvSpPr>
+            <p:cNvPr id="7" name="Rectangle 6"/>
+            <p:cNvSpPr/>
+            <p:nvPr/>
+          </p:nvSpPr>
+          <p:spPr>
+            <a:xfrm>
+              <a:off x="3545305" y="1283368"/>
+              <a:ext cx="2101516" cy="866274"/>
+            </a:xfrm>
+            <a:prstGeom prst="rect">
+              <a:avLst/>
+            </a:prstGeom>
+          </p:spPr>
+          <p:style>
+            <a:lnRef idx="2">
+              <a:schemeClr val="accent1">
+                <a:shade val="50000"/>
+              </a:schemeClr>
+            </a:lnRef>
+            <a:fillRef idx="1">
+              <a:schemeClr val="accent1"/>
+            </a:fillRef>
+            <a:effectRef idx="0">
+              <a:schemeClr val="accent1"/>
+            </a:effectRef>
+            <a:fontRef idx="minor">
+              <a:schemeClr val="lt1"/>
+            </a:fontRef>
+          </p:style>
+          <p:txBody>
+            <a:bodyPr rtlCol="0" anchor="ctr"/>
+            <a:lstStyle/>
+            <a:p>
+              <a:pPr algn="ctr"/>
+              <a:r>
+                <a:rPr lang="en-US" dirty="0" smtClean="0"/>
+                <a:t>Perform Forward Selection(</a:t>
+              </a:r>
+              <a:r>
+                <a:rPr lang="en-US" dirty="0" err="1" smtClean="0"/>
+                <a:t>i.e</a:t>
+              </a:r>
+              <a:r>
+                <a:rPr lang="en-US" dirty="0" smtClean="0"/>
+                <a:t>  P&lt;SL )</a:t>
+              </a:r>
+              <a:endParaRPr lang="en-US" dirty="0"/>
+            </a:p>
+          </p:txBody>
+        </p:sp>
+        <p:sp>
+          <p:nvSpPr>
+            <p:cNvPr id="8" name="Oval 7"/>
+            <p:cNvSpPr/>
+            <p:nvPr/>
+          </p:nvSpPr>
+          <p:spPr>
+            <a:xfrm>
+              <a:off x="3088105" y="990600"/>
+              <a:ext cx="497305" cy="324853"/>
+            </a:xfrm>
+            <a:prstGeom prst="ellipse">
+              <a:avLst/>
+            </a:prstGeom>
+          </p:spPr>
+          <p:style>
+            <a:lnRef idx="2">
+              <a:schemeClr val="accent1">
+                <a:shade val="50000"/>
+              </a:schemeClr>
+            </a:lnRef>
+            <a:fillRef idx="1">
+              <a:schemeClr val="accent1"/>
+            </a:fillRef>
+            <a:effectRef idx="0">
+              <a:schemeClr val="accent1"/>
+            </a:effectRef>
+            <a:fontRef idx="minor">
+              <a:schemeClr val="lt1"/>
+            </a:fontRef>
+          </p:style>
+          <p:txBody>
+            <a:bodyPr rtlCol="0" anchor="ctr"/>
+            <a:lstStyle/>
+            <a:p>
+              <a:pPr algn="ctr"/>
+              <a:r>
+                <a:rPr lang="en-US" dirty="0"/>
+                <a:t>2</a:t>
+              </a:r>
+            </a:p>
+          </p:txBody>
+        </p:sp>
+      </p:grpSp>
+      <p:grpSp>
+        <p:nvGrpSpPr>
+          <p:cNvPr id="9" name="Group 8"/>
+          <p:cNvGrpSpPr/>
+          <p:nvPr/>
+        </p:nvGrpSpPr>
+        <p:grpSpPr>
+          <a:xfrm>
+            <a:off x="5630779" y="3545304"/>
+            <a:ext cx="2973136" cy="1283367"/>
+            <a:chOff x="3088105" y="990600"/>
+            <a:chExt cx="2558716" cy="1159042"/>
+          </a:xfrm>
+        </p:grpSpPr>
+        <p:sp>
+          <p:nvSpPr>
+            <p:cNvPr id="10" name="Rectangle 9"/>
+            <p:cNvSpPr/>
+            <p:nvPr/>
+          </p:nvSpPr>
+          <p:spPr>
+            <a:xfrm>
+              <a:off x="3545305" y="1283368"/>
+              <a:ext cx="2101516" cy="866274"/>
+            </a:xfrm>
+            <a:prstGeom prst="rect">
+              <a:avLst/>
+            </a:prstGeom>
+          </p:spPr>
+          <p:style>
+            <a:lnRef idx="2">
+              <a:schemeClr val="accent1">
+                <a:shade val="50000"/>
+              </a:schemeClr>
+            </a:lnRef>
+            <a:fillRef idx="1">
+              <a:schemeClr val="accent1"/>
+            </a:fillRef>
+            <a:effectRef idx="0">
+              <a:schemeClr val="accent1"/>
+            </a:effectRef>
+            <a:fontRef idx="minor">
+              <a:schemeClr val="lt1"/>
+            </a:fontRef>
+          </p:style>
+          <p:txBody>
+            <a:bodyPr rtlCol="0" anchor="ctr"/>
+            <a:lstStyle/>
+            <a:p>
+              <a:pPr algn="ctr"/>
+              <a:r>
+                <a:rPr lang="en-US" dirty="0" smtClean="0"/>
+                <a:t>Perform Backward Elimination(</a:t>
+              </a:r>
+              <a:r>
+                <a:rPr lang="en-US" dirty="0" err="1" smtClean="0"/>
+                <a:t>i.e</a:t>
+              </a:r>
+              <a:r>
+                <a:rPr lang="en-US" dirty="0" smtClean="0"/>
+                <a:t>  P&lt;SL )</a:t>
+              </a:r>
+              <a:endParaRPr lang="en-US" dirty="0"/>
+            </a:p>
+          </p:txBody>
+        </p:sp>
+        <p:sp>
+          <p:nvSpPr>
+            <p:cNvPr id="11" name="Oval 10"/>
+            <p:cNvSpPr/>
+            <p:nvPr/>
+          </p:nvSpPr>
+          <p:spPr>
+            <a:xfrm>
+              <a:off x="3088105" y="990600"/>
+              <a:ext cx="497305" cy="324853"/>
+            </a:xfrm>
+            <a:prstGeom prst="ellipse">
+              <a:avLst/>
+            </a:prstGeom>
+          </p:spPr>
+          <p:style>
+            <a:lnRef idx="2">
+              <a:schemeClr val="accent1">
+                <a:shade val="50000"/>
+              </a:schemeClr>
+            </a:lnRef>
+            <a:fillRef idx="1">
+              <a:schemeClr val="accent1"/>
+            </a:fillRef>
+            <a:effectRef idx="0">
+              <a:schemeClr val="accent1"/>
+            </a:effectRef>
+            <a:fontRef idx="minor">
+              <a:schemeClr val="lt1"/>
+            </a:fontRef>
+          </p:style>
+          <p:txBody>
+            <a:bodyPr rtlCol="0" anchor="ctr"/>
+            <a:lstStyle/>
+            <a:p>
+              <a:pPr algn="ctr"/>
+              <a:r>
+                <a:rPr lang="en-US" dirty="0"/>
+                <a:t>3</a:t>
+              </a:r>
+              <a:endParaRPr lang="en-US" dirty="0"/>
+            </a:p>
+          </p:txBody>
+        </p:sp>
+      </p:grpSp>
+      <p:cxnSp>
+        <p:nvCxnSpPr>
+          <p:cNvPr id="13" name="Elbow Connector 12"/>
+          <p:cNvCxnSpPr>
+            <a:stCxn id="4" idx="3"/>
+            <a:endCxn id="7" idx="0"/>
+          </p:cNvCxnSpPr>
+          <p:nvPr/>
+        </p:nvCxnSpPr>
+        <p:spPr>
+          <a:xfrm>
+            <a:off x="2761916" y="1760621"/>
+            <a:ext cx="1511109" cy="896706"/>
+          </a:xfrm>
+          <a:prstGeom prst="bentConnector2">
+            <a:avLst/>
+          </a:prstGeom>
+          <a:ln w="38100">
+            <a:tailEnd type="triangle"/>
+          </a:ln>
+        </p:spPr>
+        <p:style>
+          <a:lnRef idx="1">
+            <a:schemeClr val="accent1"/>
+          </a:lnRef>
+          <a:fillRef idx="0">
+            <a:schemeClr val="accent1"/>
+          </a:fillRef>
+          <a:effectRef idx="0">
+            <a:schemeClr val="accent1"/>
+          </a:effectRef>
+          <a:fontRef idx="minor">
+            <a:schemeClr val="tx1"/>
+          </a:fontRef>
+        </p:style>
+      </p:cxnSp>
+      <p:cxnSp>
+        <p:nvCxnSpPr>
+          <p:cNvPr id="15" name="Elbow Connector 14"/>
+          <p:cNvCxnSpPr>
+            <a:stCxn id="7" idx="3"/>
+            <a:endCxn id="10" idx="0"/>
+          </p:cNvCxnSpPr>
+          <p:nvPr/>
+        </p:nvCxnSpPr>
+        <p:spPr>
+          <a:xfrm>
+            <a:off x="5325979" y="3094961"/>
+            <a:ext cx="2056993" cy="774515"/>
+          </a:xfrm>
+          <a:prstGeom prst="bentConnector2">
+            <a:avLst/>
+          </a:prstGeom>
+          <a:ln w="38100">
+            <a:tailEnd type="triangle"/>
+          </a:ln>
+        </p:spPr>
+        <p:style>
+          <a:lnRef idx="1">
+            <a:schemeClr val="accent1"/>
+          </a:lnRef>
+          <a:fillRef idx="0">
+            <a:schemeClr val="accent1"/>
+          </a:fillRef>
+          <a:effectRef idx="0">
+            <a:schemeClr val="accent1"/>
+          </a:effectRef>
+          <a:fontRef idx="minor">
+            <a:schemeClr val="tx1"/>
+          </a:fontRef>
+        </p:style>
+      </p:cxnSp>
+      <p:cxnSp>
+        <p:nvCxnSpPr>
+          <p:cNvPr id="17" name="Elbow Connector 16"/>
+          <p:cNvCxnSpPr>
+            <a:stCxn id="10" idx="1"/>
+            <a:endCxn id="7" idx="1"/>
+          </p:cNvCxnSpPr>
+          <p:nvPr/>
+        </p:nvCxnSpPr>
+        <p:spPr>
+          <a:xfrm rot="10800000">
+            <a:off x="3220071" y="3094962"/>
+            <a:ext cx="2941958" cy="1254113"/>
+          </a:xfrm>
+          <a:prstGeom prst="bentConnector3">
+            <a:avLst>
+              <a:gd name="adj1" fmla="val 107770"/>
+            </a:avLst>
+          </a:prstGeom>
+          <a:ln w="38100">
+            <a:tailEnd type="triangle"/>
+          </a:ln>
+        </p:spPr>
+        <p:style>
+          <a:lnRef idx="1">
+            <a:schemeClr val="accent1"/>
+          </a:lnRef>
+          <a:fillRef idx="0">
+            <a:schemeClr val="accent1"/>
+          </a:fillRef>
+          <a:effectRef idx="0">
+            <a:schemeClr val="accent1"/>
+          </a:effectRef>
+          <a:fontRef idx="minor">
+            <a:schemeClr val="tx1"/>
+          </a:fontRef>
+        </p:style>
+      </p:cxnSp>
+      <p:sp>
+        <p:nvSpPr>
+          <p:cNvPr id="20" name="TextBox 19"/>
+          <p:cNvSpPr txBox="1"/>
+          <p:nvPr/>
+        </p:nvSpPr>
+        <p:spPr>
+          <a:xfrm>
+            <a:off x="2646947" y="4828671"/>
+            <a:ext cx="7513053" cy="1077218"/>
+          </a:xfrm>
+          <a:prstGeom prst="rect">
+            <a:avLst/>
+          </a:prstGeom>
+          <a:noFill/>
+        </p:spPr>
+        <p:txBody>
+          <a:bodyPr wrap="square" rtlCol="0">
+            <a:spAutoFit/>
+          </a:bodyPr>
+          <a:lstStyle/>
+          <a:p>
+            <a:r>
+              <a:rPr lang="en-US" sz="3200" dirty="0" smtClean="0">
+                <a:solidFill>
+                  <a:srgbClr val="C00000"/>
+                </a:solidFill>
+              </a:rPr>
+              <a:t>Repeat this until there wont be any variable that enters or no variable that can exit </a:t>
+            </a:r>
+            <a:endParaRPr lang="en-US" sz="3200" dirty="0">
+              <a:solidFill>
+                <a:srgbClr val="C00000"/>
+              </a:solidFill>
+            </a:endParaRPr>
           </a:p>
         </p:txBody>
       </p:sp>
@@ -21329,17 +21844,7 @@
                   </a:schemeClr>
                 </a:solidFill>
               </a:rPr>
-              <a:t> </a:t>
-            </a:r>
-            <a:r>
-              <a:rPr lang="en-US" sz="4400" dirty="0" smtClean="0">
-                <a:solidFill>
-                  <a:schemeClr val="bg1">
-                    <a:lumMod val="95000"/>
-                  </a:schemeClr>
-                </a:solidFill>
-              </a:rPr>
-              <a:t>one dummy variable</a:t>
+              <a:t> one dummy variable</a:t>
             </a:r>
             <a:endParaRPr lang="en-US" sz="4400" dirty="0">
               <a:solidFill>
@@ -21460,11 +21965,7 @@
           <a:p>
             <a:r>
               <a:rPr lang="en-US" dirty="0" smtClean="0"/>
-              <a:t> </a:t>
-            </a:r>
-            <a:r>
-              <a:rPr lang="en-US" dirty="0" smtClean="0"/>
-              <a:t> All the Factors many not have much impact of the required profits.</a:t>
+              <a:t>  All the Factors many not have much impact of the required profits.</a:t>
             </a:r>
           </a:p>
           <a:p>

--- a/Multiple_Linear_Regression/Multiple_linear_Regression.pptx
+++ b/Multiple_Linear_Regression/Multiple_linear_Regression.pptx
@@ -18,8 +18,12 @@
     <p:sldId id="265" r:id="rId12"/>
     <p:sldId id="268" r:id="rId13"/>
     <p:sldId id="271" r:id="rId14"/>
-    <p:sldId id="270" r:id="rId15"/>
-    <p:sldId id="269" r:id="rId16"/>
+    <p:sldId id="269" r:id="rId15"/>
+    <p:sldId id="273" r:id="rId16"/>
+    <p:sldId id="272" r:id="rId17"/>
+    <p:sldId id="276" r:id="rId18"/>
+    <p:sldId id="275" r:id="rId19"/>
+    <p:sldId id="274" r:id="rId20"/>
   </p:sldIdLst>
   <p:sldSz cx="12192000" cy="6858000"/>
   <p:notesSz cx="6858000" cy="9144000"/>
@@ -3451,10 +3455,18 @@
           <a:lstStyle/>
           <a:p>
             <a:r>
-              <a:rPr lang="en-US" dirty="0" smtClean="0"/>
+              <a:rPr lang="en-US" dirty="0" smtClean="0">
+                <a:solidFill>
+                  <a:schemeClr val="tx2"/>
+                </a:solidFill>
+              </a:rPr>
               <a:t>Backward Elimination </a:t>
             </a:r>
-            <a:endParaRPr lang="en-US" dirty="0"/>
+            <a:endParaRPr lang="en-US" dirty="0">
+              <a:solidFill>
+                <a:schemeClr val="tx2"/>
+              </a:solidFill>
+            </a:endParaRPr>
           </a:p>
         </p:txBody>
       </p:sp>
@@ -4449,10 +4461,18 @@
           <a:lstStyle/>
           <a:p>
             <a:r>
-              <a:rPr lang="en-US" dirty="0" smtClean="0"/>
+              <a:rPr lang="en-US" dirty="0" smtClean="0">
+                <a:solidFill>
+                  <a:schemeClr val="tx2"/>
+                </a:solidFill>
+              </a:rPr>
               <a:t>Forward Selection</a:t>
             </a:r>
-            <a:endParaRPr lang="en-US" dirty="0"/>
+            <a:endParaRPr lang="en-US" dirty="0">
+              <a:solidFill>
+                <a:schemeClr val="tx2"/>
+              </a:solidFill>
+            </a:endParaRPr>
           </a:p>
         </p:txBody>
       </p:sp>
@@ -5236,10 +5256,18 @@
           <a:lstStyle/>
           <a:p>
             <a:r>
-              <a:rPr lang="en-US" dirty="0" smtClean="0"/>
+              <a:rPr lang="en-US" dirty="0" smtClean="0">
+                <a:solidFill>
+                  <a:schemeClr val="tx2"/>
+                </a:solidFill>
+              </a:rPr>
               <a:t>Bi-Directional Elimination</a:t>
             </a:r>
-            <a:endParaRPr lang="en-US" dirty="0"/>
+            <a:endParaRPr lang="en-US" dirty="0">
+              <a:solidFill>
+                <a:schemeClr val="tx2"/>
+              </a:solidFill>
+            </a:endParaRPr>
           </a:p>
         </p:txBody>
       </p:sp>
@@ -5562,7 +5590,6 @@
                 <a:rPr lang="en-US" dirty="0"/>
                 <a:t>3</a:t>
               </a:r>
-              <a:endParaRPr lang="en-US" dirty="0"/>
             </a:p>
           </p:txBody>
         </p:sp>
@@ -5760,10 +5787,656 @@
           <a:bodyPr/>
           <a:lstStyle/>
           <a:p>
-            <a:endParaRPr lang="en-US"/>
+            <a:r>
+              <a:rPr lang="en-US" dirty="0" smtClean="0">
+                <a:solidFill>
+                  <a:schemeClr val="tx2"/>
+                </a:solidFill>
+              </a:rPr>
+              <a:t>Backwar</a:t>
+            </a:r>
+            <a:r>
+              <a:rPr lang="en-US" dirty="0" smtClean="0">
+                <a:solidFill>
+                  <a:schemeClr val="tx2"/>
+                </a:solidFill>
+              </a:rPr>
+              <a:t>d</a:t>
+            </a:r>
+            <a:r>
+              <a:rPr lang="en-US" dirty="0" smtClean="0"/>
+              <a:t> </a:t>
+            </a:r>
+            <a:r>
+              <a:rPr lang="en-US" dirty="0" smtClean="0">
+                <a:solidFill>
+                  <a:schemeClr val="tx2"/>
+                </a:solidFill>
+              </a:rPr>
+              <a:t>elimination</a:t>
+            </a:r>
+            <a:endParaRPr lang="en-US" dirty="0">
+              <a:solidFill>
+                <a:schemeClr val="tx2"/>
+              </a:solidFill>
+            </a:endParaRPr>
           </a:p>
         </p:txBody>
       </p:sp>
+      <p:sp>
+        <p:nvSpPr>
+          <p:cNvPr id="3" name="Rectangle 2"/>
+          <p:cNvSpPr/>
+          <p:nvPr/>
+        </p:nvSpPr>
+        <p:spPr>
+          <a:xfrm>
+            <a:off x="203200" y="1147125"/>
+            <a:ext cx="6096000" cy="2585323"/>
+          </a:xfrm>
+          <a:prstGeom prst="rect">
+            <a:avLst/>
+          </a:prstGeom>
+        </p:spPr>
+        <p:txBody>
+          <a:bodyPr>
+            <a:spAutoFit/>
+          </a:bodyPr>
+          <a:lstStyle/>
+          <a:p>
+            <a:r>
+              <a:rPr lang="en-US" dirty="0">
+                <a:solidFill>
+                  <a:srgbClr val="008000"/>
+                </a:solidFill>
+                <a:highlight>
+                  <a:srgbClr val="FFFFFF"/>
+                </a:highlight>
+              </a:rPr>
+              <a:t># Importing the libraries</a:t>
+            </a:r>
+            <a:endParaRPr lang="en-US" dirty="0">
+              <a:solidFill>
+                <a:srgbClr val="000000"/>
+              </a:solidFill>
+              <a:highlight>
+                <a:srgbClr val="FFFFFF"/>
+              </a:highlight>
+            </a:endParaRPr>
+          </a:p>
+          <a:p>
+            <a:r>
+              <a:rPr lang="en-US" b="1" dirty="0">
+                <a:solidFill>
+                  <a:srgbClr val="0000FF"/>
+                </a:solidFill>
+                <a:highlight>
+                  <a:srgbClr val="FFFFFF"/>
+                </a:highlight>
+              </a:rPr>
+              <a:t>import</a:t>
+            </a:r>
+            <a:r>
+              <a:rPr lang="en-US" dirty="0">
+                <a:solidFill>
+                  <a:srgbClr val="000000"/>
+                </a:solidFill>
+                <a:highlight>
+                  <a:srgbClr val="FFFFFF"/>
+                </a:highlight>
+              </a:rPr>
+              <a:t> </a:t>
+            </a:r>
+            <a:r>
+              <a:rPr lang="en-US" dirty="0" err="1">
+                <a:solidFill>
+                  <a:srgbClr val="000000"/>
+                </a:solidFill>
+                <a:highlight>
+                  <a:srgbClr val="FFFFFF"/>
+                </a:highlight>
+              </a:rPr>
+              <a:t>numpy</a:t>
+            </a:r>
+            <a:r>
+              <a:rPr lang="en-US" dirty="0">
+                <a:solidFill>
+                  <a:srgbClr val="000000"/>
+                </a:solidFill>
+                <a:highlight>
+                  <a:srgbClr val="FFFFFF"/>
+                </a:highlight>
+              </a:rPr>
+              <a:t> </a:t>
+            </a:r>
+            <a:r>
+              <a:rPr lang="en-US" b="1" dirty="0">
+                <a:solidFill>
+                  <a:srgbClr val="0000FF"/>
+                </a:solidFill>
+                <a:highlight>
+                  <a:srgbClr val="FFFFFF"/>
+                </a:highlight>
+              </a:rPr>
+              <a:t>as</a:t>
+            </a:r>
+            <a:r>
+              <a:rPr lang="en-US" dirty="0">
+                <a:solidFill>
+                  <a:srgbClr val="000000"/>
+                </a:solidFill>
+                <a:highlight>
+                  <a:srgbClr val="FFFFFF"/>
+                </a:highlight>
+              </a:rPr>
+              <a:t> np</a:t>
+            </a:r>
+          </a:p>
+          <a:p>
+            <a:endParaRPr lang="en-US" dirty="0">
+              <a:solidFill>
+                <a:srgbClr val="000000"/>
+              </a:solidFill>
+              <a:highlight>
+                <a:srgbClr val="FFFFFF"/>
+              </a:highlight>
+            </a:endParaRPr>
+          </a:p>
+          <a:p>
+            <a:r>
+              <a:rPr lang="en-US" b="1" dirty="0">
+                <a:solidFill>
+                  <a:srgbClr val="0000FF"/>
+                </a:solidFill>
+                <a:highlight>
+                  <a:srgbClr val="FFFFFF"/>
+                </a:highlight>
+              </a:rPr>
+              <a:t>import</a:t>
+            </a:r>
+            <a:r>
+              <a:rPr lang="en-US" dirty="0">
+                <a:solidFill>
+                  <a:srgbClr val="000000"/>
+                </a:solidFill>
+                <a:highlight>
+                  <a:srgbClr val="FFFFFF"/>
+                </a:highlight>
+              </a:rPr>
+              <a:t> pandas </a:t>
+            </a:r>
+            <a:r>
+              <a:rPr lang="en-US" b="1" dirty="0">
+                <a:solidFill>
+                  <a:srgbClr val="0000FF"/>
+                </a:solidFill>
+                <a:highlight>
+                  <a:srgbClr val="FFFFFF"/>
+                </a:highlight>
+              </a:rPr>
+              <a:t>as</a:t>
+            </a:r>
+            <a:r>
+              <a:rPr lang="en-US" dirty="0">
+                <a:solidFill>
+                  <a:srgbClr val="000000"/>
+                </a:solidFill>
+                <a:highlight>
+                  <a:srgbClr val="FFFFFF"/>
+                </a:highlight>
+              </a:rPr>
+              <a:t> </a:t>
+            </a:r>
+            <a:r>
+              <a:rPr lang="en-US" dirty="0" err="1">
+                <a:solidFill>
+                  <a:srgbClr val="000000"/>
+                </a:solidFill>
+                <a:highlight>
+                  <a:srgbClr val="FFFFFF"/>
+                </a:highlight>
+              </a:rPr>
+              <a:t>pd</a:t>
+            </a:r>
+            <a:endParaRPr lang="en-US" dirty="0">
+              <a:solidFill>
+                <a:srgbClr val="000000"/>
+              </a:solidFill>
+              <a:highlight>
+                <a:srgbClr val="FFFFFF"/>
+              </a:highlight>
+            </a:endParaRPr>
+          </a:p>
+          <a:p>
+            <a:endParaRPr lang="en-US" dirty="0">
+              <a:solidFill>
+                <a:srgbClr val="000000"/>
+              </a:solidFill>
+              <a:highlight>
+                <a:srgbClr val="FFFFFF"/>
+              </a:highlight>
+            </a:endParaRPr>
+          </a:p>
+          <a:p>
+            <a:r>
+              <a:rPr lang="en-US" dirty="0">
+                <a:solidFill>
+                  <a:srgbClr val="008000"/>
+                </a:solidFill>
+                <a:highlight>
+                  <a:srgbClr val="FFFFFF"/>
+                </a:highlight>
+              </a:rPr>
+              <a:t># Importing the dataset</a:t>
+            </a:r>
+            <a:endParaRPr lang="en-US" dirty="0">
+              <a:solidFill>
+                <a:srgbClr val="000000"/>
+              </a:solidFill>
+              <a:highlight>
+                <a:srgbClr val="FFFFFF"/>
+              </a:highlight>
+            </a:endParaRPr>
+          </a:p>
+          <a:p>
+            <a:r>
+              <a:rPr lang="en-US" dirty="0">
+                <a:solidFill>
+                  <a:srgbClr val="000000"/>
+                </a:solidFill>
+                <a:highlight>
+                  <a:srgbClr val="FFFFFF"/>
+                </a:highlight>
+              </a:rPr>
+              <a:t>dataset </a:t>
+            </a:r>
+            <a:r>
+              <a:rPr lang="en-US" b="1" dirty="0">
+                <a:solidFill>
+                  <a:srgbClr val="000080"/>
+                </a:solidFill>
+                <a:highlight>
+                  <a:srgbClr val="FFFFFF"/>
+                </a:highlight>
+              </a:rPr>
+              <a:t>=</a:t>
+            </a:r>
+            <a:r>
+              <a:rPr lang="en-US" dirty="0">
+                <a:solidFill>
+                  <a:srgbClr val="000000"/>
+                </a:solidFill>
+                <a:highlight>
+                  <a:srgbClr val="FFFFFF"/>
+                </a:highlight>
+              </a:rPr>
+              <a:t> </a:t>
+            </a:r>
+            <a:r>
+              <a:rPr lang="en-US" dirty="0" err="1">
+                <a:solidFill>
+                  <a:srgbClr val="000000"/>
+                </a:solidFill>
+                <a:highlight>
+                  <a:srgbClr val="FFFFFF"/>
+                </a:highlight>
+              </a:rPr>
+              <a:t>pd</a:t>
+            </a:r>
+            <a:r>
+              <a:rPr lang="en-US" b="1" dirty="0" err="1">
+                <a:solidFill>
+                  <a:srgbClr val="000080"/>
+                </a:solidFill>
+                <a:highlight>
+                  <a:srgbClr val="FFFFFF"/>
+                </a:highlight>
+              </a:rPr>
+              <a:t>.</a:t>
+            </a:r>
+            <a:r>
+              <a:rPr lang="en-US" dirty="0" err="1">
+                <a:solidFill>
+                  <a:srgbClr val="000000"/>
+                </a:solidFill>
+                <a:highlight>
+                  <a:srgbClr val="FFFFFF"/>
+                </a:highlight>
+              </a:rPr>
+              <a:t>read_csv</a:t>
+            </a:r>
+            <a:r>
+              <a:rPr lang="en-US" b="1" dirty="0">
+                <a:solidFill>
+                  <a:srgbClr val="000080"/>
+                </a:solidFill>
+                <a:highlight>
+                  <a:srgbClr val="FFFFFF"/>
+                </a:highlight>
+              </a:rPr>
+              <a:t>(</a:t>
+            </a:r>
+            <a:r>
+              <a:rPr lang="en-US" dirty="0">
+                <a:solidFill>
+                  <a:srgbClr val="808080"/>
+                </a:solidFill>
+                <a:highlight>
+                  <a:srgbClr val="FFFFFF"/>
+                </a:highlight>
+              </a:rPr>
+              <a:t>'50_Startups.csv'</a:t>
+            </a:r>
+            <a:r>
+              <a:rPr lang="en-US" b="1" dirty="0">
+                <a:solidFill>
+                  <a:srgbClr val="000080"/>
+                </a:solidFill>
+                <a:highlight>
+                  <a:srgbClr val="FFFFFF"/>
+                </a:highlight>
+              </a:rPr>
+              <a:t>)</a:t>
+            </a:r>
+            <a:endParaRPr lang="en-US" dirty="0">
+              <a:solidFill>
+                <a:srgbClr val="000000"/>
+              </a:solidFill>
+              <a:highlight>
+                <a:srgbClr val="FFFFFF"/>
+              </a:highlight>
+            </a:endParaRPr>
+          </a:p>
+          <a:p>
+            <a:r>
+              <a:rPr lang="en-US" dirty="0">
+                <a:solidFill>
+                  <a:srgbClr val="000000"/>
+                </a:solidFill>
+                <a:highlight>
+                  <a:srgbClr val="FFFFFF"/>
+                </a:highlight>
+              </a:rPr>
+              <a:t>X </a:t>
+            </a:r>
+            <a:r>
+              <a:rPr lang="en-US" b="1" dirty="0">
+                <a:solidFill>
+                  <a:srgbClr val="000080"/>
+                </a:solidFill>
+                <a:highlight>
+                  <a:srgbClr val="FFFFFF"/>
+                </a:highlight>
+              </a:rPr>
+              <a:t>=</a:t>
+            </a:r>
+            <a:r>
+              <a:rPr lang="en-US" dirty="0">
+                <a:solidFill>
+                  <a:srgbClr val="000000"/>
+                </a:solidFill>
+                <a:highlight>
+                  <a:srgbClr val="FFFFFF"/>
+                </a:highlight>
+              </a:rPr>
+              <a:t> </a:t>
+            </a:r>
+            <a:r>
+              <a:rPr lang="en-US" dirty="0" err="1">
+                <a:solidFill>
+                  <a:srgbClr val="000000"/>
+                </a:solidFill>
+                <a:highlight>
+                  <a:srgbClr val="FFFFFF"/>
+                </a:highlight>
+              </a:rPr>
+              <a:t>dataset</a:t>
+            </a:r>
+            <a:r>
+              <a:rPr lang="en-US" b="1" dirty="0" err="1">
+                <a:solidFill>
+                  <a:srgbClr val="000080"/>
+                </a:solidFill>
+                <a:highlight>
+                  <a:srgbClr val="FFFFFF"/>
+                </a:highlight>
+              </a:rPr>
+              <a:t>.</a:t>
+            </a:r>
+            <a:r>
+              <a:rPr lang="en-US" dirty="0" err="1">
+                <a:solidFill>
+                  <a:srgbClr val="000000"/>
+                </a:solidFill>
+                <a:highlight>
+                  <a:srgbClr val="FFFFFF"/>
+                </a:highlight>
+              </a:rPr>
+              <a:t>iloc</a:t>
+            </a:r>
+            <a:r>
+              <a:rPr lang="en-US" b="1" dirty="0">
+                <a:solidFill>
+                  <a:srgbClr val="000080"/>
+                </a:solidFill>
+                <a:highlight>
+                  <a:srgbClr val="FFFFFF"/>
+                </a:highlight>
+              </a:rPr>
+              <a:t>[:,</a:t>
+            </a:r>
+            <a:r>
+              <a:rPr lang="en-US" dirty="0">
+                <a:solidFill>
+                  <a:srgbClr val="000000"/>
+                </a:solidFill>
+                <a:highlight>
+                  <a:srgbClr val="FFFFFF"/>
+                </a:highlight>
+              </a:rPr>
+              <a:t> </a:t>
+            </a:r>
+            <a:r>
+              <a:rPr lang="en-US" b="1" dirty="0">
+                <a:solidFill>
+                  <a:srgbClr val="000080"/>
+                </a:solidFill>
+                <a:highlight>
+                  <a:srgbClr val="FFFFFF"/>
+                </a:highlight>
+              </a:rPr>
+              <a:t>:-</a:t>
+            </a:r>
+            <a:r>
+              <a:rPr lang="en-US" dirty="0">
+                <a:solidFill>
+                  <a:srgbClr val="FF0000"/>
+                </a:solidFill>
+                <a:highlight>
+                  <a:srgbClr val="FFFFFF"/>
+                </a:highlight>
+              </a:rPr>
+              <a:t>1</a:t>
+            </a:r>
+            <a:r>
+              <a:rPr lang="en-US" b="1" dirty="0">
+                <a:solidFill>
+                  <a:srgbClr val="000080"/>
+                </a:solidFill>
+                <a:highlight>
+                  <a:srgbClr val="FFFFFF"/>
+                </a:highlight>
+              </a:rPr>
+              <a:t>].</a:t>
+            </a:r>
+            <a:r>
+              <a:rPr lang="en-US" dirty="0">
+                <a:solidFill>
+                  <a:srgbClr val="000000"/>
+                </a:solidFill>
+                <a:highlight>
+                  <a:srgbClr val="FFFFFF"/>
+                </a:highlight>
+              </a:rPr>
+              <a:t>values</a:t>
+            </a:r>
+          </a:p>
+          <a:p>
+            <a:r>
+              <a:rPr lang="en-US" dirty="0">
+                <a:solidFill>
+                  <a:srgbClr val="000000"/>
+                </a:solidFill>
+                <a:highlight>
+                  <a:srgbClr val="FFFFFF"/>
+                </a:highlight>
+              </a:rPr>
+              <a:t>y </a:t>
+            </a:r>
+            <a:r>
+              <a:rPr lang="en-US" b="1" dirty="0">
+                <a:solidFill>
+                  <a:srgbClr val="000080"/>
+                </a:solidFill>
+                <a:highlight>
+                  <a:srgbClr val="FFFFFF"/>
+                </a:highlight>
+              </a:rPr>
+              <a:t>=</a:t>
+            </a:r>
+            <a:r>
+              <a:rPr lang="en-US" dirty="0">
+                <a:solidFill>
+                  <a:srgbClr val="000000"/>
+                </a:solidFill>
+                <a:highlight>
+                  <a:srgbClr val="FFFFFF"/>
+                </a:highlight>
+              </a:rPr>
+              <a:t> </a:t>
+            </a:r>
+            <a:r>
+              <a:rPr lang="en-US" dirty="0" err="1">
+                <a:solidFill>
+                  <a:srgbClr val="000000"/>
+                </a:solidFill>
+                <a:highlight>
+                  <a:srgbClr val="FFFFFF"/>
+                </a:highlight>
+              </a:rPr>
+              <a:t>dataset</a:t>
+            </a:r>
+            <a:r>
+              <a:rPr lang="en-US" b="1" dirty="0" err="1">
+                <a:solidFill>
+                  <a:srgbClr val="000080"/>
+                </a:solidFill>
+                <a:highlight>
+                  <a:srgbClr val="FFFFFF"/>
+                </a:highlight>
+              </a:rPr>
+              <a:t>.</a:t>
+            </a:r>
+            <a:r>
+              <a:rPr lang="en-US" dirty="0" err="1">
+                <a:solidFill>
+                  <a:srgbClr val="000000"/>
+                </a:solidFill>
+                <a:highlight>
+                  <a:srgbClr val="FFFFFF"/>
+                </a:highlight>
+              </a:rPr>
+              <a:t>iloc</a:t>
+            </a:r>
+            <a:r>
+              <a:rPr lang="en-US" b="1" dirty="0">
+                <a:solidFill>
+                  <a:srgbClr val="000080"/>
+                </a:solidFill>
+                <a:highlight>
+                  <a:srgbClr val="FFFFFF"/>
+                </a:highlight>
+              </a:rPr>
+              <a:t>[:,</a:t>
+            </a:r>
+            <a:r>
+              <a:rPr lang="en-US" dirty="0">
+                <a:solidFill>
+                  <a:srgbClr val="000000"/>
+                </a:solidFill>
+                <a:highlight>
+                  <a:srgbClr val="FFFFFF"/>
+                </a:highlight>
+              </a:rPr>
+              <a:t> </a:t>
+            </a:r>
+            <a:r>
+              <a:rPr lang="en-US" dirty="0">
+                <a:solidFill>
+                  <a:srgbClr val="FF0000"/>
+                </a:solidFill>
+                <a:highlight>
+                  <a:srgbClr val="FFFFFF"/>
+                </a:highlight>
+              </a:rPr>
+              <a:t>4</a:t>
+            </a:r>
+            <a:r>
+              <a:rPr lang="en-US" b="1" dirty="0">
+                <a:solidFill>
+                  <a:srgbClr val="000080"/>
+                </a:solidFill>
+                <a:highlight>
+                  <a:srgbClr val="FFFFFF"/>
+                </a:highlight>
+              </a:rPr>
+              <a:t>].</a:t>
+            </a:r>
+            <a:r>
+              <a:rPr lang="en-US" dirty="0">
+                <a:solidFill>
+                  <a:srgbClr val="000000"/>
+                </a:solidFill>
+                <a:highlight>
+                  <a:srgbClr val="FFFFFF"/>
+                </a:highlight>
+              </a:rPr>
+              <a:t>values</a:t>
+            </a:r>
+            <a:endParaRPr lang="en-US" dirty="0"/>
+          </a:p>
+        </p:txBody>
+      </p:sp>
+      <p:pic>
+        <p:nvPicPr>
+          <p:cNvPr id="4" name="Picture 3" descr="Screen Clipping"/>
+          <p:cNvPicPr>
+            <a:picLocks noChangeAspect="1"/>
+          </p:cNvPicPr>
+          <p:nvPr/>
+        </p:nvPicPr>
+        <p:blipFill>
+          <a:blip r:embed="rId2">
+            <a:extLst>
+              <a:ext uri="{28A0092B-C50C-407E-A947-70E740481C1C}">
+                <a14:useLocalDpi xmlns:a14="http://schemas.microsoft.com/office/drawing/2010/main" val="0"/>
+              </a:ext>
+            </a:extLst>
+          </a:blip>
+          <a:stretch>
+            <a:fillRect/>
+          </a:stretch>
+        </p:blipFill>
+        <p:spPr>
+          <a:xfrm>
+            <a:off x="4581095" y="1853739"/>
+            <a:ext cx="7377475" cy="4123112"/>
+          </a:xfrm>
+          <a:prstGeom prst="rect">
+            <a:avLst/>
+          </a:prstGeom>
+        </p:spPr>
+      </p:pic>
     </p:spTree>
     <p:extLst>
       <p:ext uri="{BB962C8B-B14F-4D97-AF65-F5344CB8AC3E}">
@@ -5809,14 +6482,170 @@
           <a:bodyPr/>
           <a:lstStyle/>
           <a:p>
-            <a:endParaRPr lang="en-US"/>
+            <a:r>
+              <a:rPr lang="en-US" dirty="0">
+                <a:solidFill>
+                  <a:schemeClr val="tx2"/>
+                </a:solidFill>
+              </a:rPr>
+              <a:t>Backward</a:t>
+            </a:r>
+            <a:r>
+              <a:rPr lang="en-US" dirty="0"/>
+              <a:t> </a:t>
+            </a:r>
+            <a:r>
+              <a:rPr lang="en-US" dirty="0">
+                <a:solidFill>
+                  <a:schemeClr val="tx2"/>
+                </a:solidFill>
+              </a:rPr>
+              <a:t>elimination</a:t>
+            </a:r>
+            <a:endParaRPr lang="en-US" dirty="0">
+              <a:solidFill>
+                <a:schemeClr val="tx2"/>
+              </a:solidFill>
+            </a:endParaRPr>
+          </a:p>
+        </p:txBody>
+      </p:sp>
+      <p:pic>
+        <p:nvPicPr>
+          <p:cNvPr id="3" name="Picture 2" descr="Screen Clipping"/>
+          <p:cNvPicPr>
+            <a:picLocks noChangeAspect="1"/>
+          </p:cNvPicPr>
+          <p:nvPr/>
+        </p:nvPicPr>
+        <p:blipFill>
+          <a:blip r:embed="rId2">
+            <a:extLst>
+              <a:ext uri="{28A0092B-C50C-407E-A947-70E740481C1C}">
+                <a14:useLocalDpi xmlns:a14="http://schemas.microsoft.com/office/drawing/2010/main" val="0"/>
+              </a:ext>
+            </a:extLst>
+          </a:blip>
+          <a:stretch>
+            <a:fillRect/>
+          </a:stretch>
+        </p:blipFill>
+        <p:spPr>
+          <a:xfrm>
+            <a:off x="4607213" y="2344190"/>
+            <a:ext cx="2905530" cy="1247949"/>
+          </a:xfrm>
+          <a:prstGeom prst="rect">
+            <a:avLst/>
+          </a:prstGeom>
+          <a:ln w="38100" cap="sq">
+            <a:solidFill>
+              <a:srgbClr val="000000"/>
+            </a:solidFill>
+            <a:prstDash val="solid"/>
+            <a:miter lim="800000"/>
+          </a:ln>
+          <a:effectLst>
+            <a:outerShdw blurRad="50800" dist="38100" dir="2700000" algn="tl" rotWithShape="0">
+              <a:srgbClr val="000000">
+                <a:alpha val="43000"/>
+              </a:srgbClr>
+            </a:outerShdw>
+          </a:effectLst>
+        </p:spPr>
+      </p:pic>
+      <p:pic>
+        <p:nvPicPr>
+          <p:cNvPr id="4" name="Picture 3" descr="Screen Clipping"/>
+          <p:cNvPicPr>
+            <a:picLocks noChangeAspect="1"/>
+          </p:cNvPicPr>
+          <p:nvPr/>
+        </p:nvPicPr>
+        <p:blipFill>
+          <a:blip r:embed="rId3">
+            <a:extLst>
+              <a:ext uri="{28A0092B-C50C-407E-A947-70E740481C1C}">
+                <a14:useLocalDpi xmlns:a14="http://schemas.microsoft.com/office/drawing/2010/main" val="0"/>
+              </a:ext>
+            </a:extLst>
+          </a:blip>
+          <a:stretch>
+            <a:fillRect/>
+          </a:stretch>
+        </p:blipFill>
+        <p:spPr>
+          <a:xfrm>
+            <a:off x="7695288" y="2344191"/>
+            <a:ext cx="3452080" cy="3831942"/>
+          </a:xfrm>
+          <a:prstGeom prst="rect">
+            <a:avLst/>
+          </a:prstGeom>
+          <a:ln w="38100" cap="sq">
+            <a:solidFill>
+              <a:srgbClr val="000000"/>
+            </a:solidFill>
+            <a:prstDash val="solid"/>
+            <a:miter lim="800000"/>
+          </a:ln>
+          <a:effectLst>
+            <a:outerShdw blurRad="50800" dist="38100" dir="2700000" algn="tl" rotWithShape="0">
+              <a:srgbClr val="000000">
+                <a:alpha val="43000"/>
+              </a:srgbClr>
+            </a:outerShdw>
+          </a:effectLst>
+        </p:spPr>
+      </p:pic>
+      <p:sp>
+        <p:nvSpPr>
+          <p:cNvPr id="5" name="Rectangle 4"/>
+          <p:cNvSpPr/>
+          <p:nvPr/>
+        </p:nvSpPr>
+        <p:spPr>
+          <a:xfrm>
+            <a:off x="972589" y="1301635"/>
+            <a:ext cx="10174779" cy="839585"/>
+          </a:xfrm>
+          <a:prstGeom prst="rect">
+            <a:avLst/>
+          </a:prstGeom>
+        </p:spPr>
+        <p:style>
+          <a:lnRef idx="2">
+            <a:schemeClr val="accent1">
+              <a:shade val="50000"/>
+            </a:schemeClr>
+          </a:lnRef>
+          <a:fillRef idx="1">
+            <a:schemeClr val="accent1"/>
+          </a:fillRef>
+          <a:effectRef idx="0">
+            <a:schemeClr val="accent1"/>
+          </a:effectRef>
+          <a:fontRef idx="minor">
+            <a:schemeClr val="lt1"/>
+          </a:fontRef>
+        </p:style>
+        <p:txBody>
+          <a:bodyPr rtlCol="0" anchor="ctr"/>
+          <a:lstStyle/>
+          <a:p>
+            <a:pPr algn="ctr"/>
+            <a:r>
+              <a:rPr lang="en-US" dirty="0" smtClean="0"/>
+              <a:t>Try to access X </a:t>
+            </a:r>
+            <a:endParaRPr lang="en-US" dirty="0"/>
           </a:p>
         </p:txBody>
       </p:sp>
     </p:spTree>
     <p:extLst>
       <p:ext uri="{BB962C8B-B14F-4D97-AF65-F5344CB8AC3E}">
-        <p14:creationId xmlns:p14="http://schemas.microsoft.com/office/powerpoint/2010/main" val="1723615881"/>
+        <p14:creationId xmlns:p14="http://schemas.microsoft.com/office/powerpoint/2010/main" val="2536604557"/>
       </p:ext>
     </p:extLst>
   </p:cSld>
@@ -5858,6 +6687,2940 @@
           <a:bodyPr/>
           <a:lstStyle/>
           <a:p>
+            <a:r>
+              <a:rPr lang="en-US" dirty="0">
+                <a:solidFill>
+                  <a:schemeClr val="tx2"/>
+                </a:solidFill>
+              </a:rPr>
+              <a:t>Encoding categorical data</a:t>
+            </a:r>
+            <a:endParaRPr lang="en-US" dirty="0">
+              <a:solidFill>
+                <a:schemeClr val="tx2"/>
+              </a:solidFill>
+            </a:endParaRPr>
+          </a:p>
+        </p:txBody>
+      </p:sp>
+      <p:sp>
+        <p:nvSpPr>
+          <p:cNvPr id="3" name="Rectangle 2"/>
+          <p:cNvSpPr/>
+          <p:nvPr/>
+        </p:nvSpPr>
+        <p:spPr>
+          <a:xfrm>
+            <a:off x="203200" y="1280160"/>
+            <a:ext cx="4601556" cy="2585323"/>
+          </a:xfrm>
+          <a:prstGeom prst="rect">
+            <a:avLst/>
+          </a:prstGeom>
+        </p:spPr>
+        <p:txBody>
+          <a:bodyPr wrap="square">
+            <a:spAutoFit/>
+          </a:bodyPr>
+          <a:lstStyle/>
+          <a:p>
+            <a:r>
+              <a:rPr lang="en-US" dirty="0">
+                <a:solidFill>
+                  <a:srgbClr val="008000"/>
+                </a:solidFill>
+                <a:highlight>
+                  <a:srgbClr val="FFFFFF"/>
+                </a:highlight>
+              </a:rPr>
+              <a:t># Encoding categorical data</a:t>
+            </a:r>
+            <a:endParaRPr lang="en-US" dirty="0">
+              <a:solidFill>
+                <a:srgbClr val="000000"/>
+              </a:solidFill>
+              <a:highlight>
+                <a:srgbClr val="FFFFFF"/>
+              </a:highlight>
+            </a:endParaRPr>
+          </a:p>
+          <a:p>
+            <a:r>
+              <a:rPr lang="en-US" b="1" dirty="0">
+                <a:solidFill>
+                  <a:srgbClr val="0000FF"/>
+                </a:solidFill>
+                <a:highlight>
+                  <a:srgbClr val="FFFFFF"/>
+                </a:highlight>
+              </a:rPr>
+              <a:t>from</a:t>
+            </a:r>
+            <a:r>
+              <a:rPr lang="en-US" dirty="0">
+                <a:solidFill>
+                  <a:srgbClr val="000000"/>
+                </a:solidFill>
+                <a:highlight>
+                  <a:srgbClr val="FFFFFF"/>
+                </a:highlight>
+              </a:rPr>
+              <a:t> </a:t>
+            </a:r>
+            <a:r>
+              <a:rPr lang="en-US" dirty="0" err="1">
+                <a:solidFill>
+                  <a:srgbClr val="000000"/>
+                </a:solidFill>
+                <a:highlight>
+                  <a:srgbClr val="FFFFFF"/>
+                </a:highlight>
+              </a:rPr>
+              <a:t>sklearn</a:t>
+            </a:r>
+            <a:r>
+              <a:rPr lang="en-US" b="1" dirty="0" err="1">
+                <a:solidFill>
+                  <a:srgbClr val="000080"/>
+                </a:solidFill>
+                <a:highlight>
+                  <a:srgbClr val="FFFFFF"/>
+                </a:highlight>
+              </a:rPr>
+              <a:t>.</a:t>
+            </a:r>
+            <a:r>
+              <a:rPr lang="en-US" dirty="0" err="1">
+                <a:solidFill>
+                  <a:srgbClr val="000000"/>
+                </a:solidFill>
+                <a:highlight>
+                  <a:srgbClr val="FFFFFF"/>
+                </a:highlight>
+              </a:rPr>
+              <a:t>preprocessing</a:t>
+            </a:r>
+            <a:r>
+              <a:rPr lang="en-US" dirty="0">
+                <a:solidFill>
+                  <a:srgbClr val="000000"/>
+                </a:solidFill>
+                <a:highlight>
+                  <a:srgbClr val="FFFFFF"/>
+                </a:highlight>
+              </a:rPr>
+              <a:t> </a:t>
+            </a:r>
+            <a:r>
+              <a:rPr lang="en-US" b="1" dirty="0">
+                <a:solidFill>
+                  <a:srgbClr val="0000FF"/>
+                </a:solidFill>
+                <a:highlight>
+                  <a:srgbClr val="FFFFFF"/>
+                </a:highlight>
+              </a:rPr>
+              <a:t>import</a:t>
+            </a:r>
+            <a:r>
+              <a:rPr lang="en-US" dirty="0">
+                <a:solidFill>
+                  <a:srgbClr val="000000"/>
+                </a:solidFill>
+                <a:highlight>
+                  <a:srgbClr val="FFFFFF"/>
+                </a:highlight>
+              </a:rPr>
+              <a:t> </a:t>
+            </a:r>
+            <a:r>
+              <a:rPr lang="en-US" dirty="0" err="1">
+                <a:solidFill>
+                  <a:srgbClr val="000000"/>
+                </a:solidFill>
+                <a:highlight>
+                  <a:srgbClr val="FFFFFF"/>
+                </a:highlight>
+              </a:rPr>
+              <a:t>LabelEncoder</a:t>
+            </a:r>
+            <a:r>
+              <a:rPr lang="en-US" b="1" dirty="0">
+                <a:solidFill>
+                  <a:srgbClr val="000080"/>
+                </a:solidFill>
+                <a:highlight>
+                  <a:srgbClr val="FFFFFF"/>
+                </a:highlight>
+              </a:rPr>
+              <a:t>,</a:t>
+            </a:r>
+            <a:r>
+              <a:rPr lang="en-US" dirty="0">
+                <a:solidFill>
+                  <a:srgbClr val="000000"/>
+                </a:solidFill>
+                <a:highlight>
+                  <a:srgbClr val="FFFFFF"/>
+                </a:highlight>
+              </a:rPr>
+              <a:t> </a:t>
+            </a:r>
+            <a:r>
+              <a:rPr lang="en-US" dirty="0" err="1">
+                <a:solidFill>
+                  <a:srgbClr val="000000"/>
+                </a:solidFill>
+                <a:highlight>
+                  <a:srgbClr val="FFFFFF"/>
+                </a:highlight>
+              </a:rPr>
+              <a:t>OneHotEncoder</a:t>
+            </a:r>
+            <a:endParaRPr lang="en-US" dirty="0">
+              <a:solidFill>
+                <a:srgbClr val="000000"/>
+              </a:solidFill>
+              <a:highlight>
+                <a:srgbClr val="FFFFFF"/>
+              </a:highlight>
+            </a:endParaRPr>
+          </a:p>
+          <a:p>
+            <a:r>
+              <a:rPr lang="en-US" dirty="0" err="1">
+                <a:solidFill>
+                  <a:srgbClr val="000000"/>
+                </a:solidFill>
+                <a:highlight>
+                  <a:srgbClr val="FFFFFF"/>
+                </a:highlight>
+              </a:rPr>
+              <a:t>labelencoder</a:t>
+            </a:r>
+            <a:r>
+              <a:rPr lang="en-US" dirty="0">
+                <a:solidFill>
+                  <a:srgbClr val="000000"/>
+                </a:solidFill>
+                <a:highlight>
+                  <a:srgbClr val="FFFFFF"/>
+                </a:highlight>
+              </a:rPr>
+              <a:t> </a:t>
+            </a:r>
+            <a:r>
+              <a:rPr lang="en-US" b="1" dirty="0">
+                <a:solidFill>
+                  <a:srgbClr val="000080"/>
+                </a:solidFill>
+                <a:highlight>
+                  <a:srgbClr val="FFFFFF"/>
+                </a:highlight>
+              </a:rPr>
+              <a:t>=</a:t>
+            </a:r>
+            <a:r>
+              <a:rPr lang="en-US" dirty="0">
+                <a:solidFill>
+                  <a:srgbClr val="000000"/>
+                </a:solidFill>
+                <a:highlight>
+                  <a:srgbClr val="FFFFFF"/>
+                </a:highlight>
+              </a:rPr>
+              <a:t> </a:t>
+            </a:r>
+            <a:r>
+              <a:rPr lang="en-US" dirty="0" err="1">
+                <a:solidFill>
+                  <a:srgbClr val="000000"/>
+                </a:solidFill>
+                <a:highlight>
+                  <a:srgbClr val="FFFFFF"/>
+                </a:highlight>
+              </a:rPr>
+              <a:t>LabelEncoder</a:t>
+            </a:r>
+            <a:r>
+              <a:rPr lang="en-US" b="1" dirty="0">
+                <a:solidFill>
+                  <a:srgbClr val="000080"/>
+                </a:solidFill>
+                <a:highlight>
+                  <a:srgbClr val="FFFFFF"/>
+                </a:highlight>
+              </a:rPr>
+              <a:t>()</a:t>
+            </a:r>
+            <a:endParaRPr lang="en-US" dirty="0">
+              <a:solidFill>
+                <a:srgbClr val="000000"/>
+              </a:solidFill>
+              <a:highlight>
+                <a:srgbClr val="FFFFFF"/>
+              </a:highlight>
+            </a:endParaRPr>
+          </a:p>
+          <a:p>
+            <a:r>
+              <a:rPr lang="en-US" dirty="0">
+                <a:solidFill>
+                  <a:srgbClr val="000000"/>
+                </a:solidFill>
+                <a:highlight>
+                  <a:srgbClr val="FFFFFF"/>
+                </a:highlight>
+              </a:rPr>
+              <a:t>X</a:t>
+            </a:r>
+            <a:r>
+              <a:rPr lang="en-US" b="1" dirty="0">
+                <a:solidFill>
+                  <a:srgbClr val="000080"/>
+                </a:solidFill>
+                <a:highlight>
+                  <a:srgbClr val="FFFFFF"/>
+                </a:highlight>
+              </a:rPr>
+              <a:t>[:,</a:t>
+            </a:r>
+            <a:r>
+              <a:rPr lang="en-US" dirty="0">
+                <a:solidFill>
+                  <a:srgbClr val="000000"/>
+                </a:solidFill>
+                <a:highlight>
+                  <a:srgbClr val="FFFFFF"/>
+                </a:highlight>
+              </a:rPr>
+              <a:t> </a:t>
+            </a:r>
+            <a:r>
+              <a:rPr lang="en-US" dirty="0">
+                <a:solidFill>
+                  <a:srgbClr val="FF0000"/>
+                </a:solidFill>
+                <a:highlight>
+                  <a:srgbClr val="FFFFFF"/>
+                </a:highlight>
+              </a:rPr>
+              <a:t>3</a:t>
+            </a:r>
+            <a:r>
+              <a:rPr lang="en-US" b="1" dirty="0">
+                <a:solidFill>
+                  <a:srgbClr val="000080"/>
+                </a:solidFill>
+                <a:highlight>
+                  <a:srgbClr val="FFFFFF"/>
+                </a:highlight>
+              </a:rPr>
+              <a:t>]</a:t>
+            </a:r>
+            <a:r>
+              <a:rPr lang="en-US" dirty="0">
+                <a:solidFill>
+                  <a:srgbClr val="000000"/>
+                </a:solidFill>
+                <a:highlight>
+                  <a:srgbClr val="FFFFFF"/>
+                </a:highlight>
+              </a:rPr>
+              <a:t> </a:t>
+            </a:r>
+            <a:r>
+              <a:rPr lang="en-US" b="1" dirty="0">
+                <a:solidFill>
+                  <a:srgbClr val="000080"/>
+                </a:solidFill>
+                <a:highlight>
+                  <a:srgbClr val="FFFFFF"/>
+                </a:highlight>
+              </a:rPr>
+              <a:t>=</a:t>
+            </a:r>
+            <a:r>
+              <a:rPr lang="en-US" dirty="0">
+                <a:solidFill>
+                  <a:srgbClr val="000000"/>
+                </a:solidFill>
+                <a:highlight>
+                  <a:srgbClr val="FFFFFF"/>
+                </a:highlight>
+              </a:rPr>
+              <a:t> </a:t>
+            </a:r>
+            <a:r>
+              <a:rPr lang="en-US" dirty="0" err="1">
+                <a:solidFill>
+                  <a:srgbClr val="000000"/>
+                </a:solidFill>
+                <a:highlight>
+                  <a:srgbClr val="FFFFFF"/>
+                </a:highlight>
+              </a:rPr>
+              <a:t>labelencoder</a:t>
+            </a:r>
+            <a:r>
+              <a:rPr lang="en-US" b="1" dirty="0" err="1">
+                <a:solidFill>
+                  <a:srgbClr val="000080"/>
+                </a:solidFill>
+                <a:highlight>
+                  <a:srgbClr val="FFFFFF"/>
+                </a:highlight>
+              </a:rPr>
+              <a:t>.</a:t>
+            </a:r>
+            <a:r>
+              <a:rPr lang="en-US" dirty="0" err="1">
+                <a:solidFill>
+                  <a:srgbClr val="000000"/>
+                </a:solidFill>
+                <a:highlight>
+                  <a:srgbClr val="FFFFFF"/>
+                </a:highlight>
+              </a:rPr>
+              <a:t>fit_transform</a:t>
+            </a:r>
+            <a:r>
+              <a:rPr lang="en-US" b="1" dirty="0">
+                <a:solidFill>
+                  <a:srgbClr val="000080"/>
+                </a:solidFill>
+                <a:highlight>
+                  <a:srgbClr val="FFFFFF"/>
+                </a:highlight>
+              </a:rPr>
+              <a:t>(</a:t>
+            </a:r>
+            <a:r>
+              <a:rPr lang="en-US" dirty="0">
+                <a:solidFill>
+                  <a:srgbClr val="000000"/>
+                </a:solidFill>
+                <a:highlight>
+                  <a:srgbClr val="FFFFFF"/>
+                </a:highlight>
+              </a:rPr>
+              <a:t>X</a:t>
+            </a:r>
+            <a:r>
+              <a:rPr lang="en-US" b="1" dirty="0">
+                <a:solidFill>
+                  <a:srgbClr val="000080"/>
+                </a:solidFill>
+                <a:highlight>
+                  <a:srgbClr val="FFFFFF"/>
+                </a:highlight>
+              </a:rPr>
+              <a:t>[:,</a:t>
+            </a:r>
+            <a:r>
+              <a:rPr lang="en-US" dirty="0">
+                <a:solidFill>
+                  <a:srgbClr val="000000"/>
+                </a:solidFill>
+                <a:highlight>
+                  <a:srgbClr val="FFFFFF"/>
+                </a:highlight>
+              </a:rPr>
+              <a:t> </a:t>
+            </a:r>
+            <a:r>
+              <a:rPr lang="en-US" dirty="0">
+                <a:solidFill>
+                  <a:srgbClr val="FF0000"/>
+                </a:solidFill>
+                <a:highlight>
+                  <a:srgbClr val="FFFFFF"/>
+                </a:highlight>
+              </a:rPr>
+              <a:t>3</a:t>
+            </a:r>
+            <a:r>
+              <a:rPr lang="en-US" b="1" dirty="0">
+                <a:solidFill>
+                  <a:srgbClr val="000080"/>
+                </a:solidFill>
+                <a:highlight>
+                  <a:srgbClr val="FFFFFF"/>
+                </a:highlight>
+              </a:rPr>
+              <a:t>])</a:t>
+            </a:r>
+            <a:endParaRPr lang="en-US" dirty="0">
+              <a:solidFill>
+                <a:srgbClr val="000000"/>
+              </a:solidFill>
+              <a:highlight>
+                <a:srgbClr val="FFFFFF"/>
+              </a:highlight>
+            </a:endParaRPr>
+          </a:p>
+          <a:p>
+            <a:endParaRPr lang="en-US" dirty="0">
+              <a:solidFill>
+                <a:srgbClr val="000000"/>
+              </a:solidFill>
+              <a:highlight>
+                <a:srgbClr val="FFFFFF"/>
+              </a:highlight>
+            </a:endParaRPr>
+          </a:p>
+          <a:p>
+            <a:r>
+              <a:rPr lang="en-US" dirty="0" err="1">
+                <a:solidFill>
+                  <a:srgbClr val="000000"/>
+                </a:solidFill>
+                <a:highlight>
+                  <a:srgbClr val="FFFFFF"/>
+                </a:highlight>
+              </a:rPr>
+              <a:t>onehotencoder</a:t>
+            </a:r>
+            <a:r>
+              <a:rPr lang="en-US" dirty="0">
+                <a:solidFill>
+                  <a:srgbClr val="000000"/>
+                </a:solidFill>
+                <a:highlight>
+                  <a:srgbClr val="FFFFFF"/>
+                </a:highlight>
+              </a:rPr>
+              <a:t> </a:t>
+            </a:r>
+            <a:r>
+              <a:rPr lang="en-US" b="1" dirty="0">
+                <a:solidFill>
+                  <a:srgbClr val="000080"/>
+                </a:solidFill>
+                <a:highlight>
+                  <a:srgbClr val="FFFFFF"/>
+                </a:highlight>
+              </a:rPr>
+              <a:t>=</a:t>
+            </a:r>
+            <a:r>
+              <a:rPr lang="en-US" dirty="0">
+                <a:solidFill>
+                  <a:srgbClr val="000000"/>
+                </a:solidFill>
+                <a:highlight>
+                  <a:srgbClr val="FFFFFF"/>
+                </a:highlight>
+              </a:rPr>
+              <a:t> </a:t>
+            </a:r>
+            <a:r>
+              <a:rPr lang="en-US" dirty="0" err="1">
+                <a:solidFill>
+                  <a:srgbClr val="000000"/>
+                </a:solidFill>
+                <a:highlight>
+                  <a:srgbClr val="FFFFFF"/>
+                </a:highlight>
+              </a:rPr>
+              <a:t>OneHotEncoder</a:t>
+            </a:r>
+            <a:r>
+              <a:rPr lang="en-US" b="1" dirty="0">
+                <a:solidFill>
+                  <a:srgbClr val="000080"/>
+                </a:solidFill>
+                <a:highlight>
+                  <a:srgbClr val="FFFFFF"/>
+                </a:highlight>
+              </a:rPr>
+              <a:t>(</a:t>
+            </a:r>
+            <a:r>
+              <a:rPr lang="en-US" dirty="0" err="1">
+                <a:solidFill>
+                  <a:srgbClr val="000000"/>
+                </a:solidFill>
+                <a:highlight>
+                  <a:srgbClr val="FFFFFF"/>
+                </a:highlight>
+              </a:rPr>
+              <a:t>categorical_features</a:t>
+            </a:r>
+            <a:r>
+              <a:rPr lang="en-US" dirty="0">
+                <a:solidFill>
+                  <a:srgbClr val="000000"/>
+                </a:solidFill>
+                <a:highlight>
+                  <a:srgbClr val="FFFFFF"/>
+                </a:highlight>
+              </a:rPr>
+              <a:t> </a:t>
+            </a:r>
+            <a:r>
+              <a:rPr lang="en-US" b="1" dirty="0">
+                <a:solidFill>
+                  <a:srgbClr val="000080"/>
+                </a:solidFill>
+                <a:highlight>
+                  <a:srgbClr val="FFFFFF"/>
+                </a:highlight>
+              </a:rPr>
+              <a:t>=</a:t>
+            </a:r>
+            <a:r>
+              <a:rPr lang="en-US" dirty="0">
+                <a:solidFill>
+                  <a:srgbClr val="000000"/>
+                </a:solidFill>
+                <a:highlight>
+                  <a:srgbClr val="FFFFFF"/>
+                </a:highlight>
+              </a:rPr>
+              <a:t> </a:t>
+            </a:r>
+            <a:r>
+              <a:rPr lang="en-US" b="1" dirty="0">
+                <a:solidFill>
+                  <a:srgbClr val="000080"/>
+                </a:solidFill>
+                <a:highlight>
+                  <a:srgbClr val="FFFFFF"/>
+                </a:highlight>
+              </a:rPr>
+              <a:t>[</a:t>
+            </a:r>
+            <a:r>
+              <a:rPr lang="en-US" dirty="0">
+                <a:solidFill>
+                  <a:srgbClr val="FF0000"/>
+                </a:solidFill>
+                <a:highlight>
+                  <a:srgbClr val="FFFFFF"/>
+                </a:highlight>
+              </a:rPr>
+              <a:t>3</a:t>
+            </a:r>
+            <a:r>
+              <a:rPr lang="en-US" b="1" dirty="0">
+                <a:solidFill>
+                  <a:srgbClr val="000080"/>
+                </a:solidFill>
+                <a:highlight>
+                  <a:srgbClr val="FFFFFF"/>
+                </a:highlight>
+              </a:rPr>
+              <a:t>])</a:t>
+            </a:r>
+            <a:endParaRPr lang="en-US" dirty="0">
+              <a:solidFill>
+                <a:srgbClr val="000000"/>
+              </a:solidFill>
+              <a:highlight>
+                <a:srgbClr val="FFFFFF"/>
+              </a:highlight>
+            </a:endParaRPr>
+          </a:p>
+          <a:p>
+            <a:r>
+              <a:rPr lang="en-US" dirty="0">
+                <a:solidFill>
+                  <a:srgbClr val="000000"/>
+                </a:solidFill>
+                <a:highlight>
+                  <a:srgbClr val="FFFFFF"/>
+                </a:highlight>
+              </a:rPr>
+              <a:t>X </a:t>
+            </a:r>
+            <a:r>
+              <a:rPr lang="en-US" b="1" dirty="0">
+                <a:solidFill>
+                  <a:srgbClr val="000080"/>
+                </a:solidFill>
+                <a:highlight>
+                  <a:srgbClr val="FFFFFF"/>
+                </a:highlight>
+              </a:rPr>
+              <a:t>=</a:t>
+            </a:r>
+            <a:r>
+              <a:rPr lang="en-US" dirty="0">
+                <a:solidFill>
+                  <a:srgbClr val="000000"/>
+                </a:solidFill>
+                <a:highlight>
+                  <a:srgbClr val="FFFFFF"/>
+                </a:highlight>
+              </a:rPr>
+              <a:t> </a:t>
+            </a:r>
+            <a:r>
+              <a:rPr lang="en-US" dirty="0" err="1">
+                <a:solidFill>
+                  <a:srgbClr val="000000"/>
+                </a:solidFill>
+                <a:highlight>
+                  <a:srgbClr val="FFFFFF"/>
+                </a:highlight>
+              </a:rPr>
+              <a:t>onehotencoder</a:t>
+            </a:r>
+            <a:r>
+              <a:rPr lang="en-US" b="1" dirty="0" err="1">
+                <a:solidFill>
+                  <a:srgbClr val="000080"/>
+                </a:solidFill>
+                <a:highlight>
+                  <a:srgbClr val="FFFFFF"/>
+                </a:highlight>
+              </a:rPr>
+              <a:t>.</a:t>
+            </a:r>
+            <a:r>
+              <a:rPr lang="en-US" dirty="0" err="1">
+                <a:solidFill>
+                  <a:srgbClr val="000000"/>
+                </a:solidFill>
+                <a:highlight>
+                  <a:srgbClr val="FFFFFF"/>
+                </a:highlight>
+              </a:rPr>
+              <a:t>fit_transform</a:t>
+            </a:r>
+            <a:r>
+              <a:rPr lang="en-US" b="1" dirty="0">
+                <a:solidFill>
+                  <a:srgbClr val="000080"/>
+                </a:solidFill>
+                <a:highlight>
+                  <a:srgbClr val="FFFFFF"/>
+                </a:highlight>
+              </a:rPr>
+              <a:t>(</a:t>
+            </a:r>
+            <a:r>
+              <a:rPr lang="en-US" dirty="0">
+                <a:solidFill>
+                  <a:srgbClr val="000000"/>
+                </a:solidFill>
+                <a:highlight>
+                  <a:srgbClr val="FFFFFF"/>
+                </a:highlight>
+              </a:rPr>
+              <a:t>X</a:t>
+            </a:r>
+            <a:r>
+              <a:rPr lang="en-US" b="1" dirty="0">
+                <a:solidFill>
+                  <a:srgbClr val="000080"/>
+                </a:solidFill>
+                <a:highlight>
+                  <a:srgbClr val="FFFFFF"/>
+                </a:highlight>
+              </a:rPr>
+              <a:t>).</a:t>
+            </a:r>
+            <a:r>
+              <a:rPr lang="en-US" dirty="0" err="1">
+                <a:solidFill>
+                  <a:srgbClr val="000000"/>
+                </a:solidFill>
+                <a:highlight>
+                  <a:srgbClr val="FFFFFF"/>
+                </a:highlight>
+              </a:rPr>
+              <a:t>toarray</a:t>
+            </a:r>
+            <a:r>
+              <a:rPr lang="en-US" b="1" dirty="0">
+                <a:solidFill>
+                  <a:srgbClr val="000080"/>
+                </a:solidFill>
+                <a:highlight>
+                  <a:srgbClr val="FFFFFF"/>
+                </a:highlight>
+              </a:rPr>
+              <a:t>()</a:t>
+            </a:r>
+            <a:endParaRPr lang="en-US" dirty="0"/>
+          </a:p>
+        </p:txBody>
+      </p:sp>
+      <p:pic>
+        <p:nvPicPr>
+          <p:cNvPr id="4" name="Picture 3" descr="Screen Clipping"/>
+          <p:cNvPicPr>
+            <a:picLocks noChangeAspect="1"/>
+          </p:cNvPicPr>
+          <p:nvPr/>
+        </p:nvPicPr>
+        <p:blipFill>
+          <a:blip r:embed="rId2">
+            <a:extLst>
+              <a:ext uri="{28A0092B-C50C-407E-A947-70E740481C1C}">
+                <a14:useLocalDpi xmlns:a14="http://schemas.microsoft.com/office/drawing/2010/main" val="0"/>
+              </a:ext>
+            </a:extLst>
+          </a:blip>
+          <a:stretch>
+            <a:fillRect/>
+          </a:stretch>
+        </p:blipFill>
+        <p:spPr>
+          <a:xfrm>
+            <a:off x="6151417" y="1155676"/>
+            <a:ext cx="5577842" cy="5062620"/>
+          </a:xfrm>
+          <a:prstGeom prst="rect">
+            <a:avLst/>
+          </a:prstGeom>
+          <a:ln w="38100" cap="sq">
+            <a:solidFill>
+              <a:srgbClr val="000000"/>
+            </a:solidFill>
+            <a:prstDash val="solid"/>
+            <a:miter lim="800000"/>
+          </a:ln>
+          <a:effectLst>
+            <a:outerShdw blurRad="50800" dist="38100" dir="2700000" algn="tl" rotWithShape="0">
+              <a:srgbClr val="000000">
+                <a:alpha val="43000"/>
+              </a:srgbClr>
+            </a:outerShdw>
+          </a:effectLst>
+        </p:spPr>
+      </p:pic>
+    </p:spTree>
+    <p:extLst>
+      <p:ext uri="{BB962C8B-B14F-4D97-AF65-F5344CB8AC3E}">
+        <p14:creationId xmlns:p14="http://schemas.microsoft.com/office/powerpoint/2010/main" val="2864262890"/>
+      </p:ext>
+    </p:extLst>
+  </p:cSld>
+  <p:clrMapOvr>
+    <a:masterClrMapping/>
+  </p:clrMapOvr>
+</p:sld>
+</file>
+
+<file path=ppt/slides/slide16.xml><?xml version="1.0" encoding="utf-8"?>
+<p:sld xmlns:a="http://schemas.openxmlformats.org/drawingml/2006/main" xmlns:r="http://schemas.openxmlformats.org/officeDocument/2006/relationships" xmlns:p="http://schemas.openxmlformats.org/presentationml/2006/main">
+  <p:cSld>
+    <p:spTree>
+      <p:nvGrpSpPr>
+        <p:cNvPr id="1" name=""/>
+        <p:cNvGrpSpPr/>
+        <p:nvPr/>
+      </p:nvGrpSpPr>
+      <p:grpSpPr>
+        <a:xfrm>
+          <a:off x="0" y="0"/>
+          <a:ext cx="0" cy="0"/>
+          <a:chOff x="0" y="0"/>
+          <a:chExt cx="0" cy="0"/>
+        </a:xfrm>
+      </p:grpSpPr>
+      <p:sp>
+        <p:nvSpPr>
+          <p:cNvPr id="2" name="Title 1"/>
+          <p:cNvSpPr>
+            <a:spLocks noGrp="1"/>
+          </p:cNvSpPr>
+          <p:nvPr>
+            <p:ph type="title"/>
+          </p:nvPr>
+        </p:nvSpPr>
+        <p:spPr/>
+        <p:txBody>
+          <a:bodyPr>
+            <a:normAutofit/>
+          </a:bodyPr>
+          <a:lstStyle/>
+          <a:p>
+            <a:r>
+              <a:rPr lang="en-US" dirty="0">
+                <a:solidFill>
+                  <a:schemeClr val="tx2"/>
+                </a:solidFill>
+                <a:highlight>
+                  <a:srgbClr val="FFFFFF"/>
+                </a:highlight>
+              </a:rPr>
+              <a:t>Avoiding the Dummy Variable </a:t>
+            </a:r>
+            <a:r>
+              <a:rPr lang="en-US" dirty="0" smtClean="0">
+                <a:solidFill>
+                  <a:schemeClr val="tx2"/>
+                </a:solidFill>
+                <a:highlight>
+                  <a:srgbClr val="FFFFFF"/>
+                </a:highlight>
+              </a:rPr>
+              <a:t>Trap</a:t>
+            </a:r>
+            <a:endParaRPr lang="en-US" dirty="0">
+              <a:solidFill>
+                <a:schemeClr val="tx2"/>
+              </a:solidFill>
+            </a:endParaRPr>
+          </a:p>
+        </p:txBody>
+      </p:sp>
+      <p:sp>
+        <p:nvSpPr>
+          <p:cNvPr id="4" name="Rectangle 3"/>
+          <p:cNvSpPr/>
+          <p:nvPr/>
+        </p:nvSpPr>
+        <p:spPr>
+          <a:xfrm>
+            <a:off x="203200" y="1186009"/>
+            <a:ext cx="6096000" cy="3139321"/>
+          </a:xfrm>
+          <a:prstGeom prst="rect">
+            <a:avLst/>
+          </a:prstGeom>
+        </p:spPr>
+        <p:txBody>
+          <a:bodyPr>
+            <a:spAutoFit/>
+          </a:bodyPr>
+          <a:lstStyle/>
+          <a:p>
+            <a:r>
+              <a:rPr lang="en-US" dirty="0">
+                <a:solidFill>
+                  <a:srgbClr val="008000"/>
+                </a:solidFill>
+                <a:highlight>
+                  <a:srgbClr val="FFFFFF"/>
+                </a:highlight>
+              </a:rPr>
+              <a:t># Encoding categorical data</a:t>
+            </a:r>
+            <a:endParaRPr lang="en-US" dirty="0">
+              <a:solidFill>
+                <a:srgbClr val="000000"/>
+              </a:solidFill>
+              <a:highlight>
+                <a:srgbClr val="FFFFFF"/>
+              </a:highlight>
+            </a:endParaRPr>
+          </a:p>
+          <a:p>
+            <a:r>
+              <a:rPr lang="en-US" b="1" dirty="0">
+                <a:solidFill>
+                  <a:srgbClr val="0000FF"/>
+                </a:solidFill>
+                <a:highlight>
+                  <a:srgbClr val="FFFFFF"/>
+                </a:highlight>
+              </a:rPr>
+              <a:t>from</a:t>
+            </a:r>
+            <a:r>
+              <a:rPr lang="en-US" dirty="0">
+                <a:solidFill>
+                  <a:srgbClr val="000000"/>
+                </a:solidFill>
+                <a:highlight>
+                  <a:srgbClr val="FFFFFF"/>
+                </a:highlight>
+              </a:rPr>
+              <a:t> </a:t>
+            </a:r>
+            <a:r>
+              <a:rPr lang="en-US" dirty="0" err="1">
+                <a:solidFill>
+                  <a:srgbClr val="000000"/>
+                </a:solidFill>
+                <a:highlight>
+                  <a:srgbClr val="FFFFFF"/>
+                </a:highlight>
+              </a:rPr>
+              <a:t>sklearn</a:t>
+            </a:r>
+            <a:r>
+              <a:rPr lang="en-US" b="1" dirty="0" err="1">
+                <a:solidFill>
+                  <a:srgbClr val="000080"/>
+                </a:solidFill>
+                <a:highlight>
+                  <a:srgbClr val="FFFFFF"/>
+                </a:highlight>
+              </a:rPr>
+              <a:t>.</a:t>
+            </a:r>
+            <a:r>
+              <a:rPr lang="en-US" dirty="0" err="1">
+                <a:solidFill>
+                  <a:srgbClr val="000000"/>
+                </a:solidFill>
+                <a:highlight>
+                  <a:srgbClr val="FFFFFF"/>
+                </a:highlight>
+              </a:rPr>
+              <a:t>preprocessing</a:t>
+            </a:r>
+            <a:r>
+              <a:rPr lang="en-US" dirty="0">
+                <a:solidFill>
+                  <a:srgbClr val="000000"/>
+                </a:solidFill>
+                <a:highlight>
+                  <a:srgbClr val="FFFFFF"/>
+                </a:highlight>
+              </a:rPr>
+              <a:t> </a:t>
+            </a:r>
+            <a:r>
+              <a:rPr lang="en-US" b="1" dirty="0">
+                <a:solidFill>
+                  <a:srgbClr val="0000FF"/>
+                </a:solidFill>
+                <a:highlight>
+                  <a:srgbClr val="FFFFFF"/>
+                </a:highlight>
+              </a:rPr>
+              <a:t>import</a:t>
+            </a:r>
+            <a:r>
+              <a:rPr lang="en-US" dirty="0">
+                <a:solidFill>
+                  <a:srgbClr val="000000"/>
+                </a:solidFill>
+                <a:highlight>
+                  <a:srgbClr val="FFFFFF"/>
+                </a:highlight>
+              </a:rPr>
+              <a:t> </a:t>
+            </a:r>
+            <a:r>
+              <a:rPr lang="en-US" dirty="0" err="1">
+                <a:solidFill>
+                  <a:srgbClr val="000000"/>
+                </a:solidFill>
+                <a:highlight>
+                  <a:srgbClr val="FFFFFF"/>
+                </a:highlight>
+              </a:rPr>
+              <a:t>LabelEncoder</a:t>
+            </a:r>
+            <a:r>
+              <a:rPr lang="en-US" b="1" dirty="0">
+                <a:solidFill>
+                  <a:srgbClr val="000080"/>
+                </a:solidFill>
+                <a:highlight>
+                  <a:srgbClr val="FFFFFF"/>
+                </a:highlight>
+              </a:rPr>
+              <a:t>,</a:t>
+            </a:r>
+            <a:r>
+              <a:rPr lang="en-US" dirty="0">
+                <a:solidFill>
+                  <a:srgbClr val="000000"/>
+                </a:solidFill>
+                <a:highlight>
+                  <a:srgbClr val="FFFFFF"/>
+                </a:highlight>
+              </a:rPr>
+              <a:t> </a:t>
+            </a:r>
+            <a:r>
+              <a:rPr lang="en-US" dirty="0" err="1">
+                <a:solidFill>
+                  <a:srgbClr val="000000"/>
+                </a:solidFill>
+                <a:highlight>
+                  <a:srgbClr val="FFFFFF"/>
+                </a:highlight>
+              </a:rPr>
+              <a:t>OneHotEncoder</a:t>
+            </a:r>
+            <a:endParaRPr lang="en-US" dirty="0">
+              <a:solidFill>
+                <a:srgbClr val="000000"/>
+              </a:solidFill>
+              <a:highlight>
+                <a:srgbClr val="FFFFFF"/>
+              </a:highlight>
+            </a:endParaRPr>
+          </a:p>
+          <a:p>
+            <a:r>
+              <a:rPr lang="en-US" dirty="0" err="1">
+                <a:solidFill>
+                  <a:srgbClr val="000000"/>
+                </a:solidFill>
+                <a:highlight>
+                  <a:srgbClr val="FFFFFF"/>
+                </a:highlight>
+              </a:rPr>
+              <a:t>labelencoder</a:t>
+            </a:r>
+            <a:r>
+              <a:rPr lang="en-US" dirty="0">
+                <a:solidFill>
+                  <a:srgbClr val="000000"/>
+                </a:solidFill>
+                <a:highlight>
+                  <a:srgbClr val="FFFFFF"/>
+                </a:highlight>
+              </a:rPr>
+              <a:t> </a:t>
+            </a:r>
+            <a:r>
+              <a:rPr lang="en-US" b="1" dirty="0">
+                <a:solidFill>
+                  <a:srgbClr val="000080"/>
+                </a:solidFill>
+                <a:highlight>
+                  <a:srgbClr val="FFFFFF"/>
+                </a:highlight>
+              </a:rPr>
+              <a:t>=</a:t>
+            </a:r>
+            <a:r>
+              <a:rPr lang="en-US" dirty="0">
+                <a:solidFill>
+                  <a:srgbClr val="000000"/>
+                </a:solidFill>
+                <a:highlight>
+                  <a:srgbClr val="FFFFFF"/>
+                </a:highlight>
+              </a:rPr>
+              <a:t> </a:t>
+            </a:r>
+            <a:r>
+              <a:rPr lang="en-US" dirty="0" err="1">
+                <a:solidFill>
+                  <a:srgbClr val="000000"/>
+                </a:solidFill>
+                <a:highlight>
+                  <a:srgbClr val="FFFFFF"/>
+                </a:highlight>
+              </a:rPr>
+              <a:t>LabelEncoder</a:t>
+            </a:r>
+            <a:r>
+              <a:rPr lang="en-US" b="1" dirty="0">
+                <a:solidFill>
+                  <a:srgbClr val="000080"/>
+                </a:solidFill>
+                <a:highlight>
+                  <a:srgbClr val="FFFFFF"/>
+                </a:highlight>
+              </a:rPr>
+              <a:t>()</a:t>
+            </a:r>
+            <a:endParaRPr lang="en-US" dirty="0">
+              <a:solidFill>
+                <a:srgbClr val="000000"/>
+              </a:solidFill>
+              <a:highlight>
+                <a:srgbClr val="FFFFFF"/>
+              </a:highlight>
+            </a:endParaRPr>
+          </a:p>
+          <a:p>
+            <a:r>
+              <a:rPr lang="en-US" dirty="0">
+                <a:solidFill>
+                  <a:srgbClr val="000000"/>
+                </a:solidFill>
+                <a:highlight>
+                  <a:srgbClr val="FFFFFF"/>
+                </a:highlight>
+              </a:rPr>
+              <a:t>X</a:t>
+            </a:r>
+            <a:r>
+              <a:rPr lang="en-US" b="1" dirty="0">
+                <a:solidFill>
+                  <a:srgbClr val="000080"/>
+                </a:solidFill>
+                <a:highlight>
+                  <a:srgbClr val="FFFFFF"/>
+                </a:highlight>
+              </a:rPr>
+              <a:t>[:,</a:t>
+            </a:r>
+            <a:r>
+              <a:rPr lang="en-US" dirty="0">
+                <a:solidFill>
+                  <a:srgbClr val="000000"/>
+                </a:solidFill>
+                <a:highlight>
+                  <a:srgbClr val="FFFFFF"/>
+                </a:highlight>
+              </a:rPr>
+              <a:t> </a:t>
+            </a:r>
+            <a:r>
+              <a:rPr lang="en-US" dirty="0">
+                <a:solidFill>
+                  <a:srgbClr val="FF0000"/>
+                </a:solidFill>
+                <a:highlight>
+                  <a:srgbClr val="FFFFFF"/>
+                </a:highlight>
+              </a:rPr>
+              <a:t>3</a:t>
+            </a:r>
+            <a:r>
+              <a:rPr lang="en-US" b="1" dirty="0">
+                <a:solidFill>
+                  <a:srgbClr val="000080"/>
+                </a:solidFill>
+                <a:highlight>
+                  <a:srgbClr val="FFFFFF"/>
+                </a:highlight>
+              </a:rPr>
+              <a:t>]</a:t>
+            </a:r>
+            <a:r>
+              <a:rPr lang="en-US" dirty="0">
+                <a:solidFill>
+                  <a:srgbClr val="000000"/>
+                </a:solidFill>
+                <a:highlight>
+                  <a:srgbClr val="FFFFFF"/>
+                </a:highlight>
+              </a:rPr>
+              <a:t> </a:t>
+            </a:r>
+            <a:r>
+              <a:rPr lang="en-US" b="1" dirty="0">
+                <a:solidFill>
+                  <a:srgbClr val="000080"/>
+                </a:solidFill>
+                <a:highlight>
+                  <a:srgbClr val="FFFFFF"/>
+                </a:highlight>
+              </a:rPr>
+              <a:t>=</a:t>
+            </a:r>
+            <a:r>
+              <a:rPr lang="en-US" dirty="0">
+                <a:solidFill>
+                  <a:srgbClr val="000000"/>
+                </a:solidFill>
+                <a:highlight>
+                  <a:srgbClr val="FFFFFF"/>
+                </a:highlight>
+              </a:rPr>
+              <a:t> </a:t>
+            </a:r>
+            <a:r>
+              <a:rPr lang="en-US" dirty="0" err="1">
+                <a:solidFill>
+                  <a:srgbClr val="000000"/>
+                </a:solidFill>
+                <a:highlight>
+                  <a:srgbClr val="FFFFFF"/>
+                </a:highlight>
+              </a:rPr>
+              <a:t>labelencoder</a:t>
+            </a:r>
+            <a:r>
+              <a:rPr lang="en-US" b="1" dirty="0" err="1">
+                <a:solidFill>
+                  <a:srgbClr val="000080"/>
+                </a:solidFill>
+                <a:highlight>
+                  <a:srgbClr val="FFFFFF"/>
+                </a:highlight>
+              </a:rPr>
+              <a:t>.</a:t>
+            </a:r>
+            <a:r>
+              <a:rPr lang="en-US" dirty="0" err="1">
+                <a:solidFill>
+                  <a:srgbClr val="000000"/>
+                </a:solidFill>
+                <a:highlight>
+                  <a:srgbClr val="FFFFFF"/>
+                </a:highlight>
+              </a:rPr>
+              <a:t>fit_transform</a:t>
+            </a:r>
+            <a:r>
+              <a:rPr lang="en-US" b="1" dirty="0">
+                <a:solidFill>
+                  <a:srgbClr val="000080"/>
+                </a:solidFill>
+                <a:highlight>
+                  <a:srgbClr val="FFFFFF"/>
+                </a:highlight>
+              </a:rPr>
+              <a:t>(</a:t>
+            </a:r>
+            <a:r>
+              <a:rPr lang="en-US" dirty="0">
+                <a:solidFill>
+                  <a:srgbClr val="000000"/>
+                </a:solidFill>
+                <a:highlight>
+                  <a:srgbClr val="FFFFFF"/>
+                </a:highlight>
+              </a:rPr>
+              <a:t>X</a:t>
+            </a:r>
+            <a:r>
+              <a:rPr lang="en-US" b="1" dirty="0">
+                <a:solidFill>
+                  <a:srgbClr val="000080"/>
+                </a:solidFill>
+                <a:highlight>
+                  <a:srgbClr val="FFFFFF"/>
+                </a:highlight>
+              </a:rPr>
+              <a:t>[:,</a:t>
+            </a:r>
+            <a:r>
+              <a:rPr lang="en-US" dirty="0">
+                <a:solidFill>
+                  <a:srgbClr val="000000"/>
+                </a:solidFill>
+                <a:highlight>
+                  <a:srgbClr val="FFFFFF"/>
+                </a:highlight>
+              </a:rPr>
+              <a:t> </a:t>
+            </a:r>
+            <a:r>
+              <a:rPr lang="en-US" dirty="0">
+                <a:solidFill>
+                  <a:srgbClr val="FF0000"/>
+                </a:solidFill>
+                <a:highlight>
+                  <a:srgbClr val="FFFFFF"/>
+                </a:highlight>
+              </a:rPr>
+              <a:t>3</a:t>
+            </a:r>
+            <a:r>
+              <a:rPr lang="en-US" b="1" dirty="0">
+                <a:solidFill>
+                  <a:srgbClr val="000080"/>
+                </a:solidFill>
+                <a:highlight>
+                  <a:srgbClr val="FFFFFF"/>
+                </a:highlight>
+              </a:rPr>
+              <a:t>])</a:t>
+            </a:r>
+            <a:endParaRPr lang="en-US" dirty="0">
+              <a:solidFill>
+                <a:srgbClr val="000000"/>
+              </a:solidFill>
+              <a:highlight>
+                <a:srgbClr val="FFFFFF"/>
+              </a:highlight>
+            </a:endParaRPr>
+          </a:p>
+          <a:p>
+            <a:endParaRPr lang="en-US" dirty="0">
+              <a:solidFill>
+                <a:srgbClr val="000000"/>
+              </a:solidFill>
+              <a:highlight>
+                <a:srgbClr val="FFFFFF"/>
+              </a:highlight>
+            </a:endParaRPr>
+          </a:p>
+          <a:p>
+            <a:r>
+              <a:rPr lang="en-US" dirty="0" err="1">
+                <a:solidFill>
+                  <a:srgbClr val="000000"/>
+                </a:solidFill>
+                <a:highlight>
+                  <a:srgbClr val="FFFFFF"/>
+                </a:highlight>
+              </a:rPr>
+              <a:t>onehotencoder</a:t>
+            </a:r>
+            <a:r>
+              <a:rPr lang="en-US" dirty="0">
+                <a:solidFill>
+                  <a:srgbClr val="000000"/>
+                </a:solidFill>
+                <a:highlight>
+                  <a:srgbClr val="FFFFFF"/>
+                </a:highlight>
+              </a:rPr>
+              <a:t> </a:t>
+            </a:r>
+            <a:r>
+              <a:rPr lang="en-US" b="1" dirty="0">
+                <a:solidFill>
+                  <a:srgbClr val="000080"/>
+                </a:solidFill>
+                <a:highlight>
+                  <a:srgbClr val="FFFFFF"/>
+                </a:highlight>
+              </a:rPr>
+              <a:t>=</a:t>
+            </a:r>
+            <a:r>
+              <a:rPr lang="en-US" dirty="0">
+                <a:solidFill>
+                  <a:srgbClr val="000000"/>
+                </a:solidFill>
+                <a:highlight>
+                  <a:srgbClr val="FFFFFF"/>
+                </a:highlight>
+              </a:rPr>
+              <a:t> </a:t>
+            </a:r>
+            <a:r>
+              <a:rPr lang="en-US" dirty="0" err="1">
+                <a:solidFill>
+                  <a:srgbClr val="000000"/>
+                </a:solidFill>
+                <a:highlight>
+                  <a:srgbClr val="FFFFFF"/>
+                </a:highlight>
+              </a:rPr>
+              <a:t>OneHotEncoder</a:t>
+            </a:r>
+            <a:r>
+              <a:rPr lang="en-US" b="1" dirty="0">
+                <a:solidFill>
+                  <a:srgbClr val="000080"/>
+                </a:solidFill>
+                <a:highlight>
+                  <a:srgbClr val="FFFFFF"/>
+                </a:highlight>
+              </a:rPr>
+              <a:t>(</a:t>
+            </a:r>
+            <a:r>
+              <a:rPr lang="en-US" dirty="0" err="1">
+                <a:solidFill>
+                  <a:srgbClr val="000000"/>
+                </a:solidFill>
+                <a:highlight>
+                  <a:srgbClr val="FFFFFF"/>
+                </a:highlight>
+              </a:rPr>
+              <a:t>categorical_features</a:t>
+            </a:r>
+            <a:r>
+              <a:rPr lang="en-US" dirty="0">
+                <a:solidFill>
+                  <a:srgbClr val="000000"/>
+                </a:solidFill>
+                <a:highlight>
+                  <a:srgbClr val="FFFFFF"/>
+                </a:highlight>
+              </a:rPr>
+              <a:t> </a:t>
+            </a:r>
+            <a:r>
+              <a:rPr lang="en-US" b="1" dirty="0">
+                <a:solidFill>
+                  <a:srgbClr val="000080"/>
+                </a:solidFill>
+                <a:highlight>
+                  <a:srgbClr val="FFFFFF"/>
+                </a:highlight>
+              </a:rPr>
+              <a:t>=</a:t>
+            </a:r>
+            <a:r>
+              <a:rPr lang="en-US" dirty="0">
+                <a:solidFill>
+                  <a:srgbClr val="000000"/>
+                </a:solidFill>
+                <a:highlight>
+                  <a:srgbClr val="FFFFFF"/>
+                </a:highlight>
+              </a:rPr>
+              <a:t> </a:t>
+            </a:r>
+            <a:r>
+              <a:rPr lang="en-US" b="1" dirty="0">
+                <a:solidFill>
+                  <a:srgbClr val="000080"/>
+                </a:solidFill>
+                <a:highlight>
+                  <a:srgbClr val="FFFFFF"/>
+                </a:highlight>
+              </a:rPr>
+              <a:t>[</a:t>
+            </a:r>
+            <a:r>
+              <a:rPr lang="en-US" dirty="0">
+                <a:solidFill>
+                  <a:srgbClr val="FF0000"/>
+                </a:solidFill>
+                <a:highlight>
+                  <a:srgbClr val="FFFFFF"/>
+                </a:highlight>
+              </a:rPr>
+              <a:t>3</a:t>
+            </a:r>
+            <a:r>
+              <a:rPr lang="en-US" b="1" dirty="0">
+                <a:solidFill>
+                  <a:srgbClr val="000080"/>
+                </a:solidFill>
+                <a:highlight>
+                  <a:srgbClr val="FFFFFF"/>
+                </a:highlight>
+              </a:rPr>
+              <a:t>])</a:t>
+            </a:r>
+            <a:endParaRPr lang="en-US" dirty="0">
+              <a:solidFill>
+                <a:srgbClr val="000000"/>
+              </a:solidFill>
+              <a:highlight>
+                <a:srgbClr val="FFFFFF"/>
+              </a:highlight>
+            </a:endParaRPr>
+          </a:p>
+          <a:p>
+            <a:r>
+              <a:rPr lang="en-US" dirty="0">
+                <a:solidFill>
+                  <a:srgbClr val="000000"/>
+                </a:solidFill>
+                <a:highlight>
+                  <a:srgbClr val="FFFFFF"/>
+                </a:highlight>
+              </a:rPr>
+              <a:t>X </a:t>
+            </a:r>
+            <a:r>
+              <a:rPr lang="en-US" b="1" dirty="0">
+                <a:solidFill>
+                  <a:srgbClr val="000080"/>
+                </a:solidFill>
+                <a:highlight>
+                  <a:srgbClr val="FFFFFF"/>
+                </a:highlight>
+              </a:rPr>
+              <a:t>=</a:t>
+            </a:r>
+            <a:r>
+              <a:rPr lang="en-US" dirty="0">
+                <a:solidFill>
+                  <a:srgbClr val="000000"/>
+                </a:solidFill>
+                <a:highlight>
+                  <a:srgbClr val="FFFFFF"/>
+                </a:highlight>
+              </a:rPr>
+              <a:t> </a:t>
+            </a:r>
+            <a:r>
+              <a:rPr lang="en-US" dirty="0" err="1">
+                <a:solidFill>
+                  <a:srgbClr val="000000"/>
+                </a:solidFill>
+                <a:highlight>
+                  <a:srgbClr val="FFFFFF"/>
+                </a:highlight>
+              </a:rPr>
+              <a:t>onehotencoder</a:t>
+            </a:r>
+            <a:r>
+              <a:rPr lang="en-US" b="1" dirty="0" err="1">
+                <a:solidFill>
+                  <a:srgbClr val="000080"/>
+                </a:solidFill>
+                <a:highlight>
+                  <a:srgbClr val="FFFFFF"/>
+                </a:highlight>
+              </a:rPr>
+              <a:t>.</a:t>
+            </a:r>
+            <a:r>
+              <a:rPr lang="en-US" dirty="0" err="1">
+                <a:solidFill>
+                  <a:srgbClr val="000000"/>
+                </a:solidFill>
+                <a:highlight>
+                  <a:srgbClr val="FFFFFF"/>
+                </a:highlight>
+              </a:rPr>
+              <a:t>fit_transform</a:t>
+            </a:r>
+            <a:r>
+              <a:rPr lang="en-US" b="1" dirty="0">
+                <a:solidFill>
+                  <a:srgbClr val="000080"/>
+                </a:solidFill>
+                <a:highlight>
+                  <a:srgbClr val="FFFFFF"/>
+                </a:highlight>
+              </a:rPr>
+              <a:t>(</a:t>
+            </a:r>
+            <a:r>
+              <a:rPr lang="en-US" dirty="0">
+                <a:solidFill>
+                  <a:srgbClr val="000000"/>
+                </a:solidFill>
+                <a:highlight>
+                  <a:srgbClr val="FFFFFF"/>
+                </a:highlight>
+              </a:rPr>
+              <a:t>X</a:t>
+            </a:r>
+            <a:r>
+              <a:rPr lang="en-US" b="1" dirty="0">
+                <a:solidFill>
+                  <a:srgbClr val="000080"/>
+                </a:solidFill>
+                <a:highlight>
+                  <a:srgbClr val="FFFFFF"/>
+                </a:highlight>
+              </a:rPr>
+              <a:t>).</a:t>
+            </a:r>
+            <a:r>
+              <a:rPr lang="en-US" dirty="0" err="1">
+                <a:solidFill>
+                  <a:srgbClr val="000000"/>
+                </a:solidFill>
+                <a:highlight>
+                  <a:srgbClr val="FFFFFF"/>
+                </a:highlight>
+              </a:rPr>
+              <a:t>toarray</a:t>
+            </a:r>
+            <a:r>
+              <a:rPr lang="en-US" b="1" dirty="0">
+                <a:solidFill>
+                  <a:srgbClr val="000080"/>
+                </a:solidFill>
+                <a:highlight>
+                  <a:srgbClr val="FFFFFF"/>
+                </a:highlight>
+              </a:rPr>
+              <a:t>()</a:t>
+            </a:r>
+            <a:endParaRPr lang="en-US" dirty="0">
+              <a:solidFill>
+                <a:srgbClr val="000000"/>
+              </a:solidFill>
+              <a:highlight>
+                <a:srgbClr val="FFFFFF"/>
+              </a:highlight>
+            </a:endParaRPr>
+          </a:p>
+          <a:p>
+            <a:endParaRPr lang="en-US" dirty="0">
+              <a:solidFill>
+                <a:srgbClr val="000000"/>
+              </a:solidFill>
+              <a:highlight>
+                <a:srgbClr val="FFFFFF"/>
+              </a:highlight>
+            </a:endParaRPr>
+          </a:p>
+          <a:p>
+            <a:r>
+              <a:rPr lang="en-US" dirty="0">
+                <a:solidFill>
+                  <a:srgbClr val="008000"/>
+                </a:solidFill>
+                <a:highlight>
+                  <a:srgbClr val="FFFFFF"/>
+                </a:highlight>
+              </a:rPr>
+              <a:t># Avoiding the Dummy Variable Trap</a:t>
+            </a:r>
+            <a:endParaRPr lang="en-US" dirty="0">
+              <a:solidFill>
+                <a:srgbClr val="000000"/>
+              </a:solidFill>
+              <a:highlight>
+                <a:srgbClr val="FFFFFF"/>
+              </a:highlight>
+            </a:endParaRPr>
+          </a:p>
+          <a:p>
+            <a:r>
+              <a:rPr lang="en-US" dirty="0">
+                <a:solidFill>
+                  <a:srgbClr val="000000"/>
+                </a:solidFill>
+                <a:highlight>
+                  <a:srgbClr val="FFFFFF"/>
+                </a:highlight>
+              </a:rPr>
+              <a:t>X </a:t>
+            </a:r>
+            <a:r>
+              <a:rPr lang="en-US" b="1" dirty="0">
+                <a:solidFill>
+                  <a:srgbClr val="000080"/>
+                </a:solidFill>
+                <a:highlight>
+                  <a:srgbClr val="FFFFFF"/>
+                </a:highlight>
+              </a:rPr>
+              <a:t>=</a:t>
+            </a:r>
+            <a:r>
+              <a:rPr lang="en-US" dirty="0">
+                <a:solidFill>
+                  <a:srgbClr val="000000"/>
+                </a:solidFill>
+                <a:highlight>
+                  <a:srgbClr val="FFFFFF"/>
+                </a:highlight>
+              </a:rPr>
+              <a:t> X</a:t>
+            </a:r>
+            <a:r>
+              <a:rPr lang="en-US" b="1" dirty="0">
+                <a:solidFill>
+                  <a:srgbClr val="000080"/>
+                </a:solidFill>
+                <a:highlight>
+                  <a:srgbClr val="FFFFFF"/>
+                </a:highlight>
+              </a:rPr>
+              <a:t>[:,</a:t>
+            </a:r>
+            <a:r>
+              <a:rPr lang="en-US" dirty="0">
+                <a:solidFill>
+                  <a:srgbClr val="000000"/>
+                </a:solidFill>
+                <a:highlight>
+                  <a:srgbClr val="FFFFFF"/>
+                </a:highlight>
+              </a:rPr>
+              <a:t> </a:t>
+            </a:r>
+            <a:r>
+              <a:rPr lang="en-US" dirty="0">
+                <a:solidFill>
+                  <a:srgbClr val="FF0000"/>
+                </a:solidFill>
+                <a:highlight>
+                  <a:srgbClr val="FFFFFF"/>
+                </a:highlight>
+              </a:rPr>
+              <a:t>1</a:t>
+            </a:r>
+            <a:r>
+              <a:rPr lang="en-US" b="1" dirty="0">
+                <a:solidFill>
+                  <a:srgbClr val="000080"/>
+                </a:solidFill>
+                <a:highlight>
+                  <a:srgbClr val="FFFFFF"/>
+                </a:highlight>
+              </a:rPr>
+              <a:t>:]</a:t>
+            </a:r>
+            <a:endParaRPr lang="en-US" dirty="0"/>
+          </a:p>
+        </p:txBody>
+      </p:sp>
+      <p:pic>
+        <p:nvPicPr>
+          <p:cNvPr id="5" name="Picture 4" descr="Screen Clipping"/>
+          <p:cNvPicPr>
+            <a:picLocks noChangeAspect="1"/>
+          </p:cNvPicPr>
+          <p:nvPr/>
+        </p:nvPicPr>
+        <p:blipFill>
+          <a:blip r:embed="rId2">
+            <a:extLst>
+              <a:ext uri="{28A0092B-C50C-407E-A947-70E740481C1C}">
+                <a14:useLocalDpi xmlns:a14="http://schemas.microsoft.com/office/drawing/2010/main" val="0"/>
+              </a:ext>
+            </a:extLst>
+          </a:blip>
+          <a:stretch>
+            <a:fillRect/>
+          </a:stretch>
+        </p:blipFill>
+        <p:spPr>
+          <a:xfrm>
+            <a:off x="6194381" y="1186009"/>
+            <a:ext cx="5724746" cy="4867652"/>
+          </a:xfrm>
+          <a:prstGeom prst="rect">
+            <a:avLst/>
+          </a:prstGeom>
+          <a:ln w="38100" cap="sq">
+            <a:solidFill>
+              <a:srgbClr val="000000"/>
+            </a:solidFill>
+            <a:prstDash val="solid"/>
+            <a:miter lim="800000"/>
+          </a:ln>
+          <a:effectLst>
+            <a:outerShdw blurRad="50800" dist="38100" dir="2700000" algn="tl" rotWithShape="0">
+              <a:srgbClr val="000000">
+                <a:alpha val="43000"/>
+              </a:srgbClr>
+            </a:outerShdw>
+          </a:effectLst>
+        </p:spPr>
+      </p:pic>
+    </p:spTree>
+    <p:extLst>
+      <p:ext uri="{BB962C8B-B14F-4D97-AF65-F5344CB8AC3E}">
+        <p14:creationId xmlns:p14="http://schemas.microsoft.com/office/powerpoint/2010/main" val="1133277378"/>
+      </p:ext>
+    </p:extLst>
+  </p:cSld>
+  <p:clrMapOvr>
+    <a:masterClrMapping/>
+  </p:clrMapOvr>
+</p:sld>
+</file>
+
+<file path=ppt/slides/slide17.xml><?xml version="1.0" encoding="utf-8"?>
+<p:sld xmlns:a="http://schemas.openxmlformats.org/drawingml/2006/main" xmlns:r="http://schemas.openxmlformats.org/officeDocument/2006/relationships" xmlns:p="http://schemas.openxmlformats.org/presentationml/2006/main">
+  <p:cSld>
+    <p:spTree>
+      <p:nvGrpSpPr>
+        <p:cNvPr id="1" name=""/>
+        <p:cNvGrpSpPr/>
+        <p:nvPr/>
+      </p:nvGrpSpPr>
+      <p:grpSpPr>
+        <a:xfrm>
+          <a:off x="0" y="0"/>
+          <a:ext cx="0" cy="0"/>
+          <a:chOff x="0" y="0"/>
+          <a:chExt cx="0" cy="0"/>
+        </a:xfrm>
+      </p:grpSpPr>
+      <p:sp>
+        <p:nvSpPr>
+          <p:cNvPr id="2" name="Title 1"/>
+          <p:cNvSpPr>
+            <a:spLocks noGrp="1"/>
+          </p:cNvSpPr>
+          <p:nvPr>
+            <p:ph type="title"/>
+          </p:nvPr>
+        </p:nvSpPr>
+        <p:spPr>
+          <a:xfrm>
+            <a:off x="203200" y="152400"/>
+            <a:ext cx="11093796" cy="838200"/>
+          </a:xfrm>
+        </p:spPr>
+        <p:txBody>
+          <a:bodyPr>
+            <a:normAutofit fontScale="90000"/>
+          </a:bodyPr>
+          <a:lstStyle/>
+          <a:p>
+            <a:r>
+              <a:rPr lang="en-US" dirty="0">
+                <a:solidFill>
+                  <a:schemeClr val="tx2"/>
+                </a:solidFill>
+                <a:highlight>
+                  <a:srgbClr val="FFFFFF"/>
+                </a:highlight>
+              </a:rPr>
+              <a:t>Splitting the dataset into the Training set and Test </a:t>
+            </a:r>
+            <a:r>
+              <a:rPr lang="en-US" dirty="0" smtClean="0">
+                <a:solidFill>
+                  <a:schemeClr val="tx2"/>
+                </a:solidFill>
+                <a:highlight>
+                  <a:srgbClr val="FFFFFF"/>
+                </a:highlight>
+              </a:rPr>
+              <a:t>set</a:t>
+            </a:r>
+            <a:endParaRPr lang="en-US" dirty="0">
+              <a:solidFill>
+                <a:schemeClr val="tx2"/>
+              </a:solidFill>
+            </a:endParaRPr>
+          </a:p>
+        </p:txBody>
+      </p:sp>
+      <p:sp>
+        <p:nvSpPr>
+          <p:cNvPr id="3" name="Rectangle 2"/>
+          <p:cNvSpPr/>
+          <p:nvPr/>
+        </p:nvSpPr>
+        <p:spPr>
+          <a:xfrm>
+            <a:off x="203200" y="1149665"/>
+            <a:ext cx="4044604" cy="2031325"/>
+          </a:xfrm>
+          <a:prstGeom prst="rect">
+            <a:avLst/>
+          </a:prstGeom>
+        </p:spPr>
+        <p:txBody>
+          <a:bodyPr wrap="square">
+            <a:spAutoFit/>
+          </a:bodyPr>
+          <a:lstStyle/>
+          <a:p>
+            <a:r>
+              <a:rPr lang="en-US" dirty="0">
+                <a:solidFill>
+                  <a:srgbClr val="008000"/>
+                </a:solidFill>
+                <a:highlight>
+                  <a:srgbClr val="FFFFFF"/>
+                </a:highlight>
+              </a:rPr>
+              <a:t># Splitting the dataset into the Training set and Test set</a:t>
+            </a:r>
+            <a:endParaRPr lang="en-US" dirty="0">
+              <a:solidFill>
+                <a:srgbClr val="000000"/>
+              </a:solidFill>
+              <a:highlight>
+                <a:srgbClr val="FFFFFF"/>
+              </a:highlight>
+            </a:endParaRPr>
+          </a:p>
+          <a:p>
+            <a:r>
+              <a:rPr lang="en-US" b="1" dirty="0">
+                <a:solidFill>
+                  <a:srgbClr val="0000FF"/>
+                </a:solidFill>
+                <a:highlight>
+                  <a:srgbClr val="FFFFFF"/>
+                </a:highlight>
+              </a:rPr>
+              <a:t>from</a:t>
+            </a:r>
+            <a:r>
+              <a:rPr lang="en-US" dirty="0">
+                <a:solidFill>
+                  <a:srgbClr val="000000"/>
+                </a:solidFill>
+                <a:highlight>
+                  <a:srgbClr val="FFFFFF"/>
+                </a:highlight>
+              </a:rPr>
+              <a:t> </a:t>
+            </a:r>
+            <a:r>
+              <a:rPr lang="en-US" dirty="0" err="1">
+                <a:solidFill>
+                  <a:srgbClr val="000000"/>
+                </a:solidFill>
+                <a:highlight>
+                  <a:srgbClr val="FFFFFF"/>
+                </a:highlight>
+              </a:rPr>
+              <a:t>sklearn</a:t>
+            </a:r>
+            <a:r>
+              <a:rPr lang="en-US" b="1" dirty="0" err="1">
+                <a:solidFill>
+                  <a:srgbClr val="000080"/>
+                </a:solidFill>
+                <a:highlight>
+                  <a:srgbClr val="FFFFFF"/>
+                </a:highlight>
+              </a:rPr>
+              <a:t>.</a:t>
+            </a:r>
+            <a:r>
+              <a:rPr lang="en-US" dirty="0" err="1">
+                <a:solidFill>
+                  <a:srgbClr val="000000"/>
+                </a:solidFill>
+                <a:highlight>
+                  <a:srgbClr val="FFFFFF"/>
+                </a:highlight>
+              </a:rPr>
+              <a:t>model_selection</a:t>
+            </a:r>
+            <a:r>
+              <a:rPr lang="en-US" dirty="0">
+                <a:solidFill>
+                  <a:srgbClr val="000000"/>
+                </a:solidFill>
+                <a:highlight>
+                  <a:srgbClr val="FFFFFF"/>
+                </a:highlight>
+              </a:rPr>
+              <a:t> </a:t>
+            </a:r>
+            <a:r>
+              <a:rPr lang="en-US" b="1" dirty="0">
+                <a:solidFill>
+                  <a:srgbClr val="0000FF"/>
+                </a:solidFill>
+                <a:highlight>
+                  <a:srgbClr val="FFFFFF"/>
+                </a:highlight>
+              </a:rPr>
+              <a:t>import</a:t>
+            </a:r>
+            <a:r>
+              <a:rPr lang="en-US" dirty="0">
+                <a:solidFill>
+                  <a:srgbClr val="000000"/>
+                </a:solidFill>
+                <a:highlight>
+                  <a:srgbClr val="FFFFFF"/>
+                </a:highlight>
+              </a:rPr>
+              <a:t> </a:t>
+            </a:r>
+            <a:r>
+              <a:rPr lang="en-US" dirty="0" err="1">
+                <a:solidFill>
+                  <a:srgbClr val="000000"/>
+                </a:solidFill>
+                <a:highlight>
+                  <a:srgbClr val="FFFFFF"/>
+                </a:highlight>
+              </a:rPr>
+              <a:t>train_test_split</a:t>
+            </a:r>
+            <a:endParaRPr lang="en-US" dirty="0">
+              <a:solidFill>
+                <a:srgbClr val="000000"/>
+              </a:solidFill>
+              <a:highlight>
+                <a:srgbClr val="FFFFFF"/>
+              </a:highlight>
+            </a:endParaRPr>
+          </a:p>
+          <a:p>
+            <a:r>
+              <a:rPr lang="en-US" dirty="0" err="1">
+                <a:solidFill>
+                  <a:srgbClr val="000000"/>
+                </a:solidFill>
+                <a:highlight>
+                  <a:srgbClr val="FFFFFF"/>
+                </a:highlight>
+              </a:rPr>
+              <a:t>X_train</a:t>
+            </a:r>
+            <a:r>
+              <a:rPr lang="en-US" b="1" dirty="0">
+                <a:solidFill>
+                  <a:srgbClr val="000080"/>
+                </a:solidFill>
+                <a:highlight>
+                  <a:srgbClr val="FFFFFF"/>
+                </a:highlight>
+              </a:rPr>
+              <a:t>,</a:t>
+            </a:r>
+            <a:r>
+              <a:rPr lang="en-US" dirty="0">
+                <a:solidFill>
+                  <a:srgbClr val="000000"/>
+                </a:solidFill>
+                <a:highlight>
+                  <a:srgbClr val="FFFFFF"/>
+                </a:highlight>
+              </a:rPr>
+              <a:t> </a:t>
+            </a:r>
+            <a:r>
+              <a:rPr lang="en-US" dirty="0" err="1">
+                <a:solidFill>
+                  <a:srgbClr val="000000"/>
+                </a:solidFill>
+                <a:highlight>
+                  <a:srgbClr val="FFFFFF"/>
+                </a:highlight>
+              </a:rPr>
+              <a:t>X_test</a:t>
+            </a:r>
+            <a:r>
+              <a:rPr lang="en-US" b="1" dirty="0">
+                <a:solidFill>
+                  <a:srgbClr val="000080"/>
+                </a:solidFill>
+                <a:highlight>
+                  <a:srgbClr val="FFFFFF"/>
+                </a:highlight>
+              </a:rPr>
+              <a:t>,</a:t>
+            </a:r>
+            <a:r>
+              <a:rPr lang="en-US" dirty="0">
+                <a:solidFill>
+                  <a:srgbClr val="000000"/>
+                </a:solidFill>
+                <a:highlight>
+                  <a:srgbClr val="FFFFFF"/>
+                </a:highlight>
+              </a:rPr>
+              <a:t> </a:t>
+            </a:r>
+            <a:r>
+              <a:rPr lang="en-US" dirty="0" err="1">
+                <a:solidFill>
+                  <a:srgbClr val="000000"/>
+                </a:solidFill>
+                <a:highlight>
+                  <a:srgbClr val="FFFFFF"/>
+                </a:highlight>
+              </a:rPr>
+              <a:t>y_train</a:t>
+            </a:r>
+            <a:r>
+              <a:rPr lang="en-US" b="1" dirty="0">
+                <a:solidFill>
+                  <a:srgbClr val="000080"/>
+                </a:solidFill>
+                <a:highlight>
+                  <a:srgbClr val="FFFFFF"/>
+                </a:highlight>
+              </a:rPr>
+              <a:t>,</a:t>
+            </a:r>
+            <a:r>
+              <a:rPr lang="en-US" dirty="0">
+                <a:solidFill>
+                  <a:srgbClr val="000000"/>
+                </a:solidFill>
+                <a:highlight>
+                  <a:srgbClr val="FFFFFF"/>
+                </a:highlight>
+              </a:rPr>
+              <a:t> </a:t>
+            </a:r>
+            <a:r>
+              <a:rPr lang="en-US" dirty="0" err="1">
+                <a:solidFill>
+                  <a:srgbClr val="000000"/>
+                </a:solidFill>
+                <a:highlight>
+                  <a:srgbClr val="FFFFFF"/>
+                </a:highlight>
+              </a:rPr>
+              <a:t>y_test</a:t>
+            </a:r>
+            <a:r>
+              <a:rPr lang="en-US" dirty="0">
+                <a:solidFill>
+                  <a:srgbClr val="000000"/>
+                </a:solidFill>
+                <a:highlight>
+                  <a:srgbClr val="FFFFFF"/>
+                </a:highlight>
+              </a:rPr>
+              <a:t> </a:t>
+            </a:r>
+            <a:r>
+              <a:rPr lang="en-US" b="1" dirty="0">
+                <a:solidFill>
+                  <a:srgbClr val="000080"/>
+                </a:solidFill>
+                <a:highlight>
+                  <a:srgbClr val="FFFFFF"/>
+                </a:highlight>
+              </a:rPr>
+              <a:t>=</a:t>
+            </a:r>
+            <a:r>
+              <a:rPr lang="en-US" dirty="0">
+                <a:solidFill>
+                  <a:srgbClr val="000000"/>
+                </a:solidFill>
+                <a:highlight>
+                  <a:srgbClr val="FFFFFF"/>
+                </a:highlight>
+              </a:rPr>
+              <a:t> </a:t>
+            </a:r>
+            <a:r>
+              <a:rPr lang="en-US" dirty="0" err="1">
+                <a:solidFill>
+                  <a:srgbClr val="000000"/>
+                </a:solidFill>
+                <a:highlight>
+                  <a:srgbClr val="FFFFFF"/>
+                </a:highlight>
+              </a:rPr>
+              <a:t>train_test_split</a:t>
+            </a:r>
+            <a:r>
+              <a:rPr lang="en-US" b="1" dirty="0">
+                <a:solidFill>
+                  <a:srgbClr val="000080"/>
+                </a:solidFill>
+                <a:highlight>
+                  <a:srgbClr val="FFFFFF"/>
+                </a:highlight>
+              </a:rPr>
+              <a:t>(</a:t>
+            </a:r>
+            <a:r>
+              <a:rPr lang="en-US" dirty="0">
+                <a:solidFill>
+                  <a:srgbClr val="000000"/>
+                </a:solidFill>
+                <a:highlight>
+                  <a:srgbClr val="FFFFFF"/>
+                </a:highlight>
+              </a:rPr>
+              <a:t>X</a:t>
+            </a:r>
+            <a:r>
+              <a:rPr lang="en-US" b="1" dirty="0">
+                <a:solidFill>
+                  <a:srgbClr val="000080"/>
+                </a:solidFill>
+                <a:highlight>
+                  <a:srgbClr val="FFFFFF"/>
+                </a:highlight>
+              </a:rPr>
+              <a:t>,</a:t>
+            </a:r>
+            <a:r>
+              <a:rPr lang="en-US" dirty="0">
+                <a:solidFill>
+                  <a:srgbClr val="000000"/>
+                </a:solidFill>
+                <a:highlight>
+                  <a:srgbClr val="FFFFFF"/>
+                </a:highlight>
+              </a:rPr>
+              <a:t> y</a:t>
+            </a:r>
+            <a:r>
+              <a:rPr lang="en-US" b="1" dirty="0">
+                <a:solidFill>
+                  <a:srgbClr val="000080"/>
+                </a:solidFill>
+                <a:highlight>
+                  <a:srgbClr val="FFFFFF"/>
+                </a:highlight>
+              </a:rPr>
+              <a:t>,</a:t>
+            </a:r>
+            <a:r>
+              <a:rPr lang="en-US" dirty="0">
+                <a:solidFill>
+                  <a:srgbClr val="000000"/>
+                </a:solidFill>
+                <a:highlight>
+                  <a:srgbClr val="FFFFFF"/>
+                </a:highlight>
+              </a:rPr>
+              <a:t> </a:t>
+            </a:r>
+            <a:r>
+              <a:rPr lang="en-US" dirty="0" err="1">
+                <a:solidFill>
+                  <a:srgbClr val="000000"/>
+                </a:solidFill>
+                <a:highlight>
+                  <a:srgbClr val="FFFFFF"/>
+                </a:highlight>
+              </a:rPr>
+              <a:t>test_size</a:t>
+            </a:r>
+            <a:r>
+              <a:rPr lang="en-US" dirty="0">
+                <a:solidFill>
+                  <a:srgbClr val="000000"/>
+                </a:solidFill>
+                <a:highlight>
+                  <a:srgbClr val="FFFFFF"/>
+                </a:highlight>
+              </a:rPr>
+              <a:t> </a:t>
+            </a:r>
+            <a:r>
+              <a:rPr lang="en-US" b="1" dirty="0">
+                <a:solidFill>
+                  <a:srgbClr val="000080"/>
+                </a:solidFill>
+                <a:highlight>
+                  <a:srgbClr val="FFFFFF"/>
+                </a:highlight>
+              </a:rPr>
+              <a:t>=</a:t>
+            </a:r>
+            <a:r>
+              <a:rPr lang="en-US" dirty="0">
+                <a:solidFill>
+                  <a:srgbClr val="000000"/>
+                </a:solidFill>
+                <a:highlight>
+                  <a:srgbClr val="FFFFFF"/>
+                </a:highlight>
+              </a:rPr>
+              <a:t> </a:t>
+            </a:r>
+            <a:r>
+              <a:rPr lang="en-US" dirty="0">
+                <a:solidFill>
+                  <a:srgbClr val="FF0000"/>
+                </a:solidFill>
+                <a:highlight>
+                  <a:srgbClr val="FFFFFF"/>
+                </a:highlight>
+              </a:rPr>
+              <a:t>0.2</a:t>
+            </a:r>
+            <a:r>
+              <a:rPr lang="en-US" b="1" dirty="0">
+                <a:solidFill>
+                  <a:srgbClr val="000080"/>
+                </a:solidFill>
+                <a:highlight>
+                  <a:srgbClr val="FFFFFF"/>
+                </a:highlight>
+              </a:rPr>
+              <a:t>,</a:t>
+            </a:r>
+            <a:r>
+              <a:rPr lang="en-US" dirty="0">
+                <a:solidFill>
+                  <a:srgbClr val="000000"/>
+                </a:solidFill>
+                <a:highlight>
+                  <a:srgbClr val="FFFFFF"/>
+                </a:highlight>
+              </a:rPr>
+              <a:t> </a:t>
+            </a:r>
+            <a:r>
+              <a:rPr lang="en-US" dirty="0" err="1">
+                <a:solidFill>
+                  <a:srgbClr val="000000"/>
+                </a:solidFill>
+                <a:highlight>
+                  <a:srgbClr val="FFFFFF"/>
+                </a:highlight>
+              </a:rPr>
+              <a:t>random_state</a:t>
+            </a:r>
+            <a:r>
+              <a:rPr lang="en-US" dirty="0">
+                <a:solidFill>
+                  <a:srgbClr val="000000"/>
+                </a:solidFill>
+                <a:highlight>
+                  <a:srgbClr val="FFFFFF"/>
+                </a:highlight>
+              </a:rPr>
+              <a:t> </a:t>
+            </a:r>
+            <a:r>
+              <a:rPr lang="en-US" b="1" dirty="0">
+                <a:solidFill>
+                  <a:srgbClr val="000080"/>
+                </a:solidFill>
+                <a:highlight>
+                  <a:srgbClr val="FFFFFF"/>
+                </a:highlight>
+              </a:rPr>
+              <a:t>=</a:t>
+            </a:r>
+            <a:r>
+              <a:rPr lang="en-US" dirty="0">
+                <a:solidFill>
+                  <a:srgbClr val="000000"/>
+                </a:solidFill>
+                <a:highlight>
+                  <a:srgbClr val="FFFFFF"/>
+                </a:highlight>
+              </a:rPr>
+              <a:t> </a:t>
+            </a:r>
+            <a:r>
+              <a:rPr lang="en-US" dirty="0">
+                <a:solidFill>
+                  <a:srgbClr val="FF0000"/>
+                </a:solidFill>
+                <a:highlight>
+                  <a:srgbClr val="FFFFFF"/>
+                </a:highlight>
+              </a:rPr>
+              <a:t>0</a:t>
+            </a:r>
+            <a:r>
+              <a:rPr lang="en-US" b="1" dirty="0">
+                <a:solidFill>
+                  <a:srgbClr val="000080"/>
+                </a:solidFill>
+                <a:highlight>
+                  <a:srgbClr val="FFFFFF"/>
+                </a:highlight>
+              </a:rPr>
+              <a:t>)</a:t>
+            </a:r>
+            <a:endParaRPr lang="en-US" dirty="0"/>
+          </a:p>
+        </p:txBody>
+      </p:sp>
+      <p:pic>
+        <p:nvPicPr>
+          <p:cNvPr id="4" name="Picture 3" descr="Screen Clipping"/>
+          <p:cNvPicPr>
+            <a:picLocks noChangeAspect="1"/>
+          </p:cNvPicPr>
+          <p:nvPr/>
+        </p:nvPicPr>
+        <p:blipFill>
+          <a:blip r:embed="rId2">
+            <a:extLst>
+              <a:ext uri="{28A0092B-C50C-407E-A947-70E740481C1C}">
+                <a14:useLocalDpi xmlns:a14="http://schemas.microsoft.com/office/drawing/2010/main" val="0"/>
+              </a:ext>
+            </a:extLst>
+          </a:blip>
+          <a:stretch>
+            <a:fillRect/>
+          </a:stretch>
+        </p:blipFill>
+        <p:spPr>
+          <a:xfrm>
+            <a:off x="4376515" y="1091479"/>
+            <a:ext cx="7618750" cy="5143068"/>
+          </a:xfrm>
+          <a:prstGeom prst="rect">
+            <a:avLst/>
+          </a:prstGeom>
+          <a:ln w="38100" cap="sq">
+            <a:solidFill>
+              <a:srgbClr val="000000"/>
+            </a:solidFill>
+            <a:prstDash val="solid"/>
+            <a:miter lim="800000"/>
+          </a:ln>
+          <a:effectLst>
+            <a:outerShdw blurRad="50800" dist="38100" dir="2700000" algn="tl" rotWithShape="0">
+              <a:srgbClr val="000000">
+                <a:alpha val="43000"/>
+              </a:srgbClr>
+            </a:outerShdw>
+          </a:effectLst>
+        </p:spPr>
+      </p:pic>
+    </p:spTree>
+    <p:extLst>
+      <p:ext uri="{BB962C8B-B14F-4D97-AF65-F5344CB8AC3E}">
+        <p14:creationId xmlns:p14="http://schemas.microsoft.com/office/powerpoint/2010/main" val="3200810702"/>
+      </p:ext>
+    </p:extLst>
+  </p:cSld>
+  <p:clrMapOvr>
+    <a:masterClrMapping/>
+  </p:clrMapOvr>
+</p:sld>
+</file>
+
+<file path=ppt/slides/slide18.xml><?xml version="1.0" encoding="utf-8"?>
+<p:sld xmlns:a="http://schemas.openxmlformats.org/drawingml/2006/main" xmlns:r="http://schemas.openxmlformats.org/officeDocument/2006/relationships" xmlns:p="http://schemas.openxmlformats.org/presentationml/2006/main">
+  <p:cSld>
+    <p:spTree>
+      <p:nvGrpSpPr>
+        <p:cNvPr id="1" name=""/>
+        <p:cNvGrpSpPr/>
+        <p:nvPr/>
+      </p:nvGrpSpPr>
+      <p:grpSpPr>
+        <a:xfrm>
+          <a:off x="0" y="0"/>
+          <a:ext cx="0" cy="0"/>
+          <a:chOff x="0" y="0"/>
+          <a:chExt cx="0" cy="0"/>
+        </a:xfrm>
+      </p:grpSpPr>
+      <p:sp>
+        <p:nvSpPr>
+          <p:cNvPr id="2" name="Title 1"/>
+          <p:cNvSpPr>
+            <a:spLocks noGrp="1"/>
+          </p:cNvSpPr>
+          <p:nvPr>
+            <p:ph type="title"/>
+          </p:nvPr>
+        </p:nvSpPr>
+        <p:spPr>
+          <a:xfrm>
+            <a:off x="203199" y="152400"/>
+            <a:ext cx="11143673" cy="838200"/>
+          </a:xfrm>
+        </p:spPr>
+        <p:txBody>
+          <a:bodyPr>
+            <a:normAutofit fontScale="90000"/>
+          </a:bodyPr>
+          <a:lstStyle/>
+          <a:p>
+            <a:r>
+              <a:rPr lang="en-US" dirty="0">
+                <a:solidFill>
+                  <a:schemeClr val="tx2"/>
+                </a:solidFill>
+                <a:highlight>
+                  <a:srgbClr val="FFFFFF"/>
+                </a:highlight>
+              </a:rPr>
+              <a:t>Fitting Multiple Linear Regression to the Training </a:t>
+            </a:r>
+            <a:r>
+              <a:rPr lang="en-US" dirty="0" smtClean="0">
+                <a:solidFill>
+                  <a:schemeClr val="tx2"/>
+                </a:solidFill>
+                <a:highlight>
+                  <a:srgbClr val="FFFFFF"/>
+                </a:highlight>
+              </a:rPr>
+              <a:t>set</a:t>
+            </a:r>
+            <a:endParaRPr lang="en-US" dirty="0">
+              <a:solidFill>
+                <a:schemeClr val="tx2"/>
+              </a:solidFill>
+            </a:endParaRPr>
+          </a:p>
+        </p:txBody>
+      </p:sp>
+      <p:sp>
+        <p:nvSpPr>
+          <p:cNvPr id="3" name="Rectangle 2"/>
+          <p:cNvSpPr/>
+          <p:nvPr/>
+        </p:nvSpPr>
+        <p:spPr>
+          <a:xfrm>
+            <a:off x="203200" y="990600"/>
+            <a:ext cx="6096000" cy="1200329"/>
+          </a:xfrm>
+          <a:prstGeom prst="rect">
+            <a:avLst/>
+          </a:prstGeom>
+        </p:spPr>
+        <p:txBody>
+          <a:bodyPr>
+            <a:spAutoFit/>
+          </a:bodyPr>
+          <a:lstStyle/>
+          <a:p>
+            <a:r>
+              <a:rPr lang="en-US" dirty="0">
+                <a:solidFill>
+                  <a:srgbClr val="008000"/>
+                </a:solidFill>
+                <a:highlight>
+                  <a:srgbClr val="FFFFFF"/>
+                </a:highlight>
+              </a:rPr>
+              <a:t># Fitting Multiple Linear Regression to the Training set</a:t>
+            </a:r>
+            <a:endParaRPr lang="en-US" dirty="0">
+              <a:solidFill>
+                <a:srgbClr val="000000"/>
+              </a:solidFill>
+              <a:highlight>
+                <a:srgbClr val="FFFFFF"/>
+              </a:highlight>
+            </a:endParaRPr>
+          </a:p>
+          <a:p>
+            <a:r>
+              <a:rPr lang="en-US" b="1" dirty="0">
+                <a:solidFill>
+                  <a:srgbClr val="0000FF"/>
+                </a:solidFill>
+                <a:highlight>
+                  <a:srgbClr val="FFFFFF"/>
+                </a:highlight>
+              </a:rPr>
+              <a:t>from</a:t>
+            </a:r>
+            <a:r>
+              <a:rPr lang="en-US" dirty="0">
+                <a:solidFill>
+                  <a:srgbClr val="000000"/>
+                </a:solidFill>
+                <a:highlight>
+                  <a:srgbClr val="FFFFFF"/>
+                </a:highlight>
+              </a:rPr>
+              <a:t> </a:t>
+            </a:r>
+            <a:r>
+              <a:rPr lang="en-US" dirty="0" err="1">
+                <a:solidFill>
+                  <a:srgbClr val="000000"/>
+                </a:solidFill>
+                <a:highlight>
+                  <a:srgbClr val="FFFFFF"/>
+                </a:highlight>
+              </a:rPr>
+              <a:t>sklearn</a:t>
+            </a:r>
+            <a:r>
+              <a:rPr lang="en-US" b="1" dirty="0" err="1">
+                <a:solidFill>
+                  <a:srgbClr val="000080"/>
+                </a:solidFill>
+                <a:highlight>
+                  <a:srgbClr val="FFFFFF"/>
+                </a:highlight>
+              </a:rPr>
+              <a:t>.</a:t>
+            </a:r>
+            <a:r>
+              <a:rPr lang="en-US" dirty="0" err="1">
+                <a:solidFill>
+                  <a:srgbClr val="000000"/>
+                </a:solidFill>
+                <a:highlight>
+                  <a:srgbClr val="FFFFFF"/>
+                </a:highlight>
+              </a:rPr>
+              <a:t>linear_model</a:t>
+            </a:r>
+            <a:r>
+              <a:rPr lang="en-US" dirty="0">
+                <a:solidFill>
+                  <a:srgbClr val="000000"/>
+                </a:solidFill>
+                <a:highlight>
+                  <a:srgbClr val="FFFFFF"/>
+                </a:highlight>
+              </a:rPr>
+              <a:t> </a:t>
+            </a:r>
+            <a:r>
+              <a:rPr lang="en-US" b="1" dirty="0">
+                <a:solidFill>
+                  <a:srgbClr val="0000FF"/>
+                </a:solidFill>
+                <a:highlight>
+                  <a:srgbClr val="FFFFFF"/>
+                </a:highlight>
+              </a:rPr>
+              <a:t>import</a:t>
+            </a:r>
+            <a:r>
+              <a:rPr lang="en-US" dirty="0">
+                <a:solidFill>
+                  <a:srgbClr val="000000"/>
+                </a:solidFill>
+                <a:highlight>
+                  <a:srgbClr val="FFFFFF"/>
+                </a:highlight>
+              </a:rPr>
+              <a:t> </a:t>
+            </a:r>
+            <a:r>
+              <a:rPr lang="en-US" dirty="0" err="1">
+                <a:solidFill>
+                  <a:srgbClr val="000000"/>
+                </a:solidFill>
+                <a:highlight>
+                  <a:srgbClr val="FFFFFF"/>
+                </a:highlight>
+              </a:rPr>
+              <a:t>LinearRegression</a:t>
+            </a:r>
+            <a:endParaRPr lang="en-US" dirty="0">
+              <a:solidFill>
+                <a:srgbClr val="000000"/>
+              </a:solidFill>
+              <a:highlight>
+                <a:srgbClr val="FFFFFF"/>
+              </a:highlight>
+            </a:endParaRPr>
+          </a:p>
+          <a:p>
+            <a:r>
+              <a:rPr lang="en-US" dirty="0" err="1">
+                <a:solidFill>
+                  <a:srgbClr val="000000"/>
+                </a:solidFill>
+                <a:highlight>
+                  <a:srgbClr val="FFFFFF"/>
+                </a:highlight>
+              </a:rPr>
+              <a:t>regressor</a:t>
+            </a:r>
+            <a:r>
+              <a:rPr lang="en-US" dirty="0">
+                <a:solidFill>
+                  <a:srgbClr val="000000"/>
+                </a:solidFill>
+                <a:highlight>
+                  <a:srgbClr val="FFFFFF"/>
+                </a:highlight>
+              </a:rPr>
+              <a:t> </a:t>
+            </a:r>
+            <a:r>
+              <a:rPr lang="en-US" b="1" dirty="0">
+                <a:solidFill>
+                  <a:srgbClr val="000080"/>
+                </a:solidFill>
+                <a:highlight>
+                  <a:srgbClr val="FFFFFF"/>
+                </a:highlight>
+              </a:rPr>
+              <a:t>=</a:t>
+            </a:r>
+            <a:r>
+              <a:rPr lang="en-US" dirty="0">
+                <a:solidFill>
+                  <a:srgbClr val="000000"/>
+                </a:solidFill>
+                <a:highlight>
+                  <a:srgbClr val="FFFFFF"/>
+                </a:highlight>
+              </a:rPr>
+              <a:t> </a:t>
+            </a:r>
+            <a:r>
+              <a:rPr lang="en-US" dirty="0" err="1">
+                <a:solidFill>
+                  <a:srgbClr val="000000"/>
+                </a:solidFill>
+                <a:highlight>
+                  <a:srgbClr val="FFFFFF"/>
+                </a:highlight>
+              </a:rPr>
+              <a:t>LinearRegression</a:t>
+            </a:r>
+            <a:r>
+              <a:rPr lang="en-US" b="1" dirty="0">
+                <a:solidFill>
+                  <a:srgbClr val="000080"/>
+                </a:solidFill>
+                <a:highlight>
+                  <a:srgbClr val="FFFFFF"/>
+                </a:highlight>
+              </a:rPr>
+              <a:t>()</a:t>
+            </a:r>
+            <a:endParaRPr lang="en-US" dirty="0">
+              <a:solidFill>
+                <a:srgbClr val="000000"/>
+              </a:solidFill>
+              <a:highlight>
+                <a:srgbClr val="FFFFFF"/>
+              </a:highlight>
+            </a:endParaRPr>
+          </a:p>
+          <a:p>
+            <a:r>
+              <a:rPr lang="en-US" dirty="0" err="1">
+                <a:solidFill>
+                  <a:srgbClr val="000000"/>
+                </a:solidFill>
+                <a:highlight>
+                  <a:srgbClr val="FFFFFF"/>
+                </a:highlight>
+              </a:rPr>
+              <a:t>regressor</a:t>
+            </a:r>
+            <a:r>
+              <a:rPr lang="en-US" b="1" dirty="0" err="1">
+                <a:solidFill>
+                  <a:srgbClr val="000080"/>
+                </a:solidFill>
+                <a:highlight>
+                  <a:srgbClr val="FFFFFF"/>
+                </a:highlight>
+              </a:rPr>
+              <a:t>.</a:t>
+            </a:r>
+            <a:r>
+              <a:rPr lang="en-US" dirty="0" err="1">
+                <a:solidFill>
+                  <a:srgbClr val="000000"/>
+                </a:solidFill>
+                <a:highlight>
+                  <a:srgbClr val="FFFFFF"/>
+                </a:highlight>
+              </a:rPr>
+              <a:t>fit</a:t>
+            </a:r>
+            <a:r>
+              <a:rPr lang="en-US" b="1" dirty="0">
+                <a:solidFill>
+                  <a:srgbClr val="000080"/>
+                </a:solidFill>
+                <a:highlight>
+                  <a:srgbClr val="FFFFFF"/>
+                </a:highlight>
+              </a:rPr>
+              <a:t>(</a:t>
+            </a:r>
+            <a:r>
+              <a:rPr lang="en-US" dirty="0" err="1">
+                <a:solidFill>
+                  <a:srgbClr val="000000"/>
+                </a:solidFill>
+                <a:highlight>
+                  <a:srgbClr val="FFFFFF"/>
+                </a:highlight>
+              </a:rPr>
+              <a:t>X_train</a:t>
+            </a:r>
+            <a:r>
+              <a:rPr lang="en-US" b="1" dirty="0">
+                <a:solidFill>
+                  <a:srgbClr val="000080"/>
+                </a:solidFill>
+                <a:highlight>
+                  <a:srgbClr val="FFFFFF"/>
+                </a:highlight>
+              </a:rPr>
+              <a:t>,</a:t>
+            </a:r>
+            <a:r>
+              <a:rPr lang="en-US" dirty="0">
+                <a:solidFill>
+                  <a:srgbClr val="000000"/>
+                </a:solidFill>
+                <a:highlight>
+                  <a:srgbClr val="FFFFFF"/>
+                </a:highlight>
+              </a:rPr>
+              <a:t> </a:t>
+            </a:r>
+            <a:r>
+              <a:rPr lang="en-US" dirty="0" err="1">
+                <a:solidFill>
+                  <a:srgbClr val="000000"/>
+                </a:solidFill>
+                <a:highlight>
+                  <a:srgbClr val="FFFFFF"/>
+                </a:highlight>
+              </a:rPr>
+              <a:t>y_train</a:t>
+            </a:r>
+            <a:r>
+              <a:rPr lang="en-US" b="1" dirty="0">
+                <a:solidFill>
+                  <a:srgbClr val="000080"/>
+                </a:solidFill>
+                <a:highlight>
+                  <a:srgbClr val="FFFFFF"/>
+                </a:highlight>
+              </a:rPr>
+              <a:t>)</a:t>
+            </a:r>
+            <a:endParaRPr lang="en-US" dirty="0"/>
+          </a:p>
+        </p:txBody>
+      </p:sp>
+      <p:pic>
+        <p:nvPicPr>
+          <p:cNvPr id="4" name="Picture 3" descr="Screen Clipping"/>
+          <p:cNvPicPr>
+            <a:picLocks noChangeAspect="1"/>
+          </p:cNvPicPr>
+          <p:nvPr/>
+        </p:nvPicPr>
+        <p:blipFill>
+          <a:blip r:embed="rId2">
+            <a:extLst>
+              <a:ext uri="{28A0092B-C50C-407E-A947-70E740481C1C}">
+                <a14:useLocalDpi xmlns:a14="http://schemas.microsoft.com/office/drawing/2010/main" val="0"/>
+              </a:ext>
+            </a:extLst>
+          </a:blip>
+          <a:stretch>
+            <a:fillRect/>
+          </a:stretch>
+        </p:blipFill>
+        <p:spPr>
+          <a:xfrm>
+            <a:off x="4613564" y="1607697"/>
+            <a:ext cx="7237388" cy="4635162"/>
+          </a:xfrm>
+          <a:prstGeom prst="rect">
+            <a:avLst/>
+          </a:prstGeom>
+          <a:ln w="38100" cap="sq">
+            <a:solidFill>
+              <a:srgbClr val="000000"/>
+            </a:solidFill>
+            <a:prstDash val="solid"/>
+            <a:miter lim="800000"/>
+          </a:ln>
+          <a:effectLst>
+            <a:outerShdw blurRad="50800" dist="38100" dir="2700000" algn="tl" rotWithShape="0">
+              <a:srgbClr val="000000">
+                <a:alpha val="43000"/>
+              </a:srgbClr>
+            </a:outerShdw>
+          </a:effectLst>
+        </p:spPr>
+      </p:pic>
+    </p:spTree>
+    <p:extLst>
+      <p:ext uri="{BB962C8B-B14F-4D97-AF65-F5344CB8AC3E}">
+        <p14:creationId xmlns:p14="http://schemas.microsoft.com/office/powerpoint/2010/main" val="2391894167"/>
+      </p:ext>
+    </p:extLst>
+  </p:cSld>
+  <p:clrMapOvr>
+    <a:masterClrMapping/>
+  </p:clrMapOvr>
+</p:sld>
+</file>
+
+<file path=ppt/slides/slide19.xml><?xml version="1.0" encoding="utf-8"?>
+<p:sld xmlns:a="http://schemas.openxmlformats.org/drawingml/2006/main" xmlns:r="http://schemas.openxmlformats.org/officeDocument/2006/relationships" xmlns:p="http://schemas.openxmlformats.org/presentationml/2006/main">
+  <p:cSld>
+    <p:spTree>
+      <p:nvGrpSpPr>
+        <p:cNvPr id="1" name=""/>
+        <p:cNvGrpSpPr/>
+        <p:nvPr/>
+      </p:nvGrpSpPr>
+      <p:grpSpPr>
+        <a:xfrm>
+          <a:off x="0" y="0"/>
+          <a:ext cx="0" cy="0"/>
+          <a:chOff x="0" y="0"/>
+          <a:chExt cx="0" cy="0"/>
+        </a:xfrm>
+      </p:grpSpPr>
+      <p:sp>
+        <p:nvSpPr>
+          <p:cNvPr id="2" name="Title 1"/>
+          <p:cNvSpPr>
+            <a:spLocks noGrp="1"/>
+          </p:cNvSpPr>
+          <p:nvPr>
+            <p:ph type="title"/>
+          </p:nvPr>
+        </p:nvSpPr>
+        <p:spPr/>
+        <p:txBody>
+          <a:bodyPr/>
+          <a:lstStyle/>
+          <a:p>
             <a:endParaRPr lang="en-US"/>
           </a:p>
         </p:txBody>
@@ -5865,7 +9628,7 @@
     </p:spTree>
     <p:extLst>
       <p:ext uri="{BB962C8B-B14F-4D97-AF65-F5344CB8AC3E}">
-        <p14:creationId xmlns:p14="http://schemas.microsoft.com/office/powerpoint/2010/main" val="2536604557"/>
+        <p14:creationId xmlns:p14="http://schemas.microsoft.com/office/powerpoint/2010/main" val="3134093930"/>
       </p:ext>
     </p:extLst>
   </p:cSld>

--- a/Multiple_Linear_Regression/Multiple_linear_Regression.pptx
+++ b/Multiple_Linear_Regression/Multiple_linear_Regression.pptx
@@ -24,6 +24,9 @@
     <p:sldId id="276" r:id="rId18"/>
     <p:sldId id="275" r:id="rId19"/>
     <p:sldId id="274" r:id="rId20"/>
+    <p:sldId id="279" r:id="rId21"/>
+    <p:sldId id="278" r:id="rId22"/>
+    <p:sldId id="277" r:id="rId23"/>
   </p:sldIdLst>
   <p:sldSz cx="12192000" cy="6858000"/>
   <p:notesSz cx="6858000" cy="9144000"/>
@@ -128,6 +131,262 @@
     </p:ext>
   </p:extLst>
 </p:presentation>
+</file>
+
+<file path=ppt/ink/ink1.xml><?xml version="1.0" encoding="utf-8"?>
+<inkml:ink xmlns:inkml="http://www.w3.org/2003/InkML">
+  <inkml:definitions>
+    <inkml:context xml:id="ctx0">
+      <inkml:inkSource xml:id="inkSrc0">
+        <inkml:traceFormat>
+          <inkml:channel name="X" type="integer" max="1920" units="cm"/>
+          <inkml:channel name="Y" type="integer" max="1080" units="cm"/>
+          <inkml:channel name="T" type="integer" max="2.14748E9" units="dev"/>
+        </inkml:traceFormat>
+        <inkml:channelProperties>
+          <inkml:channelProperty channel="X" name="resolution" value="28.36041" units="1/cm"/>
+          <inkml:channelProperty channel="Y" name="resolution" value="28.34646" units="1/cm"/>
+          <inkml:channelProperty channel="T" name="resolution" value="1" units="1/dev"/>
+        </inkml:channelProperties>
+      </inkml:inkSource>
+      <inkml:timestamp xml:id="ts0" timeString="2019-01-14T18:44:32.115"/>
+    </inkml:context>
+    <inkml:brush xml:id="br0">
+      <inkml:brushProperty name="width" value="0.26667" units="cm"/>
+      <inkml:brushProperty name="height" value="0.53333" units="cm"/>
+      <inkml:brushProperty name="color" value="#FF00FF"/>
+      <inkml:brushProperty name="tip" value="rectangle"/>
+      <inkml:brushProperty name="rasterOp" value="maskPen"/>
+      <inkml:brushProperty name="fitToCurve" value="1"/>
+    </inkml:brush>
+  </inkml:definitions>
+  <inkml:trace contextRef="#ctx0" brushRef="#br0">-1 24 0,'23'0'140,"-23"0"-124,23 0 0,-23 0-16,23 0 15,-23 0-15,23 0 16,0 0-16,23 0 15,-46-23-15,23 23 16,-23 0 0,24 0-16,-24 0 15,23 0 16,0 0-15,-23 0 0,23 0-16,-23 0 15,23 0 1,0 0-16,-23 0 15,23 0-15,-23 0 16,23 0 15,-23 0 0,23 0-15,0 0 15,-23 0 0,23 0-15,-23 0 15,24 0-15,-1 0-1,-23 0 1,23 0 15,-23 0-31,23 0 31,-23 0-15,0 0 0,23 0-1,0 0-15,-23 0 31,23 0-15,-23 0 15,23 0-15,0 0 15,-23 0-15,23 0 15,-23 0 0,23 0-15,-23 0 15,24 0-16,-1 0 17,-23 0-17,23 0 16,-23 0-15,23 0 15,0 0-15,-23 0 15,23 0-15,-23 0-1,23 0 16,-23 0-15,23 0 15,0 0 0,-23 0 1,23 0-1,-23 0 16,23 0-1,1 0-14,-24 0 14,23 0 1,-23 0-16,23 0 16,-23 0 125</inkml:trace>
+</inkml:ink>
+</file>
+
+<file path=ppt/ink/ink2.xml><?xml version="1.0" encoding="utf-8"?>
+<inkml:ink xmlns:inkml="http://www.w3.org/2003/InkML">
+  <inkml:definitions>
+    <inkml:context xml:id="ctx0">
+      <inkml:inkSource xml:id="inkSrc0">
+        <inkml:traceFormat>
+          <inkml:channel name="X" type="integer" max="1920" units="cm"/>
+          <inkml:channel name="Y" type="integer" max="1080" units="cm"/>
+          <inkml:channel name="T" type="integer" max="2.14748E9" units="dev"/>
+        </inkml:traceFormat>
+        <inkml:channelProperties>
+          <inkml:channelProperty channel="X" name="resolution" value="28.36041" units="1/cm"/>
+          <inkml:channelProperty channel="Y" name="resolution" value="28.34646" units="1/cm"/>
+          <inkml:channelProperty channel="T" name="resolution" value="1" units="1/dev"/>
+        </inkml:channelProperties>
+      </inkml:inkSource>
+      <inkml:timestamp xml:id="ts0" timeString="2019-01-14T18:44:41.995"/>
+    </inkml:context>
+    <inkml:brush xml:id="br0">
+      <inkml:brushProperty name="width" value="0.26667" units="cm"/>
+      <inkml:brushProperty name="height" value="0.53333" units="cm"/>
+      <inkml:brushProperty name="color" value="#FF00FF"/>
+      <inkml:brushProperty name="tip" value="rectangle"/>
+      <inkml:brushProperty name="rasterOp" value="maskPen"/>
+      <inkml:brushProperty name="fitToCurve" value="1"/>
+    </inkml:brush>
+  </inkml:definitions>
+  <inkml:trace contextRef="#ctx0" brushRef="#br0">-1 23 0,'0'0'47,"0"0"-16,0 0-31,23-23 78,0 23-47,-23 0-15,0 0 46,23 0-31,-23 0 344,23 0-360,-23 0 17,23 0 92,0 0-14,-23 0-17,23 0-62,-23 0-15,0 0 0,23 0 62,0 0-63,-23 0 94</inkml:trace>
+</inkml:ink>
+</file>
+
+<file path=ppt/ink/ink3.xml><?xml version="1.0" encoding="utf-8"?>
+<inkml:ink xmlns:inkml="http://www.w3.org/2003/InkML">
+  <inkml:definitions>
+    <inkml:context xml:id="ctx0">
+      <inkml:inkSource xml:id="inkSrc0">
+        <inkml:traceFormat>
+          <inkml:channel name="X" type="integer" max="1920" units="cm"/>
+          <inkml:channel name="Y" type="integer" max="1080" units="cm"/>
+          <inkml:channel name="T" type="integer" max="2.14748E9" units="dev"/>
+        </inkml:traceFormat>
+        <inkml:channelProperties>
+          <inkml:channelProperty channel="X" name="resolution" value="28.36041" units="1/cm"/>
+          <inkml:channelProperty channel="Y" name="resolution" value="28.34646" units="1/cm"/>
+          <inkml:channelProperty channel="T" name="resolution" value="1" units="1/dev"/>
+        </inkml:channelProperties>
+      </inkml:inkSource>
+      <inkml:timestamp xml:id="ts0" timeString="2019-01-14T18:45:04.235"/>
+    </inkml:context>
+    <inkml:brush xml:id="br0">
+      <inkml:brushProperty name="width" value="0.26667" units="cm"/>
+      <inkml:brushProperty name="height" value="0.53333" units="cm"/>
+      <inkml:brushProperty name="color" value="#FF00FF"/>
+      <inkml:brushProperty name="tip" value="rectangle"/>
+      <inkml:brushProperty name="rasterOp" value="maskPen"/>
+      <inkml:brushProperty name="fitToCurve" value="1"/>
+    </inkml:brush>
+  </inkml:definitions>
+  <inkml:trace contextRef="#ctx0" brushRef="#br0">-1 23 0,'0'0'78,"0"0"-62,23 0 15,0 0 0,-23 0-15,23 0-16,-23 0 15,23 0 1,-23 0 0,23 0-16,0 0 15,-23 0-15,23 0 16,-23 0-1,24 0-15,-1 0 16,-23 0-16,23 0 16,-23 0-1,23 0 1,-23 0-1,23 0 1,0 0 0,-23 0-1,23 0 1,-23 0-1,23 0 1,0 0 0,-23 0-1,23 0 16,-23-23-15,0 23-16,23 0 16,-23 0-1,24 0 1,-1 0-1,-23 0 1,23 0 0,-23 0-16,23 0 15,0 0 1,-23 0 15,23 0 0,-23 0-15,23 0 15,-23 0-15,23 0 15,0 0 0,-23 0 0,23 0-15,-23 0 15,23 0-31,1 0 31,-24 0-31,23 0 16,-23 0 15,23 0-15,-23 0-1,23 0 1,0 0-1,-23 0 1,23 0 15,-23 0-15,23 0-1,0 0 1,-23 0 0,23 23-1,-23-23 1,23 0-1,-23 0-15,23 0 16,1 0 0,-24 0-1,0 23-15,23-23 16,-23 0 15,23 0-31,-23 0 16,23 0 15,0 0-31,-23 0 15,23 0 1,-23 0 0,23 0-1,0 0 1,-23 0-16,23 0 15,-23 0 1,23 0-16,-23 0 16,23 0-1,1 0-15,-24 0 16,23 0-1,-23 0 1,23 0-16,0 0 16,-23 0 15,0 23-16,23-23 1,-23 0-16,23 0 16,-23 0-1,23 0 1,0 0 0,-23 0-1,0 0 1,23 0-16,-23 0 31,23 0-15,0 0-1,-23 0 1,24 0-1,-24 23 1,0-23-16,23 0 16,-23 0-1,23 0 1,0 0-16,-23 0 31,23 0-31,-23 0 16,23 0-1,0 0 1,-23 0-1,23 0 1,-23 0 0,0 0-16,23 0 31,-23 0-16,23 0-15,0 0 32,-23 0-32,24 0 15,-24 0 16,23 23-15,0-23 0,-23 0-1,23 0 1,-23 0-16,23 0 0,-23 0 31,23 0-31,0 0 31,-23 0-15,23 0-16,-23 0 15,23 0 1,0 0 0,-23 0-1,23 0 1,-23 0-1,24 0 1,-24 0 0,23 0-16,0 0 31,-23 0-31,0 0 15,23 0-15,-23 0 16,23 0 0,0 0-16,-23 0 15,23 0 1,-23 0-1,23 0 1,-23 0 0,23 0-1,0-23 1,-23 23-16,23 0 15,-23 0 1,24 0 0,-24 0-16,23 0 0,-23 0 15,23 0 1,-23 0-1,0-23-15,23 23 32,-23 0-1,23 0-16,0 0-15,-23 0 32,0 0-17,23 0-15,-23 0 31,23 0 47,0 0 0,-23 0 141,23 0-219,0 0 15,-23 0-15,47 0 16,-47 0-16,23 0 16,0 0-1,0 0-15,-23 0 16,23 0-1,-23 0 1,0-23 0,23 23-1,0 0 16,-23 0 16,23 0-16,-23 0-15,23 0 31,0 0-16,-23 0-15,24 0 15,-24 0 0,23 0-15,-23 0 15,23 0 0,0 0 0,-23 0-15,23 0-1,-23 0 17,23 0-17,0 0 16,-23 0-31,23 0 16,-23 0 15,23 0-15,-23 0 15,23 0-15,0 0-1,-23 0 16,24 0-15,-24 0 15,23 0 0,0 0-15,-23 0 0,23 0 30,-23 0-30,23 0 15,-23 0 16,23 0-31,0 0-1,-23 0 1,23 0 15,-23 0-31,23 0 16,0 0-1,-23 0 1,23 0-1,-23 0 1,24 0 0,-24 0-1,23 0 1,0 0-16,-23 0 0,23 0 15,-23 0 1,23 0 0,0 0-1,-23 0 1,23 0-1,-23 0 1,23 0 0,-23 0-1,23 0 1,0 0-1,-23 0 1,23 0-16,-23 0 16,24 0 15,-24 0-16,23 0-15,0 0 16,-23 0 15,23 0-15,-23 0-16,23 0 31,0 0-15,-23 0-1,23 0 1,-23 0-1,23 0 1,-23 0 0,23 0-1,0 0 1,-23 0-1,23 0 1,-23 0 15,24 0-15,-1 0-1,-23 0 1,23 0 15,-23 0-15,23 0-1,-23 0 17,23 0-17,0 0 1,-23 0-1,0 0-15,23 0 32,-23 0-1,23 0 0,0 0-15,-23 0 15,23 0-16,-23 0 1,23 0 0,-23 0 15,24 0-16,-1 0 17,-23 0-17,23 0 16,-23 0-15,23 0 15,0 0 0,-23 0 1,23 0-17,-23 0 16,23 0-15,-23 0 0,23 0-1,0 0 1,-23 0-1,23 0 1,-23 0 0,23 0-1,1 0 1,-24 0-16,23 0 15,-23 0 17,23 0-1,-23 0-16,23 0 1,0 0 15,-23 0-15,23 0-1,-23 0 17,23 0-17,0 0 16,-23 0-15,23 0 0,-23 0-1,23 0 1,-23 0-1,23 0 1,1 0 0,-24 0 15,23 0-31,-23 0 15,23 0 1,0 0 0,-23 0-1,23 0 1,-23 0 15,23 0-31,-23 0 16,23 0-1,0 0-15,-23 0 16,0 0-16,23 0 15,-23 0 1,23 0-16,0 0 16,-23 0-1,24 0 1,-24 0-1,23 0-15,-23 0 16,23 0 0,0 0-1,-23 0 1,23 0-1,-23 0 1,23 0-16,-23 0 31,23 0-31,0 0 16,-23 0-1,23 0 1,-23 0 0,23 0-1,0 0 16,-23 0-31,24 0 16,-24 0 0,23 0-1,-23 0 1,23 0-1,0 0 1,-23 0-16,23 0 31,-23 0-15,23 0-16,0 0 15,-23 0 1,23 0-16,-23 0 16,23 0-1,-23 0 1,23 0-1,0 0 1,-23 0-16,24 0 16,-24 0 15,0 0 0,23 0-15,0 0-16,-23 0 31,23 23-31,-23-23 15,23 0 17,-23 0-17,23 0 1,0 0-1,-23 0 1,23 0 0,-23 0-1,23 0 1,0 0-1,-23 0 1,23 0 0,-23 0-1,24 0 16,-24 0-15,0 0-16,23 0 16,0 0-1,-23 0 1,23 0-1,-23 0 1,23 0 15,0 0-15,-23 0-1,23 0 1,-23 0 0,23 0-1,-23 0 1,23 0 15,0 0-15,-23 0-1,23 0 1,-23 0-1,24 0 1,-1 0 0,-23 0-16,23 0 15,-23 0 1,23 0-16,-23 0 31,23 0-15,0 0-1,-23 0 1,23 0 15,-23 0-15,0 23-16,23-23 15,0 0 16,-23 0 1,23 0-17,-23 0 16,23 0-15,-23 0-16,24 0 16,-1 0-1,-23 0-15,23 0 16,-23 0-1,23 0 1,0 0-16,-23 0 16,23 0-1,-23 0 1,23 0-1,-23 0-15,23 0 32,0 0-17,-23 0 1,23 0 31,-23 0-16,23 0-16,-23 0 17,24 0 30,-24 0-46,23 0-1,-23 0 16,23 0 16,-23 0-16,23 0-15,-23 0 0,23 0-1,0 0 1,-23 0-16,0-23 15,23 23-15,0 0 16,0-23-16,-23 23 16,23 0-16,0 0 15,1 0-15,-24 0 16,23 0-1,0 0-15,-23-23 16,23 23 0,-23 0-1,23 0 16,0 0-15,-23 0 296,23 0-296,-23 0-1,23 0-15,-23 0 16,23 0-1,0 0 1,-23 0-16,23 0 31,-23 0-31,24 0 16,-1 0-1,-23 0 1,23 0 0,-23 0-16,23 0 15,-23 0 16,23 0 1,-23 0-32,23 0 15,-23 0 1,23 0-1,-23 0 1,23 0 0,0 0-1,-23 0 16,23 0-31,-23 0 32,23 0-32,-23 0 15,24 0 1,-1 0-1,0 0 1,-23 0 0,23 0-16,0 0 15,-23 0-15,23 0 16,-23 0-1,23 0-15,-23 0 16,23 0-16,0 0 16,-23 0-1,23 0-15,-23 0 16,23 0-16,1 23 15,-24-23-15,23 0 16,-23 0 0,23 0-1,-23 0 1,23 0-1,0 0 1,-23 0-16,23 0 31,-23 0-31,23 0 16,0 0-1,-23 0 1,23 0 0,-23 0-16,23 0 15,-23 0 1,23 23-16,1-23 15,-24 0-15,23 0 16,0 0 0,0 0-1,-23 0-15,23 0 16,-23 0-1,23 0 1,0 0-16,-23 0 16,23 0-1,-23 0-15,23 0 16,-23 0-1,23 0 1,0 0 0,-23 0-16,24 0 15,-24 0 1,23 0-1,0 0-15,-23 0 16,23 0 0,-23 0 15,23 0-31,-23 0 15,46 0 1,-46 0-16,46 0 16,-46 0-1,23 0 1,-23 0-16,23 0 15,-23 0-15,24 0 16,-1 0-16,-23 0 16,23 0-16,0 0 15,0 0 1,-23 0-16,23 0 15,-23 0 1,23 0-16,-23 0 31,23 0-31,0 0 16,-23 0-16,23 0 15,-23 0 1,0 0-16,23 0 16,1 0-16,-24 0 31,23 0-16,-23 0 1,23 0-16,-23 0 16,23 0-1,0 0 1,-23 0-16,23 0 15,-23 0 1,23 0-16,0 0 16,-23 0-16,23 0 15,-23 0 1,23 0-16,-23 0 31,23 0-15,1 0-16,-24 0 15,23 0 1,-23 0-16,23 0 15,0 0-15,-23 0 16,23 0-16,-23 0 16,23 0-1,-23 0 1,23 0-16,0 0 15,-23 0 1,23 0-16,-23 0 16,23 0-16,0 0 15,-23 0-15,24 0 16,-24 0-1,23 0-15,-23 0 16,23 0 0,0 0-1,0 0-15,-23 0 16,23 0-16,0 0 15,0 0 1,-23 0-16,23 0 0,0 0 31,-23 0-15,23 0-16,-23 0 15,24 0-15,-24 0 32,23 0-32,0 0 15,-23 0 1,23 0-16,-23 0 15,23 0-15,0 0 16,-23 0 0,23 0-16,-23 23 15,23-23-15,-23 0 16,23 0-16,0 0 15,-23 0 1,23 0-16,-23 0 16,47 0-16,-47 0 15,23 0 1,0 0-1,0 0-15,0 0 16,-23 0-16,46 0 16,-46 0-1,46 0-15,-46 0 16,23 0-1,1 0-15,-1 0 16,-23 0-16,23 0 16,-23 0-1,23 0 1,-23 0-1,23 0 1,0 0 0,-23 0-1,23 0 1,-23 0-1,23 0 1,0 0-16,-23 0 31,23 0-15,-23 0-1,23 0 1,-23 0 15,24 0-15,-1 0-1,-23 0 1,23 0 0,-23 0-1,23 0-15,0 0 16,-23 0-1,23 0-15,-23 0 16,23 0-16,-23 0 16,23 0-1,0 0 1,-23 0-1,23 0 1,-23 0-16,23 0 16,-23 0-16,24 0 15,-1 0 1,-23 0-16,23 0 15,-23 0 1,23 0 0,0 0-1,-23 0 1,23 0 15,-23 0-31,23 0 16,-23 0-1,23 0 1,0 0-1,-23 0 1,23 0-16,-23 0 31,47 0-31,-47 0 16,0 0-1,23 0-15,-23 0 16,23 0 0,0 0-16,-23 0 15,23 0-15,-23 0 16,23 0-16,-23 0 15,23 0 1,0 0 0,-23 0-16,23 0 15,-23 0-15,23 0 16,0 0-16,1 0 15,-24 0 1,23 0-16,0 0 16,-23 0-16,23 0 15,-23 0-15,23 0 16,-23 0-1,23 0 1,0 0 0,-23 0-1,23 0 1,-23 0-1,23 0 17,0 0-17,-23 0 1,23 0-1,-23 0 1,24 0 0,-24 0-1,23 0 1,0 0-1,-23 0 1,23 0-16,-23 0 16,23 0-16,0 0 15,-23 0 1,23 0-16,-23 0 15,23 0 1,-23 0 0,23 0-16,0 0 15,-23 0 16,23 0-15,-23 0 0,24 0-1,-24 0 1,23 0 15,0 0-15,-23 0-1,23 0 16,-23-23-15,23 23 15,0 0 0,-23 0-15,23 0 0,-23 0-1,23 0 1,-23 0-1,23 0 1,0 0-16,-23 0 16,23 0-1,-23 0 1,24 0 15,-24-23-31,23 23 0,-23 0 16,23 0-1,-23 0-15,23 0 16,-23 0-1,23 0 17,0 0-17,-23 0 1,23 0-1,-23 0-15,23 0 16,0 0 0,-23 0-1,23 0 1,-23 0-1,23 0 1,-23 0 15,24 0-15,-1 0-1,-23 0 1,23 0 0,-23 0-16,23 0 15,0 0 1,-23 0-1,23 0 1,-23 0 0,46 0-1,-46 0-15,23 0 16,23 0-16,-46 0 15,24 0 1,-24 0-16,23 0 0,0 0 16,0 0-1,-23 0 1,23 0-1,0 0-15,-23 0 16,23 0 0,-23 0-1,23 0 16,-23 0-15,23 0 0,0 0-1,-23 0 1,23 0-1,-23 0 17,24 0-32,-1 0 15,-23 0 1,23 0-1,-23 0 1,23 0 0,-23 0-16,23 0 15,0 0 1,-23 0-16,0 0 15,23 0 1,-23 0 0,23 0-1,0 0 1,-23 0-1,23 0 1,-23 0 0,23 0-1,-23 0 1,24 0-1,-1 0 1,-23 0 15,23 0 0,-23 0 1,23 0-17,0 0 16,-23 0-15,23 0 15,-23 0-15,23 0-1,-23 0 1,23 0 15,0 0-15,-23 0 15,23 0-15,-23 0-1,23 0 1,1 0-1,-24 0 1,23 0 0,-23 0-1,23 0-15,-23 0 16,23 0-1,0 0 1,-23 0-16,23 0 31,-23 0-15,23 0 15,0 0 0,-23 0 0,23 0-15,-23 0 0,23 0-1,-23 0 1,23 0-1,1 0 1,-24 0 0,23 0-1,-23 0-15,23 0 16,0 0-1,-23 0 1,23 0 0,-23 0-1,23 0 1,-23 0-1,23 0 1,0 0 0,-23 0-1,23 0 1,-23 0-1,23 0 1,0 0 0,-23 0-1,24 0 1,-24 0-16,23 0 15,-23 0-15,23 0 16,0 0-16,-23 0 16,23 0-1,-23 0 1,23 0-1,-23 0 1,23 0 0,0 0 15,-23 0-16,23 0 17,-23 0-17,23 0 1,0 0-16,-23 23 31,24-23-31,-24 0 16,23 0 15,-23 0-16,23 0 1,0 0 31,-23 0-32,23 0 1,-23 0-16,23 0 16,0 0-1,-23 0-15,23 0 16,-23 0-16,23 0 15,-23 0 1,0 0-16,23 0 16,0 0-1,-23 0 1,24 0-1,-24 0 32,23 0 0,0 0-31,-23 0 15,23 0 0,-23 0 0,23 0 16,-23 0-31,23 0 15,0 0-16,-23 0 1,23 0 15,-23 0 0,23 0 1,0 0-17,-23 0 1,23 23-1,-23-23 1,24 0 0,-24 0-1,23 0-15,0 0 16,-23 0-1,23 0 17,-23 0-17,23 0 16,0 0-15,-23 0 31,23 0-32,-23 0 17,23 0 14,-23 0-30,23 0 15,0 0 0,-23 0-15,23 0 46,-23 0-46,24 0 15,-1 0 63,-23 0-63,23 0-15,-23 0 15,0 0-31,23 0 31,-23 0 0,23 0-31,0 0 31,-23 0-15,23 0 15,-23 0-31,0 0 16,23 0-1,0 0 17,-23-23 30</inkml:trace>
+</inkml:ink>
+</file>
+
+<file path=ppt/ink/ink4.xml><?xml version="1.0" encoding="utf-8"?>
+<inkml:ink xmlns:inkml="http://www.w3.org/2003/InkML">
+  <inkml:definitions>
+    <inkml:context xml:id="ctx0">
+      <inkml:inkSource xml:id="inkSrc0">
+        <inkml:traceFormat>
+          <inkml:channel name="X" type="integer" max="1920" units="cm"/>
+          <inkml:channel name="Y" type="integer" max="1080" units="cm"/>
+          <inkml:channel name="T" type="integer" max="2.14748E9" units="dev"/>
+        </inkml:traceFormat>
+        <inkml:channelProperties>
+          <inkml:channelProperty channel="X" name="resolution" value="28.36041" units="1/cm"/>
+          <inkml:channelProperty channel="Y" name="resolution" value="28.34646" units="1/cm"/>
+          <inkml:channelProperty channel="T" name="resolution" value="1" units="1/dev"/>
+        </inkml:channelProperties>
+      </inkml:inkSource>
+      <inkml:timestamp xml:id="ts0" timeString="2019-01-14T18:49:47.095"/>
+    </inkml:context>
+    <inkml:brush xml:id="br0">
+      <inkml:brushProperty name="width" value="0.26667" units="cm"/>
+      <inkml:brushProperty name="height" value="0.53333" units="cm"/>
+      <inkml:brushProperty name="color" value="#FF00FF"/>
+      <inkml:brushProperty name="tip" value="rectangle"/>
+      <inkml:brushProperty name="rasterOp" value="maskPen"/>
+      <inkml:brushProperty name="fitToCurve" value="1"/>
+    </inkml:brush>
+  </inkml:definitions>
+  <inkml:trace contextRef="#ctx0" brushRef="#br0">28 62 0,'0'0'219,"23"0"-204,-23 23-15,23-23 16,0 0 0,0 23-16,0-23 15,0 0-15,0 0 16,0 0-16,0 0 15,0 0-15,1 0 16,-1 0 0,0 0-16,-23 0 15,46 0-15,-46 0 16,46 0-1,-46 0-15,23 0 16,-23 0-16,46 0 16,-46 0-1,23 0-15,-23 0 16,47 0-16,-47 0 15,23 0 1,-23 0-16,23 0 16,-23 0-16,23 0 15,0 0-15,-23 0 16,23 0-16,-23 0 15,23 0-15,0 0 16,0 0 0,-23 0-1,23 0 1,-23 0-1,24 0 1,-24 0-16,23 0 0,-23 0 16,23 0-1,-23 0 1,23 0-1,0 0 1,-23 0-16,0 0 16,23 0-1,-23 0-15,23 0 0,-23 0 16,23 0-1,0 0 1,-23 0 0,23-23-1,-23 23 1,23 0-16,1 0 31,-24 0-31,23 0 16,-23 0-1,46 0 1,-46 0-16,23-23 15,0 23-15,0 0 16,-23 0-16,23 0 16,-23 0-1,23 0-15,-23 0 16,23 0-1,0 0-15,-23 0 16,24 0 15,-24 0-15,23 0-1,0 0 1,-23 0 0,23 0 46,-23 0-31,23 0 0,-23 0-15,23 0 15,-23 0-31,23 0 16,-23 0-1,23 0 32,-23 0-31,0 0-1,23 0 17,0 0-1,-23 0-16,23 0 32,-23 0 16,24 0-17,-24 0-14,23 0 14,-23 23-46,23-23 47,-23 0 0,23 0-31,-23 0 30,0 23-14,23-23-17,0 0 1,-23 0 15,0 0 219,0 0-250,-23 0 0,0 0 15,23 0 1,-46 0-16,46 0 15,-47 0 1,47-23-16,-23 23 16,0 0-16,-23 0 15,23-23 1,0 23-16,23 0 0,-46 0 15,46 0 1,-23 0-16,0 0 16,23 0-1,-24-23 1,24 23-16,-46 0 15,46 0-15,-23-24 16,0 24-16,0 0 16,0 0-1,0 0-15,0 0 16,23 0-16,-23 0 16,23 0-1,-23 0-15,-1 0 16,24 0-16,-23 0 15,0 0 1,-23 0-16,46 0 16,-46 0-16,23 0 15,0 0 1,23 0-16,-23 0 15,23 0-15,-23 0 16,-1 0-16,1 0 16,0 0-16,-23 0 15,23 0-15,0 0 16,23 0-1,-46 0 1,46 0-16,-23 0 16,23 0-16,-23 0 15,-1 0-15,24 0 16,-23 0-16,23 0 15,-23 0 17,23 0-17,-23 0 1,0 0-1,23 0 1,-23 0-16,23 0 16,-23 0-1,0 0 1,23 0-1,-23 0 1,23 0 31,-23 0-16,23 0-15,-23 0 15,-1 0 0,24 0-15,-23 0 46,23 0-15,0 0 171,0 0-218,0 0 63,23 0-63,1 0 15,-24 0 1,23 0-16,0 0 15,0 0-15,0 24 16,-23-24-16,23 0 16,0 0-1,-23 0 1,0 23 31,0-23-32,0 0 1,-23 23-1,23-23 1,-23 0 0,23 23-16,-69 0 15,46 0-15,23 0 16,-24-23-16,1 0 15,23 0 1,-23 23-16,23-23 16,0 0-16,-23 0 15,0 0 1,23 23-1,0 0 1,-23-23 0,23 0-16,0 23 46,0-23-46,0 24 47,0-24-16,-23 0-31,23 23 16,0 0 0,0-23 15,0 23-31,0-23 15,0 23 1,0 0 0,-23-23-1,23 0 1,0 23-1,0-23 1,-23 0 0,23 23-1,0-23 1,0 23-1,0-23 17,0 23-32,0-23 15,0 23 1,0-23-1,0 24 1,-23-24 0,23 23-1,0-23-15,0 23 31,0-23-15,0 23 0,0-23-16,0 0 15,0 23 1,0 0-1,0-23 1,0 23 0,0-23-1,0 23 1,0 0-1,0-23 1,0 23 0,0-23-1,-23 23-15,23-23 16,0 24-1,0-1 1,0-23-16,0 23 16,0-23-1,0 23-15,0-23 31,0 23-31,0 0 16,0-23 0,0 23-16,0-23 15,0 23 1,0 0-16,0-23 15,0 23 1,0-23 0,0 23-16,0-23 15,0 24-15,0-1 16,0-23-16,0 23 15,0-23 17,0 23-32,0 0 15,0-23 1,0 23-1,0-23 1,0 23 0,0-23-16,0 23 31,0 0-31,0-23 15,0 23 1,0-23 0,0 23-16,0 1 15,0-24 1,0 23-16,0-23 15,0 23 1,0-23 0,0 23-1,0 0-15,0 0 16,0-23-16,0 23 15,0 0-15,0 0 16,0-23-16,0 46 16,0-46-1,0 24-15,0-24 16,0 46-16,0-23 15,0 0 1,0-23-16,0 46 16,0-46-16,0 46 15,0-23 1,0-23-16,0 23 0,0-23 15,0 24 1,0-1-16,0 0 16,0 0-1,0 0-15,0 0 16,0-23-16,0 46 15,0-46-15,0 46 16,0-46-16,0 23 16,0-23-1,0 24 1,0-24-16,0 23 15,0 0 1,0-23-16,0 23 16,0-23-16,0 46 15,0-46-15,0 23 16,0-23-1,0 46-15,0-46 16,0 23-16,0 0 16,0 1-1,0-24-15,0 23 16,0 0-16,0 0 15,0-23-15,0 23 16,0 0 0,0 0-16,0 0 15,0-23 1,0 23-16,0 0 15,0 0-15,0-23 16,0 24-16,0-1 16,0 0-1,0-23-15,0 23 0,0 0 16,0-23-1,23 23-15,-23 0 16,0 0 0,0-23-16,0 23 15,0-23-15,0 23 16,0 0-16,0 1 15,0-24 1,0 23-16,0 0 16,0-23-16,0 23 15,0-23 1,0 23-16,0-23 15,0 46-15,0-46 16,0 46 0,0-23-1,0 0-15,0 1 16,0-1-16,0 0 15,0 23 1,0-46-16,0 23 16,0-23-16,0 46 15,0-46 1,0 23-16,0-23 15,0 23-15,0-23 16,0 23 0,0 1-16,0-24 15,0 23-15,0-23 16,0 23-1,0 0-15,0-23 16,0 23 0,0-23-1,0 23-15,0-23 16,0 23-16,0 0 31,0-23-31,0 23 16,0-23-1,0 23 1,0 0-1,0-23 1,0 24 0,0-24-1,0 23-15,0-23 16,0 23-1,0 0 1,0-23-16,0 23 31,0-23-31,0 23 16,0 0 15,0-23 0,0 23-15,0-23-1,0 23 1,0-23 15,0 23-15,0 0 15,0-23-31,0 24 16,0-24 15,0 23-16,0 0 17,0-23-17,0 23 1,0-23 15,0 23 0,0-23 16,0 23-16,23-23 125,0 0-140,-23 0-1,23 0 32,-23 0-31,23 0-1,0 0 1,-23 0 31,23 0-16,-23 0-15,23 0 62,-23 0-63,23 0 1,0 0-1,-23 0 32,24 0-31,-24 0-16,23 0 15,0 0 1,-23 0-16,23 0 16,-23 0-16,23 0 15,-23 23 1,23-23-16,0 0 15,-23 0-15,23 0 16,-23 0 0,23 0-16,-23 0 15,23 0-15,0 0 16,-23 0-16,24 0 15,-1 23 1,0-23-16,-23 0 16,23 0-16,-23 0 15,23 0 1,0 0-16,0 0 15,-23 0-15,23 0 16,0 0 0,-23 0-16,23 23 15,-23-23 1,23 0-16,-23 0 15,24 23 1,-1-23-16,-23 0 16,23 0-1,-23 0-15,23 0 16,0 0-16,0 0 15,-23 0 1,23 0-16,0 0 16,-23 0-16,23 0 15,-23 0 1,23 0-16,0 0 15,-23 0-15,24 0 16,-24 0 0,23 0-16,-23 0 15,46 0-15,-46 0 16,23 0-1,-23 0-15,23 0 16,0 0-16,-23 0 16,23 0-16,-23 0 15,23 0-15,-23 0 16,23 0-16,0 0 15,-23 0 17,24 0-32,-24 0 0,23 0 15,0 0-15,-23 0 16,23 0-1,-23 0 1,23 0 0,-23 0-1,23 0-15,0-23 16,-23 23-1,23 0 1,-23 0-16,23 0 16,-23 0-1,23 0-15,-23 0 16,23 0-1,-23 0 17,0-23-17,24 23 1,-24 0 46,0 0-46,23 0-1,0 0 17,-23 0-1,0-23-31,23 23 31,-23 0-15,0 0-1,23 0-15,0 0 31,-23-23-15,0 23 0,0-23-1,23 23 1,-23 0 31,0-23-32,23 23-15,-23 0 16,0-23-1,0 23 1,0-23-16,0 23 31,0-23-31,0 23 16,23-24 15,-23 24-31,0-23 31,0 0-15,0 23-1,0-23 1,0 23 0,0-23-16,0 0 15,0 23-15,0-23 16,0 23-1,0-46 1,0 46-16,0-23 31,0 23-31,0-23 16,0-1-16,0 1 15,0 23 1,0-23 0,0 23-16,0-23 15,0 0 1,0 23-16,0-23 15,0 23-15,0-23 16,0 23 0,0-23-16,0 0 15,0 23-15,0-23 16,0 23-16,0-23 15,0-1 1,-23 24-16,23-23 16,0 23-16,0-23 15,0 23 1,0-23-16,0 0 15,0 23-15,0-23 16,0 23-16,0-23 16,0 0-1,0 23-15,0-23 16,0 23-16,0-23 15,0 23-15,0-23 16,-23-1 0,23 1-1,0 23-15,0-23 16,0 0-16,0 23 15,0-23 1,0 23-16,0-23 16,0 0-16,0 23 15,0-23 1,0 0-16,0 0 15,0 0-15,0 23 16,0-24 0,0 1-16,0 23 15,0-23-15,0 23 16,0-23-16,0 23 15,0-23-15,0 0 16,0 23-16,0-23 16,0 23-1,0-46 1,0 23-16,0 23 15,0-23-15,0-1 16,0 24-16,0-46 16,0 46-1,0-23-15,0 23 16,0-23-16,0 23 15,0-23-15,0 0 16,0 23 0,0-23-16,0 0 15,0 0-15,23 23 16,-23-23-16,0 23 15,0-24 1,0 1-16,0 23 16,0-23-16,0 23 15,0-23 1,0 23-16,0-23 15,0 0-15,0 23 16,0-23 0,23 23-1,-23-23-15,0 23 16,0-23-1,0 0-15,0 23 16,0-23 0,23 23-16,-23-24 15,0 1 1,0 23-1,0-23-15,0 23 16,0-23 0,0 0-1,0 23-15,0-23 16,0 23 15,0-23-31,0 23 31,0-23-31,23 0 16,-23 23-1,0-23 1,0 23-16,0-23 16,0-1-16,0 24 15,0-23 1,0 23-16,0-23 15,0 23-15,0-23 16,0 0 0,0 23-16,0-23 15,0 23-15,0-23 16,0 0-16,0 23 15,0-23 1,0 23-16,0-23 16,0 23-1,0-23-15,0-1 16,0 1-16,0 0 15,0 0 1,0 23-16,0-23 0,0 0 16,0 0-1,24 0 1,-24 0-1,0 23-15,0-23 16,0 0-16,0-1 16,23 1-16,-23 23 15,0-46-15,0 46 16,0-23-16,0 23 15,0-23 1,0 0-16,0 0 16,0 23-1,0-23-15,0 23 16,0-23-16,0 0 15,0 23-15,0-24 16,0 24 0,0-23-16,0 0 15,0 23-15,0-23 16,0 23-1,0-23 1,0 23-16,0-23 16,0 0-1,0 23 1,0-23-1,0 23-15,0-23 16,0 0 0,0 23-16,0-23 15,0 23 1,0-24-16,0 24 15,0-23 1,0 0 0,0 23-16,0-23 15,-23 23-15,23-23 16,0 0-1,0 23 1,0-23-16,0 23 16,-24-23-16,24 23 15,0-23-15,0 0 16,0 23-1,0-23-15,0 23 16,-23 0 0,23-24-16,0 24 15,0-23 1,0 23-1,-23-23 1,0 23 0,23 0-16,0 0 15,-23 0 1,23 0 15,-23 0-31,0 0 16,23 0-16,-23-23 15,0 23 1,0 0-16,-24 0 15,24 0-15,23 0 16,-46 0 0,23 0-16,0 0 15,-23 0-15,23 0 16,0 0-16,0 0 15,-1 0 1,-22 0-16,23 0 16,-23 0-1,46 0-15,-23 0 16,0 0-16,0 0 15,0 0-15,0 0 16,-1 0-16,1 0 16,23 0-16,-46 0 15,23 0 1,-23 0-16,23 0 15,23 0 1,-23 0-16,0 0 16,0 0-16,-1 0 15,24 0-15,-23 0 16,0 0-1,0 0-15,23 0 16,-23 0-16,0 0 16,0 23-1,23-23-15,-46 23 16,46-23-1,-46 0-15,46 23 0,-24-23 16,1 24 0,0-24-16,23 23 15,-23-23-15,23 0 16,-23 23-1,23-23-15,-23 0 16,23 23-16,-23 0 16,0-23-16,23 23 15,0-23-15,-23 0 16,23 23-1,0-23 1,0 23 31,0 0-16,0-23 0,0 0-31,23 23 16,23-23-1,23 0-15,24 23 16,-1-23-16,93 0 16,-139 0-1,92 0-15,-138 0 16,139 0-16,-116 0 15,46-23 1,-22 23-16,22 0 16,-46 0-16,0 0 15,0 0-15,0 0 16,-23 0-1,23 0 48,-23 0-32,0 0-15,0 0-16,-23 23 15,0-23-15,-23 0 16,-23 24-16,69-24 15,-93 23 1,70-23-16,-92 0 16,45 0-16,-22 46 15,23-46-15,0 23 16,22-23-16,-22 0 15,46 23 1,-23-23-16,23 0 16,-23 23-1,46-23-15,0 0 47,-24 0-31,1 0 30,23 23-30,0-23-16,-23 0 16,23 23-16,-46 0 15,46-23-15,0 23 16,-23-23-1,0 24-15,0-1 16,23 0-16,-23 0 16,0-23-1,23 23-15,-23-23 16,23 23-16,-24-23 15,24 23-15,0-23 16,0 23 15,0-23 0,-23 0-15,23 0 62,47 0-62,-1 0-16,69 0 15,-69 0-15,47 0 16,-47 0-16,23 0 15,-46 0 1,47 0-16,-47-23 16,0 23-16,0 0 15,23 0 1,-23 0-16,0 0 15,0 0-15,47 0 16,-47 0-16,23 0 16,-23 0-1,46 0-15,-46 0 0,0 0 16,0 0-1,1 23 1,-24-23-16,23 0 16,-23 23-1,0-23-15,23 0 16,-23 0-16,23 23 15,0-23 1,-23 0 0,23 0-16,-23 0 15,23 0 1,0 0 15,-23 23 0,0-23 16,23 0-47,-23 0 16,23 24 15,-23-24-31,23 0 31,1 0 16,-24 0-16,23 0 31,-23 23-46,0-23 0,0 23-16,-47 0 15,24 0 1,0-23-16,23 0 15,-46 23-15,0 0 16,0-23 0,23 0-16,-70 23 15,70 0-15,-23 0 16,23-23-16,-46 0 15,69 0 1,-47 23-16,47-23 16,-23 24-16,0-24 15,-23 0 1,23 0-16,-46 0 15,69 0-15,-23 0 16,0 23-16,-1-23 16,1 0-1,23 0 1,-23 0-16,0 0 15,23 0 1,-23 0-16,0 23 16,0-23-1,23 0-15,-23 0 0,0 0 16,0 0-16,23 0 15,-23 0 1,23 0-16,0 23 16,-24-23-16,24 0 15,-46 23 1,46-23-16,-23 0 15,0 0-15,23 0 16,-23 0 0,23 0-16,-23 23 15,23-23 16,-23 0-15,23 23 0,-23-23-16,23 0 15,0 23 1,0-23-16,0 23 31,0-23-15,0 23 15,0-23-16,0 23 1,0-23-16,92 0 16,-92 24-1,116-24-15,-47 0 16,0 0-1,-23 0-15,24 0 16,-24 0-16,23 23 16,-69-23-16,46 0 15,-23 0-15,70 0 16,-93 0-16,69 0 15,-69 23 1,69-23-16,-23 0 16,24 0-1,-24 0-15,0 0 16,-46 0-16,46 0 15,-46 0 1,0 0-16,23 0 0,-23 23 16,23-23-1,-23 0-15,23 0 16,-23 23-1,0-23 1,0 23 0,24-23-16,-24 0 31,0 23-16,0-23 17,0 23-17,0-23-15,-24 46 16,24-46-16,-23 0 15,0 0-15,-23 47 16,23-47 0,-46 0-1,23 23-15,-24 0 16,47-23-16,-138 23 15,161-23-15,-70 23 16,47-23-16,-23 0 16,46 23-16,-23-23 15,0 0 1,0 0-16,-23 0 15,22 0-15,24 0 16,-46 0 0,46 0-16,-23 0 15,23 0-15,-46 0 16,46 0-1,-23 0-15,0 0 16,0 23-16,23-23 16,-23 0-1,0 0-15,-1 23 16,24-23-16,-23 0 31,23 0-31,0 0 0,-46 0 16,46 23-1,-23-23-15,23 0 16,-46 0-1,46 0-15,-23 23 16,0-23-16,0 23 16,23-23-16,-23 0 15,-1 0-15,1 0 16,23 0-1,-23 0-15,23 24 16,-23-24 15,0 0-31,23 0 63,0 0-17,-23 0-46,23-70 16,0 70-16,-23-46 16,0 23-16,23-23 15,0 23-15,0 0 16,0-24-16,-23 1 15,23 23 1,0-23-16,0 23 16,0-23-1,0 46 1,0-23-16,0 0 0,0 23 15,0-24-15,0 24 16,0-23 0,0 0-16,0 23 15,0-23-15,0 23 16,0-23-1,0 23-15,0-23 16,0 0-16,23 23 16,-23-23-1,0 23-15,0 0 16,23 0-16,-23 0 15,23 0-15,0-23 16,0 23 0,-23-23-16,46 23 15,-46 0-15,70-23 16,-47 23-16,0 0 15,-23 0-15,46 0 16,-23 0 0,0 0-16,-23 0 15,23 0 1,23 0-16,-22 0 15,-1 0-15,0 0 16,-23 0-16,23 23 16,-23 0-16,23 0 15,-23-23 1,23 46-16,0-46 15,-23 46-15,23-46 16,-23 23 0,23 23-16,-23 1 15,0-24-15,23 46 16,0-46-1,1 69-15,-24-68 16,0 22-16,0-46 16,0 46-1,0-23-15,0 0 16,0 23-1,0-23-15,0 0 0,0 24 16,0-24-16,-24 23 16,24-23-1,-46 23-15,46-46 16,-23 46-1,23-46-15,-23 23 16,0 1-16,0-1 16,23 0-16,-23 0 15,0-23-15,23 23 16,0 0-1,-23-23-15,23 0 16,-23 23 0,23-23-16,-24 23 15,24 0-15,0-23 16,0 0-1,-23 23-15,23-23 16,-23 0 0,23 47-16,-23-47 15,23 0-15,-23 23 16,23-23-1,-23 23-15,23-23 16,0 0 0,0 23-16,-23-23 15,23 23 1,-23-23-1,23 0 1,0 0-16,-23 23 47,23-23-32,-23 0 32,0 0-16,23 0 125,0 0-124,0-23-17,0 0 1,0 23-16,0-23 15,0 23 48,0 0-63,0-23 15,23 23 1,-23 0 46,0 0-46,23 0 0,-23-23 30,0 23 17,23 0-48,-23-24 1,23 24 0,-23 0 30,23 0-46,-23 0 16,23 0-16,-23-23 16,23 23-16,0 0 15,-23 0 1,46-23-16,-46 0 15,24 23-15,-1 0 16,0 0-16,23-23 16,-23 0-1,0 23-15,-23 0 16,46 0-16,0-23 15,1 23 1,-24-23-16,23 23 16,-46 0-16,23 0 15,-23 0-15,46 0 16,-46 0-16,23 0 15,-23 0 1,23 0 0,-23 0 15,0 0-16,47 23-15,-47-23 16,23 0 0,-23 0-16,0 23 15,23-23-15,0 0 16,-23 0-1,23 0-15,-23 23 16,0-23-16,0 0 16,0 23-1,23 0-15,-23-23 16,23 23-1,-23-23 1,0 23 0,0 1-16,23-24 15,-23 23-15,0-23 16,23 23-1,-23-23-15,0 23 16,0 0 0,0 0-16,0-23 15,0 23-15,0 0 16,-46 23-1,23-23-15,-46 24 16,46-47 0,0 23-16,23 0 0,-47-23 15,24 0 1,-23 23-16,23 0 15,-23-23-15,0 23 16,-1 0 0,24 0-16,-23-23 15,46 0-15,-23 0 16,23 0-16,-23 0 15,0 0 1,-23 0-16,46 0 16,-23 0-1,0 0-15,-24 0 0,24 23 0,23-23 16,-23 0-16,23 0 15,-23 0 1,23 0-16,-23 0 16,0 0 15,23 0 0,0 0-15,-23 0-16,23 23 15,-23-23-15,0 24 16,23-1-1,-47-23 1,47 23-16,0-23 16,0 23-16,-23 0 15,23-23-15,0 23 16,0-23-16,0 23 15,0 0 1,0-23 0,0 23-16,0-23 15,0 23 1,0 0-1,0-23 32,0 24-16,0-24-15,0 0-16,47 0 16,-47 0-16,46 0 15,-46 0-15,23 0 16,0 0-16,23 0 15,-23 0 1,23 0 0,-23 0-16,24 0 15,-24 0-15,46 0 16,-69 0-16,46 0 15,-23 0-15,70 0 16,-70 0-16,46 0 16,-69 0-1,46 0-15,-23 0 16,23 0-16,-46 0 15,47 0 1,-24 0-16,0 0 16,23 0-16,-23 0 15,-23 0 1,46 0-16,-46 0 15,23 0 1,-23 0 0,23 0-16,1 0 15,-24 23 1,0-23-16,23 0 31,-23 0 0,23 0 0,0 0 1,-23 0-1,23 0 0,-23 0 0,0-23-15,0 23-16,0-24 15,0 1-15,23 0 16,-23 23 0,0-46-16,0 23 15,23 0-15,-23 0 16,0 0-1,0 0-15,23-24 16,-23 47-16,0-46 16,0 46-16,0-23 15,0 0-15,0 0 16,0 0-1,0-23-15,0 46 16,0-46 0,0 22-16,0 1 15,0 0-15,0 0 16,0 0-16,0 23 15,0-23-15,0 0 16,0 0 0,0 23-16,0-23 15,0 23-15,0-23 16,0 23-1,0-23-15,0-1 16,0 24-16,0-23 16,0-23-1,0 46-15,0-23 16,0 0-16,0 0 15,0 0 1,0 0-16,0-23 16,-23 46-16,23-24 15,0 1-15,0 0 16,0 0-16,0 0 15,0 0 1,0 23-16,0-23 31,0 23-15,0-23-16,0 0 31,0 23-31,0-23 31,0 23 47,-23 0-78,0 0 16,23 0-1,-23 0-15,23 0 16,-23 0 0,0 23-1,0-23-15,23 0 16,-24 23-16,1-23 15,23 0 1,-23 0 0,23 0-16,-23 0 15,23 23 1,0-23-1</inkml:trace>
+</inkml:ink>
+</file>
+
+<file path=ppt/ink/ink5.xml><?xml version="1.0" encoding="utf-8"?>
+<inkml:ink xmlns:inkml="http://www.w3.org/2003/InkML">
+  <inkml:definitions>
+    <inkml:context xml:id="ctx0">
+      <inkml:inkSource xml:id="inkSrc0">
+        <inkml:traceFormat>
+          <inkml:channel name="X" type="integer" max="1920" units="cm"/>
+          <inkml:channel name="Y" type="integer" max="1080" units="cm"/>
+          <inkml:channel name="T" type="integer" max="2.14748E9" units="dev"/>
+        </inkml:traceFormat>
+        <inkml:channelProperties>
+          <inkml:channelProperty channel="X" name="resolution" value="28.36041" units="1/cm"/>
+          <inkml:channelProperty channel="Y" name="resolution" value="28.34646" units="1/cm"/>
+          <inkml:channelProperty channel="T" name="resolution" value="1" units="1/dev"/>
+        </inkml:channelProperties>
+      </inkml:inkSource>
+      <inkml:timestamp xml:id="ts0" timeString="2019-01-14T18:49:48.206"/>
+    </inkml:context>
+    <inkml:brush xml:id="br0">
+      <inkml:brushProperty name="width" value="0.26667" units="cm"/>
+      <inkml:brushProperty name="height" value="0.53333" units="cm"/>
+      <inkml:brushProperty name="color" value="#FF00FF"/>
+      <inkml:brushProperty name="tip" value="rectangle"/>
+      <inkml:brushProperty name="rasterOp" value="maskPen"/>
+      <inkml:brushProperty name="fitToCurve" value="1"/>
+    </inkml:brush>
+  </inkml:definitions>
+  <inkml:trace contextRef="#ctx0" brushRef="#br0">0 24 0,'0'0'16,"24"0"-1,-24-23 1,0 23-16,23 0 16,0 0-1,-23 0 1,23 0-16</inkml:trace>
+</inkml:ink>
+</file>
+
+<file path=ppt/ink/ink6.xml><?xml version="1.0" encoding="utf-8"?>
+<inkml:ink xmlns:inkml="http://www.w3.org/2003/InkML">
+  <inkml:definitions>
+    <inkml:context xml:id="ctx0">
+      <inkml:inkSource xml:id="inkSrc0">
+        <inkml:traceFormat>
+          <inkml:channel name="X" type="integer" max="1920" units="cm"/>
+          <inkml:channel name="Y" type="integer" max="1080" units="cm"/>
+          <inkml:channel name="T" type="integer" max="2.14748E9" units="dev"/>
+        </inkml:traceFormat>
+        <inkml:channelProperties>
+          <inkml:channelProperty channel="X" name="resolution" value="28.36041" units="1/cm"/>
+          <inkml:channelProperty channel="Y" name="resolution" value="28.34646" units="1/cm"/>
+          <inkml:channelProperty channel="T" name="resolution" value="1" units="1/dev"/>
+        </inkml:channelProperties>
+      </inkml:inkSource>
+      <inkml:timestamp xml:id="ts0" timeString="2019-01-14T19:02:03.323"/>
+    </inkml:context>
+    <inkml:brush xml:id="br0">
+      <inkml:brushProperty name="width" value="0.06667" units="cm"/>
+      <inkml:brushProperty name="height" value="0.06667" units="cm"/>
+      <inkml:brushProperty name="fitToCurve" value="1"/>
+    </inkml:brush>
+  </inkml:definitions>
+  <inkml:traceGroup>
+    <inkml:annotationXML>
+      <emma:emma xmlns:emma="http://www.w3.org/2003/04/emma" version="1.0">
+        <emma:interpretation id="{A67597C8-D677-4E43-883F-9C3BAE8749D0}" emma:medium="tactile" emma:mode="ink">
+          <msink:context xmlns:msink="http://schemas.microsoft.com/ink/2010/main" type="inkDrawing" rotatedBoundingBox="6784,9220 17083,8851 17087,8982 6788,9351" shapeName="None"/>
+        </emma:interpretation>
+      </emma:emma>
+    </inkml:annotationXML>
+    <inkml:trace contextRef="#ctx0" brushRef="#br0">0 393 0,'0'0'125,"0"0"-109,23 0-16,1 0 15,-1 0-15,0 0 16,0 0-16,23 0 15,0 0 1,-23 0-16,0 0 16,24 0-16,-24 0 15,-23 0 1,23 0-16,0 0 15,0 0-15,-23 0 16,23 0 0,0 0-16,-23 0 15,23 0-15,-23 0 16,23 0-1,0 0-15,0 0 16,-23 0-16,47-23 16,-47 23-1,23 0-15,-23 0 16,23 0-16,0 0 0,23 0 15,-46 0 1,23 0 0,0 0-16,0 0 15,0 0-15,-23 0 16,47 0-1,-24 0-15,-23 0 0,46 0 16,-23 0-16,0 0 16,-23 0-1,23-23-15,-23 23 16,46 0-1,-46 0-15,23 0 16,1 0-16,-1 0 16,0 0-16,0-23 15,0 23 1,0 0-16,0 0 15,23 0-15,-46 0 16,23 0 0,24 0-16,-24 0 15,0-23 1,23 23-16,23 0 15,-69 0-15,69-23 16,-45 23 0,45 0-1,-23 0-15,23 0 16,-46 0-16,47 0 15,-24 0-15,23 0 16,0-23-16,24 23 16,-24 0-16,46-23 15,-68 23 1,68 0-16,-92 0 15,93-23-15,-93 23 16,69 0 0,-46-23-16,24 23 15,-24 0-15,92 0 16,-92 0-16,93 0 31,-70 0-31,47 0 0,-47 0 16,116-23-1,-162 23-15,162 0 16,-162 0-16,184 0 15,-114 0-15,92 0 16,-93 0-16,93 0 16,-47 0-1,47 0-15,92 0 16,-231 0-1,47 0-15,161 0 16,-208 0-16,208 0 16,-208 0-16,254 0 15,-184 0-15,114 0 16,-137 0-1,138-24-15,-139 24 16,70 0 0,46 0-16,-185 0 15,46 0-15,46 0 16,-115 0-16,93 0 15,-70 0-15,69-23 16,-23 23 0,24 0-16,-70 0 15,69-23 1,-46 23-16,93-23 15,-93 23-15,70 0 16,-70 0-16,115-23 16,-137 23-1,137 0-15,-115 0 16,116 0-1,-47-23-15,-45 23 0,-1 0 16,46 0 0,-45 0-16,-24 0 15,46-23-15,-22 23 16,-24 0-16,0 0 15,-46 0 1,46 0-16,-46 0 16,46 0-1,-46 0-15,23 0 16,-23 0-16,23 0 15,-23 0-15,24 0 16,-1 0 0,-23 0-1,23 0 1,-23 0-1,23 0 1,0 0 15,-23 23-31,0-23 16,23 0-1,-23 0 1,23 0 0,-23 0-16,23 0 15,0 0 1,0 0-1,-23 0 1,23 0-16,1 0 16,-24 0-1,23 0 1,-23 0-1,23 0 1,-23 0 93,23 0 656,0 0-750</inkml:trace>
+  </inkml:traceGroup>
+</inkml:ink>
+</file>
+
+<file path=ppt/ink/ink7.xml><?xml version="1.0" encoding="utf-8"?>
+<inkml:ink xmlns:inkml="http://www.w3.org/2003/InkML">
+  <inkml:definitions>
+    <inkml:context xml:id="ctx0">
+      <inkml:inkSource xml:id="inkSrc0">
+        <inkml:traceFormat>
+          <inkml:channel name="X" type="integer" max="1920" units="cm"/>
+          <inkml:channel name="Y" type="integer" max="1080" units="cm"/>
+          <inkml:channel name="T" type="integer" max="2.14748E9" units="dev"/>
+        </inkml:traceFormat>
+        <inkml:channelProperties>
+          <inkml:channelProperty channel="X" name="resolution" value="28.36041" units="1/cm"/>
+          <inkml:channelProperty channel="Y" name="resolution" value="28.34646" units="1/cm"/>
+          <inkml:channelProperty channel="T" name="resolution" value="1" units="1/dev"/>
+        </inkml:channelProperties>
+      </inkml:inkSource>
+      <inkml:timestamp xml:id="ts0" timeString="2019-01-14T19:02:12.453"/>
+    </inkml:context>
+    <inkml:brush xml:id="br0">
+      <inkml:brushProperty name="width" value="0.06667" units="cm"/>
+      <inkml:brushProperty name="height" value="0.06667" units="cm"/>
+      <inkml:brushProperty name="fitToCurve" value="1"/>
+    </inkml:brush>
+  </inkml:definitions>
+  <inkml:traceGroup>
+    <inkml:annotationXML>
+      <emma:emma xmlns:emma="http://www.w3.org/2003/04/emma" version="1.0">
+        <emma:interpretation id="{4FC506F1-FD62-4822-BBDB-C46B3939E422}" emma:medium="tactile" emma:mode="ink">
+          <msink:context xmlns:msink="http://schemas.microsoft.com/ink/2010/main" type="writingRegion" rotatedBoundingBox="17148,8827 17166,9089 16902,9107 16885,8845"/>
+        </emma:interpretation>
+      </emma:emma>
+    </inkml:annotationXML>
+    <inkml:traceGroup>
+      <inkml:annotationXML>
+        <emma:emma xmlns:emma="http://www.w3.org/2003/04/emma" version="1.0">
+          <emma:interpretation id="{8FC6C4EC-FB93-4792-980A-1EB298C19E4E}" emma:medium="tactile" emma:mode="ink">
+            <msink:context xmlns:msink="http://schemas.microsoft.com/ink/2010/main" type="paragraph" rotatedBoundingBox="17148,8827 17166,9089 16902,9107 16885,8845" alignmentLevel="1"/>
+          </emma:interpretation>
+        </emma:emma>
+      </inkml:annotationXML>
+      <inkml:traceGroup>
+        <inkml:annotationXML>
+          <emma:emma xmlns:emma="http://www.w3.org/2003/04/emma" version="1.0">
+            <emma:interpretation id="{D4808ED0-4450-4668-94AD-E28948F206B4}" emma:medium="tactile" emma:mode="ink">
+              <msink:context xmlns:msink="http://schemas.microsoft.com/ink/2010/main" type="line" rotatedBoundingBox="17148,8827 17166,9089 16902,9107 16885,8845"/>
+            </emma:interpretation>
+          </emma:emma>
+        </inkml:annotationXML>
+        <inkml:traceGroup>
+          <inkml:annotationXML>
+            <emma:emma xmlns:emma="http://www.w3.org/2003/04/emma" version="1.0">
+              <emma:interpretation id="{79813E18-26F1-44C5-ACF1-B9DFAD1C7D2D}" emma:medium="tactile" emma:mode="ink">
+                <msink:context xmlns:msink="http://schemas.microsoft.com/ink/2010/main" type="inkWord" rotatedBoundingBox="17148,8827 17166,9089 16902,9107 16885,8845"/>
+              </emma:interpretation>
+            </emma:emma>
+          </inkml:annotationXML>
+          <inkml:trace contextRef="#ctx0" brushRef="#br0">66 0 0,'0'0'203,"24"0"-203,-24 0 15,23 23-15,-23-23 16,23 0-16,-23 23 16,23-23-1,0 0-15,-23 0 16,23 23-1,-23-23 1,23 0 0,-23 23 15,23-23-16,-23 23 219,0-23-218,0 0 0,0 23-1,0-23 48,0 23-48,0 0 297,0-23-296,-23 0 15,23 23 16,-23-23-32,23 0-15,-23 23 16,0-23 0,23 0 93,-23 0-94,23 24-15,0-24 234,-23 0 94,23 0-312,-23 0-1,-1 0 1,24 0 62,-23 0-63,23 0 547,0 0-546,23 0-1,1 0 32,-24 0-47,0 0 16,23 0-1,-23-24-15,0 24 16,23 0-16,-23 0 47,0 0-32,23-23 1,0 23-1,-23 0 79,0-23-78,0 23-16,0-23 124,0 23-77,23 0 0,-23 0 140,0 0-187,-23 0 16,0 0-16,-23 23 15,46-23 1,-47 46-16,24-46 16,23 0-16,-23 0 15,0 24 1,23-24 15,0 0 265,0 0-264,0 0 14,0 0-30,23 0 0,-23-24-16,0 24 15,0 0 79,23-23-79,-23 0 17,23 23 46,-23 0-78,0-23 15,24 23 1,-24 0 31,23 0-16,-23-23-31,0 23 15,23 0 110,-23-23 172,0 0-282,0 23 79,0 0-79,0-23-15,0 23 32,0 0 92,0-23-124,-23 0 94,0 23-78,23 0 62,-24 0-63,24 0 1,-23 0 15,23 0 733,-23 0-732,23-23 373,-23 23-405,23 0 749,23 0-733,-23 0-16,23 0 15,-23 0-15,23 0 16,-23 0-16,24 0 15,-1 0 1,-23 23 15,0-23-31,23 0 47,-23 23 0,0-23-32,0 0 1,0 23 31,23-23-16</inkml:trace>
+        </inkml:traceGroup>
+      </inkml:traceGroup>
+    </inkml:traceGroup>
+  </inkml:traceGroup>
+</inkml:ink>
 </file>
 
 <file path=ppt/slideLayouts/slideLayout1.xml><?xml version="1.0" encoding="utf-8"?>
@@ -5793,15 +6052,7 @@
                   <a:schemeClr val="tx2"/>
                 </a:solidFill>
               </a:rPr>
-              <a:t>Backwar</a:t>
-            </a:r>
-            <a:r>
-              <a:rPr lang="en-US" dirty="0" smtClean="0">
-                <a:solidFill>
-                  <a:schemeClr val="tx2"/>
-                </a:solidFill>
-              </a:rPr>
-              <a:t>d</a:t>
+              <a:t>Backward</a:t>
             </a:r>
             <a:r>
               <a:rPr lang="en-US" dirty="0" smtClean="0"/>
@@ -6502,11 +6753,6 @@
               </a:rPr>
               <a:t>elimination</a:t>
             </a:r>
-            <a:endParaRPr lang="en-US" dirty="0">
-              <a:solidFill>
-                <a:schemeClr val="tx2"/>
-              </a:solidFill>
-            </a:endParaRPr>
           </a:p>
         </p:txBody>
       </p:sp>
@@ -6695,11 +6941,6 @@
               </a:rPr>
               <a:t>Encoding categorical data</a:t>
             </a:r>
-            <a:endParaRPr lang="en-US" dirty="0">
-              <a:solidFill>
-                <a:schemeClr val="tx2"/>
-              </a:solidFill>
-            </a:endParaRPr>
           </a:p>
         </p:txBody>
       </p:sp>
@@ -9616,15 +9857,1454 @@
             <p:ph type="title"/>
           </p:nvPr>
         </p:nvSpPr>
-        <p:spPr/>
+        <p:spPr>
+          <a:xfrm>
+            <a:off x="203199" y="152400"/>
+            <a:ext cx="11625811" cy="838200"/>
+          </a:xfrm>
+        </p:spPr>
         <p:txBody>
-          <a:bodyPr/>
+          <a:bodyPr>
+            <a:normAutofit fontScale="90000"/>
+          </a:bodyPr>
           <a:lstStyle/>
           <a:p>
-            <a:endParaRPr lang="en-US"/>
+            <a:r>
+              <a:rPr lang="en-US" dirty="0">
+                <a:solidFill>
+                  <a:schemeClr val="tx2"/>
+                </a:solidFill>
+                <a:highlight>
+                  <a:srgbClr val="FFFFFF"/>
+                </a:highlight>
+              </a:rPr>
+              <a:t>Building the optimal model using Backward Elimination</a:t>
+            </a:r>
+            <a:endParaRPr lang="en-US" dirty="0">
+              <a:solidFill>
+                <a:schemeClr val="tx2"/>
+              </a:solidFill>
+            </a:endParaRPr>
           </a:p>
         </p:txBody>
       </p:sp>
+      <p:sp>
+        <p:nvSpPr>
+          <p:cNvPr id="3" name="Rectangle 2"/>
+          <p:cNvSpPr/>
+          <p:nvPr/>
+        </p:nvSpPr>
+        <p:spPr>
+          <a:xfrm>
+            <a:off x="203200" y="1141491"/>
+            <a:ext cx="5773651" cy="2031325"/>
+          </a:xfrm>
+          <a:prstGeom prst="rect">
+            <a:avLst/>
+          </a:prstGeom>
+        </p:spPr>
+        <p:txBody>
+          <a:bodyPr wrap="square">
+            <a:spAutoFit/>
+          </a:bodyPr>
+          <a:lstStyle/>
+          <a:p>
+            <a:r>
+              <a:rPr lang="en-US" dirty="0">
+                <a:solidFill>
+                  <a:srgbClr val="008000"/>
+                </a:solidFill>
+                <a:highlight>
+                  <a:srgbClr val="FFFFFF"/>
+                </a:highlight>
+              </a:rPr>
+              <a:t># Building the optimal model using Backward Elimination</a:t>
+            </a:r>
+            <a:endParaRPr lang="en-US" dirty="0">
+              <a:solidFill>
+                <a:srgbClr val="000000"/>
+              </a:solidFill>
+              <a:highlight>
+                <a:srgbClr val="FFFFFF"/>
+              </a:highlight>
+            </a:endParaRPr>
+          </a:p>
+          <a:p>
+            <a:r>
+              <a:rPr lang="en-US" b="1" dirty="0">
+                <a:solidFill>
+                  <a:srgbClr val="0000FF"/>
+                </a:solidFill>
+                <a:highlight>
+                  <a:srgbClr val="FFFFFF"/>
+                </a:highlight>
+              </a:rPr>
+              <a:t>import</a:t>
+            </a:r>
+            <a:r>
+              <a:rPr lang="en-US" dirty="0">
+                <a:solidFill>
+                  <a:srgbClr val="000000"/>
+                </a:solidFill>
+                <a:highlight>
+                  <a:srgbClr val="FFFFFF"/>
+                </a:highlight>
+              </a:rPr>
+              <a:t> </a:t>
+            </a:r>
+            <a:r>
+              <a:rPr lang="en-US" dirty="0" err="1">
+                <a:solidFill>
+                  <a:srgbClr val="000000"/>
+                </a:solidFill>
+                <a:highlight>
+                  <a:srgbClr val="FFFFFF"/>
+                </a:highlight>
+              </a:rPr>
+              <a:t>statsmodels</a:t>
+            </a:r>
+            <a:r>
+              <a:rPr lang="en-US" b="1" dirty="0" err="1">
+                <a:solidFill>
+                  <a:srgbClr val="000080"/>
+                </a:solidFill>
+                <a:highlight>
+                  <a:srgbClr val="FFFFFF"/>
+                </a:highlight>
+              </a:rPr>
+              <a:t>.</a:t>
+            </a:r>
+            <a:r>
+              <a:rPr lang="en-US" dirty="0" err="1">
+                <a:solidFill>
+                  <a:srgbClr val="000000"/>
+                </a:solidFill>
+                <a:highlight>
+                  <a:srgbClr val="FFFFFF"/>
+                </a:highlight>
+              </a:rPr>
+              <a:t>formula</a:t>
+            </a:r>
+            <a:r>
+              <a:rPr lang="en-US" b="1" dirty="0" err="1">
+                <a:solidFill>
+                  <a:srgbClr val="000080"/>
+                </a:solidFill>
+                <a:highlight>
+                  <a:srgbClr val="FFFFFF"/>
+                </a:highlight>
+              </a:rPr>
+              <a:t>.</a:t>
+            </a:r>
+            <a:r>
+              <a:rPr lang="en-US" dirty="0" err="1">
+                <a:solidFill>
+                  <a:srgbClr val="000000"/>
+                </a:solidFill>
+                <a:highlight>
+                  <a:srgbClr val="FFFFFF"/>
+                </a:highlight>
+              </a:rPr>
+              <a:t>api</a:t>
+            </a:r>
+            <a:r>
+              <a:rPr lang="en-US" dirty="0">
+                <a:solidFill>
+                  <a:srgbClr val="000000"/>
+                </a:solidFill>
+                <a:highlight>
+                  <a:srgbClr val="FFFFFF"/>
+                </a:highlight>
+              </a:rPr>
+              <a:t> </a:t>
+            </a:r>
+            <a:r>
+              <a:rPr lang="en-US" b="1" dirty="0">
+                <a:solidFill>
+                  <a:srgbClr val="0000FF"/>
+                </a:solidFill>
+                <a:highlight>
+                  <a:srgbClr val="FFFFFF"/>
+                </a:highlight>
+              </a:rPr>
+              <a:t>as</a:t>
+            </a:r>
+            <a:r>
+              <a:rPr lang="en-US" dirty="0">
+                <a:solidFill>
+                  <a:srgbClr val="000000"/>
+                </a:solidFill>
+                <a:highlight>
+                  <a:srgbClr val="FFFFFF"/>
+                </a:highlight>
+              </a:rPr>
+              <a:t> </a:t>
+            </a:r>
+            <a:r>
+              <a:rPr lang="en-US" dirty="0" err="1">
+                <a:solidFill>
+                  <a:srgbClr val="000000"/>
+                </a:solidFill>
+                <a:highlight>
+                  <a:srgbClr val="FFFFFF"/>
+                </a:highlight>
+              </a:rPr>
+              <a:t>sm</a:t>
+            </a:r>
+            <a:endParaRPr lang="en-US" dirty="0">
+              <a:solidFill>
+                <a:srgbClr val="000000"/>
+              </a:solidFill>
+              <a:highlight>
+                <a:srgbClr val="FFFFFF"/>
+              </a:highlight>
+            </a:endParaRPr>
+          </a:p>
+          <a:p>
+            <a:r>
+              <a:rPr lang="en-US" dirty="0">
+                <a:solidFill>
+                  <a:srgbClr val="000000"/>
+                </a:solidFill>
+                <a:highlight>
+                  <a:srgbClr val="FFFFFF"/>
+                </a:highlight>
+              </a:rPr>
+              <a:t>X </a:t>
+            </a:r>
+            <a:r>
+              <a:rPr lang="en-US" b="1" dirty="0">
+                <a:solidFill>
+                  <a:srgbClr val="000080"/>
+                </a:solidFill>
+                <a:highlight>
+                  <a:srgbClr val="FFFFFF"/>
+                </a:highlight>
+              </a:rPr>
+              <a:t>=</a:t>
+            </a:r>
+            <a:r>
+              <a:rPr lang="en-US" dirty="0">
+                <a:solidFill>
+                  <a:srgbClr val="000000"/>
+                </a:solidFill>
+                <a:highlight>
+                  <a:srgbClr val="FFFFFF"/>
+                </a:highlight>
+              </a:rPr>
+              <a:t> </a:t>
+            </a:r>
+            <a:r>
+              <a:rPr lang="en-US" dirty="0" err="1">
+                <a:solidFill>
+                  <a:srgbClr val="000000"/>
+                </a:solidFill>
+                <a:highlight>
+                  <a:srgbClr val="FFFFFF"/>
+                </a:highlight>
+              </a:rPr>
+              <a:t>np</a:t>
+            </a:r>
+            <a:r>
+              <a:rPr lang="en-US" b="1" dirty="0" err="1">
+                <a:solidFill>
+                  <a:srgbClr val="000080"/>
+                </a:solidFill>
+                <a:highlight>
+                  <a:srgbClr val="FFFFFF"/>
+                </a:highlight>
+              </a:rPr>
+              <a:t>.</a:t>
+            </a:r>
+            <a:r>
+              <a:rPr lang="en-US" dirty="0" err="1">
+                <a:solidFill>
+                  <a:srgbClr val="000000"/>
+                </a:solidFill>
+                <a:highlight>
+                  <a:srgbClr val="FFFFFF"/>
+                </a:highlight>
+              </a:rPr>
+              <a:t>append</a:t>
+            </a:r>
+            <a:r>
+              <a:rPr lang="en-US" b="1" dirty="0">
+                <a:solidFill>
+                  <a:srgbClr val="000080"/>
+                </a:solidFill>
+                <a:highlight>
+                  <a:srgbClr val="FFFFFF"/>
+                </a:highlight>
+              </a:rPr>
+              <a:t>(</a:t>
+            </a:r>
+            <a:r>
+              <a:rPr lang="en-US" dirty="0" err="1">
+                <a:solidFill>
+                  <a:srgbClr val="000000"/>
+                </a:solidFill>
+                <a:highlight>
+                  <a:srgbClr val="FFFFFF"/>
+                </a:highlight>
+              </a:rPr>
+              <a:t>arr</a:t>
+            </a:r>
+            <a:r>
+              <a:rPr lang="en-US" dirty="0">
+                <a:solidFill>
+                  <a:srgbClr val="000000"/>
+                </a:solidFill>
+                <a:highlight>
+                  <a:srgbClr val="FFFFFF"/>
+                </a:highlight>
+              </a:rPr>
+              <a:t> </a:t>
+            </a:r>
+            <a:r>
+              <a:rPr lang="en-US" b="1" dirty="0">
+                <a:solidFill>
+                  <a:srgbClr val="000080"/>
+                </a:solidFill>
+                <a:highlight>
+                  <a:srgbClr val="FFFFFF"/>
+                </a:highlight>
+              </a:rPr>
+              <a:t>=</a:t>
+            </a:r>
+            <a:r>
+              <a:rPr lang="en-US" dirty="0">
+                <a:solidFill>
+                  <a:srgbClr val="000000"/>
+                </a:solidFill>
+                <a:highlight>
+                  <a:srgbClr val="FFFFFF"/>
+                </a:highlight>
+              </a:rPr>
+              <a:t> </a:t>
+            </a:r>
+            <a:r>
+              <a:rPr lang="en-US" dirty="0" err="1">
+                <a:solidFill>
+                  <a:srgbClr val="000000"/>
+                </a:solidFill>
+                <a:highlight>
+                  <a:srgbClr val="FFFFFF"/>
+                </a:highlight>
+              </a:rPr>
+              <a:t>np</a:t>
+            </a:r>
+            <a:r>
+              <a:rPr lang="en-US" b="1" dirty="0" err="1">
+                <a:solidFill>
+                  <a:srgbClr val="000080"/>
+                </a:solidFill>
+                <a:highlight>
+                  <a:srgbClr val="FFFFFF"/>
+                </a:highlight>
+              </a:rPr>
+              <a:t>.</a:t>
+            </a:r>
+            <a:r>
+              <a:rPr lang="en-US" dirty="0" err="1">
+                <a:solidFill>
+                  <a:srgbClr val="000000"/>
+                </a:solidFill>
+                <a:highlight>
+                  <a:srgbClr val="FFFFFF"/>
+                </a:highlight>
+              </a:rPr>
+              <a:t>ones</a:t>
+            </a:r>
+            <a:r>
+              <a:rPr lang="en-US" b="1" dirty="0">
+                <a:solidFill>
+                  <a:srgbClr val="000080"/>
+                </a:solidFill>
+                <a:highlight>
+                  <a:srgbClr val="FFFFFF"/>
+                </a:highlight>
+              </a:rPr>
+              <a:t>((</a:t>
+            </a:r>
+            <a:r>
+              <a:rPr lang="en-US" dirty="0">
+                <a:solidFill>
+                  <a:srgbClr val="FF0000"/>
+                </a:solidFill>
+                <a:highlight>
+                  <a:srgbClr val="FFFFFF"/>
+                </a:highlight>
+              </a:rPr>
+              <a:t>50</a:t>
+            </a:r>
+            <a:r>
+              <a:rPr lang="en-US" b="1" dirty="0">
+                <a:solidFill>
+                  <a:srgbClr val="000080"/>
+                </a:solidFill>
+                <a:highlight>
+                  <a:srgbClr val="FFFFFF"/>
+                </a:highlight>
+              </a:rPr>
+              <a:t>,</a:t>
+            </a:r>
+            <a:r>
+              <a:rPr lang="en-US" dirty="0">
+                <a:solidFill>
+                  <a:srgbClr val="000000"/>
+                </a:solidFill>
+                <a:highlight>
+                  <a:srgbClr val="FFFFFF"/>
+                </a:highlight>
+              </a:rPr>
+              <a:t> </a:t>
+            </a:r>
+            <a:r>
+              <a:rPr lang="en-US" dirty="0">
+                <a:solidFill>
+                  <a:srgbClr val="FF0000"/>
+                </a:solidFill>
+                <a:highlight>
+                  <a:srgbClr val="FFFFFF"/>
+                </a:highlight>
+              </a:rPr>
+              <a:t>1</a:t>
+            </a:r>
+            <a:r>
+              <a:rPr lang="en-US" b="1" dirty="0">
+                <a:solidFill>
+                  <a:srgbClr val="000080"/>
+                </a:solidFill>
+                <a:highlight>
+                  <a:srgbClr val="FFFFFF"/>
+                </a:highlight>
+              </a:rPr>
+              <a:t>)).</a:t>
+            </a:r>
+            <a:r>
+              <a:rPr lang="en-US" dirty="0" err="1">
+                <a:solidFill>
+                  <a:srgbClr val="000000"/>
+                </a:solidFill>
+                <a:highlight>
+                  <a:srgbClr val="FFFFFF"/>
+                </a:highlight>
+              </a:rPr>
+              <a:t>astype</a:t>
+            </a:r>
+            <a:r>
+              <a:rPr lang="en-US" b="1" dirty="0">
+                <a:solidFill>
+                  <a:srgbClr val="000080"/>
+                </a:solidFill>
+                <a:highlight>
+                  <a:srgbClr val="FFFFFF"/>
+                </a:highlight>
+              </a:rPr>
+              <a:t>(</a:t>
+            </a:r>
+            <a:r>
+              <a:rPr lang="en-US" dirty="0" err="1">
+                <a:solidFill>
+                  <a:srgbClr val="000000"/>
+                </a:solidFill>
+                <a:highlight>
+                  <a:srgbClr val="FFFFFF"/>
+                </a:highlight>
+              </a:rPr>
+              <a:t>int</a:t>
+            </a:r>
+            <a:r>
+              <a:rPr lang="en-US" b="1" dirty="0">
+                <a:solidFill>
+                  <a:srgbClr val="000080"/>
+                </a:solidFill>
+                <a:highlight>
+                  <a:srgbClr val="FFFFFF"/>
+                </a:highlight>
+              </a:rPr>
+              <a:t>),</a:t>
+            </a:r>
+            <a:r>
+              <a:rPr lang="en-US" dirty="0">
+                <a:solidFill>
+                  <a:srgbClr val="000000"/>
+                </a:solidFill>
+                <a:highlight>
+                  <a:srgbClr val="FFFFFF"/>
+                </a:highlight>
+              </a:rPr>
+              <a:t> values </a:t>
+            </a:r>
+            <a:r>
+              <a:rPr lang="en-US" b="1" dirty="0">
+                <a:solidFill>
+                  <a:srgbClr val="000080"/>
+                </a:solidFill>
+                <a:highlight>
+                  <a:srgbClr val="FFFFFF"/>
+                </a:highlight>
+              </a:rPr>
+              <a:t>=</a:t>
+            </a:r>
+            <a:r>
+              <a:rPr lang="en-US" dirty="0">
+                <a:solidFill>
+                  <a:srgbClr val="000000"/>
+                </a:solidFill>
+                <a:highlight>
+                  <a:srgbClr val="FFFFFF"/>
+                </a:highlight>
+              </a:rPr>
+              <a:t> X</a:t>
+            </a:r>
+            <a:r>
+              <a:rPr lang="en-US" b="1" dirty="0">
+                <a:solidFill>
+                  <a:srgbClr val="000080"/>
+                </a:solidFill>
+                <a:highlight>
+                  <a:srgbClr val="FFFFFF"/>
+                </a:highlight>
+              </a:rPr>
+              <a:t>,</a:t>
+            </a:r>
+            <a:r>
+              <a:rPr lang="en-US" dirty="0">
+                <a:solidFill>
+                  <a:srgbClr val="000000"/>
+                </a:solidFill>
+                <a:highlight>
+                  <a:srgbClr val="FFFFFF"/>
+                </a:highlight>
+              </a:rPr>
+              <a:t> axis </a:t>
+            </a:r>
+            <a:r>
+              <a:rPr lang="en-US" b="1" dirty="0">
+                <a:solidFill>
+                  <a:srgbClr val="000080"/>
+                </a:solidFill>
+                <a:highlight>
+                  <a:srgbClr val="FFFFFF"/>
+                </a:highlight>
+              </a:rPr>
+              <a:t>=</a:t>
+            </a:r>
+            <a:r>
+              <a:rPr lang="en-US" dirty="0">
+                <a:solidFill>
+                  <a:srgbClr val="000000"/>
+                </a:solidFill>
+                <a:highlight>
+                  <a:srgbClr val="FFFFFF"/>
+                </a:highlight>
+              </a:rPr>
+              <a:t> </a:t>
+            </a:r>
+            <a:r>
+              <a:rPr lang="en-US" dirty="0">
+                <a:solidFill>
+                  <a:srgbClr val="FF0000"/>
+                </a:solidFill>
+                <a:highlight>
+                  <a:srgbClr val="FFFFFF"/>
+                </a:highlight>
+              </a:rPr>
+              <a:t>1</a:t>
+            </a:r>
+            <a:r>
+              <a:rPr lang="en-US" b="1" dirty="0">
+                <a:solidFill>
+                  <a:srgbClr val="000080"/>
+                </a:solidFill>
+                <a:highlight>
+                  <a:srgbClr val="FFFFFF"/>
+                </a:highlight>
+              </a:rPr>
+              <a:t>)</a:t>
+            </a:r>
+            <a:endParaRPr lang="en-US" dirty="0">
+              <a:solidFill>
+                <a:srgbClr val="000000"/>
+              </a:solidFill>
+              <a:highlight>
+                <a:srgbClr val="FFFFFF"/>
+              </a:highlight>
+            </a:endParaRPr>
+          </a:p>
+          <a:p>
+            <a:r>
+              <a:rPr lang="nl-NL" dirty="0">
+                <a:solidFill>
+                  <a:srgbClr val="000000"/>
+                </a:solidFill>
+                <a:highlight>
+                  <a:srgbClr val="FFFFFF"/>
+                </a:highlight>
+              </a:rPr>
+              <a:t>X_opt </a:t>
+            </a:r>
+            <a:r>
+              <a:rPr lang="nl-NL" b="1" dirty="0">
+                <a:solidFill>
+                  <a:srgbClr val="000080"/>
+                </a:solidFill>
+                <a:highlight>
+                  <a:srgbClr val="FFFFFF"/>
+                </a:highlight>
+              </a:rPr>
+              <a:t>=</a:t>
+            </a:r>
+            <a:r>
+              <a:rPr lang="nl-NL" dirty="0">
+                <a:solidFill>
+                  <a:srgbClr val="000000"/>
+                </a:solidFill>
+                <a:highlight>
+                  <a:srgbClr val="FFFFFF"/>
+                </a:highlight>
+              </a:rPr>
+              <a:t> X</a:t>
+            </a:r>
+            <a:r>
+              <a:rPr lang="nl-NL" b="1" dirty="0">
+                <a:solidFill>
+                  <a:srgbClr val="000080"/>
+                </a:solidFill>
+                <a:highlight>
+                  <a:srgbClr val="FFFFFF"/>
+                </a:highlight>
+              </a:rPr>
+              <a:t>[:,</a:t>
+            </a:r>
+            <a:r>
+              <a:rPr lang="nl-NL" dirty="0">
+                <a:solidFill>
+                  <a:srgbClr val="000000"/>
+                </a:solidFill>
+                <a:highlight>
+                  <a:srgbClr val="FFFFFF"/>
+                </a:highlight>
+              </a:rPr>
+              <a:t> </a:t>
+            </a:r>
+            <a:r>
+              <a:rPr lang="nl-NL" b="1" dirty="0">
+                <a:solidFill>
+                  <a:srgbClr val="000080"/>
+                </a:solidFill>
+                <a:highlight>
+                  <a:srgbClr val="FFFFFF"/>
+                </a:highlight>
+              </a:rPr>
+              <a:t>[</a:t>
+            </a:r>
+            <a:r>
+              <a:rPr lang="nl-NL" dirty="0">
+                <a:solidFill>
+                  <a:srgbClr val="FF0000"/>
+                </a:solidFill>
+                <a:highlight>
+                  <a:srgbClr val="FFFFFF"/>
+                </a:highlight>
+              </a:rPr>
+              <a:t>0</a:t>
+            </a:r>
+            <a:r>
+              <a:rPr lang="nl-NL" b="1" dirty="0">
+                <a:solidFill>
+                  <a:srgbClr val="000080"/>
+                </a:solidFill>
+                <a:highlight>
+                  <a:srgbClr val="FFFFFF"/>
+                </a:highlight>
+              </a:rPr>
+              <a:t>,</a:t>
+            </a:r>
+            <a:r>
+              <a:rPr lang="nl-NL" dirty="0">
+                <a:solidFill>
+                  <a:srgbClr val="000000"/>
+                </a:solidFill>
+                <a:highlight>
+                  <a:srgbClr val="FFFFFF"/>
+                </a:highlight>
+              </a:rPr>
+              <a:t> </a:t>
+            </a:r>
+            <a:r>
+              <a:rPr lang="nl-NL" dirty="0">
+                <a:solidFill>
+                  <a:srgbClr val="FF0000"/>
+                </a:solidFill>
+                <a:highlight>
+                  <a:srgbClr val="FFFFFF"/>
+                </a:highlight>
+              </a:rPr>
+              <a:t>1</a:t>
+            </a:r>
+            <a:r>
+              <a:rPr lang="nl-NL" b="1" dirty="0">
+                <a:solidFill>
+                  <a:srgbClr val="000080"/>
+                </a:solidFill>
+                <a:highlight>
+                  <a:srgbClr val="FFFFFF"/>
+                </a:highlight>
+              </a:rPr>
+              <a:t>,</a:t>
+            </a:r>
+            <a:r>
+              <a:rPr lang="nl-NL" dirty="0">
+                <a:solidFill>
+                  <a:srgbClr val="000000"/>
+                </a:solidFill>
+                <a:highlight>
+                  <a:srgbClr val="FFFFFF"/>
+                </a:highlight>
+              </a:rPr>
+              <a:t> </a:t>
+            </a:r>
+            <a:r>
+              <a:rPr lang="nl-NL" dirty="0">
+                <a:solidFill>
+                  <a:srgbClr val="FF0000"/>
+                </a:solidFill>
+                <a:highlight>
+                  <a:srgbClr val="FFFFFF"/>
+                </a:highlight>
+              </a:rPr>
+              <a:t>2</a:t>
+            </a:r>
+            <a:r>
+              <a:rPr lang="nl-NL" b="1" dirty="0">
+                <a:solidFill>
+                  <a:srgbClr val="000080"/>
+                </a:solidFill>
+                <a:highlight>
+                  <a:srgbClr val="FFFFFF"/>
+                </a:highlight>
+              </a:rPr>
+              <a:t>,</a:t>
+            </a:r>
+            <a:r>
+              <a:rPr lang="nl-NL" dirty="0">
+                <a:solidFill>
+                  <a:srgbClr val="000000"/>
+                </a:solidFill>
+                <a:highlight>
+                  <a:srgbClr val="FFFFFF"/>
+                </a:highlight>
+              </a:rPr>
+              <a:t> </a:t>
+            </a:r>
+            <a:r>
+              <a:rPr lang="nl-NL" dirty="0">
+                <a:solidFill>
+                  <a:srgbClr val="FF0000"/>
+                </a:solidFill>
+                <a:highlight>
+                  <a:srgbClr val="FFFFFF"/>
+                </a:highlight>
+              </a:rPr>
+              <a:t>3</a:t>
+            </a:r>
+            <a:r>
+              <a:rPr lang="nl-NL" b="1" dirty="0">
+                <a:solidFill>
+                  <a:srgbClr val="000080"/>
+                </a:solidFill>
+                <a:highlight>
+                  <a:srgbClr val="FFFFFF"/>
+                </a:highlight>
+              </a:rPr>
+              <a:t>,</a:t>
+            </a:r>
+            <a:r>
+              <a:rPr lang="nl-NL" dirty="0">
+                <a:solidFill>
+                  <a:srgbClr val="000000"/>
+                </a:solidFill>
+                <a:highlight>
+                  <a:srgbClr val="FFFFFF"/>
+                </a:highlight>
+              </a:rPr>
+              <a:t> </a:t>
+            </a:r>
+            <a:r>
+              <a:rPr lang="nl-NL" dirty="0">
+                <a:solidFill>
+                  <a:srgbClr val="FF0000"/>
+                </a:solidFill>
+                <a:highlight>
+                  <a:srgbClr val="FFFFFF"/>
+                </a:highlight>
+              </a:rPr>
+              <a:t>4</a:t>
+            </a:r>
+            <a:r>
+              <a:rPr lang="nl-NL" b="1" dirty="0">
+                <a:solidFill>
+                  <a:srgbClr val="000080"/>
+                </a:solidFill>
+                <a:highlight>
+                  <a:srgbClr val="FFFFFF"/>
+                </a:highlight>
+              </a:rPr>
+              <a:t>,</a:t>
+            </a:r>
+            <a:r>
+              <a:rPr lang="nl-NL" dirty="0">
+                <a:solidFill>
+                  <a:srgbClr val="000000"/>
+                </a:solidFill>
+                <a:highlight>
+                  <a:srgbClr val="FFFFFF"/>
+                </a:highlight>
+              </a:rPr>
+              <a:t> </a:t>
+            </a:r>
+            <a:r>
+              <a:rPr lang="nl-NL" dirty="0">
+                <a:solidFill>
+                  <a:srgbClr val="FF0000"/>
+                </a:solidFill>
+                <a:highlight>
+                  <a:srgbClr val="FFFFFF"/>
+                </a:highlight>
+              </a:rPr>
+              <a:t>5</a:t>
+            </a:r>
+            <a:r>
+              <a:rPr lang="nl-NL" b="1" dirty="0">
+                <a:solidFill>
+                  <a:srgbClr val="000080"/>
+                </a:solidFill>
+                <a:highlight>
+                  <a:srgbClr val="FFFFFF"/>
+                </a:highlight>
+              </a:rPr>
+              <a:t>]]</a:t>
+            </a:r>
+            <a:endParaRPr lang="nl-NL" dirty="0">
+              <a:solidFill>
+                <a:srgbClr val="000000"/>
+              </a:solidFill>
+              <a:highlight>
+                <a:srgbClr val="FFFFFF"/>
+              </a:highlight>
+            </a:endParaRPr>
+          </a:p>
+          <a:p>
+            <a:r>
+              <a:rPr lang="en-US" dirty="0" err="1">
+                <a:solidFill>
+                  <a:srgbClr val="000000"/>
+                </a:solidFill>
+                <a:highlight>
+                  <a:srgbClr val="FFFFFF"/>
+                </a:highlight>
+              </a:rPr>
+              <a:t>regressor_OLS</a:t>
+            </a:r>
+            <a:r>
+              <a:rPr lang="en-US" dirty="0">
+                <a:solidFill>
+                  <a:srgbClr val="000000"/>
+                </a:solidFill>
+                <a:highlight>
+                  <a:srgbClr val="FFFFFF"/>
+                </a:highlight>
+              </a:rPr>
+              <a:t> </a:t>
+            </a:r>
+            <a:r>
+              <a:rPr lang="en-US" b="1" dirty="0">
+                <a:solidFill>
+                  <a:srgbClr val="000080"/>
+                </a:solidFill>
+                <a:highlight>
+                  <a:srgbClr val="FFFFFF"/>
+                </a:highlight>
+              </a:rPr>
+              <a:t>=</a:t>
+            </a:r>
+            <a:r>
+              <a:rPr lang="en-US" dirty="0">
+                <a:solidFill>
+                  <a:srgbClr val="000000"/>
+                </a:solidFill>
+                <a:highlight>
+                  <a:srgbClr val="FFFFFF"/>
+                </a:highlight>
+              </a:rPr>
+              <a:t> </a:t>
+            </a:r>
+            <a:r>
+              <a:rPr lang="en-US" dirty="0" err="1">
+                <a:solidFill>
+                  <a:srgbClr val="000000"/>
+                </a:solidFill>
+                <a:highlight>
+                  <a:srgbClr val="FFFFFF"/>
+                </a:highlight>
+              </a:rPr>
+              <a:t>sm</a:t>
+            </a:r>
+            <a:r>
+              <a:rPr lang="en-US" b="1" dirty="0" err="1">
+                <a:solidFill>
+                  <a:srgbClr val="000080"/>
+                </a:solidFill>
+                <a:highlight>
+                  <a:srgbClr val="FFFFFF"/>
+                </a:highlight>
+              </a:rPr>
+              <a:t>.</a:t>
+            </a:r>
+            <a:r>
+              <a:rPr lang="en-US" dirty="0" err="1">
+                <a:solidFill>
+                  <a:srgbClr val="000000"/>
+                </a:solidFill>
+                <a:highlight>
+                  <a:srgbClr val="FFFFFF"/>
+                </a:highlight>
+              </a:rPr>
+              <a:t>OLS</a:t>
+            </a:r>
+            <a:r>
+              <a:rPr lang="en-US" b="1" dirty="0">
+                <a:solidFill>
+                  <a:srgbClr val="000080"/>
+                </a:solidFill>
+                <a:highlight>
+                  <a:srgbClr val="FFFFFF"/>
+                </a:highlight>
+              </a:rPr>
+              <a:t>(</a:t>
+            </a:r>
+            <a:r>
+              <a:rPr lang="en-US" dirty="0" err="1">
+                <a:solidFill>
+                  <a:srgbClr val="000000"/>
+                </a:solidFill>
+                <a:highlight>
+                  <a:srgbClr val="FFFFFF"/>
+                </a:highlight>
+              </a:rPr>
+              <a:t>endog</a:t>
+            </a:r>
+            <a:r>
+              <a:rPr lang="en-US" dirty="0">
+                <a:solidFill>
+                  <a:srgbClr val="000000"/>
+                </a:solidFill>
+                <a:highlight>
+                  <a:srgbClr val="FFFFFF"/>
+                </a:highlight>
+              </a:rPr>
+              <a:t> </a:t>
+            </a:r>
+            <a:r>
+              <a:rPr lang="en-US" b="1" dirty="0">
+                <a:solidFill>
+                  <a:srgbClr val="000080"/>
+                </a:solidFill>
+                <a:highlight>
+                  <a:srgbClr val="FFFFFF"/>
+                </a:highlight>
+              </a:rPr>
+              <a:t>=</a:t>
+            </a:r>
+            <a:r>
+              <a:rPr lang="en-US" dirty="0">
+                <a:solidFill>
+                  <a:srgbClr val="000000"/>
+                </a:solidFill>
+                <a:highlight>
+                  <a:srgbClr val="FFFFFF"/>
+                </a:highlight>
+              </a:rPr>
+              <a:t> y</a:t>
+            </a:r>
+            <a:r>
+              <a:rPr lang="en-US" b="1" dirty="0">
+                <a:solidFill>
+                  <a:srgbClr val="000080"/>
+                </a:solidFill>
+                <a:highlight>
+                  <a:srgbClr val="FFFFFF"/>
+                </a:highlight>
+              </a:rPr>
+              <a:t>,</a:t>
+            </a:r>
+            <a:r>
+              <a:rPr lang="en-US" dirty="0">
+                <a:solidFill>
+                  <a:srgbClr val="000000"/>
+                </a:solidFill>
+                <a:highlight>
+                  <a:srgbClr val="FFFFFF"/>
+                </a:highlight>
+              </a:rPr>
+              <a:t> </a:t>
+            </a:r>
+            <a:r>
+              <a:rPr lang="en-US" dirty="0" err="1">
+                <a:solidFill>
+                  <a:srgbClr val="000000"/>
+                </a:solidFill>
+                <a:highlight>
+                  <a:srgbClr val="FFFFFF"/>
+                </a:highlight>
+              </a:rPr>
+              <a:t>exog</a:t>
+            </a:r>
+            <a:r>
+              <a:rPr lang="en-US" dirty="0">
+                <a:solidFill>
+                  <a:srgbClr val="000000"/>
+                </a:solidFill>
+                <a:highlight>
+                  <a:srgbClr val="FFFFFF"/>
+                </a:highlight>
+              </a:rPr>
+              <a:t> </a:t>
+            </a:r>
+            <a:r>
+              <a:rPr lang="en-US" b="1" dirty="0">
+                <a:solidFill>
+                  <a:srgbClr val="000080"/>
+                </a:solidFill>
+                <a:highlight>
+                  <a:srgbClr val="FFFFFF"/>
+                </a:highlight>
+              </a:rPr>
+              <a:t>=</a:t>
+            </a:r>
+            <a:r>
+              <a:rPr lang="en-US" dirty="0">
+                <a:solidFill>
+                  <a:srgbClr val="000000"/>
+                </a:solidFill>
+                <a:highlight>
+                  <a:srgbClr val="FFFFFF"/>
+                </a:highlight>
+              </a:rPr>
+              <a:t> </a:t>
+            </a:r>
+            <a:r>
+              <a:rPr lang="en-US" dirty="0" err="1">
+                <a:solidFill>
+                  <a:srgbClr val="000000"/>
+                </a:solidFill>
+                <a:highlight>
+                  <a:srgbClr val="FFFFFF"/>
+                </a:highlight>
+              </a:rPr>
+              <a:t>X_opt</a:t>
+            </a:r>
+            <a:r>
+              <a:rPr lang="en-US" b="1" dirty="0">
+                <a:solidFill>
+                  <a:srgbClr val="000080"/>
+                </a:solidFill>
+                <a:highlight>
+                  <a:srgbClr val="FFFFFF"/>
+                </a:highlight>
+              </a:rPr>
+              <a:t>).</a:t>
+            </a:r>
+            <a:r>
+              <a:rPr lang="en-US" dirty="0">
+                <a:solidFill>
+                  <a:srgbClr val="000000"/>
+                </a:solidFill>
+                <a:highlight>
+                  <a:srgbClr val="FFFFFF"/>
+                </a:highlight>
+              </a:rPr>
+              <a:t>fit</a:t>
+            </a:r>
+            <a:r>
+              <a:rPr lang="en-US" b="1" dirty="0">
+                <a:solidFill>
+                  <a:srgbClr val="000080"/>
+                </a:solidFill>
+                <a:highlight>
+                  <a:srgbClr val="FFFFFF"/>
+                </a:highlight>
+              </a:rPr>
+              <a:t>()</a:t>
+            </a:r>
+            <a:endParaRPr lang="en-US" dirty="0">
+              <a:solidFill>
+                <a:srgbClr val="000000"/>
+              </a:solidFill>
+              <a:highlight>
+                <a:srgbClr val="FFFFFF"/>
+              </a:highlight>
+            </a:endParaRPr>
+          </a:p>
+          <a:p>
+            <a:r>
+              <a:rPr lang="en-US" dirty="0" err="1">
+                <a:solidFill>
+                  <a:srgbClr val="000000"/>
+                </a:solidFill>
+                <a:highlight>
+                  <a:srgbClr val="FFFFFF"/>
+                </a:highlight>
+              </a:rPr>
+              <a:t>regressor_OLS</a:t>
+            </a:r>
+            <a:r>
+              <a:rPr lang="en-US" b="1" dirty="0" err="1">
+                <a:solidFill>
+                  <a:srgbClr val="000080"/>
+                </a:solidFill>
+                <a:highlight>
+                  <a:srgbClr val="FFFFFF"/>
+                </a:highlight>
+              </a:rPr>
+              <a:t>.</a:t>
+            </a:r>
+            <a:r>
+              <a:rPr lang="en-US" dirty="0" err="1">
+                <a:solidFill>
+                  <a:srgbClr val="000000"/>
+                </a:solidFill>
+                <a:highlight>
+                  <a:srgbClr val="FFFFFF"/>
+                </a:highlight>
+              </a:rPr>
+              <a:t>summary</a:t>
+            </a:r>
+            <a:r>
+              <a:rPr lang="en-US" b="1" dirty="0">
+                <a:solidFill>
+                  <a:srgbClr val="000080"/>
+                </a:solidFill>
+                <a:highlight>
+                  <a:srgbClr val="FFFFFF"/>
+                </a:highlight>
+              </a:rPr>
+              <a:t>()</a:t>
+            </a:r>
+            <a:endParaRPr lang="en-US" dirty="0"/>
+          </a:p>
+        </p:txBody>
+      </p:sp>
+      <p:pic>
+        <p:nvPicPr>
+          <p:cNvPr id="4" name="Picture 3" descr="Screen Clipping"/>
+          <p:cNvPicPr>
+            <a:picLocks noChangeAspect="1"/>
+          </p:cNvPicPr>
+          <p:nvPr/>
+        </p:nvPicPr>
+        <p:blipFill>
+          <a:blip r:embed="rId2">
+            <a:extLst>
+              <a:ext uri="{28A0092B-C50C-407E-A947-70E740481C1C}">
+                <a14:useLocalDpi xmlns:a14="http://schemas.microsoft.com/office/drawing/2010/main" val="0"/>
+              </a:ext>
+            </a:extLst>
+          </a:blip>
+          <a:stretch>
+            <a:fillRect/>
+          </a:stretch>
+        </p:blipFill>
+        <p:spPr>
+          <a:xfrm>
+            <a:off x="6275160" y="1141491"/>
+            <a:ext cx="5553850" cy="5001323"/>
+          </a:xfrm>
+          <a:prstGeom prst="rect">
+            <a:avLst/>
+          </a:prstGeom>
+          <a:ln w="38100" cap="sq">
+            <a:solidFill>
+              <a:srgbClr val="000000"/>
+            </a:solidFill>
+            <a:prstDash val="solid"/>
+            <a:miter lim="800000"/>
+          </a:ln>
+          <a:effectLst>
+            <a:outerShdw blurRad="50800" dist="38100" dir="2700000" algn="tl" rotWithShape="0">
+              <a:srgbClr val="000000">
+                <a:alpha val="43000"/>
+              </a:srgbClr>
+            </a:outerShdw>
+          </a:effectLst>
+        </p:spPr>
+      </p:pic>
+      <mc:AlternateContent xmlns:mc="http://schemas.openxmlformats.org/markup-compatibility/2006">
+        <mc:Choice xmlns:p14="http://schemas.microsoft.com/office/powerpoint/2010/main" Requires="p14">
+          <p:contentPart p14:bwMode="auto" r:id="rId3">
+            <p14:nvContentPartPr>
+              <p14:cNvPr id="5" name="Ink 4"/>
+              <p14:cNvContentPartPr/>
+              <p14:nvPr/>
+            </p14:nvContentPartPr>
+            <p14:xfrm>
+              <a:off x="9609971" y="4421978"/>
+              <a:ext cx="365760" cy="9000"/>
+            </p14:xfrm>
+          </p:contentPart>
+        </mc:Choice>
+        <mc:Fallback>
+          <p:pic>
+            <p:nvPicPr>
+              <p:cNvPr id="5" name="Ink 4"/>
+              <p:cNvPicPr/>
+              <p:nvPr/>
+            </p:nvPicPr>
+            <p:blipFill>
+              <a:blip r:embed="rId4"/>
+              <a:stretch>
+                <a:fillRect/>
+              </a:stretch>
+            </p:blipFill>
+            <p:spPr>
+              <a:xfrm>
+                <a:off x="9561731" y="4325858"/>
+                <a:ext cx="461880" cy="201240"/>
+              </a:xfrm>
+              <a:prstGeom prst="rect">
+                <a:avLst/>
+              </a:prstGeom>
+            </p:spPr>
+          </p:pic>
+        </mc:Fallback>
+      </mc:AlternateContent>
+      <mc:AlternateContent xmlns:mc="http://schemas.openxmlformats.org/markup-compatibility/2006">
+        <mc:Choice xmlns:p14="http://schemas.microsoft.com/office/powerpoint/2010/main" Requires="p14">
+          <p:contentPart p14:bwMode="auto" r:id="rId5">
+            <p14:nvContentPartPr>
+              <p14:cNvPr id="6" name="Ink 5"/>
+              <p14:cNvContentPartPr/>
+              <p14:nvPr/>
+            </p14:nvContentPartPr>
+            <p14:xfrm>
+              <a:off x="6401291" y="4414058"/>
+              <a:ext cx="74160" cy="8640"/>
+            </p14:xfrm>
+          </p:contentPart>
+        </mc:Choice>
+        <mc:Fallback>
+          <p:pic>
+            <p:nvPicPr>
+              <p:cNvPr id="6" name="Ink 5"/>
+              <p:cNvPicPr/>
+              <p:nvPr/>
+            </p:nvPicPr>
+            <p:blipFill>
+              <a:blip r:embed="rId6"/>
+              <a:stretch>
+                <a:fillRect/>
+              </a:stretch>
+            </p:blipFill>
+            <p:spPr>
+              <a:xfrm>
+                <a:off x="6353051" y="4317938"/>
+                <a:ext cx="170640" cy="200880"/>
+              </a:xfrm>
+              <a:prstGeom prst="rect">
+                <a:avLst/>
+              </a:prstGeom>
+            </p:spPr>
+          </p:pic>
+        </mc:Fallback>
+      </mc:AlternateContent>
+      <mc:AlternateContent xmlns:mc="http://schemas.openxmlformats.org/markup-compatibility/2006">
+        <mc:Choice xmlns:p14="http://schemas.microsoft.com/office/powerpoint/2010/main" Requires="p14">
+          <p:contentPart p14:bwMode="auto" r:id="rId7">
+            <p14:nvContentPartPr>
+              <p14:cNvPr id="7" name="Ink 6"/>
+              <p14:cNvContentPartPr/>
+              <p14:nvPr/>
+            </p14:nvContentPartPr>
+            <p14:xfrm>
+              <a:off x="6417851" y="4405778"/>
+              <a:ext cx="5161680" cy="42480"/>
+            </p14:xfrm>
+          </p:contentPart>
+        </mc:Choice>
+        <mc:Fallback>
+          <p:pic>
+            <p:nvPicPr>
+              <p:cNvPr id="7" name="Ink 6"/>
+              <p:cNvPicPr/>
+              <p:nvPr/>
+            </p:nvPicPr>
+            <p:blipFill>
+              <a:blip r:embed="rId8"/>
+              <a:stretch>
+                <a:fillRect/>
+              </a:stretch>
+            </p:blipFill>
+            <p:spPr>
+              <a:xfrm>
+                <a:off x="6369611" y="4309658"/>
+                <a:ext cx="5258160" cy="234720"/>
+              </a:xfrm>
+              <a:prstGeom prst="rect">
+                <a:avLst/>
+              </a:prstGeom>
+            </p:spPr>
+          </p:pic>
+        </mc:Fallback>
+      </mc:AlternateContent>
+      <p:pic>
+        <p:nvPicPr>
+          <p:cNvPr id="9" name="Picture 8" descr="Screen Clipping"/>
+          <p:cNvPicPr>
+            <a:picLocks noChangeAspect="1"/>
+          </p:cNvPicPr>
+          <p:nvPr/>
+        </p:nvPicPr>
+        <p:blipFill>
+          <a:blip r:embed="rId9">
+            <a:extLst>
+              <a:ext uri="{28A0092B-C50C-407E-A947-70E740481C1C}">
+                <a14:useLocalDpi xmlns:a14="http://schemas.microsoft.com/office/drawing/2010/main" val="0"/>
+              </a:ext>
+            </a:extLst>
+          </a:blip>
+          <a:stretch>
+            <a:fillRect/>
+          </a:stretch>
+        </p:blipFill>
+        <p:spPr>
+          <a:xfrm>
+            <a:off x="84460" y="3514106"/>
+            <a:ext cx="5377002" cy="2678617"/>
+          </a:xfrm>
+          <a:prstGeom prst="rect">
+            <a:avLst/>
+          </a:prstGeom>
+        </p:spPr>
+      </p:pic>
+      <mc:AlternateContent xmlns:mc="http://schemas.openxmlformats.org/markup-compatibility/2006">
+        <mc:Choice xmlns:p14="http://schemas.microsoft.com/office/powerpoint/2010/main" Requires="p14">
+          <p:contentPart p14:bwMode="auto" r:id="rId10">
+            <p14:nvContentPartPr>
+              <p14:cNvPr id="10" name="Ink 9"/>
+              <p14:cNvContentPartPr/>
+              <p14:nvPr/>
+            </p14:nvContentPartPr>
+            <p14:xfrm>
+              <a:off x="1902011" y="3992858"/>
+              <a:ext cx="662400" cy="1463040"/>
+            </p14:xfrm>
+          </p:contentPart>
+        </mc:Choice>
+        <mc:Fallback>
+          <p:pic>
+            <p:nvPicPr>
+              <p:cNvPr id="10" name="Ink 9"/>
+              <p:cNvPicPr/>
+              <p:nvPr/>
+            </p:nvPicPr>
+            <p:blipFill>
+              <a:blip r:embed="rId11"/>
+              <a:stretch>
+                <a:fillRect/>
+              </a:stretch>
+            </p:blipFill>
+            <p:spPr>
+              <a:xfrm>
+                <a:off x="1853771" y="3897098"/>
+                <a:ext cx="758520" cy="1654920"/>
+              </a:xfrm>
+              <a:prstGeom prst="rect">
+                <a:avLst/>
+              </a:prstGeom>
+            </p:spPr>
+          </p:pic>
+        </mc:Fallback>
+      </mc:AlternateContent>
+      <mc:AlternateContent xmlns:mc="http://schemas.openxmlformats.org/markup-compatibility/2006">
+        <mc:Choice xmlns:p14="http://schemas.microsoft.com/office/powerpoint/2010/main" Requires="p14">
+          <p:contentPart p14:bwMode="auto" r:id="rId12">
+            <p14:nvContentPartPr>
+              <p14:cNvPr id="11" name="Ink 10"/>
+              <p14:cNvContentPartPr/>
+              <p14:nvPr/>
+            </p14:nvContentPartPr>
+            <p14:xfrm>
+              <a:off x="2452091" y="4297418"/>
+              <a:ext cx="33840" cy="9360"/>
+            </p14:xfrm>
+          </p:contentPart>
+        </mc:Choice>
+        <mc:Fallback>
+          <p:pic>
+            <p:nvPicPr>
+              <p:cNvPr id="11" name="Ink 10"/>
+              <p:cNvPicPr/>
+              <p:nvPr/>
+            </p:nvPicPr>
+            <p:blipFill>
+              <a:blip r:embed="rId13"/>
+              <a:stretch>
+                <a:fillRect/>
+              </a:stretch>
+            </p:blipFill>
+            <p:spPr>
+              <a:xfrm>
+                <a:off x="2404211" y="4201298"/>
+                <a:ext cx="129600" cy="201240"/>
+              </a:xfrm>
+              <a:prstGeom prst="rect">
+                <a:avLst/>
+              </a:prstGeom>
+            </p:spPr>
+          </p:pic>
+        </mc:Fallback>
+      </mc:AlternateContent>
+      <p:cxnSp>
+        <p:nvCxnSpPr>
+          <p:cNvPr id="19" name="Curved Connector 18"/>
+          <p:cNvCxnSpPr/>
+          <p:nvPr/>
+        </p:nvCxnSpPr>
+        <p:spPr>
+          <a:xfrm>
+            <a:off x="2261062" y="4056614"/>
+            <a:ext cx="4081551" cy="357447"/>
+          </a:xfrm>
+          <a:prstGeom prst="curvedConnector3">
+            <a:avLst>
+              <a:gd name="adj1" fmla="val 86253"/>
+            </a:avLst>
+          </a:prstGeom>
+          <a:ln w="38100">
+            <a:solidFill>
+              <a:srgbClr val="E521CE"/>
+            </a:solidFill>
+            <a:headEnd type="triangle"/>
+            <a:tailEnd type="triangle"/>
+          </a:ln>
+        </p:spPr>
+        <p:style>
+          <a:lnRef idx="1">
+            <a:schemeClr val="accent1"/>
+          </a:lnRef>
+          <a:fillRef idx="0">
+            <a:schemeClr val="accent1"/>
+          </a:fillRef>
+          <a:effectRef idx="0">
+            <a:schemeClr val="accent1"/>
+          </a:effectRef>
+          <a:fontRef idx="minor">
+            <a:schemeClr val="tx1"/>
+          </a:fontRef>
+        </p:style>
+      </p:cxnSp>
     </p:spTree>
     <p:extLst>
       <p:ext uri="{BB962C8B-B14F-4D97-AF65-F5344CB8AC3E}">
@@ -9751,6 +11431,2062 @@
       </p:par>
     </p:tnLst>
   </p:timing>
+</p:sld>
+</file>
+
+<file path=ppt/slides/slide20.xml><?xml version="1.0" encoding="utf-8"?>
+<p:sld xmlns:a="http://schemas.openxmlformats.org/drawingml/2006/main" xmlns:r="http://schemas.openxmlformats.org/officeDocument/2006/relationships" xmlns:p="http://schemas.openxmlformats.org/presentationml/2006/main">
+  <p:cSld>
+    <p:spTree>
+      <p:nvGrpSpPr>
+        <p:cNvPr id="1" name=""/>
+        <p:cNvGrpSpPr/>
+        <p:nvPr/>
+      </p:nvGrpSpPr>
+      <p:grpSpPr>
+        <a:xfrm>
+          <a:off x="0" y="0"/>
+          <a:ext cx="0" cy="0"/>
+          <a:chOff x="0" y="0"/>
+          <a:chExt cx="0" cy="0"/>
+        </a:xfrm>
+      </p:grpSpPr>
+      <p:sp>
+        <p:nvSpPr>
+          <p:cNvPr id="2" name="Title 1"/>
+          <p:cNvSpPr>
+            <a:spLocks noGrp="1"/>
+          </p:cNvSpPr>
+          <p:nvPr>
+            <p:ph type="title"/>
+          </p:nvPr>
+        </p:nvSpPr>
+        <p:spPr/>
+        <p:txBody>
+          <a:bodyPr/>
+          <a:lstStyle/>
+          <a:p>
+            <a:endParaRPr lang="en-US"/>
+          </a:p>
+        </p:txBody>
+      </p:sp>
+      <p:sp>
+        <p:nvSpPr>
+          <p:cNvPr id="3" name="Rectangle 2"/>
+          <p:cNvSpPr/>
+          <p:nvPr/>
+        </p:nvSpPr>
+        <p:spPr>
+          <a:xfrm>
+            <a:off x="203200" y="1102881"/>
+            <a:ext cx="5831840" cy="2246769"/>
+          </a:xfrm>
+          <a:prstGeom prst="rect">
+            <a:avLst/>
+          </a:prstGeom>
+        </p:spPr>
+        <p:txBody>
+          <a:bodyPr wrap="square">
+            <a:spAutoFit/>
+          </a:bodyPr>
+          <a:lstStyle/>
+          <a:p>
+            <a:r>
+              <a:rPr lang="en-US" sz="1400" dirty="0">
+                <a:solidFill>
+                  <a:srgbClr val="008000"/>
+                </a:solidFill>
+                <a:highlight>
+                  <a:srgbClr val="FFFFFF"/>
+                </a:highlight>
+              </a:rPr>
+              <a:t># Building the optimal model using Backward Elimination</a:t>
+            </a:r>
+            <a:endParaRPr lang="en-US" sz="1400" dirty="0">
+              <a:solidFill>
+                <a:srgbClr val="000000"/>
+              </a:solidFill>
+              <a:highlight>
+                <a:srgbClr val="FFFFFF"/>
+              </a:highlight>
+            </a:endParaRPr>
+          </a:p>
+          <a:p>
+            <a:r>
+              <a:rPr lang="en-US" sz="1400" b="1" dirty="0">
+                <a:solidFill>
+                  <a:srgbClr val="0000FF"/>
+                </a:solidFill>
+                <a:highlight>
+                  <a:srgbClr val="FFFFFF"/>
+                </a:highlight>
+              </a:rPr>
+              <a:t>import</a:t>
+            </a:r>
+            <a:r>
+              <a:rPr lang="en-US" sz="1400" dirty="0">
+                <a:solidFill>
+                  <a:srgbClr val="000000"/>
+                </a:solidFill>
+                <a:highlight>
+                  <a:srgbClr val="FFFFFF"/>
+                </a:highlight>
+              </a:rPr>
+              <a:t> </a:t>
+            </a:r>
+            <a:r>
+              <a:rPr lang="en-US" sz="1400" dirty="0" err="1">
+                <a:solidFill>
+                  <a:srgbClr val="000000"/>
+                </a:solidFill>
+                <a:highlight>
+                  <a:srgbClr val="FFFFFF"/>
+                </a:highlight>
+              </a:rPr>
+              <a:t>statsmodels</a:t>
+            </a:r>
+            <a:r>
+              <a:rPr lang="en-US" sz="1400" b="1" dirty="0" err="1">
+                <a:solidFill>
+                  <a:srgbClr val="000080"/>
+                </a:solidFill>
+                <a:highlight>
+                  <a:srgbClr val="FFFFFF"/>
+                </a:highlight>
+              </a:rPr>
+              <a:t>.</a:t>
+            </a:r>
+            <a:r>
+              <a:rPr lang="en-US" sz="1400" dirty="0" err="1">
+                <a:solidFill>
+                  <a:srgbClr val="000000"/>
+                </a:solidFill>
+                <a:highlight>
+                  <a:srgbClr val="FFFFFF"/>
+                </a:highlight>
+              </a:rPr>
+              <a:t>formula</a:t>
+            </a:r>
+            <a:r>
+              <a:rPr lang="en-US" sz="1400" b="1" dirty="0" err="1">
+                <a:solidFill>
+                  <a:srgbClr val="000080"/>
+                </a:solidFill>
+                <a:highlight>
+                  <a:srgbClr val="FFFFFF"/>
+                </a:highlight>
+              </a:rPr>
+              <a:t>.</a:t>
+            </a:r>
+            <a:r>
+              <a:rPr lang="en-US" sz="1400" dirty="0" err="1">
+                <a:solidFill>
+                  <a:srgbClr val="000000"/>
+                </a:solidFill>
+                <a:highlight>
+                  <a:srgbClr val="FFFFFF"/>
+                </a:highlight>
+              </a:rPr>
+              <a:t>api</a:t>
+            </a:r>
+            <a:r>
+              <a:rPr lang="en-US" sz="1400" dirty="0">
+                <a:solidFill>
+                  <a:srgbClr val="000000"/>
+                </a:solidFill>
+                <a:highlight>
+                  <a:srgbClr val="FFFFFF"/>
+                </a:highlight>
+              </a:rPr>
+              <a:t> </a:t>
+            </a:r>
+            <a:r>
+              <a:rPr lang="en-US" sz="1400" b="1" dirty="0">
+                <a:solidFill>
+                  <a:srgbClr val="0000FF"/>
+                </a:solidFill>
+                <a:highlight>
+                  <a:srgbClr val="FFFFFF"/>
+                </a:highlight>
+              </a:rPr>
+              <a:t>as</a:t>
+            </a:r>
+            <a:r>
+              <a:rPr lang="en-US" sz="1400" dirty="0">
+                <a:solidFill>
+                  <a:srgbClr val="000000"/>
+                </a:solidFill>
+                <a:highlight>
+                  <a:srgbClr val="FFFFFF"/>
+                </a:highlight>
+              </a:rPr>
+              <a:t> </a:t>
+            </a:r>
+            <a:r>
+              <a:rPr lang="en-US" sz="1400" dirty="0" err="1">
+                <a:solidFill>
+                  <a:srgbClr val="000000"/>
+                </a:solidFill>
+                <a:highlight>
+                  <a:srgbClr val="FFFFFF"/>
+                </a:highlight>
+              </a:rPr>
+              <a:t>sm</a:t>
+            </a:r>
+            <a:endParaRPr lang="en-US" sz="1400" dirty="0">
+              <a:solidFill>
+                <a:srgbClr val="000000"/>
+              </a:solidFill>
+              <a:highlight>
+                <a:srgbClr val="FFFFFF"/>
+              </a:highlight>
+            </a:endParaRPr>
+          </a:p>
+          <a:p>
+            <a:r>
+              <a:rPr lang="en-US" sz="1400" dirty="0">
+                <a:solidFill>
+                  <a:srgbClr val="000000"/>
+                </a:solidFill>
+                <a:highlight>
+                  <a:srgbClr val="FFFFFF"/>
+                </a:highlight>
+              </a:rPr>
+              <a:t>X </a:t>
+            </a:r>
+            <a:r>
+              <a:rPr lang="en-US" sz="1400" b="1" dirty="0">
+                <a:solidFill>
+                  <a:srgbClr val="000080"/>
+                </a:solidFill>
+                <a:highlight>
+                  <a:srgbClr val="FFFFFF"/>
+                </a:highlight>
+              </a:rPr>
+              <a:t>=</a:t>
+            </a:r>
+            <a:r>
+              <a:rPr lang="en-US" sz="1400" dirty="0">
+                <a:solidFill>
+                  <a:srgbClr val="000000"/>
+                </a:solidFill>
+                <a:highlight>
+                  <a:srgbClr val="FFFFFF"/>
+                </a:highlight>
+              </a:rPr>
+              <a:t> </a:t>
+            </a:r>
+            <a:r>
+              <a:rPr lang="en-US" sz="1400" dirty="0" err="1">
+                <a:solidFill>
+                  <a:srgbClr val="000000"/>
+                </a:solidFill>
+                <a:highlight>
+                  <a:srgbClr val="FFFFFF"/>
+                </a:highlight>
+              </a:rPr>
+              <a:t>np</a:t>
+            </a:r>
+            <a:r>
+              <a:rPr lang="en-US" sz="1400" b="1" dirty="0" err="1">
+                <a:solidFill>
+                  <a:srgbClr val="000080"/>
+                </a:solidFill>
+                <a:highlight>
+                  <a:srgbClr val="FFFFFF"/>
+                </a:highlight>
+              </a:rPr>
+              <a:t>.</a:t>
+            </a:r>
+            <a:r>
+              <a:rPr lang="en-US" sz="1400" dirty="0" err="1">
+                <a:solidFill>
+                  <a:srgbClr val="000000"/>
+                </a:solidFill>
+                <a:highlight>
+                  <a:srgbClr val="FFFFFF"/>
+                </a:highlight>
+              </a:rPr>
+              <a:t>append</a:t>
+            </a:r>
+            <a:r>
+              <a:rPr lang="en-US" sz="1400" b="1" dirty="0">
+                <a:solidFill>
+                  <a:srgbClr val="000080"/>
+                </a:solidFill>
+                <a:highlight>
+                  <a:srgbClr val="FFFFFF"/>
+                </a:highlight>
+              </a:rPr>
+              <a:t>(</a:t>
+            </a:r>
+            <a:r>
+              <a:rPr lang="en-US" sz="1400" dirty="0" err="1">
+                <a:solidFill>
+                  <a:srgbClr val="000000"/>
+                </a:solidFill>
+                <a:highlight>
+                  <a:srgbClr val="FFFFFF"/>
+                </a:highlight>
+              </a:rPr>
+              <a:t>arr</a:t>
+            </a:r>
+            <a:r>
+              <a:rPr lang="en-US" sz="1400" dirty="0">
+                <a:solidFill>
+                  <a:srgbClr val="000000"/>
+                </a:solidFill>
+                <a:highlight>
+                  <a:srgbClr val="FFFFFF"/>
+                </a:highlight>
+              </a:rPr>
+              <a:t> </a:t>
+            </a:r>
+            <a:r>
+              <a:rPr lang="en-US" sz="1400" b="1" dirty="0">
+                <a:solidFill>
+                  <a:srgbClr val="000080"/>
+                </a:solidFill>
+                <a:highlight>
+                  <a:srgbClr val="FFFFFF"/>
+                </a:highlight>
+              </a:rPr>
+              <a:t>=</a:t>
+            </a:r>
+            <a:r>
+              <a:rPr lang="en-US" sz="1400" dirty="0">
+                <a:solidFill>
+                  <a:srgbClr val="000000"/>
+                </a:solidFill>
+                <a:highlight>
+                  <a:srgbClr val="FFFFFF"/>
+                </a:highlight>
+              </a:rPr>
+              <a:t> </a:t>
+            </a:r>
+            <a:r>
+              <a:rPr lang="en-US" sz="1400" dirty="0" err="1">
+                <a:solidFill>
+                  <a:srgbClr val="000000"/>
+                </a:solidFill>
+                <a:highlight>
+                  <a:srgbClr val="FFFFFF"/>
+                </a:highlight>
+              </a:rPr>
+              <a:t>np</a:t>
+            </a:r>
+            <a:r>
+              <a:rPr lang="en-US" sz="1400" b="1" dirty="0" err="1">
+                <a:solidFill>
+                  <a:srgbClr val="000080"/>
+                </a:solidFill>
+                <a:highlight>
+                  <a:srgbClr val="FFFFFF"/>
+                </a:highlight>
+              </a:rPr>
+              <a:t>.</a:t>
+            </a:r>
+            <a:r>
+              <a:rPr lang="en-US" sz="1400" dirty="0" err="1">
+                <a:solidFill>
+                  <a:srgbClr val="000000"/>
+                </a:solidFill>
+                <a:highlight>
+                  <a:srgbClr val="FFFFFF"/>
+                </a:highlight>
+              </a:rPr>
+              <a:t>ones</a:t>
+            </a:r>
+            <a:r>
+              <a:rPr lang="en-US" sz="1400" b="1" dirty="0">
+                <a:solidFill>
+                  <a:srgbClr val="000080"/>
+                </a:solidFill>
+                <a:highlight>
+                  <a:srgbClr val="FFFFFF"/>
+                </a:highlight>
+              </a:rPr>
+              <a:t>((</a:t>
+            </a:r>
+            <a:r>
+              <a:rPr lang="en-US" sz="1400" dirty="0">
+                <a:solidFill>
+                  <a:srgbClr val="FF0000"/>
+                </a:solidFill>
+                <a:highlight>
+                  <a:srgbClr val="FFFFFF"/>
+                </a:highlight>
+              </a:rPr>
+              <a:t>50</a:t>
+            </a:r>
+            <a:r>
+              <a:rPr lang="en-US" sz="1400" b="1" dirty="0">
+                <a:solidFill>
+                  <a:srgbClr val="000080"/>
+                </a:solidFill>
+                <a:highlight>
+                  <a:srgbClr val="FFFFFF"/>
+                </a:highlight>
+              </a:rPr>
+              <a:t>,</a:t>
+            </a:r>
+            <a:r>
+              <a:rPr lang="en-US" sz="1400" dirty="0">
+                <a:solidFill>
+                  <a:srgbClr val="000000"/>
+                </a:solidFill>
+                <a:highlight>
+                  <a:srgbClr val="FFFFFF"/>
+                </a:highlight>
+              </a:rPr>
+              <a:t> </a:t>
+            </a:r>
+            <a:r>
+              <a:rPr lang="en-US" sz="1400" dirty="0">
+                <a:solidFill>
+                  <a:srgbClr val="FF0000"/>
+                </a:solidFill>
+                <a:highlight>
+                  <a:srgbClr val="FFFFFF"/>
+                </a:highlight>
+              </a:rPr>
+              <a:t>1</a:t>
+            </a:r>
+            <a:r>
+              <a:rPr lang="en-US" sz="1400" b="1" dirty="0">
+                <a:solidFill>
+                  <a:srgbClr val="000080"/>
+                </a:solidFill>
+                <a:highlight>
+                  <a:srgbClr val="FFFFFF"/>
+                </a:highlight>
+              </a:rPr>
+              <a:t>)).</a:t>
+            </a:r>
+            <a:r>
+              <a:rPr lang="en-US" sz="1400" dirty="0" err="1">
+                <a:solidFill>
+                  <a:srgbClr val="000000"/>
+                </a:solidFill>
+                <a:highlight>
+                  <a:srgbClr val="FFFFFF"/>
+                </a:highlight>
+              </a:rPr>
+              <a:t>astype</a:t>
+            </a:r>
+            <a:r>
+              <a:rPr lang="en-US" sz="1400" b="1" dirty="0">
+                <a:solidFill>
+                  <a:srgbClr val="000080"/>
+                </a:solidFill>
+                <a:highlight>
+                  <a:srgbClr val="FFFFFF"/>
+                </a:highlight>
+              </a:rPr>
+              <a:t>(</a:t>
+            </a:r>
+            <a:r>
+              <a:rPr lang="en-US" sz="1400" dirty="0" err="1">
+                <a:solidFill>
+                  <a:srgbClr val="000000"/>
+                </a:solidFill>
+                <a:highlight>
+                  <a:srgbClr val="FFFFFF"/>
+                </a:highlight>
+              </a:rPr>
+              <a:t>int</a:t>
+            </a:r>
+            <a:r>
+              <a:rPr lang="en-US" sz="1400" b="1" dirty="0">
+                <a:solidFill>
+                  <a:srgbClr val="000080"/>
+                </a:solidFill>
+                <a:highlight>
+                  <a:srgbClr val="FFFFFF"/>
+                </a:highlight>
+              </a:rPr>
+              <a:t>),</a:t>
+            </a:r>
+            <a:r>
+              <a:rPr lang="en-US" sz="1400" dirty="0">
+                <a:solidFill>
+                  <a:srgbClr val="000000"/>
+                </a:solidFill>
+                <a:highlight>
+                  <a:srgbClr val="FFFFFF"/>
+                </a:highlight>
+              </a:rPr>
+              <a:t> values </a:t>
+            </a:r>
+            <a:r>
+              <a:rPr lang="en-US" sz="1400" b="1" dirty="0">
+                <a:solidFill>
+                  <a:srgbClr val="000080"/>
+                </a:solidFill>
+                <a:highlight>
+                  <a:srgbClr val="FFFFFF"/>
+                </a:highlight>
+              </a:rPr>
+              <a:t>=</a:t>
+            </a:r>
+            <a:r>
+              <a:rPr lang="en-US" sz="1400" dirty="0">
+                <a:solidFill>
+                  <a:srgbClr val="000000"/>
+                </a:solidFill>
+                <a:highlight>
+                  <a:srgbClr val="FFFFFF"/>
+                </a:highlight>
+              </a:rPr>
+              <a:t> X</a:t>
+            </a:r>
+            <a:r>
+              <a:rPr lang="en-US" sz="1400" b="1" dirty="0">
+                <a:solidFill>
+                  <a:srgbClr val="000080"/>
+                </a:solidFill>
+                <a:highlight>
+                  <a:srgbClr val="FFFFFF"/>
+                </a:highlight>
+              </a:rPr>
+              <a:t>,</a:t>
+            </a:r>
+            <a:r>
+              <a:rPr lang="en-US" sz="1400" dirty="0">
+                <a:solidFill>
+                  <a:srgbClr val="000000"/>
+                </a:solidFill>
+                <a:highlight>
+                  <a:srgbClr val="FFFFFF"/>
+                </a:highlight>
+              </a:rPr>
+              <a:t> axis </a:t>
+            </a:r>
+            <a:r>
+              <a:rPr lang="en-US" sz="1400" b="1" dirty="0">
+                <a:solidFill>
+                  <a:srgbClr val="000080"/>
+                </a:solidFill>
+                <a:highlight>
+                  <a:srgbClr val="FFFFFF"/>
+                </a:highlight>
+              </a:rPr>
+              <a:t>=</a:t>
+            </a:r>
+            <a:r>
+              <a:rPr lang="en-US" sz="1400" dirty="0">
+                <a:solidFill>
+                  <a:srgbClr val="000000"/>
+                </a:solidFill>
+                <a:highlight>
+                  <a:srgbClr val="FFFFFF"/>
+                </a:highlight>
+              </a:rPr>
+              <a:t> </a:t>
+            </a:r>
+            <a:r>
+              <a:rPr lang="en-US" sz="1400" dirty="0">
+                <a:solidFill>
+                  <a:srgbClr val="FF0000"/>
+                </a:solidFill>
+                <a:highlight>
+                  <a:srgbClr val="FFFFFF"/>
+                </a:highlight>
+              </a:rPr>
+              <a:t>1</a:t>
+            </a:r>
+            <a:r>
+              <a:rPr lang="en-US" sz="1400" b="1" dirty="0">
+                <a:solidFill>
+                  <a:srgbClr val="000080"/>
+                </a:solidFill>
+                <a:highlight>
+                  <a:srgbClr val="FFFFFF"/>
+                </a:highlight>
+              </a:rPr>
+              <a:t>)</a:t>
+            </a:r>
+            <a:endParaRPr lang="en-US" sz="1400" dirty="0">
+              <a:solidFill>
+                <a:srgbClr val="000000"/>
+              </a:solidFill>
+              <a:highlight>
+                <a:srgbClr val="FFFFFF"/>
+              </a:highlight>
+            </a:endParaRPr>
+          </a:p>
+          <a:p>
+            <a:r>
+              <a:rPr lang="nl-NL" sz="1400" dirty="0">
+                <a:solidFill>
+                  <a:srgbClr val="000000"/>
+                </a:solidFill>
+                <a:highlight>
+                  <a:srgbClr val="FFFFFF"/>
+                </a:highlight>
+              </a:rPr>
+              <a:t>X_opt </a:t>
+            </a:r>
+            <a:r>
+              <a:rPr lang="nl-NL" sz="1400" b="1" dirty="0">
+                <a:solidFill>
+                  <a:srgbClr val="000080"/>
+                </a:solidFill>
+                <a:highlight>
+                  <a:srgbClr val="FFFFFF"/>
+                </a:highlight>
+              </a:rPr>
+              <a:t>=</a:t>
+            </a:r>
+            <a:r>
+              <a:rPr lang="nl-NL" sz="1400" dirty="0">
+                <a:solidFill>
+                  <a:srgbClr val="000000"/>
+                </a:solidFill>
+                <a:highlight>
+                  <a:srgbClr val="FFFFFF"/>
+                </a:highlight>
+              </a:rPr>
+              <a:t> X</a:t>
+            </a:r>
+            <a:r>
+              <a:rPr lang="nl-NL" sz="1400" b="1" dirty="0">
+                <a:solidFill>
+                  <a:srgbClr val="000080"/>
+                </a:solidFill>
+                <a:highlight>
+                  <a:srgbClr val="FFFFFF"/>
+                </a:highlight>
+              </a:rPr>
+              <a:t>[:,</a:t>
+            </a:r>
+            <a:r>
+              <a:rPr lang="nl-NL" sz="1400" dirty="0">
+                <a:solidFill>
+                  <a:srgbClr val="000000"/>
+                </a:solidFill>
+                <a:highlight>
+                  <a:srgbClr val="FFFFFF"/>
+                </a:highlight>
+              </a:rPr>
+              <a:t> </a:t>
+            </a:r>
+            <a:r>
+              <a:rPr lang="nl-NL" sz="1400" b="1" dirty="0">
+                <a:solidFill>
+                  <a:srgbClr val="000080"/>
+                </a:solidFill>
+                <a:highlight>
+                  <a:srgbClr val="FFFFFF"/>
+                </a:highlight>
+              </a:rPr>
+              <a:t>[</a:t>
+            </a:r>
+            <a:r>
+              <a:rPr lang="nl-NL" sz="1400" dirty="0">
+                <a:solidFill>
+                  <a:srgbClr val="FF0000"/>
+                </a:solidFill>
+                <a:highlight>
+                  <a:srgbClr val="FFFFFF"/>
+                </a:highlight>
+              </a:rPr>
+              <a:t>0</a:t>
+            </a:r>
+            <a:r>
+              <a:rPr lang="nl-NL" sz="1400" b="1" dirty="0">
+                <a:solidFill>
+                  <a:srgbClr val="000080"/>
+                </a:solidFill>
+                <a:highlight>
+                  <a:srgbClr val="FFFFFF"/>
+                </a:highlight>
+              </a:rPr>
+              <a:t>,</a:t>
+            </a:r>
+            <a:r>
+              <a:rPr lang="nl-NL" sz="1400" dirty="0">
+                <a:solidFill>
+                  <a:srgbClr val="000000"/>
+                </a:solidFill>
+                <a:highlight>
+                  <a:srgbClr val="FFFFFF"/>
+                </a:highlight>
+              </a:rPr>
+              <a:t> </a:t>
+            </a:r>
+            <a:r>
+              <a:rPr lang="nl-NL" sz="1400" dirty="0">
+                <a:solidFill>
+                  <a:srgbClr val="FF0000"/>
+                </a:solidFill>
+                <a:highlight>
+                  <a:srgbClr val="FFFFFF"/>
+                </a:highlight>
+              </a:rPr>
+              <a:t>1</a:t>
+            </a:r>
+            <a:r>
+              <a:rPr lang="nl-NL" sz="1400" b="1" dirty="0">
+                <a:solidFill>
+                  <a:srgbClr val="000080"/>
+                </a:solidFill>
+                <a:highlight>
+                  <a:srgbClr val="FFFFFF"/>
+                </a:highlight>
+              </a:rPr>
+              <a:t>,</a:t>
+            </a:r>
+            <a:r>
+              <a:rPr lang="nl-NL" sz="1400" dirty="0">
+                <a:solidFill>
+                  <a:srgbClr val="000000"/>
+                </a:solidFill>
+                <a:highlight>
+                  <a:srgbClr val="FFFFFF"/>
+                </a:highlight>
+              </a:rPr>
+              <a:t> </a:t>
+            </a:r>
+            <a:r>
+              <a:rPr lang="nl-NL" sz="1400" dirty="0">
+                <a:solidFill>
+                  <a:srgbClr val="FF0000"/>
+                </a:solidFill>
+                <a:highlight>
+                  <a:srgbClr val="FFFFFF"/>
+                </a:highlight>
+              </a:rPr>
+              <a:t>2</a:t>
+            </a:r>
+            <a:r>
+              <a:rPr lang="nl-NL" sz="1400" b="1" dirty="0">
+                <a:solidFill>
+                  <a:srgbClr val="000080"/>
+                </a:solidFill>
+                <a:highlight>
+                  <a:srgbClr val="FFFFFF"/>
+                </a:highlight>
+              </a:rPr>
+              <a:t>,</a:t>
+            </a:r>
+            <a:r>
+              <a:rPr lang="nl-NL" sz="1400" dirty="0">
+                <a:solidFill>
+                  <a:srgbClr val="000000"/>
+                </a:solidFill>
+                <a:highlight>
+                  <a:srgbClr val="FFFFFF"/>
+                </a:highlight>
+              </a:rPr>
+              <a:t> </a:t>
+            </a:r>
+            <a:r>
+              <a:rPr lang="nl-NL" sz="1400" dirty="0">
+                <a:solidFill>
+                  <a:srgbClr val="FF0000"/>
+                </a:solidFill>
+                <a:highlight>
+                  <a:srgbClr val="FFFFFF"/>
+                </a:highlight>
+              </a:rPr>
+              <a:t>3</a:t>
+            </a:r>
+            <a:r>
+              <a:rPr lang="nl-NL" sz="1400" b="1" dirty="0">
+                <a:solidFill>
+                  <a:srgbClr val="000080"/>
+                </a:solidFill>
+                <a:highlight>
+                  <a:srgbClr val="FFFFFF"/>
+                </a:highlight>
+              </a:rPr>
+              <a:t>,</a:t>
+            </a:r>
+            <a:r>
+              <a:rPr lang="nl-NL" sz="1400" dirty="0">
+                <a:solidFill>
+                  <a:srgbClr val="000000"/>
+                </a:solidFill>
+                <a:highlight>
+                  <a:srgbClr val="FFFFFF"/>
+                </a:highlight>
+              </a:rPr>
+              <a:t> </a:t>
+            </a:r>
+            <a:r>
+              <a:rPr lang="nl-NL" sz="1400" dirty="0">
+                <a:solidFill>
+                  <a:srgbClr val="FF0000"/>
+                </a:solidFill>
+                <a:highlight>
+                  <a:srgbClr val="FFFFFF"/>
+                </a:highlight>
+              </a:rPr>
+              <a:t>4</a:t>
+            </a:r>
+            <a:r>
+              <a:rPr lang="nl-NL" sz="1400" b="1" dirty="0">
+                <a:solidFill>
+                  <a:srgbClr val="000080"/>
+                </a:solidFill>
+                <a:highlight>
+                  <a:srgbClr val="FFFFFF"/>
+                </a:highlight>
+              </a:rPr>
+              <a:t>,</a:t>
+            </a:r>
+            <a:r>
+              <a:rPr lang="nl-NL" sz="1400" dirty="0">
+                <a:solidFill>
+                  <a:srgbClr val="000000"/>
+                </a:solidFill>
+                <a:highlight>
+                  <a:srgbClr val="FFFFFF"/>
+                </a:highlight>
+              </a:rPr>
+              <a:t> </a:t>
+            </a:r>
+            <a:r>
+              <a:rPr lang="nl-NL" sz="1400" dirty="0">
+                <a:solidFill>
+                  <a:srgbClr val="FF0000"/>
+                </a:solidFill>
+                <a:highlight>
+                  <a:srgbClr val="FFFFFF"/>
+                </a:highlight>
+              </a:rPr>
+              <a:t>5</a:t>
+            </a:r>
+            <a:r>
+              <a:rPr lang="nl-NL" sz="1400" b="1" dirty="0">
+                <a:solidFill>
+                  <a:srgbClr val="000080"/>
+                </a:solidFill>
+                <a:highlight>
+                  <a:srgbClr val="FFFFFF"/>
+                </a:highlight>
+              </a:rPr>
+              <a:t>]]</a:t>
+            </a:r>
+            <a:endParaRPr lang="nl-NL" sz="1400" dirty="0">
+              <a:solidFill>
+                <a:srgbClr val="000000"/>
+              </a:solidFill>
+              <a:highlight>
+                <a:srgbClr val="FFFFFF"/>
+              </a:highlight>
+            </a:endParaRPr>
+          </a:p>
+          <a:p>
+            <a:r>
+              <a:rPr lang="en-US" sz="1400" dirty="0" err="1">
+                <a:solidFill>
+                  <a:srgbClr val="000000"/>
+                </a:solidFill>
+                <a:highlight>
+                  <a:srgbClr val="FFFFFF"/>
+                </a:highlight>
+              </a:rPr>
+              <a:t>regressor_OLS</a:t>
+            </a:r>
+            <a:r>
+              <a:rPr lang="en-US" sz="1400" dirty="0">
+                <a:solidFill>
+                  <a:srgbClr val="000000"/>
+                </a:solidFill>
+                <a:highlight>
+                  <a:srgbClr val="FFFFFF"/>
+                </a:highlight>
+              </a:rPr>
+              <a:t> </a:t>
+            </a:r>
+            <a:r>
+              <a:rPr lang="en-US" sz="1400" b="1" dirty="0">
+                <a:solidFill>
+                  <a:srgbClr val="000080"/>
+                </a:solidFill>
+                <a:highlight>
+                  <a:srgbClr val="FFFFFF"/>
+                </a:highlight>
+              </a:rPr>
+              <a:t>=</a:t>
+            </a:r>
+            <a:r>
+              <a:rPr lang="en-US" sz="1400" dirty="0">
+                <a:solidFill>
+                  <a:srgbClr val="000000"/>
+                </a:solidFill>
+                <a:highlight>
+                  <a:srgbClr val="FFFFFF"/>
+                </a:highlight>
+              </a:rPr>
+              <a:t> </a:t>
+            </a:r>
+            <a:r>
+              <a:rPr lang="en-US" sz="1400" dirty="0" err="1">
+                <a:solidFill>
+                  <a:srgbClr val="000000"/>
+                </a:solidFill>
+                <a:highlight>
+                  <a:srgbClr val="FFFFFF"/>
+                </a:highlight>
+              </a:rPr>
+              <a:t>sm</a:t>
+            </a:r>
+            <a:r>
+              <a:rPr lang="en-US" sz="1400" b="1" dirty="0" err="1">
+                <a:solidFill>
+                  <a:srgbClr val="000080"/>
+                </a:solidFill>
+                <a:highlight>
+                  <a:srgbClr val="FFFFFF"/>
+                </a:highlight>
+              </a:rPr>
+              <a:t>.</a:t>
+            </a:r>
+            <a:r>
+              <a:rPr lang="en-US" sz="1400" dirty="0" err="1">
+                <a:solidFill>
+                  <a:srgbClr val="000000"/>
+                </a:solidFill>
+                <a:highlight>
+                  <a:srgbClr val="FFFFFF"/>
+                </a:highlight>
+              </a:rPr>
+              <a:t>OLS</a:t>
+            </a:r>
+            <a:r>
+              <a:rPr lang="en-US" sz="1400" b="1" dirty="0">
+                <a:solidFill>
+                  <a:srgbClr val="000080"/>
+                </a:solidFill>
+                <a:highlight>
+                  <a:srgbClr val="FFFFFF"/>
+                </a:highlight>
+              </a:rPr>
+              <a:t>(</a:t>
+            </a:r>
+            <a:r>
+              <a:rPr lang="en-US" sz="1400" dirty="0" err="1">
+                <a:solidFill>
+                  <a:srgbClr val="000000"/>
+                </a:solidFill>
+                <a:highlight>
+                  <a:srgbClr val="FFFFFF"/>
+                </a:highlight>
+              </a:rPr>
+              <a:t>endog</a:t>
+            </a:r>
+            <a:r>
+              <a:rPr lang="en-US" sz="1400" dirty="0">
+                <a:solidFill>
+                  <a:srgbClr val="000000"/>
+                </a:solidFill>
+                <a:highlight>
+                  <a:srgbClr val="FFFFFF"/>
+                </a:highlight>
+              </a:rPr>
+              <a:t> </a:t>
+            </a:r>
+            <a:r>
+              <a:rPr lang="en-US" sz="1400" b="1" dirty="0">
+                <a:solidFill>
+                  <a:srgbClr val="000080"/>
+                </a:solidFill>
+                <a:highlight>
+                  <a:srgbClr val="FFFFFF"/>
+                </a:highlight>
+              </a:rPr>
+              <a:t>=</a:t>
+            </a:r>
+            <a:r>
+              <a:rPr lang="en-US" sz="1400" dirty="0">
+                <a:solidFill>
+                  <a:srgbClr val="000000"/>
+                </a:solidFill>
+                <a:highlight>
+                  <a:srgbClr val="FFFFFF"/>
+                </a:highlight>
+              </a:rPr>
+              <a:t> y</a:t>
+            </a:r>
+            <a:r>
+              <a:rPr lang="en-US" sz="1400" b="1" dirty="0">
+                <a:solidFill>
+                  <a:srgbClr val="000080"/>
+                </a:solidFill>
+                <a:highlight>
+                  <a:srgbClr val="FFFFFF"/>
+                </a:highlight>
+              </a:rPr>
+              <a:t>,</a:t>
+            </a:r>
+            <a:r>
+              <a:rPr lang="en-US" sz="1400" dirty="0">
+                <a:solidFill>
+                  <a:srgbClr val="000000"/>
+                </a:solidFill>
+                <a:highlight>
+                  <a:srgbClr val="FFFFFF"/>
+                </a:highlight>
+              </a:rPr>
+              <a:t> </a:t>
+            </a:r>
+            <a:r>
+              <a:rPr lang="en-US" sz="1400" dirty="0" err="1">
+                <a:solidFill>
+                  <a:srgbClr val="000000"/>
+                </a:solidFill>
+                <a:highlight>
+                  <a:srgbClr val="FFFFFF"/>
+                </a:highlight>
+              </a:rPr>
+              <a:t>exog</a:t>
+            </a:r>
+            <a:r>
+              <a:rPr lang="en-US" sz="1400" dirty="0">
+                <a:solidFill>
+                  <a:srgbClr val="000000"/>
+                </a:solidFill>
+                <a:highlight>
+                  <a:srgbClr val="FFFFFF"/>
+                </a:highlight>
+              </a:rPr>
+              <a:t> </a:t>
+            </a:r>
+            <a:r>
+              <a:rPr lang="en-US" sz="1400" b="1" dirty="0">
+                <a:solidFill>
+                  <a:srgbClr val="000080"/>
+                </a:solidFill>
+                <a:highlight>
+                  <a:srgbClr val="FFFFFF"/>
+                </a:highlight>
+              </a:rPr>
+              <a:t>=</a:t>
+            </a:r>
+            <a:r>
+              <a:rPr lang="en-US" sz="1400" dirty="0">
+                <a:solidFill>
+                  <a:srgbClr val="000000"/>
+                </a:solidFill>
+                <a:highlight>
+                  <a:srgbClr val="FFFFFF"/>
+                </a:highlight>
+              </a:rPr>
+              <a:t> </a:t>
+            </a:r>
+            <a:r>
+              <a:rPr lang="en-US" sz="1400" dirty="0" err="1">
+                <a:solidFill>
+                  <a:srgbClr val="000000"/>
+                </a:solidFill>
+                <a:highlight>
+                  <a:srgbClr val="FFFFFF"/>
+                </a:highlight>
+              </a:rPr>
+              <a:t>X_opt</a:t>
+            </a:r>
+            <a:r>
+              <a:rPr lang="en-US" sz="1400" b="1" dirty="0">
+                <a:solidFill>
+                  <a:srgbClr val="000080"/>
+                </a:solidFill>
+                <a:highlight>
+                  <a:srgbClr val="FFFFFF"/>
+                </a:highlight>
+              </a:rPr>
+              <a:t>).</a:t>
+            </a:r>
+            <a:r>
+              <a:rPr lang="en-US" sz="1400" dirty="0">
+                <a:solidFill>
+                  <a:srgbClr val="000000"/>
+                </a:solidFill>
+                <a:highlight>
+                  <a:srgbClr val="FFFFFF"/>
+                </a:highlight>
+              </a:rPr>
+              <a:t>fit</a:t>
+            </a:r>
+            <a:r>
+              <a:rPr lang="en-US" sz="1400" b="1" dirty="0">
+                <a:solidFill>
+                  <a:srgbClr val="000080"/>
+                </a:solidFill>
+                <a:highlight>
+                  <a:srgbClr val="FFFFFF"/>
+                </a:highlight>
+              </a:rPr>
+              <a:t>()</a:t>
+            </a:r>
+            <a:endParaRPr lang="en-US" sz="1400" dirty="0">
+              <a:solidFill>
+                <a:srgbClr val="000000"/>
+              </a:solidFill>
+              <a:highlight>
+                <a:srgbClr val="FFFFFF"/>
+              </a:highlight>
+            </a:endParaRPr>
+          </a:p>
+          <a:p>
+            <a:r>
+              <a:rPr lang="en-US" sz="1400" dirty="0" err="1">
+                <a:solidFill>
+                  <a:srgbClr val="000000"/>
+                </a:solidFill>
+                <a:highlight>
+                  <a:srgbClr val="FFFFFF"/>
+                </a:highlight>
+              </a:rPr>
+              <a:t>regressor_OLS</a:t>
+            </a:r>
+            <a:r>
+              <a:rPr lang="en-US" sz="1400" b="1" dirty="0" err="1">
+                <a:solidFill>
+                  <a:srgbClr val="000080"/>
+                </a:solidFill>
+                <a:highlight>
+                  <a:srgbClr val="FFFFFF"/>
+                </a:highlight>
+              </a:rPr>
+              <a:t>.</a:t>
+            </a:r>
+            <a:r>
+              <a:rPr lang="en-US" sz="1400" dirty="0" err="1">
+                <a:solidFill>
+                  <a:srgbClr val="000000"/>
+                </a:solidFill>
+                <a:highlight>
+                  <a:srgbClr val="FFFFFF"/>
+                </a:highlight>
+              </a:rPr>
+              <a:t>summary</a:t>
+            </a:r>
+            <a:r>
+              <a:rPr lang="en-US" sz="1400" b="1" dirty="0">
+                <a:solidFill>
+                  <a:srgbClr val="000080"/>
+                </a:solidFill>
+                <a:highlight>
+                  <a:srgbClr val="FFFFFF"/>
+                </a:highlight>
+              </a:rPr>
+              <a:t>()</a:t>
+            </a:r>
+            <a:endParaRPr lang="en-US" sz="1400" dirty="0">
+              <a:solidFill>
+                <a:srgbClr val="000000"/>
+              </a:solidFill>
+              <a:highlight>
+                <a:srgbClr val="FFFFFF"/>
+              </a:highlight>
+            </a:endParaRPr>
+          </a:p>
+          <a:p>
+            <a:endParaRPr lang="en-US" sz="1400" dirty="0">
+              <a:solidFill>
+                <a:srgbClr val="000000"/>
+              </a:solidFill>
+              <a:highlight>
+                <a:srgbClr val="FFFFFF"/>
+              </a:highlight>
+            </a:endParaRPr>
+          </a:p>
+          <a:p>
+            <a:r>
+              <a:rPr lang="nl-NL" sz="1400" dirty="0">
+                <a:solidFill>
+                  <a:srgbClr val="000000"/>
+                </a:solidFill>
+                <a:highlight>
+                  <a:srgbClr val="FFFFFF"/>
+                </a:highlight>
+              </a:rPr>
+              <a:t>X_opt </a:t>
+            </a:r>
+            <a:r>
+              <a:rPr lang="nl-NL" sz="1400" b="1" dirty="0">
+                <a:solidFill>
+                  <a:srgbClr val="000080"/>
+                </a:solidFill>
+                <a:highlight>
+                  <a:srgbClr val="FFFFFF"/>
+                </a:highlight>
+              </a:rPr>
+              <a:t>=</a:t>
+            </a:r>
+            <a:r>
+              <a:rPr lang="nl-NL" sz="1400" dirty="0">
+                <a:solidFill>
+                  <a:srgbClr val="000000"/>
+                </a:solidFill>
+                <a:highlight>
+                  <a:srgbClr val="FFFFFF"/>
+                </a:highlight>
+              </a:rPr>
+              <a:t> X</a:t>
+            </a:r>
+            <a:r>
+              <a:rPr lang="nl-NL" sz="1400" b="1" dirty="0">
+                <a:solidFill>
+                  <a:srgbClr val="000080"/>
+                </a:solidFill>
+                <a:highlight>
+                  <a:srgbClr val="FFFFFF"/>
+                </a:highlight>
+              </a:rPr>
+              <a:t>[:,</a:t>
+            </a:r>
+            <a:r>
+              <a:rPr lang="nl-NL" sz="1400" dirty="0">
+                <a:solidFill>
+                  <a:srgbClr val="000000"/>
+                </a:solidFill>
+                <a:highlight>
+                  <a:srgbClr val="FFFFFF"/>
+                </a:highlight>
+              </a:rPr>
+              <a:t> </a:t>
+            </a:r>
+            <a:r>
+              <a:rPr lang="nl-NL" sz="1400" b="1" dirty="0">
+                <a:solidFill>
+                  <a:srgbClr val="000080"/>
+                </a:solidFill>
+                <a:highlight>
+                  <a:srgbClr val="FFFFFF"/>
+                </a:highlight>
+              </a:rPr>
+              <a:t>[</a:t>
+            </a:r>
+            <a:r>
+              <a:rPr lang="nl-NL" sz="1400" dirty="0">
+                <a:solidFill>
+                  <a:srgbClr val="FF0000"/>
+                </a:solidFill>
+                <a:highlight>
+                  <a:srgbClr val="FFFFFF"/>
+                </a:highlight>
+              </a:rPr>
+              <a:t>0</a:t>
+            </a:r>
+            <a:r>
+              <a:rPr lang="nl-NL" sz="1400" b="1" dirty="0">
+                <a:solidFill>
+                  <a:srgbClr val="000080"/>
+                </a:solidFill>
+                <a:highlight>
+                  <a:srgbClr val="FFFFFF"/>
+                </a:highlight>
+              </a:rPr>
+              <a:t>,</a:t>
+            </a:r>
+            <a:r>
+              <a:rPr lang="nl-NL" sz="1400" dirty="0">
+                <a:solidFill>
+                  <a:srgbClr val="000000"/>
+                </a:solidFill>
+                <a:highlight>
+                  <a:srgbClr val="FFFFFF"/>
+                </a:highlight>
+              </a:rPr>
+              <a:t> </a:t>
+            </a:r>
+            <a:r>
+              <a:rPr lang="nl-NL" sz="1400" dirty="0">
+                <a:solidFill>
+                  <a:srgbClr val="FF0000"/>
+                </a:solidFill>
+                <a:highlight>
+                  <a:srgbClr val="FFFFFF"/>
+                </a:highlight>
+              </a:rPr>
+              <a:t>1</a:t>
+            </a:r>
+            <a:r>
+              <a:rPr lang="nl-NL" sz="1400" b="1" dirty="0">
+                <a:solidFill>
+                  <a:srgbClr val="000080"/>
+                </a:solidFill>
+                <a:highlight>
+                  <a:srgbClr val="FFFFFF"/>
+                </a:highlight>
+              </a:rPr>
+              <a:t>,</a:t>
+            </a:r>
+            <a:r>
+              <a:rPr lang="nl-NL" sz="1400" dirty="0">
+                <a:solidFill>
+                  <a:srgbClr val="000000"/>
+                </a:solidFill>
+                <a:highlight>
+                  <a:srgbClr val="FFFFFF"/>
+                </a:highlight>
+              </a:rPr>
+              <a:t> </a:t>
+            </a:r>
+            <a:r>
+              <a:rPr lang="nl-NL" sz="1400" dirty="0">
+                <a:solidFill>
+                  <a:srgbClr val="FF0000"/>
+                </a:solidFill>
+                <a:highlight>
+                  <a:srgbClr val="FFFFFF"/>
+                </a:highlight>
+              </a:rPr>
+              <a:t>3</a:t>
+            </a:r>
+            <a:r>
+              <a:rPr lang="nl-NL" sz="1400" b="1" dirty="0">
+                <a:solidFill>
+                  <a:srgbClr val="000080"/>
+                </a:solidFill>
+                <a:highlight>
+                  <a:srgbClr val="FFFFFF"/>
+                </a:highlight>
+              </a:rPr>
+              <a:t>,</a:t>
+            </a:r>
+            <a:r>
+              <a:rPr lang="nl-NL" sz="1400" dirty="0">
+                <a:solidFill>
+                  <a:srgbClr val="000000"/>
+                </a:solidFill>
+                <a:highlight>
+                  <a:srgbClr val="FFFFFF"/>
+                </a:highlight>
+              </a:rPr>
+              <a:t> </a:t>
+            </a:r>
+            <a:r>
+              <a:rPr lang="nl-NL" sz="1400" dirty="0">
+                <a:solidFill>
+                  <a:srgbClr val="FF0000"/>
+                </a:solidFill>
+                <a:highlight>
+                  <a:srgbClr val="FFFFFF"/>
+                </a:highlight>
+              </a:rPr>
+              <a:t>4</a:t>
+            </a:r>
+            <a:r>
+              <a:rPr lang="nl-NL" sz="1400" b="1" dirty="0">
+                <a:solidFill>
+                  <a:srgbClr val="000080"/>
+                </a:solidFill>
+                <a:highlight>
+                  <a:srgbClr val="FFFFFF"/>
+                </a:highlight>
+              </a:rPr>
+              <a:t>,</a:t>
+            </a:r>
+            <a:r>
+              <a:rPr lang="nl-NL" sz="1400" dirty="0">
+                <a:solidFill>
+                  <a:srgbClr val="000000"/>
+                </a:solidFill>
+                <a:highlight>
+                  <a:srgbClr val="FFFFFF"/>
+                </a:highlight>
+              </a:rPr>
+              <a:t> </a:t>
+            </a:r>
+            <a:r>
+              <a:rPr lang="nl-NL" sz="1400" dirty="0">
+                <a:solidFill>
+                  <a:srgbClr val="FF0000"/>
+                </a:solidFill>
+                <a:highlight>
+                  <a:srgbClr val="FFFFFF"/>
+                </a:highlight>
+              </a:rPr>
+              <a:t>5</a:t>
+            </a:r>
+            <a:r>
+              <a:rPr lang="nl-NL" sz="1400" b="1" dirty="0">
+                <a:solidFill>
+                  <a:srgbClr val="000080"/>
+                </a:solidFill>
+                <a:highlight>
+                  <a:srgbClr val="FFFFFF"/>
+                </a:highlight>
+              </a:rPr>
+              <a:t>]]</a:t>
+            </a:r>
+            <a:endParaRPr lang="nl-NL" sz="1400" dirty="0">
+              <a:solidFill>
+                <a:srgbClr val="000000"/>
+              </a:solidFill>
+              <a:highlight>
+                <a:srgbClr val="FFFFFF"/>
+              </a:highlight>
+            </a:endParaRPr>
+          </a:p>
+          <a:p>
+            <a:r>
+              <a:rPr lang="en-US" sz="1400" dirty="0" err="1">
+                <a:solidFill>
+                  <a:srgbClr val="000000"/>
+                </a:solidFill>
+                <a:highlight>
+                  <a:srgbClr val="FFFFFF"/>
+                </a:highlight>
+              </a:rPr>
+              <a:t>regressor_OLS</a:t>
+            </a:r>
+            <a:r>
+              <a:rPr lang="en-US" sz="1400" dirty="0">
+                <a:solidFill>
+                  <a:srgbClr val="000000"/>
+                </a:solidFill>
+                <a:highlight>
+                  <a:srgbClr val="FFFFFF"/>
+                </a:highlight>
+              </a:rPr>
+              <a:t> </a:t>
+            </a:r>
+            <a:r>
+              <a:rPr lang="en-US" sz="1400" b="1" dirty="0">
+                <a:solidFill>
+                  <a:srgbClr val="000080"/>
+                </a:solidFill>
+                <a:highlight>
+                  <a:srgbClr val="FFFFFF"/>
+                </a:highlight>
+              </a:rPr>
+              <a:t>=</a:t>
+            </a:r>
+            <a:r>
+              <a:rPr lang="en-US" sz="1400" dirty="0">
+                <a:solidFill>
+                  <a:srgbClr val="000000"/>
+                </a:solidFill>
+                <a:highlight>
+                  <a:srgbClr val="FFFFFF"/>
+                </a:highlight>
+              </a:rPr>
+              <a:t> </a:t>
+            </a:r>
+            <a:r>
+              <a:rPr lang="en-US" sz="1400" dirty="0" err="1">
+                <a:solidFill>
+                  <a:srgbClr val="000000"/>
+                </a:solidFill>
+                <a:highlight>
+                  <a:srgbClr val="FFFFFF"/>
+                </a:highlight>
+              </a:rPr>
+              <a:t>sm</a:t>
+            </a:r>
+            <a:r>
+              <a:rPr lang="en-US" sz="1400" b="1" dirty="0" err="1">
+                <a:solidFill>
+                  <a:srgbClr val="000080"/>
+                </a:solidFill>
+                <a:highlight>
+                  <a:srgbClr val="FFFFFF"/>
+                </a:highlight>
+              </a:rPr>
+              <a:t>.</a:t>
+            </a:r>
+            <a:r>
+              <a:rPr lang="en-US" sz="1400" dirty="0" err="1">
+                <a:solidFill>
+                  <a:srgbClr val="000000"/>
+                </a:solidFill>
+                <a:highlight>
+                  <a:srgbClr val="FFFFFF"/>
+                </a:highlight>
+              </a:rPr>
+              <a:t>OLS</a:t>
+            </a:r>
+            <a:r>
+              <a:rPr lang="en-US" sz="1400" b="1" dirty="0">
+                <a:solidFill>
+                  <a:srgbClr val="000080"/>
+                </a:solidFill>
+                <a:highlight>
+                  <a:srgbClr val="FFFFFF"/>
+                </a:highlight>
+              </a:rPr>
+              <a:t>(</a:t>
+            </a:r>
+            <a:r>
+              <a:rPr lang="en-US" sz="1400" dirty="0" err="1">
+                <a:solidFill>
+                  <a:srgbClr val="000000"/>
+                </a:solidFill>
+                <a:highlight>
+                  <a:srgbClr val="FFFFFF"/>
+                </a:highlight>
+              </a:rPr>
+              <a:t>endog</a:t>
+            </a:r>
+            <a:r>
+              <a:rPr lang="en-US" sz="1400" dirty="0">
+                <a:solidFill>
+                  <a:srgbClr val="000000"/>
+                </a:solidFill>
+                <a:highlight>
+                  <a:srgbClr val="FFFFFF"/>
+                </a:highlight>
+              </a:rPr>
+              <a:t> </a:t>
+            </a:r>
+            <a:r>
+              <a:rPr lang="en-US" sz="1400" b="1" dirty="0">
+                <a:solidFill>
+                  <a:srgbClr val="000080"/>
+                </a:solidFill>
+                <a:highlight>
+                  <a:srgbClr val="FFFFFF"/>
+                </a:highlight>
+              </a:rPr>
+              <a:t>=</a:t>
+            </a:r>
+            <a:r>
+              <a:rPr lang="en-US" sz="1400" dirty="0">
+                <a:solidFill>
+                  <a:srgbClr val="000000"/>
+                </a:solidFill>
+                <a:highlight>
+                  <a:srgbClr val="FFFFFF"/>
+                </a:highlight>
+              </a:rPr>
+              <a:t> y</a:t>
+            </a:r>
+            <a:r>
+              <a:rPr lang="en-US" sz="1400" b="1" dirty="0">
+                <a:solidFill>
+                  <a:srgbClr val="000080"/>
+                </a:solidFill>
+                <a:highlight>
+                  <a:srgbClr val="FFFFFF"/>
+                </a:highlight>
+              </a:rPr>
+              <a:t>,</a:t>
+            </a:r>
+            <a:r>
+              <a:rPr lang="en-US" sz="1400" dirty="0">
+                <a:solidFill>
+                  <a:srgbClr val="000000"/>
+                </a:solidFill>
+                <a:highlight>
+                  <a:srgbClr val="FFFFFF"/>
+                </a:highlight>
+              </a:rPr>
+              <a:t> </a:t>
+            </a:r>
+            <a:r>
+              <a:rPr lang="en-US" sz="1400" dirty="0" err="1">
+                <a:solidFill>
+                  <a:srgbClr val="000000"/>
+                </a:solidFill>
+                <a:highlight>
+                  <a:srgbClr val="FFFFFF"/>
+                </a:highlight>
+              </a:rPr>
+              <a:t>exog</a:t>
+            </a:r>
+            <a:r>
+              <a:rPr lang="en-US" sz="1400" dirty="0">
+                <a:solidFill>
+                  <a:srgbClr val="000000"/>
+                </a:solidFill>
+                <a:highlight>
+                  <a:srgbClr val="FFFFFF"/>
+                </a:highlight>
+              </a:rPr>
+              <a:t> </a:t>
+            </a:r>
+            <a:r>
+              <a:rPr lang="en-US" sz="1400" b="1" dirty="0">
+                <a:solidFill>
+                  <a:srgbClr val="000080"/>
+                </a:solidFill>
+                <a:highlight>
+                  <a:srgbClr val="FFFFFF"/>
+                </a:highlight>
+              </a:rPr>
+              <a:t>=</a:t>
+            </a:r>
+            <a:r>
+              <a:rPr lang="en-US" sz="1400" dirty="0">
+                <a:solidFill>
+                  <a:srgbClr val="000000"/>
+                </a:solidFill>
+                <a:highlight>
+                  <a:srgbClr val="FFFFFF"/>
+                </a:highlight>
+              </a:rPr>
+              <a:t> </a:t>
+            </a:r>
+            <a:r>
+              <a:rPr lang="en-US" sz="1400" dirty="0" err="1">
+                <a:solidFill>
+                  <a:srgbClr val="000000"/>
+                </a:solidFill>
+                <a:highlight>
+                  <a:srgbClr val="FFFFFF"/>
+                </a:highlight>
+              </a:rPr>
+              <a:t>X_opt</a:t>
+            </a:r>
+            <a:r>
+              <a:rPr lang="en-US" sz="1400" b="1" dirty="0">
+                <a:solidFill>
+                  <a:srgbClr val="000080"/>
+                </a:solidFill>
+                <a:highlight>
+                  <a:srgbClr val="FFFFFF"/>
+                </a:highlight>
+              </a:rPr>
+              <a:t>).</a:t>
+            </a:r>
+            <a:r>
+              <a:rPr lang="en-US" sz="1400" dirty="0">
+                <a:solidFill>
+                  <a:srgbClr val="000000"/>
+                </a:solidFill>
+                <a:highlight>
+                  <a:srgbClr val="FFFFFF"/>
+                </a:highlight>
+              </a:rPr>
+              <a:t>fit</a:t>
+            </a:r>
+            <a:r>
+              <a:rPr lang="en-US" sz="1400" b="1" dirty="0">
+                <a:solidFill>
+                  <a:srgbClr val="000080"/>
+                </a:solidFill>
+                <a:highlight>
+                  <a:srgbClr val="FFFFFF"/>
+                </a:highlight>
+              </a:rPr>
+              <a:t>()</a:t>
+            </a:r>
+            <a:endParaRPr lang="en-US" sz="1400" dirty="0">
+              <a:solidFill>
+                <a:srgbClr val="000000"/>
+              </a:solidFill>
+              <a:highlight>
+                <a:srgbClr val="FFFFFF"/>
+              </a:highlight>
+            </a:endParaRPr>
+          </a:p>
+          <a:p>
+            <a:r>
+              <a:rPr lang="en-US" sz="1400" dirty="0" err="1">
+                <a:solidFill>
+                  <a:srgbClr val="000000"/>
+                </a:solidFill>
+                <a:highlight>
+                  <a:srgbClr val="FFFFFF"/>
+                </a:highlight>
+              </a:rPr>
+              <a:t>regressor_OLS</a:t>
+            </a:r>
+            <a:r>
+              <a:rPr lang="en-US" sz="1400" b="1" dirty="0" err="1">
+                <a:solidFill>
+                  <a:srgbClr val="000080"/>
+                </a:solidFill>
+                <a:highlight>
+                  <a:srgbClr val="FFFFFF"/>
+                </a:highlight>
+              </a:rPr>
+              <a:t>.</a:t>
+            </a:r>
+            <a:r>
+              <a:rPr lang="en-US" sz="1400" dirty="0" err="1">
+                <a:solidFill>
+                  <a:srgbClr val="000000"/>
+                </a:solidFill>
+                <a:highlight>
+                  <a:srgbClr val="FFFFFF"/>
+                </a:highlight>
+              </a:rPr>
+              <a:t>summary</a:t>
+            </a:r>
+            <a:r>
+              <a:rPr lang="en-US" sz="1400" b="1" dirty="0">
+                <a:solidFill>
+                  <a:srgbClr val="000080"/>
+                </a:solidFill>
+                <a:highlight>
+                  <a:srgbClr val="FFFFFF"/>
+                </a:highlight>
+              </a:rPr>
+              <a:t>()</a:t>
+            </a:r>
+            <a:endParaRPr lang="en-US" sz="1400" dirty="0"/>
+          </a:p>
+        </p:txBody>
+      </p:sp>
+      <p:pic>
+        <p:nvPicPr>
+          <p:cNvPr id="4" name="Picture 3" descr="Screen Clipping"/>
+          <p:cNvPicPr>
+            <a:picLocks noChangeAspect="1"/>
+          </p:cNvPicPr>
+          <p:nvPr/>
+        </p:nvPicPr>
+        <p:blipFill>
+          <a:blip r:embed="rId2">
+            <a:extLst>
+              <a:ext uri="{28A0092B-C50C-407E-A947-70E740481C1C}">
+                <a14:useLocalDpi xmlns:a14="http://schemas.microsoft.com/office/drawing/2010/main" val="0"/>
+              </a:ext>
+            </a:extLst>
+          </a:blip>
+          <a:stretch>
+            <a:fillRect/>
+          </a:stretch>
+        </p:blipFill>
+        <p:spPr>
+          <a:xfrm>
+            <a:off x="6394784" y="1183697"/>
+            <a:ext cx="5553850" cy="4972744"/>
+          </a:xfrm>
+          <a:prstGeom prst="rect">
+            <a:avLst/>
+          </a:prstGeom>
+          <a:ln w="38100" cap="sq">
+            <a:solidFill>
+              <a:srgbClr val="000000"/>
+            </a:solidFill>
+            <a:prstDash val="solid"/>
+            <a:miter lim="800000"/>
+          </a:ln>
+          <a:effectLst>
+            <a:outerShdw blurRad="50800" dist="38100" dir="2700000" algn="tl" rotWithShape="0">
+              <a:srgbClr val="000000">
+                <a:alpha val="43000"/>
+              </a:srgbClr>
+            </a:outerShdw>
+          </a:effectLst>
+        </p:spPr>
+      </p:pic>
+      <p:pic>
+        <p:nvPicPr>
+          <p:cNvPr id="5" name="Picture 4" descr="Screen Clipping"/>
+          <p:cNvPicPr>
+            <a:picLocks noChangeAspect="1"/>
+          </p:cNvPicPr>
+          <p:nvPr/>
+        </p:nvPicPr>
+        <p:blipFill>
+          <a:blip r:embed="rId3">
+            <a:extLst>
+              <a:ext uri="{28A0092B-C50C-407E-A947-70E740481C1C}">
+                <a14:useLocalDpi xmlns:a14="http://schemas.microsoft.com/office/drawing/2010/main" val="0"/>
+              </a:ext>
+            </a:extLst>
+          </a:blip>
+          <a:stretch>
+            <a:fillRect/>
+          </a:stretch>
+        </p:blipFill>
+        <p:spPr>
+          <a:xfrm>
+            <a:off x="273710" y="3532909"/>
+            <a:ext cx="5208682" cy="2689918"/>
+          </a:xfrm>
+          <a:prstGeom prst="rect">
+            <a:avLst/>
+          </a:prstGeom>
+        </p:spPr>
+      </p:pic>
+      <p:sp>
+        <p:nvSpPr>
+          <p:cNvPr id="17" name="Trapezoid 16"/>
+          <p:cNvSpPr/>
+          <p:nvPr/>
+        </p:nvSpPr>
+        <p:spPr>
+          <a:xfrm rot="10800000">
+            <a:off x="6168044" y="3175462"/>
+            <a:ext cx="5780590" cy="232756"/>
+          </a:xfrm>
+          <a:prstGeom prst="trapezoid">
+            <a:avLst>
+              <a:gd name="adj" fmla="val 109615"/>
+            </a:avLst>
+          </a:prstGeom>
+          <a:noFill/>
+          <a:ln w="76200">
+            <a:solidFill>
+              <a:srgbClr val="E521CE"/>
+            </a:solidFill>
+          </a:ln>
+        </p:spPr>
+        <p:style>
+          <a:lnRef idx="2">
+            <a:schemeClr val="accent1">
+              <a:shade val="50000"/>
+            </a:schemeClr>
+          </a:lnRef>
+          <a:fillRef idx="1">
+            <a:schemeClr val="accent1"/>
+          </a:fillRef>
+          <a:effectRef idx="0">
+            <a:schemeClr val="accent1"/>
+          </a:effectRef>
+          <a:fontRef idx="minor">
+            <a:schemeClr val="lt1"/>
+          </a:fontRef>
+        </p:style>
+        <p:txBody>
+          <a:bodyPr rtlCol="0" anchor="ctr"/>
+          <a:lstStyle/>
+          <a:p>
+            <a:pPr algn="ctr"/>
+            <a:endParaRPr lang="en-US">
+              <a:solidFill>
+                <a:srgbClr val="000000"/>
+              </a:solidFill>
+            </a:endParaRPr>
+          </a:p>
+        </p:txBody>
+      </p:sp>
+      <p:sp>
+        <p:nvSpPr>
+          <p:cNvPr id="24" name="Rectangle 23"/>
+          <p:cNvSpPr/>
+          <p:nvPr/>
+        </p:nvSpPr>
+        <p:spPr>
+          <a:xfrm>
+            <a:off x="1530360" y="3349650"/>
+            <a:ext cx="896760" cy="2174190"/>
+          </a:xfrm>
+          <a:prstGeom prst="rect">
+            <a:avLst/>
+          </a:prstGeom>
+          <a:noFill/>
+          <a:ln w="38100">
+            <a:solidFill>
+              <a:srgbClr val="E521CE"/>
+            </a:solidFill>
+          </a:ln>
+        </p:spPr>
+        <p:style>
+          <a:lnRef idx="2">
+            <a:schemeClr val="accent1">
+              <a:shade val="50000"/>
+            </a:schemeClr>
+          </a:lnRef>
+          <a:fillRef idx="1">
+            <a:schemeClr val="accent1"/>
+          </a:fillRef>
+          <a:effectRef idx="0">
+            <a:schemeClr val="accent1"/>
+          </a:effectRef>
+          <a:fontRef idx="minor">
+            <a:schemeClr val="lt1"/>
+          </a:fontRef>
+        </p:style>
+        <p:txBody>
+          <a:bodyPr rtlCol="0" anchor="ctr"/>
+          <a:lstStyle/>
+          <a:p>
+            <a:pPr algn="ctr"/>
+            <a:endParaRPr lang="en-US">
+              <a:solidFill>
+                <a:srgbClr val="000000"/>
+              </a:solidFill>
+            </a:endParaRPr>
+          </a:p>
+        </p:txBody>
+      </p:sp>
+      <mc:AlternateContent xmlns:mc="http://schemas.openxmlformats.org/markup-compatibility/2006">
+        <mc:Choice xmlns:p14="http://schemas.microsoft.com/office/powerpoint/2010/main" Requires="p14">
+          <p:contentPart p14:bwMode="auto" r:id="rId4">
+            <p14:nvContentPartPr>
+              <p14:cNvPr id="26" name="Ink 25"/>
+              <p14:cNvContentPartPr/>
+              <p14:nvPr/>
+            </p14:nvContentPartPr>
+            <p14:xfrm>
+              <a:off x="2443811" y="3216698"/>
+              <a:ext cx="3708000" cy="141840"/>
+            </p14:xfrm>
+          </p:contentPart>
+        </mc:Choice>
+        <mc:Fallback>
+          <p:pic>
+            <p:nvPicPr>
+              <p:cNvPr id="26" name="Ink 25"/>
+              <p:cNvPicPr/>
+              <p:nvPr/>
+            </p:nvPicPr>
+            <p:blipFill>
+              <a:blip r:embed="rId5"/>
+              <a:stretch>
+                <a:fillRect/>
+              </a:stretch>
+            </p:blipFill>
+            <p:spPr>
+              <a:xfrm>
+                <a:off x="2431931" y="3204818"/>
+                <a:ext cx="3731760" cy="165600"/>
+              </a:xfrm>
+              <a:prstGeom prst="rect">
+                <a:avLst/>
+              </a:prstGeom>
+            </p:spPr>
+          </p:pic>
+        </mc:Fallback>
+      </mc:AlternateContent>
+      <mc:AlternateContent xmlns:mc="http://schemas.openxmlformats.org/markup-compatibility/2006">
+        <mc:Choice xmlns:p14="http://schemas.microsoft.com/office/powerpoint/2010/main" Requires="p14">
+          <p:contentPart p14:bwMode="auto" r:id="rId6">
+            <p14:nvContentPartPr>
+              <p14:cNvPr id="28" name="Ink 27"/>
+              <p14:cNvContentPartPr/>
+              <p14:nvPr/>
+            </p14:nvContentPartPr>
+            <p14:xfrm>
+              <a:off x="6085931" y="3183938"/>
+              <a:ext cx="90720" cy="92160"/>
+            </p14:xfrm>
+          </p:contentPart>
+        </mc:Choice>
+        <mc:Fallback>
+          <p:pic>
+            <p:nvPicPr>
+              <p:cNvPr id="28" name="Ink 27"/>
+              <p:cNvPicPr/>
+              <p:nvPr/>
+            </p:nvPicPr>
+            <p:blipFill>
+              <a:blip r:embed="rId7"/>
+              <a:stretch>
+                <a:fillRect/>
+              </a:stretch>
+            </p:blipFill>
+            <p:spPr>
+              <a:xfrm>
+                <a:off x="6074051" y="3172058"/>
+                <a:ext cx="114480" cy="115920"/>
+              </a:xfrm>
+              <a:prstGeom prst="rect">
+                <a:avLst/>
+              </a:prstGeom>
+            </p:spPr>
+          </p:pic>
+        </mc:Fallback>
+      </mc:AlternateContent>
+    </p:spTree>
+    <p:extLst>
+      <p:ext uri="{BB962C8B-B14F-4D97-AF65-F5344CB8AC3E}">
+        <p14:creationId xmlns:p14="http://schemas.microsoft.com/office/powerpoint/2010/main" val="695842194"/>
+      </p:ext>
+    </p:extLst>
+  </p:cSld>
+  <p:clrMapOvr>
+    <a:masterClrMapping/>
+  </p:clrMapOvr>
+</p:sld>
+</file>
+
+<file path=ppt/slides/slide21.xml><?xml version="1.0" encoding="utf-8"?>
+<p:sld xmlns:a="http://schemas.openxmlformats.org/drawingml/2006/main" xmlns:r="http://schemas.openxmlformats.org/officeDocument/2006/relationships" xmlns:p="http://schemas.openxmlformats.org/presentationml/2006/main">
+  <p:cSld>
+    <p:spTree>
+      <p:nvGrpSpPr>
+        <p:cNvPr id="1" name=""/>
+        <p:cNvGrpSpPr/>
+        <p:nvPr/>
+      </p:nvGrpSpPr>
+      <p:grpSpPr>
+        <a:xfrm>
+          <a:off x="0" y="0"/>
+          <a:ext cx="0" cy="0"/>
+          <a:chOff x="0" y="0"/>
+          <a:chExt cx="0" cy="0"/>
+        </a:xfrm>
+      </p:grpSpPr>
+      <p:sp>
+        <p:nvSpPr>
+          <p:cNvPr id="2" name="Title 1"/>
+          <p:cNvSpPr>
+            <a:spLocks noGrp="1"/>
+          </p:cNvSpPr>
+          <p:nvPr>
+            <p:ph type="title"/>
+          </p:nvPr>
+        </p:nvSpPr>
+        <p:spPr/>
+        <p:txBody>
+          <a:bodyPr/>
+          <a:lstStyle/>
+          <a:p>
+            <a:endParaRPr lang="en-US"/>
+          </a:p>
+        </p:txBody>
+      </p:sp>
+    </p:spTree>
+    <p:extLst>
+      <p:ext uri="{BB962C8B-B14F-4D97-AF65-F5344CB8AC3E}">
+        <p14:creationId xmlns:p14="http://schemas.microsoft.com/office/powerpoint/2010/main" val="3672095712"/>
+      </p:ext>
+    </p:extLst>
+  </p:cSld>
+  <p:clrMapOvr>
+    <a:masterClrMapping/>
+  </p:clrMapOvr>
+</p:sld>
+</file>
+
+<file path=ppt/slides/slide22.xml><?xml version="1.0" encoding="utf-8"?>
+<p:sld xmlns:a="http://schemas.openxmlformats.org/drawingml/2006/main" xmlns:r="http://schemas.openxmlformats.org/officeDocument/2006/relationships" xmlns:p="http://schemas.openxmlformats.org/presentationml/2006/main">
+  <p:cSld>
+    <p:spTree>
+      <p:nvGrpSpPr>
+        <p:cNvPr id="1" name=""/>
+        <p:cNvGrpSpPr/>
+        <p:nvPr/>
+      </p:nvGrpSpPr>
+      <p:grpSpPr>
+        <a:xfrm>
+          <a:off x="0" y="0"/>
+          <a:ext cx="0" cy="0"/>
+          <a:chOff x="0" y="0"/>
+          <a:chExt cx="0" cy="0"/>
+        </a:xfrm>
+      </p:grpSpPr>
+      <p:sp>
+        <p:nvSpPr>
+          <p:cNvPr id="2" name="Title 1"/>
+          <p:cNvSpPr>
+            <a:spLocks noGrp="1"/>
+          </p:cNvSpPr>
+          <p:nvPr>
+            <p:ph type="title"/>
+          </p:nvPr>
+        </p:nvSpPr>
+        <p:spPr/>
+        <p:txBody>
+          <a:bodyPr/>
+          <a:lstStyle/>
+          <a:p>
+            <a:endParaRPr lang="en-US"/>
+          </a:p>
+        </p:txBody>
+      </p:sp>
+    </p:spTree>
+    <p:extLst>
+      <p:ext uri="{BB962C8B-B14F-4D97-AF65-F5344CB8AC3E}">
+        <p14:creationId xmlns:p14="http://schemas.microsoft.com/office/powerpoint/2010/main" val="1687223358"/>
+      </p:ext>
+    </p:extLst>
+  </p:cSld>
+  <p:clrMapOvr>
+    <a:masterClrMapping/>
+  </p:clrMapOvr>
 </p:sld>
 </file>
 

--- a/Multiple_Linear_Regression/Multiple_linear_Regression.pptx
+++ b/Multiple_Linear_Regression/Multiple_linear_Regression.pptx
@@ -26,7 +26,10 @@
     <p:sldId id="274" r:id="rId20"/>
     <p:sldId id="279" r:id="rId21"/>
     <p:sldId id="278" r:id="rId22"/>
-    <p:sldId id="277" r:id="rId23"/>
+    <p:sldId id="282" r:id="rId23"/>
+    <p:sldId id="281" r:id="rId24"/>
+    <p:sldId id="280" r:id="rId25"/>
+    <p:sldId id="277" r:id="rId26"/>
   </p:sldIdLst>
   <p:sldSz cx="12192000" cy="6858000"/>
   <p:notesSz cx="6858000" cy="9144000"/>
@@ -191,7 +194,7 @@
       <inkml:brushProperty name="fitToCurve" value="1"/>
     </inkml:brush>
   </inkml:definitions>
-  <inkml:trace contextRef="#ctx0" brushRef="#br0">-1 23 0,'0'0'47,"0"0"-16,0 0-31,23-23 78,0 23-47,-23 0-15,0 0 46,23 0-31,-23 0 344,23 0-360,-23 0 17,23 0 92,0 0-14,-23 0-17,23 0-62,-23 0-15,0 0 0,23 0 62,0 0-63,-23 0 94</inkml:trace>
+  <inkml:trace contextRef="#ctx0" brushRef="#br0">-1 23 0,'0'0'47,"0"0"-16,0 0-31,23-23 78,0 23-47,-23 0-15,0 0 46,22 0-31,-22 0 344,23 0-360,-23 0 17,23 0 92,0 0-14,-23 0-17,22 0-62,-22 0-15,0 0 0,23 0 62,0 0-63,-23 0 94</inkml:trace>
 </inkml:ink>
 </file>
 
@@ -222,7 +225,7 @@
       <inkml:brushProperty name="fitToCurve" value="1"/>
     </inkml:brush>
   </inkml:definitions>
-  <inkml:trace contextRef="#ctx0" brushRef="#br0">-1 23 0,'0'0'78,"0"0"-62,23 0 15,0 0 0,-23 0-15,23 0-16,-23 0 15,23 0 1,-23 0 0,23 0-16,0 0 15,-23 0-15,23 0 16,-23 0-1,24 0-15,-1 0 16,-23 0-16,23 0 16,-23 0-1,23 0 1,-23 0-1,23 0 1,0 0 0,-23 0-1,23 0 1,-23 0-1,23 0 1,0 0 0,-23 0-1,23 0 16,-23-23-15,0 23-16,23 0 16,-23 0-1,24 0 1,-1 0-1,-23 0 1,23 0 0,-23 0-16,23 0 15,0 0 1,-23 0 15,23 0 0,-23 0-15,23 0 15,-23 0-15,23 0 15,0 0 0,-23 0 0,23 0-15,-23 0 15,23 0-31,1 0 31,-24 0-31,23 0 16,-23 0 15,23 0-15,-23 0-1,23 0 1,0 0-1,-23 0 1,23 0 15,-23 0-15,23 0-1,0 0 1,-23 0 0,23 23-1,-23-23 1,23 0-1,-23 0-15,23 0 16,1 0 0,-24 0-1,0 23-15,23-23 16,-23 0 15,23 0-31,-23 0 16,23 0 15,0 0-31,-23 0 15,23 0 1,-23 0 0,23 0-1,0 0 1,-23 0-16,23 0 15,-23 0 1,23 0-16,-23 0 16,23 0-1,1 0-15,-24 0 16,23 0-1,-23 0 1,23 0-16,0 0 16,-23 0 15,0 23-16,23-23 1,-23 0-16,23 0 16,-23 0-1,23 0 1,0 0 0,-23 0-1,0 0 1,23 0-16,-23 0 31,23 0-15,0 0-1,-23 0 1,24 0-1,-24 23 1,0-23-16,23 0 16,-23 0-1,23 0 1,0 0-16,-23 0 31,23 0-31,-23 0 16,23 0-1,0 0 1,-23 0-1,23 0 1,-23 0 0,0 0-16,23 0 31,-23 0-16,23 0-15,0 0 32,-23 0-32,24 0 15,-24 0 16,23 23-15,0-23 0,-23 0-1,23 0 1,-23 0-16,23 0 0,-23 0 31,23 0-31,0 0 31,-23 0-15,23 0-16,-23 0 15,23 0 1,0 0 0,-23 0-1,23 0 1,-23 0-1,24 0 1,-24 0 0,23 0-16,0 0 31,-23 0-31,0 0 15,23 0-15,-23 0 16,23 0 0,0 0-16,-23 0 15,23 0 1,-23 0-1,23 0 1,-23 0 0,23 0-1,0-23 1,-23 23-16,23 0 15,-23 0 1,24 0 0,-24 0-16,23 0 0,-23 0 15,23 0 1,-23 0-1,0-23-15,23 23 32,-23 0-1,23 0-16,0 0-15,-23 0 32,0 0-17,23 0-15,-23 0 31,23 0 47,0 0 0,-23 0 141,23 0-219,0 0 15,-23 0-15,47 0 16,-47 0-16,23 0 16,0 0-1,0 0-15,-23 0 16,23 0-1,-23 0 1,0-23 0,23 23-1,0 0 16,-23 0 16,23 0-16,-23 0-15,23 0 31,0 0-16,-23 0-15,24 0 15,-24 0 0,23 0-15,-23 0 15,23 0 0,0 0 0,-23 0-15,23 0-1,-23 0 17,23 0-17,0 0 16,-23 0-31,23 0 16,-23 0 15,23 0-15,-23 0 15,23 0-15,0 0-1,-23 0 16,24 0-15,-24 0 15,23 0 0,0 0-15,-23 0 0,23 0 30,-23 0-30,23 0 15,-23 0 16,23 0-31,0 0-1,-23 0 1,23 0 15,-23 0-31,23 0 16,0 0-1,-23 0 1,23 0-1,-23 0 1,24 0 0,-24 0-1,23 0 1,0 0-16,-23 0 0,23 0 15,-23 0 1,23 0 0,0 0-1,-23 0 1,23 0-1,-23 0 1,23 0 0,-23 0-1,23 0 1,0 0-1,-23 0 1,23 0-16,-23 0 16,24 0 15,-24 0-16,23 0-15,0 0 16,-23 0 15,23 0-15,-23 0-16,23 0 31,0 0-15,-23 0-1,23 0 1,-23 0-1,23 0 1,-23 0 0,23 0-1,0 0 1,-23 0-1,23 0 1,-23 0 15,24 0-15,-1 0-1,-23 0 1,23 0 15,-23 0-15,23 0-1,-23 0 17,23 0-17,0 0 1,-23 0-1,0 0-15,23 0 32,-23 0-1,23 0 0,0 0-15,-23 0 15,23 0-16,-23 0 1,23 0 0,-23 0 15,24 0-16,-1 0 17,-23 0-17,23 0 16,-23 0-15,23 0 15,0 0 0,-23 0 1,23 0-17,-23 0 16,23 0-15,-23 0 0,23 0-1,0 0 1,-23 0-1,23 0 1,-23 0 0,23 0-1,1 0 1,-24 0-16,23 0 15,-23 0 17,23 0-1,-23 0-16,23 0 1,0 0 15,-23 0-15,23 0-1,-23 0 17,23 0-17,0 0 16,-23 0-15,23 0 0,-23 0-1,23 0 1,-23 0-1,23 0 1,1 0 0,-24 0 15,23 0-31,-23 0 15,23 0 1,0 0 0,-23 0-1,23 0 1,-23 0 15,23 0-31,-23 0 16,23 0-1,0 0-15,-23 0 16,0 0-16,23 0 15,-23 0 1,23 0-16,0 0 16,-23 0-1,24 0 1,-24 0-1,23 0-15,-23 0 16,23 0 0,0 0-1,-23 0 1,23 0-1,-23 0 1,23 0-16,-23 0 31,23 0-31,0 0 16,-23 0-1,23 0 1,-23 0 0,23 0-1,0 0 16,-23 0-31,24 0 16,-24 0 0,23 0-1,-23 0 1,23 0-1,0 0 1,-23 0-16,23 0 31,-23 0-15,23 0-16,0 0 15,-23 0 1,23 0-16,-23 0 16,23 0-1,-23 0 1,23 0-1,0 0 1,-23 0-16,24 0 16,-24 0 15,0 0 0,23 0-15,0 0-16,-23 0 31,23 23-31,-23-23 15,23 0 17,-23 0-17,23 0 1,0 0-1,-23 0 1,23 0 0,-23 0-1,23 0 1,0 0-1,-23 0 1,23 0 0,-23 0-1,24 0 16,-24 0-15,0 0-16,23 0 16,0 0-1,-23 0 1,23 0-1,-23 0 1,23 0 15,0 0-15,-23 0-1,23 0 1,-23 0 0,23 0-1,-23 0 1,23 0 15,0 0-15,-23 0-1,23 0 1,-23 0-1,24 0 1,-1 0 0,-23 0-16,23 0 15,-23 0 1,23 0-16,-23 0 31,23 0-15,0 0-1,-23 0 1,23 0 15,-23 0-15,0 23-16,23-23 15,0 0 16,-23 0 1,23 0-17,-23 0 16,23 0-15,-23 0-16,24 0 16,-1 0-1,-23 0-15,23 0 16,-23 0-1,23 0 1,0 0-16,-23 0 16,23 0-1,-23 0 1,23 0-1,-23 0-15,23 0 32,0 0-17,-23 0 1,23 0 31,-23 0-16,23 0-16,-23 0 17,24 0 30,-24 0-46,23 0-1,-23 0 16,23 0 16,-23 0-16,23 0-15,-23 0 0,23 0-1,0 0 1,-23 0-16,0-23 15,23 23-15,0 0 16,0-23-16,-23 23 16,23 0-16,0 0 15,1 0-15,-24 0 16,23 0-1,0 0-15,-23-23 16,23 23 0,-23 0-1,23 0 16,0 0-15,-23 0 296,23 0-296,-23 0-1,23 0-15,-23 0 16,23 0-1,0 0 1,-23 0-16,23 0 31,-23 0-31,24 0 16,-1 0-1,-23 0 1,23 0 0,-23 0-16,23 0 15,-23 0 16,23 0 1,-23 0-32,23 0 15,-23 0 1,23 0-1,-23 0 1,23 0 0,0 0-1,-23 0 16,23 0-31,-23 0 32,23 0-32,-23 0 15,24 0 1,-1 0-1,0 0 1,-23 0 0,23 0-16,0 0 15,-23 0-15,23 0 16,-23 0-1,23 0-15,-23 0 16,23 0-16,0 0 16,-23 0-1,23 0-15,-23 0 16,23 0-16,1 23 15,-24-23-15,23 0 16,-23 0 0,23 0-1,-23 0 1,23 0-1,0 0 1,-23 0-16,23 0 31,-23 0-31,23 0 16,0 0-1,-23 0 1,23 0 0,-23 0-16,23 0 15,-23 0 1,23 23-16,1-23 15,-24 0-15,23 0 16,0 0 0,0 0-1,-23 0-15,23 0 16,-23 0-1,23 0 1,0 0-16,-23 0 16,23 0-1,-23 0-15,23 0 16,-23 0-1,23 0 1,0 0 0,-23 0-16,24 0 15,-24 0 1,23 0-1,0 0-15,-23 0 16,23 0 0,-23 0 15,23 0-31,-23 0 15,46 0 1,-46 0-16,46 0 16,-46 0-1,23 0 1,-23 0-16,23 0 15,-23 0-15,24 0 16,-1 0-16,-23 0 16,23 0-16,0 0 15,0 0 1,-23 0-16,23 0 15,-23 0 1,23 0-16,-23 0 31,23 0-31,0 0 16,-23 0-16,23 0 15,-23 0 1,0 0-16,23 0 16,1 0-16,-24 0 31,23 0-16,-23 0 1,23 0-16,-23 0 16,23 0-1,0 0 1,-23 0-16,23 0 15,-23 0 1,23 0-16,0 0 16,-23 0-16,23 0 15,-23 0 1,23 0-16,-23 0 31,23 0-15,1 0-16,-24 0 15,23 0 1,-23 0-16,23 0 15,0 0-15,-23 0 16,23 0-16,-23 0 16,23 0-1,-23 0 1,23 0-16,0 0 15,-23 0 1,23 0-16,-23 0 16,23 0-16,0 0 15,-23 0-15,24 0 16,-24 0-1,23 0-15,-23 0 16,23 0 0,0 0-1,0 0-15,-23 0 16,23 0-16,0 0 15,0 0 1,-23 0-16,23 0 0,0 0 31,-23 0-15,23 0-16,-23 0 15,24 0-15,-24 0 32,23 0-32,0 0 15,-23 0 1,23 0-16,-23 0 15,23 0-15,0 0 16,-23 0 0,23 0-16,-23 23 15,23-23-15,-23 0 16,23 0-16,0 0 15,-23 0 1,23 0-16,-23 0 16,47 0-16,-47 0 15,23 0 1,0 0-1,0 0-15,0 0 16,-23 0-16,46 0 16,-46 0-1,46 0-15,-46 0 16,23 0-1,1 0-15,-1 0 16,-23 0-16,23 0 16,-23 0-1,23 0 1,-23 0-1,23 0 1,0 0 0,-23 0-1,23 0 1,-23 0-1,23 0 1,0 0-16,-23 0 31,23 0-15,-23 0-1,23 0 1,-23 0 15,24 0-15,-1 0-1,-23 0 1,23 0 0,-23 0-1,23 0-15,0 0 16,-23 0-1,23 0-15,-23 0 16,23 0-16,-23 0 16,23 0-1,0 0 1,-23 0-1,23 0 1,-23 0-16,23 0 16,-23 0-16,24 0 15,-1 0 1,-23 0-16,23 0 15,-23 0 1,23 0 0,0 0-1,-23 0 1,23 0 15,-23 0-31,23 0 16,-23 0-1,23 0 1,0 0-1,-23 0 1,23 0-16,-23 0 31,47 0-31,-47 0 16,0 0-1,23 0-15,-23 0 16,23 0 0,0 0-16,-23 0 15,23 0-15,-23 0 16,23 0-16,-23 0 15,23 0 1,0 0 0,-23 0-16,23 0 15,-23 0-15,23 0 16,0 0-16,1 0 15,-24 0 1,23 0-16,0 0 16,-23 0-16,23 0 15,-23 0-15,23 0 16,-23 0-1,23 0 1,0 0 0,-23 0-1,23 0 1,-23 0-1,23 0 17,0 0-17,-23 0 1,23 0-1,-23 0 1,24 0 0,-24 0-1,23 0 1,0 0-1,-23 0 1,23 0-16,-23 0 16,23 0-16,0 0 15,-23 0 1,23 0-16,-23 0 15,23 0 1,-23 0 0,23 0-16,0 0 15,-23 0 16,23 0-15,-23 0 0,24 0-1,-24 0 1,23 0 15,0 0-15,-23 0-1,23 0 16,-23-23-15,23 23 15,0 0 0,-23 0-15,23 0 0,-23 0-1,23 0 1,-23 0-1,23 0 1,0 0-16,-23 0 16,23 0-1,-23 0 1,24 0 15,-24-23-31,23 23 0,-23 0 16,23 0-1,-23 0-15,23 0 16,-23 0-1,23 0 17,0 0-17,-23 0 1,23 0-1,-23 0-15,23 0 16,0 0 0,-23 0-1,23 0 1,-23 0-1,23 0 1,-23 0 15,24 0-15,-1 0-1,-23 0 1,23 0 0,-23 0-16,23 0 15,0 0 1,-23 0-1,23 0 1,-23 0 0,46 0-1,-46 0-15,23 0 16,23 0-16,-46 0 15,24 0 1,-24 0-16,23 0 0,0 0 16,0 0-1,-23 0 1,23 0-1,0 0-15,-23 0 16,23 0 0,-23 0-1,23 0 16,-23 0-15,23 0 0,0 0-1,-23 0 1,23 0-1,-23 0 17,24 0-32,-1 0 15,-23 0 1,23 0-1,-23 0 1,23 0 0,-23 0-16,23 0 15,0 0 1,-23 0-16,0 0 15,23 0 1,-23 0 0,23 0-1,0 0 1,-23 0-1,23 0 1,-23 0 0,23 0-1,-23 0 1,24 0-1,-1 0 1,-23 0 15,23 0 0,-23 0 1,23 0-17,0 0 16,-23 0-15,23 0 15,-23 0-15,23 0-1,-23 0 1,23 0 15,0 0-15,-23 0 15,23 0-15,-23 0-1,23 0 1,1 0-1,-24 0 1,23 0 0,-23 0-1,23 0-15,-23 0 16,23 0-1,0 0 1,-23 0-16,23 0 31,-23 0-15,23 0 15,0 0 0,-23 0 0,23 0-15,-23 0 0,23 0-1,-23 0 1,23 0-1,1 0 1,-24 0 0,23 0-1,-23 0-15,23 0 16,0 0-1,-23 0 1,23 0 0,-23 0-1,23 0 1,-23 0-1,23 0 1,0 0 0,-23 0-1,23 0 1,-23 0-1,23 0 1,0 0 0,-23 0-1,24 0 1,-24 0-16,23 0 15,-23 0-15,23 0 16,0 0-16,-23 0 16,23 0-1,-23 0 1,23 0-1,-23 0 1,23 0 0,0 0 15,-23 0-16,23 0 17,-23 0-17,23 0 1,0 0-16,-23 23 31,24-23-31,-24 0 16,23 0 15,-23 0-16,23 0 1,0 0 31,-23 0-32,23 0 1,-23 0-16,23 0 16,0 0-1,-23 0-15,23 0 16,-23 0-16,23 0 15,-23 0 1,0 0-16,23 0 16,0 0-1,-23 0 1,24 0-1,-24 0 32,23 0 0,0 0-31,-23 0 15,23 0 0,-23 0 0,23 0 16,-23 0-31,23 0 15,0 0-16,-23 0 1,23 0 15,-23 0 0,23 0 1,0 0-17,-23 0 1,23 23-1,-23-23 1,24 0 0,-24 0-1,23 0-15,0 0 16,-23 0-1,23 0 17,-23 0-17,23 0 16,0 0-15,-23 0 31,23 0-32,-23 0 17,23 0 14,-23 0-30,23 0 15,0 0 0,-23 0-15,23 0 46,-23 0-46,24 0 15,-1 0 63,-23 0-63,23 0-15,-23 0 15,0 0-31,23 0 31,-23 0 0,23 0-31,0 0 31,-23 0-15,23 0 15,-23 0-31,0 0 16,23 0-1,0 0 17,-23-23 30</inkml:trace>
+  <inkml:trace contextRef="#ctx0" brushRef="#br0">-1 23 0,'0'0'78,"0"0"-62,23 0 15,0 0 0,-23 0-15,23 0-16,-23 0 15,23 0 1,-23 0 0,23 0-16,0 0 15,-23 0-15,23 0 16,-23 0-1,24 0-15,-1 0 16,-23 0-16,23 0 16,-23 0-1,23 0 1,-23 0-1,23 0 1,0 0 0,-23 0-1,23 0 1,-23 0-1,23 0 1,0 0 0,-23 0-1,23 0 16,-23-23-15,0 23-16,23 0 16,-23 0-1,24 0 1,-1 0-1,-23 0 1,23 0 0,-23 0-16,23 0 15,0 0 1,-23 0 15,23 0 0,-23 0-15,23 0 15,-23 0-15,23 0 15,0 0 0,-23 0 0,23 0-15,-23 0 15,23 0-31,1 0 31,-24 0-31,23 0 16,-23 0 15,23 0-15,-23 0-1,23 0 1,0 0-1,-23 0 1,23 0 15,-23 0-15,23 0-1,0 0 1,-23 0 0,23 23-1,-23-23 1,23 0-1,-23 0-15,23 0 16,1 0 0,-24 0-1,0 23-15,23-23 16,-23 0 15,23 0-31,-23 0 16,23 0 15,0 0-31,-23 0 15,23 0 1,-23 0 0,23 0-1,0 0 1,-23 0-16,23 0 15,-23 0 1,23 0-16,-23 0 16,23 0-1,1 0-15,-24 0 16,23 0-1,-23 0 1,23 0-16,0 0 16,-23 0 15,0 23-16,23-23 1,-23 0-16,23 0 16,-23 0-1,23 0 1,0 0 0,-23 0-1,0 0 1,23 0-16,-23 0 31,23 0-15,0 0-1,-23 0 1,24 0-1,-24 23 1,0-23-16,23 0 16,-23 0-1,23 0 1,0 0-16,-23 0 31,23 0-31,-23 0 16,23 0-1,0 0 1,-23 0-1,23 0 1,-23 0 0,0 0-16,23 0 31,-23 0-16,23 0-15,0 0 32,-23 0-32,24 0 15,-24 0 16,23 23-15,0-23 0,-23 0-1,23 0 1,-23 0-16,23 0 0,-23 0 31,23 0-31,0 0 31,-23 0-15,23 0-16,-23 0 15,23 0 1,0 0 0,-23 0-1,23 0 1,-23 0-1,24 0 1,-24 0 0,23 0-16,0 0 31,-23 0-31,0 0 15,23 0-15,-23 0 16,23 0 0,0 0-16,-23 0 15,23 0 1,-23 0-1,23 0 1,-23 0 0,23 0-1,0-23 1,-23 23-16,23 0 15,-23 0 1,24 0 0,-24 0-16,23 0 0,-23 0 15,23 0 1,-23 0-1,0-23-15,23 23 32,-23 0-1,23 0-16,0 0-15,-23 0 32,0 0-17,23 0-15,-23 0 31,23 0 47,0 0 0,-23 0 141,23 0-219,0 0 15,-23 0-15,47 0 16,-47 0-16,23 0 16,0 0-1,0 0-15,-23 0 16,23 0-1,-23 0 1,0-23 0,23 23-1,0 0 16,-23 0 16,23 0-16,-23 0-15,23 0 31,0 0-16,-23 0-15,24 0 15,-24 0 0,23 0-15,-23 0 15,23 0 0,0 0 0,-23 0-15,23 0-1,-23 0 17,23 0-17,0 0 16,-23 0-31,23 0 16,-23 0 15,23 0-15,-23 0 15,23 0-15,0 0-1,-23 0 16,24 0-15,-24 0 15,23 0 0,0 0-15,-23 0 0,23 0 30,-23 0-30,23 0 15,-23 0 16,23 0-31,0 0-1,-23 0 1,23 0 15,-23 0-31,23 0 16,0 0-1,-23 0 1,23 0-1,-23 0 1,24 0 0,-24 0-1,23 0 1,0 0-16,-23 0 0,23 0 15,-23 0 1,23 0 0,0 0-1,-23 0 1,23 0-1,-23 0 1,23 0 0,-23 0-1,23 0 1,0 0-1,-23 0 1,23 0-16,-23 0 16,24 0 15,-24 0-16,23 0-15,0 0 16,-23 0 15,23 0-15,-23 0-16,23 0 31,-1 0-15,-22 0-1,23 0 1,-23 0-1,23 0 1,-23 0 0,23 0-1,0 0 1,-23 0-1,23 0 1,-23 0 15,24 0-15,-1 0-1,-23 0 1,23 0 15,-23 0-15,23 0-1,-23 0 17,23 0-17,0 0 1,-23 0-1,0 0-15,23 0 32,-23 0-1,23 0 0,0 0-15,-23 0 15,23 0-16,-23 0 1,23 0 0,-23 0 15,24 0-16,-1 0 17,-23 0-17,23 0 16,-23 0-15,23 0 15,0 0 0,-23 0 1,23 0-17,-23 0 16,23 0-15,-23 0 0,23 0-1,0 0 1,-23 0-1,23 0 1,-23 0 0,23 0-1,1 0 1,-24 0-16,23 0 15,-23 0 17,23 0-1,-23 0-16,23 0 1,0 0 15,-23 0-15,23 0-1,-23 0 17,23 0-17,0 0 16,-23 0-15,23 0 0,-23 0-1,23 0 1,-23 0-1,23 0 1,1 0 0,-24 0 15,23 0-31,-23 0 15,23 0 1,0 0 0,-23 0-1,23 0 1,-23 0 15,23 0-31,-23 0 16,23 0-1,0 0-15,-23 0 16,0 0-16,23 0 15,-23 0 1,23 0-16,0 0 16,-23 0-1,24 0 1,-24 0-1,23 0-15,-23 0 16,23 0 0,0 0-1,-23 0 1,23 0-1,-23 0 1,23 0-16,-23 0 31,23 0-31,0 0 16,-23 0-1,23 0 1,-23 0 0,23 0-1,0 0 16,-23 0-31,24 0 16,-24 0 0,23 0-1,-23 0 1,23 0-1,0 0 1,-23 0-16,23 0 31,-23 0-15,23 0-16,0 0 15,-23 0 1,23 0-16,-23 0 16,23 0-1,-23 0 1,23 0-1,0 0 1,-23 0-16,24 0 16,-24 0 15,0 0 0,23 0-15,0 0-16,-23 0 31,23 23-31,-23-23 15,23 0 17,-23 0-17,23 0 1,0 0-1,-23 0 1,23 0 0,-23 0-1,23 0 1,0 0-1,-23 0 1,23 0 0,-23 0-1,24 0 16,-24 0-15,0 0-16,23 0 16,0 0-1,-23 0 1,23 0-1,-23 0 1,23 0 15,0 0-15,-23 0-1,23 0 1,-23 0 0,23 0-1,-23 0 1,23 0 15,0 0-15,-23 0-1,23 0 1,-23 0-1,24 0 1,-1 0 0,-23 0-16,23 0 15,-23 0 1,23 0-16,-23 0 31,23 0-15,0 0-1,-23 0 1,23 0 15,-23 0-15,0 23-16,23-23 15,0 0 16,-23 0 1,23 0-17,-23 0 16,23 0-15,-23 0-16,24 0 16,-1 0-1,-23 0-15,23 0 16,-23 0-1,23 0 1,0 0-16,-23 0 16,23 0-1,-23 0 1,23 0-1,-23 0-15,23 0 32,0 0-17,-23 0 1,23 0 31,-23 0-16,23 0-16,-23 0 17,24 0 30,-24 0-46,23 0-1,-23 0 16,23 0 16,-23 0-16,23 0-15,-23 0 0,23 0-1,0 0 1,-23 0-16,0-23 15,23 23-15,0 0 16,0-23-16,-23 23 16,23 0-16,0 0 15,1 0-15,-24 0 16,23 0-1,0 0-15,-23-23 16,23 23 0,-23 0-1,23 0 16,0 0-15,-23 0 296,23 0-296,-23 0-1,23 0-15,-23 0 16,23 0-1,0 0 1,-23 0-16,23 0 31,-23 0-31,24 0 16,-1 0-1,-23 0 1,23 0 0,-23 0-16,23 0 15,-23 0 16,23 0 1,-23 0-32,23 0 15,-23 0 1,23 0-1,-23 0 1,23 0 0,0 0-1,-23 0 16,23 0-31,-23 0 32,23 0-32,-23 0 15,24 0 1,-1 0-1,0 0 1,-23 0 0,23 0-16,0 0 15,-23 0-15,23 0 16,-23 0-1,23 0-15,-23 0 16,23 0-16,0 0 16,-23 0-1,23 0-15,-23 0 16,23 0-16,1 23 15,-24-23-15,23 0 16,-23 0 0,23 0-1,-23 0 1,23 0-1,0 0 1,-23 0-16,23 0 31,-23 0-31,23 0 16,0 0-1,-23 0 1,23 0 0,-23 0-16,23 0 15,-23 0 1,23 23-16,1-23 15,-24 0-15,23 0 16,0 0 0,0 0-1,-23 0-15,23 0 16,-23 0-1,23 0 1,0 0-16,-23 0 16,23 0-1,-23 0-15,23 0 16,-23 0-1,23 0 1,0 0 0,-23 0-16,24 0 15,-24 0 1,23 0-1,0 0-15,-23 0 16,23 0 0,-23 0 15,23 0-31,-23 0 15,46 0 1,-46 0-16,46 0 16,-46 0-1,23 0 1,-23 0-16,23 0 15,-23 0-15,24 0 16,-1 0-16,-23 0 16,23 0-16,0 0 15,0 0 1,-23 0-16,23 0 15,-23 0 1,23 0-16,-23 0 31,23 0-31,0 0 16,-23 0-16,23 0 15,-23 0 1,0 0-16,23 0 16,1 0-16,-24 0 31,23 0-16,-23 0 1,23 0-16,-23 0 16,23 0-1,0 0 1,-23 0-16,23 0 15,-23 0 1,23 0-16,0 0 16,-23 0-16,23 0 15,-23 0 1,23 0-16,-23 0 31,23 0-15,1 0-16,-24 0 15,23 0 1,-23 0-16,23 0 15,0 0-15,-23 0 16,23 0-16,-23 0 16,23 0-1,-23 0 1,23 0-16,0 0 15,-23 0 1,23 0-16,-23 0 16,23 0-16,0 0 15,-23 0-15,24 0 16,-24 0-1,23 0-15,-23 0 16,23 0 0,0 0-1,0 0-15,-23 0 16,23 0-16,0 0 15,0 0 1,-23 0-16,23 0 0,0 0 31,-23 0-15,23 0-16,-23 0 15,24 0-15,-24 0 32,23 0-32,0 0 15,-23 0 1,23 0-16,-23 0 15,23 0-15,0 0 16,-23 0 0,23 0-16,-23 23 15,23-23-15,-23 0 16,23 0-16,0 0 15,-23 0 1,23 0-16,-23 0 16,47 0-16,-47 0 15,23 0 1,0 0-1,0 0-15,0 0 16,-23 0-16,46 0 16,-46 0-1,46 0-15,-46 0 16,23 0-1,1 0-15,-1 0 16,-23 0-16,23 0 16,-23 0-1,23 0 1,-23 0-1,23 0 1,0 0 0,-23 0-1,23 0 1,-23 0-1,23 0 1,0 0-16,-23 0 31,23 0-15,-23 0-1,23 0 1,-23 0 15,24 0-15,-1 0-1,-23 0 1,23 0 0,-23 0-1,23 0-15,0 0 16,-23 0-1,23 0-15,-23 0 16,23 0-16,-23 0 16,23 0-1,0 0 1,-23 0-1,23 0 1,-23 0-16,23 0 16,-23 0-16,24 0 15,-1 0 1,-23 0-16,23 0 15,-23 0 1,23 0 0,0 0-1,-23 0 1,23 0 15,-23 0-31,23 0 16,-23 0-1,23 0 1,0 0-1,-23 0 1,23 0-16,-23 0 31,47 0-31,-47 0 16,0 0-1,23 0-15,-23 0 16,23 0 0,0 0-16,-23 0 15,23 0-15,-23 0 16,23 0-16,-23 0 15,23 0 1,0 0 0,-23 0-16,23 0 15,-23 0-15,23 0 16,0 0-16,1 0 15,-24 0 1,23 0-16,0 0 16,-23 0-16,23 0 15,-23 0-15,23 0 16,-23 0-1,23 0 1,0 0 0,-23 0-1,22 0 1,-22 0-1,23 0 17,0 0-17,-23 0 1,23 0-1,-23 0 1,24 0 0,-24 0-1,23 0 1,0 0-1,-23 0 1,23 0-16,-23 0 16,23 0-16,0 0 15,-23 0 1,23 0-16,-23 0 15,23 0 1,-23 0 0,23 0-16,0 0 15,-23 0 16,23 0-15,-23 0 0,24 0-1,-24 0 1,23 0 15,0 0-15,-23 0-1,23 0 16,-23-23-15,23 23 15,0 0 0,-23 0-15,23 0 0,-23 0-1,23 0 1,-23 0-1,23 0 1,0 0-16,-23 0 16,23 0-1,-23 0 1,24 0 15,-24-23-31,23 23 0,-23 0 16,23 0-1,-23 0-15,23 0 16,-23 0-1,23 0 17,0 0-17,-23 0 1,23 0-1,-23 0-15,23 0 16,0 0 0,-23 0-1,23 0 1,-23 0-1,23 0 1,-23 0 15,24 0-15,-1 0-1,-23 0 1,23 0 0,-23 0-16,23 0 15,0 0 1,-23 0-1,23 0 1,-23 0 0,46 0-1,-46 0-15,23 0 16,23 0-16,-46 0 15,24 0 1,-24 0-16,23 0 0,0 0 16,0 0-1,-23 0 1,23 0-1,0 0-15,-23 0 16,23 0 0,-23 0-1,23 0 16,-23 0-15,23 0 0,0 0-1,-23 0 1,23 0-1,-23 0 17,24 0-32,-1 0 15,-23 0 1,23 0-1,-23 0 1,23 0 0,-23 0-16,23 0 15,0 0 1,-23 0-16,0 0 15,23 0 1,-23 0 0,23 0-1,0 0 1,-23 0-1,23 0 1,-23 0 0,23 0-1,-23 0 1,24 0-1,-1 0 1,-23 0 15,23 0 0,-23 0 1,23 0-17,0 0 16,-23 0-15,23 0 15,-23 0-15,23 0-1,-23 0 1,23 0 15,0 0-15,-23 0 15,23 0-15,-23 0-1,23 0 1,1 0-1,-24 0 1,23 0 0,-23 0-1,23 0-15,-23 0 16,23 0-1,0 0 1,-23 0-16,23 0 31,-23 0-15,23 0 15,0 0 0,-23 0 0,23 0-15,-23 0 0,23 0-1,-23 0 1,23 0-1,1 0 1,-24 0 0,23 0-1,-23 0-15,23 0 16,0 0-1,-23 0 1,23 0 0,-23 0-1,23 0 1,-23 0-1,23 0 1,0 0 0,-23 0-1,23 0 1,-23 0-1,23 0 1,0 0 0,-23 0-1,24 0 1,-24 0-16,23 0 15,-23 0-15,23 0 16,0 0-16,-23 0 16,23 0-1,-23 0 1,23 0-1,-23 0 1,23 0 0,0 0 15,-23 0-16,23 0 17,-23 0-17,23 0 1,0 0-16,-23 23 31,24-23-31,-24 0 16,23 0 15,-23 0-16,23 0 1,0 0 31,-23 0-32,23 0 1,-23 0-16,23 0 16,0 0-1,-23 0-15,23 0 16,-23 0-16,23 0 15,-23 0 1,0 0-16,23 0 16,0 0-1,-23 0 1,24 0-1,-24 0 32,23 0 0,0 0-31,-23 0 15,23 0 0,-23 0 0,23 0 16,-23 0-31,23 0 15,0 0-16,-23 0 1,23 0 15,-23 0 0,23 0 1,0 0-17,-23 0 1,23 23-1,-23-23 1,24 0 0,-24 0-1,23 0-15,0 0 16,-23 0-1,23 0 17,-23 0-17,23 0 16,0 0-15,-23 0 31,23 0-32,-23 0 17,23 0 14,-23 0-30,23 0 15,0 0 0,-23 0-15,23 0 46,-23 0-46,24 0 15,-1 0 63,-23 0-63,23 0-15,-23 0 15,0 0-31,23 0 31,-23 0 0,23 0-31,0 0 31,-23 0-15,23 0 15,-23 0-31,0 0 16,23 0-1,0 0 17,-23-23 30</inkml:trace>
 </inkml:ink>
 </file>
 
@@ -389,6 +392,70 @@
 </inkml:ink>
 </file>
 
+<file path=ppt/ink/ink8.xml><?xml version="1.0" encoding="utf-8"?>
+<inkml:ink xmlns:inkml="http://www.w3.org/2003/InkML">
+  <inkml:definitions>
+    <inkml:context xml:id="ctx0">
+      <inkml:inkSource xml:id="inkSrc0">
+        <inkml:traceFormat>
+          <inkml:channel name="X" type="integer" max="1920" units="cm"/>
+          <inkml:channel name="Y" type="integer" max="1080" units="cm"/>
+          <inkml:channel name="T" type="integer" max="2.14748E9" units="dev"/>
+        </inkml:traceFormat>
+        <inkml:channelProperties>
+          <inkml:channelProperty channel="X" name="resolution" value="28.36041" units="1/cm"/>
+          <inkml:channelProperty channel="Y" name="resolution" value="28.34646" units="1/cm"/>
+          <inkml:channelProperty channel="T" name="resolution" value="1" units="1/dev"/>
+        </inkml:channelProperties>
+      </inkml:inkSource>
+      <inkml:timestamp xml:id="ts0" timeString="2019-01-15T16:36:04.240"/>
+    </inkml:context>
+    <inkml:brush xml:id="br0">
+      <inkml:brushProperty name="width" value="0.06667" units="cm"/>
+      <inkml:brushProperty name="height" value="0.06667" units="cm"/>
+      <inkml:brushProperty name="fitToCurve" value="1"/>
+    </inkml:brush>
+  </inkml:definitions>
+  <inkml:traceGroup>
+    <inkml:annotationXML>
+      <emma:emma xmlns:emma="http://www.w3.org/2003/04/emma" version="1.0">
+        <emma:interpretation id="{28F9E3B4-9ECB-48D2-8747-890973D3F226}" emma:medium="tactile" emma:mode="ink">
+          <msink:context xmlns:msink="http://schemas.microsoft.com/ink/2010/main" type="writingRegion" rotatedBoundingBox="12469,9813 12484,9813 12484,9828 12469,9828"/>
+        </emma:interpretation>
+      </emma:emma>
+    </inkml:annotationXML>
+    <inkml:traceGroup>
+      <inkml:annotationXML>
+        <emma:emma xmlns:emma="http://www.w3.org/2003/04/emma" version="1.0">
+          <emma:interpretation id="{650C6E76-8BB9-4EFD-AB83-9783AF5E4C7D}" emma:medium="tactile" emma:mode="ink">
+            <msink:context xmlns:msink="http://schemas.microsoft.com/ink/2010/main" type="paragraph" rotatedBoundingBox="12469,9813 12484,9813 12484,9828 12469,9828" alignmentLevel="1"/>
+          </emma:interpretation>
+        </emma:emma>
+      </inkml:annotationXML>
+      <inkml:traceGroup>
+        <inkml:annotationXML>
+          <emma:emma xmlns:emma="http://www.w3.org/2003/04/emma" version="1.0">
+            <emma:interpretation id="{E008F19A-5F77-488B-82DC-24BCADF2614B}" emma:medium="tactile" emma:mode="ink">
+              <msink:context xmlns:msink="http://schemas.microsoft.com/ink/2010/main" type="line" rotatedBoundingBox="12469,9813 12484,9813 12484,9828 12469,9828"/>
+            </emma:interpretation>
+          </emma:emma>
+        </inkml:annotationXML>
+        <inkml:traceGroup>
+          <inkml:annotationXML>
+            <emma:emma xmlns:emma="http://www.w3.org/2003/04/emma" version="1.0">
+              <emma:interpretation id="{08AB08B1-145E-4D19-89D8-156B56121191}" emma:medium="tactile" emma:mode="ink">
+                <msink:context xmlns:msink="http://schemas.microsoft.com/ink/2010/main" type="inkWord" rotatedBoundingBox="12469,9813 12484,9813 12484,9828 12469,9828"/>
+              </emma:interpretation>
+            </emma:emma>
+          </inkml:annotationXML>
+          <inkml:trace contextRef="#ctx0" brushRef="#br0">0 0 0</inkml:trace>
+        </inkml:traceGroup>
+      </inkml:traceGroup>
+    </inkml:traceGroup>
+  </inkml:traceGroup>
+</inkml:ink>
+</file>
+
 <file path=ppt/slideLayouts/slideLayout1.xml><?xml version="1.0" encoding="utf-8"?>
 <p:sldLayout xmlns:a="http://schemas.openxmlformats.org/drawingml/2006/main" xmlns:r="http://schemas.openxmlformats.org/officeDocument/2006/relationships" xmlns:p="http://schemas.openxmlformats.org/presentationml/2006/main" type="title" preserve="1">
   <p:cSld name="Title Slide">
@@ -570,7 +637,7 @@
           <a:p>
             <a:fld id="{94DC2EC4-A682-4648-AE49-70173C237B3A}" type="datetimeFigureOut">
               <a:rPr lang="en-US" smtClean="0"/>
-              <a:t>1/14/2019</a:t>
+              <a:t>1/15/2019</a:t>
             </a:fld>
             <a:endParaRPr lang="en-US"/>
           </a:p>
@@ -740,7 +807,7 @@
           <a:p>
             <a:fld id="{94DC2EC4-A682-4648-AE49-70173C237B3A}" type="datetimeFigureOut">
               <a:rPr lang="en-US" smtClean="0"/>
-              <a:t>1/14/2019</a:t>
+              <a:t>1/15/2019</a:t>
             </a:fld>
             <a:endParaRPr lang="en-US"/>
           </a:p>
@@ -920,7 +987,7 @@
           <a:p>
             <a:fld id="{94DC2EC4-A682-4648-AE49-70173C237B3A}" type="datetimeFigureOut">
               <a:rPr lang="en-US" smtClean="0"/>
-              <a:t>1/14/2019</a:t>
+              <a:t>1/15/2019</a:t>
             </a:fld>
             <a:endParaRPr lang="en-US"/>
           </a:p>
@@ -1090,7 +1157,7 @@
           <a:p>
             <a:fld id="{94DC2EC4-A682-4648-AE49-70173C237B3A}" type="datetimeFigureOut">
               <a:rPr lang="en-US" smtClean="0"/>
-              <a:t>1/14/2019</a:t>
+              <a:t>1/15/2019</a:t>
             </a:fld>
             <a:endParaRPr lang="en-US"/>
           </a:p>
@@ -1336,7 +1403,7 @@
           <a:p>
             <a:fld id="{94DC2EC4-A682-4648-AE49-70173C237B3A}" type="datetimeFigureOut">
               <a:rPr lang="en-US" smtClean="0"/>
-              <a:t>1/14/2019</a:t>
+              <a:t>1/15/2019</a:t>
             </a:fld>
             <a:endParaRPr lang="en-US"/>
           </a:p>
@@ -1624,7 +1691,7 @@
           <a:p>
             <a:fld id="{94DC2EC4-A682-4648-AE49-70173C237B3A}" type="datetimeFigureOut">
               <a:rPr lang="en-US" smtClean="0"/>
-              <a:t>1/14/2019</a:t>
+              <a:t>1/15/2019</a:t>
             </a:fld>
             <a:endParaRPr lang="en-US"/>
           </a:p>
@@ -2046,7 +2113,7 @@
           <a:p>
             <a:fld id="{94DC2EC4-A682-4648-AE49-70173C237B3A}" type="datetimeFigureOut">
               <a:rPr lang="en-US" smtClean="0"/>
-              <a:t>1/14/2019</a:t>
+              <a:t>1/15/2019</a:t>
             </a:fld>
             <a:endParaRPr lang="en-US"/>
           </a:p>
@@ -2164,7 +2231,7 @@
           <a:p>
             <a:fld id="{94DC2EC4-A682-4648-AE49-70173C237B3A}" type="datetimeFigureOut">
               <a:rPr lang="en-US" smtClean="0"/>
-              <a:t>1/14/2019</a:t>
+              <a:t>1/15/2019</a:t>
             </a:fld>
             <a:endParaRPr lang="en-US"/>
           </a:p>
@@ -2259,7 +2326,7 @@
           <a:p>
             <a:fld id="{94DC2EC4-A682-4648-AE49-70173C237B3A}" type="datetimeFigureOut">
               <a:rPr lang="en-US" smtClean="0"/>
-              <a:t>1/14/2019</a:t>
+              <a:t>1/15/2019</a:t>
             </a:fld>
             <a:endParaRPr lang="en-US"/>
           </a:p>
@@ -2536,7 +2603,7 @@
           <a:p>
             <a:fld id="{94DC2EC4-A682-4648-AE49-70173C237B3A}" type="datetimeFigureOut">
               <a:rPr lang="en-US" smtClean="0"/>
-              <a:t>1/14/2019</a:t>
+              <a:t>1/15/2019</a:t>
             </a:fld>
             <a:endParaRPr lang="en-US"/>
           </a:p>
@@ -2793,7 +2860,7 @@
           <a:p>
             <a:fld id="{94DC2EC4-A682-4648-AE49-70173C237B3A}" type="datetimeFigureOut">
               <a:rPr lang="en-US" smtClean="0"/>
-              <a:t>1/14/2019</a:t>
+              <a:t>1/15/2019</a:t>
             </a:fld>
             <a:endParaRPr lang="en-US"/>
           </a:p>
@@ -3004,7 +3071,7 @@
           <a:p>
             <a:fld id="{94DC2EC4-A682-4648-AE49-70173C237B3A}" type="datetimeFigureOut">
               <a:rPr lang="en-US" smtClean="0"/>
-              <a:t>1/14/2019</a:t>
+              <a:t>1/15/2019</a:t>
             </a:fld>
             <a:endParaRPr lang="en-US"/>
           </a:p>
@@ -3565,7 +3632,7 @@
           <a:p>
             <a:fld id="{CE5545B6-6FDD-460F-A1D5-7DBF4363784A}" type="datetime3">
               <a:rPr lang="en-US" smtClean="0"/>
-              <a:t>14 January 2019</a:t>
+              <a:t>15 January 2019</a:t>
             </a:fld>
             <a:endParaRPr lang="en-US"/>
           </a:p>
@@ -11041,8 +11108,8 @@
           </a:effectLst>
         </p:spPr>
       </p:pic>
-      <mc:AlternateContent xmlns:mc="http://schemas.openxmlformats.org/markup-compatibility/2006">
-        <mc:Choice xmlns:p14="http://schemas.microsoft.com/office/powerpoint/2010/main" Requires="p14">
+      <mc:AlternateContent xmlns:mc="http://schemas.openxmlformats.org/markup-compatibility/2006" xmlns:p14="http://schemas.microsoft.com/office/powerpoint/2010/main">
+        <mc:Choice Requires="p14">
           <p:contentPart p14:bwMode="auto" r:id="rId3">
             <p14:nvContentPartPr>
               <p14:cNvPr id="5" name="Ink 4"/>
@@ -11055,7 +11122,7 @@
             </p14:xfrm>
           </p:contentPart>
         </mc:Choice>
-        <mc:Fallback>
+        <mc:Fallback xmlns="">
           <p:pic>
             <p:nvPicPr>
               <p:cNvPr id="5" name="Ink 4"/>
@@ -11080,8 +11147,8 @@
           </p:pic>
         </mc:Fallback>
       </mc:AlternateContent>
-      <mc:AlternateContent xmlns:mc="http://schemas.openxmlformats.org/markup-compatibility/2006">
-        <mc:Choice xmlns:p14="http://schemas.microsoft.com/office/powerpoint/2010/main" Requires="p14">
+      <mc:AlternateContent xmlns:mc="http://schemas.openxmlformats.org/markup-compatibility/2006" xmlns:p14="http://schemas.microsoft.com/office/powerpoint/2010/main">
+        <mc:Choice Requires="p14">
           <p:contentPart p14:bwMode="auto" r:id="rId5">
             <p14:nvContentPartPr>
               <p14:cNvPr id="6" name="Ink 5"/>
@@ -11094,7 +11161,7 @@
             </p14:xfrm>
           </p:contentPart>
         </mc:Choice>
-        <mc:Fallback>
+        <mc:Fallback xmlns="">
           <p:pic>
             <p:nvPicPr>
               <p:cNvPr id="6" name="Ink 5"/>
@@ -11119,8 +11186,8 @@
           </p:pic>
         </mc:Fallback>
       </mc:AlternateContent>
-      <mc:AlternateContent xmlns:mc="http://schemas.openxmlformats.org/markup-compatibility/2006">
-        <mc:Choice xmlns:p14="http://schemas.microsoft.com/office/powerpoint/2010/main" Requires="p14">
+      <mc:AlternateContent xmlns:mc="http://schemas.openxmlformats.org/markup-compatibility/2006" xmlns:p14="http://schemas.microsoft.com/office/powerpoint/2010/main">
+        <mc:Choice Requires="p14">
           <p:contentPart p14:bwMode="auto" r:id="rId7">
             <p14:nvContentPartPr>
               <p14:cNvPr id="7" name="Ink 6"/>
@@ -11133,7 +11200,7 @@
             </p14:xfrm>
           </p:contentPart>
         </mc:Choice>
-        <mc:Fallback>
+        <mc:Fallback xmlns="">
           <p:pic>
             <p:nvPicPr>
               <p:cNvPr id="7" name="Ink 6"/>
@@ -11188,8 +11255,8 @@
           </a:prstGeom>
         </p:spPr>
       </p:pic>
-      <mc:AlternateContent xmlns:mc="http://schemas.openxmlformats.org/markup-compatibility/2006">
-        <mc:Choice xmlns:p14="http://schemas.microsoft.com/office/powerpoint/2010/main" Requires="p14">
+      <mc:AlternateContent xmlns:mc="http://schemas.openxmlformats.org/markup-compatibility/2006" xmlns:p14="http://schemas.microsoft.com/office/powerpoint/2010/main">
+        <mc:Choice Requires="p14">
           <p:contentPart p14:bwMode="auto" r:id="rId10">
             <p14:nvContentPartPr>
               <p14:cNvPr id="10" name="Ink 9"/>
@@ -11202,7 +11269,7 @@
             </p14:xfrm>
           </p:contentPart>
         </mc:Choice>
-        <mc:Fallback>
+        <mc:Fallback xmlns="">
           <p:pic>
             <p:nvPicPr>
               <p:cNvPr id="10" name="Ink 9"/>
@@ -11227,8 +11294,8 @@
           </p:pic>
         </mc:Fallback>
       </mc:AlternateContent>
-      <mc:AlternateContent xmlns:mc="http://schemas.openxmlformats.org/markup-compatibility/2006">
-        <mc:Choice xmlns:p14="http://schemas.microsoft.com/office/powerpoint/2010/main" Requires="p14">
+      <mc:AlternateContent xmlns:mc="http://schemas.openxmlformats.org/markup-compatibility/2006" xmlns:p14="http://schemas.microsoft.com/office/powerpoint/2010/main">
+        <mc:Choice Requires="p14">
           <p:contentPart p14:bwMode="auto" r:id="rId12">
             <p14:nvContentPartPr>
               <p14:cNvPr id="11" name="Ink 10"/>
@@ -11241,7 +11308,7 @@
             </p14:xfrm>
           </p:contentPart>
         </mc:Choice>
-        <mc:Fallback>
+        <mc:Fallback xmlns="">
           <p:pic>
             <p:nvPicPr>
               <p:cNvPr id="11" name="Ink 10"/>
@@ -11461,12 +11528,30 @@
             <p:ph type="title"/>
           </p:nvPr>
         </p:nvSpPr>
-        <p:spPr/>
+        <p:spPr>
+          <a:xfrm>
+            <a:off x="203200" y="152400"/>
+            <a:ext cx="11745434" cy="838200"/>
+          </a:xfrm>
+        </p:spPr>
         <p:txBody>
-          <a:bodyPr/>
+          <a:bodyPr>
+            <a:normAutofit fontScale="90000"/>
+          </a:bodyPr>
           <a:lstStyle/>
           <a:p>
-            <a:endParaRPr lang="en-US"/>
+            <a:r>
+              <a:rPr lang="en-US" dirty="0">
+                <a:solidFill>
+                  <a:schemeClr val="tx2"/>
+                </a:solidFill>
+                <a:highlight>
+                  <a:srgbClr val="FFFFFF"/>
+                </a:highlight>
+              </a:rPr>
+              <a:t>Building the optimal model using Backward Elimination</a:t>
+            </a:r>
+            <a:endParaRPr lang="en-US" dirty="0"/>
           </a:p>
         </p:txBody>
       </p:sp>
@@ -13301,8 +13386,8 @@
           </a:p>
         </p:txBody>
       </p:sp>
-      <mc:AlternateContent xmlns:mc="http://schemas.openxmlformats.org/markup-compatibility/2006">
-        <mc:Choice xmlns:p14="http://schemas.microsoft.com/office/powerpoint/2010/main" Requires="p14">
+      <mc:AlternateContent xmlns:mc="http://schemas.openxmlformats.org/markup-compatibility/2006" xmlns:p14="http://schemas.microsoft.com/office/powerpoint/2010/main">
+        <mc:Choice Requires="p14">
           <p:contentPart p14:bwMode="auto" r:id="rId4">
             <p14:nvContentPartPr>
               <p14:cNvPr id="26" name="Ink 25"/>
@@ -13315,7 +13400,7 @@
             </p14:xfrm>
           </p:contentPart>
         </mc:Choice>
-        <mc:Fallback>
+        <mc:Fallback xmlns="">
           <p:pic>
             <p:nvPicPr>
               <p:cNvPr id="26" name="Ink 25"/>
@@ -13340,8 +13425,8 @@
           </p:pic>
         </mc:Fallback>
       </mc:AlternateContent>
-      <mc:AlternateContent xmlns:mc="http://schemas.openxmlformats.org/markup-compatibility/2006">
-        <mc:Choice xmlns:p14="http://schemas.microsoft.com/office/powerpoint/2010/main" Requires="p14">
+      <mc:AlternateContent xmlns:mc="http://schemas.openxmlformats.org/markup-compatibility/2006" xmlns:p14="http://schemas.microsoft.com/office/powerpoint/2010/main">
+        <mc:Choice Requires="p14">
           <p:contentPart p14:bwMode="auto" r:id="rId6">
             <p14:nvContentPartPr>
               <p14:cNvPr id="28" name="Ink 27"/>
@@ -13354,7 +13439,7 @@
             </p14:xfrm>
           </p:contentPart>
         </mc:Choice>
-        <mc:Fallback>
+        <mc:Fallback xmlns="">
           <p:pic>
             <p:nvPicPr>
               <p:cNvPr id="28" name="Ink 27"/>
@@ -13419,12 +13504,2418 @@
             <p:ph type="title"/>
           </p:nvPr>
         </p:nvSpPr>
-        <p:spPr/>
+        <p:spPr>
+          <a:xfrm>
+            <a:off x="203200" y="152400"/>
+            <a:ext cx="11550996" cy="838200"/>
+          </a:xfrm>
+        </p:spPr>
         <p:txBody>
-          <a:bodyPr/>
+          <a:bodyPr>
+            <a:normAutofit fontScale="90000"/>
+          </a:bodyPr>
           <a:lstStyle/>
           <a:p>
-            <a:endParaRPr lang="en-US"/>
+            <a:r>
+              <a:rPr lang="en-US" dirty="0">
+                <a:solidFill>
+                  <a:schemeClr val="tx2"/>
+                </a:solidFill>
+                <a:highlight>
+                  <a:srgbClr val="FFFFFF"/>
+                </a:highlight>
+              </a:rPr>
+              <a:t>Building the optimal model using Backward Elimination</a:t>
+            </a:r>
+            <a:endParaRPr lang="en-US" dirty="0"/>
+          </a:p>
+        </p:txBody>
+      </p:sp>
+      <p:sp>
+        <p:nvSpPr>
+          <p:cNvPr id="3" name="Rectangle 2"/>
+          <p:cNvSpPr/>
+          <p:nvPr/>
+        </p:nvSpPr>
+        <p:spPr>
+          <a:xfrm>
+            <a:off x="203200" y="1055960"/>
+            <a:ext cx="6096000" cy="2462213"/>
+          </a:xfrm>
+          <a:prstGeom prst="rect">
+            <a:avLst/>
+          </a:prstGeom>
+        </p:spPr>
+        <p:txBody>
+          <a:bodyPr>
+            <a:spAutoFit/>
+          </a:bodyPr>
+          <a:lstStyle/>
+          <a:p>
+            <a:r>
+              <a:rPr lang="en-US" sz="1100" dirty="0">
+                <a:solidFill>
+                  <a:srgbClr val="008000"/>
+                </a:solidFill>
+                <a:highlight>
+                  <a:srgbClr val="FFFFFF"/>
+                </a:highlight>
+              </a:rPr>
+              <a:t># Building the optimal model using Backward Elimination</a:t>
+            </a:r>
+            <a:endParaRPr lang="en-US" sz="1100" dirty="0">
+              <a:solidFill>
+                <a:srgbClr val="000000"/>
+              </a:solidFill>
+              <a:highlight>
+                <a:srgbClr val="FFFFFF"/>
+              </a:highlight>
+            </a:endParaRPr>
+          </a:p>
+          <a:p>
+            <a:r>
+              <a:rPr lang="en-US" sz="1100" b="1" dirty="0">
+                <a:solidFill>
+                  <a:srgbClr val="0000FF"/>
+                </a:solidFill>
+                <a:highlight>
+                  <a:srgbClr val="FFFFFF"/>
+                </a:highlight>
+              </a:rPr>
+              <a:t>import</a:t>
+            </a:r>
+            <a:r>
+              <a:rPr lang="en-US" sz="1100" dirty="0">
+                <a:solidFill>
+                  <a:srgbClr val="000000"/>
+                </a:solidFill>
+                <a:highlight>
+                  <a:srgbClr val="FFFFFF"/>
+                </a:highlight>
+              </a:rPr>
+              <a:t> </a:t>
+            </a:r>
+            <a:r>
+              <a:rPr lang="en-US" sz="1100" dirty="0" err="1">
+                <a:solidFill>
+                  <a:srgbClr val="000000"/>
+                </a:solidFill>
+                <a:highlight>
+                  <a:srgbClr val="FFFFFF"/>
+                </a:highlight>
+              </a:rPr>
+              <a:t>statsmodels</a:t>
+            </a:r>
+            <a:r>
+              <a:rPr lang="en-US" sz="1100" b="1" dirty="0" err="1">
+                <a:solidFill>
+                  <a:srgbClr val="000080"/>
+                </a:solidFill>
+                <a:highlight>
+                  <a:srgbClr val="FFFFFF"/>
+                </a:highlight>
+              </a:rPr>
+              <a:t>.</a:t>
+            </a:r>
+            <a:r>
+              <a:rPr lang="en-US" sz="1100" dirty="0" err="1">
+                <a:solidFill>
+                  <a:srgbClr val="000000"/>
+                </a:solidFill>
+                <a:highlight>
+                  <a:srgbClr val="FFFFFF"/>
+                </a:highlight>
+              </a:rPr>
+              <a:t>formula</a:t>
+            </a:r>
+            <a:r>
+              <a:rPr lang="en-US" sz="1100" b="1" dirty="0" err="1">
+                <a:solidFill>
+                  <a:srgbClr val="000080"/>
+                </a:solidFill>
+                <a:highlight>
+                  <a:srgbClr val="FFFFFF"/>
+                </a:highlight>
+              </a:rPr>
+              <a:t>.</a:t>
+            </a:r>
+            <a:r>
+              <a:rPr lang="en-US" sz="1100" dirty="0" err="1">
+                <a:solidFill>
+                  <a:srgbClr val="000000"/>
+                </a:solidFill>
+                <a:highlight>
+                  <a:srgbClr val="FFFFFF"/>
+                </a:highlight>
+              </a:rPr>
+              <a:t>api</a:t>
+            </a:r>
+            <a:r>
+              <a:rPr lang="en-US" sz="1100" dirty="0">
+                <a:solidFill>
+                  <a:srgbClr val="000000"/>
+                </a:solidFill>
+                <a:highlight>
+                  <a:srgbClr val="FFFFFF"/>
+                </a:highlight>
+              </a:rPr>
+              <a:t> </a:t>
+            </a:r>
+            <a:r>
+              <a:rPr lang="en-US" sz="1100" b="1" dirty="0">
+                <a:solidFill>
+                  <a:srgbClr val="0000FF"/>
+                </a:solidFill>
+                <a:highlight>
+                  <a:srgbClr val="FFFFFF"/>
+                </a:highlight>
+              </a:rPr>
+              <a:t>as</a:t>
+            </a:r>
+            <a:r>
+              <a:rPr lang="en-US" sz="1100" dirty="0">
+                <a:solidFill>
+                  <a:srgbClr val="000000"/>
+                </a:solidFill>
+                <a:highlight>
+                  <a:srgbClr val="FFFFFF"/>
+                </a:highlight>
+              </a:rPr>
+              <a:t> </a:t>
+            </a:r>
+            <a:r>
+              <a:rPr lang="en-US" sz="1100" dirty="0" err="1">
+                <a:solidFill>
+                  <a:srgbClr val="000000"/>
+                </a:solidFill>
+                <a:highlight>
+                  <a:srgbClr val="FFFFFF"/>
+                </a:highlight>
+              </a:rPr>
+              <a:t>sm</a:t>
+            </a:r>
+            <a:endParaRPr lang="en-US" sz="1100" dirty="0">
+              <a:solidFill>
+                <a:srgbClr val="000000"/>
+              </a:solidFill>
+              <a:highlight>
+                <a:srgbClr val="FFFFFF"/>
+              </a:highlight>
+            </a:endParaRPr>
+          </a:p>
+          <a:p>
+            <a:r>
+              <a:rPr lang="en-US" sz="1100" dirty="0">
+                <a:solidFill>
+                  <a:srgbClr val="000000"/>
+                </a:solidFill>
+                <a:highlight>
+                  <a:srgbClr val="FFFFFF"/>
+                </a:highlight>
+              </a:rPr>
+              <a:t>X </a:t>
+            </a:r>
+            <a:r>
+              <a:rPr lang="en-US" sz="1100" b="1" dirty="0">
+                <a:solidFill>
+                  <a:srgbClr val="000080"/>
+                </a:solidFill>
+                <a:highlight>
+                  <a:srgbClr val="FFFFFF"/>
+                </a:highlight>
+              </a:rPr>
+              <a:t>=</a:t>
+            </a:r>
+            <a:r>
+              <a:rPr lang="en-US" sz="1100" dirty="0">
+                <a:solidFill>
+                  <a:srgbClr val="000000"/>
+                </a:solidFill>
+                <a:highlight>
+                  <a:srgbClr val="FFFFFF"/>
+                </a:highlight>
+              </a:rPr>
+              <a:t> </a:t>
+            </a:r>
+            <a:r>
+              <a:rPr lang="en-US" sz="1100" dirty="0" err="1">
+                <a:solidFill>
+                  <a:srgbClr val="000000"/>
+                </a:solidFill>
+                <a:highlight>
+                  <a:srgbClr val="FFFFFF"/>
+                </a:highlight>
+              </a:rPr>
+              <a:t>np</a:t>
+            </a:r>
+            <a:r>
+              <a:rPr lang="en-US" sz="1100" b="1" dirty="0" err="1">
+                <a:solidFill>
+                  <a:srgbClr val="000080"/>
+                </a:solidFill>
+                <a:highlight>
+                  <a:srgbClr val="FFFFFF"/>
+                </a:highlight>
+              </a:rPr>
+              <a:t>.</a:t>
+            </a:r>
+            <a:r>
+              <a:rPr lang="en-US" sz="1100" dirty="0" err="1">
+                <a:solidFill>
+                  <a:srgbClr val="000000"/>
+                </a:solidFill>
+                <a:highlight>
+                  <a:srgbClr val="FFFFFF"/>
+                </a:highlight>
+              </a:rPr>
+              <a:t>append</a:t>
+            </a:r>
+            <a:r>
+              <a:rPr lang="en-US" sz="1100" b="1" dirty="0">
+                <a:solidFill>
+                  <a:srgbClr val="000080"/>
+                </a:solidFill>
+                <a:highlight>
+                  <a:srgbClr val="FFFFFF"/>
+                </a:highlight>
+              </a:rPr>
+              <a:t>(</a:t>
+            </a:r>
+            <a:r>
+              <a:rPr lang="en-US" sz="1100" dirty="0" err="1">
+                <a:solidFill>
+                  <a:srgbClr val="000000"/>
+                </a:solidFill>
+                <a:highlight>
+                  <a:srgbClr val="FFFFFF"/>
+                </a:highlight>
+              </a:rPr>
+              <a:t>arr</a:t>
+            </a:r>
+            <a:r>
+              <a:rPr lang="en-US" sz="1100" dirty="0">
+                <a:solidFill>
+                  <a:srgbClr val="000000"/>
+                </a:solidFill>
+                <a:highlight>
+                  <a:srgbClr val="FFFFFF"/>
+                </a:highlight>
+              </a:rPr>
+              <a:t> </a:t>
+            </a:r>
+            <a:r>
+              <a:rPr lang="en-US" sz="1100" b="1" dirty="0">
+                <a:solidFill>
+                  <a:srgbClr val="000080"/>
+                </a:solidFill>
+                <a:highlight>
+                  <a:srgbClr val="FFFFFF"/>
+                </a:highlight>
+              </a:rPr>
+              <a:t>=</a:t>
+            </a:r>
+            <a:r>
+              <a:rPr lang="en-US" sz="1100" dirty="0">
+                <a:solidFill>
+                  <a:srgbClr val="000000"/>
+                </a:solidFill>
+                <a:highlight>
+                  <a:srgbClr val="FFFFFF"/>
+                </a:highlight>
+              </a:rPr>
+              <a:t> </a:t>
+            </a:r>
+            <a:r>
+              <a:rPr lang="en-US" sz="1100" dirty="0" err="1">
+                <a:solidFill>
+                  <a:srgbClr val="000000"/>
+                </a:solidFill>
+                <a:highlight>
+                  <a:srgbClr val="FFFFFF"/>
+                </a:highlight>
+              </a:rPr>
+              <a:t>np</a:t>
+            </a:r>
+            <a:r>
+              <a:rPr lang="en-US" sz="1100" b="1" dirty="0" err="1">
+                <a:solidFill>
+                  <a:srgbClr val="000080"/>
+                </a:solidFill>
+                <a:highlight>
+                  <a:srgbClr val="FFFFFF"/>
+                </a:highlight>
+              </a:rPr>
+              <a:t>.</a:t>
+            </a:r>
+            <a:r>
+              <a:rPr lang="en-US" sz="1100" dirty="0" err="1">
+                <a:solidFill>
+                  <a:srgbClr val="000000"/>
+                </a:solidFill>
+                <a:highlight>
+                  <a:srgbClr val="FFFFFF"/>
+                </a:highlight>
+              </a:rPr>
+              <a:t>ones</a:t>
+            </a:r>
+            <a:r>
+              <a:rPr lang="en-US" sz="1100" b="1" dirty="0">
+                <a:solidFill>
+                  <a:srgbClr val="000080"/>
+                </a:solidFill>
+                <a:highlight>
+                  <a:srgbClr val="FFFFFF"/>
+                </a:highlight>
+              </a:rPr>
+              <a:t>((</a:t>
+            </a:r>
+            <a:r>
+              <a:rPr lang="en-US" sz="1100" dirty="0">
+                <a:solidFill>
+                  <a:srgbClr val="FF0000"/>
+                </a:solidFill>
+                <a:highlight>
+                  <a:srgbClr val="FFFFFF"/>
+                </a:highlight>
+              </a:rPr>
+              <a:t>50</a:t>
+            </a:r>
+            <a:r>
+              <a:rPr lang="en-US" sz="1100" b="1" dirty="0">
+                <a:solidFill>
+                  <a:srgbClr val="000080"/>
+                </a:solidFill>
+                <a:highlight>
+                  <a:srgbClr val="FFFFFF"/>
+                </a:highlight>
+              </a:rPr>
+              <a:t>,</a:t>
+            </a:r>
+            <a:r>
+              <a:rPr lang="en-US" sz="1100" dirty="0">
+                <a:solidFill>
+                  <a:srgbClr val="000000"/>
+                </a:solidFill>
+                <a:highlight>
+                  <a:srgbClr val="FFFFFF"/>
+                </a:highlight>
+              </a:rPr>
+              <a:t> </a:t>
+            </a:r>
+            <a:r>
+              <a:rPr lang="en-US" sz="1100" dirty="0">
+                <a:solidFill>
+                  <a:srgbClr val="FF0000"/>
+                </a:solidFill>
+                <a:highlight>
+                  <a:srgbClr val="FFFFFF"/>
+                </a:highlight>
+              </a:rPr>
+              <a:t>1</a:t>
+            </a:r>
+            <a:r>
+              <a:rPr lang="en-US" sz="1100" b="1" dirty="0">
+                <a:solidFill>
+                  <a:srgbClr val="000080"/>
+                </a:solidFill>
+                <a:highlight>
+                  <a:srgbClr val="FFFFFF"/>
+                </a:highlight>
+              </a:rPr>
+              <a:t>)).</a:t>
+            </a:r>
+            <a:r>
+              <a:rPr lang="en-US" sz="1100" dirty="0" err="1">
+                <a:solidFill>
+                  <a:srgbClr val="000000"/>
+                </a:solidFill>
+                <a:highlight>
+                  <a:srgbClr val="FFFFFF"/>
+                </a:highlight>
+              </a:rPr>
+              <a:t>astype</a:t>
+            </a:r>
+            <a:r>
+              <a:rPr lang="en-US" sz="1100" b="1" dirty="0">
+                <a:solidFill>
+                  <a:srgbClr val="000080"/>
+                </a:solidFill>
+                <a:highlight>
+                  <a:srgbClr val="FFFFFF"/>
+                </a:highlight>
+              </a:rPr>
+              <a:t>(</a:t>
+            </a:r>
+            <a:r>
+              <a:rPr lang="en-US" sz="1100" dirty="0" err="1">
+                <a:solidFill>
+                  <a:srgbClr val="000000"/>
+                </a:solidFill>
+                <a:highlight>
+                  <a:srgbClr val="FFFFFF"/>
+                </a:highlight>
+              </a:rPr>
+              <a:t>int</a:t>
+            </a:r>
+            <a:r>
+              <a:rPr lang="en-US" sz="1100" b="1" dirty="0">
+                <a:solidFill>
+                  <a:srgbClr val="000080"/>
+                </a:solidFill>
+                <a:highlight>
+                  <a:srgbClr val="FFFFFF"/>
+                </a:highlight>
+              </a:rPr>
+              <a:t>),</a:t>
+            </a:r>
+            <a:r>
+              <a:rPr lang="en-US" sz="1100" dirty="0">
+                <a:solidFill>
+                  <a:srgbClr val="000000"/>
+                </a:solidFill>
+                <a:highlight>
+                  <a:srgbClr val="FFFFFF"/>
+                </a:highlight>
+              </a:rPr>
+              <a:t> values </a:t>
+            </a:r>
+            <a:r>
+              <a:rPr lang="en-US" sz="1100" b="1" dirty="0">
+                <a:solidFill>
+                  <a:srgbClr val="000080"/>
+                </a:solidFill>
+                <a:highlight>
+                  <a:srgbClr val="FFFFFF"/>
+                </a:highlight>
+              </a:rPr>
+              <a:t>=</a:t>
+            </a:r>
+            <a:r>
+              <a:rPr lang="en-US" sz="1100" dirty="0">
+                <a:solidFill>
+                  <a:srgbClr val="000000"/>
+                </a:solidFill>
+                <a:highlight>
+                  <a:srgbClr val="FFFFFF"/>
+                </a:highlight>
+              </a:rPr>
+              <a:t> X</a:t>
+            </a:r>
+            <a:r>
+              <a:rPr lang="en-US" sz="1100" b="1" dirty="0">
+                <a:solidFill>
+                  <a:srgbClr val="000080"/>
+                </a:solidFill>
+                <a:highlight>
+                  <a:srgbClr val="FFFFFF"/>
+                </a:highlight>
+              </a:rPr>
+              <a:t>,</a:t>
+            </a:r>
+            <a:r>
+              <a:rPr lang="en-US" sz="1100" dirty="0">
+                <a:solidFill>
+                  <a:srgbClr val="000000"/>
+                </a:solidFill>
+                <a:highlight>
+                  <a:srgbClr val="FFFFFF"/>
+                </a:highlight>
+              </a:rPr>
+              <a:t> axis </a:t>
+            </a:r>
+            <a:r>
+              <a:rPr lang="en-US" sz="1100" b="1" dirty="0">
+                <a:solidFill>
+                  <a:srgbClr val="000080"/>
+                </a:solidFill>
+                <a:highlight>
+                  <a:srgbClr val="FFFFFF"/>
+                </a:highlight>
+              </a:rPr>
+              <a:t>=</a:t>
+            </a:r>
+            <a:r>
+              <a:rPr lang="en-US" sz="1100" dirty="0">
+                <a:solidFill>
+                  <a:srgbClr val="000000"/>
+                </a:solidFill>
+                <a:highlight>
+                  <a:srgbClr val="FFFFFF"/>
+                </a:highlight>
+              </a:rPr>
+              <a:t> </a:t>
+            </a:r>
+            <a:r>
+              <a:rPr lang="en-US" sz="1100" dirty="0">
+                <a:solidFill>
+                  <a:srgbClr val="FF0000"/>
+                </a:solidFill>
+                <a:highlight>
+                  <a:srgbClr val="FFFFFF"/>
+                </a:highlight>
+              </a:rPr>
+              <a:t>1</a:t>
+            </a:r>
+            <a:r>
+              <a:rPr lang="en-US" sz="1100" b="1" dirty="0">
+                <a:solidFill>
+                  <a:srgbClr val="000080"/>
+                </a:solidFill>
+                <a:highlight>
+                  <a:srgbClr val="FFFFFF"/>
+                </a:highlight>
+              </a:rPr>
+              <a:t>)</a:t>
+            </a:r>
+            <a:endParaRPr lang="en-US" sz="1100" dirty="0">
+              <a:solidFill>
+                <a:srgbClr val="000000"/>
+              </a:solidFill>
+              <a:highlight>
+                <a:srgbClr val="FFFFFF"/>
+              </a:highlight>
+            </a:endParaRPr>
+          </a:p>
+          <a:p>
+            <a:r>
+              <a:rPr lang="nl-NL" sz="1100" dirty="0">
+                <a:solidFill>
+                  <a:srgbClr val="000000"/>
+                </a:solidFill>
+                <a:highlight>
+                  <a:srgbClr val="FFFFFF"/>
+                </a:highlight>
+              </a:rPr>
+              <a:t>X_opt </a:t>
+            </a:r>
+            <a:r>
+              <a:rPr lang="nl-NL" sz="1100" b="1" dirty="0">
+                <a:solidFill>
+                  <a:srgbClr val="000080"/>
+                </a:solidFill>
+                <a:highlight>
+                  <a:srgbClr val="FFFFFF"/>
+                </a:highlight>
+              </a:rPr>
+              <a:t>=</a:t>
+            </a:r>
+            <a:r>
+              <a:rPr lang="nl-NL" sz="1100" dirty="0">
+                <a:solidFill>
+                  <a:srgbClr val="000000"/>
+                </a:solidFill>
+                <a:highlight>
+                  <a:srgbClr val="FFFFFF"/>
+                </a:highlight>
+              </a:rPr>
+              <a:t> X</a:t>
+            </a:r>
+            <a:r>
+              <a:rPr lang="nl-NL" sz="1100" b="1" dirty="0">
+                <a:solidFill>
+                  <a:srgbClr val="000080"/>
+                </a:solidFill>
+                <a:highlight>
+                  <a:srgbClr val="FFFFFF"/>
+                </a:highlight>
+              </a:rPr>
+              <a:t>[:,</a:t>
+            </a:r>
+            <a:r>
+              <a:rPr lang="nl-NL" sz="1100" dirty="0">
+                <a:solidFill>
+                  <a:srgbClr val="000000"/>
+                </a:solidFill>
+                <a:highlight>
+                  <a:srgbClr val="FFFFFF"/>
+                </a:highlight>
+              </a:rPr>
+              <a:t> </a:t>
+            </a:r>
+            <a:r>
+              <a:rPr lang="nl-NL" sz="1100" b="1" dirty="0">
+                <a:solidFill>
+                  <a:srgbClr val="000080"/>
+                </a:solidFill>
+                <a:highlight>
+                  <a:srgbClr val="FFFFFF"/>
+                </a:highlight>
+              </a:rPr>
+              <a:t>[</a:t>
+            </a:r>
+            <a:r>
+              <a:rPr lang="nl-NL" sz="1100" dirty="0">
+                <a:solidFill>
+                  <a:srgbClr val="FF0000"/>
+                </a:solidFill>
+                <a:highlight>
+                  <a:srgbClr val="FFFFFF"/>
+                </a:highlight>
+              </a:rPr>
+              <a:t>0</a:t>
+            </a:r>
+            <a:r>
+              <a:rPr lang="nl-NL" sz="1100" b="1" dirty="0">
+                <a:solidFill>
+                  <a:srgbClr val="000080"/>
+                </a:solidFill>
+                <a:highlight>
+                  <a:srgbClr val="FFFFFF"/>
+                </a:highlight>
+              </a:rPr>
+              <a:t>,</a:t>
+            </a:r>
+            <a:r>
+              <a:rPr lang="nl-NL" sz="1100" dirty="0">
+                <a:solidFill>
+                  <a:srgbClr val="000000"/>
+                </a:solidFill>
+                <a:highlight>
+                  <a:srgbClr val="FFFFFF"/>
+                </a:highlight>
+              </a:rPr>
+              <a:t> </a:t>
+            </a:r>
+            <a:r>
+              <a:rPr lang="nl-NL" sz="1100" dirty="0">
+                <a:solidFill>
+                  <a:srgbClr val="FF0000"/>
+                </a:solidFill>
+                <a:highlight>
+                  <a:srgbClr val="FFFFFF"/>
+                </a:highlight>
+              </a:rPr>
+              <a:t>1</a:t>
+            </a:r>
+            <a:r>
+              <a:rPr lang="nl-NL" sz="1100" b="1" dirty="0">
+                <a:solidFill>
+                  <a:srgbClr val="000080"/>
+                </a:solidFill>
+                <a:highlight>
+                  <a:srgbClr val="FFFFFF"/>
+                </a:highlight>
+              </a:rPr>
+              <a:t>,</a:t>
+            </a:r>
+            <a:r>
+              <a:rPr lang="nl-NL" sz="1100" dirty="0">
+                <a:solidFill>
+                  <a:srgbClr val="000000"/>
+                </a:solidFill>
+                <a:highlight>
+                  <a:srgbClr val="FFFFFF"/>
+                </a:highlight>
+              </a:rPr>
+              <a:t> </a:t>
+            </a:r>
+            <a:r>
+              <a:rPr lang="nl-NL" sz="1100" dirty="0">
+                <a:solidFill>
+                  <a:srgbClr val="FF0000"/>
+                </a:solidFill>
+                <a:highlight>
+                  <a:srgbClr val="FFFFFF"/>
+                </a:highlight>
+              </a:rPr>
+              <a:t>2</a:t>
+            </a:r>
+            <a:r>
+              <a:rPr lang="nl-NL" sz="1100" b="1" dirty="0">
+                <a:solidFill>
+                  <a:srgbClr val="000080"/>
+                </a:solidFill>
+                <a:highlight>
+                  <a:srgbClr val="FFFFFF"/>
+                </a:highlight>
+              </a:rPr>
+              <a:t>,</a:t>
+            </a:r>
+            <a:r>
+              <a:rPr lang="nl-NL" sz="1100" dirty="0">
+                <a:solidFill>
+                  <a:srgbClr val="000000"/>
+                </a:solidFill>
+                <a:highlight>
+                  <a:srgbClr val="FFFFFF"/>
+                </a:highlight>
+              </a:rPr>
+              <a:t> </a:t>
+            </a:r>
+            <a:r>
+              <a:rPr lang="nl-NL" sz="1100" dirty="0">
+                <a:solidFill>
+                  <a:srgbClr val="FF0000"/>
+                </a:solidFill>
+                <a:highlight>
+                  <a:srgbClr val="FFFFFF"/>
+                </a:highlight>
+              </a:rPr>
+              <a:t>3</a:t>
+            </a:r>
+            <a:r>
+              <a:rPr lang="nl-NL" sz="1100" b="1" dirty="0">
+                <a:solidFill>
+                  <a:srgbClr val="000080"/>
+                </a:solidFill>
+                <a:highlight>
+                  <a:srgbClr val="FFFFFF"/>
+                </a:highlight>
+              </a:rPr>
+              <a:t>,</a:t>
+            </a:r>
+            <a:r>
+              <a:rPr lang="nl-NL" sz="1100" dirty="0">
+                <a:solidFill>
+                  <a:srgbClr val="000000"/>
+                </a:solidFill>
+                <a:highlight>
+                  <a:srgbClr val="FFFFFF"/>
+                </a:highlight>
+              </a:rPr>
+              <a:t> </a:t>
+            </a:r>
+            <a:r>
+              <a:rPr lang="nl-NL" sz="1100" dirty="0">
+                <a:solidFill>
+                  <a:srgbClr val="FF0000"/>
+                </a:solidFill>
+                <a:highlight>
+                  <a:srgbClr val="FFFFFF"/>
+                </a:highlight>
+              </a:rPr>
+              <a:t>4</a:t>
+            </a:r>
+            <a:r>
+              <a:rPr lang="nl-NL" sz="1100" b="1" dirty="0">
+                <a:solidFill>
+                  <a:srgbClr val="000080"/>
+                </a:solidFill>
+                <a:highlight>
+                  <a:srgbClr val="FFFFFF"/>
+                </a:highlight>
+              </a:rPr>
+              <a:t>,</a:t>
+            </a:r>
+            <a:r>
+              <a:rPr lang="nl-NL" sz="1100" dirty="0">
+                <a:solidFill>
+                  <a:srgbClr val="000000"/>
+                </a:solidFill>
+                <a:highlight>
+                  <a:srgbClr val="FFFFFF"/>
+                </a:highlight>
+              </a:rPr>
+              <a:t> </a:t>
+            </a:r>
+            <a:r>
+              <a:rPr lang="nl-NL" sz="1100" dirty="0">
+                <a:solidFill>
+                  <a:srgbClr val="FF0000"/>
+                </a:solidFill>
+                <a:highlight>
+                  <a:srgbClr val="FFFFFF"/>
+                </a:highlight>
+              </a:rPr>
+              <a:t>5</a:t>
+            </a:r>
+            <a:r>
+              <a:rPr lang="nl-NL" sz="1100" b="1" dirty="0">
+                <a:solidFill>
+                  <a:srgbClr val="000080"/>
+                </a:solidFill>
+                <a:highlight>
+                  <a:srgbClr val="FFFFFF"/>
+                </a:highlight>
+              </a:rPr>
+              <a:t>]]</a:t>
+            </a:r>
+            <a:endParaRPr lang="nl-NL" sz="1100" dirty="0">
+              <a:solidFill>
+                <a:srgbClr val="000000"/>
+              </a:solidFill>
+              <a:highlight>
+                <a:srgbClr val="FFFFFF"/>
+              </a:highlight>
+            </a:endParaRPr>
+          </a:p>
+          <a:p>
+            <a:r>
+              <a:rPr lang="en-US" sz="1100" dirty="0" err="1">
+                <a:solidFill>
+                  <a:srgbClr val="000000"/>
+                </a:solidFill>
+                <a:highlight>
+                  <a:srgbClr val="FFFFFF"/>
+                </a:highlight>
+              </a:rPr>
+              <a:t>regressor_OLS</a:t>
+            </a:r>
+            <a:r>
+              <a:rPr lang="en-US" sz="1100" dirty="0">
+                <a:solidFill>
+                  <a:srgbClr val="000000"/>
+                </a:solidFill>
+                <a:highlight>
+                  <a:srgbClr val="FFFFFF"/>
+                </a:highlight>
+              </a:rPr>
+              <a:t> </a:t>
+            </a:r>
+            <a:r>
+              <a:rPr lang="en-US" sz="1100" b="1" dirty="0">
+                <a:solidFill>
+                  <a:srgbClr val="000080"/>
+                </a:solidFill>
+                <a:highlight>
+                  <a:srgbClr val="FFFFFF"/>
+                </a:highlight>
+              </a:rPr>
+              <a:t>=</a:t>
+            </a:r>
+            <a:r>
+              <a:rPr lang="en-US" sz="1100" dirty="0">
+                <a:solidFill>
+                  <a:srgbClr val="000000"/>
+                </a:solidFill>
+                <a:highlight>
+                  <a:srgbClr val="FFFFFF"/>
+                </a:highlight>
+              </a:rPr>
+              <a:t> </a:t>
+            </a:r>
+            <a:r>
+              <a:rPr lang="en-US" sz="1100" dirty="0" err="1">
+                <a:solidFill>
+                  <a:srgbClr val="000000"/>
+                </a:solidFill>
+                <a:highlight>
+                  <a:srgbClr val="FFFFFF"/>
+                </a:highlight>
+              </a:rPr>
+              <a:t>sm</a:t>
+            </a:r>
+            <a:r>
+              <a:rPr lang="en-US" sz="1100" b="1" dirty="0" err="1">
+                <a:solidFill>
+                  <a:srgbClr val="000080"/>
+                </a:solidFill>
+                <a:highlight>
+                  <a:srgbClr val="FFFFFF"/>
+                </a:highlight>
+              </a:rPr>
+              <a:t>.</a:t>
+            </a:r>
+            <a:r>
+              <a:rPr lang="en-US" sz="1100" dirty="0" err="1">
+                <a:solidFill>
+                  <a:srgbClr val="000000"/>
+                </a:solidFill>
+                <a:highlight>
+                  <a:srgbClr val="FFFFFF"/>
+                </a:highlight>
+              </a:rPr>
+              <a:t>OLS</a:t>
+            </a:r>
+            <a:r>
+              <a:rPr lang="en-US" sz="1100" b="1" dirty="0">
+                <a:solidFill>
+                  <a:srgbClr val="000080"/>
+                </a:solidFill>
+                <a:highlight>
+                  <a:srgbClr val="FFFFFF"/>
+                </a:highlight>
+              </a:rPr>
+              <a:t>(</a:t>
+            </a:r>
+            <a:r>
+              <a:rPr lang="en-US" sz="1100" dirty="0" err="1">
+                <a:solidFill>
+                  <a:srgbClr val="000000"/>
+                </a:solidFill>
+                <a:highlight>
+                  <a:srgbClr val="FFFFFF"/>
+                </a:highlight>
+              </a:rPr>
+              <a:t>endog</a:t>
+            </a:r>
+            <a:r>
+              <a:rPr lang="en-US" sz="1100" dirty="0">
+                <a:solidFill>
+                  <a:srgbClr val="000000"/>
+                </a:solidFill>
+                <a:highlight>
+                  <a:srgbClr val="FFFFFF"/>
+                </a:highlight>
+              </a:rPr>
+              <a:t> </a:t>
+            </a:r>
+            <a:r>
+              <a:rPr lang="en-US" sz="1100" b="1" dirty="0">
+                <a:solidFill>
+                  <a:srgbClr val="000080"/>
+                </a:solidFill>
+                <a:highlight>
+                  <a:srgbClr val="FFFFFF"/>
+                </a:highlight>
+              </a:rPr>
+              <a:t>=</a:t>
+            </a:r>
+            <a:r>
+              <a:rPr lang="en-US" sz="1100" dirty="0">
+                <a:solidFill>
+                  <a:srgbClr val="000000"/>
+                </a:solidFill>
+                <a:highlight>
+                  <a:srgbClr val="FFFFFF"/>
+                </a:highlight>
+              </a:rPr>
+              <a:t> y</a:t>
+            </a:r>
+            <a:r>
+              <a:rPr lang="en-US" sz="1100" b="1" dirty="0">
+                <a:solidFill>
+                  <a:srgbClr val="000080"/>
+                </a:solidFill>
+                <a:highlight>
+                  <a:srgbClr val="FFFFFF"/>
+                </a:highlight>
+              </a:rPr>
+              <a:t>,</a:t>
+            </a:r>
+            <a:r>
+              <a:rPr lang="en-US" sz="1100" dirty="0">
+                <a:solidFill>
+                  <a:srgbClr val="000000"/>
+                </a:solidFill>
+                <a:highlight>
+                  <a:srgbClr val="FFFFFF"/>
+                </a:highlight>
+              </a:rPr>
+              <a:t> </a:t>
+            </a:r>
+            <a:r>
+              <a:rPr lang="en-US" sz="1100" dirty="0" err="1">
+                <a:solidFill>
+                  <a:srgbClr val="000000"/>
+                </a:solidFill>
+                <a:highlight>
+                  <a:srgbClr val="FFFFFF"/>
+                </a:highlight>
+              </a:rPr>
+              <a:t>exog</a:t>
+            </a:r>
+            <a:r>
+              <a:rPr lang="en-US" sz="1100" dirty="0">
+                <a:solidFill>
+                  <a:srgbClr val="000000"/>
+                </a:solidFill>
+                <a:highlight>
+                  <a:srgbClr val="FFFFFF"/>
+                </a:highlight>
+              </a:rPr>
+              <a:t> </a:t>
+            </a:r>
+            <a:r>
+              <a:rPr lang="en-US" sz="1100" b="1" dirty="0">
+                <a:solidFill>
+                  <a:srgbClr val="000080"/>
+                </a:solidFill>
+                <a:highlight>
+                  <a:srgbClr val="FFFFFF"/>
+                </a:highlight>
+              </a:rPr>
+              <a:t>=</a:t>
+            </a:r>
+            <a:r>
+              <a:rPr lang="en-US" sz="1100" dirty="0">
+                <a:solidFill>
+                  <a:srgbClr val="000000"/>
+                </a:solidFill>
+                <a:highlight>
+                  <a:srgbClr val="FFFFFF"/>
+                </a:highlight>
+              </a:rPr>
+              <a:t> </a:t>
+            </a:r>
+            <a:r>
+              <a:rPr lang="en-US" sz="1100" dirty="0" err="1">
+                <a:solidFill>
+                  <a:srgbClr val="000000"/>
+                </a:solidFill>
+                <a:highlight>
+                  <a:srgbClr val="FFFFFF"/>
+                </a:highlight>
+              </a:rPr>
+              <a:t>X_opt</a:t>
+            </a:r>
+            <a:r>
+              <a:rPr lang="en-US" sz="1100" b="1" dirty="0">
+                <a:solidFill>
+                  <a:srgbClr val="000080"/>
+                </a:solidFill>
+                <a:highlight>
+                  <a:srgbClr val="FFFFFF"/>
+                </a:highlight>
+              </a:rPr>
+              <a:t>).</a:t>
+            </a:r>
+            <a:r>
+              <a:rPr lang="en-US" sz="1100" dirty="0">
+                <a:solidFill>
+                  <a:srgbClr val="000000"/>
+                </a:solidFill>
+                <a:highlight>
+                  <a:srgbClr val="FFFFFF"/>
+                </a:highlight>
+              </a:rPr>
+              <a:t>fit</a:t>
+            </a:r>
+            <a:r>
+              <a:rPr lang="en-US" sz="1100" b="1" dirty="0">
+                <a:solidFill>
+                  <a:srgbClr val="000080"/>
+                </a:solidFill>
+                <a:highlight>
+                  <a:srgbClr val="FFFFFF"/>
+                </a:highlight>
+              </a:rPr>
+              <a:t>()</a:t>
+            </a:r>
+            <a:endParaRPr lang="en-US" sz="1100" dirty="0">
+              <a:solidFill>
+                <a:srgbClr val="000000"/>
+              </a:solidFill>
+              <a:highlight>
+                <a:srgbClr val="FFFFFF"/>
+              </a:highlight>
+            </a:endParaRPr>
+          </a:p>
+          <a:p>
+            <a:r>
+              <a:rPr lang="en-US" sz="1100" dirty="0" err="1">
+                <a:solidFill>
+                  <a:srgbClr val="000000"/>
+                </a:solidFill>
+                <a:highlight>
+                  <a:srgbClr val="FFFFFF"/>
+                </a:highlight>
+              </a:rPr>
+              <a:t>regressor_OLS</a:t>
+            </a:r>
+            <a:r>
+              <a:rPr lang="en-US" sz="1100" b="1" dirty="0" err="1">
+                <a:solidFill>
+                  <a:srgbClr val="000080"/>
+                </a:solidFill>
+                <a:highlight>
+                  <a:srgbClr val="FFFFFF"/>
+                </a:highlight>
+              </a:rPr>
+              <a:t>.</a:t>
+            </a:r>
+            <a:r>
+              <a:rPr lang="en-US" sz="1100" dirty="0" err="1">
+                <a:solidFill>
+                  <a:srgbClr val="000000"/>
+                </a:solidFill>
+                <a:highlight>
+                  <a:srgbClr val="FFFFFF"/>
+                </a:highlight>
+              </a:rPr>
+              <a:t>summary</a:t>
+            </a:r>
+            <a:r>
+              <a:rPr lang="en-US" sz="1100" b="1" dirty="0">
+                <a:solidFill>
+                  <a:srgbClr val="000080"/>
+                </a:solidFill>
+                <a:highlight>
+                  <a:srgbClr val="FFFFFF"/>
+                </a:highlight>
+              </a:rPr>
+              <a:t>()</a:t>
+            </a:r>
+            <a:endParaRPr lang="en-US" sz="1100" dirty="0">
+              <a:solidFill>
+                <a:srgbClr val="000000"/>
+              </a:solidFill>
+              <a:highlight>
+                <a:srgbClr val="FFFFFF"/>
+              </a:highlight>
+            </a:endParaRPr>
+          </a:p>
+          <a:p>
+            <a:endParaRPr lang="en-US" sz="1100" dirty="0">
+              <a:solidFill>
+                <a:srgbClr val="000000"/>
+              </a:solidFill>
+              <a:highlight>
+                <a:srgbClr val="FFFFFF"/>
+              </a:highlight>
+            </a:endParaRPr>
+          </a:p>
+          <a:p>
+            <a:r>
+              <a:rPr lang="nl-NL" sz="1100" dirty="0">
+                <a:solidFill>
+                  <a:srgbClr val="000000"/>
+                </a:solidFill>
+                <a:highlight>
+                  <a:srgbClr val="FFFFFF"/>
+                </a:highlight>
+              </a:rPr>
+              <a:t>X_opt </a:t>
+            </a:r>
+            <a:r>
+              <a:rPr lang="nl-NL" sz="1100" b="1" dirty="0">
+                <a:solidFill>
+                  <a:srgbClr val="000080"/>
+                </a:solidFill>
+                <a:highlight>
+                  <a:srgbClr val="FFFFFF"/>
+                </a:highlight>
+              </a:rPr>
+              <a:t>=</a:t>
+            </a:r>
+            <a:r>
+              <a:rPr lang="nl-NL" sz="1100" dirty="0">
+                <a:solidFill>
+                  <a:srgbClr val="000000"/>
+                </a:solidFill>
+                <a:highlight>
+                  <a:srgbClr val="FFFFFF"/>
+                </a:highlight>
+              </a:rPr>
+              <a:t> X</a:t>
+            </a:r>
+            <a:r>
+              <a:rPr lang="nl-NL" sz="1100" b="1" dirty="0">
+                <a:solidFill>
+                  <a:srgbClr val="000080"/>
+                </a:solidFill>
+                <a:highlight>
+                  <a:srgbClr val="FFFFFF"/>
+                </a:highlight>
+              </a:rPr>
+              <a:t>[:,</a:t>
+            </a:r>
+            <a:r>
+              <a:rPr lang="nl-NL" sz="1100" dirty="0">
+                <a:solidFill>
+                  <a:srgbClr val="000000"/>
+                </a:solidFill>
+                <a:highlight>
+                  <a:srgbClr val="FFFFFF"/>
+                </a:highlight>
+              </a:rPr>
+              <a:t> </a:t>
+            </a:r>
+            <a:r>
+              <a:rPr lang="nl-NL" sz="1100" b="1" dirty="0">
+                <a:solidFill>
+                  <a:srgbClr val="000080"/>
+                </a:solidFill>
+                <a:highlight>
+                  <a:srgbClr val="FFFFFF"/>
+                </a:highlight>
+              </a:rPr>
+              <a:t>[</a:t>
+            </a:r>
+            <a:r>
+              <a:rPr lang="nl-NL" sz="1100" dirty="0">
+                <a:solidFill>
+                  <a:srgbClr val="FF0000"/>
+                </a:solidFill>
+                <a:highlight>
+                  <a:srgbClr val="FFFFFF"/>
+                </a:highlight>
+              </a:rPr>
+              <a:t>0</a:t>
+            </a:r>
+            <a:r>
+              <a:rPr lang="nl-NL" sz="1100" b="1" dirty="0">
+                <a:solidFill>
+                  <a:srgbClr val="000080"/>
+                </a:solidFill>
+                <a:highlight>
+                  <a:srgbClr val="FFFFFF"/>
+                </a:highlight>
+              </a:rPr>
+              <a:t>,</a:t>
+            </a:r>
+            <a:r>
+              <a:rPr lang="nl-NL" sz="1100" dirty="0">
+                <a:solidFill>
+                  <a:srgbClr val="000000"/>
+                </a:solidFill>
+                <a:highlight>
+                  <a:srgbClr val="FFFFFF"/>
+                </a:highlight>
+              </a:rPr>
+              <a:t> </a:t>
+            </a:r>
+            <a:r>
+              <a:rPr lang="nl-NL" sz="1100" dirty="0">
+                <a:solidFill>
+                  <a:srgbClr val="FF0000"/>
+                </a:solidFill>
+                <a:highlight>
+                  <a:srgbClr val="FFFFFF"/>
+                </a:highlight>
+              </a:rPr>
+              <a:t>1</a:t>
+            </a:r>
+            <a:r>
+              <a:rPr lang="nl-NL" sz="1100" b="1" dirty="0">
+                <a:solidFill>
+                  <a:srgbClr val="000080"/>
+                </a:solidFill>
+                <a:highlight>
+                  <a:srgbClr val="FFFFFF"/>
+                </a:highlight>
+              </a:rPr>
+              <a:t>,</a:t>
+            </a:r>
+            <a:r>
+              <a:rPr lang="nl-NL" sz="1100" dirty="0">
+                <a:solidFill>
+                  <a:srgbClr val="000000"/>
+                </a:solidFill>
+                <a:highlight>
+                  <a:srgbClr val="FFFFFF"/>
+                </a:highlight>
+              </a:rPr>
+              <a:t> </a:t>
+            </a:r>
+            <a:r>
+              <a:rPr lang="nl-NL" sz="1100" dirty="0">
+                <a:solidFill>
+                  <a:srgbClr val="FF0000"/>
+                </a:solidFill>
+                <a:highlight>
+                  <a:srgbClr val="FFFFFF"/>
+                </a:highlight>
+              </a:rPr>
+              <a:t>3</a:t>
+            </a:r>
+            <a:r>
+              <a:rPr lang="nl-NL" sz="1100" b="1" dirty="0">
+                <a:solidFill>
+                  <a:srgbClr val="000080"/>
+                </a:solidFill>
+                <a:highlight>
+                  <a:srgbClr val="FFFFFF"/>
+                </a:highlight>
+              </a:rPr>
+              <a:t>,</a:t>
+            </a:r>
+            <a:r>
+              <a:rPr lang="nl-NL" sz="1100" dirty="0">
+                <a:solidFill>
+                  <a:srgbClr val="000000"/>
+                </a:solidFill>
+                <a:highlight>
+                  <a:srgbClr val="FFFFFF"/>
+                </a:highlight>
+              </a:rPr>
+              <a:t> </a:t>
+            </a:r>
+            <a:r>
+              <a:rPr lang="nl-NL" sz="1100" dirty="0">
+                <a:solidFill>
+                  <a:srgbClr val="FF0000"/>
+                </a:solidFill>
+                <a:highlight>
+                  <a:srgbClr val="FFFFFF"/>
+                </a:highlight>
+              </a:rPr>
+              <a:t>4</a:t>
+            </a:r>
+            <a:r>
+              <a:rPr lang="nl-NL" sz="1100" b="1" dirty="0">
+                <a:solidFill>
+                  <a:srgbClr val="000080"/>
+                </a:solidFill>
+                <a:highlight>
+                  <a:srgbClr val="FFFFFF"/>
+                </a:highlight>
+              </a:rPr>
+              <a:t>,</a:t>
+            </a:r>
+            <a:r>
+              <a:rPr lang="nl-NL" sz="1100" dirty="0">
+                <a:solidFill>
+                  <a:srgbClr val="000000"/>
+                </a:solidFill>
+                <a:highlight>
+                  <a:srgbClr val="FFFFFF"/>
+                </a:highlight>
+              </a:rPr>
+              <a:t> </a:t>
+            </a:r>
+            <a:r>
+              <a:rPr lang="nl-NL" sz="1100" dirty="0">
+                <a:solidFill>
+                  <a:srgbClr val="FF0000"/>
+                </a:solidFill>
+                <a:highlight>
+                  <a:srgbClr val="FFFFFF"/>
+                </a:highlight>
+              </a:rPr>
+              <a:t>5</a:t>
+            </a:r>
+            <a:r>
+              <a:rPr lang="nl-NL" sz="1100" b="1" dirty="0">
+                <a:solidFill>
+                  <a:srgbClr val="000080"/>
+                </a:solidFill>
+                <a:highlight>
+                  <a:srgbClr val="FFFFFF"/>
+                </a:highlight>
+              </a:rPr>
+              <a:t>]]</a:t>
+            </a:r>
+            <a:endParaRPr lang="nl-NL" sz="1100" dirty="0">
+              <a:solidFill>
+                <a:srgbClr val="000000"/>
+              </a:solidFill>
+              <a:highlight>
+                <a:srgbClr val="FFFFFF"/>
+              </a:highlight>
+            </a:endParaRPr>
+          </a:p>
+          <a:p>
+            <a:r>
+              <a:rPr lang="en-US" sz="1100" dirty="0" err="1">
+                <a:solidFill>
+                  <a:srgbClr val="000000"/>
+                </a:solidFill>
+                <a:highlight>
+                  <a:srgbClr val="FFFFFF"/>
+                </a:highlight>
+              </a:rPr>
+              <a:t>regressor_OLS</a:t>
+            </a:r>
+            <a:r>
+              <a:rPr lang="en-US" sz="1100" dirty="0">
+                <a:solidFill>
+                  <a:srgbClr val="000000"/>
+                </a:solidFill>
+                <a:highlight>
+                  <a:srgbClr val="FFFFFF"/>
+                </a:highlight>
+              </a:rPr>
+              <a:t> </a:t>
+            </a:r>
+            <a:r>
+              <a:rPr lang="en-US" sz="1100" b="1" dirty="0">
+                <a:solidFill>
+                  <a:srgbClr val="000080"/>
+                </a:solidFill>
+                <a:highlight>
+                  <a:srgbClr val="FFFFFF"/>
+                </a:highlight>
+              </a:rPr>
+              <a:t>=</a:t>
+            </a:r>
+            <a:r>
+              <a:rPr lang="en-US" sz="1100" dirty="0">
+                <a:solidFill>
+                  <a:srgbClr val="000000"/>
+                </a:solidFill>
+                <a:highlight>
+                  <a:srgbClr val="FFFFFF"/>
+                </a:highlight>
+              </a:rPr>
+              <a:t> </a:t>
+            </a:r>
+            <a:r>
+              <a:rPr lang="en-US" sz="1100" dirty="0" err="1">
+                <a:solidFill>
+                  <a:srgbClr val="000000"/>
+                </a:solidFill>
+                <a:highlight>
+                  <a:srgbClr val="FFFFFF"/>
+                </a:highlight>
+              </a:rPr>
+              <a:t>sm</a:t>
+            </a:r>
+            <a:r>
+              <a:rPr lang="en-US" sz="1100" b="1" dirty="0" err="1">
+                <a:solidFill>
+                  <a:srgbClr val="000080"/>
+                </a:solidFill>
+                <a:highlight>
+                  <a:srgbClr val="FFFFFF"/>
+                </a:highlight>
+              </a:rPr>
+              <a:t>.</a:t>
+            </a:r>
+            <a:r>
+              <a:rPr lang="en-US" sz="1100" dirty="0" err="1">
+                <a:solidFill>
+                  <a:srgbClr val="000000"/>
+                </a:solidFill>
+                <a:highlight>
+                  <a:srgbClr val="FFFFFF"/>
+                </a:highlight>
+              </a:rPr>
+              <a:t>OLS</a:t>
+            </a:r>
+            <a:r>
+              <a:rPr lang="en-US" sz="1100" b="1" dirty="0">
+                <a:solidFill>
+                  <a:srgbClr val="000080"/>
+                </a:solidFill>
+                <a:highlight>
+                  <a:srgbClr val="FFFFFF"/>
+                </a:highlight>
+              </a:rPr>
+              <a:t>(</a:t>
+            </a:r>
+            <a:r>
+              <a:rPr lang="en-US" sz="1100" dirty="0" err="1">
+                <a:solidFill>
+                  <a:srgbClr val="000000"/>
+                </a:solidFill>
+                <a:highlight>
+                  <a:srgbClr val="FFFFFF"/>
+                </a:highlight>
+              </a:rPr>
+              <a:t>endog</a:t>
+            </a:r>
+            <a:r>
+              <a:rPr lang="en-US" sz="1100" dirty="0">
+                <a:solidFill>
+                  <a:srgbClr val="000000"/>
+                </a:solidFill>
+                <a:highlight>
+                  <a:srgbClr val="FFFFFF"/>
+                </a:highlight>
+              </a:rPr>
+              <a:t> </a:t>
+            </a:r>
+            <a:r>
+              <a:rPr lang="en-US" sz="1100" b="1" dirty="0">
+                <a:solidFill>
+                  <a:srgbClr val="000080"/>
+                </a:solidFill>
+                <a:highlight>
+                  <a:srgbClr val="FFFFFF"/>
+                </a:highlight>
+              </a:rPr>
+              <a:t>=</a:t>
+            </a:r>
+            <a:r>
+              <a:rPr lang="en-US" sz="1100" dirty="0">
+                <a:solidFill>
+                  <a:srgbClr val="000000"/>
+                </a:solidFill>
+                <a:highlight>
+                  <a:srgbClr val="FFFFFF"/>
+                </a:highlight>
+              </a:rPr>
+              <a:t> y</a:t>
+            </a:r>
+            <a:r>
+              <a:rPr lang="en-US" sz="1100" b="1" dirty="0">
+                <a:solidFill>
+                  <a:srgbClr val="000080"/>
+                </a:solidFill>
+                <a:highlight>
+                  <a:srgbClr val="FFFFFF"/>
+                </a:highlight>
+              </a:rPr>
+              <a:t>,</a:t>
+            </a:r>
+            <a:r>
+              <a:rPr lang="en-US" sz="1100" dirty="0">
+                <a:solidFill>
+                  <a:srgbClr val="000000"/>
+                </a:solidFill>
+                <a:highlight>
+                  <a:srgbClr val="FFFFFF"/>
+                </a:highlight>
+              </a:rPr>
+              <a:t> </a:t>
+            </a:r>
+            <a:r>
+              <a:rPr lang="en-US" sz="1100" dirty="0" err="1">
+                <a:solidFill>
+                  <a:srgbClr val="000000"/>
+                </a:solidFill>
+                <a:highlight>
+                  <a:srgbClr val="FFFFFF"/>
+                </a:highlight>
+              </a:rPr>
+              <a:t>exog</a:t>
+            </a:r>
+            <a:r>
+              <a:rPr lang="en-US" sz="1100" dirty="0">
+                <a:solidFill>
+                  <a:srgbClr val="000000"/>
+                </a:solidFill>
+                <a:highlight>
+                  <a:srgbClr val="FFFFFF"/>
+                </a:highlight>
+              </a:rPr>
+              <a:t> </a:t>
+            </a:r>
+            <a:r>
+              <a:rPr lang="en-US" sz="1100" b="1" dirty="0">
+                <a:solidFill>
+                  <a:srgbClr val="000080"/>
+                </a:solidFill>
+                <a:highlight>
+                  <a:srgbClr val="FFFFFF"/>
+                </a:highlight>
+              </a:rPr>
+              <a:t>=</a:t>
+            </a:r>
+            <a:r>
+              <a:rPr lang="en-US" sz="1100" dirty="0">
+                <a:solidFill>
+                  <a:srgbClr val="000000"/>
+                </a:solidFill>
+                <a:highlight>
+                  <a:srgbClr val="FFFFFF"/>
+                </a:highlight>
+              </a:rPr>
+              <a:t> </a:t>
+            </a:r>
+            <a:r>
+              <a:rPr lang="en-US" sz="1100" dirty="0" err="1">
+                <a:solidFill>
+                  <a:srgbClr val="000000"/>
+                </a:solidFill>
+                <a:highlight>
+                  <a:srgbClr val="FFFFFF"/>
+                </a:highlight>
+              </a:rPr>
+              <a:t>X_opt</a:t>
+            </a:r>
+            <a:r>
+              <a:rPr lang="en-US" sz="1100" b="1" dirty="0">
+                <a:solidFill>
+                  <a:srgbClr val="000080"/>
+                </a:solidFill>
+                <a:highlight>
+                  <a:srgbClr val="FFFFFF"/>
+                </a:highlight>
+              </a:rPr>
+              <a:t>).</a:t>
+            </a:r>
+            <a:r>
+              <a:rPr lang="en-US" sz="1100" dirty="0">
+                <a:solidFill>
+                  <a:srgbClr val="000000"/>
+                </a:solidFill>
+                <a:highlight>
+                  <a:srgbClr val="FFFFFF"/>
+                </a:highlight>
+              </a:rPr>
+              <a:t>fit</a:t>
+            </a:r>
+            <a:r>
+              <a:rPr lang="en-US" sz="1100" b="1" dirty="0">
+                <a:solidFill>
+                  <a:srgbClr val="000080"/>
+                </a:solidFill>
+                <a:highlight>
+                  <a:srgbClr val="FFFFFF"/>
+                </a:highlight>
+              </a:rPr>
+              <a:t>()</a:t>
+            </a:r>
+            <a:endParaRPr lang="en-US" sz="1100" dirty="0">
+              <a:solidFill>
+                <a:srgbClr val="000000"/>
+              </a:solidFill>
+              <a:highlight>
+                <a:srgbClr val="FFFFFF"/>
+              </a:highlight>
+            </a:endParaRPr>
+          </a:p>
+          <a:p>
+            <a:r>
+              <a:rPr lang="en-US" sz="1100" dirty="0" err="1">
+                <a:solidFill>
+                  <a:srgbClr val="000000"/>
+                </a:solidFill>
+                <a:highlight>
+                  <a:srgbClr val="FFFFFF"/>
+                </a:highlight>
+              </a:rPr>
+              <a:t>regressor_OLS</a:t>
+            </a:r>
+            <a:r>
+              <a:rPr lang="en-US" sz="1100" b="1" dirty="0" err="1">
+                <a:solidFill>
+                  <a:srgbClr val="000080"/>
+                </a:solidFill>
+                <a:highlight>
+                  <a:srgbClr val="FFFFFF"/>
+                </a:highlight>
+              </a:rPr>
+              <a:t>.</a:t>
+            </a:r>
+            <a:r>
+              <a:rPr lang="en-US" sz="1100" dirty="0" err="1">
+                <a:solidFill>
+                  <a:srgbClr val="000000"/>
+                </a:solidFill>
+                <a:highlight>
+                  <a:srgbClr val="FFFFFF"/>
+                </a:highlight>
+              </a:rPr>
+              <a:t>summary</a:t>
+            </a:r>
+            <a:r>
+              <a:rPr lang="en-US" sz="1100" b="1" dirty="0">
+                <a:solidFill>
+                  <a:srgbClr val="000080"/>
+                </a:solidFill>
+                <a:highlight>
+                  <a:srgbClr val="FFFFFF"/>
+                </a:highlight>
+              </a:rPr>
+              <a:t>()</a:t>
+            </a:r>
+            <a:endParaRPr lang="en-US" sz="1100" dirty="0">
+              <a:solidFill>
+                <a:srgbClr val="000000"/>
+              </a:solidFill>
+              <a:highlight>
+                <a:srgbClr val="FFFFFF"/>
+              </a:highlight>
+            </a:endParaRPr>
+          </a:p>
+          <a:p>
+            <a:endParaRPr lang="en-US" sz="1100" dirty="0">
+              <a:solidFill>
+                <a:srgbClr val="000000"/>
+              </a:solidFill>
+              <a:highlight>
+                <a:srgbClr val="FFFFFF"/>
+              </a:highlight>
+            </a:endParaRPr>
+          </a:p>
+          <a:p>
+            <a:r>
+              <a:rPr lang="nl-NL" sz="1100" dirty="0">
+                <a:solidFill>
+                  <a:srgbClr val="000000"/>
+                </a:solidFill>
+                <a:highlight>
+                  <a:srgbClr val="FFFFFF"/>
+                </a:highlight>
+              </a:rPr>
+              <a:t>X_opt </a:t>
+            </a:r>
+            <a:r>
+              <a:rPr lang="nl-NL" sz="1100" b="1" dirty="0">
+                <a:solidFill>
+                  <a:srgbClr val="000080"/>
+                </a:solidFill>
+                <a:highlight>
+                  <a:srgbClr val="FFFFFF"/>
+                </a:highlight>
+              </a:rPr>
+              <a:t>=</a:t>
+            </a:r>
+            <a:r>
+              <a:rPr lang="nl-NL" sz="1100" dirty="0">
+                <a:solidFill>
+                  <a:srgbClr val="000000"/>
+                </a:solidFill>
+                <a:highlight>
+                  <a:srgbClr val="FFFFFF"/>
+                </a:highlight>
+              </a:rPr>
+              <a:t> X</a:t>
+            </a:r>
+            <a:r>
+              <a:rPr lang="nl-NL" sz="1100" b="1" dirty="0">
+                <a:solidFill>
+                  <a:srgbClr val="000080"/>
+                </a:solidFill>
+                <a:highlight>
+                  <a:srgbClr val="FFFFFF"/>
+                </a:highlight>
+              </a:rPr>
+              <a:t>[:,</a:t>
+            </a:r>
+            <a:r>
+              <a:rPr lang="nl-NL" sz="1100" dirty="0">
+                <a:solidFill>
+                  <a:srgbClr val="000000"/>
+                </a:solidFill>
+                <a:highlight>
+                  <a:srgbClr val="FFFFFF"/>
+                </a:highlight>
+              </a:rPr>
+              <a:t> </a:t>
+            </a:r>
+            <a:r>
+              <a:rPr lang="nl-NL" sz="1100" b="1" dirty="0">
+                <a:solidFill>
+                  <a:srgbClr val="000080"/>
+                </a:solidFill>
+                <a:highlight>
+                  <a:srgbClr val="FFFFFF"/>
+                </a:highlight>
+              </a:rPr>
+              <a:t>[</a:t>
+            </a:r>
+            <a:r>
+              <a:rPr lang="nl-NL" sz="1100" dirty="0">
+                <a:solidFill>
+                  <a:srgbClr val="FF0000"/>
+                </a:solidFill>
+                <a:highlight>
+                  <a:srgbClr val="FFFFFF"/>
+                </a:highlight>
+              </a:rPr>
+              <a:t>0</a:t>
+            </a:r>
+            <a:r>
+              <a:rPr lang="nl-NL" sz="1100" b="1" dirty="0">
+                <a:solidFill>
+                  <a:srgbClr val="000080"/>
+                </a:solidFill>
+                <a:highlight>
+                  <a:srgbClr val="FFFFFF"/>
+                </a:highlight>
+              </a:rPr>
+              <a:t>,</a:t>
+            </a:r>
+            <a:r>
+              <a:rPr lang="nl-NL" sz="1100" dirty="0">
+                <a:solidFill>
+                  <a:srgbClr val="000000"/>
+                </a:solidFill>
+                <a:highlight>
+                  <a:srgbClr val="FFFFFF"/>
+                </a:highlight>
+              </a:rPr>
+              <a:t> </a:t>
+            </a:r>
+            <a:r>
+              <a:rPr lang="nl-NL" sz="1100" dirty="0">
+                <a:solidFill>
+                  <a:srgbClr val="FF0000"/>
+                </a:solidFill>
+                <a:highlight>
+                  <a:srgbClr val="FFFFFF"/>
+                </a:highlight>
+              </a:rPr>
+              <a:t>3</a:t>
+            </a:r>
+            <a:r>
+              <a:rPr lang="nl-NL" sz="1100" b="1" dirty="0">
+                <a:solidFill>
+                  <a:srgbClr val="000080"/>
+                </a:solidFill>
+                <a:highlight>
+                  <a:srgbClr val="FFFFFF"/>
+                </a:highlight>
+              </a:rPr>
+              <a:t>,</a:t>
+            </a:r>
+            <a:r>
+              <a:rPr lang="nl-NL" sz="1100" dirty="0">
+                <a:solidFill>
+                  <a:srgbClr val="000000"/>
+                </a:solidFill>
+                <a:highlight>
+                  <a:srgbClr val="FFFFFF"/>
+                </a:highlight>
+              </a:rPr>
+              <a:t> </a:t>
+            </a:r>
+            <a:r>
+              <a:rPr lang="nl-NL" sz="1100" dirty="0">
+                <a:solidFill>
+                  <a:srgbClr val="FF0000"/>
+                </a:solidFill>
+                <a:highlight>
+                  <a:srgbClr val="FFFFFF"/>
+                </a:highlight>
+              </a:rPr>
+              <a:t>4</a:t>
+            </a:r>
+            <a:r>
+              <a:rPr lang="nl-NL" sz="1100" b="1" dirty="0">
+                <a:solidFill>
+                  <a:srgbClr val="000080"/>
+                </a:solidFill>
+                <a:highlight>
+                  <a:srgbClr val="FFFFFF"/>
+                </a:highlight>
+              </a:rPr>
+              <a:t>,</a:t>
+            </a:r>
+            <a:r>
+              <a:rPr lang="nl-NL" sz="1100" dirty="0">
+                <a:solidFill>
+                  <a:srgbClr val="000000"/>
+                </a:solidFill>
+                <a:highlight>
+                  <a:srgbClr val="FFFFFF"/>
+                </a:highlight>
+              </a:rPr>
+              <a:t> </a:t>
+            </a:r>
+            <a:r>
+              <a:rPr lang="nl-NL" sz="1100" dirty="0">
+                <a:solidFill>
+                  <a:srgbClr val="FF0000"/>
+                </a:solidFill>
+                <a:highlight>
+                  <a:srgbClr val="FFFFFF"/>
+                </a:highlight>
+              </a:rPr>
+              <a:t>5</a:t>
+            </a:r>
+            <a:r>
+              <a:rPr lang="nl-NL" sz="1100" b="1" dirty="0">
+                <a:solidFill>
+                  <a:srgbClr val="000080"/>
+                </a:solidFill>
+                <a:highlight>
+                  <a:srgbClr val="FFFFFF"/>
+                </a:highlight>
+              </a:rPr>
+              <a:t>]]</a:t>
+            </a:r>
+            <a:endParaRPr lang="nl-NL" sz="1100" dirty="0">
+              <a:solidFill>
+                <a:srgbClr val="000000"/>
+              </a:solidFill>
+              <a:highlight>
+                <a:srgbClr val="FFFFFF"/>
+              </a:highlight>
+            </a:endParaRPr>
+          </a:p>
+          <a:p>
+            <a:r>
+              <a:rPr lang="en-US" sz="1100" dirty="0" err="1">
+                <a:solidFill>
+                  <a:srgbClr val="000000"/>
+                </a:solidFill>
+                <a:highlight>
+                  <a:srgbClr val="FFFFFF"/>
+                </a:highlight>
+              </a:rPr>
+              <a:t>regressor_OLS</a:t>
+            </a:r>
+            <a:r>
+              <a:rPr lang="en-US" sz="1100" dirty="0">
+                <a:solidFill>
+                  <a:srgbClr val="000000"/>
+                </a:solidFill>
+                <a:highlight>
+                  <a:srgbClr val="FFFFFF"/>
+                </a:highlight>
+              </a:rPr>
+              <a:t> </a:t>
+            </a:r>
+            <a:r>
+              <a:rPr lang="en-US" sz="1100" b="1" dirty="0">
+                <a:solidFill>
+                  <a:srgbClr val="000080"/>
+                </a:solidFill>
+                <a:highlight>
+                  <a:srgbClr val="FFFFFF"/>
+                </a:highlight>
+              </a:rPr>
+              <a:t>=</a:t>
+            </a:r>
+            <a:r>
+              <a:rPr lang="en-US" sz="1100" dirty="0">
+                <a:solidFill>
+                  <a:srgbClr val="000000"/>
+                </a:solidFill>
+                <a:highlight>
+                  <a:srgbClr val="FFFFFF"/>
+                </a:highlight>
+              </a:rPr>
+              <a:t> </a:t>
+            </a:r>
+            <a:r>
+              <a:rPr lang="en-US" sz="1100" dirty="0" err="1">
+                <a:solidFill>
+                  <a:srgbClr val="000000"/>
+                </a:solidFill>
+                <a:highlight>
+                  <a:srgbClr val="FFFFFF"/>
+                </a:highlight>
+              </a:rPr>
+              <a:t>sm</a:t>
+            </a:r>
+            <a:r>
+              <a:rPr lang="en-US" sz="1100" b="1" dirty="0" err="1">
+                <a:solidFill>
+                  <a:srgbClr val="000080"/>
+                </a:solidFill>
+                <a:highlight>
+                  <a:srgbClr val="FFFFFF"/>
+                </a:highlight>
+              </a:rPr>
+              <a:t>.</a:t>
+            </a:r>
+            <a:r>
+              <a:rPr lang="en-US" sz="1100" dirty="0" err="1">
+                <a:solidFill>
+                  <a:srgbClr val="000000"/>
+                </a:solidFill>
+                <a:highlight>
+                  <a:srgbClr val="FFFFFF"/>
+                </a:highlight>
+              </a:rPr>
+              <a:t>OLS</a:t>
+            </a:r>
+            <a:r>
+              <a:rPr lang="en-US" sz="1100" b="1" dirty="0">
+                <a:solidFill>
+                  <a:srgbClr val="000080"/>
+                </a:solidFill>
+                <a:highlight>
+                  <a:srgbClr val="FFFFFF"/>
+                </a:highlight>
+              </a:rPr>
+              <a:t>(</a:t>
+            </a:r>
+            <a:r>
+              <a:rPr lang="en-US" sz="1100" dirty="0" err="1">
+                <a:solidFill>
+                  <a:srgbClr val="000000"/>
+                </a:solidFill>
+                <a:highlight>
+                  <a:srgbClr val="FFFFFF"/>
+                </a:highlight>
+              </a:rPr>
+              <a:t>endog</a:t>
+            </a:r>
+            <a:r>
+              <a:rPr lang="en-US" sz="1100" dirty="0">
+                <a:solidFill>
+                  <a:srgbClr val="000000"/>
+                </a:solidFill>
+                <a:highlight>
+                  <a:srgbClr val="FFFFFF"/>
+                </a:highlight>
+              </a:rPr>
+              <a:t> </a:t>
+            </a:r>
+            <a:r>
+              <a:rPr lang="en-US" sz="1100" b="1" dirty="0">
+                <a:solidFill>
+                  <a:srgbClr val="000080"/>
+                </a:solidFill>
+                <a:highlight>
+                  <a:srgbClr val="FFFFFF"/>
+                </a:highlight>
+              </a:rPr>
+              <a:t>=</a:t>
+            </a:r>
+            <a:r>
+              <a:rPr lang="en-US" sz="1100" dirty="0">
+                <a:solidFill>
+                  <a:srgbClr val="000000"/>
+                </a:solidFill>
+                <a:highlight>
+                  <a:srgbClr val="FFFFFF"/>
+                </a:highlight>
+              </a:rPr>
+              <a:t> y</a:t>
+            </a:r>
+            <a:r>
+              <a:rPr lang="en-US" sz="1100" b="1" dirty="0">
+                <a:solidFill>
+                  <a:srgbClr val="000080"/>
+                </a:solidFill>
+                <a:highlight>
+                  <a:srgbClr val="FFFFFF"/>
+                </a:highlight>
+              </a:rPr>
+              <a:t>,</a:t>
+            </a:r>
+            <a:r>
+              <a:rPr lang="en-US" sz="1100" dirty="0">
+                <a:solidFill>
+                  <a:srgbClr val="000000"/>
+                </a:solidFill>
+                <a:highlight>
+                  <a:srgbClr val="FFFFFF"/>
+                </a:highlight>
+              </a:rPr>
+              <a:t> </a:t>
+            </a:r>
+            <a:r>
+              <a:rPr lang="en-US" sz="1100" dirty="0" err="1">
+                <a:solidFill>
+                  <a:srgbClr val="000000"/>
+                </a:solidFill>
+                <a:highlight>
+                  <a:srgbClr val="FFFFFF"/>
+                </a:highlight>
+              </a:rPr>
+              <a:t>exog</a:t>
+            </a:r>
+            <a:r>
+              <a:rPr lang="en-US" sz="1100" dirty="0">
+                <a:solidFill>
+                  <a:srgbClr val="000000"/>
+                </a:solidFill>
+                <a:highlight>
+                  <a:srgbClr val="FFFFFF"/>
+                </a:highlight>
+              </a:rPr>
+              <a:t> </a:t>
+            </a:r>
+            <a:r>
+              <a:rPr lang="en-US" sz="1100" b="1" dirty="0">
+                <a:solidFill>
+                  <a:srgbClr val="000080"/>
+                </a:solidFill>
+                <a:highlight>
+                  <a:srgbClr val="FFFFFF"/>
+                </a:highlight>
+              </a:rPr>
+              <a:t>=</a:t>
+            </a:r>
+            <a:r>
+              <a:rPr lang="en-US" sz="1100" dirty="0">
+                <a:solidFill>
+                  <a:srgbClr val="000000"/>
+                </a:solidFill>
+                <a:highlight>
+                  <a:srgbClr val="FFFFFF"/>
+                </a:highlight>
+              </a:rPr>
+              <a:t> </a:t>
+            </a:r>
+            <a:r>
+              <a:rPr lang="en-US" sz="1100" dirty="0" err="1">
+                <a:solidFill>
+                  <a:srgbClr val="000000"/>
+                </a:solidFill>
+                <a:highlight>
+                  <a:srgbClr val="FFFFFF"/>
+                </a:highlight>
+              </a:rPr>
+              <a:t>X_opt</a:t>
+            </a:r>
+            <a:r>
+              <a:rPr lang="en-US" sz="1100" b="1" dirty="0">
+                <a:solidFill>
+                  <a:srgbClr val="000080"/>
+                </a:solidFill>
+                <a:highlight>
+                  <a:srgbClr val="FFFFFF"/>
+                </a:highlight>
+              </a:rPr>
+              <a:t>).</a:t>
+            </a:r>
+            <a:r>
+              <a:rPr lang="en-US" sz="1100" dirty="0">
+                <a:solidFill>
+                  <a:srgbClr val="000000"/>
+                </a:solidFill>
+                <a:highlight>
+                  <a:srgbClr val="FFFFFF"/>
+                </a:highlight>
+              </a:rPr>
+              <a:t>fit</a:t>
+            </a:r>
+            <a:r>
+              <a:rPr lang="en-US" sz="1100" b="1" dirty="0">
+                <a:solidFill>
+                  <a:srgbClr val="000080"/>
+                </a:solidFill>
+                <a:highlight>
+                  <a:srgbClr val="FFFFFF"/>
+                </a:highlight>
+              </a:rPr>
+              <a:t>()</a:t>
+            </a:r>
+            <a:endParaRPr lang="en-US" sz="1100" dirty="0">
+              <a:solidFill>
+                <a:srgbClr val="000000"/>
+              </a:solidFill>
+              <a:highlight>
+                <a:srgbClr val="FFFFFF"/>
+              </a:highlight>
+            </a:endParaRPr>
+          </a:p>
+          <a:p>
+            <a:r>
+              <a:rPr lang="en-US" sz="1100" dirty="0" err="1">
+                <a:solidFill>
+                  <a:srgbClr val="000000"/>
+                </a:solidFill>
+                <a:highlight>
+                  <a:srgbClr val="FFFFFF"/>
+                </a:highlight>
+              </a:rPr>
+              <a:t>regressor_OLS</a:t>
+            </a:r>
+            <a:r>
+              <a:rPr lang="en-US" sz="1100" b="1" dirty="0" err="1">
+                <a:solidFill>
+                  <a:srgbClr val="000080"/>
+                </a:solidFill>
+                <a:highlight>
+                  <a:srgbClr val="FFFFFF"/>
+                </a:highlight>
+              </a:rPr>
+              <a:t>.</a:t>
+            </a:r>
+            <a:r>
+              <a:rPr lang="en-US" sz="1100" dirty="0" err="1">
+                <a:solidFill>
+                  <a:srgbClr val="000000"/>
+                </a:solidFill>
+                <a:highlight>
+                  <a:srgbClr val="FFFFFF"/>
+                </a:highlight>
+              </a:rPr>
+              <a:t>summary</a:t>
+            </a:r>
+            <a:r>
+              <a:rPr lang="en-US" sz="1100" b="1" dirty="0">
+                <a:solidFill>
+                  <a:srgbClr val="000080"/>
+                </a:solidFill>
+                <a:highlight>
+                  <a:srgbClr val="FFFFFF"/>
+                </a:highlight>
+              </a:rPr>
+              <a:t>()</a:t>
+            </a:r>
+            <a:endParaRPr lang="en-US" sz="1100" dirty="0">
+              <a:solidFill>
+                <a:srgbClr val="000000"/>
+              </a:solidFill>
+              <a:highlight>
+                <a:srgbClr val="FFFFFF"/>
+              </a:highlight>
+            </a:endParaRPr>
+          </a:p>
+        </p:txBody>
+      </p:sp>
+      <p:pic>
+        <p:nvPicPr>
+          <p:cNvPr id="4" name="Picture 3" descr="Screen Clipping"/>
+          <p:cNvPicPr>
+            <a:picLocks noChangeAspect="1"/>
+          </p:cNvPicPr>
+          <p:nvPr/>
+        </p:nvPicPr>
+        <p:blipFill>
+          <a:blip r:embed="rId2">
+            <a:extLst>
+              <a:ext uri="{28A0092B-C50C-407E-A947-70E740481C1C}">
+                <a14:useLocalDpi xmlns:a14="http://schemas.microsoft.com/office/drawing/2010/main" val="0"/>
+              </a:ext>
+            </a:extLst>
+          </a:blip>
+          <a:stretch>
+            <a:fillRect/>
+          </a:stretch>
+        </p:blipFill>
+        <p:spPr>
+          <a:xfrm>
+            <a:off x="7113537" y="1039334"/>
+            <a:ext cx="5014427" cy="5254846"/>
+          </a:xfrm>
+          <a:prstGeom prst="rect">
+            <a:avLst/>
+          </a:prstGeom>
+          <a:ln w="38100" cap="sq">
+            <a:solidFill>
+              <a:srgbClr val="000000"/>
+            </a:solidFill>
+            <a:prstDash val="solid"/>
+            <a:miter lim="800000"/>
+          </a:ln>
+          <a:effectLst>
+            <a:outerShdw blurRad="50800" dist="38100" dir="2700000" algn="tl" rotWithShape="0">
+              <a:srgbClr val="000000">
+                <a:alpha val="43000"/>
+              </a:srgbClr>
+            </a:outerShdw>
+          </a:effectLst>
+        </p:spPr>
+      </p:pic>
+      <p:pic>
+        <p:nvPicPr>
+          <p:cNvPr id="5" name="Picture 4" descr="Screen Clipping"/>
+          <p:cNvPicPr>
+            <a:picLocks noChangeAspect="1"/>
+          </p:cNvPicPr>
+          <p:nvPr/>
+        </p:nvPicPr>
+        <p:blipFill>
+          <a:blip r:embed="rId3">
+            <a:extLst>
+              <a:ext uri="{28A0092B-C50C-407E-A947-70E740481C1C}">
+                <a14:useLocalDpi xmlns:a14="http://schemas.microsoft.com/office/drawing/2010/main" val="0"/>
+              </a:ext>
+            </a:extLst>
+          </a:blip>
+          <a:stretch>
+            <a:fillRect/>
+          </a:stretch>
+        </p:blipFill>
+        <p:spPr>
+          <a:xfrm>
+            <a:off x="3516128" y="3244360"/>
+            <a:ext cx="3497656" cy="3049820"/>
+          </a:xfrm>
+          <a:prstGeom prst="rect">
+            <a:avLst/>
+          </a:prstGeom>
+        </p:spPr>
+      </p:pic>
+      <mc:AlternateContent xmlns:mc="http://schemas.openxmlformats.org/markup-compatibility/2006">
+        <mc:Choice xmlns:p14="http://schemas.microsoft.com/office/powerpoint/2010/main" Requires="p14">
+          <p:contentPart p14:bwMode="auto" r:id="rId4">
+            <p14:nvContentPartPr>
+              <p14:cNvPr id="8" name="Ink 7"/>
+              <p14:cNvContentPartPr/>
+              <p14:nvPr/>
+            </p14:nvContentPartPr>
+            <p14:xfrm>
+              <a:off x="4488971" y="3532778"/>
+              <a:ext cx="360" cy="360"/>
+            </p14:xfrm>
+          </p:contentPart>
+        </mc:Choice>
+        <mc:Fallback>
+          <p:pic>
+            <p:nvPicPr>
+              <p:cNvPr id="8" name="Ink 7"/>
+              <p:cNvPicPr/>
+              <p:nvPr/>
+            </p:nvPicPr>
+            <p:blipFill>
+              <a:blip r:embed="rId5"/>
+              <a:stretch>
+                <a:fillRect/>
+              </a:stretch>
+            </p:blipFill>
+            <p:spPr>
+              <a:xfrm>
+                <a:off x="4477091" y="3520898"/>
+                <a:ext cx="24120" cy="24120"/>
+              </a:xfrm>
+              <a:prstGeom prst="rect">
+                <a:avLst/>
+              </a:prstGeom>
+            </p:spPr>
+          </p:pic>
+        </mc:Fallback>
+      </mc:AlternateContent>
+      <p:sp>
+        <p:nvSpPr>
+          <p:cNvPr id="11" name="Rectangle 10"/>
+          <p:cNvSpPr/>
+          <p:nvPr/>
+        </p:nvSpPr>
+        <p:spPr>
+          <a:xfrm>
+            <a:off x="4501800" y="3532680"/>
+            <a:ext cx="535680" cy="2286360"/>
+          </a:xfrm>
+          <a:prstGeom prst="rect">
+            <a:avLst/>
+          </a:prstGeom>
+          <a:noFill/>
+          <a:ln w="38100">
+            <a:solidFill>
+              <a:srgbClr val="E521CE"/>
+            </a:solidFill>
+          </a:ln>
+        </p:spPr>
+        <p:style>
+          <a:lnRef idx="2">
+            <a:schemeClr val="accent1">
+              <a:shade val="50000"/>
+            </a:schemeClr>
+          </a:lnRef>
+          <a:fillRef idx="1">
+            <a:schemeClr val="accent1"/>
+          </a:fillRef>
+          <a:effectRef idx="0">
+            <a:schemeClr val="accent1"/>
+          </a:effectRef>
+          <a:fontRef idx="minor">
+            <a:schemeClr val="lt1"/>
+          </a:fontRef>
+        </p:style>
+        <p:txBody>
+          <a:bodyPr rtlCol="0" anchor="ctr"/>
+          <a:lstStyle/>
+          <a:p>
+            <a:pPr algn="ctr"/>
+            <a:endParaRPr lang="en-US">
+              <a:solidFill>
+                <a:srgbClr val="000000"/>
+              </a:solidFill>
+            </a:endParaRPr>
+          </a:p>
+        </p:txBody>
+      </p:sp>
+      <p:sp>
+        <p:nvSpPr>
+          <p:cNvPr id="18" name="Rectangle 17"/>
+          <p:cNvSpPr/>
+          <p:nvPr/>
+        </p:nvSpPr>
+        <p:spPr>
+          <a:xfrm>
+            <a:off x="7094964" y="3532679"/>
+            <a:ext cx="4842111" cy="166485"/>
+          </a:xfrm>
+          <a:prstGeom prst="rect">
+            <a:avLst/>
+          </a:prstGeom>
+          <a:noFill/>
+          <a:ln w="38100">
+            <a:solidFill>
+              <a:srgbClr val="E521CE"/>
+            </a:solidFill>
+          </a:ln>
+        </p:spPr>
+        <p:style>
+          <a:lnRef idx="2">
+            <a:schemeClr val="accent1">
+              <a:shade val="50000"/>
+            </a:schemeClr>
+          </a:lnRef>
+          <a:fillRef idx="1">
+            <a:schemeClr val="accent1"/>
+          </a:fillRef>
+          <a:effectRef idx="0">
+            <a:schemeClr val="accent1"/>
+          </a:effectRef>
+          <a:fontRef idx="minor">
+            <a:schemeClr val="lt1"/>
+          </a:fontRef>
+        </p:style>
+        <p:txBody>
+          <a:bodyPr rtlCol="0" anchor="ctr"/>
+          <a:lstStyle/>
+          <a:p>
+            <a:pPr algn="ctr"/>
+            <a:endParaRPr lang="en-US">
+              <a:solidFill>
+                <a:srgbClr val="000000"/>
+              </a:solidFill>
+            </a:endParaRPr>
           </a:p>
         </p:txBody>
       </p:sp>
@@ -13442,6 +15933,6245 @@
 </file>
 
 <file path=ppt/slides/slide22.xml><?xml version="1.0" encoding="utf-8"?>
+<p:sld xmlns:a="http://schemas.openxmlformats.org/drawingml/2006/main" xmlns:r="http://schemas.openxmlformats.org/officeDocument/2006/relationships" xmlns:p="http://schemas.openxmlformats.org/presentationml/2006/main">
+  <p:cSld>
+    <p:spTree>
+      <p:nvGrpSpPr>
+        <p:cNvPr id="1" name=""/>
+        <p:cNvGrpSpPr/>
+        <p:nvPr/>
+      </p:nvGrpSpPr>
+      <p:grpSpPr>
+        <a:xfrm>
+          <a:off x="0" y="0"/>
+          <a:ext cx="0" cy="0"/>
+          <a:chOff x="0" y="0"/>
+          <a:chExt cx="0" cy="0"/>
+        </a:xfrm>
+      </p:grpSpPr>
+      <p:sp>
+        <p:nvSpPr>
+          <p:cNvPr id="2" name="Title 1"/>
+          <p:cNvSpPr>
+            <a:spLocks noGrp="1"/>
+          </p:cNvSpPr>
+          <p:nvPr>
+            <p:ph type="title"/>
+          </p:nvPr>
+        </p:nvSpPr>
+        <p:spPr>
+          <a:xfrm>
+            <a:off x="203200" y="152400"/>
+            <a:ext cx="11911688" cy="838200"/>
+          </a:xfrm>
+        </p:spPr>
+        <p:txBody>
+          <a:bodyPr>
+            <a:normAutofit fontScale="90000"/>
+          </a:bodyPr>
+          <a:lstStyle/>
+          <a:p>
+            <a:r>
+              <a:rPr lang="en-US" dirty="0">
+                <a:solidFill>
+                  <a:schemeClr val="tx2"/>
+                </a:solidFill>
+                <a:highlight>
+                  <a:srgbClr val="FFFFFF"/>
+                </a:highlight>
+              </a:rPr>
+              <a:t>Building the optimal model using Backward Elimination</a:t>
+            </a:r>
+            <a:endParaRPr lang="en-US" dirty="0"/>
+          </a:p>
+        </p:txBody>
+      </p:sp>
+      <p:pic>
+        <p:nvPicPr>
+          <p:cNvPr id="3" name="Picture 2" descr="Screen Clipping"/>
+          <p:cNvPicPr>
+            <a:picLocks noChangeAspect="1"/>
+          </p:cNvPicPr>
+          <p:nvPr/>
+        </p:nvPicPr>
+        <p:blipFill>
+          <a:blip r:embed="rId2">
+            <a:extLst>
+              <a:ext uri="{28A0092B-C50C-407E-A947-70E740481C1C}">
+                <a14:useLocalDpi xmlns:a14="http://schemas.microsoft.com/office/drawing/2010/main" val="0"/>
+              </a:ext>
+            </a:extLst>
+          </a:blip>
+          <a:stretch>
+            <a:fillRect/>
+          </a:stretch>
+        </p:blipFill>
+        <p:spPr>
+          <a:xfrm>
+            <a:off x="6906103" y="1163782"/>
+            <a:ext cx="5208785" cy="4976489"/>
+          </a:xfrm>
+          <a:prstGeom prst="rect">
+            <a:avLst/>
+          </a:prstGeom>
+          <a:ln w="38100" cap="sq">
+            <a:solidFill>
+              <a:srgbClr val="000000"/>
+            </a:solidFill>
+            <a:prstDash val="solid"/>
+            <a:miter lim="800000"/>
+          </a:ln>
+          <a:effectLst>
+            <a:outerShdw blurRad="50800" dist="38100" dir="2700000" algn="tl" rotWithShape="0">
+              <a:srgbClr val="000000">
+                <a:alpha val="43000"/>
+              </a:srgbClr>
+            </a:outerShdw>
+          </a:effectLst>
+        </p:spPr>
+      </p:pic>
+      <p:sp>
+        <p:nvSpPr>
+          <p:cNvPr id="4" name="Rectangle 3"/>
+          <p:cNvSpPr/>
+          <p:nvPr/>
+        </p:nvSpPr>
+        <p:spPr>
+          <a:xfrm>
+            <a:off x="203200" y="1066703"/>
+            <a:ext cx="3512589" cy="2585323"/>
+          </a:xfrm>
+          <a:prstGeom prst="rect">
+            <a:avLst/>
+          </a:prstGeom>
+        </p:spPr>
+        <p:txBody>
+          <a:bodyPr wrap="square">
+            <a:spAutoFit/>
+          </a:bodyPr>
+          <a:lstStyle/>
+          <a:p>
+            <a:r>
+              <a:rPr lang="en-US" sz="900" dirty="0">
+                <a:solidFill>
+                  <a:srgbClr val="008000"/>
+                </a:solidFill>
+                <a:highlight>
+                  <a:srgbClr val="FFFFFF"/>
+                </a:highlight>
+              </a:rPr>
+              <a:t># Building the optimal model using Backward Elimination</a:t>
+            </a:r>
+            <a:endParaRPr lang="en-US" sz="900" dirty="0">
+              <a:solidFill>
+                <a:srgbClr val="000000"/>
+              </a:solidFill>
+              <a:highlight>
+                <a:srgbClr val="FFFFFF"/>
+              </a:highlight>
+            </a:endParaRPr>
+          </a:p>
+          <a:p>
+            <a:r>
+              <a:rPr lang="en-US" sz="900" b="1" dirty="0">
+                <a:solidFill>
+                  <a:srgbClr val="0000FF"/>
+                </a:solidFill>
+                <a:highlight>
+                  <a:srgbClr val="FFFFFF"/>
+                </a:highlight>
+              </a:rPr>
+              <a:t>import</a:t>
+            </a:r>
+            <a:r>
+              <a:rPr lang="en-US" sz="900" dirty="0">
+                <a:solidFill>
+                  <a:srgbClr val="000000"/>
+                </a:solidFill>
+                <a:highlight>
+                  <a:srgbClr val="FFFFFF"/>
+                </a:highlight>
+              </a:rPr>
+              <a:t> </a:t>
+            </a:r>
+            <a:r>
+              <a:rPr lang="en-US" sz="900" dirty="0" err="1">
+                <a:solidFill>
+                  <a:srgbClr val="000000"/>
+                </a:solidFill>
+                <a:highlight>
+                  <a:srgbClr val="FFFFFF"/>
+                </a:highlight>
+              </a:rPr>
+              <a:t>statsmodels</a:t>
+            </a:r>
+            <a:r>
+              <a:rPr lang="en-US" sz="900" b="1" dirty="0" err="1">
+                <a:solidFill>
+                  <a:srgbClr val="000080"/>
+                </a:solidFill>
+                <a:highlight>
+                  <a:srgbClr val="FFFFFF"/>
+                </a:highlight>
+              </a:rPr>
+              <a:t>.</a:t>
+            </a:r>
+            <a:r>
+              <a:rPr lang="en-US" sz="900" dirty="0" err="1">
+                <a:solidFill>
+                  <a:srgbClr val="000000"/>
+                </a:solidFill>
+                <a:highlight>
+                  <a:srgbClr val="FFFFFF"/>
+                </a:highlight>
+              </a:rPr>
+              <a:t>formula</a:t>
+            </a:r>
+            <a:r>
+              <a:rPr lang="en-US" sz="900" b="1" dirty="0" err="1">
+                <a:solidFill>
+                  <a:srgbClr val="000080"/>
+                </a:solidFill>
+                <a:highlight>
+                  <a:srgbClr val="FFFFFF"/>
+                </a:highlight>
+              </a:rPr>
+              <a:t>.</a:t>
+            </a:r>
+            <a:r>
+              <a:rPr lang="en-US" sz="900" dirty="0" err="1">
+                <a:solidFill>
+                  <a:srgbClr val="000000"/>
+                </a:solidFill>
+                <a:highlight>
+                  <a:srgbClr val="FFFFFF"/>
+                </a:highlight>
+              </a:rPr>
+              <a:t>api</a:t>
+            </a:r>
+            <a:r>
+              <a:rPr lang="en-US" sz="900" dirty="0">
+                <a:solidFill>
+                  <a:srgbClr val="000000"/>
+                </a:solidFill>
+                <a:highlight>
+                  <a:srgbClr val="FFFFFF"/>
+                </a:highlight>
+              </a:rPr>
+              <a:t> </a:t>
+            </a:r>
+            <a:r>
+              <a:rPr lang="en-US" sz="900" b="1" dirty="0">
+                <a:solidFill>
+                  <a:srgbClr val="0000FF"/>
+                </a:solidFill>
+                <a:highlight>
+                  <a:srgbClr val="FFFFFF"/>
+                </a:highlight>
+              </a:rPr>
+              <a:t>as</a:t>
+            </a:r>
+            <a:r>
+              <a:rPr lang="en-US" sz="900" dirty="0">
+                <a:solidFill>
+                  <a:srgbClr val="000000"/>
+                </a:solidFill>
+                <a:highlight>
+                  <a:srgbClr val="FFFFFF"/>
+                </a:highlight>
+              </a:rPr>
+              <a:t> </a:t>
+            </a:r>
+            <a:r>
+              <a:rPr lang="en-US" sz="900" dirty="0" err="1">
+                <a:solidFill>
+                  <a:srgbClr val="000000"/>
+                </a:solidFill>
+                <a:highlight>
+                  <a:srgbClr val="FFFFFF"/>
+                </a:highlight>
+              </a:rPr>
+              <a:t>sm</a:t>
+            </a:r>
+            <a:endParaRPr lang="en-US" sz="900" dirty="0">
+              <a:solidFill>
+                <a:srgbClr val="000000"/>
+              </a:solidFill>
+              <a:highlight>
+                <a:srgbClr val="FFFFFF"/>
+              </a:highlight>
+            </a:endParaRPr>
+          </a:p>
+          <a:p>
+            <a:r>
+              <a:rPr lang="en-US" sz="900" dirty="0">
+                <a:solidFill>
+                  <a:srgbClr val="000000"/>
+                </a:solidFill>
+                <a:highlight>
+                  <a:srgbClr val="FFFFFF"/>
+                </a:highlight>
+              </a:rPr>
+              <a:t>X </a:t>
+            </a:r>
+            <a:r>
+              <a:rPr lang="en-US" sz="900" b="1" dirty="0">
+                <a:solidFill>
+                  <a:srgbClr val="000080"/>
+                </a:solidFill>
+                <a:highlight>
+                  <a:srgbClr val="FFFFFF"/>
+                </a:highlight>
+              </a:rPr>
+              <a:t>=</a:t>
+            </a:r>
+            <a:r>
+              <a:rPr lang="en-US" sz="900" dirty="0">
+                <a:solidFill>
+                  <a:srgbClr val="000000"/>
+                </a:solidFill>
+                <a:highlight>
+                  <a:srgbClr val="FFFFFF"/>
+                </a:highlight>
+              </a:rPr>
+              <a:t> </a:t>
+            </a:r>
+            <a:r>
+              <a:rPr lang="en-US" sz="900" dirty="0" err="1">
+                <a:solidFill>
+                  <a:srgbClr val="000000"/>
+                </a:solidFill>
+                <a:highlight>
+                  <a:srgbClr val="FFFFFF"/>
+                </a:highlight>
+              </a:rPr>
+              <a:t>np</a:t>
+            </a:r>
+            <a:r>
+              <a:rPr lang="en-US" sz="900" b="1" dirty="0" err="1">
+                <a:solidFill>
+                  <a:srgbClr val="000080"/>
+                </a:solidFill>
+                <a:highlight>
+                  <a:srgbClr val="FFFFFF"/>
+                </a:highlight>
+              </a:rPr>
+              <a:t>.</a:t>
+            </a:r>
+            <a:r>
+              <a:rPr lang="en-US" sz="900" dirty="0" err="1">
+                <a:solidFill>
+                  <a:srgbClr val="000000"/>
+                </a:solidFill>
+                <a:highlight>
+                  <a:srgbClr val="FFFFFF"/>
+                </a:highlight>
+              </a:rPr>
+              <a:t>append</a:t>
+            </a:r>
+            <a:r>
+              <a:rPr lang="en-US" sz="900" b="1" dirty="0">
+                <a:solidFill>
+                  <a:srgbClr val="000080"/>
+                </a:solidFill>
+                <a:highlight>
+                  <a:srgbClr val="FFFFFF"/>
+                </a:highlight>
+              </a:rPr>
+              <a:t>(</a:t>
+            </a:r>
+            <a:r>
+              <a:rPr lang="en-US" sz="900" dirty="0" err="1">
+                <a:solidFill>
+                  <a:srgbClr val="000000"/>
+                </a:solidFill>
+                <a:highlight>
+                  <a:srgbClr val="FFFFFF"/>
+                </a:highlight>
+              </a:rPr>
+              <a:t>arr</a:t>
+            </a:r>
+            <a:r>
+              <a:rPr lang="en-US" sz="900" dirty="0">
+                <a:solidFill>
+                  <a:srgbClr val="000000"/>
+                </a:solidFill>
+                <a:highlight>
+                  <a:srgbClr val="FFFFFF"/>
+                </a:highlight>
+              </a:rPr>
+              <a:t> </a:t>
+            </a:r>
+            <a:r>
+              <a:rPr lang="en-US" sz="900" b="1" dirty="0">
+                <a:solidFill>
+                  <a:srgbClr val="000080"/>
+                </a:solidFill>
+                <a:highlight>
+                  <a:srgbClr val="FFFFFF"/>
+                </a:highlight>
+              </a:rPr>
+              <a:t>=</a:t>
+            </a:r>
+            <a:r>
+              <a:rPr lang="en-US" sz="900" dirty="0">
+                <a:solidFill>
+                  <a:srgbClr val="000000"/>
+                </a:solidFill>
+                <a:highlight>
+                  <a:srgbClr val="FFFFFF"/>
+                </a:highlight>
+              </a:rPr>
+              <a:t> </a:t>
+            </a:r>
+            <a:r>
+              <a:rPr lang="en-US" sz="900" dirty="0" err="1">
+                <a:solidFill>
+                  <a:srgbClr val="000000"/>
+                </a:solidFill>
+                <a:highlight>
+                  <a:srgbClr val="FFFFFF"/>
+                </a:highlight>
+              </a:rPr>
+              <a:t>np</a:t>
+            </a:r>
+            <a:r>
+              <a:rPr lang="en-US" sz="900" b="1" dirty="0" err="1">
+                <a:solidFill>
+                  <a:srgbClr val="000080"/>
+                </a:solidFill>
+                <a:highlight>
+                  <a:srgbClr val="FFFFFF"/>
+                </a:highlight>
+              </a:rPr>
+              <a:t>.</a:t>
+            </a:r>
+            <a:r>
+              <a:rPr lang="en-US" sz="900" dirty="0" err="1">
+                <a:solidFill>
+                  <a:srgbClr val="000000"/>
+                </a:solidFill>
+                <a:highlight>
+                  <a:srgbClr val="FFFFFF"/>
+                </a:highlight>
+              </a:rPr>
+              <a:t>ones</a:t>
+            </a:r>
+            <a:r>
+              <a:rPr lang="en-US" sz="900" b="1" dirty="0">
+                <a:solidFill>
+                  <a:srgbClr val="000080"/>
+                </a:solidFill>
+                <a:highlight>
+                  <a:srgbClr val="FFFFFF"/>
+                </a:highlight>
+              </a:rPr>
+              <a:t>((</a:t>
+            </a:r>
+            <a:r>
+              <a:rPr lang="en-US" sz="900" dirty="0">
+                <a:solidFill>
+                  <a:srgbClr val="FF0000"/>
+                </a:solidFill>
+                <a:highlight>
+                  <a:srgbClr val="FFFFFF"/>
+                </a:highlight>
+              </a:rPr>
+              <a:t>50</a:t>
+            </a:r>
+            <a:r>
+              <a:rPr lang="en-US" sz="900" b="1" dirty="0">
+                <a:solidFill>
+                  <a:srgbClr val="000080"/>
+                </a:solidFill>
+                <a:highlight>
+                  <a:srgbClr val="FFFFFF"/>
+                </a:highlight>
+              </a:rPr>
+              <a:t>,</a:t>
+            </a:r>
+            <a:r>
+              <a:rPr lang="en-US" sz="900" dirty="0">
+                <a:solidFill>
+                  <a:srgbClr val="000000"/>
+                </a:solidFill>
+                <a:highlight>
+                  <a:srgbClr val="FFFFFF"/>
+                </a:highlight>
+              </a:rPr>
+              <a:t> </a:t>
+            </a:r>
+            <a:r>
+              <a:rPr lang="en-US" sz="900" dirty="0">
+                <a:solidFill>
+                  <a:srgbClr val="FF0000"/>
+                </a:solidFill>
+                <a:highlight>
+                  <a:srgbClr val="FFFFFF"/>
+                </a:highlight>
+              </a:rPr>
+              <a:t>1</a:t>
+            </a:r>
+            <a:r>
+              <a:rPr lang="en-US" sz="900" b="1" dirty="0">
+                <a:solidFill>
+                  <a:srgbClr val="000080"/>
+                </a:solidFill>
+                <a:highlight>
+                  <a:srgbClr val="FFFFFF"/>
+                </a:highlight>
+              </a:rPr>
+              <a:t>)).</a:t>
+            </a:r>
+            <a:r>
+              <a:rPr lang="en-US" sz="900" dirty="0" err="1">
+                <a:solidFill>
+                  <a:srgbClr val="000000"/>
+                </a:solidFill>
+                <a:highlight>
+                  <a:srgbClr val="FFFFFF"/>
+                </a:highlight>
+              </a:rPr>
+              <a:t>astype</a:t>
+            </a:r>
+            <a:r>
+              <a:rPr lang="en-US" sz="900" b="1" dirty="0">
+                <a:solidFill>
+                  <a:srgbClr val="000080"/>
+                </a:solidFill>
+                <a:highlight>
+                  <a:srgbClr val="FFFFFF"/>
+                </a:highlight>
+              </a:rPr>
+              <a:t>(</a:t>
+            </a:r>
+            <a:r>
+              <a:rPr lang="en-US" sz="900" dirty="0" err="1">
+                <a:solidFill>
+                  <a:srgbClr val="000000"/>
+                </a:solidFill>
+                <a:highlight>
+                  <a:srgbClr val="FFFFFF"/>
+                </a:highlight>
+              </a:rPr>
+              <a:t>int</a:t>
+            </a:r>
+            <a:r>
+              <a:rPr lang="en-US" sz="900" b="1" dirty="0">
+                <a:solidFill>
+                  <a:srgbClr val="000080"/>
+                </a:solidFill>
+                <a:highlight>
+                  <a:srgbClr val="FFFFFF"/>
+                </a:highlight>
+              </a:rPr>
+              <a:t>),</a:t>
+            </a:r>
+            <a:r>
+              <a:rPr lang="en-US" sz="900" dirty="0">
+                <a:solidFill>
+                  <a:srgbClr val="000000"/>
+                </a:solidFill>
+                <a:highlight>
+                  <a:srgbClr val="FFFFFF"/>
+                </a:highlight>
+              </a:rPr>
+              <a:t> values </a:t>
+            </a:r>
+            <a:r>
+              <a:rPr lang="en-US" sz="900" b="1" dirty="0">
+                <a:solidFill>
+                  <a:srgbClr val="000080"/>
+                </a:solidFill>
+                <a:highlight>
+                  <a:srgbClr val="FFFFFF"/>
+                </a:highlight>
+              </a:rPr>
+              <a:t>=</a:t>
+            </a:r>
+            <a:r>
+              <a:rPr lang="en-US" sz="900" dirty="0">
+                <a:solidFill>
+                  <a:srgbClr val="000000"/>
+                </a:solidFill>
+                <a:highlight>
+                  <a:srgbClr val="FFFFFF"/>
+                </a:highlight>
+              </a:rPr>
+              <a:t> X</a:t>
+            </a:r>
+            <a:r>
+              <a:rPr lang="en-US" sz="900" b="1" dirty="0">
+                <a:solidFill>
+                  <a:srgbClr val="000080"/>
+                </a:solidFill>
+                <a:highlight>
+                  <a:srgbClr val="FFFFFF"/>
+                </a:highlight>
+              </a:rPr>
+              <a:t>,</a:t>
+            </a:r>
+            <a:r>
+              <a:rPr lang="en-US" sz="900" dirty="0">
+                <a:solidFill>
+                  <a:srgbClr val="000000"/>
+                </a:solidFill>
+                <a:highlight>
+                  <a:srgbClr val="FFFFFF"/>
+                </a:highlight>
+              </a:rPr>
+              <a:t> axis </a:t>
+            </a:r>
+            <a:r>
+              <a:rPr lang="en-US" sz="900" b="1" dirty="0">
+                <a:solidFill>
+                  <a:srgbClr val="000080"/>
+                </a:solidFill>
+                <a:highlight>
+                  <a:srgbClr val="FFFFFF"/>
+                </a:highlight>
+              </a:rPr>
+              <a:t>=</a:t>
+            </a:r>
+            <a:r>
+              <a:rPr lang="en-US" sz="900" dirty="0">
+                <a:solidFill>
+                  <a:srgbClr val="000000"/>
+                </a:solidFill>
+                <a:highlight>
+                  <a:srgbClr val="FFFFFF"/>
+                </a:highlight>
+              </a:rPr>
+              <a:t> </a:t>
+            </a:r>
+            <a:r>
+              <a:rPr lang="en-US" sz="900" dirty="0">
+                <a:solidFill>
+                  <a:srgbClr val="FF0000"/>
+                </a:solidFill>
+                <a:highlight>
+                  <a:srgbClr val="FFFFFF"/>
+                </a:highlight>
+              </a:rPr>
+              <a:t>1</a:t>
+            </a:r>
+            <a:r>
+              <a:rPr lang="en-US" sz="900" b="1" dirty="0">
+                <a:solidFill>
+                  <a:srgbClr val="000080"/>
+                </a:solidFill>
+                <a:highlight>
+                  <a:srgbClr val="FFFFFF"/>
+                </a:highlight>
+              </a:rPr>
+              <a:t>)</a:t>
+            </a:r>
+            <a:endParaRPr lang="en-US" sz="900" dirty="0">
+              <a:solidFill>
+                <a:srgbClr val="000000"/>
+              </a:solidFill>
+              <a:highlight>
+                <a:srgbClr val="FFFFFF"/>
+              </a:highlight>
+            </a:endParaRPr>
+          </a:p>
+          <a:p>
+            <a:r>
+              <a:rPr lang="nl-NL" sz="900" dirty="0">
+                <a:solidFill>
+                  <a:srgbClr val="000000"/>
+                </a:solidFill>
+                <a:highlight>
+                  <a:srgbClr val="FFFFFF"/>
+                </a:highlight>
+              </a:rPr>
+              <a:t>X_opt </a:t>
+            </a:r>
+            <a:r>
+              <a:rPr lang="nl-NL" sz="900" b="1" dirty="0">
+                <a:solidFill>
+                  <a:srgbClr val="000080"/>
+                </a:solidFill>
+                <a:highlight>
+                  <a:srgbClr val="FFFFFF"/>
+                </a:highlight>
+              </a:rPr>
+              <a:t>=</a:t>
+            </a:r>
+            <a:r>
+              <a:rPr lang="nl-NL" sz="900" dirty="0">
+                <a:solidFill>
+                  <a:srgbClr val="000000"/>
+                </a:solidFill>
+                <a:highlight>
+                  <a:srgbClr val="FFFFFF"/>
+                </a:highlight>
+              </a:rPr>
+              <a:t> X</a:t>
+            </a:r>
+            <a:r>
+              <a:rPr lang="nl-NL" sz="900" b="1" dirty="0">
+                <a:solidFill>
+                  <a:srgbClr val="000080"/>
+                </a:solidFill>
+                <a:highlight>
+                  <a:srgbClr val="FFFFFF"/>
+                </a:highlight>
+              </a:rPr>
+              <a:t>[:,</a:t>
+            </a:r>
+            <a:r>
+              <a:rPr lang="nl-NL" sz="900" dirty="0">
+                <a:solidFill>
+                  <a:srgbClr val="000000"/>
+                </a:solidFill>
+                <a:highlight>
+                  <a:srgbClr val="FFFFFF"/>
+                </a:highlight>
+              </a:rPr>
+              <a:t> </a:t>
+            </a:r>
+            <a:r>
+              <a:rPr lang="nl-NL" sz="900" b="1" dirty="0">
+                <a:solidFill>
+                  <a:srgbClr val="000080"/>
+                </a:solidFill>
+                <a:highlight>
+                  <a:srgbClr val="FFFFFF"/>
+                </a:highlight>
+              </a:rPr>
+              <a:t>[</a:t>
+            </a:r>
+            <a:r>
+              <a:rPr lang="nl-NL" sz="900" dirty="0">
+                <a:solidFill>
+                  <a:srgbClr val="FF0000"/>
+                </a:solidFill>
+                <a:highlight>
+                  <a:srgbClr val="FFFFFF"/>
+                </a:highlight>
+              </a:rPr>
+              <a:t>0</a:t>
+            </a:r>
+            <a:r>
+              <a:rPr lang="nl-NL" sz="900" b="1" dirty="0">
+                <a:solidFill>
+                  <a:srgbClr val="000080"/>
+                </a:solidFill>
+                <a:highlight>
+                  <a:srgbClr val="FFFFFF"/>
+                </a:highlight>
+              </a:rPr>
+              <a:t>,</a:t>
+            </a:r>
+            <a:r>
+              <a:rPr lang="nl-NL" sz="900" dirty="0">
+                <a:solidFill>
+                  <a:srgbClr val="000000"/>
+                </a:solidFill>
+                <a:highlight>
+                  <a:srgbClr val="FFFFFF"/>
+                </a:highlight>
+              </a:rPr>
+              <a:t> </a:t>
+            </a:r>
+            <a:r>
+              <a:rPr lang="nl-NL" sz="900" dirty="0">
+                <a:solidFill>
+                  <a:srgbClr val="FF0000"/>
+                </a:solidFill>
+                <a:highlight>
+                  <a:srgbClr val="FFFFFF"/>
+                </a:highlight>
+              </a:rPr>
+              <a:t>1</a:t>
+            </a:r>
+            <a:r>
+              <a:rPr lang="nl-NL" sz="900" b="1" dirty="0">
+                <a:solidFill>
+                  <a:srgbClr val="000080"/>
+                </a:solidFill>
+                <a:highlight>
+                  <a:srgbClr val="FFFFFF"/>
+                </a:highlight>
+              </a:rPr>
+              <a:t>,</a:t>
+            </a:r>
+            <a:r>
+              <a:rPr lang="nl-NL" sz="900" dirty="0">
+                <a:solidFill>
+                  <a:srgbClr val="000000"/>
+                </a:solidFill>
+                <a:highlight>
+                  <a:srgbClr val="FFFFFF"/>
+                </a:highlight>
+              </a:rPr>
+              <a:t> </a:t>
+            </a:r>
+            <a:r>
+              <a:rPr lang="nl-NL" sz="900" dirty="0">
+                <a:solidFill>
+                  <a:srgbClr val="FF0000"/>
+                </a:solidFill>
+                <a:highlight>
+                  <a:srgbClr val="FFFFFF"/>
+                </a:highlight>
+              </a:rPr>
+              <a:t>2</a:t>
+            </a:r>
+            <a:r>
+              <a:rPr lang="nl-NL" sz="900" b="1" dirty="0">
+                <a:solidFill>
+                  <a:srgbClr val="000080"/>
+                </a:solidFill>
+                <a:highlight>
+                  <a:srgbClr val="FFFFFF"/>
+                </a:highlight>
+              </a:rPr>
+              <a:t>,</a:t>
+            </a:r>
+            <a:r>
+              <a:rPr lang="nl-NL" sz="900" dirty="0">
+                <a:solidFill>
+                  <a:srgbClr val="000000"/>
+                </a:solidFill>
+                <a:highlight>
+                  <a:srgbClr val="FFFFFF"/>
+                </a:highlight>
+              </a:rPr>
+              <a:t> </a:t>
+            </a:r>
+            <a:r>
+              <a:rPr lang="nl-NL" sz="900" dirty="0">
+                <a:solidFill>
+                  <a:srgbClr val="FF0000"/>
+                </a:solidFill>
+                <a:highlight>
+                  <a:srgbClr val="FFFFFF"/>
+                </a:highlight>
+              </a:rPr>
+              <a:t>3</a:t>
+            </a:r>
+            <a:r>
+              <a:rPr lang="nl-NL" sz="900" b="1" dirty="0">
+                <a:solidFill>
+                  <a:srgbClr val="000080"/>
+                </a:solidFill>
+                <a:highlight>
+                  <a:srgbClr val="FFFFFF"/>
+                </a:highlight>
+              </a:rPr>
+              <a:t>,</a:t>
+            </a:r>
+            <a:r>
+              <a:rPr lang="nl-NL" sz="900" dirty="0">
+                <a:solidFill>
+                  <a:srgbClr val="000000"/>
+                </a:solidFill>
+                <a:highlight>
+                  <a:srgbClr val="FFFFFF"/>
+                </a:highlight>
+              </a:rPr>
+              <a:t> </a:t>
+            </a:r>
+            <a:r>
+              <a:rPr lang="nl-NL" sz="900" dirty="0">
+                <a:solidFill>
+                  <a:srgbClr val="FF0000"/>
+                </a:solidFill>
+                <a:highlight>
+                  <a:srgbClr val="FFFFFF"/>
+                </a:highlight>
+              </a:rPr>
+              <a:t>4</a:t>
+            </a:r>
+            <a:r>
+              <a:rPr lang="nl-NL" sz="900" b="1" dirty="0">
+                <a:solidFill>
+                  <a:srgbClr val="000080"/>
+                </a:solidFill>
+                <a:highlight>
+                  <a:srgbClr val="FFFFFF"/>
+                </a:highlight>
+              </a:rPr>
+              <a:t>,</a:t>
+            </a:r>
+            <a:r>
+              <a:rPr lang="nl-NL" sz="900" dirty="0">
+                <a:solidFill>
+                  <a:srgbClr val="000000"/>
+                </a:solidFill>
+                <a:highlight>
+                  <a:srgbClr val="FFFFFF"/>
+                </a:highlight>
+              </a:rPr>
+              <a:t> </a:t>
+            </a:r>
+            <a:r>
+              <a:rPr lang="nl-NL" sz="900" dirty="0">
+                <a:solidFill>
+                  <a:srgbClr val="FF0000"/>
+                </a:solidFill>
+                <a:highlight>
+                  <a:srgbClr val="FFFFFF"/>
+                </a:highlight>
+              </a:rPr>
+              <a:t>5</a:t>
+            </a:r>
+            <a:r>
+              <a:rPr lang="nl-NL" sz="900" b="1" dirty="0">
+                <a:solidFill>
+                  <a:srgbClr val="000080"/>
+                </a:solidFill>
+                <a:highlight>
+                  <a:srgbClr val="FFFFFF"/>
+                </a:highlight>
+              </a:rPr>
+              <a:t>]]</a:t>
+            </a:r>
+            <a:endParaRPr lang="nl-NL" sz="900" dirty="0">
+              <a:solidFill>
+                <a:srgbClr val="000000"/>
+              </a:solidFill>
+              <a:highlight>
+                <a:srgbClr val="FFFFFF"/>
+              </a:highlight>
+            </a:endParaRPr>
+          </a:p>
+          <a:p>
+            <a:r>
+              <a:rPr lang="en-US" sz="900" dirty="0" err="1">
+                <a:solidFill>
+                  <a:srgbClr val="000000"/>
+                </a:solidFill>
+                <a:highlight>
+                  <a:srgbClr val="FFFFFF"/>
+                </a:highlight>
+              </a:rPr>
+              <a:t>regressor_OLS</a:t>
+            </a:r>
+            <a:r>
+              <a:rPr lang="en-US" sz="900" dirty="0">
+                <a:solidFill>
+                  <a:srgbClr val="000000"/>
+                </a:solidFill>
+                <a:highlight>
+                  <a:srgbClr val="FFFFFF"/>
+                </a:highlight>
+              </a:rPr>
+              <a:t> </a:t>
+            </a:r>
+            <a:r>
+              <a:rPr lang="en-US" sz="900" b="1" dirty="0">
+                <a:solidFill>
+                  <a:srgbClr val="000080"/>
+                </a:solidFill>
+                <a:highlight>
+                  <a:srgbClr val="FFFFFF"/>
+                </a:highlight>
+              </a:rPr>
+              <a:t>=</a:t>
+            </a:r>
+            <a:r>
+              <a:rPr lang="en-US" sz="900" dirty="0">
+                <a:solidFill>
+                  <a:srgbClr val="000000"/>
+                </a:solidFill>
+                <a:highlight>
+                  <a:srgbClr val="FFFFFF"/>
+                </a:highlight>
+              </a:rPr>
+              <a:t> </a:t>
+            </a:r>
+            <a:r>
+              <a:rPr lang="en-US" sz="900" dirty="0" err="1">
+                <a:solidFill>
+                  <a:srgbClr val="000000"/>
+                </a:solidFill>
+                <a:highlight>
+                  <a:srgbClr val="FFFFFF"/>
+                </a:highlight>
+              </a:rPr>
+              <a:t>sm</a:t>
+            </a:r>
+            <a:r>
+              <a:rPr lang="en-US" sz="900" b="1" dirty="0" err="1">
+                <a:solidFill>
+                  <a:srgbClr val="000080"/>
+                </a:solidFill>
+                <a:highlight>
+                  <a:srgbClr val="FFFFFF"/>
+                </a:highlight>
+              </a:rPr>
+              <a:t>.</a:t>
+            </a:r>
+            <a:r>
+              <a:rPr lang="en-US" sz="900" dirty="0" err="1">
+                <a:solidFill>
+                  <a:srgbClr val="000000"/>
+                </a:solidFill>
+                <a:highlight>
+                  <a:srgbClr val="FFFFFF"/>
+                </a:highlight>
+              </a:rPr>
+              <a:t>OLS</a:t>
+            </a:r>
+            <a:r>
+              <a:rPr lang="en-US" sz="900" b="1" dirty="0">
+                <a:solidFill>
+                  <a:srgbClr val="000080"/>
+                </a:solidFill>
+                <a:highlight>
+                  <a:srgbClr val="FFFFFF"/>
+                </a:highlight>
+              </a:rPr>
+              <a:t>(</a:t>
+            </a:r>
+            <a:r>
+              <a:rPr lang="en-US" sz="900" dirty="0" err="1">
+                <a:solidFill>
+                  <a:srgbClr val="000000"/>
+                </a:solidFill>
+                <a:highlight>
+                  <a:srgbClr val="FFFFFF"/>
+                </a:highlight>
+              </a:rPr>
+              <a:t>endog</a:t>
+            </a:r>
+            <a:r>
+              <a:rPr lang="en-US" sz="900" dirty="0">
+                <a:solidFill>
+                  <a:srgbClr val="000000"/>
+                </a:solidFill>
+                <a:highlight>
+                  <a:srgbClr val="FFFFFF"/>
+                </a:highlight>
+              </a:rPr>
+              <a:t> </a:t>
+            </a:r>
+            <a:r>
+              <a:rPr lang="en-US" sz="900" b="1" dirty="0">
+                <a:solidFill>
+                  <a:srgbClr val="000080"/>
+                </a:solidFill>
+                <a:highlight>
+                  <a:srgbClr val="FFFFFF"/>
+                </a:highlight>
+              </a:rPr>
+              <a:t>=</a:t>
+            </a:r>
+            <a:r>
+              <a:rPr lang="en-US" sz="900" dirty="0">
+                <a:solidFill>
+                  <a:srgbClr val="000000"/>
+                </a:solidFill>
+                <a:highlight>
+                  <a:srgbClr val="FFFFFF"/>
+                </a:highlight>
+              </a:rPr>
+              <a:t> y</a:t>
+            </a:r>
+            <a:r>
+              <a:rPr lang="en-US" sz="900" b="1" dirty="0">
+                <a:solidFill>
+                  <a:srgbClr val="000080"/>
+                </a:solidFill>
+                <a:highlight>
+                  <a:srgbClr val="FFFFFF"/>
+                </a:highlight>
+              </a:rPr>
+              <a:t>,</a:t>
+            </a:r>
+            <a:r>
+              <a:rPr lang="en-US" sz="900" dirty="0">
+                <a:solidFill>
+                  <a:srgbClr val="000000"/>
+                </a:solidFill>
+                <a:highlight>
+                  <a:srgbClr val="FFFFFF"/>
+                </a:highlight>
+              </a:rPr>
+              <a:t> </a:t>
+            </a:r>
+            <a:r>
+              <a:rPr lang="en-US" sz="900" dirty="0" err="1">
+                <a:solidFill>
+                  <a:srgbClr val="000000"/>
+                </a:solidFill>
+                <a:highlight>
+                  <a:srgbClr val="FFFFFF"/>
+                </a:highlight>
+              </a:rPr>
+              <a:t>exog</a:t>
+            </a:r>
+            <a:r>
+              <a:rPr lang="en-US" sz="900" dirty="0">
+                <a:solidFill>
+                  <a:srgbClr val="000000"/>
+                </a:solidFill>
+                <a:highlight>
+                  <a:srgbClr val="FFFFFF"/>
+                </a:highlight>
+              </a:rPr>
+              <a:t> </a:t>
+            </a:r>
+            <a:r>
+              <a:rPr lang="en-US" sz="900" b="1" dirty="0">
+                <a:solidFill>
+                  <a:srgbClr val="000080"/>
+                </a:solidFill>
+                <a:highlight>
+                  <a:srgbClr val="FFFFFF"/>
+                </a:highlight>
+              </a:rPr>
+              <a:t>=</a:t>
+            </a:r>
+            <a:r>
+              <a:rPr lang="en-US" sz="900" dirty="0">
+                <a:solidFill>
+                  <a:srgbClr val="000000"/>
+                </a:solidFill>
+                <a:highlight>
+                  <a:srgbClr val="FFFFFF"/>
+                </a:highlight>
+              </a:rPr>
+              <a:t> </a:t>
+            </a:r>
+            <a:r>
+              <a:rPr lang="en-US" sz="900" dirty="0" err="1">
+                <a:solidFill>
+                  <a:srgbClr val="000000"/>
+                </a:solidFill>
+                <a:highlight>
+                  <a:srgbClr val="FFFFFF"/>
+                </a:highlight>
+              </a:rPr>
+              <a:t>X_opt</a:t>
+            </a:r>
+            <a:r>
+              <a:rPr lang="en-US" sz="900" b="1" dirty="0">
+                <a:solidFill>
+                  <a:srgbClr val="000080"/>
+                </a:solidFill>
+                <a:highlight>
+                  <a:srgbClr val="FFFFFF"/>
+                </a:highlight>
+              </a:rPr>
+              <a:t>).</a:t>
+            </a:r>
+            <a:r>
+              <a:rPr lang="en-US" sz="900" dirty="0">
+                <a:solidFill>
+                  <a:srgbClr val="000000"/>
+                </a:solidFill>
+                <a:highlight>
+                  <a:srgbClr val="FFFFFF"/>
+                </a:highlight>
+              </a:rPr>
+              <a:t>fit</a:t>
+            </a:r>
+            <a:r>
+              <a:rPr lang="en-US" sz="900" b="1" dirty="0">
+                <a:solidFill>
+                  <a:srgbClr val="000080"/>
+                </a:solidFill>
+                <a:highlight>
+                  <a:srgbClr val="FFFFFF"/>
+                </a:highlight>
+              </a:rPr>
+              <a:t>()</a:t>
+            </a:r>
+            <a:endParaRPr lang="en-US" sz="900" dirty="0">
+              <a:solidFill>
+                <a:srgbClr val="000000"/>
+              </a:solidFill>
+              <a:highlight>
+                <a:srgbClr val="FFFFFF"/>
+              </a:highlight>
+            </a:endParaRPr>
+          </a:p>
+          <a:p>
+            <a:r>
+              <a:rPr lang="en-US" sz="900" dirty="0" err="1">
+                <a:solidFill>
+                  <a:srgbClr val="000000"/>
+                </a:solidFill>
+                <a:highlight>
+                  <a:srgbClr val="FFFFFF"/>
+                </a:highlight>
+              </a:rPr>
+              <a:t>regressor_OLS</a:t>
+            </a:r>
+            <a:r>
+              <a:rPr lang="en-US" sz="900" b="1" dirty="0" err="1">
+                <a:solidFill>
+                  <a:srgbClr val="000080"/>
+                </a:solidFill>
+                <a:highlight>
+                  <a:srgbClr val="FFFFFF"/>
+                </a:highlight>
+              </a:rPr>
+              <a:t>.</a:t>
+            </a:r>
+            <a:r>
+              <a:rPr lang="en-US" sz="900" dirty="0" err="1">
+                <a:solidFill>
+                  <a:srgbClr val="000000"/>
+                </a:solidFill>
+                <a:highlight>
+                  <a:srgbClr val="FFFFFF"/>
+                </a:highlight>
+              </a:rPr>
+              <a:t>summary</a:t>
+            </a:r>
+            <a:r>
+              <a:rPr lang="en-US" sz="900" b="1" dirty="0">
+                <a:solidFill>
+                  <a:srgbClr val="000080"/>
+                </a:solidFill>
+                <a:highlight>
+                  <a:srgbClr val="FFFFFF"/>
+                </a:highlight>
+              </a:rPr>
+              <a:t>()</a:t>
+            </a:r>
+            <a:endParaRPr lang="en-US" sz="900" dirty="0">
+              <a:solidFill>
+                <a:srgbClr val="000000"/>
+              </a:solidFill>
+              <a:highlight>
+                <a:srgbClr val="FFFFFF"/>
+              </a:highlight>
+            </a:endParaRPr>
+          </a:p>
+          <a:p>
+            <a:endParaRPr lang="en-US" sz="900" dirty="0">
+              <a:solidFill>
+                <a:srgbClr val="000000"/>
+              </a:solidFill>
+              <a:highlight>
+                <a:srgbClr val="FFFFFF"/>
+              </a:highlight>
+            </a:endParaRPr>
+          </a:p>
+          <a:p>
+            <a:r>
+              <a:rPr lang="nl-NL" sz="900" dirty="0">
+                <a:solidFill>
+                  <a:srgbClr val="000000"/>
+                </a:solidFill>
+                <a:highlight>
+                  <a:srgbClr val="FFFFFF"/>
+                </a:highlight>
+              </a:rPr>
+              <a:t>X_opt </a:t>
+            </a:r>
+            <a:r>
+              <a:rPr lang="nl-NL" sz="900" b="1" dirty="0">
+                <a:solidFill>
+                  <a:srgbClr val="000080"/>
+                </a:solidFill>
+                <a:highlight>
+                  <a:srgbClr val="FFFFFF"/>
+                </a:highlight>
+              </a:rPr>
+              <a:t>=</a:t>
+            </a:r>
+            <a:r>
+              <a:rPr lang="nl-NL" sz="900" dirty="0">
+                <a:solidFill>
+                  <a:srgbClr val="000000"/>
+                </a:solidFill>
+                <a:highlight>
+                  <a:srgbClr val="FFFFFF"/>
+                </a:highlight>
+              </a:rPr>
+              <a:t> X</a:t>
+            </a:r>
+            <a:r>
+              <a:rPr lang="nl-NL" sz="900" b="1" dirty="0">
+                <a:solidFill>
+                  <a:srgbClr val="000080"/>
+                </a:solidFill>
+                <a:highlight>
+                  <a:srgbClr val="FFFFFF"/>
+                </a:highlight>
+              </a:rPr>
+              <a:t>[:,</a:t>
+            </a:r>
+            <a:r>
+              <a:rPr lang="nl-NL" sz="900" dirty="0">
+                <a:solidFill>
+                  <a:srgbClr val="000000"/>
+                </a:solidFill>
+                <a:highlight>
+                  <a:srgbClr val="FFFFFF"/>
+                </a:highlight>
+              </a:rPr>
+              <a:t> </a:t>
+            </a:r>
+            <a:r>
+              <a:rPr lang="nl-NL" sz="900" b="1" dirty="0">
+                <a:solidFill>
+                  <a:srgbClr val="000080"/>
+                </a:solidFill>
+                <a:highlight>
+                  <a:srgbClr val="FFFFFF"/>
+                </a:highlight>
+              </a:rPr>
+              <a:t>[</a:t>
+            </a:r>
+            <a:r>
+              <a:rPr lang="nl-NL" sz="900" dirty="0">
+                <a:solidFill>
+                  <a:srgbClr val="FF0000"/>
+                </a:solidFill>
+                <a:highlight>
+                  <a:srgbClr val="FFFFFF"/>
+                </a:highlight>
+              </a:rPr>
+              <a:t>0</a:t>
+            </a:r>
+            <a:r>
+              <a:rPr lang="nl-NL" sz="900" b="1" dirty="0">
+                <a:solidFill>
+                  <a:srgbClr val="000080"/>
+                </a:solidFill>
+                <a:highlight>
+                  <a:srgbClr val="FFFFFF"/>
+                </a:highlight>
+              </a:rPr>
+              <a:t>,</a:t>
+            </a:r>
+            <a:r>
+              <a:rPr lang="nl-NL" sz="900" dirty="0">
+                <a:solidFill>
+                  <a:srgbClr val="000000"/>
+                </a:solidFill>
+                <a:highlight>
+                  <a:srgbClr val="FFFFFF"/>
+                </a:highlight>
+              </a:rPr>
+              <a:t> </a:t>
+            </a:r>
+            <a:r>
+              <a:rPr lang="nl-NL" sz="900" dirty="0">
+                <a:solidFill>
+                  <a:srgbClr val="FF0000"/>
+                </a:solidFill>
+                <a:highlight>
+                  <a:srgbClr val="FFFFFF"/>
+                </a:highlight>
+              </a:rPr>
+              <a:t>1</a:t>
+            </a:r>
+            <a:r>
+              <a:rPr lang="nl-NL" sz="900" b="1" dirty="0">
+                <a:solidFill>
+                  <a:srgbClr val="000080"/>
+                </a:solidFill>
+                <a:highlight>
+                  <a:srgbClr val="FFFFFF"/>
+                </a:highlight>
+              </a:rPr>
+              <a:t>,</a:t>
+            </a:r>
+            <a:r>
+              <a:rPr lang="nl-NL" sz="900" dirty="0">
+                <a:solidFill>
+                  <a:srgbClr val="000000"/>
+                </a:solidFill>
+                <a:highlight>
+                  <a:srgbClr val="FFFFFF"/>
+                </a:highlight>
+              </a:rPr>
+              <a:t> </a:t>
+            </a:r>
+            <a:r>
+              <a:rPr lang="nl-NL" sz="900" dirty="0">
+                <a:solidFill>
+                  <a:srgbClr val="FF0000"/>
+                </a:solidFill>
+                <a:highlight>
+                  <a:srgbClr val="FFFFFF"/>
+                </a:highlight>
+              </a:rPr>
+              <a:t>3</a:t>
+            </a:r>
+            <a:r>
+              <a:rPr lang="nl-NL" sz="900" b="1" dirty="0">
+                <a:solidFill>
+                  <a:srgbClr val="000080"/>
+                </a:solidFill>
+                <a:highlight>
+                  <a:srgbClr val="FFFFFF"/>
+                </a:highlight>
+              </a:rPr>
+              <a:t>,</a:t>
+            </a:r>
+            <a:r>
+              <a:rPr lang="nl-NL" sz="900" dirty="0">
+                <a:solidFill>
+                  <a:srgbClr val="000000"/>
+                </a:solidFill>
+                <a:highlight>
+                  <a:srgbClr val="FFFFFF"/>
+                </a:highlight>
+              </a:rPr>
+              <a:t> </a:t>
+            </a:r>
+            <a:r>
+              <a:rPr lang="nl-NL" sz="900" dirty="0">
+                <a:solidFill>
+                  <a:srgbClr val="FF0000"/>
+                </a:solidFill>
+                <a:highlight>
+                  <a:srgbClr val="FFFFFF"/>
+                </a:highlight>
+              </a:rPr>
+              <a:t>4</a:t>
+            </a:r>
+            <a:r>
+              <a:rPr lang="nl-NL" sz="900" b="1" dirty="0">
+                <a:solidFill>
+                  <a:srgbClr val="000080"/>
+                </a:solidFill>
+                <a:highlight>
+                  <a:srgbClr val="FFFFFF"/>
+                </a:highlight>
+              </a:rPr>
+              <a:t>,</a:t>
+            </a:r>
+            <a:r>
+              <a:rPr lang="nl-NL" sz="900" dirty="0">
+                <a:solidFill>
+                  <a:srgbClr val="000000"/>
+                </a:solidFill>
+                <a:highlight>
+                  <a:srgbClr val="FFFFFF"/>
+                </a:highlight>
+              </a:rPr>
+              <a:t> </a:t>
+            </a:r>
+            <a:r>
+              <a:rPr lang="nl-NL" sz="900" dirty="0">
+                <a:solidFill>
+                  <a:srgbClr val="FF0000"/>
+                </a:solidFill>
+                <a:highlight>
+                  <a:srgbClr val="FFFFFF"/>
+                </a:highlight>
+              </a:rPr>
+              <a:t>5</a:t>
+            </a:r>
+            <a:r>
+              <a:rPr lang="nl-NL" sz="900" b="1" dirty="0">
+                <a:solidFill>
+                  <a:srgbClr val="000080"/>
+                </a:solidFill>
+                <a:highlight>
+                  <a:srgbClr val="FFFFFF"/>
+                </a:highlight>
+              </a:rPr>
+              <a:t>]]</a:t>
+            </a:r>
+            <a:endParaRPr lang="nl-NL" sz="900" dirty="0">
+              <a:solidFill>
+                <a:srgbClr val="000000"/>
+              </a:solidFill>
+              <a:highlight>
+                <a:srgbClr val="FFFFFF"/>
+              </a:highlight>
+            </a:endParaRPr>
+          </a:p>
+          <a:p>
+            <a:r>
+              <a:rPr lang="en-US" sz="900" dirty="0" err="1">
+                <a:solidFill>
+                  <a:srgbClr val="000000"/>
+                </a:solidFill>
+                <a:highlight>
+                  <a:srgbClr val="FFFFFF"/>
+                </a:highlight>
+              </a:rPr>
+              <a:t>regressor_OLS</a:t>
+            </a:r>
+            <a:r>
+              <a:rPr lang="en-US" sz="900" dirty="0">
+                <a:solidFill>
+                  <a:srgbClr val="000000"/>
+                </a:solidFill>
+                <a:highlight>
+                  <a:srgbClr val="FFFFFF"/>
+                </a:highlight>
+              </a:rPr>
+              <a:t> </a:t>
+            </a:r>
+            <a:r>
+              <a:rPr lang="en-US" sz="900" b="1" dirty="0">
+                <a:solidFill>
+                  <a:srgbClr val="000080"/>
+                </a:solidFill>
+                <a:highlight>
+                  <a:srgbClr val="FFFFFF"/>
+                </a:highlight>
+              </a:rPr>
+              <a:t>=</a:t>
+            </a:r>
+            <a:r>
+              <a:rPr lang="en-US" sz="900" dirty="0">
+                <a:solidFill>
+                  <a:srgbClr val="000000"/>
+                </a:solidFill>
+                <a:highlight>
+                  <a:srgbClr val="FFFFFF"/>
+                </a:highlight>
+              </a:rPr>
+              <a:t> </a:t>
+            </a:r>
+            <a:r>
+              <a:rPr lang="en-US" sz="900" dirty="0" err="1">
+                <a:solidFill>
+                  <a:srgbClr val="000000"/>
+                </a:solidFill>
+                <a:highlight>
+                  <a:srgbClr val="FFFFFF"/>
+                </a:highlight>
+              </a:rPr>
+              <a:t>sm</a:t>
+            </a:r>
+            <a:r>
+              <a:rPr lang="en-US" sz="900" b="1" dirty="0" err="1">
+                <a:solidFill>
+                  <a:srgbClr val="000080"/>
+                </a:solidFill>
+                <a:highlight>
+                  <a:srgbClr val="FFFFFF"/>
+                </a:highlight>
+              </a:rPr>
+              <a:t>.</a:t>
+            </a:r>
+            <a:r>
+              <a:rPr lang="en-US" sz="900" dirty="0" err="1">
+                <a:solidFill>
+                  <a:srgbClr val="000000"/>
+                </a:solidFill>
+                <a:highlight>
+                  <a:srgbClr val="FFFFFF"/>
+                </a:highlight>
+              </a:rPr>
+              <a:t>OLS</a:t>
+            </a:r>
+            <a:r>
+              <a:rPr lang="en-US" sz="900" b="1" dirty="0">
+                <a:solidFill>
+                  <a:srgbClr val="000080"/>
+                </a:solidFill>
+                <a:highlight>
+                  <a:srgbClr val="FFFFFF"/>
+                </a:highlight>
+              </a:rPr>
+              <a:t>(</a:t>
+            </a:r>
+            <a:r>
+              <a:rPr lang="en-US" sz="900" dirty="0" err="1">
+                <a:solidFill>
+                  <a:srgbClr val="000000"/>
+                </a:solidFill>
+                <a:highlight>
+                  <a:srgbClr val="FFFFFF"/>
+                </a:highlight>
+              </a:rPr>
+              <a:t>endog</a:t>
+            </a:r>
+            <a:r>
+              <a:rPr lang="en-US" sz="900" dirty="0">
+                <a:solidFill>
+                  <a:srgbClr val="000000"/>
+                </a:solidFill>
+                <a:highlight>
+                  <a:srgbClr val="FFFFFF"/>
+                </a:highlight>
+              </a:rPr>
+              <a:t> </a:t>
+            </a:r>
+            <a:r>
+              <a:rPr lang="en-US" sz="900" b="1" dirty="0">
+                <a:solidFill>
+                  <a:srgbClr val="000080"/>
+                </a:solidFill>
+                <a:highlight>
+                  <a:srgbClr val="FFFFFF"/>
+                </a:highlight>
+              </a:rPr>
+              <a:t>=</a:t>
+            </a:r>
+            <a:r>
+              <a:rPr lang="en-US" sz="900" dirty="0">
+                <a:solidFill>
+                  <a:srgbClr val="000000"/>
+                </a:solidFill>
+                <a:highlight>
+                  <a:srgbClr val="FFFFFF"/>
+                </a:highlight>
+              </a:rPr>
+              <a:t> y</a:t>
+            </a:r>
+            <a:r>
+              <a:rPr lang="en-US" sz="900" b="1" dirty="0">
+                <a:solidFill>
+                  <a:srgbClr val="000080"/>
+                </a:solidFill>
+                <a:highlight>
+                  <a:srgbClr val="FFFFFF"/>
+                </a:highlight>
+              </a:rPr>
+              <a:t>,</a:t>
+            </a:r>
+            <a:r>
+              <a:rPr lang="en-US" sz="900" dirty="0">
+                <a:solidFill>
+                  <a:srgbClr val="000000"/>
+                </a:solidFill>
+                <a:highlight>
+                  <a:srgbClr val="FFFFFF"/>
+                </a:highlight>
+              </a:rPr>
+              <a:t> </a:t>
+            </a:r>
+            <a:r>
+              <a:rPr lang="en-US" sz="900" dirty="0" err="1">
+                <a:solidFill>
+                  <a:srgbClr val="000000"/>
+                </a:solidFill>
+                <a:highlight>
+                  <a:srgbClr val="FFFFFF"/>
+                </a:highlight>
+              </a:rPr>
+              <a:t>exog</a:t>
+            </a:r>
+            <a:r>
+              <a:rPr lang="en-US" sz="900" dirty="0">
+                <a:solidFill>
+                  <a:srgbClr val="000000"/>
+                </a:solidFill>
+                <a:highlight>
+                  <a:srgbClr val="FFFFFF"/>
+                </a:highlight>
+              </a:rPr>
+              <a:t> </a:t>
+            </a:r>
+            <a:r>
+              <a:rPr lang="en-US" sz="900" b="1" dirty="0">
+                <a:solidFill>
+                  <a:srgbClr val="000080"/>
+                </a:solidFill>
+                <a:highlight>
+                  <a:srgbClr val="FFFFFF"/>
+                </a:highlight>
+              </a:rPr>
+              <a:t>=</a:t>
+            </a:r>
+            <a:r>
+              <a:rPr lang="en-US" sz="900" dirty="0">
+                <a:solidFill>
+                  <a:srgbClr val="000000"/>
+                </a:solidFill>
+                <a:highlight>
+                  <a:srgbClr val="FFFFFF"/>
+                </a:highlight>
+              </a:rPr>
+              <a:t> </a:t>
+            </a:r>
+            <a:r>
+              <a:rPr lang="en-US" sz="900" dirty="0" err="1">
+                <a:solidFill>
+                  <a:srgbClr val="000000"/>
+                </a:solidFill>
+                <a:highlight>
+                  <a:srgbClr val="FFFFFF"/>
+                </a:highlight>
+              </a:rPr>
+              <a:t>X_opt</a:t>
+            </a:r>
+            <a:r>
+              <a:rPr lang="en-US" sz="900" b="1" dirty="0">
+                <a:solidFill>
+                  <a:srgbClr val="000080"/>
+                </a:solidFill>
+                <a:highlight>
+                  <a:srgbClr val="FFFFFF"/>
+                </a:highlight>
+              </a:rPr>
+              <a:t>).</a:t>
+            </a:r>
+            <a:r>
+              <a:rPr lang="en-US" sz="900" dirty="0">
+                <a:solidFill>
+                  <a:srgbClr val="000000"/>
+                </a:solidFill>
+                <a:highlight>
+                  <a:srgbClr val="FFFFFF"/>
+                </a:highlight>
+              </a:rPr>
+              <a:t>fit</a:t>
+            </a:r>
+            <a:r>
+              <a:rPr lang="en-US" sz="900" b="1" dirty="0">
+                <a:solidFill>
+                  <a:srgbClr val="000080"/>
+                </a:solidFill>
+                <a:highlight>
+                  <a:srgbClr val="FFFFFF"/>
+                </a:highlight>
+              </a:rPr>
+              <a:t>()</a:t>
+            </a:r>
+            <a:endParaRPr lang="en-US" sz="900" dirty="0">
+              <a:solidFill>
+                <a:srgbClr val="000000"/>
+              </a:solidFill>
+              <a:highlight>
+                <a:srgbClr val="FFFFFF"/>
+              </a:highlight>
+            </a:endParaRPr>
+          </a:p>
+          <a:p>
+            <a:r>
+              <a:rPr lang="en-US" sz="900" dirty="0" err="1">
+                <a:solidFill>
+                  <a:srgbClr val="000000"/>
+                </a:solidFill>
+                <a:highlight>
+                  <a:srgbClr val="FFFFFF"/>
+                </a:highlight>
+              </a:rPr>
+              <a:t>regressor_OLS</a:t>
+            </a:r>
+            <a:r>
+              <a:rPr lang="en-US" sz="900" b="1" dirty="0" err="1">
+                <a:solidFill>
+                  <a:srgbClr val="000080"/>
+                </a:solidFill>
+                <a:highlight>
+                  <a:srgbClr val="FFFFFF"/>
+                </a:highlight>
+              </a:rPr>
+              <a:t>.</a:t>
+            </a:r>
+            <a:r>
+              <a:rPr lang="en-US" sz="900" dirty="0" err="1">
+                <a:solidFill>
+                  <a:srgbClr val="000000"/>
+                </a:solidFill>
+                <a:highlight>
+                  <a:srgbClr val="FFFFFF"/>
+                </a:highlight>
+              </a:rPr>
+              <a:t>summary</a:t>
+            </a:r>
+            <a:r>
+              <a:rPr lang="en-US" sz="900" b="1" dirty="0">
+                <a:solidFill>
+                  <a:srgbClr val="000080"/>
+                </a:solidFill>
+                <a:highlight>
+                  <a:srgbClr val="FFFFFF"/>
+                </a:highlight>
+              </a:rPr>
+              <a:t>()</a:t>
+            </a:r>
+            <a:endParaRPr lang="en-US" sz="900" dirty="0">
+              <a:solidFill>
+                <a:srgbClr val="000000"/>
+              </a:solidFill>
+              <a:highlight>
+                <a:srgbClr val="FFFFFF"/>
+              </a:highlight>
+            </a:endParaRPr>
+          </a:p>
+          <a:p>
+            <a:endParaRPr lang="en-US" sz="900" dirty="0">
+              <a:solidFill>
+                <a:srgbClr val="000000"/>
+              </a:solidFill>
+              <a:highlight>
+                <a:srgbClr val="FFFFFF"/>
+              </a:highlight>
+            </a:endParaRPr>
+          </a:p>
+          <a:p>
+            <a:r>
+              <a:rPr lang="nl-NL" sz="900" dirty="0">
+                <a:solidFill>
+                  <a:srgbClr val="000000"/>
+                </a:solidFill>
+                <a:highlight>
+                  <a:srgbClr val="FFFFFF"/>
+                </a:highlight>
+              </a:rPr>
+              <a:t>X_opt </a:t>
+            </a:r>
+            <a:r>
+              <a:rPr lang="nl-NL" sz="900" b="1" dirty="0">
+                <a:solidFill>
+                  <a:srgbClr val="000080"/>
+                </a:solidFill>
+                <a:highlight>
+                  <a:srgbClr val="FFFFFF"/>
+                </a:highlight>
+              </a:rPr>
+              <a:t>=</a:t>
+            </a:r>
+            <a:r>
+              <a:rPr lang="nl-NL" sz="900" dirty="0">
+                <a:solidFill>
+                  <a:srgbClr val="000000"/>
+                </a:solidFill>
+                <a:highlight>
+                  <a:srgbClr val="FFFFFF"/>
+                </a:highlight>
+              </a:rPr>
+              <a:t> X</a:t>
+            </a:r>
+            <a:r>
+              <a:rPr lang="nl-NL" sz="900" b="1" dirty="0">
+                <a:solidFill>
+                  <a:srgbClr val="000080"/>
+                </a:solidFill>
+                <a:highlight>
+                  <a:srgbClr val="FFFFFF"/>
+                </a:highlight>
+              </a:rPr>
+              <a:t>[:,</a:t>
+            </a:r>
+            <a:r>
+              <a:rPr lang="nl-NL" sz="900" dirty="0">
+                <a:solidFill>
+                  <a:srgbClr val="000000"/>
+                </a:solidFill>
+                <a:highlight>
+                  <a:srgbClr val="FFFFFF"/>
+                </a:highlight>
+              </a:rPr>
+              <a:t> </a:t>
+            </a:r>
+            <a:r>
+              <a:rPr lang="nl-NL" sz="900" b="1" dirty="0">
+                <a:solidFill>
+                  <a:srgbClr val="000080"/>
+                </a:solidFill>
+                <a:highlight>
+                  <a:srgbClr val="FFFFFF"/>
+                </a:highlight>
+              </a:rPr>
+              <a:t>[</a:t>
+            </a:r>
+            <a:r>
+              <a:rPr lang="nl-NL" sz="900" dirty="0">
+                <a:solidFill>
+                  <a:srgbClr val="FF0000"/>
+                </a:solidFill>
+                <a:highlight>
+                  <a:srgbClr val="FFFFFF"/>
+                </a:highlight>
+              </a:rPr>
+              <a:t>0</a:t>
+            </a:r>
+            <a:r>
+              <a:rPr lang="nl-NL" sz="900" b="1" dirty="0">
+                <a:solidFill>
+                  <a:srgbClr val="000080"/>
+                </a:solidFill>
+                <a:highlight>
+                  <a:srgbClr val="FFFFFF"/>
+                </a:highlight>
+              </a:rPr>
+              <a:t>,</a:t>
+            </a:r>
+            <a:r>
+              <a:rPr lang="nl-NL" sz="900" dirty="0">
+                <a:solidFill>
+                  <a:srgbClr val="000000"/>
+                </a:solidFill>
+                <a:highlight>
+                  <a:srgbClr val="FFFFFF"/>
+                </a:highlight>
+              </a:rPr>
+              <a:t> </a:t>
+            </a:r>
+            <a:r>
+              <a:rPr lang="nl-NL" sz="900" dirty="0">
+                <a:solidFill>
+                  <a:srgbClr val="FF0000"/>
+                </a:solidFill>
+                <a:highlight>
+                  <a:srgbClr val="FFFFFF"/>
+                </a:highlight>
+              </a:rPr>
+              <a:t>3</a:t>
+            </a:r>
+            <a:r>
+              <a:rPr lang="nl-NL" sz="900" b="1" dirty="0">
+                <a:solidFill>
+                  <a:srgbClr val="000080"/>
+                </a:solidFill>
+                <a:highlight>
+                  <a:srgbClr val="FFFFFF"/>
+                </a:highlight>
+              </a:rPr>
+              <a:t>,</a:t>
+            </a:r>
+            <a:r>
+              <a:rPr lang="nl-NL" sz="900" dirty="0">
+                <a:solidFill>
+                  <a:srgbClr val="000000"/>
+                </a:solidFill>
+                <a:highlight>
+                  <a:srgbClr val="FFFFFF"/>
+                </a:highlight>
+              </a:rPr>
+              <a:t> </a:t>
+            </a:r>
+            <a:r>
+              <a:rPr lang="nl-NL" sz="900" dirty="0">
+                <a:solidFill>
+                  <a:srgbClr val="FF0000"/>
+                </a:solidFill>
+                <a:highlight>
+                  <a:srgbClr val="FFFFFF"/>
+                </a:highlight>
+              </a:rPr>
+              <a:t>4</a:t>
+            </a:r>
+            <a:r>
+              <a:rPr lang="nl-NL" sz="900" b="1" dirty="0">
+                <a:solidFill>
+                  <a:srgbClr val="000080"/>
+                </a:solidFill>
+                <a:highlight>
+                  <a:srgbClr val="FFFFFF"/>
+                </a:highlight>
+              </a:rPr>
+              <a:t>,</a:t>
+            </a:r>
+            <a:r>
+              <a:rPr lang="nl-NL" sz="900" dirty="0">
+                <a:solidFill>
+                  <a:srgbClr val="000000"/>
+                </a:solidFill>
+                <a:highlight>
+                  <a:srgbClr val="FFFFFF"/>
+                </a:highlight>
+              </a:rPr>
+              <a:t> </a:t>
+            </a:r>
+            <a:r>
+              <a:rPr lang="nl-NL" sz="900" dirty="0">
+                <a:solidFill>
+                  <a:srgbClr val="FF0000"/>
+                </a:solidFill>
+                <a:highlight>
+                  <a:srgbClr val="FFFFFF"/>
+                </a:highlight>
+              </a:rPr>
+              <a:t>5</a:t>
+            </a:r>
+            <a:r>
+              <a:rPr lang="nl-NL" sz="900" b="1" dirty="0">
+                <a:solidFill>
+                  <a:srgbClr val="000080"/>
+                </a:solidFill>
+                <a:highlight>
+                  <a:srgbClr val="FFFFFF"/>
+                </a:highlight>
+              </a:rPr>
+              <a:t>]]</a:t>
+            </a:r>
+            <a:endParaRPr lang="nl-NL" sz="900" dirty="0">
+              <a:solidFill>
+                <a:srgbClr val="000000"/>
+              </a:solidFill>
+              <a:highlight>
+                <a:srgbClr val="FFFFFF"/>
+              </a:highlight>
+            </a:endParaRPr>
+          </a:p>
+          <a:p>
+            <a:r>
+              <a:rPr lang="en-US" sz="900" dirty="0" err="1">
+                <a:solidFill>
+                  <a:srgbClr val="000000"/>
+                </a:solidFill>
+                <a:highlight>
+                  <a:srgbClr val="FFFFFF"/>
+                </a:highlight>
+              </a:rPr>
+              <a:t>regressor_OLS</a:t>
+            </a:r>
+            <a:r>
+              <a:rPr lang="en-US" sz="900" dirty="0">
+                <a:solidFill>
+                  <a:srgbClr val="000000"/>
+                </a:solidFill>
+                <a:highlight>
+                  <a:srgbClr val="FFFFFF"/>
+                </a:highlight>
+              </a:rPr>
+              <a:t> </a:t>
+            </a:r>
+            <a:r>
+              <a:rPr lang="en-US" sz="900" b="1" dirty="0">
+                <a:solidFill>
+                  <a:srgbClr val="000080"/>
+                </a:solidFill>
+                <a:highlight>
+                  <a:srgbClr val="FFFFFF"/>
+                </a:highlight>
+              </a:rPr>
+              <a:t>=</a:t>
+            </a:r>
+            <a:r>
+              <a:rPr lang="en-US" sz="900" dirty="0">
+                <a:solidFill>
+                  <a:srgbClr val="000000"/>
+                </a:solidFill>
+                <a:highlight>
+                  <a:srgbClr val="FFFFFF"/>
+                </a:highlight>
+              </a:rPr>
+              <a:t> </a:t>
+            </a:r>
+            <a:r>
+              <a:rPr lang="en-US" sz="900" dirty="0" err="1">
+                <a:solidFill>
+                  <a:srgbClr val="000000"/>
+                </a:solidFill>
+                <a:highlight>
+                  <a:srgbClr val="FFFFFF"/>
+                </a:highlight>
+              </a:rPr>
+              <a:t>sm</a:t>
+            </a:r>
+            <a:r>
+              <a:rPr lang="en-US" sz="900" b="1" dirty="0" err="1">
+                <a:solidFill>
+                  <a:srgbClr val="000080"/>
+                </a:solidFill>
+                <a:highlight>
+                  <a:srgbClr val="FFFFFF"/>
+                </a:highlight>
+              </a:rPr>
+              <a:t>.</a:t>
+            </a:r>
+            <a:r>
+              <a:rPr lang="en-US" sz="900" dirty="0" err="1">
+                <a:solidFill>
+                  <a:srgbClr val="000000"/>
+                </a:solidFill>
+                <a:highlight>
+                  <a:srgbClr val="FFFFFF"/>
+                </a:highlight>
+              </a:rPr>
+              <a:t>OLS</a:t>
+            </a:r>
+            <a:r>
+              <a:rPr lang="en-US" sz="900" b="1" dirty="0">
+                <a:solidFill>
+                  <a:srgbClr val="000080"/>
+                </a:solidFill>
+                <a:highlight>
+                  <a:srgbClr val="FFFFFF"/>
+                </a:highlight>
+              </a:rPr>
+              <a:t>(</a:t>
+            </a:r>
+            <a:r>
+              <a:rPr lang="en-US" sz="900" dirty="0" err="1">
+                <a:solidFill>
+                  <a:srgbClr val="000000"/>
+                </a:solidFill>
+                <a:highlight>
+                  <a:srgbClr val="FFFFFF"/>
+                </a:highlight>
+              </a:rPr>
+              <a:t>endog</a:t>
+            </a:r>
+            <a:r>
+              <a:rPr lang="en-US" sz="900" dirty="0">
+                <a:solidFill>
+                  <a:srgbClr val="000000"/>
+                </a:solidFill>
+                <a:highlight>
+                  <a:srgbClr val="FFFFFF"/>
+                </a:highlight>
+              </a:rPr>
+              <a:t> </a:t>
+            </a:r>
+            <a:r>
+              <a:rPr lang="en-US" sz="900" b="1" dirty="0">
+                <a:solidFill>
+                  <a:srgbClr val="000080"/>
+                </a:solidFill>
+                <a:highlight>
+                  <a:srgbClr val="FFFFFF"/>
+                </a:highlight>
+              </a:rPr>
+              <a:t>=</a:t>
+            </a:r>
+            <a:r>
+              <a:rPr lang="en-US" sz="900" dirty="0">
+                <a:solidFill>
+                  <a:srgbClr val="000000"/>
+                </a:solidFill>
+                <a:highlight>
+                  <a:srgbClr val="FFFFFF"/>
+                </a:highlight>
+              </a:rPr>
+              <a:t> y</a:t>
+            </a:r>
+            <a:r>
+              <a:rPr lang="en-US" sz="900" b="1" dirty="0">
+                <a:solidFill>
+                  <a:srgbClr val="000080"/>
+                </a:solidFill>
+                <a:highlight>
+                  <a:srgbClr val="FFFFFF"/>
+                </a:highlight>
+              </a:rPr>
+              <a:t>,</a:t>
+            </a:r>
+            <a:r>
+              <a:rPr lang="en-US" sz="900" dirty="0">
+                <a:solidFill>
+                  <a:srgbClr val="000000"/>
+                </a:solidFill>
+                <a:highlight>
+                  <a:srgbClr val="FFFFFF"/>
+                </a:highlight>
+              </a:rPr>
+              <a:t> </a:t>
+            </a:r>
+            <a:r>
+              <a:rPr lang="en-US" sz="900" dirty="0" err="1">
+                <a:solidFill>
+                  <a:srgbClr val="000000"/>
+                </a:solidFill>
+                <a:highlight>
+                  <a:srgbClr val="FFFFFF"/>
+                </a:highlight>
+              </a:rPr>
+              <a:t>exog</a:t>
+            </a:r>
+            <a:r>
+              <a:rPr lang="en-US" sz="900" dirty="0">
+                <a:solidFill>
+                  <a:srgbClr val="000000"/>
+                </a:solidFill>
+                <a:highlight>
+                  <a:srgbClr val="FFFFFF"/>
+                </a:highlight>
+              </a:rPr>
+              <a:t> </a:t>
+            </a:r>
+            <a:r>
+              <a:rPr lang="en-US" sz="900" b="1" dirty="0">
+                <a:solidFill>
+                  <a:srgbClr val="000080"/>
+                </a:solidFill>
+                <a:highlight>
+                  <a:srgbClr val="FFFFFF"/>
+                </a:highlight>
+              </a:rPr>
+              <a:t>=</a:t>
+            </a:r>
+            <a:r>
+              <a:rPr lang="en-US" sz="900" dirty="0">
+                <a:solidFill>
+                  <a:srgbClr val="000000"/>
+                </a:solidFill>
+                <a:highlight>
+                  <a:srgbClr val="FFFFFF"/>
+                </a:highlight>
+              </a:rPr>
+              <a:t> </a:t>
+            </a:r>
+            <a:r>
+              <a:rPr lang="en-US" sz="900" dirty="0" err="1">
+                <a:solidFill>
+                  <a:srgbClr val="000000"/>
+                </a:solidFill>
+                <a:highlight>
+                  <a:srgbClr val="FFFFFF"/>
+                </a:highlight>
+              </a:rPr>
+              <a:t>X_opt</a:t>
+            </a:r>
+            <a:r>
+              <a:rPr lang="en-US" sz="900" b="1" dirty="0">
+                <a:solidFill>
+                  <a:srgbClr val="000080"/>
+                </a:solidFill>
+                <a:highlight>
+                  <a:srgbClr val="FFFFFF"/>
+                </a:highlight>
+              </a:rPr>
+              <a:t>).</a:t>
+            </a:r>
+            <a:r>
+              <a:rPr lang="en-US" sz="900" dirty="0">
+                <a:solidFill>
+                  <a:srgbClr val="000000"/>
+                </a:solidFill>
+                <a:highlight>
+                  <a:srgbClr val="FFFFFF"/>
+                </a:highlight>
+              </a:rPr>
+              <a:t>fit</a:t>
+            </a:r>
+            <a:r>
+              <a:rPr lang="en-US" sz="900" b="1" dirty="0">
+                <a:solidFill>
+                  <a:srgbClr val="000080"/>
+                </a:solidFill>
+                <a:highlight>
+                  <a:srgbClr val="FFFFFF"/>
+                </a:highlight>
+              </a:rPr>
+              <a:t>()</a:t>
+            </a:r>
+            <a:endParaRPr lang="en-US" sz="900" dirty="0">
+              <a:solidFill>
+                <a:srgbClr val="000000"/>
+              </a:solidFill>
+              <a:highlight>
+                <a:srgbClr val="FFFFFF"/>
+              </a:highlight>
+            </a:endParaRPr>
+          </a:p>
+          <a:p>
+            <a:r>
+              <a:rPr lang="en-US" sz="900" dirty="0" err="1">
+                <a:solidFill>
+                  <a:srgbClr val="000000"/>
+                </a:solidFill>
+                <a:highlight>
+                  <a:srgbClr val="FFFFFF"/>
+                </a:highlight>
+              </a:rPr>
+              <a:t>regressor_OLS</a:t>
+            </a:r>
+            <a:r>
+              <a:rPr lang="en-US" sz="900" b="1" dirty="0" err="1">
+                <a:solidFill>
+                  <a:srgbClr val="000080"/>
+                </a:solidFill>
+                <a:highlight>
+                  <a:srgbClr val="FFFFFF"/>
+                </a:highlight>
+              </a:rPr>
+              <a:t>.</a:t>
+            </a:r>
+            <a:r>
+              <a:rPr lang="en-US" sz="900" dirty="0" err="1">
+                <a:solidFill>
+                  <a:srgbClr val="000000"/>
+                </a:solidFill>
+                <a:highlight>
+                  <a:srgbClr val="FFFFFF"/>
+                </a:highlight>
+              </a:rPr>
+              <a:t>summary</a:t>
+            </a:r>
+            <a:r>
+              <a:rPr lang="en-US" sz="900" b="1" dirty="0">
+                <a:solidFill>
+                  <a:srgbClr val="000080"/>
+                </a:solidFill>
+                <a:highlight>
+                  <a:srgbClr val="FFFFFF"/>
+                </a:highlight>
+              </a:rPr>
+              <a:t>()</a:t>
+            </a:r>
+            <a:endParaRPr lang="en-US" sz="900" dirty="0">
+              <a:solidFill>
+                <a:srgbClr val="000000"/>
+              </a:solidFill>
+              <a:highlight>
+                <a:srgbClr val="FFFFFF"/>
+              </a:highlight>
+            </a:endParaRPr>
+          </a:p>
+          <a:p>
+            <a:endParaRPr lang="en-US" sz="900" dirty="0">
+              <a:solidFill>
+                <a:srgbClr val="000000"/>
+              </a:solidFill>
+              <a:highlight>
+                <a:srgbClr val="FFFFFF"/>
+              </a:highlight>
+            </a:endParaRPr>
+          </a:p>
+          <a:p>
+            <a:r>
+              <a:rPr lang="nl-NL" sz="900" dirty="0">
+                <a:solidFill>
+                  <a:srgbClr val="000000"/>
+                </a:solidFill>
+                <a:highlight>
+                  <a:srgbClr val="FFFFFF"/>
+                </a:highlight>
+              </a:rPr>
+              <a:t>X_opt </a:t>
+            </a:r>
+            <a:r>
+              <a:rPr lang="nl-NL" sz="900" b="1" dirty="0">
+                <a:solidFill>
+                  <a:srgbClr val="000080"/>
+                </a:solidFill>
+                <a:highlight>
+                  <a:srgbClr val="FFFFFF"/>
+                </a:highlight>
+              </a:rPr>
+              <a:t>=</a:t>
+            </a:r>
+            <a:r>
+              <a:rPr lang="nl-NL" sz="900" dirty="0">
+                <a:solidFill>
+                  <a:srgbClr val="000000"/>
+                </a:solidFill>
+                <a:highlight>
+                  <a:srgbClr val="FFFFFF"/>
+                </a:highlight>
+              </a:rPr>
+              <a:t> X</a:t>
+            </a:r>
+            <a:r>
+              <a:rPr lang="nl-NL" sz="900" b="1" dirty="0">
+                <a:solidFill>
+                  <a:srgbClr val="000080"/>
+                </a:solidFill>
+                <a:highlight>
+                  <a:srgbClr val="FFFFFF"/>
+                </a:highlight>
+              </a:rPr>
+              <a:t>[:,</a:t>
+            </a:r>
+            <a:r>
+              <a:rPr lang="nl-NL" sz="900" dirty="0">
+                <a:solidFill>
+                  <a:srgbClr val="000000"/>
+                </a:solidFill>
+                <a:highlight>
+                  <a:srgbClr val="FFFFFF"/>
+                </a:highlight>
+              </a:rPr>
+              <a:t> </a:t>
+            </a:r>
+            <a:r>
+              <a:rPr lang="nl-NL" sz="900" b="1" dirty="0">
+                <a:solidFill>
+                  <a:srgbClr val="000080"/>
+                </a:solidFill>
+                <a:highlight>
+                  <a:srgbClr val="FFFFFF"/>
+                </a:highlight>
+              </a:rPr>
+              <a:t>[</a:t>
+            </a:r>
+            <a:r>
+              <a:rPr lang="nl-NL" sz="900" dirty="0">
+                <a:solidFill>
+                  <a:srgbClr val="FF0000"/>
+                </a:solidFill>
+                <a:highlight>
+                  <a:srgbClr val="FFFFFF"/>
+                </a:highlight>
+              </a:rPr>
+              <a:t>0</a:t>
+            </a:r>
+            <a:r>
+              <a:rPr lang="nl-NL" sz="900" b="1" dirty="0">
+                <a:solidFill>
+                  <a:srgbClr val="000080"/>
+                </a:solidFill>
+                <a:highlight>
+                  <a:srgbClr val="FFFFFF"/>
+                </a:highlight>
+              </a:rPr>
+              <a:t>,</a:t>
+            </a:r>
+            <a:r>
+              <a:rPr lang="nl-NL" sz="900" dirty="0">
+                <a:solidFill>
+                  <a:srgbClr val="000000"/>
+                </a:solidFill>
+                <a:highlight>
+                  <a:srgbClr val="FFFFFF"/>
+                </a:highlight>
+              </a:rPr>
+              <a:t> </a:t>
+            </a:r>
+            <a:r>
+              <a:rPr lang="nl-NL" sz="900" dirty="0">
+                <a:solidFill>
+                  <a:srgbClr val="FF0000"/>
+                </a:solidFill>
+                <a:highlight>
+                  <a:srgbClr val="FFFFFF"/>
+                </a:highlight>
+              </a:rPr>
+              <a:t>3</a:t>
+            </a:r>
+            <a:r>
+              <a:rPr lang="nl-NL" sz="900" b="1" dirty="0">
+                <a:solidFill>
+                  <a:srgbClr val="000080"/>
+                </a:solidFill>
+                <a:highlight>
+                  <a:srgbClr val="FFFFFF"/>
+                </a:highlight>
+              </a:rPr>
+              <a:t>,</a:t>
+            </a:r>
+            <a:r>
+              <a:rPr lang="nl-NL" sz="900" dirty="0">
+                <a:solidFill>
+                  <a:srgbClr val="000000"/>
+                </a:solidFill>
+                <a:highlight>
+                  <a:srgbClr val="FFFFFF"/>
+                </a:highlight>
+              </a:rPr>
+              <a:t> </a:t>
+            </a:r>
+            <a:r>
+              <a:rPr lang="nl-NL" sz="900" dirty="0">
+                <a:solidFill>
+                  <a:srgbClr val="FF0000"/>
+                </a:solidFill>
+                <a:highlight>
+                  <a:srgbClr val="FFFFFF"/>
+                </a:highlight>
+              </a:rPr>
+              <a:t>5</a:t>
+            </a:r>
+            <a:r>
+              <a:rPr lang="nl-NL" sz="900" b="1" dirty="0">
+                <a:solidFill>
+                  <a:srgbClr val="000080"/>
+                </a:solidFill>
+                <a:highlight>
+                  <a:srgbClr val="FFFFFF"/>
+                </a:highlight>
+              </a:rPr>
+              <a:t>]]</a:t>
+            </a:r>
+            <a:endParaRPr lang="nl-NL" sz="900" dirty="0">
+              <a:solidFill>
+                <a:srgbClr val="000000"/>
+              </a:solidFill>
+              <a:highlight>
+                <a:srgbClr val="FFFFFF"/>
+              </a:highlight>
+            </a:endParaRPr>
+          </a:p>
+          <a:p>
+            <a:r>
+              <a:rPr lang="en-US" sz="900" dirty="0" err="1">
+                <a:solidFill>
+                  <a:srgbClr val="000000"/>
+                </a:solidFill>
+                <a:highlight>
+                  <a:srgbClr val="FFFFFF"/>
+                </a:highlight>
+              </a:rPr>
+              <a:t>regressor_OLS</a:t>
+            </a:r>
+            <a:r>
+              <a:rPr lang="en-US" sz="900" dirty="0">
+                <a:solidFill>
+                  <a:srgbClr val="000000"/>
+                </a:solidFill>
+                <a:highlight>
+                  <a:srgbClr val="FFFFFF"/>
+                </a:highlight>
+              </a:rPr>
+              <a:t> </a:t>
+            </a:r>
+            <a:r>
+              <a:rPr lang="en-US" sz="900" b="1" dirty="0">
+                <a:solidFill>
+                  <a:srgbClr val="000080"/>
+                </a:solidFill>
+                <a:highlight>
+                  <a:srgbClr val="FFFFFF"/>
+                </a:highlight>
+              </a:rPr>
+              <a:t>=</a:t>
+            </a:r>
+            <a:r>
+              <a:rPr lang="en-US" sz="900" dirty="0">
+                <a:solidFill>
+                  <a:srgbClr val="000000"/>
+                </a:solidFill>
+                <a:highlight>
+                  <a:srgbClr val="FFFFFF"/>
+                </a:highlight>
+              </a:rPr>
+              <a:t> </a:t>
+            </a:r>
+            <a:r>
+              <a:rPr lang="en-US" sz="900" dirty="0" err="1">
+                <a:solidFill>
+                  <a:srgbClr val="000000"/>
+                </a:solidFill>
+                <a:highlight>
+                  <a:srgbClr val="FFFFFF"/>
+                </a:highlight>
+              </a:rPr>
+              <a:t>sm</a:t>
+            </a:r>
+            <a:r>
+              <a:rPr lang="en-US" sz="900" b="1" dirty="0" err="1">
+                <a:solidFill>
+                  <a:srgbClr val="000080"/>
+                </a:solidFill>
+                <a:highlight>
+                  <a:srgbClr val="FFFFFF"/>
+                </a:highlight>
+              </a:rPr>
+              <a:t>.</a:t>
+            </a:r>
+            <a:r>
+              <a:rPr lang="en-US" sz="900" dirty="0" err="1">
+                <a:solidFill>
+                  <a:srgbClr val="000000"/>
+                </a:solidFill>
+                <a:highlight>
+                  <a:srgbClr val="FFFFFF"/>
+                </a:highlight>
+              </a:rPr>
+              <a:t>OLS</a:t>
+            </a:r>
+            <a:r>
+              <a:rPr lang="en-US" sz="900" b="1" dirty="0">
+                <a:solidFill>
+                  <a:srgbClr val="000080"/>
+                </a:solidFill>
+                <a:highlight>
+                  <a:srgbClr val="FFFFFF"/>
+                </a:highlight>
+              </a:rPr>
+              <a:t>(</a:t>
+            </a:r>
+            <a:r>
+              <a:rPr lang="en-US" sz="900" dirty="0" err="1">
+                <a:solidFill>
+                  <a:srgbClr val="000000"/>
+                </a:solidFill>
+                <a:highlight>
+                  <a:srgbClr val="FFFFFF"/>
+                </a:highlight>
+              </a:rPr>
+              <a:t>endog</a:t>
+            </a:r>
+            <a:r>
+              <a:rPr lang="en-US" sz="900" dirty="0">
+                <a:solidFill>
+                  <a:srgbClr val="000000"/>
+                </a:solidFill>
+                <a:highlight>
+                  <a:srgbClr val="FFFFFF"/>
+                </a:highlight>
+              </a:rPr>
+              <a:t> </a:t>
+            </a:r>
+            <a:r>
+              <a:rPr lang="en-US" sz="900" b="1" dirty="0">
+                <a:solidFill>
+                  <a:srgbClr val="000080"/>
+                </a:solidFill>
+                <a:highlight>
+                  <a:srgbClr val="FFFFFF"/>
+                </a:highlight>
+              </a:rPr>
+              <a:t>=</a:t>
+            </a:r>
+            <a:r>
+              <a:rPr lang="en-US" sz="900" dirty="0">
+                <a:solidFill>
+                  <a:srgbClr val="000000"/>
+                </a:solidFill>
+                <a:highlight>
+                  <a:srgbClr val="FFFFFF"/>
+                </a:highlight>
+              </a:rPr>
+              <a:t> y</a:t>
+            </a:r>
+            <a:r>
+              <a:rPr lang="en-US" sz="900" b="1" dirty="0">
+                <a:solidFill>
+                  <a:srgbClr val="000080"/>
+                </a:solidFill>
+                <a:highlight>
+                  <a:srgbClr val="FFFFFF"/>
+                </a:highlight>
+              </a:rPr>
+              <a:t>,</a:t>
+            </a:r>
+            <a:r>
+              <a:rPr lang="en-US" sz="900" dirty="0">
+                <a:solidFill>
+                  <a:srgbClr val="000000"/>
+                </a:solidFill>
+                <a:highlight>
+                  <a:srgbClr val="FFFFFF"/>
+                </a:highlight>
+              </a:rPr>
+              <a:t> </a:t>
+            </a:r>
+            <a:r>
+              <a:rPr lang="en-US" sz="900" dirty="0" err="1">
+                <a:solidFill>
+                  <a:srgbClr val="000000"/>
+                </a:solidFill>
+                <a:highlight>
+                  <a:srgbClr val="FFFFFF"/>
+                </a:highlight>
+              </a:rPr>
+              <a:t>exog</a:t>
+            </a:r>
+            <a:r>
+              <a:rPr lang="en-US" sz="900" dirty="0">
+                <a:solidFill>
+                  <a:srgbClr val="000000"/>
+                </a:solidFill>
+                <a:highlight>
+                  <a:srgbClr val="FFFFFF"/>
+                </a:highlight>
+              </a:rPr>
+              <a:t> </a:t>
+            </a:r>
+            <a:r>
+              <a:rPr lang="en-US" sz="900" b="1" dirty="0">
+                <a:solidFill>
+                  <a:srgbClr val="000080"/>
+                </a:solidFill>
+                <a:highlight>
+                  <a:srgbClr val="FFFFFF"/>
+                </a:highlight>
+              </a:rPr>
+              <a:t>=</a:t>
+            </a:r>
+            <a:r>
+              <a:rPr lang="en-US" sz="900" dirty="0">
+                <a:solidFill>
+                  <a:srgbClr val="000000"/>
+                </a:solidFill>
+                <a:highlight>
+                  <a:srgbClr val="FFFFFF"/>
+                </a:highlight>
+              </a:rPr>
+              <a:t> </a:t>
+            </a:r>
+            <a:r>
+              <a:rPr lang="en-US" sz="900" dirty="0" err="1">
+                <a:solidFill>
+                  <a:srgbClr val="000000"/>
+                </a:solidFill>
+                <a:highlight>
+                  <a:srgbClr val="FFFFFF"/>
+                </a:highlight>
+              </a:rPr>
+              <a:t>X_opt</a:t>
+            </a:r>
+            <a:r>
+              <a:rPr lang="en-US" sz="900" b="1" dirty="0">
+                <a:solidFill>
+                  <a:srgbClr val="000080"/>
+                </a:solidFill>
+                <a:highlight>
+                  <a:srgbClr val="FFFFFF"/>
+                </a:highlight>
+              </a:rPr>
+              <a:t>).</a:t>
+            </a:r>
+            <a:r>
+              <a:rPr lang="en-US" sz="900" dirty="0">
+                <a:solidFill>
+                  <a:srgbClr val="000000"/>
+                </a:solidFill>
+                <a:highlight>
+                  <a:srgbClr val="FFFFFF"/>
+                </a:highlight>
+              </a:rPr>
+              <a:t>fit</a:t>
+            </a:r>
+            <a:r>
+              <a:rPr lang="en-US" sz="900" b="1" dirty="0">
+                <a:solidFill>
+                  <a:srgbClr val="000080"/>
+                </a:solidFill>
+                <a:highlight>
+                  <a:srgbClr val="FFFFFF"/>
+                </a:highlight>
+              </a:rPr>
+              <a:t>()</a:t>
+            </a:r>
+            <a:endParaRPr lang="en-US" sz="900" dirty="0">
+              <a:solidFill>
+                <a:srgbClr val="000000"/>
+              </a:solidFill>
+              <a:highlight>
+                <a:srgbClr val="FFFFFF"/>
+              </a:highlight>
+            </a:endParaRPr>
+          </a:p>
+          <a:p>
+            <a:r>
+              <a:rPr lang="en-US" sz="900" dirty="0" err="1">
+                <a:solidFill>
+                  <a:srgbClr val="000000"/>
+                </a:solidFill>
+                <a:highlight>
+                  <a:srgbClr val="FFFFFF"/>
+                </a:highlight>
+              </a:rPr>
+              <a:t>regressor_OLS</a:t>
+            </a:r>
+            <a:r>
+              <a:rPr lang="en-US" sz="900" b="1" dirty="0" err="1">
+                <a:solidFill>
+                  <a:srgbClr val="000080"/>
+                </a:solidFill>
+                <a:highlight>
+                  <a:srgbClr val="FFFFFF"/>
+                </a:highlight>
+              </a:rPr>
+              <a:t>.</a:t>
+            </a:r>
+            <a:r>
+              <a:rPr lang="en-US" sz="900" dirty="0" err="1">
+                <a:solidFill>
+                  <a:srgbClr val="000000"/>
+                </a:solidFill>
+                <a:highlight>
+                  <a:srgbClr val="FFFFFF"/>
+                </a:highlight>
+              </a:rPr>
+              <a:t>summary</a:t>
+            </a:r>
+            <a:r>
+              <a:rPr lang="en-US" sz="900" b="1" dirty="0">
+                <a:solidFill>
+                  <a:srgbClr val="000080"/>
+                </a:solidFill>
+                <a:highlight>
+                  <a:srgbClr val="FFFFFF"/>
+                </a:highlight>
+              </a:rPr>
+              <a:t>()</a:t>
+            </a:r>
+            <a:endParaRPr lang="en-US" sz="900" dirty="0"/>
+          </a:p>
+        </p:txBody>
+      </p:sp>
+      <p:pic>
+        <p:nvPicPr>
+          <p:cNvPr id="5" name="Picture 4" descr="Screen Clipping"/>
+          <p:cNvPicPr>
+            <a:picLocks noChangeAspect="1"/>
+          </p:cNvPicPr>
+          <p:nvPr/>
+        </p:nvPicPr>
+        <p:blipFill>
+          <a:blip r:embed="rId3">
+            <a:extLst>
+              <a:ext uri="{28A0092B-C50C-407E-A947-70E740481C1C}">
+                <a14:useLocalDpi xmlns:a14="http://schemas.microsoft.com/office/drawing/2010/main" val="0"/>
+              </a:ext>
+            </a:extLst>
+          </a:blip>
+          <a:stretch>
+            <a:fillRect/>
+          </a:stretch>
+        </p:blipFill>
+        <p:spPr>
+          <a:xfrm>
+            <a:off x="2826327" y="1892183"/>
+            <a:ext cx="3859374" cy="4248088"/>
+          </a:xfrm>
+          <a:prstGeom prst="rect">
+            <a:avLst/>
+          </a:prstGeom>
+        </p:spPr>
+      </p:pic>
+      <p:sp>
+        <p:nvSpPr>
+          <p:cNvPr id="6" name="Rectangle 5"/>
+          <p:cNvSpPr/>
+          <p:nvPr/>
+        </p:nvSpPr>
+        <p:spPr>
+          <a:xfrm>
+            <a:off x="6906103" y="3848793"/>
+            <a:ext cx="4989410" cy="149630"/>
+          </a:xfrm>
+          <a:prstGeom prst="rect">
+            <a:avLst/>
+          </a:prstGeom>
+          <a:noFill/>
+          <a:ln w="38100">
+            <a:solidFill>
+              <a:srgbClr val="E521CE"/>
+            </a:solidFill>
+          </a:ln>
+        </p:spPr>
+        <p:style>
+          <a:lnRef idx="2">
+            <a:schemeClr val="accent1">
+              <a:shade val="50000"/>
+            </a:schemeClr>
+          </a:lnRef>
+          <a:fillRef idx="1">
+            <a:schemeClr val="accent1"/>
+          </a:fillRef>
+          <a:effectRef idx="0">
+            <a:schemeClr val="accent1"/>
+          </a:effectRef>
+          <a:fontRef idx="minor">
+            <a:schemeClr val="lt1"/>
+          </a:fontRef>
+        </p:style>
+        <p:txBody>
+          <a:bodyPr rtlCol="0" anchor="ctr"/>
+          <a:lstStyle/>
+          <a:p>
+            <a:pPr algn="ctr"/>
+            <a:endParaRPr lang="en-US">
+              <a:solidFill>
+                <a:srgbClr val="000000"/>
+              </a:solidFill>
+            </a:endParaRPr>
+          </a:p>
+        </p:txBody>
+      </p:sp>
+      <p:sp>
+        <p:nvSpPr>
+          <p:cNvPr id="7" name="Rectangle 6"/>
+          <p:cNvSpPr/>
+          <p:nvPr/>
+        </p:nvSpPr>
+        <p:spPr>
+          <a:xfrm>
+            <a:off x="5153892" y="2369127"/>
+            <a:ext cx="922680" cy="2951018"/>
+          </a:xfrm>
+          <a:prstGeom prst="rect">
+            <a:avLst/>
+          </a:prstGeom>
+          <a:noFill/>
+          <a:ln w="38100">
+            <a:solidFill>
+              <a:srgbClr val="E521CE"/>
+            </a:solidFill>
+          </a:ln>
+        </p:spPr>
+        <p:style>
+          <a:lnRef idx="2">
+            <a:schemeClr val="accent1">
+              <a:shade val="50000"/>
+            </a:schemeClr>
+          </a:lnRef>
+          <a:fillRef idx="1">
+            <a:schemeClr val="accent1"/>
+          </a:fillRef>
+          <a:effectRef idx="0">
+            <a:schemeClr val="accent1"/>
+          </a:effectRef>
+          <a:fontRef idx="minor">
+            <a:schemeClr val="lt1"/>
+          </a:fontRef>
+        </p:style>
+        <p:txBody>
+          <a:bodyPr rtlCol="0" anchor="ctr"/>
+          <a:lstStyle/>
+          <a:p>
+            <a:pPr algn="ctr"/>
+            <a:endParaRPr lang="en-US">
+              <a:solidFill>
+                <a:srgbClr val="000000"/>
+              </a:solidFill>
+            </a:endParaRPr>
+          </a:p>
+        </p:txBody>
+      </p:sp>
+    </p:spTree>
+    <p:extLst>
+      <p:ext uri="{BB962C8B-B14F-4D97-AF65-F5344CB8AC3E}">
+        <p14:creationId xmlns:p14="http://schemas.microsoft.com/office/powerpoint/2010/main" val="2484593781"/>
+      </p:ext>
+    </p:extLst>
+  </p:cSld>
+  <p:clrMapOvr>
+    <a:masterClrMapping/>
+  </p:clrMapOvr>
+</p:sld>
+</file>
+
+<file path=ppt/slides/slide23.xml><?xml version="1.0" encoding="utf-8"?>
+<p:sld xmlns:a="http://schemas.openxmlformats.org/drawingml/2006/main" xmlns:r="http://schemas.openxmlformats.org/officeDocument/2006/relationships" xmlns:p="http://schemas.openxmlformats.org/presentationml/2006/main">
+  <p:cSld>
+    <p:spTree>
+      <p:nvGrpSpPr>
+        <p:cNvPr id="1" name=""/>
+        <p:cNvGrpSpPr/>
+        <p:nvPr/>
+      </p:nvGrpSpPr>
+      <p:grpSpPr>
+        <a:xfrm>
+          <a:off x="0" y="0"/>
+          <a:ext cx="0" cy="0"/>
+          <a:chOff x="0" y="0"/>
+          <a:chExt cx="0" cy="0"/>
+        </a:xfrm>
+      </p:grpSpPr>
+      <p:sp>
+        <p:nvSpPr>
+          <p:cNvPr id="2" name="Title 1"/>
+          <p:cNvSpPr>
+            <a:spLocks noGrp="1"/>
+          </p:cNvSpPr>
+          <p:nvPr>
+            <p:ph type="title"/>
+          </p:nvPr>
+        </p:nvSpPr>
+        <p:spPr>
+          <a:xfrm>
+            <a:off x="203199" y="152400"/>
+            <a:ext cx="11559309" cy="838200"/>
+          </a:xfrm>
+        </p:spPr>
+        <p:txBody>
+          <a:bodyPr>
+            <a:normAutofit fontScale="90000"/>
+          </a:bodyPr>
+          <a:lstStyle/>
+          <a:p>
+            <a:r>
+              <a:rPr lang="en-US" dirty="0">
+                <a:solidFill>
+                  <a:schemeClr val="tx2"/>
+                </a:solidFill>
+                <a:highlight>
+                  <a:srgbClr val="FFFFFF"/>
+                </a:highlight>
+              </a:rPr>
+              <a:t>Building the optimal model using Backward Elimination</a:t>
+            </a:r>
+            <a:endParaRPr lang="en-US" dirty="0"/>
+          </a:p>
+        </p:txBody>
+      </p:sp>
+      <p:pic>
+        <p:nvPicPr>
+          <p:cNvPr id="3" name="Picture 2" descr="Screen Clipping"/>
+          <p:cNvPicPr>
+            <a:picLocks noChangeAspect="1"/>
+          </p:cNvPicPr>
+          <p:nvPr/>
+        </p:nvPicPr>
+        <p:blipFill>
+          <a:blip r:embed="rId2">
+            <a:extLst>
+              <a:ext uri="{28A0092B-C50C-407E-A947-70E740481C1C}">
+                <a14:useLocalDpi xmlns:a14="http://schemas.microsoft.com/office/drawing/2010/main" val="0"/>
+              </a:ext>
+            </a:extLst>
+          </a:blip>
+          <a:stretch>
+            <a:fillRect/>
+          </a:stretch>
+        </p:blipFill>
+        <p:spPr>
+          <a:xfrm>
+            <a:off x="7148843" y="1055716"/>
+            <a:ext cx="4975571" cy="5205213"/>
+          </a:xfrm>
+          <a:prstGeom prst="rect">
+            <a:avLst/>
+          </a:prstGeom>
+          <a:ln w="38100" cap="sq">
+            <a:solidFill>
+              <a:srgbClr val="000000"/>
+            </a:solidFill>
+            <a:prstDash val="solid"/>
+            <a:miter lim="800000"/>
+          </a:ln>
+          <a:effectLst>
+            <a:outerShdw blurRad="50800" dist="38100" dir="2700000" algn="tl" rotWithShape="0">
+              <a:srgbClr val="000000">
+                <a:alpha val="43000"/>
+              </a:srgbClr>
+            </a:outerShdw>
+          </a:effectLst>
+        </p:spPr>
+      </p:pic>
+      <p:pic>
+        <p:nvPicPr>
+          <p:cNvPr id="4" name="Picture 3" descr="Screen Clipping"/>
+          <p:cNvPicPr>
+            <a:picLocks noChangeAspect="1"/>
+          </p:cNvPicPr>
+          <p:nvPr/>
+        </p:nvPicPr>
+        <p:blipFill>
+          <a:blip r:embed="rId3">
+            <a:extLst>
+              <a:ext uri="{28A0092B-C50C-407E-A947-70E740481C1C}">
+                <a14:useLocalDpi xmlns:a14="http://schemas.microsoft.com/office/drawing/2010/main" val="0"/>
+              </a:ext>
+            </a:extLst>
+          </a:blip>
+          <a:stretch>
+            <a:fillRect/>
+          </a:stretch>
+        </p:blipFill>
+        <p:spPr>
+          <a:xfrm>
+            <a:off x="3212244" y="2901141"/>
+            <a:ext cx="3837100" cy="3359787"/>
+          </a:xfrm>
+          <a:prstGeom prst="rect">
+            <a:avLst/>
+          </a:prstGeom>
+          <a:ln w="38100" cap="sq">
+            <a:solidFill>
+              <a:srgbClr val="000000"/>
+            </a:solidFill>
+            <a:prstDash val="solid"/>
+            <a:miter lim="800000"/>
+          </a:ln>
+          <a:effectLst>
+            <a:outerShdw blurRad="50800" dist="38100" dir="2700000" algn="tl" rotWithShape="0">
+              <a:srgbClr val="000000">
+                <a:alpha val="43000"/>
+              </a:srgbClr>
+            </a:outerShdw>
+          </a:effectLst>
+        </p:spPr>
+      </p:pic>
+      <p:sp>
+        <p:nvSpPr>
+          <p:cNvPr id="5" name="Rectangle 4"/>
+          <p:cNvSpPr/>
+          <p:nvPr/>
+        </p:nvSpPr>
+        <p:spPr>
+          <a:xfrm>
+            <a:off x="203199" y="1055716"/>
+            <a:ext cx="4838007" cy="3323987"/>
+          </a:xfrm>
+          <a:prstGeom prst="rect">
+            <a:avLst/>
+          </a:prstGeom>
+        </p:spPr>
+        <p:txBody>
+          <a:bodyPr wrap="square">
+            <a:spAutoFit/>
+          </a:bodyPr>
+          <a:lstStyle/>
+          <a:p>
+            <a:r>
+              <a:rPr lang="en-US" sz="1000" dirty="0">
+                <a:solidFill>
+                  <a:srgbClr val="008000"/>
+                </a:solidFill>
+                <a:highlight>
+                  <a:srgbClr val="FFFFFF"/>
+                </a:highlight>
+              </a:rPr>
+              <a:t># Building the optimal model using Backward Elimination</a:t>
+            </a:r>
+            <a:endParaRPr lang="en-US" sz="1000" dirty="0">
+              <a:solidFill>
+                <a:srgbClr val="000000"/>
+              </a:solidFill>
+              <a:highlight>
+                <a:srgbClr val="FFFFFF"/>
+              </a:highlight>
+            </a:endParaRPr>
+          </a:p>
+          <a:p>
+            <a:r>
+              <a:rPr lang="en-US" sz="1000" b="1" dirty="0">
+                <a:solidFill>
+                  <a:srgbClr val="0000FF"/>
+                </a:solidFill>
+                <a:highlight>
+                  <a:srgbClr val="FFFFFF"/>
+                </a:highlight>
+              </a:rPr>
+              <a:t>import</a:t>
+            </a:r>
+            <a:r>
+              <a:rPr lang="en-US" sz="1000" dirty="0">
+                <a:solidFill>
+                  <a:srgbClr val="000000"/>
+                </a:solidFill>
+                <a:highlight>
+                  <a:srgbClr val="FFFFFF"/>
+                </a:highlight>
+              </a:rPr>
+              <a:t> </a:t>
+            </a:r>
+            <a:r>
+              <a:rPr lang="en-US" sz="1000" dirty="0" err="1">
+                <a:solidFill>
+                  <a:srgbClr val="000000"/>
+                </a:solidFill>
+                <a:highlight>
+                  <a:srgbClr val="FFFFFF"/>
+                </a:highlight>
+              </a:rPr>
+              <a:t>statsmodels</a:t>
+            </a:r>
+            <a:r>
+              <a:rPr lang="en-US" sz="1000" b="1" dirty="0" err="1">
+                <a:solidFill>
+                  <a:srgbClr val="000080"/>
+                </a:solidFill>
+                <a:highlight>
+                  <a:srgbClr val="FFFFFF"/>
+                </a:highlight>
+              </a:rPr>
+              <a:t>.</a:t>
+            </a:r>
+            <a:r>
+              <a:rPr lang="en-US" sz="1000" dirty="0" err="1">
+                <a:solidFill>
+                  <a:srgbClr val="000000"/>
+                </a:solidFill>
+                <a:highlight>
+                  <a:srgbClr val="FFFFFF"/>
+                </a:highlight>
+              </a:rPr>
+              <a:t>formula</a:t>
+            </a:r>
+            <a:r>
+              <a:rPr lang="en-US" sz="1000" b="1" dirty="0" err="1">
+                <a:solidFill>
+                  <a:srgbClr val="000080"/>
+                </a:solidFill>
+                <a:highlight>
+                  <a:srgbClr val="FFFFFF"/>
+                </a:highlight>
+              </a:rPr>
+              <a:t>.</a:t>
+            </a:r>
+            <a:r>
+              <a:rPr lang="en-US" sz="1000" dirty="0" err="1">
+                <a:solidFill>
+                  <a:srgbClr val="000000"/>
+                </a:solidFill>
+                <a:highlight>
+                  <a:srgbClr val="FFFFFF"/>
+                </a:highlight>
+              </a:rPr>
+              <a:t>api</a:t>
+            </a:r>
+            <a:r>
+              <a:rPr lang="en-US" sz="1000" dirty="0">
+                <a:solidFill>
+                  <a:srgbClr val="000000"/>
+                </a:solidFill>
+                <a:highlight>
+                  <a:srgbClr val="FFFFFF"/>
+                </a:highlight>
+              </a:rPr>
+              <a:t> </a:t>
+            </a:r>
+            <a:r>
+              <a:rPr lang="en-US" sz="1000" b="1" dirty="0">
+                <a:solidFill>
+                  <a:srgbClr val="0000FF"/>
+                </a:solidFill>
+                <a:highlight>
+                  <a:srgbClr val="FFFFFF"/>
+                </a:highlight>
+              </a:rPr>
+              <a:t>as</a:t>
+            </a:r>
+            <a:r>
+              <a:rPr lang="en-US" sz="1000" dirty="0">
+                <a:solidFill>
+                  <a:srgbClr val="000000"/>
+                </a:solidFill>
+                <a:highlight>
+                  <a:srgbClr val="FFFFFF"/>
+                </a:highlight>
+              </a:rPr>
+              <a:t> </a:t>
+            </a:r>
+            <a:r>
+              <a:rPr lang="en-US" sz="1000" dirty="0" err="1">
+                <a:solidFill>
+                  <a:srgbClr val="000000"/>
+                </a:solidFill>
+                <a:highlight>
+                  <a:srgbClr val="FFFFFF"/>
+                </a:highlight>
+              </a:rPr>
+              <a:t>sm</a:t>
+            </a:r>
+            <a:endParaRPr lang="en-US" sz="1000" dirty="0">
+              <a:solidFill>
+                <a:srgbClr val="000000"/>
+              </a:solidFill>
+              <a:highlight>
+                <a:srgbClr val="FFFFFF"/>
+              </a:highlight>
+            </a:endParaRPr>
+          </a:p>
+          <a:p>
+            <a:r>
+              <a:rPr lang="en-US" sz="1000" dirty="0">
+                <a:solidFill>
+                  <a:srgbClr val="000000"/>
+                </a:solidFill>
+                <a:highlight>
+                  <a:srgbClr val="FFFFFF"/>
+                </a:highlight>
+              </a:rPr>
+              <a:t>X </a:t>
+            </a:r>
+            <a:r>
+              <a:rPr lang="en-US" sz="1000" b="1" dirty="0">
+                <a:solidFill>
+                  <a:srgbClr val="000080"/>
+                </a:solidFill>
+                <a:highlight>
+                  <a:srgbClr val="FFFFFF"/>
+                </a:highlight>
+              </a:rPr>
+              <a:t>=</a:t>
+            </a:r>
+            <a:r>
+              <a:rPr lang="en-US" sz="1000" dirty="0">
+                <a:solidFill>
+                  <a:srgbClr val="000000"/>
+                </a:solidFill>
+                <a:highlight>
+                  <a:srgbClr val="FFFFFF"/>
+                </a:highlight>
+              </a:rPr>
+              <a:t> </a:t>
+            </a:r>
+            <a:r>
+              <a:rPr lang="en-US" sz="1000" dirty="0" err="1">
+                <a:solidFill>
+                  <a:srgbClr val="000000"/>
+                </a:solidFill>
+                <a:highlight>
+                  <a:srgbClr val="FFFFFF"/>
+                </a:highlight>
+              </a:rPr>
+              <a:t>np</a:t>
+            </a:r>
+            <a:r>
+              <a:rPr lang="en-US" sz="1000" b="1" dirty="0" err="1">
+                <a:solidFill>
+                  <a:srgbClr val="000080"/>
+                </a:solidFill>
+                <a:highlight>
+                  <a:srgbClr val="FFFFFF"/>
+                </a:highlight>
+              </a:rPr>
+              <a:t>.</a:t>
+            </a:r>
+            <a:r>
+              <a:rPr lang="en-US" sz="1000" dirty="0" err="1">
+                <a:solidFill>
+                  <a:srgbClr val="000000"/>
+                </a:solidFill>
+                <a:highlight>
+                  <a:srgbClr val="FFFFFF"/>
+                </a:highlight>
+              </a:rPr>
+              <a:t>append</a:t>
+            </a:r>
+            <a:r>
+              <a:rPr lang="en-US" sz="1000" b="1" dirty="0">
+                <a:solidFill>
+                  <a:srgbClr val="000080"/>
+                </a:solidFill>
+                <a:highlight>
+                  <a:srgbClr val="FFFFFF"/>
+                </a:highlight>
+              </a:rPr>
+              <a:t>(</a:t>
+            </a:r>
+            <a:r>
+              <a:rPr lang="en-US" sz="1000" dirty="0" err="1">
+                <a:solidFill>
+                  <a:srgbClr val="000000"/>
+                </a:solidFill>
+                <a:highlight>
+                  <a:srgbClr val="FFFFFF"/>
+                </a:highlight>
+              </a:rPr>
+              <a:t>arr</a:t>
+            </a:r>
+            <a:r>
+              <a:rPr lang="en-US" sz="1000" dirty="0">
+                <a:solidFill>
+                  <a:srgbClr val="000000"/>
+                </a:solidFill>
+                <a:highlight>
+                  <a:srgbClr val="FFFFFF"/>
+                </a:highlight>
+              </a:rPr>
+              <a:t> </a:t>
+            </a:r>
+            <a:r>
+              <a:rPr lang="en-US" sz="1000" b="1" dirty="0">
+                <a:solidFill>
+                  <a:srgbClr val="000080"/>
+                </a:solidFill>
+                <a:highlight>
+                  <a:srgbClr val="FFFFFF"/>
+                </a:highlight>
+              </a:rPr>
+              <a:t>=</a:t>
+            </a:r>
+            <a:r>
+              <a:rPr lang="en-US" sz="1000" dirty="0">
+                <a:solidFill>
+                  <a:srgbClr val="000000"/>
+                </a:solidFill>
+                <a:highlight>
+                  <a:srgbClr val="FFFFFF"/>
+                </a:highlight>
+              </a:rPr>
+              <a:t> </a:t>
+            </a:r>
+            <a:r>
+              <a:rPr lang="en-US" sz="1000" dirty="0" err="1">
+                <a:solidFill>
+                  <a:srgbClr val="000000"/>
+                </a:solidFill>
+                <a:highlight>
+                  <a:srgbClr val="FFFFFF"/>
+                </a:highlight>
+              </a:rPr>
+              <a:t>np</a:t>
+            </a:r>
+            <a:r>
+              <a:rPr lang="en-US" sz="1000" b="1" dirty="0" err="1">
+                <a:solidFill>
+                  <a:srgbClr val="000080"/>
+                </a:solidFill>
+                <a:highlight>
+                  <a:srgbClr val="FFFFFF"/>
+                </a:highlight>
+              </a:rPr>
+              <a:t>.</a:t>
+            </a:r>
+            <a:r>
+              <a:rPr lang="en-US" sz="1000" dirty="0" err="1">
+                <a:solidFill>
+                  <a:srgbClr val="000000"/>
+                </a:solidFill>
+                <a:highlight>
+                  <a:srgbClr val="FFFFFF"/>
+                </a:highlight>
+              </a:rPr>
+              <a:t>ones</a:t>
+            </a:r>
+            <a:r>
+              <a:rPr lang="en-US" sz="1000" b="1" dirty="0">
+                <a:solidFill>
+                  <a:srgbClr val="000080"/>
+                </a:solidFill>
+                <a:highlight>
+                  <a:srgbClr val="FFFFFF"/>
+                </a:highlight>
+              </a:rPr>
+              <a:t>((</a:t>
+            </a:r>
+            <a:r>
+              <a:rPr lang="en-US" sz="1000" dirty="0">
+                <a:solidFill>
+                  <a:srgbClr val="FF0000"/>
+                </a:solidFill>
+                <a:highlight>
+                  <a:srgbClr val="FFFFFF"/>
+                </a:highlight>
+              </a:rPr>
+              <a:t>50</a:t>
+            </a:r>
+            <a:r>
+              <a:rPr lang="en-US" sz="1000" b="1" dirty="0">
+                <a:solidFill>
+                  <a:srgbClr val="000080"/>
+                </a:solidFill>
+                <a:highlight>
+                  <a:srgbClr val="FFFFFF"/>
+                </a:highlight>
+              </a:rPr>
+              <a:t>,</a:t>
+            </a:r>
+            <a:r>
+              <a:rPr lang="en-US" sz="1000" dirty="0">
+                <a:solidFill>
+                  <a:srgbClr val="000000"/>
+                </a:solidFill>
+                <a:highlight>
+                  <a:srgbClr val="FFFFFF"/>
+                </a:highlight>
+              </a:rPr>
+              <a:t> </a:t>
+            </a:r>
+            <a:r>
+              <a:rPr lang="en-US" sz="1000" dirty="0">
+                <a:solidFill>
+                  <a:srgbClr val="FF0000"/>
+                </a:solidFill>
+                <a:highlight>
+                  <a:srgbClr val="FFFFFF"/>
+                </a:highlight>
+              </a:rPr>
+              <a:t>1</a:t>
+            </a:r>
+            <a:r>
+              <a:rPr lang="en-US" sz="1000" b="1" dirty="0">
+                <a:solidFill>
+                  <a:srgbClr val="000080"/>
+                </a:solidFill>
+                <a:highlight>
+                  <a:srgbClr val="FFFFFF"/>
+                </a:highlight>
+              </a:rPr>
+              <a:t>)).</a:t>
+            </a:r>
+            <a:r>
+              <a:rPr lang="en-US" sz="1000" dirty="0" err="1">
+                <a:solidFill>
+                  <a:srgbClr val="000000"/>
+                </a:solidFill>
+                <a:highlight>
+                  <a:srgbClr val="FFFFFF"/>
+                </a:highlight>
+              </a:rPr>
+              <a:t>astype</a:t>
+            </a:r>
+            <a:r>
+              <a:rPr lang="en-US" sz="1000" b="1" dirty="0">
+                <a:solidFill>
+                  <a:srgbClr val="000080"/>
+                </a:solidFill>
+                <a:highlight>
+                  <a:srgbClr val="FFFFFF"/>
+                </a:highlight>
+              </a:rPr>
+              <a:t>(</a:t>
+            </a:r>
+            <a:r>
+              <a:rPr lang="en-US" sz="1000" dirty="0" err="1">
+                <a:solidFill>
+                  <a:srgbClr val="000000"/>
+                </a:solidFill>
+                <a:highlight>
+                  <a:srgbClr val="FFFFFF"/>
+                </a:highlight>
+              </a:rPr>
+              <a:t>int</a:t>
+            </a:r>
+            <a:r>
+              <a:rPr lang="en-US" sz="1000" b="1" dirty="0">
+                <a:solidFill>
+                  <a:srgbClr val="000080"/>
+                </a:solidFill>
+                <a:highlight>
+                  <a:srgbClr val="FFFFFF"/>
+                </a:highlight>
+              </a:rPr>
+              <a:t>),</a:t>
+            </a:r>
+            <a:r>
+              <a:rPr lang="en-US" sz="1000" dirty="0">
+                <a:solidFill>
+                  <a:srgbClr val="000000"/>
+                </a:solidFill>
+                <a:highlight>
+                  <a:srgbClr val="FFFFFF"/>
+                </a:highlight>
+              </a:rPr>
+              <a:t> values </a:t>
+            </a:r>
+            <a:r>
+              <a:rPr lang="en-US" sz="1000" b="1" dirty="0">
+                <a:solidFill>
+                  <a:srgbClr val="000080"/>
+                </a:solidFill>
+                <a:highlight>
+                  <a:srgbClr val="FFFFFF"/>
+                </a:highlight>
+              </a:rPr>
+              <a:t>=</a:t>
+            </a:r>
+            <a:r>
+              <a:rPr lang="en-US" sz="1000" dirty="0">
+                <a:solidFill>
+                  <a:srgbClr val="000000"/>
+                </a:solidFill>
+                <a:highlight>
+                  <a:srgbClr val="FFFFFF"/>
+                </a:highlight>
+              </a:rPr>
+              <a:t> X</a:t>
+            </a:r>
+            <a:r>
+              <a:rPr lang="en-US" sz="1000" b="1" dirty="0">
+                <a:solidFill>
+                  <a:srgbClr val="000080"/>
+                </a:solidFill>
+                <a:highlight>
+                  <a:srgbClr val="FFFFFF"/>
+                </a:highlight>
+              </a:rPr>
+              <a:t>,</a:t>
+            </a:r>
+            <a:r>
+              <a:rPr lang="en-US" sz="1000" dirty="0">
+                <a:solidFill>
+                  <a:srgbClr val="000000"/>
+                </a:solidFill>
+                <a:highlight>
+                  <a:srgbClr val="FFFFFF"/>
+                </a:highlight>
+              </a:rPr>
+              <a:t> axis </a:t>
+            </a:r>
+            <a:r>
+              <a:rPr lang="en-US" sz="1000" b="1" dirty="0">
+                <a:solidFill>
+                  <a:srgbClr val="000080"/>
+                </a:solidFill>
+                <a:highlight>
+                  <a:srgbClr val="FFFFFF"/>
+                </a:highlight>
+              </a:rPr>
+              <a:t>=</a:t>
+            </a:r>
+            <a:r>
+              <a:rPr lang="en-US" sz="1000" dirty="0">
+                <a:solidFill>
+                  <a:srgbClr val="000000"/>
+                </a:solidFill>
+                <a:highlight>
+                  <a:srgbClr val="FFFFFF"/>
+                </a:highlight>
+              </a:rPr>
+              <a:t> </a:t>
+            </a:r>
+            <a:r>
+              <a:rPr lang="en-US" sz="1000" dirty="0">
+                <a:solidFill>
+                  <a:srgbClr val="FF0000"/>
+                </a:solidFill>
+                <a:highlight>
+                  <a:srgbClr val="FFFFFF"/>
+                </a:highlight>
+              </a:rPr>
+              <a:t>1</a:t>
+            </a:r>
+            <a:r>
+              <a:rPr lang="en-US" sz="1000" b="1" dirty="0">
+                <a:solidFill>
+                  <a:srgbClr val="000080"/>
+                </a:solidFill>
+                <a:highlight>
+                  <a:srgbClr val="FFFFFF"/>
+                </a:highlight>
+              </a:rPr>
+              <a:t>)</a:t>
+            </a:r>
+            <a:endParaRPr lang="en-US" sz="1000" dirty="0">
+              <a:solidFill>
+                <a:srgbClr val="000000"/>
+              </a:solidFill>
+              <a:highlight>
+                <a:srgbClr val="FFFFFF"/>
+              </a:highlight>
+            </a:endParaRPr>
+          </a:p>
+          <a:p>
+            <a:r>
+              <a:rPr lang="nl-NL" sz="1000" dirty="0">
+                <a:solidFill>
+                  <a:srgbClr val="000000"/>
+                </a:solidFill>
+                <a:highlight>
+                  <a:srgbClr val="FFFFFF"/>
+                </a:highlight>
+              </a:rPr>
+              <a:t>X_opt </a:t>
+            </a:r>
+            <a:r>
+              <a:rPr lang="nl-NL" sz="1000" b="1" dirty="0">
+                <a:solidFill>
+                  <a:srgbClr val="000080"/>
+                </a:solidFill>
+                <a:highlight>
+                  <a:srgbClr val="FFFFFF"/>
+                </a:highlight>
+              </a:rPr>
+              <a:t>=</a:t>
+            </a:r>
+            <a:r>
+              <a:rPr lang="nl-NL" sz="1000" dirty="0">
+                <a:solidFill>
+                  <a:srgbClr val="000000"/>
+                </a:solidFill>
+                <a:highlight>
+                  <a:srgbClr val="FFFFFF"/>
+                </a:highlight>
+              </a:rPr>
+              <a:t> X</a:t>
+            </a:r>
+            <a:r>
+              <a:rPr lang="nl-NL" sz="1000" b="1" dirty="0">
+                <a:solidFill>
+                  <a:srgbClr val="000080"/>
+                </a:solidFill>
+                <a:highlight>
+                  <a:srgbClr val="FFFFFF"/>
+                </a:highlight>
+              </a:rPr>
+              <a:t>[:,</a:t>
+            </a:r>
+            <a:r>
+              <a:rPr lang="nl-NL" sz="1000" dirty="0">
+                <a:solidFill>
+                  <a:srgbClr val="000000"/>
+                </a:solidFill>
+                <a:highlight>
+                  <a:srgbClr val="FFFFFF"/>
+                </a:highlight>
+              </a:rPr>
+              <a:t> </a:t>
+            </a:r>
+            <a:r>
+              <a:rPr lang="nl-NL" sz="1000" b="1" dirty="0">
+                <a:solidFill>
+                  <a:srgbClr val="000080"/>
+                </a:solidFill>
+                <a:highlight>
+                  <a:srgbClr val="FFFFFF"/>
+                </a:highlight>
+              </a:rPr>
+              <a:t>[</a:t>
+            </a:r>
+            <a:r>
+              <a:rPr lang="nl-NL" sz="1000" dirty="0">
+                <a:solidFill>
+                  <a:srgbClr val="FF0000"/>
+                </a:solidFill>
+                <a:highlight>
+                  <a:srgbClr val="FFFFFF"/>
+                </a:highlight>
+              </a:rPr>
+              <a:t>0</a:t>
+            </a:r>
+            <a:r>
+              <a:rPr lang="nl-NL" sz="1000" b="1" dirty="0">
+                <a:solidFill>
+                  <a:srgbClr val="000080"/>
+                </a:solidFill>
+                <a:highlight>
+                  <a:srgbClr val="FFFFFF"/>
+                </a:highlight>
+              </a:rPr>
+              <a:t>,</a:t>
+            </a:r>
+            <a:r>
+              <a:rPr lang="nl-NL" sz="1000" dirty="0">
+                <a:solidFill>
+                  <a:srgbClr val="000000"/>
+                </a:solidFill>
+                <a:highlight>
+                  <a:srgbClr val="FFFFFF"/>
+                </a:highlight>
+              </a:rPr>
+              <a:t> </a:t>
+            </a:r>
+            <a:r>
+              <a:rPr lang="nl-NL" sz="1000" dirty="0">
+                <a:solidFill>
+                  <a:srgbClr val="FF0000"/>
+                </a:solidFill>
+                <a:highlight>
+                  <a:srgbClr val="FFFFFF"/>
+                </a:highlight>
+              </a:rPr>
+              <a:t>1</a:t>
+            </a:r>
+            <a:r>
+              <a:rPr lang="nl-NL" sz="1000" b="1" dirty="0">
+                <a:solidFill>
+                  <a:srgbClr val="000080"/>
+                </a:solidFill>
+                <a:highlight>
+                  <a:srgbClr val="FFFFFF"/>
+                </a:highlight>
+              </a:rPr>
+              <a:t>,</a:t>
+            </a:r>
+            <a:r>
+              <a:rPr lang="nl-NL" sz="1000" dirty="0">
+                <a:solidFill>
+                  <a:srgbClr val="000000"/>
+                </a:solidFill>
+                <a:highlight>
+                  <a:srgbClr val="FFFFFF"/>
+                </a:highlight>
+              </a:rPr>
+              <a:t> </a:t>
+            </a:r>
+            <a:r>
+              <a:rPr lang="nl-NL" sz="1000" dirty="0">
+                <a:solidFill>
+                  <a:srgbClr val="FF0000"/>
+                </a:solidFill>
+                <a:highlight>
+                  <a:srgbClr val="FFFFFF"/>
+                </a:highlight>
+              </a:rPr>
+              <a:t>2</a:t>
+            </a:r>
+            <a:r>
+              <a:rPr lang="nl-NL" sz="1000" b="1" dirty="0">
+                <a:solidFill>
+                  <a:srgbClr val="000080"/>
+                </a:solidFill>
+                <a:highlight>
+                  <a:srgbClr val="FFFFFF"/>
+                </a:highlight>
+              </a:rPr>
+              <a:t>,</a:t>
+            </a:r>
+            <a:r>
+              <a:rPr lang="nl-NL" sz="1000" dirty="0">
+                <a:solidFill>
+                  <a:srgbClr val="000000"/>
+                </a:solidFill>
+                <a:highlight>
+                  <a:srgbClr val="FFFFFF"/>
+                </a:highlight>
+              </a:rPr>
+              <a:t> </a:t>
+            </a:r>
+            <a:r>
+              <a:rPr lang="nl-NL" sz="1000" dirty="0">
+                <a:solidFill>
+                  <a:srgbClr val="FF0000"/>
+                </a:solidFill>
+                <a:highlight>
+                  <a:srgbClr val="FFFFFF"/>
+                </a:highlight>
+              </a:rPr>
+              <a:t>3</a:t>
+            </a:r>
+            <a:r>
+              <a:rPr lang="nl-NL" sz="1000" b="1" dirty="0">
+                <a:solidFill>
+                  <a:srgbClr val="000080"/>
+                </a:solidFill>
+                <a:highlight>
+                  <a:srgbClr val="FFFFFF"/>
+                </a:highlight>
+              </a:rPr>
+              <a:t>,</a:t>
+            </a:r>
+            <a:r>
+              <a:rPr lang="nl-NL" sz="1000" dirty="0">
+                <a:solidFill>
+                  <a:srgbClr val="000000"/>
+                </a:solidFill>
+                <a:highlight>
+                  <a:srgbClr val="FFFFFF"/>
+                </a:highlight>
+              </a:rPr>
+              <a:t> </a:t>
+            </a:r>
+            <a:r>
+              <a:rPr lang="nl-NL" sz="1000" dirty="0">
+                <a:solidFill>
+                  <a:srgbClr val="FF0000"/>
+                </a:solidFill>
+                <a:highlight>
+                  <a:srgbClr val="FFFFFF"/>
+                </a:highlight>
+              </a:rPr>
+              <a:t>4</a:t>
+            </a:r>
+            <a:r>
+              <a:rPr lang="nl-NL" sz="1000" b="1" dirty="0">
+                <a:solidFill>
+                  <a:srgbClr val="000080"/>
+                </a:solidFill>
+                <a:highlight>
+                  <a:srgbClr val="FFFFFF"/>
+                </a:highlight>
+              </a:rPr>
+              <a:t>,</a:t>
+            </a:r>
+            <a:r>
+              <a:rPr lang="nl-NL" sz="1000" dirty="0">
+                <a:solidFill>
+                  <a:srgbClr val="000000"/>
+                </a:solidFill>
+                <a:highlight>
+                  <a:srgbClr val="FFFFFF"/>
+                </a:highlight>
+              </a:rPr>
+              <a:t> </a:t>
+            </a:r>
+            <a:r>
+              <a:rPr lang="nl-NL" sz="1000" dirty="0">
+                <a:solidFill>
+                  <a:srgbClr val="FF0000"/>
+                </a:solidFill>
+                <a:highlight>
+                  <a:srgbClr val="FFFFFF"/>
+                </a:highlight>
+              </a:rPr>
+              <a:t>5</a:t>
+            </a:r>
+            <a:r>
+              <a:rPr lang="nl-NL" sz="1000" b="1" dirty="0">
+                <a:solidFill>
+                  <a:srgbClr val="000080"/>
+                </a:solidFill>
+                <a:highlight>
+                  <a:srgbClr val="FFFFFF"/>
+                </a:highlight>
+              </a:rPr>
+              <a:t>]]</a:t>
+            </a:r>
+            <a:endParaRPr lang="nl-NL" sz="1000" dirty="0">
+              <a:solidFill>
+                <a:srgbClr val="000000"/>
+              </a:solidFill>
+              <a:highlight>
+                <a:srgbClr val="FFFFFF"/>
+              </a:highlight>
+            </a:endParaRPr>
+          </a:p>
+          <a:p>
+            <a:r>
+              <a:rPr lang="en-US" sz="1000" dirty="0" err="1">
+                <a:solidFill>
+                  <a:srgbClr val="000000"/>
+                </a:solidFill>
+                <a:highlight>
+                  <a:srgbClr val="FFFFFF"/>
+                </a:highlight>
+              </a:rPr>
+              <a:t>regressor_OLS</a:t>
+            </a:r>
+            <a:r>
+              <a:rPr lang="en-US" sz="1000" dirty="0">
+                <a:solidFill>
+                  <a:srgbClr val="000000"/>
+                </a:solidFill>
+                <a:highlight>
+                  <a:srgbClr val="FFFFFF"/>
+                </a:highlight>
+              </a:rPr>
+              <a:t> </a:t>
+            </a:r>
+            <a:r>
+              <a:rPr lang="en-US" sz="1000" b="1" dirty="0">
+                <a:solidFill>
+                  <a:srgbClr val="000080"/>
+                </a:solidFill>
+                <a:highlight>
+                  <a:srgbClr val="FFFFFF"/>
+                </a:highlight>
+              </a:rPr>
+              <a:t>=</a:t>
+            </a:r>
+            <a:r>
+              <a:rPr lang="en-US" sz="1000" dirty="0">
+                <a:solidFill>
+                  <a:srgbClr val="000000"/>
+                </a:solidFill>
+                <a:highlight>
+                  <a:srgbClr val="FFFFFF"/>
+                </a:highlight>
+              </a:rPr>
+              <a:t> </a:t>
+            </a:r>
+            <a:r>
+              <a:rPr lang="en-US" sz="1000" dirty="0" err="1">
+                <a:solidFill>
+                  <a:srgbClr val="000000"/>
+                </a:solidFill>
+                <a:highlight>
+                  <a:srgbClr val="FFFFFF"/>
+                </a:highlight>
+              </a:rPr>
+              <a:t>sm</a:t>
+            </a:r>
+            <a:r>
+              <a:rPr lang="en-US" sz="1000" b="1" dirty="0" err="1">
+                <a:solidFill>
+                  <a:srgbClr val="000080"/>
+                </a:solidFill>
+                <a:highlight>
+                  <a:srgbClr val="FFFFFF"/>
+                </a:highlight>
+              </a:rPr>
+              <a:t>.</a:t>
+            </a:r>
+            <a:r>
+              <a:rPr lang="en-US" sz="1000" dirty="0" err="1">
+                <a:solidFill>
+                  <a:srgbClr val="000000"/>
+                </a:solidFill>
+                <a:highlight>
+                  <a:srgbClr val="FFFFFF"/>
+                </a:highlight>
+              </a:rPr>
+              <a:t>OLS</a:t>
+            </a:r>
+            <a:r>
+              <a:rPr lang="en-US" sz="1000" b="1" dirty="0">
+                <a:solidFill>
+                  <a:srgbClr val="000080"/>
+                </a:solidFill>
+                <a:highlight>
+                  <a:srgbClr val="FFFFFF"/>
+                </a:highlight>
+              </a:rPr>
+              <a:t>(</a:t>
+            </a:r>
+            <a:r>
+              <a:rPr lang="en-US" sz="1000" dirty="0" err="1">
+                <a:solidFill>
+                  <a:srgbClr val="000000"/>
+                </a:solidFill>
+                <a:highlight>
+                  <a:srgbClr val="FFFFFF"/>
+                </a:highlight>
+              </a:rPr>
+              <a:t>endog</a:t>
+            </a:r>
+            <a:r>
+              <a:rPr lang="en-US" sz="1000" dirty="0">
+                <a:solidFill>
+                  <a:srgbClr val="000000"/>
+                </a:solidFill>
+                <a:highlight>
+                  <a:srgbClr val="FFFFFF"/>
+                </a:highlight>
+              </a:rPr>
+              <a:t> </a:t>
+            </a:r>
+            <a:r>
+              <a:rPr lang="en-US" sz="1000" b="1" dirty="0">
+                <a:solidFill>
+                  <a:srgbClr val="000080"/>
+                </a:solidFill>
+                <a:highlight>
+                  <a:srgbClr val="FFFFFF"/>
+                </a:highlight>
+              </a:rPr>
+              <a:t>=</a:t>
+            </a:r>
+            <a:r>
+              <a:rPr lang="en-US" sz="1000" dirty="0">
+                <a:solidFill>
+                  <a:srgbClr val="000000"/>
+                </a:solidFill>
+                <a:highlight>
+                  <a:srgbClr val="FFFFFF"/>
+                </a:highlight>
+              </a:rPr>
+              <a:t> y</a:t>
+            </a:r>
+            <a:r>
+              <a:rPr lang="en-US" sz="1000" b="1" dirty="0">
+                <a:solidFill>
+                  <a:srgbClr val="000080"/>
+                </a:solidFill>
+                <a:highlight>
+                  <a:srgbClr val="FFFFFF"/>
+                </a:highlight>
+              </a:rPr>
+              <a:t>,</a:t>
+            </a:r>
+            <a:r>
+              <a:rPr lang="en-US" sz="1000" dirty="0">
+                <a:solidFill>
+                  <a:srgbClr val="000000"/>
+                </a:solidFill>
+                <a:highlight>
+                  <a:srgbClr val="FFFFFF"/>
+                </a:highlight>
+              </a:rPr>
+              <a:t> </a:t>
+            </a:r>
+            <a:r>
+              <a:rPr lang="en-US" sz="1000" dirty="0" err="1">
+                <a:solidFill>
+                  <a:srgbClr val="000000"/>
+                </a:solidFill>
+                <a:highlight>
+                  <a:srgbClr val="FFFFFF"/>
+                </a:highlight>
+              </a:rPr>
+              <a:t>exog</a:t>
+            </a:r>
+            <a:r>
+              <a:rPr lang="en-US" sz="1000" dirty="0">
+                <a:solidFill>
+                  <a:srgbClr val="000000"/>
+                </a:solidFill>
+                <a:highlight>
+                  <a:srgbClr val="FFFFFF"/>
+                </a:highlight>
+              </a:rPr>
+              <a:t> </a:t>
+            </a:r>
+            <a:r>
+              <a:rPr lang="en-US" sz="1000" b="1" dirty="0">
+                <a:solidFill>
+                  <a:srgbClr val="000080"/>
+                </a:solidFill>
+                <a:highlight>
+                  <a:srgbClr val="FFFFFF"/>
+                </a:highlight>
+              </a:rPr>
+              <a:t>=</a:t>
+            </a:r>
+            <a:r>
+              <a:rPr lang="en-US" sz="1000" dirty="0">
+                <a:solidFill>
+                  <a:srgbClr val="000000"/>
+                </a:solidFill>
+                <a:highlight>
+                  <a:srgbClr val="FFFFFF"/>
+                </a:highlight>
+              </a:rPr>
+              <a:t> </a:t>
+            </a:r>
+            <a:r>
+              <a:rPr lang="en-US" sz="1000" dirty="0" err="1">
+                <a:solidFill>
+                  <a:srgbClr val="000000"/>
+                </a:solidFill>
+                <a:highlight>
+                  <a:srgbClr val="FFFFFF"/>
+                </a:highlight>
+              </a:rPr>
+              <a:t>X_opt</a:t>
+            </a:r>
+            <a:r>
+              <a:rPr lang="en-US" sz="1000" b="1" dirty="0">
+                <a:solidFill>
+                  <a:srgbClr val="000080"/>
+                </a:solidFill>
+                <a:highlight>
+                  <a:srgbClr val="FFFFFF"/>
+                </a:highlight>
+              </a:rPr>
+              <a:t>).</a:t>
+            </a:r>
+            <a:r>
+              <a:rPr lang="en-US" sz="1000" dirty="0">
+                <a:solidFill>
+                  <a:srgbClr val="000000"/>
+                </a:solidFill>
+                <a:highlight>
+                  <a:srgbClr val="FFFFFF"/>
+                </a:highlight>
+              </a:rPr>
+              <a:t>fit</a:t>
+            </a:r>
+            <a:r>
+              <a:rPr lang="en-US" sz="1000" b="1" dirty="0">
+                <a:solidFill>
+                  <a:srgbClr val="000080"/>
+                </a:solidFill>
+                <a:highlight>
+                  <a:srgbClr val="FFFFFF"/>
+                </a:highlight>
+              </a:rPr>
+              <a:t>()</a:t>
+            </a:r>
+            <a:endParaRPr lang="en-US" sz="1000" dirty="0">
+              <a:solidFill>
+                <a:srgbClr val="000000"/>
+              </a:solidFill>
+              <a:highlight>
+                <a:srgbClr val="FFFFFF"/>
+              </a:highlight>
+            </a:endParaRPr>
+          </a:p>
+          <a:p>
+            <a:r>
+              <a:rPr lang="en-US" sz="1000" dirty="0" err="1">
+                <a:solidFill>
+                  <a:srgbClr val="000000"/>
+                </a:solidFill>
+                <a:highlight>
+                  <a:srgbClr val="FFFFFF"/>
+                </a:highlight>
+              </a:rPr>
+              <a:t>regressor_OLS</a:t>
+            </a:r>
+            <a:r>
+              <a:rPr lang="en-US" sz="1000" b="1" dirty="0" err="1">
+                <a:solidFill>
+                  <a:srgbClr val="000080"/>
+                </a:solidFill>
+                <a:highlight>
+                  <a:srgbClr val="FFFFFF"/>
+                </a:highlight>
+              </a:rPr>
+              <a:t>.</a:t>
+            </a:r>
+            <a:r>
+              <a:rPr lang="en-US" sz="1000" dirty="0" err="1">
+                <a:solidFill>
+                  <a:srgbClr val="000000"/>
+                </a:solidFill>
+                <a:highlight>
+                  <a:srgbClr val="FFFFFF"/>
+                </a:highlight>
+              </a:rPr>
+              <a:t>summary</a:t>
+            </a:r>
+            <a:r>
+              <a:rPr lang="en-US" sz="1000" b="1" dirty="0">
+                <a:solidFill>
+                  <a:srgbClr val="000080"/>
+                </a:solidFill>
+                <a:highlight>
+                  <a:srgbClr val="FFFFFF"/>
+                </a:highlight>
+              </a:rPr>
+              <a:t>()</a:t>
+            </a:r>
+            <a:endParaRPr lang="en-US" sz="1000" dirty="0">
+              <a:solidFill>
+                <a:srgbClr val="000000"/>
+              </a:solidFill>
+              <a:highlight>
+                <a:srgbClr val="FFFFFF"/>
+              </a:highlight>
+            </a:endParaRPr>
+          </a:p>
+          <a:p>
+            <a:endParaRPr lang="en-US" sz="1000" dirty="0">
+              <a:solidFill>
+                <a:srgbClr val="000000"/>
+              </a:solidFill>
+              <a:highlight>
+                <a:srgbClr val="FFFFFF"/>
+              </a:highlight>
+            </a:endParaRPr>
+          </a:p>
+          <a:p>
+            <a:r>
+              <a:rPr lang="nl-NL" sz="1000" dirty="0">
+                <a:solidFill>
+                  <a:srgbClr val="000000"/>
+                </a:solidFill>
+                <a:highlight>
+                  <a:srgbClr val="FFFFFF"/>
+                </a:highlight>
+              </a:rPr>
+              <a:t>X_opt </a:t>
+            </a:r>
+            <a:r>
+              <a:rPr lang="nl-NL" sz="1000" b="1" dirty="0">
+                <a:solidFill>
+                  <a:srgbClr val="000080"/>
+                </a:solidFill>
+                <a:highlight>
+                  <a:srgbClr val="FFFFFF"/>
+                </a:highlight>
+              </a:rPr>
+              <a:t>=</a:t>
+            </a:r>
+            <a:r>
+              <a:rPr lang="nl-NL" sz="1000" dirty="0">
+                <a:solidFill>
+                  <a:srgbClr val="000000"/>
+                </a:solidFill>
+                <a:highlight>
+                  <a:srgbClr val="FFFFFF"/>
+                </a:highlight>
+              </a:rPr>
+              <a:t> X</a:t>
+            </a:r>
+            <a:r>
+              <a:rPr lang="nl-NL" sz="1000" b="1" dirty="0">
+                <a:solidFill>
+                  <a:srgbClr val="000080"/>
+                </a:solidFill>
+                <a:highlight>
+                  <a:srgbClr val="FFFFFF"/>
+                </a:highlight>
+              </a:rPr>
+              <a:t>[:,</a:t>
+            </a:r>
+            <a:r>
+              <a:rPr lang="nl-NL" sz="1000" dirty="0">
+                <a:solidFill>
+                  <a:srgbClr val="000000"/>
+                </a:solidFill>
+                <a:highlight>
+                  <a:srgbClr val="FFFFFF"/>
+                </a:highlight>
+              </a:rPr>
+              <a:t> </a:t>
+            </a:r>
+            <a:r>
+              <a:rPr lang="nl-NL" sz="1000" b="1" dirty="0">
+                <a:solidFill>
+                  <a:srgbClr val="000080"/>
+                </a:solidFill>
+                <a:highlight>
+                  <a:srgbClr val="FFFFFF"/>
+                </a:highlight>
+              </a:rPr>
+              <a:t>[</a:t>
+            </a:r>
+            <a:r>
+              <a:rPr lang="nl-NL" sz="1000" dirty="0">
+                <a:solidFill>
+                  <a:srgbClr val="FF0000"/>
+                </a:solidFill>
+                <a:highlight>
+                  <a:srgbClr val="FFFFFF"/>
+                </a:highlight>
+              </a:rPr>
+              <a:t>0</a:t>
+            </a:r>
+            <a:r>
+              <a:rPr lang="nl-NL" sz="1000" b="1" dirty="0">
+                <a:solidFill>
+                  <a:srgbClr val="000080"/>
+                </a:solidFill>
+                <a:highlight>
+                  <a:srgbClr val="FFFFFF"/>
+                </a:highlight>
+              </a:rPr>
+              <a:t>,</a:t>
+            </a:r>
+            <a:r>
+              <a:rPr lang="nl-NL" sz="1000" dirty="0">
+                <a:solidFill>
+                  <a:srgbClr val="000000"/>
+                </a:solidFill>
+                <a:highlight>
+                  <a:srgbClr val="FFFFFF"/>
+                </a:highlight>
+              </a:rPr>
+              <a:t> </a:t>
+            </a:r>
+            <a:r>
+              <a:rPr lang="nl-NL" sz="1000" dirty="0">
+                <a:solidFill>
+                  <a:srgbClr val="FF0000"/>
+                </a:solidFill>
+                <a:highlight>
+                  <a:srgbClr val="FFFFFF"/>
+                </a:highlight>
+              </a:rPr>
+              <a:t>1</a:t>
+            </a:r>
+            <a:r>
+              <a:rPr lang="nl-NL" sz="1000" b="1" dirty="0">
+                <a:solidFill>
+                  <a:srgbClr val="000080"/>
+                </a:solidFill>
+                <a:highlight>
+                  <a:srgbClr val="FFFFFF"/>
+                </a:highlight>
+              </a:rPr>
+              <a:t>,</a:t>
+            </a:r>
+            <a:r>
+              <a:rPr lang="nl-NL" sz="1000" dirty="0">
+                <a:solidFill>
+                  <a:srgbClr val="000000"/>
+                </a:solidFill>
+                <a:highlight>
+                  <a:srgbClr val="FFFFFF"/>
+                </a:highlight>
+              </a:rPr>
+              <a:t> </a:t>
+            </a:r>
+            <a:r>
+              <a:rPr lang="nl-NL" sz="1000" dirty="0">
+                <a:solidFill>
+                  <a:srgbClr val="FF0000"/>
+                </a:solidFill>
+                <a:highlight>
+                  <a:srgbClr val="FFFFFF"/>
+                </a:highlight>
+              </a:rPr>
+              <a:t>3</a:t>
+            </a:r>
+            <a:r>
+              <a:rPr lang="nl-NL" sz="1000" b="1" dirty="0">
+                <a:solidFill>
+                  <a:srgbClr val="000080"/>
+                </a:solidFill>
+                <a:highlight>
+                  <a:srgbClr val="FFFFFF"/>
+                </a:highlight>
+              </a:rPr>
+              <a:t>,</a:t>
+            </a:r>
+            <a:r>
+              <a:rPr lang="nl-NL" sz="1000" dirty="0">
+                <a:solidFill>
+                  <a:srgbClr val="000000"/>
+                </a:solidFill>
+                <a:highlight>
+                  <a:srgbClr val="FFFFFF"/>
+                </a:highlight>
+              </a:rPr>
+              <a:t> </a:t>
+            </a:r>
+            <a:r>
+              <a:rPr lang="nl-NL" sz="1000" dirty="0">
+                <a:solidFill>
+                  <a:srgbClr val="FF0000"/>
+                </a:solidFill>
+                <a:highlight>
+                  <a:srgbClr val="FFFFFF"/>
+                </a:highlight>
+              </a:rPr>
+              <a:t>4</a:t>
+            </a:r>
+            <a:r>
+              <a:rPr lang="nl-NL" sz="1000" b="1" dirty="0">
+                <a:solidFill>
+                  <a:srgbClr val="000080"/>
+                </a:solidFill>
+                <a:highlight>
+                  <a:srgbClr val="FFFFFF"/>
+                </a:highlight>
+              </a:rPr>
+              <a:t>,</a:t>
+            </a:r>
+            <a:r>
+              <a:rPr lang="nl-NL" sz="1000" dirty="0">
+                <a:solidFill>
+                  <a:srgbClr val="000000"/>
+                </a:solidFill>
+                <a:highlight>
+                  <a:srgbClr val="FFFFFF"/>
+                </a:highlight>
+              </a:rPr>
+              <a:t> </a:t>
+            </a:r>
+            <a:r>
+              <a:rPr lang="nl-NL" sz="1000" dirty="0">
+                <a:solidFill>
+                  <a:srgbClr val="FF0000"/>
+                </a:solidFill>
+                <a:highlight>
+                  <a:srgbClr val="FFFFFF"/>
+                </a:highlight>
+              </a:rPr>
+              <a:t>5</a:t>
+            </a:r>
+            <a:r>
+              <a:rPr lang="nl-NL" sz="1000" b="1" dirty="0">
+                <a:solidFill>
+                  <a:srgbClr val="000080"/>
+                </a:solidFill>
+                <a:highlight>
+                  <a:srgbClr val="FFFFFF"/>
+                </a:highlight>
+              </a:rPr>
+              <a:t>]]</a:t>
+            </a:r>
+            <a:endParaRPr lang="nl-NL" sz="1000" dirty="0">
+              <a:solidFill>
+                <a:srgbClr val="000000"/>
+              </a:solidFill>
+              <a:highlight>
+                <a:srgbClr val="FFFFFF"/>
+              </a:highlight>
+            </a:endParaRPr>
+          </a:p>
+          <a:p>
+            <a:r>
+              <a:rPr lang="en-US" sz="1000" dirty="0" err="1">
+                <a:solidFill>
+                  <a:srgbClr val="000000"/>
+                </a:solidFill>
+                <a:highlight>
+                  <a:srgbClr val="FFFFFF"/>
+                </a:highlight>
+              </a:rPr>
+              <a:t>regressor_OLS</a:t>
+            </a:r>
+            <a:r>
+              <a:rPr lang="en-US" sz="1000" dirty="0">
+                <a:solidFill>
+                  <a:srgbClr val="000000"/>
+                </a:solidFill>
+                <a:highlight>
+                  <a:srgbClr val="FFFFFF"/>
+                </a:highlight>
+              </a:rPr>
+              <a:t> </a:t>
+            </a:r>
+            <a:r>
+              <a:rPr lang="en-US" sz="1000" b="1" dirty="0">
+                <a:solidFill>
+                  <a:srgbClr val="000080"/>
+                </a:solidFill>
+                <a:highlight>
+                  <a:srgbClr val="FFFFFF"/>
+                </a:highlight>
+              </a:rPr>
+              <a:t>=</a:t>
+            </a:r>
+            <a:r>
+              <a:rPr lang="en-US" sz="1000" dirty="0">
+                <a:solidFill>
+                  <a:srgbClr val="000000"/>
+                </a:solidFill>
+                <a:highlight>
+                  <a:srgbClr val="FFFFFF"/>
+                </a:highlight>
+              </a:rPr>
+              <a:t> </a:t>
+            </a:r>
+            <a:r>
+              <a:rPr lang="en-US" sz="1000" dirty="0" err="1">
+                <a:solidFill>
+                  <a:srgbClr val="000000"/>
+                </a:solidFill>
+                <a:highlight>
+                  <a:srgbClr val="FFFFFF"/>
+                </a:highlight>
+              </a:rPr>
+              <a:t>sm</a:t>
+            </a:r>
+            <a:r>
+              <a:rPr lang="en-US" sz="1000" b="1" dirty="0" err="1">
+                <a:solidFill>
+                  <a:srgbClr val="000080"/>
+                </a:solidFill>
+                <a:highlight>
+                  <a:srgbClr val="FFFFFF"/>
+                </a:highlight>
+              </a:rPr>
+              <a:t>.</a:t>
+            </a:r>
+            <a:r>
+              <a:rPr lang="en-US" sz="1000" dirty="0" err="1">
+                <a:solidFill>
+                  <a:srgbClr val="000000"/>
+                </a:solidFill>
+                <a:highlight>
+                  <a:srgbClr val="FFFFFF"/>
+                </a:highlight>
+              </a:rPr>
+              <a:t>OLS</a:t>
+            </a:r>
+            <a:r>
+              <a:rPr lang="en-US" sz="1000" b="1" dirty="0">
+                <a:solidFill>
+                  <a:srgbClr val="000080"/>
+                </a:solidFill>
+                <a:highlight>
+                  <a:srgbClr val="FFFFFF"/>
+                </a:highlight>
+              </a:rPr>
+              <a:t>(</a:t>
+            </a:r>
+            <a:r>
+              <a:rPr lang="en-US" sz="1000" dirty="0" err="1">
+                <a:solidFill>
+                  <a:srgbClr val="000000"/>
+                </a:solidFill>
+                <a:highlight>
+                  <a:srgbClr val="FFFFFF"/>
+                </a:highlight>
+              </a:rPr>
+              <a:t>endog</a:t>
+            </a:r>
+            <a:r>
+              <a:rPr lang="en-US" sz="1000" dirty="0">
+                <a:solidFill>
+                  <a:srgbClr val="000000"/>
+                </a:solidFill>
+                <a:highlight>
+                  <a:srgbClr val="FFFFFF"/>
+                </a:highlight>
+              </a:rPr>
+              <a:t> </a:t>
+            </a:r>
+            <a:r>
+              <a:rPr lang="en-US" sz="1000" b="1" dirty="0">
+                <a:solidFill>
+                  <a:srgbClr val="000080"/>
+                </a:solidFill>
+                <a:highlight>
+                  <a:srgbClr val="FFFFFF"/>
+                </a:highlight>
+              </a:rPr>
+              <a:t>=</a:t>
+            </a:r>
+            <a:r>
+              <a:rPr lang="en-US" sz="1000" dirty="0">
+                <a:solidFill>
+                  <a:srgbClr val="000000"/>
+                </a:solidFill>
+                <a:highlight>
+                  <a:srgbClr val="FFFFFF"/>
+                </a:highlight>
+              </a:rPr>
+              <a:t> y</a:t>
+            </a:r>
+            <a:r>
+              <a:rPr lang="en-US" sz="1000" b="1" dirty="0">
+                <a:solidFill>
+                  <a:srgbClr val="000080"/>
+                </a:solidFill>
+                <a:highlight>
+                  <a:srgbClr val="FFFFFF"/>
+                </a:highlight>
+              </a:rPr>
+              <a:t>,</a:t>
+            </a:r>
+            <a:r>
+              <a:rPr lang="en-US" sz="1000" dirty="0">
+                <a:solidFill>
+                  <a:srgbClr val="000000"/>
+                </a:solidFill>
+                <a:highlight>
+                  <a:srgbClr val="FFFFFF"/>
+                </a:highlight>
+              </a:rPr>
+              <a:t> </a:t>
+            </a:r>
+            <a:r>
+              <a:rPr lang="en-US" sz="1000" dirty="0" err="1">
+                <a:solidFill>
+                  <a:srgbClr val="000000"/>
+                </a:solidFill>
+                <a:highlight>
+                  <a:srgbClr val="FFFFFF"/>
+                </a:highlight>
+              </a:rPr>
+              <a:t>exog</a:t>
+            </a:r>
+            <a:r>
+              <a:rPr lang="en-US" sz="1000" dirty="0">
+                <a:solidFill>
+                  <a:srgbClr val="000000"/>
+                </a:solidFill>
+                <a:highlight>
+                  <a:srgbClr val="FFFFFF"/>
+                </a:highlight>
+              </a:rPr>
+              <a:t> </a:t>
+            </a:r>
+            <a:r>
+              <a:rPr lang="en-US" sz="1000" b="1" dirty="0">
+                <a:solidFill>
+                  <a:srgbClr val="000080"/>
+                </a:solidFill>
+                <a:highlight>
+                  <a:srgbClr val="FFFFFF"/>
+                </a:highlight>
+              </a:rPr>
+              <a:t>=</a:t>
+            </a:r>
+            <a:r>
+              <a:rPr lang="en-US" sz="1000" dirty="0">
+                <a:solidFill>
+                  <a:srgbClr val="000000"/>
+                </a:solidFill>
+                <a:highlight>
+                  <a:srgbClr val="FFFFFF"/>
+                </a:highlight>
+              </a:rPr>
+              <a:t> </a:t>
+            </a:r>
+            <a:r>
+              <a:rPr lang="en-US" sz="1000" dirty="0" err="1">
+                <a:solidFill>
+                  <a:srgbClr val="000000"/>
+                </a:solidFill>
+                <a:highlight>
+                  <a:srgbClr val="FFFFFF"/>
+                </a:highlight>
+              </a:rPr>
+              <a:t>X_opt</a:t>
+            </a:r>
+            <a:r>
+              <a:rPr lang="en-US" sz="1000" b="1" dirty="0">
+                <a:solidFill>
+                  <a:srgbClr val="000080"/>
+                </a:solidFill>
+                <a:highlight>
+                  <a:srgbClr val="FFFFFF"/>
+                </a:highlight>
+              </a:rPr>
+              <a:t>).</a:t>
+            </a:r>
+            <a:r>
+              <a:rPr lang="en-US" sz="1000" dirty="0">
+                <a:solidFill>
+                  <a:srgbClr val="000000"/>
+                </a:solidFill>
+                <a:highlight>
+                  <a:srgbClr val="FFFFFF"/>
+                </a:highlight>
+              </a:rPr>
+              <a:t>fit</a:t>
+            </a:r>
+            <a:r>
+              <a:rPr lang="en-US" sz="1000" b="1" dirty="0">
+                <a:solidFill>
+                  <a:srgbClr val="000080"/>
+                </a:solidFill>
+                <a:highlight>
+                  <a:srgbClr val="FFFFFF"/>
+                </a:highlight>
+              </a:rPr>
+              <a:t>()</a:t>
+            </a:r>
+            <a:endParaRPr lang="en-US" sz="1000" dirty="0">
+              <a:solidFill>
+                <a:srgbClr val="000000"/>
+              </a:solidFill>
+              <a:highlight>
+                <a:srgbClr val="FFFFFF"/>
+              </a:highlight>
+            </a:endParaRPr>
+          </a:p>
+          <a:p>
+            <a:r>
+              <a:rPr lang="en-US" sz="1000" dirty="0" err="1">
+                <a:solidFill>
+                  <a:srgbClr val="000000"/>
+                </a:solidFill>
+                <a:highlight>
+                  <a:srgbClr val="FFFFFF"/>
+                </a:highlight>
+              </a:rPr>
+              <a:t>regressor_OLS</a:t>
+            </a:r>
+            <a:r>
+              <a:rPr lang="en-US" sz="1000" b="1" dirty="0" err="1">
+                <a:solidFill>
+                  <a:srgbClr val="000080"/>
+                </a:solidFill>
+                <a:highlight>
+                  <a:srgbClr val="FFFFFF"/>
+                </a:highlight>
+              </a:rPr>
+              <a:t>.</a:t>
+            </a:r>
+            <a:r>
+              <a:rPr lang="en-US" sz="1000" dirty="0" err="1">
+                <a:solidFill>
+                  <a:srgbClr val="000000"/>
+                </a:solidFill>
+                <a:highlight>
+                  <a:srgbClr val="FFFFFF"/>
+                </a:highlight>
+              </a:rPr>
+              <a:t>summary</a:t>
+            </a:r>
+            <a:r>
+              <a:rPr lang="en-US" sz="1000" b="1" dirty="0">
+                <a:solidFill>
+                  <a:srgbClr val="000080"/>
+                </a:solidFill>
+                <a:highlight>
+                  <a:srgbClr val="FFFFFF"/>
+                </a:highlight>
+              </a:rPr>
+              <a:t>()</a:t>
+            </a:r>
+            <a:endParaRPr lang="en-US" sz="1000" dirty="0">
+              <a:solidFill>
+                <a:srgbClr val="000000"/>
+              </a:solidFill>
+              <a:highlight>
+                <a:srgbClr val="FFFFFF"/>
+              </a:highlight>
+            </a:endParaRPr>
+          </a:p>
+          <a:p>
+            <a:endParaRPr lang="en-US" sz="1000" dirty="0">
+              <a:solidFill>
+                <a:srgbClr val="000000"/>
+              </a:solidFill>
+              <a:highlight>
+                <a:srgbClr val="FFFFFF"/>
+              </a:highlight>
+            </a:endParaRPr>
+          </a:p>
+          <a:p>
+            <a:r>
+              <a:rPr lang="nl-NL" sz="1000" dirty="0">
+                <a:solidFill>
+                  <a:srgbClr val="000000"/>
+                </a:solidFill>
+                <a:highlight>
+                  <a:srgbClr val="FFFFFF"/>
+                </a:highlight>
+              </a:rPr>
+              <a:t>X_opt </a:t>
+            </a:r>
+            <a:r>
+              <a:rPr lang="nl-NL" sz="1000" b="1" dirty="0">
+                <a:solidFill>
+                  <a:srgbClr val="000080"/>
+                </a:solidFill>
+                <a:highlight>
+                  <a:srgbClr val="FFFFFF"/>
+                </a:highlight>
+              </a:rPr>
+              <a:t>=</a:t>
+            </a:r>
+            <a:r>
+              <a:rPr lang="nl-NL" sz="1000" dirty="0">
+                <a:solidFill>
+                  <a:srgbClr val="000000"/>
+                </a:solidFill>
+                <a:highlight>
+                  <a:srgbClr val="FFFFFF"/>
+                </a:highlight>
+              </a:rPr>
+              <a:t> X</a:t>
+            </a:r>
+            <a:r>
+              <a:rPr lang="nl-NL" sz="1000" b="1" dirty="0">
+                <a:solidFill>
+                  <a:srgbClr val="000080"/>
+                </a:solidFill>
+                <a:highlight>
+                  <a:srgbClr val="FFFFFF"/>
+                </a:highlight>
+              </a:rPr>
+              <a:t>[:,</a:t>
+            </a:r>
+            <a:r>
+              <a:rPr lang="nl-NL" sz="1000" dirty="0">
+                <a:solidFill>
+                  <a:srgbClr val="000000"/>
+                </a:solidFill>
+                <a:highlight>
+                  <a:srgbClr val="FFFFFF"/>
+                </a:highlight>
+              </a:rPr>
+              <a:t> </a:t>
+            </a:r>
+            <a:r>
+              <a:rPr lang="nl-NL" sz="1000" b="1" dirty="0">
+                <a:solidFill>
+                  <a:srgbClr val="000080"/>
+                </a:solidFill>
+                <a:highlight>
+                  <a:srgbClr val="FFFFFF"/>
+                </a:highlight>
+              </a:rPr>
+              <a:t>[</a:t>
+            </a:r>
+            <a:r>
+              <a:rPr lang="nl-NL" sz="1000" dirty="0">
+                <a:solidFill>
+                  <a:srgbClr val="FF0000"/>
+                </a:solidFill>
+                <a:highlight>
+                  <a:srgbClr val="FFFFFF"/>
+                </a:highlight>
+              </a:rPr>
+              <a:t>0</a:t>
+            </a:r>
+            <a:r>
+              <a:rPr lang="nl-NL" sz="1000" b="1" dirty="0">
+                <a:solidFill>
+                  <a:srgbClr val="000080"/>
+                </a:solidFill>
+                <a:highlight>
+                  <a:srgbClr val="FFFFFF"/>
+                </a:highlight>
+              </a:rPr>
+              <a:t>,</a:t>
+            </a:r>
+            <a:r>
+              <a:rPr lang="nl-NL" sz="1000" dirty="0">
+                <a:solidFill>
+                  <a:srgbClr val="000000"/>
+                </a:solidFill>
+                <a:highlight>
+                  <a:srgbClr val="FFFFFF"/>
+                </a:highlight>
+              </a:rPr>
+              <a:t> </a:t>
+            </a:r>
+            <a:r>
+              <a:rPr lang="nl-NL" sz="1000" dirty="0">
+                <a:solidFill>
+                  <a:srgbClr val="FF0000"/>
+                </a:solidFill>
+                <a:highlight>
+                  <a:srgbClr val="FFFFFF"/>
+                </a:highlight>
+              </a:rPr>
+              <a:t>3</a:t>
+            </a:r>
+            <a:r>
+              <a:rPr lang="nl-NL" sz="1000" b="1" dirty="0">
+                <a:solidFill>
+                  <a:srgbClr val="000080"/>
+                </a:solidFill>
+                <a:highlight>
+                  <a:srgbClr val="FFFFFF"/>
+                </a:highlight>
+              </a:rPr>
+              <a:t>,</a:t>
+            </a:r>
+            <a:r>
+              <a:rPr lang="nl-NL" sz="1000" dirty="0">
+                <a:solidFill>
+                  <a:srgbClr val="000000"/>
+                </a:solidFill>
+                <a:highlight>
+                  <a:srgbClr val="FFFFFF"/>
+                </a:highlight>
+              </a:rPr>
+              <a:t> </a:t>
+            </a:r>
+            <a:r>
+              <a:rPr lang="nl-NL" sz="1000" dirty="0">
+                <a:solidFill>
+                  <a:srgbClr val="FF0000"/>
+                </a:solidFill>
+                <a:highlight>
+                  <a:srgbClr val="FFFFFF"/>
+                </a:highlight>
+              </a:rPr>
+              <a:t>4</a:t>
+            </a:r>
+            <a:r>
+              <a:rPr lang="nl-NL" sz="1000" b="1" dirty="0">
+                <a:solidFill>
+                  <a:srgbClr val="000080"/>
+                </a:solidFill>
+                <a:highlight>
+                  <a:srgbClr val="FFFFFF"/>
+                </a:highlight>
+              </a:rPr>
+              <a:t>,</a:t>
+            </a:r>
+            <a:r>
+              <a:rPr lang="nl-NL" sz="1000" dirty="0">
+                <a:solidFill>
+                  <a:srgbClr val="000000"/>
+                </a:solidFill>
+                <a:highlight>
+                  <a:srgbClr val="FFFFFF"/>
+                </a:highlight>
+              </a:rPr>
+              <a:t> </a:t>
+            </a:r>
+            <a:r>
+              <a:rPr lang="nl-NL" sz="1000" dirty="0">
+                <a:solidFill>
+                  <a:srgbClr val="FF0000"/>
+                </a:solidFill>
+                <a:highlight>
+                  <a:srgbClr val="FFFFFF"/>
+                </a:highlight>
+              </a:rPr>
+              <a:t>5</a:t>
+            </a:r>
+            <a:r>
+              <a:rPr lang="nl-NL" sz="1000" b="1" dirty="0">
+                <a:solidFill>
+                  <a:srgbClr val="000080"/>
+                </a:solidFill>
+                <a:highlight>
+                  <a:srgbClr val="FFFFFF"/>
+                </a:highlight>
+              </a:rPr>
+              <a:t>]]</a:t>
+            </a:r>
+            <a:endParaRPr lang="nl-NL" sz="1000" dirty="0">
+              <a:solidFill>
+                <a:srgbClr val="000000"/>
+              </a:solidFill>
+              <a:highlight>
+                <a:srgbClr val="FFFFFF"/>
+              </a:highlight>
+            </a:endParaRPr>
+          </a:p>
+          <a:p>
+            <a:r>
+              <a:rPr lang="en-US" sz="1000" dirty="0" err="1">
+                <a:solidFill>
+                  <a:srgbClr val="000000"/>
+                </a:solidFill>
+                <a:highlight>
+                  <a:srgbClr val="FFFFFF"/>
+                </a:highlight>
+              </a:rPr>
+              <a:t>regressor_OLS</a:t>
+            </a:r>
+            <a:r>
+              <a:rPr lang="en-US" sz="1000" dirty="0">
+                <a:solidFill>
+                  <a:srgbClr val="000000"/>
+                </a:solidFill>
+                <a:highlight>
+                  <a:srgbClr val="FFFFFF"/>
+                </a:highlight>
+              </a:rPr>
+              <a:t> </a:t>
+            </a:r>
+            <a:r>
+              <a:rPr lang="en-US" sz="1000" b="1" dirty="0">
+                <a:solidFill>
+                  <a:srgbClr val="000080"/>
+                </a:solidFill>
+                <a:highlight>
+                  <a:srgbClr val="FFFFFF"/>
+                </a:highlight>
+              </a:rPr>
+              <a:t>=</a:t>
+            </a:r>
+            <a:r>
+              <a:rPr lang="en-US" sz="1000" dirty="0">
+                <a:solidFill>
+                  <a:srgbClr val="000000"/>
+                </a:solidFill>
+                <a:highlight>
+                  <a:srgbClr val="FFFFFF"/>
+                </a:highlight>
+              </a:rPr>
+              <a:t> </a:t>
+            </a:r>
+            <a:r>
+              <a:rPr lang="en-US" sz="1000" dirty="0" err="1">
+                <a:solidFill>
+                  <a:srgbClr val="000000"/>
+                </a:solidFill>
+                <a:highlight>
+                  <a:srgbClr val="FFFFFF"/>
+                </a:highlight>
+              </a:rPr>
+              <a:t>sm</a:t>
+            </a:r>
+            <a:r>
+              <a:rPr lang="en-US" sz="1000" b="1" dirty="0" err="1">
+                <a:solidFill>
+                  <a:srgbClr val="000080"/>
+                </a:solidFill>
+                <a:highlight>
+                  <a:srgbClr val="FFFFFF"/>
+                </a:highlight>
+              </a:rPr>
+              <a:t>.</a:t>
+            </a:r>
+            <a:r>
+              <a:rPr lang="en-US" sz="1000" dirty="0" err="1">
+                <a:solidFill>
+                  <a:srgbClr val="000000"/>
+                </a:solidFill>
+                <a:highlight>
+                  <a:srgbClr val="FFFFFF"/>
+                </a:highlight>
+              </a:rPr>
+              <a:t>OLS</a:t>
+            </a:r>
+            <a:r>
+              <a:rPr lang="en-US" sz="1000" b="1" dirty="0">
+                <a:solidFill>
+                  <a:srgbClr val="000080"/>
+                </a:solidFill>
+                <a:highlight>
+                  <a:srgbClr val="FFFFFF"/>
+                </a:highlight>
+              </a:rPr>
+              <a:t>(</a:t>
+            </a:r>
+            <a:r>
+              <a:rPr lang="en-US" sz="1000" dirty="0" err="1">
+                <a:solidFill>
+                  <a:srgbClr val="000000"/>
+                </a:solidFill>
+                <a:highlight>
+                  <a:srgbClr val="FFFFFF"/>
+                </a:highlight>
+              </a:rPr>
+              <a:t>endog</a:t>
+            </a:r>
+            <a:r>
+              <a:rPr lang="en-US" sz="1000" dirty="0">
+                <a:solidFill>
+                  <a:srgbClr val="000000"/>
+                </a:solidFill>
+                <a:highlight>
+                  <a:srgbClr val="FFFFFF"/>
+                </a:highlight>
+              </a:rPr>
+              <a:t> </a:t>
+            </a:r>
+            <a:r>
+              <a:rPr lang="en-US" sz="1000" b="1" dirty="0">
+                <a:solidFill>
+                  <a:srgbClr val="000080"/>
+                </a:solidFill>
+                <a:highlight>
+                  <a:srgbClr val="FFFFFF"/>
+                </a:highlight>
+              </a:rPr>
+              <a:t>=</a:t>
+            </a:r>
+            <a:r>
+              <a:rPr lang="en-US" sz="1000" dirty="0">
+                <a:solidFill>
+                  <a:srgbClr val="000000"/>
+                </a:solidFill>
+                <a:highlight>
+                  <a:srgbClr val="FFFFFF"/>
+                </a:highlight>
+              </a:rPr>
+              <a:t> y</a:t>
+            </a:r>
+            <a:r>
+              <a:rPr lang="en-US" sz="1000" b="1" dirty="0">
+                <a:solidFill>
+                  <a:srgbClr val="000080"/>
+                </a:solidFill>
+                <a:highlight>
+                  <a:srgbClr val="FFFFFF"/>
+                </a:highlight>
+              </a:rPr>
+              <a:t>,</a:t>
+            </a:r>
+            <a:r>
+              <a:rPr lang="en-US" sz="1000" dirty="0">
+                <a:solidFill>
+                  <a:srgbClr val="000000"/>
+                </a:solidFill>
+                <a:highlight>
+                  <a:srgbClr val="FFFFFF"/>
+                </a:highlight>
+              </a:rPr>
+              <a:t> </a:t>
+            </a:r>
+            <a:r>
+              <a:rPr lang="en-US" sz="1000" dirty="0" err="1">
+                <a:solidFill>
+                  <a:srgbClr val="000000"/>
+                </a:solidFill>
+                <a:highlight>
+                  <a:srgbClr val="FFFFFF"/>
+                </a:highlight>
+              </a:rPr>
+              <a:t>exog</a:t>
+            </a:r>
+            <a:r>
+              <a:rPr lang="en-US" sz="1000" dirty="0">
+                <a:solidFill>
+                  <a:srgbClr val="000000"/>
+                </a:solidFill>
+                <a:highlight>
+                  <a:srgbClr val="FFFFFF"/>
+                </a:highlight>
+              </a:rPr>
+              <a:t> </a:t>
+            </a:r>
+            <a:r>
+              <a:rPr lang="en-US" sz="1000" b="1" dirty="0">
+                <a:solidFill>
+                  <a:srgbClr val="000080"/>
+                </a:solidFill>
+                <a:highlight>
+                  <a:srgbClr val="FFFFFF"/>
+                </a:highlight>
+              </a:rPr>
+              <a:t>=</a:t>
+            </a:r>
+            <a:r>
+              <a:rPr lang="en-US" sz="1000" dirty="0">
+                <a:solidFill>
+                  <a:srgbClr val="000000"/>
+                </a:solidFill>
+                <a:highlight>
+                  <a:srgbClr val="FFFFFF"/>
+                </a:highlight>
+              </a:rPr>
+              <a:t> </a:t>
+            </a:r>
+            <a:r>
+              <a:rPr lang="en-US" sz="1000" dirty="0" err="1">
+                <a:solidFill>
+                  <a:srgbClr val="000000"/>
+                </a:solidFill>
+                <a:highlight>
+                  <a:srgbClr val="FFFFFF"/>
+                </a:highlight>
+              </a:rPr>
+              <a:t>X_opt</a:t>
+            </a:r>
+            <a:r>
+              <a:rPr lang="en-US" sz="1000" b="1" dirty="0">
+                <a:solidFill>
+                  <a:srgbClr val="000080"/>
+                </a:solidFill>
+                <a:highlight>
+                  <a:srgbClr val="FFFFFF"/>
+                </a:highlight>
+              </a:rPr>
+              <a:t>).</a:t>
+            </a:r>
+            <a:r>
+              <a:rPr lang="en-US" sz="1000" dirty="0">
+                <a:solidFill>
+                  <a:srgbClr val="000000"/>
+                </a:solidFill>
+                <a:highlight>
+                  <a:srgbClr val="FFFFFF"/>
+                </a:highlight>
+              </a:rPr>
+              <a:t>fit</a:t>
+            </a:r>
+            <a:r>
+              <a:rPr lang="en-US" sz="1000" b="1" dirty="0">
+                <a:solidFill>
+                  <a:srgbClr val="000080"/>
+                </a:solidFill>
+                <a:highlight>
+                  <a:srgbClr val="FFFFFF"/>
+                </a:highlight>
+              </a:rPr>
+              <a:t>()</a:t>
+            </a:r>
+            <a:endParaRPr lang="en-US" sz="1000" dirty="0">
+              <a:solidFill>
+                <a:srgbClr val="000000"/>
+              </a:solidFill>
+              <a:highlight>
+                <a:srgbClr val="FFFFFF"/>
+              </a:highlight>
+            </a:endParaRPr>
+          </a:p>
+          <a:p>
+            <a:r>
+              <a:rPr lang="en-US" sz="1000" dirty="0" err="1">
+                <a:solidFill>
+                  <a:srgbClr val="000000"/>
+                </a:solidFill>
+                <a:highlight>
+                  <a:srgbClr val="FFFFFF"/>
+                </a:highlight>
+              </a:rPr>
+              <a:t>regressor_OLS</a:t>
+            </a:r>
+            <a:r>
+              <a:rPr lang="en-US" sz="1000" b="1" dirty="0" err="1">
+                <a:solidFill>
+                  <a:srgbClr val="000080"/>
+                </a:solidFill>
+                <a:highlight>
+                  <a:srgbClr val="FFFFFF"/>
+                </a:highlight>
+              </a:rPr>
+              <a:t>.</a:t>
+            </a:r>
+            <a:r>
+              <a:rPr lang="en-US" sz="1000" dirty="0" err="1">
+                <a:solidFill>
+                  <a:srgbClr val="000000"/>
+                </a:solidFill>
+                <a:highlight>
+                  <a:srgbClr val="FFFFFF"/>
+                </a:highlight>
+              </a:rPr>
+              <a:t>summary</a:t>
+            </a:r>
+            <a:r>
+              <a:rPr lang="en-US" sz="1000" b="1" dirty="0">
+                <a:solidFill>
+                  <a:srgbClr val="000080"/>
+                </a:solidFill>
+                <a:highlight>
+                  <a:srgbClr val="FFFFFF"/>
+                </a:highlight>
+              </a:rPr>
+              <a:t>()</a:t>
+            </a:r>
+            <a:endParaRPr lang="en-US" sz="1000" dirty="0">
+              <a:solidFill>
+                <a:srgbClr val="000000"/>
+              </a:solidFill>
+              <a:highlight>
+                <a:srgbClr val="FFFFFF"/>
+              </a:highlight>
+            </a:endParaRPr>
+          </a:p>
+          <a:p>
+            <a:endParaRPr lang="en-US" sz="1000" dirty="0">
+              <a:solidFill>
+                <a:srgbClr val="000000"/>
+              </a:solidFill>
+              <a:highlight>
+                <a:srgbClr val="FFFFFF"/>
+              </a:highlight>
+            </a:endParaRPr>
+          </a:p>
+          <a:p>
+            <a:r>
+              <a:rPr lang="nl-NL" sz="1000" dirty="0">
+                <a:solidFill>
+                  <a:srgbClr val="000000"/>
+                </a:solidFill>
+                <a:highlight>
+                  <a:srgbClr val="FFFFFF"/>
+                </a:highlight>
+              </a:rPr>
+              <a:t>X_opt </a:t>
+            </a:r>
+            <a:r>
+              <a:rPr lang="nl-NL" sz="1000" b="1" dirty="0">
+                <a:solidFill>
+                  <a:srgbClr val="000080"/>
+                </a:solidFill>
+                <a:highlight>
+                  <a:srgbClr val="FFFFFF"/>
+                </a:highlight>
+              </a:rPr>
+              <a:t>=</a:t>
+            </a:r>
+            <a:r>
+              <a:rPr lang="nl-NL" sz="1000" dirty="0">
+                <a:solidFill>
+                  <a:srgbClr val="000000"/>
+                </a:solidFill>
+                <a:highlight>
+                  <a:srgbClr val="FFFFFF"/>
+                </a:highlight>
+              </a:rPr>
+              <a:t> X</a:t>
+            </a:r>
+            <a:r>
+              <a:rPr lang="nl-NL" sz="1000" b="1" dirty="0">
+                <a:solidFill>
+                  <a:srgbClr val="000080"/>
+                </a:solidFill>
+                <a:highlight>
+                  <a:srgbClr val="FFFFFF"/>
+                </a:highlight>
+              </a:rPr>
+              <a:t>[:,</a:t>
+            </a:r>
+            <a:r>
+              <a:rPr lang="nl-NL" sz="1000" dirty="0">
+                <a:solidFill>
+                  <a:srgbClr val="000000"/>
+                </a:solidFill>
+                <a:highlight>
+                  <a:srgbClr val="FFFFFF"/>
+                </a:highlight>
+              </a:rPr>
+              <a:t> </a:t>
+            </a:r>
+            <a:r>
+              <a:rPr lang="nl-NL" sz="1000" b="1" dirty="0">
+                <a:solidFill>
+                  <a:srgbClr val="000080"/>
+                </a:solidFill>
+                <a:highlight>
+                  <a:srgbClr val="FFFFFF"/>
+                </a:highlight>
+              </a:rPr>
+              <a:t>[</a:t>
+            </a:r>
+            <a:r>
+              <a:rPr lang="nl-NL" sz="1000" dirty="0">
+                <a:solidFill>
+                  <a:srgbClr val="FF0000"/>
+                </a:solidFill>
+                <a:highlight>
+                  <a:srgbClr val="FFFFFF"/>
+                </a:highlight>
+              </a:rPr>
+              <a:t>0</a:t>
+            </a:r>
+            <a:r>
+              <a:rPr lang="nl-NL" sz="1000" b="1" dirty="0">
+                <a:solidFill>
+                  <a:srgbClr val="000080"/>
+                </a:solidFill>
+                <a:highlight>
+                  <a:srgbClr val="FFFFFF"/>
+                </a:highlight>
+              </a:rPr>
+              <a:t>,</a:t>
+            </a:r>
+            <a:r>
+              <a:rPr lang="nl-NL" sz="1000" dirty="0">
+                <a:solidFill>
+                  <a:srgbClr val="000000"/>
+                </a:solidFill>
+                <a:highlight>
+                  <a:srgbClr val="FFFFFF"/>
+                </a:highlight>
+              </a:rPr>
+              <a:t> </a:t>
+            </a:r>
+            <a:r>
+              <a:rPr lang="nl-NL" sz="1000" dirty="0">
+                <a:solidFill>
+                  <a:srgbClr val="FF0000"/>
+                </a:solidFill>
+                <a:highlight>
+                  <a:srgbClr val="FFFFFF"/>
+                </a:highlight>
+              </a:rPr>
+              <a:t>3</a:t>
+            </a:r>
+            <a:r>
+              <a:rPr lang="nl-NL" sz="1000" b="1" dirty="0">
+                <a:solidFill>
+                  <a:srgbClr val="000080"/>
+                </a:solidFill>
+                <a:highlight>
+                  <a:srgbClr val="FFFFFF"/>
+                </a:highlight>
+              </a:rPr>
+              <a:t>,</a:t>
+            </a:r>
+            <a:r>
+              <a:rPr lang="nl-NL" sz="1000" dirty="0">
+                <a:solidFill>
+                  <a:srgbClr val="000000"/>
+                </a:solidFill>
+                <a:highlight>
+                  <a:srgbClr val="FFFFFF"/>
+                </a:highlight>
+              </a:rPr>
+              <a:t> </a:t>
+            </a:r>
+            <a:r>
+              <a:rPr lang="nl-NL" sz="1000" dirty="0">
+                <a:solidFill>
+                  <a:srgbClr val="FF0000"/>
+                </a:solidFill>
+                <a:highlight>
+                  <a:srgbClr val="FFFFFF"/>
+                </a:highlight>
+              </a:rPr>
+              <a:t>5</a:t>
+            </a:r>
+            <a:r>
+              <a:rPr lang="nl-NL" sz="1000" b="1" dirty="0">
+                <a:solidFill>
+                  <a:srgbClr val="000080"/>
+                </a:solidFill>
+                <a:highlight>
+                  <a:srgbClr val="FFFFFF"/>
+                </a:highlight>
+              </a:rPr>
+              <a:t>]]</a:t>
+            </a:r>
+            <a:endParaRPr lang="nl-NL" sz="1000" dirty="0">
+              <a:solidFill>
+                <a:srgbClr val="000000"/>
+              </a:solidFill>
+              <a:highlight>
+                <a:srgbClr val="FFFFFF"/>
+              </a:highlight>
+            </a:endParaRPr>
+          </a:p>
+          <a:p>
+            <a:r>
+              <a:rPr lang="en-US" sz="1000" dirty="0" err="1">
+                <a:solidFill>
+                  <a:srgbClr val="000000"/>
+                </a:solidFill>
+                <a:highlight>
+                  <a:srgbClr val="FFFFFF"/>
+                </a:highlight>
+              </a:rPr>
+              <a:t>regressor_OLS</a:t>
+            </a:r>
+            <a:r>
+              <a:rPr lang="en-US" sz="1000" dirty="0">
+                <a:solidFill>
+                  <a:srgbClr val="000000"/>
+                </a:solidFill>
+                <a:highlight>
+                  <a:srgbClr val="FFFFFF"/>
+                </a:highlight>
+              </a:rPr>
+              <a:t> </a:t>
+            </a:r>
+            <a:r>
+              <a:rPr lang="en-US" sz="1000" b="1" dirty="0">
+                <a:solidFill>
+                  <a:srgbClr val="000080"/>
+                </a:solidFill>
+                <a:highlight>
+                  <a:srgbClr val="FFFFFF"/>
+                </a:highlight>
+              </a:rPr>
+              <a:t>=</a:t>
+            </a:r>
+            <a:r>
+              <a:rPr lang="en-US" sz="1000" dirty="0">
+                <a:solidFill>
+                  <a:srgbClr val="000000"/>
+                </a:solidFill>
+                <a:highlight>
+                  <a:srgbClr val="FFFFFF"/>
+                </a:highlight>
+              </a:rPr>
+              <a:t> </a:t>
+            </a:r>
+            <a:r>
+              <a:rPr lang="en-US" sz="1000" dirty="0" err="1">
+                <a:solidFill>
+                  <a:srgbClr val="000000"/>
+                </a:solidFill>
+                <a:highlight>
+                  <a:srgbClr val="FFFFFF"/>
+                </a:highlight>
+              </a:rPr>
+              <a:t>sm</a:t>
+            </a:r>
+            <a:r>
+              <a:rPr lang="en-US" sz="1000" b="1" dirty="0" err="1">
+                <a:solidFill>
+                  <a:srgbClr val="000080"/>
+                </a:solidFill>
+                <a:highlight>
+                  <a:srgbClr val="FFFFFF"/>
+                </a:highlight>
+              </a:rPr>
+              <a:t>.</a:t>
+            </a:r>
+            <a:r>
+              <a:rPr lang="en-US" sz="1000" dirty="0" err="1">
+                <a:solidFill>
+                  <a:srgbClr val="000000"/>
+                </a:solidFill>
+                <a:highlight>
+                  <a:srgbClr val="FFFFFF"/>
+                </a:highlight>
+              </a:rPr>
+              <a:t>OLS</a:t>
+            </a:r>
+            <a:r>
+              <a:rPr lang="en-US" sz="1000" b="1" dirty="0">
+                <a:solidFill>
+                  <a:srgbClr val="000080"/>
+                </a:solidFill>
+                <a:highlight>
+                  <a:srgbClr val="FFFFFF"/>
+                </a:highlight>
+              </a:rPr>
+              <a:t>(</a:t>
+            </a:r>
+            <a:r>
+              <a:rPr lang="en-US" sz="1000" dirty="0" err="1">
+                <a:solidFill>
+                  <a:srgbClr val="000000"/>
+                </a:solidFill>
+                <a:highlight>
+                  <a:srgbClr val="FFFFFF"/>
+                </a:highlight>
+              </a:rPr>
+              <a:t>endog</a:t>
+            </a:r>
+            <a:r>
+              <a:rPr lang="en-US" sz="1000" dirty="0">
+                <a:solidFill>
+                  <a:srgbClr val="000000"/>
+                </a:solidFill>
+                <a:highlight>
+                  <a:srgbClr val="FFFFFF"/>
+                </a:highlight>
+              </a:rPr>
+              <a:t> </a:t>
+            </a:r>
+            <a:r>
+              <a:rPr lang="en-US" sz="1000" b="1" dirty="0">
+                <a:solidFill>
+                  <a:srgbClr val="000080"/>
+                </a:solidFill>
+                <a:highlight>
+                  <a:srgbClr val="FFFFFF"/>
+                </a:highlight>
+              </a:rPr>
+              <a:t>=</a:t>
+            </a:r>
+            <a:r>
+              <a:rPr lang="en-US" sz="1000" dirty="0">
+                <a:solidFill>
+                  <a:srgbClr val="000000"/>
+                </a:solidFill>
+                <a:highlight>
+                  <a:srgbClr val="FFFFFF"/>
+                </a:highlight>
+              </a:rPr>
+              <a:t> y</a:t>
+            </a:r>
+            <a:r>
+              <a:rPr lang="en-US" sz="1000" b="1" dirty="0">
+                <a:solidFill>
+                  <a:srgbClr val="000080"/>
+                </a:solidFill>
+                <a:highlight>
+                  <a:srgbClr val="FFFFFF"/>
+                </a:highlight>
+              </a:rPr>
+              <a:t>,</a:t>
+            </a:r>
+            <a:r>
+              <a:rPr lang="en-US" sz="1000" dirty="0">
+                <a:solidFill>
+                  <a:srgbClr val="000000"/>
+                </a:solidFill>
+                <a:highlight>
+                  <a:srgbClr val="FFFFFF"/>
+                </a:highlight>
+              </a:rPr>
+              <a:t> </a:t>
+            </a:r>
+            <a:r>
+              <a:rPr lang="en-US" sz="1000" dirty="0" err="1">
+                <a:solidFill>
+                  <a:srgbClr val="000000"/>
+                </a:solidFill>
+                <a:highlight>
+                  <a:srgbClr val="FFFFFF"/>
+                </a:highlight>
+              </a:rPr>
+              <a:t>exog</a:t>
+            </a:r>
+            <a:r>
+              <a:rPr lang="en-US" sz="1000" dirty="0">
+                <a:solidFill>
+                  <a:srgbClr val="000000"/>
+                </a:solidFill>
+                <a:highlight>
+                  <a:srgbClr val="FFFFFF"/>
+                </a:highlight>
+              </a:rPr>
+              <a:t> </a:t>
+            </a:r>
+            <a:r>
+              <a:rPr lang="en-US" sz="1000" b="1" dirty="0">
+                <a:solidFill>
+                  <a:srgbClr val="000080"/>
+                </a:solidFill>
+                <a:highlight>
+                  <a:srgbClr val="FFFFFF"/>
+                </a:highlight>
+              </a:rPr>
+              <a:t>=</a:t>
+            </a:r>
+            <a:r>
+              <a:rPr lang="en-US" sz="1000" dirty="0">
+                <a:solidFill>
+                  <a:srgbClr val="000000"/>
+                </a:solidFill>
+                <a:highlight>
+                  <a:srgbClr val="FFFFFF"/>
+                </a:highlight>
+              </a:rPr>
+              <a:t> </a:t>
+            </a:r>
+            <a:r>
+              <a:rPr lang="en-US" sz="1000" dirty="0" err="1">
+                <a:solidFill>
+                  <a:srgbClr val="000000"/>
+                </a:solidFill>
+                <a:highlight>
+                  <a:srgbClr val="FFFFFF"/>
+                </a:highlight>
+              </a:rPr>
+              <a:t>X_opt</a:t>
+            </a:r>
+            <a:r>
+              <a:rPr lang="en-US" sz="1000" b="1" dirty="0">
+                <a:solidFill>
+                  <a:srgbClr val="000080"/>
+                </a:solidFill>
+                <a:highlight>
+                  <a:srgbClr val="FFFFFF"/>
+                </a:highlight>
+              </a:rPr>
+              <a:t>).</a:t>
+            </a:r>
+            <a:r>
+              <a:rPr lang="en-US" sz="1000" dirty="0">
+                <a:solidFill>
+                  <a:srgbClr val="000000"/>
+                </a:solidFill>
+                <a:highlight>
+                  <a:srgbClr val="FFFFFF"/>
+                </a:highlight>
+              </a:rPr>
+              <a:t>fit</a:t>
+            </a:r>
+            <a:r>
+              <a:rPr lang="en-US" sz="1000" b="1" dirty="0">
+                <a:solidFill>
+                  <a:srgbClr val="000080"/>
+                </a:solidFill>
+                <a:highlight>
+                  <a:srgbClr val="FFFFFF"/>
+                </a:highlight>
+              </a:rPr>
+              <a:t>()</a:t>
+            </a:r>
+            <a:endParaRPr lang="en-US" sz="1000" dirty="0">
+              <a:solidFill>
+                <a:srgbClr val="000000"/>
+              </a:solidFill>
+              <a:highlight>
+                <a:srgbClr val="FFFFFF"/>
+              </a:highlight>
+            </a:endParaRPr>
+          </a:p>
+          <a:p>
+            <a:r>
+              <a:rPr lang="en-US" sz="1000" dirty="0" err="1">
+                <a:solidFill>
+                  <a:srgbClr val="000000"/>
+                </a:solidFill>
+                <a:highlight>
+                  <a:srgbClr val="FFFFFF"/>
+                </a:highlight>
+              </a:rPr>
+              <a:t>regressor_OLS</a:t>
+            </a:r>
+            <a:r>
+              <a:rPr lang="en-US" sz="1000" b="1" dirty="0" err="1">
+                <a:solidFill>
+                  <a:srgbClr val="000080"/>
+                </a:solidFill>
+                <a:highlight>
+                  <a:srgbClr val="FFFFFF"/>
+                </a:highlight>
+              </a:rPr>
+              <a:t>.</a:t>
+            </a:r>
+            <a:r>
+              <a:rPr lang="en-US" sz="1000" dirty="0" err="1">
+                <a:solidFill>
+                  <a:srgbClr val="000000"/>
+                </a:solidFill>
+                <a:highlight>
+                  <a:srgbClr val="FFFFFF"/>
+                </a:highlight>
+              </a:rPr>
+              <a:t>summary</a:t>
+            </a:r>
+            <a:r>
+              <a:rPr lang="en-US" sz="1000" b="1" dirty="0">
+                <a:solidFill>
+                  <a:srgbClr val="000080"/>
+                </a:solidFill>
+                <a:highlight>
+                  <a:srgbClr val="FFFFFF"/>
+                </a:highlight>
+              </a:rPr>
+              <a:t>()</a:t>
+            </a:r>
+            <a:endParaRPr lang="en-US" sz="1000" dirty="0">
+              <a:solidFill>
+                <a:srgbClr val="000000"/>
+              </a:solidFill>
+              <a:highlight>
+                <a:srgbClr val="FFFFFF"/>
+              </a:highlight>
+            </a:endParaRPr>
+          </a:p>
+          <a:p>
+            <a:r>
+              <a:rPr lang="en-US" sz="1000" dirty="0" err="1">
+                <a:solidFill>
+                  <a:srgbClr val="000000"/>
+                </a:solidFill>
+                <a:highlight>
+                  <a:srgbClr val="FFFFFF"/>
+                </a:highlight>
+              </a:rPr>
+              <a:t>X_opt</a:t>
+            </a:r>
+            <a:r>
+              <a:rPr lang="en-US" sz="1000" dirty="0">
+                <a:solidFill>
+                  <a:srgbClr val="000000"/>
+                </a:solidFill>
+                <a:highlight>
+                  <a:srgbClr val="FFFFFF"/>
+                </a:highlight>
+              </a:rPr>
+              <a:t> </a:t>
+            </a:r>
+            <a:r>
+              <a:rPr lang="en-US" sz="1000" b="1" dirty="0">
+                <a:solidFill>
+                  <a:srgbClr val="000080"/>
+                </a:solidFill>
+                <a:highlight>
+                  <a:srgbClr val="FFFFFF"/>
+                </a:highlight>
+              </a:rPr>
+              <a:t>=</a:t>
+            </a:r>
+            <a:r>
+              <a:rPr lang="en-US" sz="1000" dirty="0">
+                <a:solidFill>
+                  <a:srgbClr val="000000"/>
+                </a:solidFill>
+                <a:highlight>
+                  <a:srgbClr val="FFFFFF"/>
+                </a:highlight>
+              </a:rPr>
+              <a:t> X</a:t>
+            </a:r>
+            <a:r>
+              <a:rPr lang="en-US" sz="1000" b="1" dirty="0">
+                <a:solidFill>
+                  <a:srgbClr val="000080"/>
+                </a:solidFill>
+                <a:highlight>
+                  <a:srgbClr val="FFFFFF"/>
+                </a:highlight>
+              </a:rPr>
+              <a:t>[:,</a:t>
+            </a:r>
+            <a:r>
+              <a:rPr lang="en-US" sz="1000" dirty="0">
+                <a:solidFill>
+                  <a:srgbClr val="000000"/>
+                </a:solidFill>
+                <a:highlight>
+                  <a:srgbClr val="FFFFFF"/>
+                </a:highlight>
+              </a:rPr>
+              <a:t> </a:t>
+            </a:r>
+            <a:r>
+              <a:rPr lang="en-US" sz="1000" b="1" dirty="0">
+                <a:solidFill>
+                  <a:srgbClr val="000080"/>
+                </a:solidFill>
+                <a:highlight>
+                  <a:srgbClr val="FFFFFF"/>
+                </a:highlight>
+              </a:rPr>
+              <a:t>[</a:t>
+            </a:r>
+            <a:r>
+              <a:rPr lang="en-US" sz="1000" dirty="0">
+                <a:solidFill>
+                  <a:srgbClr val="FF0000"/>
+                </a:solidFill>
+                <a:highlight>
+                  <a:srgbClr val="FFFFFF"/>
+                </a:highlight>
+              </a:rPr>
+              <a:t>0</a:t>
+            </a:r>
+            <a:r>
+              <a:rPr lang="en-US" sz="1000" b="1" dirty="0">
+                <a:solidFill>
+                  <a:srgbClr val="000080"/>
+                </a:solidFill>
+                <a:highlight>
+                  <a:srgbClr val="FFFFFF"/>
+                </a:highlight>
+              </a:rPr>
+              <a:t>,</a:t>
+            </a:r>
+            <a:r>
+              <a:rPr lang="en-US" sz="1000" dirty="0">
+                <a:solidFill>
+                  <a:srgbClr val="000000"/>
+                </a:solidFill>
+                <a:highlight>
+                  <a:srgbClr val="FFFFFF"/>
+                </a:highlight>
+              </a:rPr>
+              <a:t> </a:t>
+            </a:r>
+            <a:r>
+              <a:rPr lang="en-US" sz="1000" dirty="0">
+                <a:solidFill>
+                  <a:srgbClr val="FF0000"/>
+                </a:solidFill>
+                <a:highlight>
+                  <a:srgbClr val="FFFFFF"/>
+                </a:highlight>
+              </a:rPr>
+              <a:t>3</a:t>
+            </a:r>
+            <a:r>
+              <a:rPr lang="en-US" sz="1000" b="1" dirty="0">
+                <a:solidFill>
+                  <a:srgbClr val="000080"/>
+                </a:solidFill>
+                <a:highlight>
+                  <a:srgbClr val="FFFFFF"/>
+                </a:highlight>
+              </a:rPr>
+              <a:t>]]</a:t>
+            </a:r>
+            <a:endParaRPr lang="en-US" sz="1000" dirty="0">
+              <a:solidFill>
+                <a:srgbClr val="000000"/>
+              </a:solidFill>
+              <a:highlight>
+                <a:srgbClr val="FFFFFF"/>
+              </a:highlight>
+            </a:endParaRPr>
+          </a:p>
+          <a:p>
+            <a:r>
+              <a:rPr lang="en-US" sz="1000" dirty="0" err="1">
+                <a:solidFill>
+                  <a:srgbClr val="000000"/>
+                </a:solidFill>
+                <a:highlight>
+                  <a:srgbClr val="FFFFFF"/>
+                </a:highlight>
+              </a:rPr>
+              <a:t>regressor_OLS</a:t>
+            </a:r>
+            <a:r>
+              <a:rPr lang="en-US" sz="1000" dirty="0">
+                <a:solidFill>
+                  <a:srgbClr val="000000"/>
+                </a:solidFill>
+                <a:highlight>
+                  <a:srgbClr val="FFFFFF"/>
+                </a:highlight>
+              </a:rPr>
+              <a:t> </a:t>
+            </a:r>
+            <a:r>
+              <a:rPr lang="en-US" sz="1000" b="1" dirty="0">
+                <a:solidFill>
+                  <a:srgbClr val="000080"/>
+                </a:solidFill>
+                <a:highlight>
+                  <a:srgbClr val="FFFFFF"/>
+                </a:highlight>
+              </a:rPr>
+              <a:t>=</a:t>
+            </a:r>
+            <a:r>
+              <a:rPr lang="en-US" sz="1000" dirty="0">
+                <a:solidFill>
+                  <a:srgbClr val="000000"/>
+                </a:solidFill>
+                <a:highlight>
+                  <a:srgbClr val="FFFFFF"/>
+                </a:highlight>
+              </a:rPr>
+              <a:t> </a:t>
+            </a:r>
+            <a:r>
+              <a:rPr lang="en-US" sz="1000" dirty="0" err="1">
+                <a:solidFill>
+                  <a:srgbClr val="000000"/>
+                </a:solidFill>
+                <a:highlight>
+                  <a:srgbClr val="FFFFFF"/>
+                </a:highlight>
+              </a:rPr>
+              <a:t>sm</a:t>
+            </a:r>
+            <a:r>
+              <a:rPr lang="en-US" sz="1000" b="1" dirty="0" err="1">
+                <a:solidFill>
+                  <a:srgbClr val="000080"/>
+                </a:solidFill>
+                <a:highlight>
+                  <a:srgbClr val="FFFFFF"/>
+                </a:highlight>
+              </a:rPr>
+              <a:t>.</a:t>
+            </a:r>
+            <a:r>
+              <a:rPr lang="en-US" sz="1000" dirty="0" err="1">
+                <a:solidFill>
+                  <a:srgbClr val="000000"/>
+                </a:solidFill>
+                <a:highlight>
+                  <a:srgbClr val="FFFFFF"/>
+                </a:highlight>
+              </a:rPr>
+              <a:t>OLS</a:t>
+            </a:r>
+            <a:r>
+              <a:rPr lang="en-US" sz="1000" b="1" dirty="0">
+                <a:solidFill>
+                  <a:srgbClr val="000080"/>
+                </a:solidFill>
+                <a:highlight>
+                  <a:srgbClr val="FFFFFF"/>
+                </a:highlight>
+              </a:rPr>
+              <a:t>(</a:t>
+            </a:r>
+            <a:r>
+              <a:rPr lang="en-US" sz="1000" dirty="0" err="1">
+                <a:solidFill>
+                  <a:srgbClr val="000000"/>
+                </a:solidFill>
+                <a:highlight>
+                  <a:srgbClr val="FFFFFF"/>
+                </a:highlight>
+              </a:rPr>
+              <a:t>endog</a:t>
+            </a:r>
+            <a:r>
+              <a:rPr lang="en-US" sz="1000" dirty="0">
+                <a:solidFill>
+                  <a:srgbClr val="000000"/>
+                </a:solidFill>
+                <a:highlight>
+                  <a:srgbClr val="FFFFFF"/>
+                </a:highlight>
+              </a:rPr>
+              <a:t> </a:t>
+            </a:r>
+            <a:r>
+              <a:rPr lang="en-US" sz="1000" b="1" dirty="0">
+                <a:solidFill>
+                  <a:srgbClr val="000080"/>
+                </a:solidFill>
+                <a:highlight>
+                  <a:srgbClr val="FFFFFF"/>
+                </a:highlight>
+              </a:rPr>
+              <a:t>=</a:t>
+            </a:r>
+            <a:r>
+              <a:rPr lang="en-US" sz="1000" dirty="0">
+                <a:solidFill>
+                  <a:srgbClr val="000000"/>
+                </a:solidFill>
+                <a:highlight>
+                  <a:srgbClr val="FFFFFF"/>
+                </a:highlight>
+              </a:rPr>
+              <a:t> y</a:t>
+            </a:r>
+            <a:r>
+              <a:rPr lang="en-US" sz="1000" b="1" dirty="0">
+                <a:solidFill>
+                  <a:srgbClr val="000080"/>
+                </a:solidFill>
+                <a:highlight>
+                  <a:srgbClr val="FFFFFF"/>
+                </a:highlight>
+              </a:rPr>
+              <a:t>,</a:t>
+            </a:r>
+            <a:r>
+              <a:rPr lang="en-US" sz="1000" dirty="0">
+                <a:solidFill>
+                  <a:srgbClr val="000000"/>
+                </a:solidFill>
+                <a:highlight>
+                  <a:srgbClr val="FFFFFF"/>
+                </a:highlight>
+              </a:rPr>
+              <a:t> </a:t>
+            </a:r>
+            <a:r>
+              <a:rPr lang="en-US" sz="1000" dirty="0" err="1">
+                <a:solidFill>
+                  <a:srgbClr val="000000"/>
+                </a:solidFill>
+                <a:highlight>
+                  <a:srgbClr val="FFFFFF"/>
+                </a:highlight>
+              </a:rPr>
+              <a:t>exog</a:t>
+            </a:r>
+            <a:r>
+              <a:rPr lang="en-US" sz="1000" dirty="0">
+                <a:solidFill>
+                  <a:srgbClr val="000000"/>
+                </a:solidFill>
+                <a:highlight>
+                  <a:srgbClr val="FFFFFF"/>
+                </a:highlight>
+              </a:rPr>
+              <a:t> </a:t>
+            </a:r>
+            <a:r>
+              <a:rPr lang="en-US" sz="1000" b="1" dirty="0">
+                <a:solidFill>
+                  <a:srgbClr val="000080"/>
+                </a:solidFill>
+                <a:highlight>
+                  <a:srgbClr val="FFFFFF"/>
+                </a:highlight>
+              </a:rPr>
+              <a:t>=</a:t>
+            </a:r>
+            <a:r>
+              <a:rPr lang="en-US" sz="1000" dirty="0">
+                <a:solidFill>
+                  <a:srgbClr val="000000"/>
+                </a:solidFill>
+                <a:highlight>
+                  <a:srgbClr val="FFFFFF"/>
+                </a:highlight>
+              </a:rPr>
+              <a:t> </a:t>
+            </a:r>
+            <a:r>
+              <a:rPr lang="en-US" sz="1000" dirty="0" err="1">
+                <a:solidFill>
+                  <a:srgbClr val="000000"/>
+                </a:solidFill>
+                <a:highlight>
+                  <a:srgbClr val="FFFFFF"/>
+                </a:highlight>
+              </a:rPr>
+              <a:t>X_opt</a:t>
+            </a:r>
+            <a:r>
+              <a:rPr lang="en-US" sz="1000" b="1" dirty="0">
+                <a:solidFill>
+                  <a:srgbClr val="000080"/>
+                </a:solidFill>
+                <a:highlight>
+                  <a:srgbClr val="FFFFFF"/>
+                </a:highlight>
+              </a:rPr>
+              <a:t>).</a:t>
+            </a:r>
+            <a:r>
+              <a:rPr lang="en-US" sz="1000" dirty="0">
+                <a:solidFill>
+                  <a:srgbClr val="000000"/>
+                </a:solidFill>
+                <a:highlight>
+                  <a:srgbClr val="FFFFFF"/>
+                </a:highlight>
+              </a:rPr>
+              <a:t>fit</a:t>
+            </a:r>
+            <a:r>
+              <a:rPr lang="en-US" sz="1000" b="1" dirty="0">
+                <a:solidFill>
+                  <a:srgbClr val="000080"/>
+                </a:solidFill>
+                <a:highlight>
+                  <a:srgbClr val="FFFFFF"/>
+                </a:highlight>
+              </a:rPr>
+              <a:t>()</a:t>
+            </a:r>
+            <a:endParaRPr lang="en-US" sz="1000" dirty="0">
+              <a:solidFill>
+                <a:srgbClr val="000000"/>
+              </a:solidFill>
+              <a:highlight>
+                <a:srgbClr val="FFFFFF"/>
+              </a:highlight>
+            </a:endParaRPr>
+          </a:p>
+          <a:p>
+            <a:r>
+              <a:rPr lang="en-US" sz="1000" dirty="0" err="1">
+                <a:solidFill>
+                  <a:srgbClr val="000000"/>
+                </a:solidFill>
+                <a:highlight>
+                  <a:srgbClr val="FFFFFF"/>
+                </a:highlight>
+              </a:rPr>
+              <a:t>regressor_OLS</a:t>
+            </a:r>
+            <a:r>
+              <a:rPr lang="en-US" sz="1000" b="1" dirty="0" err="1">
+                <a:solidFill>
+                  <a:srgbClr val="000080"/>
+                </a:solidFill>
+                <a:highlight>
+                  <a:srgbClr val="FFFFFF"/>
+                </a:highlight>
+              </a:rPr>
+              <a:t>.</a:t>
+            </a:r>
+            <a:r>
+              <a:rPr lang="en-US" sz="1000" dirty="0" err="1">
+                <a:solidFill>
+                  <a:srgbClr val="000000"/>
+                </a:solidFill>
+                <a:highlight>
+                  <a:srgbClr val="FFFFFF"/>
+                </a:highlight>
+              </a:rPr>
+              <a:t>summary</a:t>
+            </a:r>
+            <a:r>
+              <a:rPr lang="en-US" sz="1000" b="1" dirty="0">
+                <a:solidFill>
+                  <a:srgbClr val="000080"/>
+                </a:solidFill>
+                <a:highlight>
+                  <a:srgbClr val="FFFFFF"/>
+                </a:highlight>
+              </a:rPr>
+              <a:t>()</a:t>
+            </a:r>
+            <a:endParaRPr lang="en-US" sz="1000" dirty="0"/>
+          </a:p>
+        </p:txBody>
+      </p:sp>
+      <p:sp>
+        <p:nvSpPr>
+          <p:cNvPr id="6" name="Rectangle 5"/>
+          <p:cNvSpPr/>
+          <p:nvPr/>
+        </p:nvSpPr>
+        <p:spPr>
+          <a:xfrm>
+            <a:off x="10058389" y="3108961"/>
+            <a:ext cx="457212" cy="606828"/>
+          </a:xfrm>
+          <a:prstGeom prst="rect">
+            <a:avLst/>
+          </a:prstGeom>
+          <a:noFill/>
+          <a:ln w="38100">
+            <a:solidFill>
+              <a:srgbClr val="00B050"/>
+            </a:solidFill>
+          </a:ln>
+        </p:spPr>
+        <p:style>
+          <a:lnRef idx="2">
+            <a:schemeClr val="accent1">
+              <a:shade val="50000"/>
+            </a:schemeClr>
+          </a:lnRef>
+          <a:fillRef idx="1">
+            <a:schemeClr val="accent1"/>
+          </a:fillRef>
+          <a:effectRef idx="0">
+            <a:schemeClr val="accent1"/>
+          </a:effectRef>
+          <a:fontRef idx="minor">
+            <a:schemeClr val="lt1"/>
+          </a:fontRef>
+        </p:style>
+        <p:txBody>
+          <a:bodyPr rtlCol="0" anchor="ctr"/>
+          <a:lstStyle/>
+          <a:p>
+            <a:pPr algn="ctr"/>
+            <a:endParaRPr lang="en-US">
+              <a:solidFill>
+                <a:srgbClr val="000000"/>
+              </a:solidFill>
+            </a:endParaRPr>
+          </a:p>
+        </p:txBody>
+      </p:sp>
+    </p:spTree>
+    <p:extLst>
+      <p:ext uri="{BB962C8B-B14F-4D97-AF65-F5344CB8AC3E}">
+        <p14:creationId xmlns:p14="http://schemas.microsoft.com/office/powerpoint/2010/main" val="1517367004"/>
+      </p:ext>
+    </p:extLst>
+  </p:cSld>
+  <p:clrMapOvr>
+    <a:masterClrMapping/>
+  </p:clrMapOvr>
+</p:sld>
+</file>
+
+<file path=ppt/slides/slide24.xml><?xml version="1.0" encoding="utf-8"?>
+<p:sld xmlns:a="http://schemas.openxmlformats.org/drawingml/2006/main" xmlns:r="http://schemas.openxmlformats.org/officeDocument/2006/relationships" xmlns:p="http://schemas.openxmlformats.org/presentationml/2006/main">
+  <p:cSld>
+    <p:spTree>
+      <p:nvGrpSpPr>
+        <p:cNvPr id="1" name=""/>
+        <p:cNvGrpSpPr/>
+        <p:nvPr/>
+      </p:nvGrpSpPr>
+      <p:grpSpPr>
+        <a:xfrm>
+          <a:off x="0" y="0"/>
+          <a:ext cx="0" cy="0"/>
+          <a:chOff x="0" y="0"/>
+          <a:chExt cx="0" cy="0"/>
+        </a:xfrm>
+      </p:grpSpPr>
+      <p:sp>
+        <p:nvSpPr>
+          <p:cNvPr id="2" name="Title 1"/>
+          <p:cNvSpPr>
+            <a:spLocks noGrp="1"/>
+          </p:cNvSpPr>
+          <p:nvPr>
+            <p:ph type="title"/>
+          </p:nvPr>
+        </p:nvSpPr>
+        <p:spPr/>
+        <p:txBody>
+          <a:bodyPr/>
+          <a:lstStyle/>
+          <a:p>
+            <a:endParaRPr lang="en-US"/>
+          </a:p>
+        </p:txBody>
+      </p:sp>
+    </p:spTree>
+    <p:extLst>
+      <p:ext uri="{BB962C8B-B14F-4D97-AF65-F5344CB8AC3E}">
+        <p14:creationId xmlns:p14="http://schemas.microsoft.com/office/powerpoint/2010/main" val="4077420379"/>
+      </p:ext>
+    </p:extLst>
+  </p:cSld>
+  <p:clrMapOvr>
+    <a:masterClrMapping/>
+  </p:clrMapOvr>
+</p:sld>
+</file>
+
+<file path=ppt/slides/slide25.xml><?xml version="1.0" encoding="utf-8"?>
 <p:sld xmlns:a="http://schemas.openxmlformats.org/drawingml/2006/main" xmlns:r="http://schemas.openxmlformats.org/officeDocument/2006/relationships" xmlns:p="http://schemas.openxmlformats.org/presentationml/2006/main">
   <p:cSld>
     <p:spTree>

--- a/Multiple_Linear_Regression/Multiple_linear_Regression.pptx
+++ b/Multiple_Linear_Regression/Multiple_linear_Regression.pptx
@@ -15780,8 +15780,8 @@
           </a:prstGeom>
         </p:spPr>
       </p:pic>
-      <mc:AlternateContent xmlns:mc="http://schemas.openxmlformats.org/markup-compatibility/2006">
-        <mc:Choice xmlns:p14="http://schemas.microsoft.com/office/powerpoint/2010/main" Requires="p14">
+      <mc:AlternateContent xmlns:mc="http://schemas.openxmlformats.org/markup-compatibility/2006" xmlns:p14="http://schemas.microsoft.com/office/powerpoint/2010/main">
+        <mc:Choice Requires="p14">
           <p:contentPart p14:bwMode="auto" r:id="rId4">
             <p14:nvContentPartPr>
               <p14:cNvPr id="8" name="Ink 7"/>
@@ -15794,7 +15794,7 @@
             </p14:xfrm>
           </p:contentPart>
         </mc:Choice>
-        <mc:Fallback>
+        <mc:Fallback xmlns="">
           <p:pic>
             <p:nvPicPr>
               <p:cNvPr id="8" name="Ink 7"/>

--- a/Multiple_Linear_Regression/Multiple_linear_Regression.pptx
+++ b/Multiple_Linear_Regression/Multiple_linear_Regression.pptx
@@ -637,7 +637,7 @@
           <a:p>
             <a:fld id="{94DC2EC4-A682-4648-AE49-70173C237B3A}" type="datetimeFigureOut">
               <a:rPr lang="en-US" smtClean="0"/>
-              <a:t>1/15/2019</a:t>
+              <a:t>1/18/2019</a:t>
             </a:fld>
             <a:endParaRPr lang="en-US"/>
           </a:p>
@@ -807,7 +807,7 @@
           <a:p>
             <a:fld id="{94DC2EC4-A682-4648-AE49-70173C237B3A}" type="datetimeFigureOut">
               <a:rPr lang="en-US" smtClean="0"/>
-              <a:t>1/15/2019</a:t>
+              <a:t>1/18/2019</a:t>
             </a:fld>
             <a:endParaRPr lang="en-US"/>
           </a:p>
@@ -987,7 +987,7 @@
           <a:p>
             <a:fld id="{94DC2EC4-A682-4648-AE49-70173C237B3A}" type="datetimeFigureOut">
               <a:rPr lang="en-US" smtClean="0"/>
-              <a:t>1/15/2019</a:t>
+              <a:t>1/18/2019</a:t>
             </a:fld>
             <a:endParaRPr lang="en-US"/>
           </a:p>
@@ -1157,7 +1157,7 @@
           <a:p>
             <a:fld id="{94DC2EC4-A682-4648-AE49-70173C237B3A}" type="datetimeFigureOut">
               <a:rPr lang="en-US" smtClean="0"/>
-              <a:t>1/15/2019</a:t>
+              <a:t>1/18/2019</a:t>
             </a:fld>
             <a:endParaRPr lang="en-US"/>
           </a:p>
@@ -1403,7 +1403,7 @@
           <a:p>
             <a:fld id="{94DC2EC4-A682-4648-AE49-70173C237B3A}" type="datetimeFigureOut">
               <a:rPr lang="en-US" smtClean="0"/>
-              <a:t>1/15/2019</a:t>
+              <a:t>1/18/2019</a:t>
             </a:fld>
             <a:endParaRPr lang="en-US"/>
           </a:p>
@@ -1691,7 +1691,7 @@
           <a:p>
             <a:fld id="{94DC2EC4-A682-4648-AE49-70173C237B3A}" type="datetimeFigureOut">
               <a:rPr lang="en-US" smtClean="0"/>
-              <a:t>1/15/2019</a:t>
+              <a:t>1/18/2019</a:t>
             </a:fld>
             <a:endParaRPr lang="en-US"/>
           </a:p>
@@ -2113,7 +2113,7 @@
           <a:p>
             <a:fld id="{94DC2EC4-A682-4648-AE49-70173C237B3A}" type="datetimeFigureOut">
               <a:rPr lang="en-US" smtClean="0"/>
-              <a:t>1/15/2019</a:t>
+              <a:t>1/18/2019</a:t>
             </a:fld>
             <a:endParaRPr lang="en-US"/>
           </a:p>
@@ -2231,7 +2231,7 @@
           <a:p>
             <a:fld id="{94DC2EC4-A682-4648-AE49-70173C237B3A}" type="datetimeFigureOut">
               <a:rPr lang="en-US" smtClean="0"/>
-              <a:t>1/15/2019</a:t>
+              <a:t>1/18/2019</a:t>
             </a:fld>
             <a:endParaRPr lang="en-US"/>
           </a:p>
@@ -2326,7 +2326,7 @@
           <a:p>
             <a:fld id="{94DC2EC4-A682-4648-AE49-70173C237B3A}" type="datetimeFigureOut">
               <a:rPr lang="en-US" smtClean="0"/>
-              <a:t>1/15/2019</a:t>
+              <a:t>1/18/2019</a:t>
             </a:fld>
             <a:endParaRPr lang="en-US"/>
           </a:p>
@@ -2603,7 +2603,7 @@
           <a:p>
             <a:fld id="{94DC2EC4-A682-4648-AE49-70173C237B3A}" type="datetimeFigureOut">
               <a:rPr lang="en-US" smtClean="0"/>
-              <a:t>1/15/2019</a:t>
+              <a:t>1/18/2019</a:t>
             </a:fld>
             <a:endParaRPr lang="en-US"/>
           </a:p>
@@ -2860,7 +2860,7 @@
           <a:p>
             <a:fld id="{94DC2EC4-A682-4648-AE49-70173C237B3A}" type="datetimeFigureOut">
               <a:rPr lang="en-US" smtClean="0"/>
-              <a:t>1/15/2019</a:t>
+              <a:t>1/18/2019</a:t>
             </a:fld>
             <a:endParaRPr lang="en-US"/>
           </a:p>
@@ -3071,7 +3071,7 @@
           <a:p>
             <a:fld id="{94DC2EC4-A682-4648-AE49-70173C237B3A}" type="datetimeFigureOut">
               <a:rPr lang="en-US" smtClean="0"/>
-              <a:t>1/15/2019</a:t>
+              <a:t>1/18/2019</a:t>
             </a:fld>
             <a:endParaRPr lang="en-US"/>
           </a:p>
@@ -3607,7 +3607,19 @@
             </a:r>
             <a:r>
               <a:rPr lang="en-US" dirty="0" smtClean="0"/>
-              <a:t> To develop a model which would help the investor to decide which investments would lead him to the best profits and which would also help him to determine what amount of profit he would gain with the type of investment he decides on.</a:t>
+              <a:t> To develop a model which would help the investor to decide which investments </a:t>
+            </a:r>
+            <a:r>
+              <a:rPr lang="en-US" smtClean="0"/>
+              <a:t>would </a:t>
+            </a:r>
+            <a:r>
+              <a:rPr lang="en-US" smtClean="0"/>
+              <a:t>always lead </a:t>
+            </a:r>
+            <a:r>
+              <a:rPr lang="en-US" dirty="0" smtClean="0"/>
+              <a:t>him to the best profits and which would also help him to determine what amount of profit he would gain with the type of investment he decides on.</a:t>
             </a:r>
           </a:p>
           <a:p>
@@ -3632,7 +3644,7 @@
           <a:p>
             <a:fld id="{CE5545B6-6FDD-460F-A1D5-7DBF4363784A}" type="datetime3">
               <a:rPr lang="en-US" smtClean="0"/>
-              <a:t>15 January 2019</a:t>
+              <a:t>18 January 2019</a:t>
             </a:fld>
             <a:endParaRPr lang="en-US"/>
           </a:p>

--- a/Multiple_Linear_Regression/Multiple_linear_Regression.pptx
+++ b/Multiple_Linear_Regression/Multiple_linear_Regression.pptx
@@ -4,6 +4,9 @@
   <p:sldMasterIdLst>
     <p:sldMasterId id="2147483660" r:id="rId1"/>
   </p:sldMasterIdLst>
+  <p:notesMasterIdLst>
+    <p:notesMasterId r:id="rId27"/>
+  </p:notesMasterIdLst>
   <p:sldIdLst>
     <p:sldId id="258" r:id="rId2"/>
     <p:sldId id="261" r:id="rId3"/>
@@ -456,6 +459,356 @@
 </inkml:ink>
 </file>
 
+<file path=ppt/notesMasters/notesMaster1.xml><?xml version="1.0" encoding="utf-8"?>
+<p:notesMaster xmlns:a="http://schemas.openxmlformats.org/drawingml/2006/main" xmlns:r="http://schemas.openxmlformats.org/officeDocument/2006/relationships" xmlns:p="http://schemas.openxmlformats.org/presentationml/2006/main">
+  <p:cSld>
+    <p:bg>
+      <p:bgRef idx="1001">
+        <a:schemeClr val="bg1"/>
+      </p:bgRef>
+    </p:bg>
+    <p:spTree>
+      <p:nvGrpSpPr>
+        <p:cNvPr id="1" name=""/>
+        <p:cNvGrpSpPr/>
+        <p:nvPr/>
+      </p:nvGrpSpPr>
+      <p:grpSpPr>
+        <a:xfrm>
+          <a:off x="0" y="0"/>
+          <a:ext cx="0" cy="0"/>
+          <a:chOff x="0" y="0"/>
+          <a:chExt cx="0" cy="0"/>
+        </a:xfrm>
+      </p:grpSpPr>
+      <p:sp>
+        <p:nvSpPr>
+          <p:cNvPr id="2" name="Header Placeholder 1"/>
+          <p:cNvSpPr>
+            <a:spLocks noGrp="1"/>
+          </p:cNvSpPr>
+          <p:nvPr>
+            <p:ph type="hdr" sz="quarter"/>
+          </p:nvPr>
+        </p:nvSpPr>
+        <p:spPr>
+          <a:xfrm>
+            <a:off x="0" y="0"/>
+            <a:ext cx="2971800" cy="458788"/>
+          </a:xfrm>
+          <a:prstGeom prst="rect">
+            <a:avLst/>
+          </a:prstGeom>
+        </p:spPr>
+        <p:txBody>
+          <a:bodyPr vert="horz" lIns="91440" tIns="45720" rIns="91440" bIns="45720" rtlCol="0"/>
+          <a:lstStyle>
+            <a:lvl1pPr algn="l">
+              <a:defRPr sz="1200"/>
+            </a:lvl1pPr>
+          </a:lstStyle>
+          <a:p>
+            <a:endParaRPr lang="en-US"/>
+          </a:p>
+        </p:txBody>
+      </p:sp>
+      <p:sp>
+        <p:nvSpPr>
+          <p:cNvPr id="3" name="Date Placeholder 2"/>
+          <p:cNvSpPr>
+            <a:spLocks noGrp="1"/>
+          </p:cNvSpPr>
+          <p:nvPr>
+            <p:ph type="dt" idx="1"/>
+          </p:nvPr>
+        </p:nvSpPr>
+        <p:spPr>
+          <a:xfrm>
+            <a:off x="3884613" y="0"/>
+            <a:ext cx="2971800" cy="458788"/>
+          </a:xfrm>
+          <a:prstGeom prst="rect">
+            <a:avLst/>
+          </a:prstGeom>
+        </p:spPr>
+        <p:txBody>
+          <a:bodyPr vert="horz" lIns="91440" tIns="45720" rIns="91440" bIns="45720" rtlCol="0"/>
+          <a:lstStyle>
+            <a:lvl1pPr algn="r">
+              <a:defRPr sz="1200"/>
+            </a:lvl1pPr>
+          </a:lstStyle>
+          <a:p>
+            <a:fld id="{6DB0FEF0-8FE2-4437-B97C-B6D7069B665B}" type="datetimeFigureOut">
+              <a:rPr lang="en-US" smtClean="0"/>
+              <a:t>1/19/2019</a:t>
+            </a:fld>
+            <a:endParaRPr lang="en-US"/>
+          </a:p>
+        </p:txBody>
+      </p:sp>
+      <p:sp>
+        <p:nvSpPr>
+          <p:cNvPr id="4" name="Slide Image Placeholder 3"/>
+          <p:cNvSpPr>
+            <a:spLocks noGrp="1" noRot="1" noChangeAspect="1"/>
+          </p:cNvSpPr>
+          <p:nvPr>
+            <p:ph type="sldImg" idx="2"/>
+          </p:nvPr>
+        </p:nvSpPr>
+        <p:spPr>
+          <a:xfrm>
+            <a:off x="685800" y="1143000"/>
+            <a:ext cx="5486400" cy="3086100"/>
+          </a:xfrm>
+          <a:prstGeom prst="rect">
+            <a:avLst/>
+          </a:prstGeom>
+          <a:noFill/>
+          <a:ln w="12700">
+            <a:solidFill>
+              <a:prstClr val="black"/>
+            </a:solidFill>
+          </a:ln>
+        </p:spPr>
+        <p:txBody>
+          <a:bodyPr vert="horz" lIns="91440" tIns="45720" rIns="91440" bIns="45720" rtlCol="0" anchor="ctr"/>
+          <a:lstStyle/>
+          <a:p>
+            <a:endParaRPr lang="en-US"/>
+          </a:p>
+        </p:txBody>
+      </p:sp>
+      <p:sp>
+        <p:nvSpPr>
+          <p:cNvPr id="5" name="Notes Placeholder 4"/>
+          <p:cNvSpPr>
+            <a:spLocks noGrp="1"/>
+          </p:cNvSpPr>
+          <p:nvPr>
+            <p:ph type="body" sz="quarter" idx="3"/>
+          </p:nvPr>
+        </p:nvSpPr>
+        <p:spPr>
+          <a:xfrm>
+            <a:off x="685800" y="4400550"/>
+            <a:ext cx="5486400" cy="3600450"/>
+          </a:xfrm>
+          <a:prstGeom prst="rect">
+            <a:avLst/>
+          </a:prstGeom>
+        </p:spPr>
+        <p:txBody>
+          <a:bodyPr vert="horz" lIns="91440" tIns="45720" rIns="91440" bIns="45720" rtlCol="0"/>
+          <a:lstStyle/>
+          <a:p>
+            <a:pPr lvl="0"/>
+            <a:r>
+              <a:rPr lang="en-US" smtClean="0"/>
+              <a:t>Edit Master text styles</a:t>
+            </a:r>
+          </a:p>
+          <a:p>
+            <a:pPr lvl="1"/>
+            <a:r>
+              <a:rPr lang="en-US" smtClean="0"/>
+              <a:t>Second level</a:t>
+            </a:r>
+          </a:p>
+          <a:p>
+            <a:pPr lvl="2"/>
+            <a:r>
+              <a:rPr lang="en-US" smtClean="0"/>
+              <a:t>Third level</a:t>
+            </a:r>
+          </a:p>
+          <a:p>
+            <a:pPr lvl="3"/>
+            <a:r>
+              <a:rPr lang="en-US" smtClean="0"/>
+              <a:t>Fourth level</a:t>
+            </a:r>
+          </a:p>
+          <a:p>
+            <a:pPr lvl="4"/>
+            <a:r>
+              <a:rPr lang="en-US" smtClean="0"/>
+              <a:t>Fifth level</a:t>
+            </a:r>
+            <a:endParaRPr lang="en-US"/>
+          </a:p>
+        </p:txBody>
+      </p:sp>
+      <p:sp>
+        <p:nvSpPr>
+          <p:cNvPr id="6" name="Footer Placeholder 5"/>
+          <p:cNvSpPr>
+            <a:spLocks noGrp="1"/>
+          </p:cNvSpPr>
+          <p:nvPr>
+            <p:ph type="ftr" sz="quarter" idx="4"/>
+          </p:nvPr>
+        </p:nvSpPr>
+        <p:spPr>
+          <a:xfrm>
+            <a:off x="0" y="8685213"/>
+            <a:ext cx="2971800" cy="458787"/>
+          </a:xfrm>
+          <a:prstGeom prst="rect">
+            <a:avLst/>
+          </a:prstGeom>
+        </p:spPr>
+        <p:txBody>
+          <a:bodyPr vert="horz" lIns="91440" tIns="45720" rIns="91440" bIns="45720" rtlCol="0" anchor="b"/>
+          <a:lstStyle>
+            <a:lvl1pPr algn="l">
+              <a:defRPr sz="1200"/>
+            </a:lvl1pPr>
+          </a:lstStyle>
+          <a:p>
+            <a:endParaRPr lang="en-US"/>
+          </a:p>
+        </p:txBody>
+      </p:sp>
+      <p:sp>
+        <p:nvSpPr>
+          <p:cNvPr id="7" name="Slide Number Placeholder 6"/>
+          <p:cNvSpPr>
+            <a:spLocks noGrp="1"/>
+          </p:cNvSpPr>
+          <p:nvPr>
+            <p:ph type="sldNum" sz="quarter" idx="5"/>
+          </p:nvPr>
+        </p:nvSpPr>
+        <p:spPr>
+          <a:xfrm>
+            <a:off x="3884613" y="8685213"/>
+            <a:ext cx="2971800" cy="458787"/>
+          </a:xfrm>
+          <a:prstGeom prst="rect">
+            <a:avLst/>
+          </a:prstGeom>
+        </p:spPr>
+        <p:txBody>
+          <a:bodyPr vert="horz" lIns="91440" tIns="45720" rIns="91440" bIns="45720" rtlCol="0" anchor="b"/>
+          <a:lstStyle>
+            <a:lvl1pPr algn="r">
+              <a:defRPr sz="1200"/>
+            </a:lvl1pPr>
+          </a:lstStyle>
+          <a:p>
+            <a:fld id="{781AB04B-152E-4AEC-ADFB-7D07605509DE}" type="slidenum">
+              <a:rPr lang="en-US" smtClean="0"/>
+              <a:t>‹#›</a:t>
+            </a:fld>
+            <a:endParaRPr lang="en-US"/>
+          </a:p>
+        </p:txBody>
+      </p:sp>
+    </p:spTree>
+    <p:extLst>
+      <p:ext uri="{BB962C8B-B14F-4D97-AF65-F5344CB8AC3E}">
+        <p14:creationId xmlns:p14="http://schemas.microsoft.com/office/powerpoint/2010/main" val="3043965409"/>
+      </p:ext>
+    </p:extLst>
+  </p:cSld>
+  <p:clrMap bg1="lt1" tx1="dk1" bg2="lt2" tx2="dk2" accent1="accent1" accent2="accent2" accent3="accent3" accent4="accent4" accent5="accent5" accent6="accent6" hlink="hlink" folHlink="folHlink"/>
+  <p:notesStyle>
+    <a:lvl1pPr marL="0" algn="l" defTabSz="914400" rtl="0" eaLnBrk="1" latinLnBrk="0" hangingPunct="1">
+      <a:defRPr sz="1200" kern="1200">
+        <a:solidFill>
+          <a:schemeClr val="tx1"/>
+        </a:solidFill>
+        <a:latin typeface="+mn-lt"/>
+        <a:ea typeface="+mn-ea"/>
+        <a:cs typeface="+mn-cs"/>
+      </a:defRPr>
+    </a:lvl1pPr>
+    <a:lvl2pPr marL="457200" algn="l" defTabSz="914400" rtl="0" eaLnBrk="1" latinLnBrk="0" hangingPunct="1">
+      <a:defRPr sz="1200" kern="1200">
+        <a:solidFill>
+          <a:schemeClr val="tx1"/>
+        </a:solidFill>
+        <a:latin typeface="+mn-lt"/>
+        <a:ea typeface="+mn-ea"/>
+        <a:cs typeface="+mn-cs"/>
+      </a:defRPr>
+    </a:lvl2pPr>
+    <a:lvl3pPr marL="914400" algn="l" defTabSz="914400" rtl="0" eaLnBrk="1" latinLnBrk="0" hangingPunct="1">
+      <a:defRPr sz="1200" kern="1200">
+        <a:solidFill>
+          <a:schemeClr val="tx1"/>
+        </a:solidFill>
+        <a:latin typeface="+mn-lt"/>
+        <a:ea typeface="+mn-ea"/>
+        <a:cs typeface="+mn-cs"/>
+      </a:defRPr>
+    </a:lvl3pPr>
+    <a:lvl4pPr marL="1371600" algn="l" defTabSz="914400" rtl="0" eaLnBrk="1" latinLnBrk="0" hangingPunct="1">
+      <a:defRPr sz="1200" kern="1200">
+        <a:solidFill>
+          <a:schemeClr val="tx1"/>
+        </a:solidFill>
+        <a:latin typeface="+mn-lt"/>
+        <a:ea typeface="+mn-ea"/>
+        <a:cs typeface="+mn-cs"/>
+      </a:defRPr>
+    </a:lvl4pPr>
+    <a:lvl5pPr marL="1828800" algn="l" defTabSz="914400" rtl="0" eaLnBrk="1" latinLnBrk="0" hangingPunct="1">
+      <a:defRPr sz="1200" kern="1200">
+        <a:solidFill>
+          <a:schemeClr val="tx1"/>
+        </a:solidFill>
+        <a:latin typeface="+mn-lt"/>
+        <a:ea typeface="+mn-ea"/>
+        <a:cs typeface="+mn-cs"/>
+      </a:defRPr>
+    </a:lvl5pPr>
+    <a:lvl6pPr marL="2286000" algn="l" defTabSz="914400" rtl="0" eaLnBrk="1" latinLnBrk="0" hangingPunct="1">
+      <a:defRPr sz="1200" kern="1200">
+        <a:solidFill>
+          <a:schemeClr val="tx1"/>
+        </a:solidFill>
+        <a:latin typeface="+mn-lt"/>
+        <a:ea typeface="+mn-ea"/>
+        <a:cs typeface="+mn-cs"/>
+      </a:defRPr>
+    </a:lvl6pPr>
+    <a:lvl7pPr marL="2743200" algn="l" defTabSz="914400" rtl="0" eaLnBrk="1" latinLnBrk="0" hangingPunct="1">
+      <a:defRPr sz="1200" kern="1200">
+        <a:solidFill>
+          <a:schemeClr val="tx1"/>
+        </a:solidFill>
+        <a:latin typeface="+mn-lt"/>
+        <a:ea typeface="+mn-ea"/>
+        <a:cs typeface="+mn-cs"/>
+      </a:defRPr>
+    </a:lvl7pPr>
+    <a:lvl8pPr marL="3200400" algn="l" defTabSz="914400" rtl="0" eaLnBrk="1" latinLnBrk="0" hangingPunct="1">
+      <a:defRPr sz="1200" kern="1200">
+        <a:solidFill>
+          <a:schemeClr val="tx1"/>
+        </a:solidFill>
+        <a:latin typeface="+mn-lt"/>
+        <a:ea typeface="+mn-ea"/>
+        <a:cs typeface="+mn-cs"/>
+      </a:defRPr>
+    </a:lvl8pPr>
+    <a:lvl9pPr marL="3657600" algn="l" defTabSz="914400" rtl="0" eaLnBrk="1" latinLnBrk="0" hangingPunct="1">
+      <a:defRPr sz="1200" kern="1200">
+        <a:solidFill>
+          <a:schemeClr val="tx1"/>
+        </a:solidFill>
+        <a:latin typeface="+mn-lt"/>
+        <a:ea typeface="+mn-ea"/>
+        <a:cs typeface="+mn-cs"/>
+      </a:defRPr>
+    </a:lvl9pPr>
+  </p:notesStyle>
+</p:notesMaster>
+</file>
+
 <file path=ppt/slideLayouts/slideLayout1.xml><?xml version="1.0" encoding="utf-8"?>
 <p:sldLayout xmlns:a="http://schemas.openxmlformats.org/drawingml/2006/main" xmlns:r="http://schemas.openxmlformats.org/officeDocument/2006/relationships" xmlns:p="http://schemas.openxmlformats.org/presentationml/2006/main" type="title" preserve="1">
   <p:cSld name="Title Slide">
@@ -635,9 +988,9 @@
           <a:bodyPr/>
           <a:lstStyle/>
           <a:p>
-            <a:fld id="{94DC2EC4-A682-4648-AE49-70173C237B3A}" type="datetimeFigureOut">
+            <a:fld id="{9AC16A7C-7992-4EA6-B25F-58F88F155581}" type="datetime2">
               <a:rPr lang="en-US" smtClean="0"/>
-              <a:t>1/18/2019</a:t>
+              <a:t>Saturday, January 19, 2019</a:t>
             </a:fld>
             <a:endParaRPr lang="en-US"/>
           </a:p>
@@ -658,6 +1011,10 @@
           <a:bodyPr/>
           <a:lstStyle/>
           <a:p>
+            <a:r>
+              <a:rPr lang="en-US" smtClean="0"/>
+              <a:t>sai Prasad Ashila</a:t>
+            </a:r>
             <a:endParaRPr lang="en-US"/>
           </a:p>
         </p:txBody>
@@ -805,9 +1162,9 @@
           <a:bodyPr/>
           <a:lstStyle/>
           <a:p>
-            <a:fld id="{94DC2EC4-A682-4648-AE49-70173C237B3A}" type="datetimeFigureOut">
+            <a:fld id="{0521C462-56F9-46F6-B8D2-61FAACAF8725}" type="datetime2">
               <a:rPr lang="en-US" smtClean="0"/>
-              <a:t>1/18/2019</a:t>
+              <a:t>Saturday, January 19, 2019</a:t>
             </a:fld>
             <a:endParaRPr lang="en-US"/>
           </a:p>
@@ -828,6 +1185,10 @@
           <a:bodyPr/>
           <a:lstStyle/>
           <a:p>
+            <a:r>
+              <a:rPr lang="en-US" smtClean="0"/>
+              <a:t>sai Prasad Ashila</a:t>
+            </a:r>
             <a:endParaRPr lang="en-US"/>
           </a:p>
         </p:txBody>
@@ -985,9 +1346,9 @@
           <a:bodyPr/>
           <a:lstStyle/>
           <a:p>
-            <a:fld id="{94DC2EC4-A682-4648-AE49-70173C237B3A}" type="datetimeFigureOut">
+            <a:fld id="{611187C5-DA82-45E6-B377-7EA117180D10}" type="datetime2">
               <a:rPr lang="en-US" smtClean="0"/>
-              <a:t>1/18/2019</a:t>
+              <a:t>Saturday, January 19, 2019</a:t>
             </a:fld>
             <a:endParaRPr lang="en-US"/>
           </a:p>
@@ -1008,6 +1369,10 @@
           <a:bodyPr/>
           <a:lstStyle/>
           <a:p>
+            <a:r>
+              <a:rPr lang="en-US" smtClean="0"/>
+              <a:t>sai Prasad Ashila</a:t>
+            </a:r>
             <a:endParaRPr lang="en-US"/>
           </a:p>
         </p:txBody>
@@ -1155,9 +1520,9 @@
           <a:bodyPr/>
           <a:lstStyle/>
           <a:p>
-            <a:fld id="{94DC2EC4-A682-4648-AE49-70173C237B3A}" type="datetimeFigureOut">
+            <a:fld id="{598AA550-3EAF-4256-A7FB-C0F11C817871}" type="datetime2">
               <a:rPr lang="en-US" smtClean="0"/>
-              <a:t>1/18/2019</a:t>
+              <a:t>Saturday, January 19, 2019</a:t>
             </a:fld>
             <a:endParaRPr lang="en-US"/>
           </a:p>
@@ -1178,6 +1543,10 @@
           <a:bodyPr/>
           <a:lstStyle/>
           <a:p>
+            <a:r>
+              <a:rPr lang="en-US" smtClean="0"/>
+              <a:t>sai Prasad Ashila</a:t>
+            </a:r>
             <a:endParaRPr lang="en-US"/>
           </a:p>
         </p:txBody>
@@ -1401,9 +1770,9 @@
           <a:bodyPr/>
           <a:lstStyle/>
           <a:p>
-            <a:fld id="{94DC2EC4-A682-4648-AE49-70173C237B3A}" type="datetimeFigureOut">
+            <a:fld id="{F79C0A58-E477-4FC5-B712-A6BDE26B6CBF}" type="datetime2">
               <a:rPr lang="en-US" smtClean="0"/>
-              <a:t>1/18/2019</a:t>
+              <a:t>Saturday, January 19, 2019</a:t>
             </a:fld>
             <a:endParaRPr lang="en-US"/>
           </a:p>
@@ -1424,6 +1793,10 @@
           <a:bodyPr/>
           <a:lstStyle/>
           <a:p>
+            <a:r>
+              <a:rPr lang="en-US" smtClean="0"/>
+              <a:t>sai Prasad Ashila</a:t>
+            </a:r>
             <a:endParaRPr lang="en-US"/>
           </a:p>
         </p:txBody>
@@ -1689,9 +2062,9 @@
           <a:bodyPr/>
           <a:lstStyle/>
           <a:p>
-            <a:fld id="{94DC2EC4-A682-4648-AE49-70173C237B3A}" type="datetimeFigureOut">
+            <a:fld id="{6DB1946E-B7F9-4858-BAFC-80FCF766A0F4}" type="datetime2">
               <a:rPr lang="en-US" smtClean="0"/>
-              <a:t>1/18/2019</a:t>
+              <a:t>Saturday, January 19, 2019</a:t>
             </a:fld>
             <a:endParaRPr lang="en-US"/>
           </a:p>
@@ -1712,6 +2085,10 @@
           <a:bodyPr/>
           <a:lstStyle/>
           <a:p>
+            <a:r>
+              <a:rPr lang="en-US" smtClean="0"/>
+              <a:t>sai Prasad Ashila</a:t>
+            </a:r>
             <a:endParaRPr lang="en-US"/>
           </a:p>
         </p:txBody>
@@ -2111,9 +2488,9 @@
           <a:bodyPr/>
           <a:lstStyle/>
           <a:p>
-            <a:fld id="{94DC2EC4-A682-4648-AE49-70173C237B3A}" type="datetimeFigureOut">
+            <a:fld id="{5FEA8CDD-ECD5-450C-88A6-F0A51A1E538A}" type="datetime2">
               <a:rPr lang="en-US" smtClean="0"/>
-              <a:t>1/18/2019</a:t>
+              <a:t>Saturday, January 19, 2019</a:t>
             </a:fld>
             <a:endParaRPr lang="en-US"/>
           </a:p>
@@ -2134,6 +2511,10 @@
           <a:bodyPr/>
           <a:lstStyle/>
           <a:p>
+            <a:r>
+              <a:rPr lang="en-US" smtClean="0"/>
+              <a:t>sai Prasad Ashila</a:t>
+            </a:r>
             <a:endParaRPr lang="en-US"/>
           </a:p>
         </p:txBody>
@@ -2229,9 +2610,9 @@
           <a:bodyPr/>
           <a:lstStyle/>
           <a:p>
-            <a:fld id="{94DC2EC4-A682-4648-AE49-70173C237B3A}" type="datetimeFigureOut">
+            <a:fld id="{8A7AACD1-6348-4988-B527-06476711AEE8}" type="datetime2">
               <a:rPr lang="en-US" smtClean="0"/>
-              <a:t>1/18/2019</a:t>
+              <a:t>Saturday, January 19, 2019</a:t>
             </a:fld>
             <a:endParaRPr lang="en-US"/>
           </a:p>
@@ -2252,6 +2633,10 @@
           <a:bodyPr/>
           <a:lstStyle/>
           <a:p>
+            <a:r>
+              <a:rPr lang="en-US" smtClean="0"/>
+              <a:t>sai Prasad Ashila</a:t>
+            </a:r>
             <a:endParaRPr lang="en-US"/>
           </a:p>
         </p:txBody>
@@ -2324,9 +2709,9 @@
           <a:bodyPr/>
           <a:lstStyle/>
           <a:p>
-            <a:fld id="{94DC2EC4-A682-4648-AE49-70173C237B3A}" type="datetimeFigureOut">
+            <a:fld id="{C6CB0EF8-339E-4F28-80ED-7B33FD7767C3}" type="datetime2">
               <a:rPr lang="en-US" smtClean="0"/>
-              <a:t>1/18/2019</a:t>
+              <a:t>Saturday, January 19, 2019</a:t>
             </a:fld>
             <a:endParaRPr lang="en-US"/>
           </a:p>
@@ -2347,6 +2732,10 @@
           <a:bodyPr/>
           <a:lstStyle/>
           <a:p>
+            <a:r>
+              <a:rPr lang="en-US" smtClean="0"/>
+              <a:t>sai Prasad Ashila</a:t>
+            </a:r>
             <a:endParaRPr lang="en-US"/>
           </a:p>
         </p:txBody>
@@ -2601,9 +2990,9 @@
           <a:bodyPr/>
           <a:lstStyle/>
           <a:p>
-            <a:fld id="{94DC2EC4-A682-4648-AE49-70173C237B3A}" type="datetimeFigureOut">
+            <a:fld id="{EE8B729C-2E5C-4118-9CB1-7A1794A038FE}" type="datetime2">
               <a:rPr lang="en-US" smtClean="0"/>
-              <a:t>1/18/2019</a:t>
+              <a:t>Saturday, January 19, 2019</a:t>
             </a:fld>
             <a:endParaRPr lang="en-US"/>
           </a:p>
@@ -2624,6 +3013,10 @@
           <a:bodyPr/>
           <a:lstStyle/>
           <a:p>
+            <a:r>
+              <a:rPr lang="en-US" smtClean="0"/>
+              <a:t>sai Prasad Ashila</a:t>
+            </a:r>
             <a:endParaRPr lang="en-US"/>
           </a:p>
         </p:txBody>
@@ -2858,9 +3251,9 @@
           <a:bodyPr/>
           <a:lstStyle/>
           <a:p>
-            <a:fld id="{94DC2EC4-A682-4648-AE49-70173C237B3A}" type="datetimeFigureOut">
+            <a:fld id="{F7274E2B-0974-46FC-B0BD-976729215F71}" type="datetime2">
               <a:rPr lang="en-US" smtClean="0"/>
-              <a:t>1/18/2019</a:t>
+              <a:t>Saturday, January 19, 2019</a:t>
             </a:fld>
             <a:endParaRPr lang="en-US"/>
           </a:p>
@@ -2881,6 +3274,10 @@
           <a:bodyPr/>
           <a:lstStyle/>
           <a:p>
+            <a:r>
+              <a:rPr lang="en-US" smtClean="0"/>
+              <a:t>sai Prasad Ashila</a:t>
+            </a:r>
             <a:endParaRPr lang="en-US"/>
           </a:p>
         </p:txBody>
@@ -3069,9 +3466,9 @@
             </a:lvl1pPr>
           </a:lstStyle>
           <a:p>
-            <a:fld id="{94DC2EC4-A682-4648-AE49-70173C237B3A}" type="datetimeFigureOut">
+            <a:fld id="{2ED600B8-8490-45BF-B8A6-7D7529F26757}" type="datetime2">
               <a:rPr lang="en-US" smtClean="0"/>
-              <a:t>1/18/2019</a:t>
+              <a:t>Saturday, January 19, 2019</a:t>
             </a:fld>
             <a:endParaRPr lang="en-US"/>
           </a:p>
@@ -3108,6 +3505,10 @@
             </a:lvl1pPr>
           </a:lstStyle>
           <a:p>
+            <a:r>
+              <a:rPr lang="en-US" smtClean="0"/>
+              <a:t>sai Prasad Ashila</a:t>
+            </a:r>
             <a:endParaRPr lang="en-US"/>
           </a:p>
         </p:txBody>
@@ -3245,6 +3646,7 @@
     <p:sldLayoutId id="2147483670" r:id="rId10"/>
     <p:sldLayoutId id="2147483671" r:id="rId11"/>
   </p:sldLayoutIdLst>
+  <p:hf hdr="0"/>
   <p:txStyles>
     <p:titleStyle>
       <a:lvl1pPr algn="l" defTabSz="914400" rtl="0" eaLnBrk="1" latinLnBrk="0" hangingPunct="1">
@@ -3607,19 +4009,7 @@
             </a:r>
             <a:r>
               <a:rPr lang="en-US" dirty="0" smtClean="0"/>
-              <a:t> To develop a model which would help the investor to decide which investments </a:t>
-            </a:r>
-            <a:r>
-              <a:rPr lang="en-US" smtClean="0"/>
-              <a:t>would </a:t>
-            </a:r>
-            <a:r>
-              <a:rPr lang="en-US" smtClean="0"/>
-              <a:t>always lead </a:t>
-            </a:r>
-            <a:r>
-              <a:rPr lang="en-US" dirty="0" smtClean="0"/>
-              <a:t>him to the best profits and which would also help him to determine what amount of profit he would gain with the type of investment he decides on.</a:t>
+              <a:t> To develop a model which would help the investor to decide which investments would always lead him to the best profits and which would also help him to determine what amount of profit he would gain with the type of investment he decides on.</a:t>
             </a:r>
           </a:p>
           <a:p>
@@ -3642,9 +4032,9 @@
           <a:bodyPr/>
           <a:lstStyle/>
           <a:p>
-            <a:fld id="{CE5545B6-6FDD-460F-A1D5-7DBF4363784A}" type="datetime3">
+            <a:fld id="{4F018B66-DB73-4B89-A560-164A00EF32E1}" type="datetime2">
               <a:rPr lang="en-US" smtClean="0"/>
-              <a:t>18 January 2019</a:t>
+              <a:t>Saturday, January 19, 2019</a:t>
             </a:fld>
             <a:endParaRPr lang="en-US"/>
           </a:p>
@@ -4746,6 +5136,75 @@
           </a:fontRef>
         </p:style>
       </p:cxnSp>
+      <p:sp>
+        <p:nvSpPr>
+          <p:cNvPr id="3" name="Date Placeholder 2"/>
+          <p:cNvSpPr>
+            <a:spLocks noGrp="1"/>
+          </p:cNvSpPr>
+          <p:nvPr>
+            <p:ph type="dt" sz="half" idx="10"/>
+          </p:nvPr>
+        </p:nvSpPr>
+        <p:spPr/>
+        <p:txBody>
+          <a:bodyPr/>
+          <a:lstStyle/>
+          <a:p>
+            <a:fld id="{49C41238-0023-477A-8225-4E3BDF192D78}" type="datetime2">
+              <a:rPr lang="en-US" smtClean="0"/>
+              <a:t>Saturday, January 19, 2019</a:t>
+            </a:fld>
+            <a:endParaRPr lang="en-US"/>
+          </a:p>
+        </p:txBody>
+      </p:sp>
+      <p:sp>
+        <p:nvSpPr>
+          <p:cNvPr id="10" name="Footer Placeholder 9"/>
+          <p:cNvSpPr>
+            <a:spLocks noGrp="1"/>
+          </p:cNvSpPr>
+          <p:nvPr>
+            <p:ph type="ftr" sz="quarter" idx="11"/>
+          </p:nvPr>
+        </p:nvSpPr>
+        <p:spPr/>
+        <p:txBody>
+          <a:bodyPr/>
+          <a:lstStyle/>
+          <a:p>
+            <a:r>
+              <a:rPr lang="en-US" smtClean="0"/>
+              <a:t>sai Prasad Ashila</a:t>
+            </a:r>
+            <a:endParaRPr lang="en-US"/>
+          </a:p>
+        </p:txBody>
+      </p:sp>
+      <p:sp>
+        <p:nvSpPr>
+          <p:cNvPr id="11" name="Slide Number Placeholder 10"/>
+          <p:cNvSpPr>
+            <a:spLocks noGrp="1"/>
+          </p:cNvSpPr>
+          <p:nvPr>
+            <p:ph type="sldNum" sz="quarter" idx="12"/>
+          </p:nvPr>
+        </p:nvSpPr>
+        <p:spPr/>
+        <p:txBody>
+          <a:bodyPr/>
+          <a:lstStyle/>
+          <a:p>
+            <a:fld id="{615D40AC-A62B-412C-A8B6-203EC4FF5FB6}" type="slidenum">
+              <a:rPr lang="en-US" smtClean="0"/>
+              <a:t>10</a:t>
+            </a:fld>
+            <a:endParaRPr lang="en-US"/>
+          </a:p>
+        </p:txBody>
+      </p:sp>
     </p:spTree>
     <p:extLst>
       <p:ext uri="{BB962C8B-B14F-4D97-AF65-F5344CB8AC3E}">
@@ -5492,6 +5951,75 @@
               <a:t>False</a:t>
             </a:r>
             <a:endParaRPr lang="en-US" b="1" u="sng" dirty="0"/>
+          </a:p>
+        </p:txBody>
+      </p:sp>
+      <p:sp>
+        <p:nvSpPr>
+          <p:cNvPr id="3" name="Date Placeholder 2"/>
+          <p:cNvSpPr>
+            <a:spLocks noGrp="1"/>
+          </p:cNvSpPr>
+          <p:nvPr>
+            <p:ph type="dt" sz="half" idx="10"/>
+          </p:nvPr>
+        </p:nvSpPr>
+        <p:spPr/>
+        <p:txBody>
+          <a:bodyPr/>
+          <a:lstStyle/>
+          <a:p>
+            <a:fld id="{1ACD3F47-B377-4A1C-A3C2-AA375B7AAD09}" type="datetime2">
+              <a:rPr lang="en-US" smtClean="0"/>
+              <a:t>Saturday, January 19, 2019</a:t>
+            </a:fld>
+            <a:endParaRPr lang="en-US"/>
+          </a:p>
+        </p:txBody>
+      </p:sp>
+      <p:sp>
+        <p:nvSpPr>
+          <p:cNvPr id="15" name="Footer Placeholder 14"/>
+          <p:cNvSpPr>
+            <a:spLocks noGrp="1"/>
+          </p:cNvSpPr>
+          <p:nvPr>
+            <p:ph type="ftr" sz="quarter" idx="11"/>
+          </p:nvPr>
+        </p:nvSpPr>
+        <p:spPr/>
+        <p:txBody>
+          <a:bodyPr/>
+          <a:lstStyle/>
+          <a:p>
+            <a:r>
+              <a:rPr lang="en-US" smtClean="0"/>
+              <a:t>sai Prasad Ashila</a:t>
+            </a:r>
+            <a:endParaRPr lang="en-US"/>
+          </a:p>
+        </p:txBody>
+      </p:sp>
+      <p:sp>
+        <p:nvSpPr>
+          <p:cNvPr id="18" name="Slide Number Placeholder 17"/>
+          <p:cNvSpPr>
+            <a:spLocks noGrp="1"/>
+          </p:cNvSpPr>
+          <p:nvPr>
+            <p:ph type="sldNum" sz="quarter" idx="12"/>
+          </p:nvPr>
+        </p:nvSpPr>
+        <p:spPr/>
+        <p:txBody>
+          <a:bodyPr/>
+          <a:lstStyle/>
+          <a:p>
+            <a:fld id="{615D40AC-A62B-412C-A8B6-203EC4FF5FB6}" type="slidenum">
+              <a:rPr lang="en-US" smtClean="0"/>
+              <a:t>11</a:t>
+            </a:fld>
+            <a:endParaRPr lang="en-US"/>
           </a:p>
         </p:txBody>
       </p:sp>
@@ -6080,6 +6608,75 @@
           </a:p>
         </p:txBody>
       </p:sp>
+      <p:sp>
+        <p:nvSpPr>
+          <p:cNvPr id="12" name="Date Placeholder 11"/>
+          <p:cNvSpPr>
+            <a:spLocks noGrp="1"/>
+          </p:cNvSpPr>
+          <p:nvPr>
+            <p:ph type="dt" sz="half" idx="10"/>
+          </p:nvPr>
+        </p:nvSpPr>
+        <p:spPr/>
+        <p:txBody>
+          <a:bodyPr/>
+          <a:lstStyle/>
+          <a:p>
+            <a:fld id="{D4816728-B650-4041-BAD2-1CBF3989C146}" type="datetime2">
+              <a:rPr lang="en-US" smtClean="0"/>
+              <a:t>Saturday, January 19, 2019</a:t>
+            </a:fld>
+            <a:endParaRPr lang="en-US"/>
+          </a:p>
+        </p:txBody>
+      </p:sp>
+      <p:sp>
+        <p:nvSpPr>
+          <p:cNvPr id="14" name="Footer Placeholder 13"/>
+          <p:cNvSpPr>
+            <a:spLocks noGrp="1"/>
+          </p:cNvSpPr>
+          <p:nvPr>
+            <p:ph type="ftr" sz="quarter" idx="11"/>
+          </p:nvPr>
+        </p:nvSpPr>
+        <p:spPr/>
+        <p:txBody>
+          <a:bodyPr/>
+          <a:lstStyle/>
+          <a:p>
+            <a:r>
+              <a:rPr lang="en-US" smtClean="0"/>
+              <a:t>sai Prasad Ashila</a:t>
+            </a:r>
+            <a:endParaRPr lang="en-US"/>
+          </a:p>
+        </p:txBody>
+      </p:sp>
+      <p:sp>
+        <p:nvSpPr>
+          <p:cNvPr id="16" name="Slide Number Placeholder 15"/>
+          <p:cNvSpPr>
+            <a:spLocks noGrp="1"/>
+          </p:cNvSpPr>
+          <p:nvPr>
+            <p:ph type="sldNum" sz="quarter" idx="12"/>
+          </p:nvPr>
+        </p:nvSpPr>
+        <p:spPr/>
+        <p:txBody>
+          <a:bodyPr/>
+          <a:lstStyle/>
+          <a:p>
+            <a:fld id="{615D40AC-A62B-412C-A8B6-203EC4FF5FB6}" type="slidenum">
+              <a:rPr lang="en-US" smtClean="0"/>
+              <a:t>12</a:t>
+            </a:fld>
+            <a:endParaRPr lang="en-US"/>
+          </a:p>
+        </p:txBody>
+      </p:sp>
     </p:spTree>
     <p:extLst>
       <p:ext uri="{BB962C8B-B14F-4D97-AF65-F5344CB8AC3E}">
@@ -6767,6 +7364,75 @@
           </a:prstGeom>
         </p:spPr>
       </p:pic>
+      <p:sp>
+        <p:nvSpPr>
+          <p:cNvPr id="5" name="Date Placeholder 4"/>
+          <p:cNvSpPr>
+            <a:spLocks noGrp="1"/>
+          </p:cNvSpPr>
+          <p:nvPr>
+            <p:ph type="dt" sz="half" idx="10"/>
+          </p:nvPr>
+        </p:nvSpPr>
+        <p:spPr/>
+        <p:txBody>
+          <a:bodyPr/>
+          <a:lstStyle/>
+          <a:p>
+            <a:fld id="{25E31D89-5E8A-4AF0-B8B4-55B57422011F}" type="datetime2">
+              <a:rPr lang="en-US" smtClean="0"/>
+              <a:t>Saturday, January 19, 2019</a:t>
+            </a:fld>
+            <a:endParaRPr lang="en-US"/>
+          </a:p>
+        </p:txBody>
+      </p:sp>
+      <p:sp>
+        <p:nvSpPr>
+          <p:cNvPr id="6" name="Footer Placeholder 5"/>
+          <p:cNvSpPr>
+            <a:spLocks noGrp="1"/>
+          </p:cNvSpPr>
+          <p:nvPr>
+            <p:ph type="ftr" sz="quarter" idx="11"/>
+          </p:nvPr>
+        </p:nvSpPr>
+        <p:spPr/>
+        <p:txBody>
+          <a:bodyPr/>
+          <a:lstStyle/>
+          <a:p>
+            <a:r>
+              <a:rPr lang="en-US" smtClean="0"/>
+              <a:t>sai Prasad Ashila</a:t>
+            </a:r>
+            <a:endParaRPr lang="en-US"/>
+          </a:p>
+        </p:txBody>
+      </p:sp>
+      <p:sp>
+        <p:nvSpPr>
+          <p:cNvPr id="7" name="Slide Number Placeholder 6"/>
+          <p:cNvSpPr>
+            <a:spLocks noGrp="1"/>
+          </p:cNvSpPr>
+          <p:nvPr>
+            <p:ph type="sldNum" sz="quarter" idx="12"/>
+          </p:nvPr>
+        </p:nvSpPr>
+        <p:spPr/>
+        <p:txBody>
+          <a:bodyPr/>
+          <a:lstStyle/>
+          <a:p>
+            <a:fld id="{615D40AC-A62B-412C-A8B6-203EC4FF5FB6}" type="slidenum">
+              <a:rPr lang="en-US" smtClean="0"/>
+              <a:t>13</a:t>
+            </a:fld>
+            <a:endParaRPr lang="en-US"/>
+          </a:p>
+        </p:txBody>
+      </p:sp>
     </p:spTree>
     <p:extLst>
       <p:ext uri="{BB962C8B-B14F-4D97-AF65-F5344CB8AC3E}">
@@ -6967,6 +7633,75 @@
           </a:p>
         </p:txBody>
       </p:sp>
+      <p:sp>
+        <p:nvSpPr>
+          <p:cNvPr id="6" name="Date Placeholder 5"/>
+          <p:cNvSpPr>
+            <a:spLocks noGrp="1"/>
+          </p:cNvSpPr>
+          <p:nvPr>
+            <p:ph type="dt" sz="half" idx="10"/>
+          </p:nvPr>
+        </p:nvSpPr>
+        <p:spPr/>
+        <p:txBody>
+          <a:bodyPr/>
+          <a:lstStyle/>
+          <a:p>
+            <a:fld id="{01842743-3500-471A-8252-C0DA887781C6}" type="datetime2">
+              <a:rPr lang="en-US" smtClean="0"/>
+              <a:t>Saturday, January 19, 2019</a:t>
+            </a:fld>
+            <a:endParaRPr lang="en-US"/>
+          </a:p>
+        </p:txBody>
+      </p:sp>
+      <p:sp>
+        <p:nvSpPr>
+          <p:cNvPr id="7" name="Footer Placeholder 6"/>
+          <p:cNvSpPr>
+            <a:spLocks noGrp="1"/>
+          </p:cNvSpPr>
+          <p:nvPr>
+            <p:ph type="ftr" sz="quarter" idx="11"/>
+          </p:nvPr>
+        </p:nvSpPr>
+        <p:spPr/>
+        <p:txBody>
+          <a:bodyPr/>
+          <a:lstStyle/>
+          <a:p>
+            <a:r>
+              <a:rPr lang="en-US" smtClean="0"/>
+              <a:t>sai Prasad Ashila</a:t>
+            </a:r>
+            <a:endParaRPr lang="en-US"/>
+          </a:p>
+        </p:txBody>
+      </p:sp>
+      <p:sp>
+        <p:nvSpPr>
+          <p:cNvPr id="8" name="Slide Number Placeholder 7"/>
+          <p:cNvSpPr>
+            <a:spLocks noGrp="1"/>
+          </p:cNvSpPr>
+          <p:nvPr>
+            <p:ph type="sldNum" sz="quarter" idx="12"/>
+          </p:nvPr>
+        </p:nvSpPr>
+        <p:spPr/>
+        <p:txBody>
+          <a:bodyPr/>
+          <a:lstStyle/>
+          <a:p>
+            <a:fld id="{615D40AC-A62B-412C-A8B6-203EC4FF5FB6}" type="slidenum">
+              <a:rPr lang="en-US" smtClean="0"/>
+              <a:t>14</a:t>
+            </a:fld>
+            <a:endParaRPr lang="en-US"/>
+          </a:p>
+        </p:txBody>
+      </p:sp>
     </p:spTree>
     <p:extLst>
       <p:ext uri="{BB962C8B-B14F-4D97-AF65-F5344CB8AC3E}">
@@ -7812,6 +8547,75 @@
           </a:effectLst>
         </p:spPr>
       </p:pic>
+      <p:sp>
+        <p:nvSpPr>
+          <p:cNvPr id="5" name="Date Placeholder 4"/>
+          <p:cNvSpPr>
+            <a:spLocks noGrp="1"/>
+          </p:cNvSpPr>
+          <p:nvPr>
+            <p:ph type="dt" sz="half" idx="10"/>
+          </p:nvPr>
+        </p:nvSpPr>
+        <p:spPr/>
+        <p:txBody>
+          <a:bodyPr/>
+          <a:lstStyle/>
+          <a:p>
+            <a:fld id="{A9370C4D-85EE-4593-B4EB-C3D0F4C056DD}" type="datetime2">
+              <a:rPr lang="en-US" smtClean="0"/>
+              <a:t>Saturday, January 19, 2019</a:t>
+            </a:fld>
+            <a:endParaRPr lang="en-US"/>
+          </a:p>
+        </p:txBody>
+      </p:sp>
+      <p:sp>
+        <p:nvSpPr>
+          <p:cNvPr id="6" name="Footer Placeholder 5"/>
+          <p:cNvSpPr>
+            <a:spLocks noGrp="1"/>
+          </p:cNvSpPr>
+          <p:nvPr>
+            <p:ph type="ftr" sz="quarter" idx="11"/>
+          </p:nvPr>
+        </p:nvSpPr>
+        <p:spPr/>
+        <p:txBody>
+          <a:bodyPr/>
+          <a:lstStyle/>
+          <a:p>
+            <a:r>
+              <a:rPr lang="en-US" smtClean="0"/>
+              <a:t>sai Prasad Ashila</a:t>
+            </a:r>
+            <a:endParaRPr lang="en-US"/>
+          </a:p>
+        </p:txBody>
+      </p:sp>
+      <p:sp>
+        <p:nvSpPr>
+          <p:cNvPr id="7" name="Slide Number Placeholder 6"/>
+          <p:cNvSpPr>
+            <a:spLocks noGrp="1"/>
+          </p:cNvSpPr>
+          <p:nvPr>
+            <p:ph type="sldNum" sz="quarter" idx="12"/>
+          </p:nvPr>
+        </p:nvSpPr>
+        <p:spPr/>
+        <p:txBody>
+          <a:bodyPr/>
+          <a:lstStyle/>
+          <a:p>
+            <a:fld id="{615D40AC-A62B-412C-A8B6-203EC4FF5FB6}" type="slidenum">
+              <a:rPr lang="en-US" smtClean="0"/>
+              <a:t>15</a:t>
+            </a:fld>
+            <a:endParaRPr lang="en-US"/>
+          </a:p>
+        </p:txBody>
+      </p:sp>
     </p:spTree>
     <p:extLst>
       <p:ext uri="{BB962C8B-B14F-4D97-AF65-F5344CB8AC3E}">
@@ -8796,6 +9600,75 @@
           </a:effectLst>
         </p:spPr>
       </p:pic>
+      <p:sp>
+        <p:nvSpPr>
+          <p:cNvPr id="3" name="Date Placeholder 2"/>
+          <p:cNvSpPr>
+            <a:spLocks noGrp="1"/>
+          </p:cNvSpPr>
+          <p:nvPr>
+            <p:ph type="dt" sz="half" idx="10"/>
+          </p:nvPr>
+        </p:nvSpPr>
+        <p:spPr/>
+        <p:txBody>
+          <a:bodyPr/>
+          <a:lstStyle/>
+          <a:p>
+            <a:fld id="{DE656E0B-3B56-4F49-B05C-E6A872F87837}" type="datetime2">
+              <a:rPr lang="en-US" smtClean="0"/>
+              <a:t>Saturday, January 19, 2019</a:t>
+            </a:fld>
+            <a:endParaRPr lang="en-US"/>
+          </a:p>
+        </p:txBody>
+      </p:sp>
+      <p:sp>
+        <p:nvSpPr>
+          <p:cNvPr id="6" name="Footer Placeholder 5"/>
+          <p:cNvSpPr>
+            <a:spLocks noGrp="1"/>
+          </p:cNvSpPr>
+          <p:nvPr>
+            <p:ph type="ftr" sz="quarter" idx="11"/>
+          </p:nvPr>
+        </p:nvSpPr>
+        <p:spPr/>
+        <p:txBody>
+          <a:bodyPr/>
+          <a:lstStyle/>
+          <a:p>
+            <a:r>
+              <a:rPr lang="en-US" smtClean="0"/>
+              <a:t>sai Prasad Ashila</a:t>
+            </a:r>
+            <a:endParaRPr lang="en-US"/>
+          </a:p>
+        </p:txBody>
+      </p:sp>
+      <p:sp>
+        <p:nvSpPr>
+          <p:cNvPr id="7" name="Slide Number Placeholder 6"/>
+          <p:cNvSpPr>
+            <a:spLocks noGrp="1"/>
+          </p:cNvSpPr>
+          <p:nvPr>
+            <p:ph type="sldNum" sz="quarter" idx="12"/>
+          </p:nvPr>
+        </p:nvSpPr>
+        <p:spPr/>
+        <p:txBody>
+          <a:bodyPr/>
+          <a:lstStyle/>
+          <a:p>
+            <a:fld id="{615D40AC-A62B-412C-A8B6-203EC4FF5FB6}" type="slidenum">
+              <a:rPr lang="en-US" smtClean="0"/>
+              <a:t>16</a:t>
+            </a:fld>
+            <a:endParaRPr lang="en-US"/>
+          </a:p>
+        </p:txBody>
+      </p:sp>
     </p:spTree>
     <p:extLst>
       <p:ext uri="{BB962C8B-B14F-4D97-AF65-F5344CB8AC3E}">
@@ -9440,6 +10313,75 @@
           </a:effectLst>
         </p:spPr>
       </p:pic>
+      <p:sp>
+        <p:nvSpPr>
+          <p:cNvPr id="5" name="Date Placeholder 4"/>
+          <p:cNvSpPr>
+            <a:spLocks noGrp="1"/>
+          </p:cNvSpPr>
+          <p:nvPr>
+            <p:ph type="dt" sz="half" idx="10"/>
+          </p:nvPr>
+        </p:nvSpPr>
+        <p:spPr/>
+        <p:txBody>
+          <a:bodyPr/>
+          <a:lstStyle/>
+          <a:p>
+            <a:fld id="{30F99990-1F4A-4711-A5BC-A39390163C1F}" type="datetime2">
+              <a:rPr lang="en-US" smtClean="0"/>
+              <a:t>Saturday, January 19, 2019</a:t>
+            </a:fld>
+            <a:endParaRPr lang="en-US"/>
+          </a:p>
+        </p:txBody>
+      </p:sp>
+      <p:sp>
+        <p:nvSpPr>
+          <p:cNvPr id="6" name="Footer Placeholder 5"/>
+          <p:cNvSpPr>
+            <a:spLocks noGrp="1"/>
+          </p:cNvSpPr>
+          <p:nvPr>
+            <p:ph type="ftr" sz="quarter" idx="11"/>
+          </p:nvPr>
+        </p:nvSpPr>
+        <p:spPr/>
+        <p:txBody>
+          <a:bodyPr/>
+          <a:lstStyle/>
+          <a:p>
+            <a:r>
+              <a:rPr lang="en-US" smtClean="0"/>
+              <a:t>sai Prasad Ashila</a:t>
+            </a:r>
+            <a:endParaRPr lang="en-US"/>
+          </a:p>
+        </p:txBody>
+      </p:sp>
+      <p:sp>
+        <p:nvSpPr>
+          <p:cNvPr id="7" name="Slide Number Placeholder 6"/>
+          <p:cNvSpPr>
+            <a:spLocks noGrp="1"/>
+          </p:cNvSpPr>
+          <p:nvPr>
+            <p:ph type="sldNum" sz="quarter" idx="12"/>
+          </p:nvPr>
+        </p:nvSpPr>
+        <p:spPr/>
+        <p:txBody>
+          <a:bodyPr/>
+          <a:lstStyle/>
+          <a:p>
+            <a:fld id="{615D40AC-A62B-412C-A8B6-203EC4FF5FB6}" type="slidenum">
+              <a:rPr lang="en-US" smtClean="0"/>
+              <a:t>17</a:t>
+            </a:fld>
+            <a:endParaRPr lang="en-US"/>
+          </a:p>
+        </p:txBody>
+      </p:sp>
     </p:spTree>
     <p:extLst>
       <p:ext uri="{BB962C8B-B14F-4D97-AF65-F5344CB8AC3E}">
@@ -9896,6 +10838,75 @@
           </a:effectLst>
         </p:spPr>
       </p:pic>
+      <p:sp>
+        <p:nvSpPr>
+          <p:cNvPr id="5" name="Date Placeholder 4"/>
+          <p:cNvSpPr>
+            <a:spLocks noGrp="1"/>
+          </p:cNvSpPr>
+          <p:nvPr>
+            <p:ph type="dt" sz="half" idx="10"/>
+          </p:nvPr>
+        </p:nvSpPr>
+        <p:spPr/>
+        <p:txBody>
+          <a:bodyPr/>
+          <a:lstStyle/>
+          <a:p>
+            <a:fld id="{6AA4EF2E-E5C5-46C7-8A44-0F117CCAB93B}" type="datetime2">
+              <a:rPr lang="en-US" smtClean="0"/>
+              <a:t>Saturday, January 19, 2019</a:t>
+            </a:fld>
+            <a:endParaRPr lang="en-US"/>
+          </a:p>
+        </p:txBody>
+      </p:sp>
+      <p:sp>
+        <p:nvSpPr>
+          <p:cNvPr id="6" name="Footer Placeholder 5"/>
+          <p:cNvSpPr>
+            <a:spLocks noGrp="1"/>
+          </p:cNvSpPr>
+          <p:nvPr>
+            <p:ph type="ftr" sz="quarter" idx="11"/>
+          </p:nvPr>
+        </p:nvSpPr>
+        <p:spPr/>
+        <p:txBody>
+          <a:bodyPr/>
+          <a:lstStyle/>
+          <a:p>
+            <a:r>
+              <a:rPr lang="en-US" smtClean="0"/>
+              <a:t>sai Prasad Ashila</a:t>
+            </a:r>
+            <a:endParaRPr lang="en-US"/>
+          </a:p>
+        </p:txBody>
+      </p:sp>
+      <p:sp>
+        <p:nvSpPr>
+          <p:cNvPr id="7" name="Slide Number Placeholder 6"/>
+          <p:cNvSpPr>
+            <a:spLocks noGrp="1"/>
+          </p:cNvSpPr>
+          <p:nvPr>
+            <p:ph type="sldNum" sz="quarter" idx="12"/>
+          </p:nvPr>
+        </p:nvSpPr>
+        <p:spPr/>
+        <p:txBody>
+          <a:bodyPr/>
+          <a:lstStyle/>
+          <a:p>
+            <a:fld id="{615D40AC-A62B-412C-A8B6-203EC4FF5FB6}" type="slidenum">
+              <a:rPr lang="en-US" smtClean="0"/>
+              <a:t>18</a:t>
+            </a:fld>
+            <a:endParaRPr lang="en-US"/>
+          </a:p>
+        </p:txBody>
+      </p:sp>
     </p:spTree>
     <p:extLst>
       <p:ext uri="{BB962C8B-B14F-4D97-AF65-F5344CB8AC3E}">
@@ -11384,6 +12395,75 @@
           </a:fontRef>
         </p:style>
       </p:cxnSp>
+      <p:sp>
+        <p:nvSpPr>
+          <p:cNvPr id="8" name="Date Placeholder 7"/>
+          <p:cNvSpPr>
+            <a:spLocks noGrp="1"/>
+          </p:cNvSpPr>
+          <p:nvPr>
+            <p:ph type="dt" sz="half" idx="10"/>
+          </p:nvPr>
+        </p:nvSpPr>
+        <p:spPr/>
+        <p:txBody>
+          <a:bodyPr/>
+          <a:lstStyle/>
+          <a:p>
+            <a:fld id="{8EBFD138-14FB-43C6-AA09-E69139D7A528}" type="datetime2">
+              <a:rPr lang="en-US" smtClean="0"/>
+              <a:t>Saturday, January 19, 2019</a:t>
+            </a:fld>
+            <a:endParaRPr lang="en-US"/>
+          </a:p>
+        </p:txBody>
+      </p:sp>
+      <p:sp>
+        <p:nvSpPr>
+          <p:cNvPr id="12" name="Footer Placeholder 11"/>
+          <p:cNvSpPr>
+            <a:spLocks noGrp="1"/>
+          </p:cNvSpPr>
+          <p:nvPr>
+            <p:ph type="ftr" sz="quarter" idx="11"/>
+          </p:nvPr>
+        </p:nvSpPr>
+        <p:spPr/>
+        <p:txBody>
+          <a:bodyPr/>
+          <a:lstStyle/>
+          <a:p>
+            <a:r>
+              <a:rPr lang="en-US" smtClean="0"/>
+              <a:t>sai Prasad Ashila</a:t>
+            </a:r>
+            <a:endParaRPr lang="en-US"/>
+          </a:p>
+        </p:txBody>
+      </p:sp>
+      <p:sp>
+        <p:nvSpPr>
+          <p:cNvPr id="13" name="Slide Number Placeholder 12"/>
+          <p:cNvSpPr>
+            <a:spLocks noGrp="1"/>
+          </p:cNvSpPr>
+          <p:nvPr>
+            <p:ph type="sldNum" sz="quarter" idx="12"/>
+          </p:nvPr>
+        </p:nvSpPr>
+        <p:spPr/>
+        <p:txBody>
+          <a:bodyPr/>
+          <a:lstStyle/>
+          <a:p>
+            <a:fld id="{615D40AC-A62B-412C-A8B6-203EC4FF5FB6}" type="slidenum">
+              <a:rPr lang="en-US" smtClean="0"/>
+              <a:t>19</a:t>
+            </a:fld>
+            <a:endParaRPr lang="en-US"/>
+          </a:p>
+        </p:txBody>
+      </p:sp>
     </p:spTree>
     <p:extLst>
       <p:ext uri="{BB962C8B-B14F-4D97-AF65-F5344CB8AC3E}">
@@ -11493,6 +12573,75 @@
           </a:effectLst>
         </p:spPr>
       </p:pic>
+      <p:sp>
+        <p:nvSpPr>
+          <p:cNvPr id="4" name="Date Placeholder 3"/>
+          <p:cNvSpPr>
+            <a:spLocks noGrp="1"/>
+          </p:cNvSpPr>
+          <p:nvPr>
+            <p:ph type="dt" sz="half" idx="10"/>
+          </p:nvPr>
+        </p:nvSpPr>
+        <p:spPr/>
+        <p:txBody>
+          <a:bodyPr/>
+          <a:lstStyle/>
+          <a:p>
+            <a:fld id="{5B2BD9C1-454E-450B-9B41-5A1F4FCB6E39}" type="datetime2">
+              <a:rPr lang="en-US" smtClean="0"/>
+              <a:t>Saturday, January 19, 2019</a:t>
+            </a:fld>
+            <a:endParaRPr lang="en-US"/>
+          </a:p>
+        </p:txBody>
+      </p:sp>
+      <p:sp>
+        <p:nvSpPr>
+          <p:cNvPr id="5" name="Footer Placeholder 4"/>
+          <p:cNvSpPr>
+            <a:spLocks noGrp="1"/>
+          </p:cNvSpPr>
+          <p:nvPr>
+            <p:ph type="ftr" sz="quarter" idx="11"/>
+          </p:nvPr>
+        </p:nvSpPr>
+        <p:spPr/>
+        <p:txBody>
+          <a:bodyPr/>
+          <a:lstStyle/>
+          <a:p>
+            <a:r>
+              <a:rPr lang="en-US" smtClean="0"/>
+              <a:t>sai Prasad Ashila</a:t>
+            </a:r>
+            <a:endParaRPr lang="en-US"/>
+          </a:p>
+        </p:txBody>
+      </p:sp>
+      <p:sp>
+        <p:nvSpPr>
+          <p:cNvPr id="6" name="Slide Number Placeholder 5"/>
+          <p:cNvSpPr>
+            <a:spLocks noGrp="1"/>
+          </p:cNvSpPr>
+          <p:nvPr>
+            <p:ph type="sldNum" sz="quarter" idx="12"/>
+          </p:nvPr>
+        </p:nvSpPr>
+        <p:spPr/>
+        <p:txBody>
+          <a:bodyPr/>
+          <a:lstStyle/>
+          <a:p>
+            <a:fld id="{615D40AC-A62B-412C-A8B6-203EC4FF5FB6}" type="slidenum">
+              <a:rPr lang="en-US" smtClean="0"/>
+              <a:t>2</a:t>
+            </a:fld>
+            <a:endParaRPr lang="en-US"/>
+          </a:p>
+        </p:txBody>
+      </p:sp>
     </p:spTree>
     <p:extLst>
       <p:ext uri="{BB962C8B-B14F-4D97-AF65-F5344CB8AC3E}">
@@ -13476,6 +14625,75 @@
           </p:pic>
         </mc:Fallback>
       </mc:AlternateContent>
+      <p:sp>
+        <p:nvSpPr>
+          <p:cNvPr id="6" name="Date Placeholder 5"/>
+          <p:cNvSpPr>
+            <a:spLocks noGrp="1"/>
+          </p:cNvSpPr>
+          <p:nvPr>
+            <p:ph type="dt" sz="half" idx="10"/>
+          </p:nvPr>
+        </p:nvSpPr>
+        <p:spPr/>
+        <p:txBody>
+          <a:bodyPr/>
+          <a:lstStyle/>
+          <a:p>
+            <a:fld id="{4266BAA6-E053-4EC2-94CF-011E43E8491B}" type="datetime2">
+              <a:rPr lang="en-US" smtClean="0"/>
+              <a:t>Saturday, January 19, 2019</a:t>
+            </a:fld>
+            <a:endParaRPr lang="en-US"/>
+          </a:p>
+        </p:txBody>
+      </p:sp>
+      <p:sp>
+        <p:nvSpPr>
+          <p:cNvPr id="7" name="Footer Placeholder 6"/>
+          <p:cNvSpPr>
+            <a:spLocks noGrp="1"/>
+          </p:cNvSpPr>
+          <p:nvPr>
+            <p:ph type="ftr" sz="quarter" idx="11"/>
+          </p:nvPr>
+        </p:nvSpPr>
+        <p:spPr/>
+        <p:txBody>
+          <a:bodyPr/>
+          <a:lstStyle/>
+          <a:p>
+            <a:r>
+              <a:rPr lang="en-US" smtClean="0"/>
+              <a:t>sai Prasad Ashila</a:t>
+            </a:r>
+            <a:endParaRPr lang="en-US"/>
+          </a:p>
+        </p:txBody>
+      </p:sp>
+      <p:sp>
+        <p:nvSpPr>
+          <p:cNvPr id="8" name="Slide Number Placeholder 7"/>
+          <p:cNvSpPr>
+            <a:spLocks noGrp="1"/>
+          </p:cNvSpPr>
+          <p:nvPr>
+            <p:ph type="sldNum" sz="quarter" idx="12"/>
+          </p:nvPr>
+        </p:nvSpPr>
+        <p:spPr/>
+        <p:txBody>
+          <a:bodyPr/>
+          <a:lstStyle/>
+          <a:p>
+            <a:fld id="{615D40AC-A62B-412C-A8B6-203EC4FF5FB6}" type="slidenum">
+              <a:rPr lang="en-US" smtClean="0"/>
+              <a:t>20</a:t>
+            </a:fld>
+            <a:endParaRPr lang="en-US"/>
+          </a:p>
+        </p:txBody>
+      </p:sp>
     </p:spTree>
     <p:extLst>
       <p:ext uri="{BB962C8B-B14F-4D97-AF65-F5344CB8AC3E}">
@@ -15931,6 +17149,75 @@
           </a:p>
         </p:txBody>
       </p:sp>
+      <p:sp>
+        <p:nvSpPr>
+          <p:cNvPr id="6" name="Date Placeholder 5"/>
+          <p:cNvSpPr>
+            <a:spLocks noGrp="1"/>
+          </p:cNvSpPr>
+          <p:nvPr>
+            <p:ph type="dt" sz="half" idx="10"/>
+          </p:nvPr>
+        </p:nvSpPr>
+        <p:spPr/>
+        <p:txBody>
+          <a:bodyPr/>
+          <a:lstStyle/>
+          <a:p>
+            <a:fld id="{EEC7FFAA-B707-4244-85C7-C098074D27E2}" type="datetime2">
+              <a:rPr lang="en-US" smtClean="0"/>
+              <a:t>Saturday, January 19, 2019</a:t>
+            </a:fld>
+            <a:endParaRPr lang="en-US"/>
+          </a:p>
+        </p:txBody>
+      </p:sp>
+      <p:sp>
+        <p:nvSpPr>
+          <p:cNvPr id="7" name="Footer Placeholder 6"/>
+          <p:cNvSpPr>
+            <a:spLocks noGrp="1"/>
+          </p:cNvSpPr>
+          <p:nvPr>
+            <p:ph type="ftr" sz="quarter" idx="11"/>
+          </p:nvPr>
+        </p:nvSpPr>
+        <p:spPr/>
+        <p:txBody>
+          <a:bodyPr/>
+          <a:lstStyle/>
+          <a:p>
+            <a:r>
+              <a:rPr lang="en-US" smtClean="0"/>
+              <a:t>sai Prasad Ashila</a:t>
+            </a:r>
+            <a:endParaRPr lang="en-US"/>
+          </a:p>
+        </p:txBody>
+      </p:sp>
+      <p:sp>
+        <p:nvSpPr>
+          <p:cNvPr id="9" name="Slide Number Placeholder 8"/>
+          <p:cNvSpPr>
+            <a:spLocks noGrp="1"/>
+          </p:cNvSpPr>
+          <p:nvPr>
+            <p:ph type="sldNum" sz="quarter" idx="12"/>
+          </p:nvPr>
+        </p:nvSpPr>
+        <p:spPr/>
+        <p:txBody>
+          <a:bodyPr/>
+          <a:lstStyle/>
+          <a:p>
+            <a:fld id="{615D40AC-A62B-412C-A8B6-203EC4FF5FB6}" type="slidenum">
+              <a:rPr lang="en-US" smtClean="0"/>
+              <a:t>21</a:t>
+            </a:fld>
+            <a:endParaRPr lang="en-US"/>
+          </a:p>
+        </p:txBody>
+      </p:sp>
     </p:spTree>
     <p:extLst>
       <p:ext uri="{BB962C8B-B14F-4D97-AF65-F5344CB8AC3E}">
@@ -18820,6 +20107,75 @@
           </a:p>
         </p:txBody>
       </p:sp>
+      <p:sp>
+        <p:nvSpPr>
+          <p:cNvPr id="8" name="Date Placeholder 7"/>
+          <p:cNvSpPr>
+            <a:spLocks noGrp="1"/>
+          </p:cNvSpPr>
+          <p:nvPr>
+            <p:ph type="dt" sz="half" idx="10"/>
+          </p:nvPr>
+        </p:nvSpPr>
+        <p:spPr/>
+        <p:txBody>
+          <a:bodyPr/>
+          <a:lstStyle/>
+          <a:p>
+            <a:fld id="{F489B632-9581-4B41-AFED-F937A24A7F09}" type="datetime2">
+              <a:rPr lang="en-US" smtClean="0"/>
+              <a:t>Saturday, January 19, 2019</a:t>
+            </a:fld>
+            <a:endParaRPr lang="en-US"/>
+          </a:p>
+        </p:txBody>
+      </p:sp>
+      <p:sp>
+        <p:nvSpPr>
+          <p:cNvPr id="9" name="Footer Placeholder 8"/>
+          <p:cNvSpPr>
+            <a:spLocks noGrp="1"/>
+          </p:cNvSpPr>
+          <p:nvPr>
+            <p:ph type="ftr" sz="quarter" idx="11"/>
+          </p:nvPr>
+        </p:nvSpPr>
+        <p:spPr/>
+        <p:txBody>
+          <a:bodyPr/>
+          <a:lstStyle/>
+          <a:p>
+            <a:r>
+              <a:rPr lang="en-US" smtClean="0"/>
+              <a:t>sai Prasad Ashila</a:t>
+            </a:r>
+            <a:endParaRPr lang="en-US"/>
+          </a:p>
+        </p:txBody>
+      </p:sp>
+      <p:sp>
+        <p:nvSpPr>
+          <p:cNvPr id="10" name="Slide Number Placeholder 9"/>
+          <p:cNvSpPr>
+            <a:spLocks noGrp="1"/>
+          </p:cNvSpPr>
+          <p:nvPr>
+            <p:ph type="sldNum" sz="quarter" idx="12"/>
+          </p:nvPr>
+        </p:nvSpPr>
+        <p:spPr/>
+        <p:txBody>
+          <a:bodyPr/>
+          <a:lstStyle/>
+          <a:p>
+            <a:fld id="{615D40AC-A62B-412C-A8B6-203EC4FF5FB6}" type="slidenum">
+              <a:rPr lang="en-US" smtClean="0"/>
+              <a:t>22</a:t>
+            </a:fld>
+            <a:endParaRPr lang="en-US"/>
+          </a:p>
+        </p:txBody>
+      </p:sp>
     </p:spTree>
     <p:extLst>
       <p:ext uri="{BB962C8B-B14F-4D97-AF65-F5344CB8AC3E}">
@@ -22121,6 +23477,75 @@
           </a:p>
         </p:txBody>
       </p:sp>
+      <p:sp>
+        <p:nvSpPr>
+          <p:cNvPr id="7" name="Date Placeholder 6"/>
+          <p:cNvSpPr>
+            <a:spLocks noGrp="1"/>
+          </p:cNvSpPr>
+          <p:nvPr>
+            <p:ph type="dt" sz="half" idx="10"/>
+          </p:nvPr>
+        </p:nvSpPr>
+        <p:spPr/>
+        <p:txBody>
+          <a:bodyPr/>
+          <a:lstStyle/>
+          <a:p>
+            <a:fld id="{2652FC1E-8331-43F9-94AC-BC8A46B6229F}" type="datetime2">
+              <a:rPr lang="en-US" smtClean="0"/>
+              <a:t>Saturday, January 19, 2019</a:t>
+            </a:fld>
+            <a:endParaRPr lang="en-US"/>
+          </a:p>
+        </p:txBody>
+      </p:sp>
+      <p:sp>
+        <p:nvSpPr>
+          <p:cNvPr id="8" name="Footer Placeholder 7"/>
+          <p:cNvSpPr>
+            <a:spLocks noGrp="1"/>
+          </p:cNvSpPr>
+          <p:nvPr>
+            <p:ph type="ftr" sz="quarter" idx="11"/>
+          </p:nvPr>
+        </p:nvSpPr>
+        <p:spPr/>
+        <p:txBody>
+          <a:bodyPr/>
+          <a:lstStyle/>
+          <a:p>
+            <a:r>
+              <a:rPr lang="en-US" smtClean="0"/>
+              <a:t>sai Prasad Ashila</a:t>
+            </a:r>
+            <a:endParaRPr lang="en-US"/>
+          </a:p>
+        </p:txBody>
+      </p:sp>
+      <p:sp>
+        <p:nvSpPr>
+          <p:cNvPr id="9" name="Slide Number Placeholder 8"/>
+          <p:cNvSpPr>
+            <a:spLocks noGrp="1"/>
+          </p:cNvSpPr>
+          <p:nvPr>
+            <p:ph type="sldNum" sz="quarter" idx="12"/>
+          </p:nvPr>
+        </p:nvSpPr>
+        <p:spPr/>
+        <p:txBody>
+          <a:bodyPr/>
+          <a:lstStyle/>
+          <a:p>
+            <a:fld id="{615D40AC-A62B-412C-A8B6-203EC4FF5FB6}" type="slidenum">
+              <a:rPr lang="en-US" smtClean="0"/>
+              <a:t>23</a:t>
+            </a:fld>
+            <a:endParaRPr lang="en-US"/>
+          </a:p>
+        </p:txBody>
+      </p:sp>
     </p:spTree>
     <p:extLst>
       <p:ext uri="{BB962C8B-B14F-4D97-AF65-F5344CB8AC3E}">
@@ -22170,6 +23595,75 @@
           </a:p>
         </p:txBody>
       </p:sp>
+      <p:sp>
+        <p:nvSpPr>
+          <p:cNvPr id="3" name="Date Placeholder 2"/>
+          <p:cNvSpPr>
+            <a:spLocks noGrp="1"/>
+          </p:cNvSpPr>
+          <p:nvPr>
+            <p:ph type="dt" sz="half" idx="10"/>
+          </p:nvPr>
+        </p:nvSpPr>
+        <p:spPr/>
+        <p:txBody>
+          <a:bodyPr/>
+          <a:lstStyle/>
+          <a:p>
+            <a:fld id="{31CACF93-C18B-47B7-8ADD-303BDBA8A78D}" type="datetime2">
+              <a:rPr lang="en-US" smtClean="0"/>
+              <a:t>Saturday, January 19, 2019</a:t>
+            </a:fld>
+            <a:endParaRPr lang="en-US"/>
+          </a:p>
+        </p:txBody>
+      </p:sp>
+      <p:sp>
+        <p:nvSpPr>
+          <p:cNvPr id="4" name="Footer Placeholder 3"/>
+          <p:cNvSpPr>
+            <a:spLocks noGrp="1"/>
+          </p:cNvSpPr>
+          <p:nvPr>
+            <p:ph type="ftr" sz="quarter" idx="11"/>
+          </p:nvPr>
+        </p:nvSpPr>
+        <p:spPr/>
+        <p:txBody>
+          <a:bodyPr/>
+          <a:lstStyle/>
+          <a:p>
+            <a:r>
+              <a:rPr lang="en-US" smtClean="0"/>
+              <a:t>sai Prasad Ashila</a:t>
+            </a:r>
+            <a:endParaRPr lang="en-US"/>
+          </a:p>
+        </p:txBody>
+      </p:sp>
+      <p:sp>
+        <p:nvSpPr>
+          <p:cNvPr id="5" name="Slide Number Placeholder 4"/>
+          <p:cNvSpPr>
+            <a:spLocks noGrp="1"/>
+          </p:cNvSpPr>
+          <p:nvPr>
+            <p:ph type="sldNum" sz="quarter" idx="12"/>
+          </p:nvPr>
+        </p:nvSpPr>
+        <p:spPr/>
+        <p:txBody>
+          <a:bodyPr/>
+          <a:lstStyle/>
+          <a:p>
+            <a:fld id="{615D40AC-A62B-412C-A8B6-203EC4FF5FB6}" type="slidenum">
+              <a:rPr lang="en-US" smtClean="0"/>
+              <a:t>24</a:t>
+            </a:fld>
+            <a:endParaRPr lang="en-US"/>
+          </a:p>
+        </p:txBody>
+      </p:sp>
     </p:spTree>
     <p:extLst>
       <p:ext uri="{BB962C8B-B14F-4D97-AF65-F5344CB8AC3E}">
@@ -22215,6 +23709,75 @@
           <a:bodyPr/>
           <a:lstStyle/>
           <a:p>
+            <a:endParaRPr lang="en-US"/>
+          </a:p>
+        </p:txBody>
+      </p:sp>
+      <p:sp>
+        <p:nvSpPr>
+          <p:cNvPr id="3" name="Date Placeholder 2"/>
+          <p:cNvSpPr>
+            <a:spLocks noGrp="1"/>
+          </p:cNvSpPr>
+          <p:nvPr>
+            <p:ph type="dt" sz="half" idx="10"/>
+          </p:nvPr>
+        </p:nvSpPr>
+        <p:spPr/>
+        <p:txBody>
+          <a:bodyPr/>
+          <a:lstStyle/>
+          <a:p>
+            <a:fld id="{9886846F-C7EC-4E69-8A5B-7B5483915663}" type="datetime2">
+              <a:rPr lang="en-US" smtClean="0"/>
+              <a:t>Saturday, January 19, 2019</a:t>
+            </a:fld>
+            <a:endParaRPr lang="en-US"/>
+          </a:p>
+        </p:txBody>
+      </p:sp>
+      <p:sp>
+        <p:nvSpPr>
+          <p:cNvPr id="4" name="Footer Placeholder 3"/>
+          <p:cNvSpPr>
+            <a:spLocks noGrp="1"/>
+          </p:cNvSpPr>
+          <p:nvPr>
+            <p:ph type="ftr" sz="quarter" idx="11"/>
+          </p:nvPr>
+        </p:nvSpPr>
+        <p:spPr/>
+        <p:txBody>
+          <a:bodyPr/>
+          <a:lstStyle/>
+          <a:p>
+            <a:r>
+              <a:rPr lang="en-US" smtClean="0"/>
+              <a:t>sai Prasad Ashila</a:t>
+            </a:r>
+            <a:endParaRPr lang="en-US"/>
+          </a:p>
+        </p:txBody>
+      </p:sp>
+      <p:sp>
+        <p:nvSpPr>
+          <p:cNvPr id="5" name="Slide Number Placeholder 4"/>
+          <p:cNvSpPr>
+            <a:spLocks noGrp="1"/>
+          </p:cNvSpPr>
+          <p:nvPr>
+            <p:ph type="sldNum" sz="quarter" idx="12"/>
+          </p:nvPr>
+        </p:nvSpPr>
+        <p:spPr/>
+        <p:txBody>
+          <a:bodyPr/>
+          <a:lstStyle/>
+          <a:p>
+            <a:fld id="{615D40AC-A62B-412C-A8B6-203EC4FF5FB6}" type="slidenum">
+              <a:rPr lang="en-US" smtClean="0"/>
+              <a:t>25</a:t>
+            </a:fld>
             <a:endParaRPr lang="en-US"/>
           </a:p>
         </p:txBody>
@@ -22870,6 +24433,75 @@
           </a:effectLst>
         </p:spPr>
       </p:pic>
+      <p:sp>
+        <p:nvSpPr>
+          <p:cNvPr id="14" name="Date Placeholder 13"/>
+          <p:cNvSpPr>
+            <a:spLocks noGrp="1"/>
+          </p:cNvSpPr>
+          <p:nvPr>
+            <p:ph type="dt" sz="half" idx="10"/>
+          </p:nvPr>
+        </p:nvSpPr>
+        <p:spPr/>
+        <p:txBody>
+          <a:bodyPr/>
+          <a:lstStyle/>
+          <a:p>
+            <a:fld id="{C16DEF9C-D1CF-4D68-AEA2-634559EBA975}" type="datetime2">
+              <a:rPr lang="en-US" smtClean="0"/>
+              <a:t>Saturday, January 19, 2019</a:t>
+            </a:fld>
+            <a:endParaRPr lang="en-US"/>
+          </a:p>
+        </p:txBody>
+      </p:sp>
+      <p:sp>
+        <p:nvSpPr>
+          <p:cNvPr id="15" name="Footer Placeholder 14"/>
+          <p:cNvSpPr>
+            <a:spLocks noGrp="1"/>
+          </p:cNvSpPr>
+          <p:nvPr>
+            <p:ph type="ftr" sz="quarter" idx="11"/>
+          </p:nvPr>
+        </p:nvSpPr>
+        <p:spPr/>
+        <p:txBody>
+          <a:bodyPr/>
+          <a:lstStyle/>
+          <a:p>
+            <a:r>
+              <a:rPr lang="en-US" smtClean="0"/>
+              <a:t>sai Prasad Ashila</a:t>
+            </a:r>
+            <a:endParaRPr lang="en-US"/>
+          </a:p>
+        </p:txBody>
+      </p:sp>
+      <p:sp>
+        <p:nvSpPr>
+          <p:cNvPr id="16" name="Slide Number Placeholder 15"/>
+          <p:cNvSpPr>
+            <a:spLocks noGrp="1"/>
+          </p:cNvSpPr>
+          <p:nvPr>
+            <p:ph type="sldNum" sz="quarter" idx="12"/>
+          </p:nvPr>
+        </p:nvSpPr>
+        <p:spPr/>
+        <p:txBody>
+          <a:bodyPr/>
+          <a:lstStyle/>
+          <a:p>
+            <a:fld id="{615D40AC-A62B-412C-A8B6-203EC4FF5FB6}" type="slidenum">
+              <a:rPr lang="en-US" smtClean="0"/>
+              <a:t>3</a:t>
+            </a:fld>
+            <a:endParaRPr lang="en-US"/>
+          </a:p>
+        </p:txBody>
+      </p:sp>
     </p:spTree>
     <p:extLst>
       <p:ext uri="{BB962C8B-B14F-4D97-AF65-F5344CB8AC3E}">
@@ -23003,6 +24635,75 @@
               <a:t>ull hypothesis</a:t>
             </a:r>
             <a:endParaRPr lang="en-US" sz="3200" dirty="0"/>
+          </a:p>
+        </p:txBody>
+      </p:sp>
+      <p:sp>
+        <p:nvSpPr>
+          <p:cNvPr id="4" name="Date Placeholder 3"/>
+          <p:cNvSpPr>
+            <a:spLocks noGrp="1"/>
+          </p:cNvSpPr>
+          <p:nvPr>
+            <p:ph type="dt" sz="half" idx="10"/>
+          </p:nvPr>
+        </p:nvSpPr>
+        <p:spPr/>
+        <p:txBody>
+          <a:bodyPr/>
+          <a:lstStyle/>
+          <a:p>
+            <a:fld id="{68A6C2DF-E631-4771-B974-DD1B7CFA0ED3}" type="datetime2">
+              <a:rPr lang="en-US" smtClean="0"/>
+              <a:t>Saturday, January 19, 2019</a:t>
+            </a:fld>
+            <a:endParaRPr lang="en-US"/>
+          </a:p>
+        </p:txBody>
+      </p:sp>
+      <p:sp>
+        <p:nvSpPr>
+          <p:cNvPr id="5" name="Footer Placeholder 4"/>
+          <p:cNvSpPr>
+            <a:spLocks noGrp="1"/>
+          </p:cNvSpPr>
+          <p:nvPr>
+            <p:ph type="ftr" sz="quarter" idx="11"/>
+          </p:nvPr>
+        </p:nvSpPr>
+        <p:spPr/>
+        <p:txBody>
+          <a:bodyPr/>
+          <a:lstStyle/>
+          <a:p>
+            <a:r>
+              <a:rPr lang="en-US" smtClean="0"/>
+              <a:t>sai Prasad Ashila</a:t>
+            </a:r>
+            <a:endParaRPr lang="en-US"/>
+          </a:p>
+        </p:txBody>
+      </p:sp>
+      <p:sp>
+        <p:nvSpPr>
+          <p:cNvPr id="6" name="Slide Number Placeholder 5"/>
+          <p:cNvSpPr>
+            <a:spLocks noGrp="1"/>
+          </p:cNvSpPr>
+          <p:nvPr>
+            <p:ph type="sldNum" sz="quarter" idx="12"/>
+          </p:nvPr>
+        </p:nvSpPr>
+        <p:spPr/>
+        <p:txBody>
+          <a:bodyPr/>
+          <a:lstStyle/>
+          <a:p>
+            <a:fld id="{615D40AC-A62B-412C-A8B6-203EC4FF5FB6}" type="slidenum">
+              <a:rPr lang="en-US" smtClean="0"/>
+              <a:t>4</a:t>
+            </a:fld>
+            <a:endParaRPr lang="en-US"/>
           </a:p>
         </p:txBody>
       </p:sp>
@@ -23446,7 +25147,7 @@
                     <a:p>
                       <a:pPr algn="l" fontAlgn="b"/>
                       <a:r>
-                        <a:rPr lang="en-US" sz="1600" b="1" i="0" u="sng" strike="noStrike">
+                        <a:rPr lang="en-US" sz="1600" b="1" i="0" u="sng" strike="noStrike" dirty="0">
                           <a:solidFill>
                             <a:srgbClr val="000000"/>
                           </a:solidFill>
@@ -26491,6 +28192,75 @@
           </a:p>
         </p:txBody>
       </p:sp>
+      <p:sp>
+        <p:nvSpPr>
+          <p:cNvPr id="3" name="Date Placeholder 2"/>
+          <p:cNvSpPr>
+            <a:spLocks noGrp="1"/>
+          </p:cNvSpPr>
+          <p:nvPr>
+            <p:ph type="dt" sz="half" idx="10"/>
+          </p:nvPr>
+        </p:nvSpPr>
+        <p:spPr/>
+        <p:txBody>
+          <a:bodyPr/>
+          <a:lstStyle/>
+          <a:p>
+            <a:fld id="{0C17D0DE-C3A6-44B5-9A06-7830F831A909}" type="datetime2">
+              <a:rPr lang="en-US" smtClean="0"/>
+              <a:t>Saturday, January 19, 2019</a:t>
+            </a:fld>
+            <a:endParaRPr lang="en-US"/>
+          </a:p>
+        </p:txBody>
+      </p:sp>
+      <p:sp>
+        <p:nvSpPr>
+          <p:cNvPr id="5" name="Footer Placeholder 4"/>
+          <p:cNvSpPr>
+            <a:spLocks noGrp="1"/>
+          </p:cNvSpPr>
+          <p:nvPr>
+            <p:ph type="ftr" sz="quarter" idx="11"/>
+          </p:nvPr>
+        </p:nvSpPr>
+        <p:spPr/>
+        <p:txBody>
+          <a:bodyPr/>
+          <a:lstStyle/>
+          <a:p>
+            <a:r>
+              <a:rPr lang="en-US" smtClean="0"/>
+              <a:t>sai Prasad Ashila</a:t>
+            </a:r>
+            <a:endParaRPr lang="en-US"/>
+          </a:p>
+        </p:txBody>
+      </p:sp>
+      <p:sp>
+        <p:nvSpPr>
+          <p:cNvPr id="8" name="Slide Number Placeholder 7"/>
+          <p:cNvSpPr>
+            <a:spLocks noGrp="1"/>
+          </p:cNvSpPr>
+          <p:nvPr>
+            <p:ph type="sldNum" sz="quarter" idx="12"/>
+          </p:nvPr>
+        </p:nvSpPr>
+        <p:spPr/>
+        <p:txBody>
+          <a:bodyPr/>
+          <a:lstStyle/>
+          <a:p>
+            <a:fld id="{615D40AC-A62B-412C-A8B6-203EC4FF5FB6}" type="slidenum">
+              <a:rPr lang="en-US" smtClean="0"/>
+              <a:t>5</a:t>
+            </a:fld>
+            <a:endParaRPr lang="en-US"/>
+          </a:p>
+        </p:txBody>
+      </p:sp>
     </p:spTree>
     <p:extLst>
       <p:ext uri="{BB962C8B-B14F-4D97-AF65-F5344CB8AC3E}">
@@ -26684,7 +28454,7 @@
                     <a:p>
                       <a:pPr algn="l" fontAlgn="b"/>
                       <a:r>
-                        <a:rPr lang="en-US" sz="1600" b="0" i="0" u="none" strike="noStrike">
+                        <a:rPr lang="en-US" sz="1600" b="0" i="0" u="none" strike="noStrike" dirty="0">
                           <a:solidFill>
                             <a:srgbClr val="000000"/>
                           </a:solidFill>
@@ -28897,7 +30667,7 @@
                     <a:p>
                       <a:pPr algn="r" fontAlgn="b"/>
                       <a:r>
-                        <a:rPr lang="en-US" sz="1600" b="0" i="0" u="none" strike="noStrike">
+                        <a:rPr lang="en-US" sz="1600" b="0" i="0" u="none" strike="noStrike" dirty="0">
                           <a:solidFill>
                             <a:srgbClr val="000000"/>
                           </a:solidFill>
@@ -29990,7 +31760,7 @@
                     <a:p>
                       <a:pPr algn="l" fontAlgn="b"/>
                       <a:r>
-                        <a:rPr lang="en-US" sz="1600" b="1" i="0" u="sng" strike="noStrike">
+                        <a:rPr lang="en-US" sz="1600" b="1" i="0" u="sng" strike="noStrike" dirty="0">
                           <a:solidFill>
                             <a:srgbClr val="000000"/>
                           </a:solidFill>
@@ -32278,6 +34048,75 @@
           </a:p>
         </p:txBody>
       </p:sp>
+      <p:sp>
+        <p:nvSpPr>
+          <p:cNvPr id="5" name="Date Placeholder 4"/>
+          <p:cNvSpPr>
+            <a:spLocks noGrp="1"/>
+          </p:cNvSpPr>
+          <p:nvPr>
+            <p:ph type="dt" sz="half" idx="10"/>
+          </p:nvPr>
+        </p:nvSpPr>
+        <p:spPr/>
+        <p:txBody>
+          <a:bodyPr/>
+          <a:lstStyle/>
+          <a:p>
+            <a:fld id="{21EC4729-6F03-49A6-A2C5-D748CE56D7D7}" type="datetime2">
+              <a:rPr lang="en-US" smtClean="0"/>
+              <a:t>Saturday, January 19, 2019</a:t>
+            </a:fld>
+            <a:endParaRPr lang="en-US"/>
+          </a:p>
+        </p:txBody>
+      </p:sp>
+      <p:sp>
+        <p:nvSpPr>
+          <p:cNvPr id="7" name="Footer Placeholder 6"/>
+          <p:cNvSpPr>
+            <a:spLocks noGrp="1"/>
+          </p:cNvSpPr>
+          <p:nvPr>
+            <p:ph type="ftr" sz="quarter" idx="11"/>
+          </p:nvPr>
+        </p:nvSpPr>
+        <p:spPr/>
+        <p:txBody>
+          <a:bodyPr/>
+          <a:lstStyle/>
+          <a:p>
+            <a:r>
+              <a:rPr lang="en-US" smtClean="0"/>
+              <a:t>sai Prasad Ashila</a:t>
+            </a:r>
+            <a:endParaRPr lang="en-US"/>
+          </a:p>
+        </p:txBody>
+      </p:sp>
+      <p:sp>
+        <p:nvSpPr>
+          <p:cNvPr id="9" name="Slide Number Placeholder 8"/>
+          <p:cNvSpPr>
+            <a:spLocks noGrp="1"/>
+          </p:cNvSpPr>
+          <p:nvPr>
+            <p:ph type="sldNum" sz="quarter" idx="12"/>
+          </p:nvPr>
+        </p:nvSpPr>
+        <p:spPr/>
+        <p:txBody>
+          <a:bodyPr/>
+          <a:lstStyle/>
+          <a:p>
+            <a:fld id="{615D40AC-A62B-412C-A8B6-203EC4FF5FB6}" type="slidenum">
+              <a:rPr lang="en-US" smtClean="0"/>
+              <a:t>6</a:t>
+            </a:fld>
+            <a:endParaRPr lang="en-US"/>
+          </a:p>
+        </p:txBody>
+      </p:sp>
     </p:spTree>
     <p:extLst>
       <p:ext uri="{BB962C8B-B14F-4D97-AF65-F5344CB8AC3E}">
@@ -38097,6 +39936,75 @@
           </a:p>
         </p:txBody>
       </p:sp>
+      <p:sp>
+        <p:nvSpPr>
+          <p:cNvPr id="5" name="Date Placeholder 4"/>
+          <p:cNvSpPr>
+            <a:spLocks noGrp="1"/>
+          </p:cNvSpPr>
+          <p:nvPr>
+            <p:ph type="dt" sz="half" idx="10"/>
+          </p:nvPr>
+        </p:nvSpPr>
+        <p:spPr/>
+        <p:txBody>
+          <a:bodyPr/>
+          <a:lstStyle/>
+          <a:p>
+            <a:fld id="{9FDBCC7B-158A-448D-9BD5-21A16F1BA327}" type="datetime2">
+              <a:rPr lang="en-US" smtClean="0"/>
+              <a:t>Saturday, January 19, 2019</a:t>
+            </a:fld>
+            <a:endParaRPr lang="en-US"/>
+          </a:p>
+        </p:txBody>
+      </p:sp>
+      <p:sp>
+        <p:nvSpPr>
+          <p:cNvPr id="8" name="Footer Placeholder 7"/>
+          <p:cNvSpPr>
+            <a:spLocks noGrp="1"/>
+          </p:cNvSpPr>
+          <p:nvPr>
+            <p:ph type="ftr" sz="quarter" idx="11"/>
+          </p:nvPr>
+        </p:nvSpPr>
+        <p:spPr/>
+        <p:txBody>
+          <a:bodyPr/>
+          <a:lstStyle/>
+          <a:p>
+            <a:r>
+              <a:rPr lang="en-US" smtClean="0"/>
+              <a:t>sai Prasad Ashila</a:t>
+            </a:r>
+            <a:endParaRPr lang="en-US"/>
+          </a:p>
+        </p:txBody>
+      </p:sp>
+      <p:sp>
+        <p:nvSpPr>
+          <p:cNvPr id="9" name="Slide Number Placeholder 8"/>
+          <p:cNvSpPr>
+            <a:spLocks noGrp="1"/>
+          </p:cNvSpPr>
+          <p:nvPr>
+            <p:ph type="sldNum" sz="quarter" idx="12"/>
+          </p:nvPr>
+        </p:nvSpPr>
+        <p:spPr/>
+        <p:txBody>
+          <a:bodyPr/>
+          <a:lstStyle/>
+          <a:p>
+            <a:fld id="{615D40AC-A62B-412C-A8B6-203EC4FF5FB6}" type="slidenum">
+              <a:rPr lang="en-US" smtClean="0"/>
+              <a:t>7</a:t>
+            </a:fld>
+            <a:endParaRPr lang="en-US"/>
+          </a:p>
+        </p:txBody>
+      </p:sp>
     </p:spTree>
     <p:extLst>
       <p:ext uri="{BB962C8B-B14F-4D97-AF65-F5344CB8AC3E}">
@@ -38186,7 +40094,15 @@
           <a:p>
             <a:r>
               <a:rPr lang="en-US" dirty="0" smtClean="0"/>
-              <a:t>To predict a value or we may have many proctors.(</a:t>
+              <a:t>To predict a value or we may have many </a:t>
+            </a:r>
+            <a:r>
+              <a:rPr lang="en-US" dirty="0" smtClean="0"/>
+              <a:t>predictors</a:t>
+            </a:r>
+            <a:r>
+              <a:rPr lang="en-US" dirty="0" smtClean="0"/>
+              <a:t>.(</a:t>
             </a:r>
             <a:r>
               <a:rPr lang="en-US" dirty="0" err="1" smtClean="0"/>
@@ -38206,7 +40122,15 @@
           <a:p>
             <a:r>
               <a:rPr lang="en-US" dirty="0" smtClean="0"/>
-              <a:t>  All the Factors many not have much impact of the required profits.</a:t>
+              <a:t> </a:t>
+            </a:r>
+            <a:r>
+              <a:rPr lang="en-US" dirty="0" smtClean="0"/>
+              <a:t>All </a:t>
+            </a:r>
+            <a:r>
+              <a:rPr lang="en-US" dirty="0" smtClean="0"/>
+              <a:t>the Factors many not have much impact of the required profits.</a:t>
             </a:r>
           </a:p>
           <a:p>
@@ -38254,6 +40178,75 @@
           </a:prstGeom>
         </p:spPr>
       </p:pic>
+      <p:sp>
+        <p:nvSpPr>
+          <p:cNvPr id="5" name="Date Placeholder 4"/>
+          <p:cNvSpPr>
+            <a:spLocks noGrp="1"/>
+          </p:cNvSpPr>
+          <p:nvPr>
+            <p:ph type="dt" sz="half" idx="10"/>
+          </p:nvPr>
+        </p:nvSpPr>
+        <p:spPr/>
+        <p:txBody>
+          <a:bodyPr/>
+          <a:lstStyle/>
+          <a:p>
+            <a:fld id="{DC015F7B-5835-48AE-AF9B-0FA4840EC18B}" type="datetime2">
+              <a:rPr lang="en-US" smtClean="0"/>
+              <a:t>Saturday, January 19, 2019</a:t>
+            </a:fld>
+            <a:endParaRPr lang="en-US"/>
+          </a:p>
+        </p:txBody>
+      </p:sp>
+      <p:sp>
+        <p:nvSpPr>
+          <p:cNvPr id="6" name="Footer Placeholder 5"/>
+          <p:cNvSpPr>
+            <a:spLocks noGrp="1"/>
+          </p:cNvSpPr>
+          <p:nvPr>
+            <p:ph type="ftr" sz="quarter" idx="11"/>
+          </p:nvPr>
+        </p:nvSpPr>
+        <p:spPr/>
+        <p:txBody>
+          <a:bodyPr/>
+          <a:lstStyle/>
+          <a:p>
+            <a:r>
+              <a:rPr lang="en-US" smtClean="0"/>
+              <a:t>sai Prasad Ashila</a:t>
+            </a:r>
+            <a:endParaRPr lang="en-US"/>
+          </a:p>
+        </p:txBody>
+      </p:sp>
+      <p:sp>
+        <p:nvSpPr>
+          <p:cNvPr id="7" name="Slide Number Placeholder 6"/>
+          <p:cNvSpPr>
+            <a:spLocks noGrp="1"/>
+          </p:cNvSpPr>
+          <p:nvPr>
+            <p:ph type="sldNum" sz="quarter" idx="12"/>
+          </p:nvPr>
+        </p:nvSpPr>
+        <p:spPr/>
+        <p:txBody>
+          <a:bodyPr/>
+          <a:lstStyle/>
+          <a:p>
+            <a:fld id="{615D40AC-A62B-412C-A8B6-203EC4FF5FB6}" type="slidenum">
+              <a:rPr lang="en-US" smtClean="0"/>
+              <a:t>8</a:t>
+            </a:fld>
+            <a:endParaRPr lang="en-US"/>
+          </a:p>
+        </p:txBody>
+      </p:sp>
     </p:spTree>
     <p:extLst>
       <p:ext uri="{BB962C8B-B14F-4D97-AF65-F5344CB8AC3E}">
@@ -38385,6 +40378,75 @@
               <a:buNone/>
             </a:pPr>
             <a:endParaRPr lang="en-US" sz="3600" dirty="0"/>
+          </a:p>
+        </p:txBody>
+      </p:sp>
+      <p:sp>
+        <p:nvSpPr>
+          <p:cNvPr id="4" name="Date Placeholder 3"/>
+          <p:cNvSpPr>
+            <a:spLocks noGrp="1"/>
+          </p:cNvSpPr>
+          <p:nvPr>
+            <p:ph type="dt" sz="half" idx="10"/>
+          </p:nvPr>
+        </p:nvSpPr>
+        <p:spPr/>
+        <p:txBody>
+          <a:bodyPr/>
+          <a:lstStyle/>
+          <a:p>
+            <a:fld id="{5F5F7B9C-E163-46AD-AF39-C629771F96AF}" type="datetime2">
+              <a:rPr lang="en-US" smtClean="0"/>
+              <a:t>Saturday, January 19, 2019</a:t>
+            </a:fld>
+            <a:endParaRPr lang="en-US"/>
+          </a:p>
+        </p:txBody>
+      </p:sp>
+      <p:sp>
+        <p:nvSpPr>
+          <p:cNvPr id="5" name="Footer Placeholder 4"/>
+          <p:cNvSpPr>
+            <a:spLocks noGrp="1"/>
+          </p:cNvSpPr>
+          <p:nvPr>
+            <p:ph type="ftr" sz="quarter" idx="11"/>
+          </p:nvPr>
+        </p:nvSpPr>
+        <p:spPr/>
+        <p:txBody>
+          <a:bodyPr/>
+          <a:lstStyle/>
+          <a:p>
+            <a:r>
+              <a:rPr lang="en-US" smtClean="0"/>
+              <a:t>sai Prasad Ashila</a:t>
+            </a:r>
+            <a:endParaRPr lang="en-US"/>
+          </a:p>
+        </p:txBody>
+      </p:sp>
+      <p:sp>
+        <p:nvSpPr>
+          <p:cNvPr id="6" name="Slide Number Placeholder 5"/>
+          <p:cNvSpPr>
+            <a:spLocks noGrp="1"/>
+          </p:cNvSpPr>
+          <p:nvPr>
+            <p:ph type="sldNum" sz="quarter" idx="12"/>
+          </p:nvPr>
+        </p:nvSpPr>
+        <p:spPr/>
+        <p:txBody>
+          <a:bodyPr/>
+          <a:lstStyle/>
+          <a:p>
+            <a:fld id="{615D40AC-A62B-412C-A8B6-203EC4FF5FB6}" type="slidenum">
+              <a:rPr lang="en-US" smtClean="0"/>
+              <a:t>9</a:t>
+            </a:fld>
+            <a:endParaRPr lang="en-US"/>
           </a:p>
         </p:txBody>
       </p:sp>
@@ -38694,4 +40756,265 @@
     </a:ext>
   </a:extLst>
 </a:theme>
+</file>
+
+<file path=ppt/theme/theme2.xml><?xml version="1.0" encoding="utf-8"?>
+<a:theme xmlns:a="http://schemas.openxmlformats.org/drawingml/2006/main" name="Office Theme">
+  <a:themeElements>
+    <a:clrScheme name="Office">
+      <a:dk1>
+        <a:sysClr val="windowText" lastClr="000000"/>
+      </a:dk1>
+      <a:lt1>
+        <a:sysClr val="window" lastClr="FFFFFF"/>
+      </a:lt1>
+      <a:dk2>
+        <a:srgbClr val="44546A"/>
+      </a:dk2>
+      <a:lt2>
+        <a:srgbClr val="E7E6E6"/>
+      </a:lt2>
+      <a:accent1>
+        <a:srgbClr val="5B9BD5"/>
+      </a:accent1>
+      <a:accent2>
+        <a:srgbClr val="ED7D31"/>
+      </a:accent2>
+      <a:accent3>
+        <a:srgbClr val="A5A5A5"/>
+      </a:accent3>
+      <a:accent4>
+        <a:srgbClr val="FFC000"/>
+      </a:accent4>
+      <a:accent5>
+        <a:srgbClr val="4472C4"/>
+      </a:accent5>
+      <a:accent6>
+        <a:srgbClr val="70AD47"/>
+      </a:accent6>
+      <a:hlink>
+        <a:srgbClr val="0563C1"/>
+      </a:hlink>
+      <a:folHlink>
+        <a:srgbClr val="954F72"/>
+      </a:folHlink>
+    </a:clrScheme>
+    <a:fontScheme name="Office">
+      <a:majorFont>
+        <a:latin typeface="Calibri Light" panose="020F0302020204030204"/>
+        <a:ea typeface=""/>
+        <a:cs typeface=""/>
+        <a:font script="Jpan" typeface="游ゴシック Light"/>
+        <a:font script="Hang" typeface="맑은 고딕"/>
+        <a:font script="Hans" typeface="等线 Light"/>
+        <a:font script="Hant" typeface="新細明體"/>
+        <a:font script="Arab" typeface="Times New Roman"/>
+        <a:font script="Hebr" typeface="Times New Roman"/>
+        <a:font script="Thai" typeface="Angsana New"/>
+        <a:font script="Ethi" typeface="Nyala"/>
+        <a:font script="Beng" typeface="Vrinda"/>
+        <a:font script="Gujr" typeface="Shruti"/>
+        <a:font script="Khmr" typeface="MoolBoran"/>
+        <a:font script="Knda" typeface="Tunga"/>
+        <a:font script="Guru" typeface="Raavi"/>
+        <a:font script="Cans" typeface="Euphemia"/>
+        <a:font script="Cher" typeface="Plantagenet Cherokee"/>
+        <a:font script="Yiii" typeface="Microsoft Yi Baiti"/>
+        <a:font script="Tibt" typeface="Microsoft Himalaya"/>
+        <a:font script="Thaa" typeface="MV Boli"/>
+        <a:font script="Deva" typeface="Mangal"/>
+        <a:font script="Telu" typeface="Gautami"/>
+        <a:font script="Taml" typeface="Latha"/>
+        <a:font script="Syrc" typeface="Estrangelo Edessa"/>
+        <a:font script="Orya" typeface="Kalinga"/>
+        <a:font script="Mlym" typeface="Kartika"/>
+        <a:font script="Laoo" typeface="DokChampa"/>
+        <a:font script="Sinh" typeface="Iskoola Pota"/>
+        <a:font script="Mong" typeface="Mongolian Baiti"/>
+        <a:font script="Viet" typeface="Times New Roman"/>
+        <a:font script="Uigh" typeface="Microsoft Uighur"/>
+        <a:font script="Geor" typeface="Sylfaen"/>
+      </a:majorFont>
+      <a:minorFont>
+        <a:latin typeface="Calibri" panose="020F0502020204030204"/>
+        <a:ea typeface=""/>
+        <a:cs typeface=""/>
+        <a:font script="Jpan" typeface="游ゴシック"/>
+        <a:font script="Hang" typeface="맑은 고딕"/>
+        <a:font script="Hans" typeface="等线"/>
+        <a:font script="Hant" typeface="新細明體"/>
+        <a:font script="Arab" typeface="Arial"/>
+        <a:font script="Hebr" typeface="Arial"/>
+        <a:font script="Thai" typeface="Cordia New"/>
+        <a:font script="Ethi" typeface="Nyala"/>
+        <a:font script="Beng" typeface="Vrinda"/>
+        <a:font script="Gujr" typeface="Shruti"/>
+        <a:font script="Khmr" typeface="DaunPenh"/>
+        <a:font script="Knda" typeface="Tunga"/>
+        <a:font script="Guru" typeface="Raavi"/>
+        <a:font script="Cans" typeface="Euphemia"/>
+        <a:font script="Cher" typeface="Plantagenet Cherokee"/>
+        <a:font script="Yiii" typeface="Microsoft Yi Baiti"/>
+        <a:font script="Tibt" typeface="Microsoft Himalaya"/>
+        <a:font script="Thaa" typeface="MV Boli"/>
+        <a:font script="Deva" typeface="Mangal"/>
+        <a:font script="Telu" typeface="Gautami"/>
+        <a:font script="Taml" typeface="Latha"/>
+        <a:font script="Syrc" typeface="Estrangelo Edessa"/>
+        <a:font script="Orya" typeface="Kalinga"/>
+        <a:font script="Mlym" typeface="Kartika"/>
+        <a:font script="Laoo" typeface="DokChampa"/>
+        <a:font script="Sinh" typeface="Iskoola Pota"/>
+        <a:font script="Mong" typeface="Mongolian Baiti"/>
+        <a:font script="Viet" typeface="Arial"/>
+        <a:font script="Uigh" typeface="Microsoft Uighur"/>
+        <a:font script="Geor" typeface="Sylfaen"/>
+      </a:minorFont>
+    </a:fontScheme>
+    <a:fmtScheme name="Office">
+      <a:fillStyleLst>
+        <a:solidFill>
+          <a:schemeClr val="phClr"/>
+        </a:solidFill>
+        <a:gradFill rotWithShape="1">
+          <a:gsLst>
+            <a:gs pos="0">
+              <a:schemeClr val="phClr">
+                <a:lumMod val="110000"/>
+                <a:satMod val="105000"/>
+                <a:tint val="67000"/>
+              </a:schemeClr>
+            </a:gs>
+            <a:gs pos="50000">
+              <a:schemeClr val="phClr">
+                <a:lumMod val="105000"/>
+                <a:satMod val="103000"/>
+                <a:tint val="73000"/>
+              </a:schemeClr>
+            </a:gs>
+            <a:gs pos="100000">
+              <a:schemeClr val="phClr">
+                <a:lumMod val="105000"/>
+                <a:satMod val="109000"/>
+                <a:tint val="81000"/>
+              </a:schemeClr>
+            </a:gs>
+          </a:gsLst>
+          <a:lin ang="5400000" scaled="0"/>
+        </a:gradFill>
+        <a:gradFill rotWithShape="1">
+          <a:gsLst>
+            <a:gs pos="0">
+              <a:schemeClr val="phClr">
+                <a:satMod val="103000"/>
+                <a:lumMod val="102000"/>
+                <a:tint val="94000"/>
+              </a:schemeClr>
+            </a:gs>
+            <a:gs pos="50000">
+              <a:schemeClr val="phClr">
+                <a:satMod val="110000"/>
+                <a:lumMod val="100000"/>
+                <a:shade val="100000"/>
+              </a:schemeClr>
+            </a:gs>
+            <a:gs pos="100000">
+              <a:schemeClr val="phClr">
+                <a:lumMod val="99000"/>
+                <a:satMod val="120000"/>
+                <a:shade val="78000"/>
+              </a:schemeClr>
+            </a:gs>
+          </a:gsLst>
+          <a:lin ang="5400000" scaled="0"/>
+        </a:gradFill>
+      </a:fillStyleLst>
+      <a:lnStyleLst>
+        <a:ln w="6350" cap="flat" cmpd="sng" algn="ctr">
+          <a:solidFill>
+            <a:schemeClr val="phClr"/>
+          </a:solidFill>
+          <a:prstDash val="solid"/>
+          <a:miter lim="800000"/>
+        </a:ln>
+        <a:ln w="12700" cap="flat" cmpd="sng" algn="ctr">
+          <a:solidFill>
+            <a:schemeClr val="phClr"/>
+          </a:solidFill>
+          <a:prstDash val="solid"/>
+          <a:miter lim="800000"/>
+        </a:ln>
+        <a:ln w="19050" cap="flat" cmpd="sng" algn="ctr">
+          <a:solidFill>
+            <a:schemeClr val="phClr"/>
+          </a:solidFill>
+          <a:prstDash val="solid"/>
+          <a:miter lim="800000"/>
+        </a:ln>
+      </a:lnStyleLst>
+      <a:effectStyleLst>
+        <a:effectStyle>
+          <a:effectLst/>
+        </a:effectStyle>
+        <a:effectStyle>
+          <a:effectLst/>
+        </a:effectStyle>
+        <a:effectStyle>
+          <a:effectLst>
+            <a:outerShdw blurRad="57150" dist="19050" dir="5400000" algn="ctr" rotWithShape="0">
+              <a:srgbClr val="000000">
+                <a:alpha val="63000"/>
+              </a:srgbClr>
+            </a:outerShdw>
+          </a:effectLst>
+        </a:effectStyle>
+      </a:effectStyleLst>
+      <a:bgFillStyleLst>
+        <a:solidFill>
+          <a:schemeClr val="phClr"/>
+        </a:solidFill>
+        <a:solidFill>
+          <a:schemeClr val="phClr">
+            <a:tint val="95000"/>
+            <a:satMod val="170000"/>
+          </a:schemeClr>
+        </a:solidFill>
+        <a:gradFill rotWithShape="1">
+          <a:gsLst>
+            <a:gs pos="0">
+              <a:schemeClr val="phClr">
+                <a:tint val="93000"/>
+                <a:satMod val="150000"/>
+                <a:shade val="98000"/>
+                <a:lumMod val="102000"/>
+              </a:schemeClr>
+            </a:gs>
+            <a:gs pos="50000">
+              <a:schemeClr val="phClr">
+                <a:tint val="98000"/>
+                <a:satMod val="130000"/>
+                <a:shade val="90000"/>
+                <a:lumMod val="103000"/>
+              </a:schemeClr>
+            </a:gs>
+            <a:gs pos="100000">
+              <a:schemeClr val="phClr">
+                <a:shade val="63000"/>
+                <a:satMod val="120000"/>
+              </a:schemeClr>
+            </a:gs>
+          </a:gsLst>
+          <a:lin ang="5400000" scaled="0"/>
+        </a:gradFill>
+      </a:bgFillStyleLst>
+    </a:fmtScheme>
+  </a:themeElements>
+  <a:objectDefaults/>
+  <a:extraClrSchemeLst/>
+  <a:extLst>
+    <a:ext uri="{05A4C25C-085E-4340-85A3-A5531E510DB2}">
+      <thm15:themeFamily xmlns:thm15="http://schemas.microsoft.com/office/thememl/2012/main" name="Office Theme" id="{62F939B6-93AF-4DB8-9C6B-D6C7DFDC589F}" vid="{4A3C46E8-61CC-4603-A589-7422A47A8E4A}"/>
+    </a:ext>
+  </a:extLst>
+</a:theme>
 </file>
--- a/Multiple_Linear_Regression/Multiple_linear_Regression.pptx
+++ b/Multiple_Linear_Regression/Multiple_linear_Regression.pptx
@@ -40094,15 +40094,7 @@
           <a:p>
             <a:r>
               <a:rPr lang="en-US" dirty="0" smtClean="0"/>
-              <a:t>To predict a value or we may have many </a:t>
-            </a:r>
-            <a:r>
-              <a:rPr lang="en-US" dirty="0" smtClean="0"/>
-              <a:t>predictors</a:t>
-            </a:r>
-            <a:r>
-              <a:rPr lang="en-US" dirty="0" smtClean="0"/>
-              <a:t>.(</a:t>
+              <a:t>To predict a value or we may have many predictors.(</a:t>
             </a:r>
             <a:r>
               <a:rPr lang="en-US" dirty="0" err="1" smtClean="0"/>
@@ -40122,15 +40114,7 @@
           <a:p>
             <a:r>
               <a:rPr lang="en-US" dirty="0" smtClean="0"/>
-              <a:t> </a:t>
-            </a:r>
-            <a:r>
-              <a:rPr lang="en-US" dirty="0" smtClean="0"/>
-              <a:t>All </a:t>
-            </a:r>
-            <a:r>
-              <a:rPr lang="en-US" dirty="0" smtClean="0"/>
-              <a:t>the Factors many not have much impact of the required profits.</a:t>
+              <a:t> All the Factors many not have much impact of the required profits.</a:t>
             </a:r>
           </a:p>
           <a:p>
